--- a/Deep Learning-3.12-3.14.pptx
+++ b/Deep Learning-3.12-3.14.pptx
@@ -13,17 +13,19 @@
     <p:sldId id="265" r:id="rId7"/>
     <p:sldId id="263" r:id="rId8"/>
     <p:sldId id="266" r:id="rId9"/>
-    <p:sldId id="267" r:id="rId10"/>
-    <p:sldId id="268" r:id="rId11"/>
-    <p:sldId id="269" r:id="rId12"/>
-    <p:sldId id="270" r:id="rId13"/>
-    <p:sldId id="271" r:id="rId14"/>
-    <p:sldId id="272" r:id="rId15"/>
-    <p:sldId id="273" r:id="rId16"/>
-    <p:sldId id="274" r:id="rId17"/>
-    <p:sldId id="275" r:id="rId18"/>
-    <p:sldId id="276" r:id="rId19"/>
-    <p:sldId id="258" r:id="rId20"/>
+    <p:sldId id="280" r:id="rId10"/>
+    <p:sldId id="279" r:id="rId11"/>
+    <p:sldId id="268" r:id="rId12"/>
+    <p:sldId id="269" r:id="rId13"/>
+    <p:sldId id="270" r:id="rId14"/>
+    <p:sldId id="271" r:id="rId15"/>
+    <p:sldId id="272" r:id="rId16"/>
+    <p:sldId id="273" r:id="rId17"/>
+    <p:sldId id="274" r:id="rId18"/>
+    <p:sldId id="277" r:id="rId19"/>
+    <p:sldId id="276" r:id="rId20"/>
+    <p:sldId id="278" r:id="rId21"/>
+    <p:sldId id="258" r:id="rId22"/>
   </p:sldIdLst>
   <p:sldSz cx="9144000" cy="6858000" type="screen4x3"/>
   <p:notesSz cx="6858000" cy="9144000"/>
@@ -409,7 +411,7 @@
           <a:p>
             <a:fld id="{DE31F557-D3ED-A448-92B8-EF89F27D4FAD}" type="datetimeFigureOut">
               <a:rPr kumimoji="1" lang="zh-CN" altLang="en-US" smtClean="0"/>
-              <a:t>2020/10/31</a:t>
+              <a:t>2020/11/1</a:t>
             </a:fld>
             <a:endParaRPr kumimoji="1" lang="zh-CN" altLang="en-US"/>
           </a:p>
@@ -643,7 +645,7 @@
           <a:p>
             <a:fld id="{DE31F557-D3ED-A448-92B8-EF89F27D4FAD}" type="datetimeFigureOut">
               <a:rPr kumimoji="1" lang="zh-CN" altLang="en-US" smtClean="0"/>
-              <a:t>2020/10/31</a:t>
+              <a:t>2020/11/1</a:t>
             </a:fld>
             <a:endParaRPr kumimoji="1" lang="zh-CN" altLang="en-US"/>
           </a:p>
@@ -939,7 +941,7 @@
           <a:p>
             <a:fld id="{DE31F557-D3ED-A448-92B8-EF89F27D4FAD}" type="datetimeFigureOut">
               <a:rPr kumimoji="1" lang="zh-CN" altLang="en-US" smtClean="0"/>
-              <a:t>2020/10/31</a:t>
+              <a:t>2020/11/1</a:t>
             </a:fld>
             <a:endParaRPr kumimoji="1" lang="zh-CN" altLang="en-US"/>
           </a:p>
@@ -1118,7 +1120,7 @@
           <a:p>
             <a:fld id="{DE31F557-D3ED-A448-92B8-EF89F27D4FAD}" type="datetimeFigureOut">
               <a:rPr kumimoji="1" lang="zh-CN" altLang="en-US" smtClean="0"/>
-              <a:t>2020/10/31</a:t>
+              <a:t>2020/11/1</a:t>
             </a:fld>
             <a:endParaRPr kumimoji="1" lang="zh-CN" altLang="en-US"/>
           </a:p>
@@ -1229,7 +1231,7 @@
           <a:p>
             <a:fld id="{DE31F557-D3ED-A448-92B8-EF89F27D4FAD}" type="datetimeFigureOut">
               <a:rPr kumimoji="1" lang="zh-CN" altLang="en-US" smtClean="0"/>
-              <a:t>2020/10/31</a:t>
+              <a:t>2020/11/1</a:t>
             </a:fld>
             <a:endParaRPr kumimoji="1" lang="zh-CN" altLang="en-US"/>
           </a:p>
@@ -1440,7 +1442,7 @@
           <a:p>
             <a:fld id="{DE31F557-D3ED-A448-92B8-EF89F27D4FAD}" type="datetimeFigureOut">
               <a:rPr kumimoji="1" lang="zh-CN" altLang="en-US" smtClean="0"/>
-              <a:t>2020/10/31</a:t>
+              <a:t>2020/11/1</a:t>
             </a:fld>
             <a:endParaRPr kumimoji="1" lang="zh-CN" altLang="en-US"/>
           </a:p>
@@ -1742,7 +1744,7 @@
           <a:p>
             <a:fld id="{DE31F557-D3ED-A448-92B8-EF89F27D4FAD}" type="datetimeFigureOut">
               <a:rPr kumimoji="1" lang="zh-CN" altLang="en-US" smtClean="0"/>
-              <a:t>2020/10/31</a:t>
+              <a:t>2020/11/1</a:t>
             </a:fld>
             <a:endParaRPr kumimoji="1" lang="zh-CN" altLang="en-US"/>
           </a:p>
@@ -2094,7 +2096,7 @@
           <a:p>
             <a:fld id="{DE31F557-D3ED-A448-92B8-EF89F27D4FAD}" type="datetimeFigureOut">
               <a:rPr kumimoji="1" lang="zh-CN" altLang="en-US" smtClean="0"/>
-              <a:t>2020/10/31</a:t>
+              <a:t>2020/11/1</a:t>
             </a:fld>
             <a:endParaRPr kumimoji="1" lang="zh-CN" altLang="en-US"/>
           </a:p>
@@ -2386,7 +2388,7 @@
           <a:p>
             <a:fld id="{DE31F557-D3ED-A448-92B8-EF89F27D4FAD}" type="datetimeFigureOut">
               <a:rPr kumimoji="1" lang="zh-CN" altLang="en-US" smtClean="0"/>
-              <a:t>2020/10/31</a:t>
+              <a:t>2020/11/1</a:t>
             </a:fld>
             <a:endParaRPr kumimoji="1" lang="zh-CN" altLang="en-US"/>
           </a:p>
@@ -2818,7 +2820,7 @@
           <a:p>
             <a:fld id="{DE31F557-D3ED-A448-92B8-EF89F27D4FAD}" type="datetimeFigureOut">
               <a:rPr kumimoji="1" lang="zh-CN" altLang="en-US" smtClean="0"/>
-              <a:t>2020/10/31</a:t>
+              <a:t>2020/11/1</a:t>
             </a:fld>
             <a:endParaRPr kumimoji="1" lang="zh-CN" altLang="en-US"/>
           </a:p>
@@ -3001,7 +3003,7 @@
           <a:p>
             <a:fld id="{DE31F557-D3ED-A448-92B8-EF89F27D4FAD}" type="datetimeFigureOut">
               <a:rPr kumimoji="1" lang="zh-CN" altLang="en-US" smtClean="0"/>
-              <a:t>2020/10/31</a:t>
+              <a:t>2020/11/1</a:t>
             </a:fld>
             <a:endParaRPr kumimoji="1" lang="zh-CN" altLang="en-US"/>
           </a:p>
@@ -3091,7 +3093,7 @@
           <a:p>
             <a:fld id="{DE31F557-D3ED-A448-92B8-EF89F27D4FAD}" type="datetimeFigureOut">
               <a:rPr kumimoji="1" lang="zh-CN" altLang="en-US" smtClean="0"/>
-              <a:t>2020/10/31</a:t>
+              <a:t>2020/11/1</a:t>
             </a:fld>
             <a:endParaRPr kumimoji="1" lang="zh-CN" altLang="en-US"/>
           </a:p>
@@ -3370,7 +3372,7 @@
           <a:p>
             <a:fld id="{DE31F557-D3ED-A448-92B8-EF89F27D4FAD}" type="datetimeFigureOut">
               <a:rPr kumimoji="1" lang="zh-CN" altLang="en-US" smtClean="0"/>
-              <a:t>2020/10/31</a:t>
+              <a:t>2020/11/1</a:t>
             </a:fld>
             <a:endParaRPr kumimoji="1" lang="zh-CN" altLang="en-US"/>
           </a:p>
@@ -3609,7 +3611,7 @@
           <a:p>
             <a:fld id="{DE31F557-D3ED-A448-92B8-EF89F27D4FAD}" type="datetimeFigureOut">
               <a:rPr kumimoji="1" lang="zh-CN" altLang="en-US" smtClean="0"/>
-              <a:t>2020/10/31</a:t>
+              <a:t>2020/11/1</a:t>
             </a:fld>
             <a:endParaRPr kumimoji="1" lang="zh-CN" altLang="en-US"/>
           </a:p>
@@ -4367,6 +4369,414 @@
                 <a:ea typeface="黑体"/>
                 <a:cs typeface="黑体"/>
               </a:rPr>
+              <a:t>2.Information Theory</a:t>
+            </a:r>
+            <a:endParaRPr lang="ja-JP" altLang="en-US" sz="4000" baseline="30000" dirty="0">
+              <a:solidFill>
+                <a:schemeClr val="bg1"/>
+              </a:solidFill>
+              <a:latin typeface="黑体"/>
+              <a:ea typeface="黑体"/>
+              <a:cs typeface="黑体"/>
+            </a:endParaRPr>
+          </a:p>
+        </p:txBody>
+      </p:sp>
+      <p:sp>
+        <p:nvSpPr>
+          <p:cNvPr id="3" name="内容占位符 4">
+            <a:extLst>
+              <a:ext uri="{FF2B5EF4-FFF2-40B4-BE49-F238E27FC236}">
+                <a16:creationId xmlns:a16="http://schemas.microsoft.com/office/drawing/2014/main" id="{C3A1C0B0-1BA2-46B8-86D0-C2FA375EBD02}"/>
+              </a:ext>
+            </a:extLst>
+          </p:cNvPr>
+          <p:cNvSpPr txBox="1">
+            <a:spLocks/>
+          </p:cNvSpPr>
+          <p:nvPr/>
+        </p:nvSpPr>
+        <p:spPr>
+          <a:xfrm>
+            <a:off x="207819" y="1691979"/>
+            <a:ext cx="8785179" cy="1890119"/>
+          </a:xfrm>
+          <a:prstGeom prst="rect">
+            <a:avLst/>
+          </a:prstGeom>
+        </p:spPr>
+        <p:txBody>
+          <a:bodyPr vert="horz" lIns="91440" tIns="45720" rIns="91440" bIns="45720" rtlCol="0">
+            <a:normAutofit/>
+          </a:bodyPr>
+          <a:lstStyle>
+            <a:lvl1pPr marL="457200" indent="-457200" algn="l" defTabSz="914400" rtl="0" eaLnBrk="1" latinLnBrk="0" hangingPunct="1">
+              <a:spcBef>
+                <a:spcPts val="2000"/>
+              </a:spcBef>
+              <a:buClr>
+                <a:schemeClr val="tx1">
+                  <a:lumMod val="75000"/>
+                  <a:lumOff val="25000"/>
+                </a:schemeClr>
+              </a:buClr>
+              <a:buSzPct val="75000"/>
+              <a:buFont typeface="Wingdings 2" pitchFamily="18" charset="2"/>
+              <a:buChar char=""/>
+              <a:defRPr sz="2200" kern="1200">
+                <a:solidFill>
+                  <a:schemeClr val="tx1">
+                    <a:lumMod val="75000"/>
+                    <a:lumOff val="25000"/>
+                  </a:schemeClr>
+                </a:solidFill>
+                <a:latin typeface="+mn-lt"/>
+                <a:ea typeface="+mn-ea"/>
+                <a:cs typeface="+mn-cs"/>
+              </a:defRPr>
+            </a:lvl1pPr>
+            <a:lvl2pPr marL="914400" indent="-457200" algn="l" defTabSz="914400" rtl="0" eaLnBrk="1" latinLnBrk="0" hangingPunct="1">
+              <a:spcBef>
+                <a:spcPts val="600"/>
+              </a:spcBef>
+              <a:buClr>
+                <a:schemeClr val="tx1">
+                  <a:lumMod val="50000"/>
+                  <a:lumOff val="50000"/>
+                </a:schemeClr>
+              </a:buClr>
+              <a:buSzPct val="75000"/>
+              <a:buFont typeface="Wingdings 2" pitchFamily="18" charset="2"/>
+              <a:buChar char=""/>
+              <a:defRPr sz="2000" kern="1200">
+                <a:solidFill>
+                  <a:schemeClr val="tx1">
+                    <a:lumMod val="75000"/>
+                    <a:lumOff val="25000"/>
+                  </a:schemeClr>
+                </a:solidFill>
+                <a:latin typeface="+mn-lt"/>
+                <a:ea typeface="+mn-ea"/>
+                <a:cs typeface="+mn-cs"/>
+              </a:defRPr>
+            </a:lvl2pPr>
+            <a:lvl3pPr marL="1371600" indent="-457200" algn="l" defTabSz="914400" rtl="0" eaLnBrk="1" latinLnBrk="0" hangingPunct="1">
+              <a:spcBef>
+                <a:spcPts val="600"/>
+              </a:spcBef>
+              <a:buClr>
+                <a:schemeClr val="tx1">
+                  <a:lumMod val="75000"/>
+                  <a:lumOff val="25000"/>
+                </a:schemeClr>
+              </a:buClr>
+              <a:buSzPct val="75000"/>
+              <a:buFont typeface="Wingdings 2" pitchFamily="18" charset="2"/>
+              <a:buChar char=""/>
+              <a:defRPr sz="1800" kern="1200">
+                <a:solidFill>
+                  <a:schemeClr val="tx1">
+                    <a:lumMod val="75000"/>
+                    <a:lumOff val="25000"/>
+                  </a:schemeClr>
+                </a:solidFill>
+                <a:latin typeface="+mn-lt"/>
+                <a:ea typeface="+mn-ea"/>
+                <a:cs typeface="+mn-cs"/>
+              </a:defRPr>
+            </a:lvl3pPr>
+            <a:lvl4pPr marL="1828800" indent="-457200" algn="l" defTabSz="914400" rtl="0" eaLnBrk="1" latinLnBrk="0" hangingPunct="1">
+              <a:spcBef>
+                <a:spcPts val="600"/>
+              </a:spcBef>
+              <a:buClr>
+                <a:schemeClr val="tx1">
+                  <a:lumMod val="50000"/>
+                  <a:lumOff val="50000"/>
+                </a:schemeClr>
+              </a:buClr>
+              <a:buSzPct val="75000"/>
+              <a:buFont typeface="Wingdings 2" pitchFamily="18" charset="2"/>
+              <a:buChar char=""/>
+              <a:defRPr sz="1800" kern="1200">
+                <a:solidFill>
+                  <a:schemeClr val="tx1">
+                    <a:lumMod val="75000"/>
+                    <a:lumOff val="25000"/>
+                  </a:schemeClr>
+                </a:solidFill>
+                <a:latin typeface="+mn-lt"/>
+                <a:ea typeface="+mn-ea"/>
+                <a:cs typeface="+mn-cs"/>
+              </a:defRPr>
+            </a:lvl4pPr>
+            <a:lvl5pPr marL="2286000" indent="-457200" algn="l" defTabSz="914400" rtl="0" eaLnBrk="1" latinLnBrk="0" hangingPunct="1">
+              <a:spcBef>
+                <a:spcPts val="600"/>
+              </a:spcBef>
+              <a:buClr>
+                <a:schemeClr val="tx1">
+                  <a:lumMod val="75000"/>
+                  <a:lumOff val="25000"/>
+                </a:schemeClr>
+              </a:buClr>
+              <a:buSzPct val="75000"/>
+              <a:buFont typeface="Wingdings 2" pitchFamily="18" charset="2"/>
+              <a:buChar char=""/>
+              <a:defRPr sz="1800" kern="1200">
+                <a:solidFill>
+                  <a:schemeClr val="tx1">
+                    <a:lumMod val="75000"/>
+                    <a:lumOff val="25000"/>
+                  </a:schemeClr>
+                </a:solidFill>
+                <a:latin typeface="+mn-lt"/>
+                <a:ea typeface="+mn-ea"/>
+                <a:cs typeface="+mn-cs"/>
+              </a:defRPr>
+            </a:lvl5pPr>
+            <a:lvl6pPr marL="2743200" indent="-461963" algn="l" defTabSz="914400" rtl="0" eaLnBrk="1" latinLnBrk="0" hangingPunct="1">
+              <a:spcBef>
+                <a:spcPct val="20000"/>
+              </a:spcBef>
+              <a:buClr>
+                <a:schemeClr val="tx1">
+                  <a:lumMod val="50000"/>
+                  <a:lumOff val="50000"/>
+                </a:schemeClr>
+              </a:buClr>
+              <a:buSzPct val="75000"/>
+              <a:buFont typeface="Wingdings 2" pitchFamily="18" charset="2"/>
+              <a:buChar char=""/>
+              <a:defRPr lang="en-US" sz="1800" kern="1200" dirty="0" smtClean="0">
+                <a:solidFill>
+                  <a:schemeClr val="tx1">
+                    <a:lumMod val="75000"/>
+                    <a:lumOff val="25000"/>
+                  </a:schemeClr>
+                </a:solidFill>
+                <a:latin typeface="+mn-lt"/>
+                <a:ea typeface="+mn-ea"/>
+                <a:cs typeface="+mn-cs"/>
+              </a:defRPr>
+            </a:lvl6pPr>
+            <a:lvl7pPr marL="3205163" indent="-461963" algn="l" defTabSz="914400" rtl="0" eaLnBrk="1" latinLnBrk="0" hangingPunct="1">
+              <a:spcBef>
+                <a:spcPct val="20000"/>
+              </a:spcBef>
+              <a:buClr>
+                <a:schemeClr val="tx1">
+                  <a:lumMod val="75000"/>
+                  <a:lumOff val="25000"/>
+                </a:schemeClr>
+              </a:buClr>
+              <a:buSzPct val="75000"/>
+              <a:buFont typeface="Wingdings 2" pitchFamily="18" charset="2"/>
+              <a:buChar char=""/>
+              <a:defRPr lang="en-US" sz="1800" kern="1200" dirty="0" smtClean="0">
+                <a:solidFill>
+                  <a:schemeClr val="tx1">
+                    <a:lumMod val="75000"/>
+                    <a:lumOff val="25000"/>
+                  </a:schemeClr>
+                </a:solidFill>
+                <a:latin typeface="+mn-lt"/>
+                <a:ea typeface="+mn-ea"/>
+                <a:cs typeface="+mn-cs"/>
+              </a:defRPr>
+            </a:lvl7pPr>
+            <a:lvl8pPr marL="3657600" indent="-461963" algn="l" defTabSz="914400" rtl="0" eaLnBrk="1" latinLnBrk="0" hangingPunct="1">
+              <a:spcBef>
+                <a:spcPct val="20000"/>
+              </a:spcBef>
+              <a:buClr>
+                <a:schemeClr val="tx1">
+                  <a:lumMod val="50000"/>
+                  <a:lumOff val="50000"/>
+                </a:schemeClr>
+              </a:buClr>
+              <a:buSzPct val="75000"/>
+              <a:buFont typeface="Wingdings 2" pitchFamily="18" charset="2"/>
+              <a:buChar char=""/>
+              <a:defRPr lang="en-US" sz="1800" kern="1200" dirty="0" smtClean="0">
+                <a:solidFill>
+                  <a:schemeClr val="tx1">
+                    <a:lumMod val="75000"/>
+                    <a:lumOff val="25000"/>
+                  </a:schemeClr>
+                </a:solidFill>
+                <a:latin typeface="+mn-lt"/>
+                <a:ea typeface="+mn-ea"/>
+                <a:cs typeface="+mn-cs"/>
+              </a:defRPr>
+            </a:lvl8pPr>
+            <a:lvl9pPr marL="4119563" indent="-461963" algn="l" defTabSz="914400" rtl="0" eaLnBrk="1" latinLnBrk="0" hangingPunct="1">
+              <a:spcBef>
+                <a:spcPct val="20000"/>
+              </a:spcBef>
+              <a:buClr>
+                <a:schemeClr val="tx1">
+                  <a:lumMod val="75000"/>
+                  <a:lumOff val="25000"/>
+                </a:schemeClr>
+              </a:buClr>
+              <a:buSzPct val="75000"/>
+              <a:buFont typeface="Wingdings 2" pitchFamily="18" charset="2"/>
+              <a:buChar char=""/>
+              <a:defRPr lang="en-US" sz="1800" kern="1200" dirty="0">
+                <a:solidFill>
+                  <a:schemeClr val="tx1">
+                    <a:lumMod val="75000"/>
+                    <a:lumOff val="25000"/>
+                  </a:schemeClr>
+                </a:solidFill>
+                <a:latin typeface="+mn-lt"/>
+                <a:ea typeface="+mn-ea"/>
+                <a:cs typeface="+mn-cs"/>
+              </a:defRPr>
+            </a:lvl9pPr>
+          </a:lstStyle>
+          <a:p>
+            <a:endParaRPr kumimoji="1" lang="en-US" altLang="zh-CN" dirty="0">
+              <a:solidFill>
+                <a:schemeClr val="tx1"/>
+              </a:solidFill>
+            </a:endParaRPr>
+          </a:p>
+          <a:p>
+            <a:endParaRPr kumimoji="1" lang="zh-CN" altLang="en-US" dirty="0">
+              <a:solidFill>
+                <a:schemeClr val="tx1"/>
+              </a:solidFill>
+            </a:endParaRPr>
+          </a:p>
+        </p:txBody>
+      </p:sp>
+      <p:sp>
+        <p:nvSpPr>
+          <p:cNvPr id="4" name="内容占位符 4">
+            <a:extLst>
+              <a:ext uri="{FF2B5EF4-FFF2-40B4-BE49-F238E27FC236}">
+                <a16:creationId xmlns:a16="http://schemas.microsoft.com/office/drawing/2014/main" id="{DD1BF1B9-B390-A64E-B8BE-BBB608982C42}"/>
+              </a:ext>
+            </a:extLst>
+          </p:cNvPr>
+          <p:cNvSpPr>
+            <a:spLocks noGrp="1"/>
+          </p:cNvSpPr>
+          <p:nvPr>
+            <p:ph idx="1"/>
+          </p:nvPr>
+        </p:nvSpPr>
+        <p:spPr>
+          <a:xfrm>
+            <a:off x="473364" y="1939635"/>
+            <a:ext cx="8334970" cy="3226385"/>
+          </a:xfrm>
+        </p:spPr>
+        <p:txBody>
+          <a:bodyPr>
+            <a:normAutofit lnSpcReduction="10000"/>
+          </a:bodyPr>
+          <a:lstStyle/>
+          <a:p>
+            <a:r>
+              <a:rPr kumimoji="1" lang="en-US" altLang="zh-CN" dirty="0">
+                <a:solidFill>
+                  <a:schemeClr val="tx1"/>
+                </a:solidFill>
+              </a:rPr>
+              <a:t>Information theory studies the quantification, storage, and communication of information. </a:t>
+            </a:r>
+          </a:p>
+          <a:p>
+            <a:r>
+              <a:rPr kumimoji="1" lang="en-US" altLang="zh-CN" dirty="0">
+                <a:solidFill>
+                  <a:schemeClr val="tx1"/>
+                </a:solidFill>
+              </a:rPr>
+              <a:t>It was originally proposed by Claude Shannon in 1948 to find fundamental limits on signal processing and communication operations such as data compression, in a landmark paper titled "A Mathematical Theory of Communication".</a:t>
+            </a:r>
+          </a:p>
+          <a:p>
+            <a:r>
+              <a:rPr kumimoji="1" lang="en-US" altLang="zh-CN" dirty="0">
+                <a:solidFill>
+                  <a:schemeClr val="tx1"/>
+                </a:solidFill>
+              </a:rPr>
+              <a:t>Abstractly, information can be thought of as the resolution of uncertainty.</a:t>
+            </a:r>
+          </a:p>
+        </p:txBody>
+      </p:sp>
+    </p:spTree>
+    <p:extLst>
+      <p:ext uri="{BB962C8B-B14F-4D97-AF65-F5344CB8AC3E}">
+        <p14:creationId xmlns:p14="http://schemas.microsoft.com/office/powerpoint/2010/main" val="263515494"/>
+      </p:ext>
+    </p:extLst>
+  </p:cSld>
+  <p:clrMapOvr>
+    <a:masterClrMapping/>
+  </p:clrMapOvr>
+</p:sld>
+</file>
+
+<file path=ppt/slides/slide11.xml><?xml version="1.0" encoding="utf-8"?>
+<p:sld xmlns:a="http://schemas.openxmlformats.org/drawingml/2006/main" xmlns:r="http://schemas.openxmlformats.org/officeDocument/2006/relationships" xmlns:p="http://schemas.openxmlformats.org/presentationml/2006/main">
+  <p:cSld>
+    <p:spTree>
+      <p:nvGrpSpPr>
+        <p:cNvPr id="1" name=""/>
+        <p:cNvGrpSpPr/>
+        <p:nvPr/>
+      </p:nvGrpSpPr>
+      <p:grpSpPr>
+        <a:xfrm>
+          <a:off x="0" y="0"/>
+          <a:ext cx="0" cy="0"/>
+          <a:chOff x="0" y="0"/>
+          <a:chExt cx="0" cy="0"/>
+        </a:xfrm>
+      </p:grpSpPr>
+      <p:sp>
+        <p:nvSpPr>
+          <p:cNvPr id="5" name="标题 1">
+            <a:extLst>
+              <a:ext uri="{FF2B5EF4-FFF2-40B4-BE49-F238E27FC236}">
+                <a16:creationId xmlns:a16="http://schemas.microsoft.com/office/drawing/2014/main" id="{F0511409-B9AF-4D30-B635-901BDDA9EAD1}"/>
+              </a:ext>
+            </a:extLst>
+          </p:cNvPr>
+          <p:cNvSpPr>
+            <a:spLocks noGrp="1"/>
+          </p:cNvSpPr>
+          <p:nvPr>
+            <p:ph type="title"/>
+          </p:nvPr>
+        </p:nvSpPr>
+        <p:spPr>
+          <a:xfrm>
+            <a:off x="460664" y="539176"/>
+            <a:ext cx="8048336" cy="750455"/>
+          </a:xfrm>
+        </p:spPr>
+        <p:txBody>
+          <a:bodyPr/>
+          <a:lstStyle/>
+          <a:p>
+            <a:pPr algn="l"/>
+            <a:r>
+              <a:rPr lang="en-US" altLang="ja-JP" sz="4000" baseline="30000" dirty="0">
+                <a:solidFill>
+                  <a:schemeClr val="bg1"/>
+                </a:solidFill>
+                <a:latin typeface="黑体"/>
+                <a:ea typeface="黑体"/>
+                <a:cs typeface="黑体"/>
+              </a:rPr>
               <a:t>2.1 Self-Information</a:t>
             </a:r>
             <a:endParaRPr lang="ja-JP" altLang="en-US" sz="4000" baseline="30000" dirty="0">
@@ -5045,7 +5455,23 @@
                   <a:schemeClr val="tx1"/>
                 </a:solidFill>
               </a:rPr>
-              <a:t>When b=2, units called bits or </a:t>
+              <a:t>When b=2, units called </a:t>
+            </a:r>
+            <a:r>
+              <a:rPr kumimoji="1" lang="en-US" altLang="zh-CN" b="1" dirty="0">
+                <a:solidFill>
+                  <a:schemeClr val="tx1"/>
+                </a:solidFill>
+              </a:rPr>
+              <a:t>bits</a:t>
+            </a:r>
+            <a:r>
+              <a:rPr kumimoji="1" lang="en-US" altLang="zh-CN" dirty="0">
+                <a:solidFill>
+                  <a:schemeClr val="tx1"/>
+                </a:solidFill>
+              </a:rPr>
+              <a:t> or </a:t>
             </a:r>
             <a:r>
               <a:rPr kumimoji="1" lang="en-US" altLang="zh-CN" dirty="0" err="1">
@@ -5099,10 +5525,134 @@
   <p:clrMapOvr>
     <a:masterClrMapping/>
   </p:clrMapOvr>
+  <p:timing>
+    <p:tnLst>
+      <p:par>
+        <p:cTn id="1" dur="indefinite" restart="never" nodeType="tmRoot">
+          <p:childTnLst>
+            <p:seq concurrent="1" nextAc="seek">
+              <p:cTn id="2" dur="indefinite" nodeType="mainSeq">
+                <p:childTnLst>
+                  <p:par>
+                    <p:cTn id="3" fill="hold">
+                      <p:stCondLst>
+                        <p:cond delay="indefinite"/>
+                      </p:stCondLst>
+                      <p:childTnLst>
+                        <p:par>
+                          <p:cTn id="4" fill="hold">
+                            <p:stCondLst>
+                              <p:cond delay="0"/>
+                            </p:stCondLst>
+                            <p:childTnLst>
+                              <p:par>
+                                <p:cTn id="5" presetID="1" presetClass="entr" presetSubtype="0" fill="hold" grpId="0" nodeType="clickEffect">
+                                  <p:stCondLst>
+                                    <p:cond delay="0"/>
+                                  </p:stCondLst>
+                                  <p:childTnLst>
+                                    <p:set>
+                                      <p:cBhvr>
+                                        <p:cTn id="6" dur="1" fill="hold">
+                                          <p:stCondLst>
+                                            <p:cond delay="0"/>
+                                          </p:stCondLst>
+                                        </p:cTn>
+                                        <p:tgtEl>
+                                          <p:spTgt spid="3"/>
+                                        </p:tgtEl>
+                                        <p:attrNameLst>
+                                          <p:attrName>style.visibility</p:attrName>
+                                        </p:attrNameLst>
+                                      </p:cBhvr>
+                                      <p:to>
+                                        <p:strVal val="visible"/>
+                                      </p:to>
+                                    </p:set>
+                                  </p:childTnLst>
+                                </p:cTn>
+                              </p:par>
+                            </p:childTnLst>
+                          </p:cTn>
+                        </p:par>
+                      </p:childTnLst>
+                    </p:cTn>
+                  </p:par>
+                  <p:par>
+                    <p:cTn id="7" fill="hold">
+                      <p:stCondLst>
+                        <p:cond delay="indefinite"/>
+                      </p:stCondLst>
+                      <p:childTnLst>
+                        <p:par>
+                          <p:cTn id="8" fill="hold">
+                            <p:stCondLst>
+                              <p:cond delay="0"/>
+                            </p:stCondLst>
+                            <p:childTnLst>
+                              <p:par>
+                                <p:cTn id="9" presetID="1" presetClass="entr" presetSubtype="0" fill="hold" grpId="0" nodeType="clickEffect">
+                                  <p:stCondLst>
+                                    <p:cond delay="0"/>
+                                  </p:stCondLst>
+                                  <p:childTnLst>
+                                    <p:set>
+                                      <p:cBhvr>
+                                        <p:cTn id="10" dur="1" fill="hold">
+                                          <p:stCondLst>
+                                            <p:cond delay="0"/>
+                                          </p:stCondLst>
+                                        </p:cTn>
+                                        <p:tgtEl>
+                                          <p:spTgt spid="4"/>
+                                        </p:tgtEl>
+                                        <p:attrNameLst>
+                                          <p:attrName>style.visibility</p:attrName>
+                                        </p:attrNameLst>
+                                      </p:cBhvr>
+                                      <p:to>
+                                        <p:strVal val="visible"/>
+                                      </p:to>
+                                    </p:set>
+                                  </p:childTnLst>
+                                </p:cTn>
+                              </p:par>
+                            </p:childTnLst>
+                          </p:cTn>
+                        </p:par>
+                      </p:childTnLst>
+                    </p:cTn>
+                  </p:par>
+                </p:childTnLst>
+              </p:cTn>
+              <p:prevCondLst>
+                <p:cond evt="onPrev" delay="0">
+                  <p:tgtEl>
+                    <p:sldTgt/>
+                  </p:tgtEl>
+                </p:cond>
+              </p:prevCondLst>
+              <p:nextCondLst>
+                <p:cond evt="onNext" delay="0">
+                  <p:tgtEl>
+                    <p:sldTgt/>
+                  </p:tgtEl>
+                </p:cond>
+              </p:nextCondLst>
+            </p:seq>
+          </p:childTnLst>
+        </p:cTn>
+      </p:par>
+    </p:tnLst>
+    <p:bldLst>
+      <p:bldP spid="3" grpId="0"/>
+      <p:bldP spid="4" grpId="0"/>
+    </p:bldLst>
+  </p:timing>
 </p:sld>
 </file>
 
-<file path=ppt/slides/slide11.xml><?xml version="1.0" encoding="utf-8"?>
+<file path=ppt/slides/slide12.xml><?xml version="1.0" encoding="utf-8"?>
 <p:sld xmlns:a="http://schemas.openxmlformats.org/drawingml/2006/main" xmlns:r="http://schemas.openxmlformats.org/officeDocument/2006/relationships" xmlns:p="http://schemas.openxmlformats.org/presentationml/2006/main">
   <p:cSld>
     <p:spTree>
@@ -5155,7 +5705,7 @@
                 <a:ea typeface="黑体"/>
                 <a:cs typeface="黑体"/>
               </a:rPr>
-              <a:t>2.2 Shannon Entropy</a:t>
+              <a:t>2.2 Shannon Entropy(Information Entropy)</a:t>
             </a:r>
             <a:endParaRPr lang="ja-JP" altLang="en-US" sz="4000" baseline="30000" dirty="0">
               <a:solidFill>
@@ -5185,7 +5735,7 @@
         <p:spPr>
           <a:xfrm>
             <a:off x="207819" y="1381587"/>
-            <a:ext cx="8827124" cy="2443793"/>
+            <a:ext cx="8827124" cy="1187993"/>
           </a:xfrm>
           <a:prstGeom prst="rect">
             <a:avLst/>
@@ -5432,21 +5982,6 @@
               <a:t>In information theory, the entropy of a random variable is the average level of "information", "surprise", or "uncertainty" inherent in the variable's possible outcomes. </a:t>
             </a:r>
           </a:p>
-          <a:p>
-            <a:r>
-              <a:rPr kumimoji="1" lang="en-US" altLang="zh-CN" dirty="0">
-                <a:solidFill>
-                  <a:schemeClr val="tx1"/>
-                </a:solidFill>
-              </a:rPr>
-              <a:t>The concept of information entropy was introduced by Claude Shannon in his 1948 paper "A Mathematical Theory of Communication".</a:t>
-            </a:r>
-            <a:endParaRPr kumimoji="1" lang="zh-CN" altLang="en-US" dirty="0">
-              <a:solidFill>
-                <a:schemeClr val="tx1"/>
-              </a:solidFill>
-            </a:endParaRPr>
-          </a:p>
         </p:txBody>
       </p:sp>
       <mc:AlternateContent xmlns:mc="http://schemas.openxmlformats.org/markup-compatibility/2006">
@@ -5467,7 +6002,7 @@
             </p:nvSpPr>
             <p:spPr>
               <a:xfrm>
-                <a:off x="207819" y="3825380"/>
+                <a:off x="132318" y="2864681"/>
                 <a:ext cx="9011682" cy="2493443"/>
               </a:xfrm>
               <a:prstGeom prst="rect">
@@ -6110,7 +6645,7 @@
             </p:nvSpPr>
             <p:spPr>
               <a:xfrm>
-                <a:off x="207819" y="3825380"/>
+                <a:off x="132318" y="2864681"/>
                 <a:ext cx="9011682" cy="2493443"/>
               </a:xfrm>
               <a:prstGeom prst="rect">
@@ -6119,7 +6654,7 @@
               <a:blipFill>
                 <a:blip r:embed="rId2"/>
                 <a:stretch>
-                  <a:fillRect l="-203" t="-2934" r="-1421" b="-1711"/>
+                  <a:fillRect l="-282" t="-2538" r="-1549" b="-2030"/>
                 </a:stretch>
               </a:blipFill>
             </p:spPr>
@@ -6128,7 +6663,7 @@
               <a:lstStyle/>
               <a:p>
                 <a:r>
-                  <a:rPr lang="en-US">
+                  <a:rPr lang="en-CN">
                     <a:noFill/>
                   </a:rPr>
                   <a:t> </a:t>
@@ -6148,10 +6683,134 @@
   <p:clrMapOvr>
     <a:masterClrMapping/>
   </p:clrMapOvr>
+  <p:timing>
+    <p:tnLst>
+      <p:par>
+        <p:cTn id="1" dur="indefinite" restart="never" nodeType="tmRoot">
+          <p:childTnLst>
+            <p:seq concurrent="1" nextAc="seek">
+              <p:cTn id="2" dur="indefinite" nodeType="mainSeq">
+                <p:childTnLst>
+                  <p:par>
+                    <p:cTn id="3" fill="hold">
+                      <p:stCondLst>
+                        <p:cond delay="indefinite"/>
+                      </p:stCondLst>
+                      <p:childTnLst>
+                        <p:par>
+                          <p:cTn id="4" fill="hold">
+                            <p:stCondLst>
+                              <p:cond delay="0"/>
+                            </p:stCondLst>
+                            <p:childTnLst>
+                              <p:par>
+                                <p:cTn id="5" presetID="1" presetClass="entr" presetSubtype="0" fill="hold" grpId="0" nodeType="clickEffect">
+                                  <p:stCondLst>
+                                    <p:cond delay="0"/>
+                                  </p:stCondLst>
+                                  <p:childTnLst>
+                                    <p:set>
+                                      <p:cBhvr>
+                                        <p:cTn id="6" dur="1" fill="hold">
+                                          <p:stCondLst>
+                                            <p:cond delay="0"/>
+                                          </p:stCondLst>
+                                        </p:cTn>
+                                        <p:tgtEl>
+                                          <p:spTgt spid="3"/>
+                                        </p:tgtEl>
+                                        <p:attrNameLst>
+                                          <p:attrName>style.visibility</p:attrName>
+                                        </p:attrNameLst>
+                                      </p:cBhvr>
+                                      <p:to>
+                                        <p:strVal val="visible"/>
+                                      </p:to>
+                                    </p:set>
+                                  </p:childTnLst>
+                                </p:cTn>
+                              </p:par>
+                            </p:childTnLst>
+                          </p:cTn>
+                        </p:par>
+                      </p:childTnLst>
+                    </p:cTn>
+                  </p:par>
+                  <p:par>
+                    <p:cTn id="7" fill="hold">
+                      <p:stCondLst>
+                        <p:cond delay="indefinite"/>
+                      </p:stCondLst>
+                      <p:childTnLst>
+                        <p:par>
+                          <p:cTn id="8" fill="hold">
+                            <p:stCondLst>
+                              <p:cond delay="0"/>
+                            </p:stCondLst>
+                            <p:childTnLst>
+                              <p:par>
+                                <p:cTn id="9" presetID="1" presetClass="entr" presetSubtype="0" fill="hold" grpId="0" nodeType="clickEffect">
+                                  <p:stCondLst>
+                                    <p:cond delay="0"/>
+                                  </p:stCondLst>
+                                  <p:childTnLst>
+                                    <p:set>
+                                      <p:cBhvr>
+                                        <p:cTn id="10" dur="1" fill="hold">
+                                          <p:stCondLst>
+                                            <p:cond delay="0"/>
+                                          </p:stCondLst>
+                                        </p:cTn>
+                                        <p:tgtEl>
+                                          <p:spTgt spid="4"/>
+                                        </p:tgtEl>
+                                        <p:attrNameLst>
+                                          <p:attrName>style.visibility</p:attrName>
+                                        </p:attrNameLst>
+                                      </p:cBhvr>
+                                      <p:to>
+                                        <p:strVal val="visible"/>
+                                      </p:to>
+                                    </p:set>
+                                  </p:childTnLst>
+                                </p:cTn>
+                              </p:par>
+                            </p:childTnLst>
+                          </p:cTn>
+                        </p:par>
+                      </p:childTnLst>
+                    </p:cTn>
+                  </p:par>
+                </p:childTnLst>
+              </p:cTn>
+              <p:prevCondLst>
+                <p:cond evt="onPrev" delay="0">
+                  <p:tgtEl>
+                    <p:sldTgt/>
+                  </p:tgtEl>
+                </p:cond>
+              </p:prevCondLst>
+              <p:nextCondLst>
+                <p:cond evt="onNext" delay="0">
+                  <p:tgtEl>
+                    <p:sldTgt/>
+                  </p:tgtEl>
+                </p:cond>
+              </p:nextCondLst>
+            </p:seq>
+          </p:childTnLst>
+        </p:cTn>
+      </p:par>
+    </p:tnLst>
+    <p:bldLst>
+      <p:bldP spid="3" grpId="0"/>
+      <p:bldP spid="4" grpId="0"/>
+    </p:bldLst>
+  </p:timing>
 </p:sld>
 </file>
 
-<file path=ppt/slides/slide12.xml><?xml version="1.0" encoding="utf-8"?>
+<file path=ppt/slides/slide13.xml><?xml version="1.0" encoding="utf-8"?>
 <p:sld xmlns:a="http://schemas.openxmlformats.org/drawingml/2006/main" xmlns:r="http://schemas.openxmlformats.org/officeDocument/2006/relationships" xmlns:p="http://schemas.openxmlformats.org/presentationml/2006/main">
   <p:cSld>
     <p:spTree>
@@ -6478,7 +7137,23 @@
                   <a:schemeClr val="tx1"/>
                 </a:solidFill>
               </a:rPr>
-              <a:t>Consider the example of a coin toss. The probability of heads is the same as the probability of tails, which is 1/2. Calculate the entropy of the coin toss.</a:t>
+              <a:t>Consider the example of a coin toss. The probability of heads is the same as the probability of tails, which is </a:t>
+            </a:r>
+            <a:r>
+              <a:rPr kumimoji="1" lang="en-US" altLang="zh-CN" dirty="0">
+                <a:solidFill>
+                  <a:srgbClr val="FF0000"/>
+                </a:solidFill>
+              </a:rPr>
+              <a:t>1/2</a:t>
+            </a:r>
+            <a:r>
+              <a:rPr kumimoji="1" lang="en-US" altLang="zh-CN" dirty="0">
+                <a:solidFill>
+                  <a:schemeClr val="tx1"/>
+                </a:solidFill>
+              </a:rPr>
+              <a:t>. Calculate the entropy of the coin toss.</a:t>
             </a:r>
           </a:p>
           <a:p>
@@ -6757,6 +7432,9 @@
                 </a:r>
               </a:p>
               <a:p>
+                <a:pPr marL="540000" indent="0">
+                  <a:buNone/>
+                </a:pPr>
                 <a:r>
                   <a:rPr kumimoji="1" lang="en-US" altLang="zh-CN" dirty="0">
                     <a:solidFill>
@@ -6767,6 +7445,9 @@
                 </a:r>
               </a:p>
               <a:p>
+                <a:pPr marL="540000" indent="0">
+                  <a:buNone/>
+                </a:pPr>
                 <a:r>
                   <a:rPr kumimoji="1" lang="en-US" altLang="zh-CN" dirty="0">
                     <a:solidFill>
@@ -6777,6 +7458,9 @@
                 </a:r>
               </a:p>
               <a:p>
+                <a:pPr marL="540000" indent="0">
+                  <a:buNone/>
+                </a:pPr>
                 <a14:m>
                   <m:oMath xmlns:m="http://schemas.openxmlformats.org/officeDocument/2006/math">
                     <m:r>
@@ -7042,13 +7726,19 @@
                     </m:nary>
                   </m:oMath>
                 </a14:m>
-                <a:endParaRPr kumimoji="1" lang="en-US" altLang="zh-CN" b="0" dirty="0">
-                  <a:solidFill>
-                    <a:schemeClr val="tx1"/>
-                  </a:solidFill>
-                </a:endParaRPr>
+                <a:r>
+                  <a:rPr kumimoji="1" lang="en-US" altLang="zh-CN" b="0" dirty="0">
+                    <a:solidFill>
+                      <a:schemeClr val="tx1"/>
+                    </a:solidFill>
+                  </a:rPr>
+                  <a:t> </a:t>
+                </a:r>
               </a:p>
               <a:p>
+                <a:pPr marL="540000" indent="0">
+                  <a:buNone/>
+                </a:pPr>
                 <a:r>
                   <a:rPr kumimoji="1" lang="en-US" altLang="zh-CN" b="0" dirty="0">
                     <a:solidFill>
@@ -7413,7 +8103,7 @@
               <a:blipFill>
                 <a:blip r:embed="rId2"/>
                 <a:stretch>
-                  <a:fillRect l="-207" t="-2303" b="-1919"/>
+                  <a:fillRect l="-287" t="-1992" b="-797"/>
                 </a:stretch>
               </a:blipFill>
             </p:spPr>
@@ -7422,7 +8112,7 @@
               <a:lstStyle/>
               <a:p>
                 <a:r>
-                  <a:rPr lang="en-US">
+                  <a:rPr lang="en-CN">
                     <a:noFill/>
                   </a:rPr>
                   <a:t> </a:t>
@@ -7442,10 +8132,134 @@
   <p:clrMapOvr>
     <a:masterClrMapping/>
   </p:clrMapOvr>
+  <p:timing>
+    <p:tnLst>
+      <p:par>
+        <p:cTn id="1" dur="indefinite" restart="never" nodeType="tmRoot">
+          <p:childTnLst>
+            <p:seq concurrent="1" nextAc="seek">
+              <p:cTn id="2" dur="indefinite" nodeType="mainSeq">
+                <p:childTnLst>
+                  <p:par>
+                    <p:cTn id="3" fill="hold">
+                      <p:stCondLst>
+                        <p:cond delay="indefinite"/>
+                      </p:stCondLst>
+                      <p:childTnLst>
+                        <p:par>
+                          <p:cTn id="4" fill="hold">
+                            <p:stCondLst>
+                              <p:cond delay="0"/>
+                            </p:stCondLst>
+                            <p:childTnLst>
+                              <p:par>
+                                <p:cTn id="5" presetID="1" presetClass="entr" presetSubtype="0" fill="hold" grpId="0" nodeType="clickEffect">
+                                  <p:stCondLst>
+                                    <p:cond delay="0"/>
+                                  </p:stCondLst>
+                                  <p:childTnLst>
+                                    <p:set>
+                                      <p:cBhvr>
+                                        <p:cTn id="6" dur="1" fill="hold">
+                                          <p:stCondLst>
+                                            <p:cond delay="0"/>
+                                          </p:stCondLst>
+                                        </p:cTn>
+                                        <p:tgtEl>
+                                          <p:spTgt spid="3"/>
+                                        </p:tgtEl>
+                                        <p:attrNameLst>
+                                          <p:attrName>style.visibility</p:attrName>
+                                        </p:attrNameLst>
+                                      </p:cBhvr>
+                                      <p:to>
+                                        <p:strVal val="visible"/>
+                                      </p:to>
+                                    </p:set>
+                                  </p:childTnLst>
+                                </p:cTn>
+                              </p:par>
+                            </p:childTnLst>
+                          </p:cTn>
+                        </p:par>
+                      </p:childTnLst>
+                    </p:cTn>
+                  </p:par>
+                  <p:par>
+                    <p:cTn id="7" fill="hold">
+                      <p:stCondLst>
+                        <p:cond delay="indefinite"/>
+                      </p:stCondLst>
+                      <p:childTnLst>
+                        <p:par>
+                          <p:cTn id="8" fill="hold">
+                            <p:stCondLst>
+                              <p:cond delay="0"/>
+                            </p:stCondLst>
+                            <p:childTnLst>
+                              <p:par>
+                                <p:cTn id="9" presetID="1" presetClass="entr" presetSubtype="0" fill="hold" grpId="0" nodeType="clickEffect">
+                                  <p:stCondLst>
+                                    <p:cond delay="0"/>
+                                  </p:stCondLst>
+                                  <p:childTnLst>
+                                    <p:set>
+                                      <p:cBhvr>
+                                        <p:cTn id="10" dur="1" fill="hold">
+                                          <p:stCondLst>
+                                            <p:cond delay="0"/>
+                                          </p:stCondLst>
+                                        </p:cTn>
+                                        <p:tgtEl>
+                                          <p:spTgt spid="6"/>
+                                        </p:tgtEl>
+                                        <p:attrNameLst>
+                                          <p:attrName>style.visibility</p:attrName>
+                                        </p:attrNameLst>
+                                      </p:cBhvr>
+                                      <p:to>
+                                        <p:strVal val="visible"/>
+                                      </p:to>
+                                    </p:set>
+                                  </p:childTnLst>
+                                </p:cTn>
+                              </p:par>
+                            </p:childTnLst>
+                          </p:cTn>
+                        </p:par>
+                      </p:childTnLst>
+                    </p:cTn>
+                  </p:par>
+                </p:childTnLst>
+              </p:cTn>
+              <p:prevCondLst>
+                <p:cond evt="onPrev" delay="0">
+                  <p:tgtEl>
+                    <p:sldTgt/>
+                  </p:tgtEl>
+                </p:cond>
+              </p:prevCondLst>
+              <p:nextCondLst>
+                <p:cond evt="onNext" delay="0">
+                  <p:tgtEl>
+                    <p:sldTgt/>
+                  </p:tgtEl>
+                </p:cond>
+              </p:nextCondLst>
+            </p:seq>
+          </p:childTnLst>
+        </p:cTn>
+      </p:par>
+    </p:tnLst>
+    <p:bldLst>
+      <p:bldP spid="3" grpId="0"/>
+      <p:bldP spid="6" grpId="0"/>
+    </p:bldLst>
+  </p:timing>
 </p:sld>
 </file>
 
-<file path=ppt/slides/slide13.xml><?xml version="1.0" encoding="utf-8"?>
+<file path=ppt/slides/slide14.xml><?xml version="1.0" encoding="utf-8"?>
 <p:sld xmlns:a="http://schemas.openxmlformats.org/drawingml/2006/main" xmlns:r="http://schemas.openxmlformats.org/officeDocument/2006/relationships" xmlns:p="http://schemas.openxmlformats.org/presentationml/2006/main">
   <p:cSld>
     <p:spTree>
@@ -7528,7 +8342,7 @@
         <p:spPr>
           <a:xfrm>
             <a:off x="207819" y="1381587"/>
-            <a:ext cx="8827124" cy="1613283"/>
+            <a:ext cx="8827124" cy="1222717"/>
           </a:xfrm>
           <a:prstGeom prst="rect">
             <a:avLst/>
@@ -7776,6 +8590,9 @@
             </a:r>
           </a:p>
           <a:p>
+            <a:pPr marL="457200" lvl="1" indent="0">
+              <a:buNone/>
+            </a:pPr>
             <a:r>
               <a:rPr kumimoji="1" lang="en-US" altLang="zh-CN" dirty="0">
                 <a:solidFill>
@@ -7811,7 +8628,7 @@
             <p:spPr>
               <a:xfrm>
                 <a:off x="316876" y="2934553"/>
-                <a:ext cx="8827124" cy="2583807"/>
+                <a:ext cx="8827124" cy="1510125"/>
               </a:xfrm>
               <a:prstGeom prst="rect">
                 <a:avLst/>
@@ -8049,6 +8866,9 @@
                 </a:lvl9pPr>
               </a:lstStyle>
               <a:p>
+                <a:pPr marL="360000" indent="0">
+                  <a:buNone/>
+                </a:pPr>
                 <a14:m>
                   <m:oMath xmlns:m="http://schemas.openxmlformats.org/officeDocument/2006/math">
                     <m:r>
@@ -8314,14 +9134,20 @@
                     </m:nary>
                   </m:oMath>
                 </a14:m>
-                <a:endParaRPr kumimoji="1" lang="en-US" altLang="zh-CN" b="0" i="1" dirty="0">
-                  <a:solidFill>
-                    <a:schemeClr val="tx1"/>
-                  </a:solidFill>
-                  <a:latin typeface="Cambria Math" panose="02040503050406030204" pitchFamily="18" charset="0"/>
-                </a:endParaRPr>
+                <a:r>
+                  <a:rPr kumimoji="1" lang="en-US" altLang="zh-CN" b="0" i="1" dirty="0">
+                    <a:solidFill>
+                      <a:schemeClr val="tx1"/>
+                    </a:solidFill>
+                    <a:latin typeface="Cambria Math" panose="02040503050406030204" pitchFamily="18" charset="0"/>
+                  </a:rPr>
+                  <a:t> </a:t>
+                </a:r>
               </a:p>
               <a:p>
+                <a:pPr marL="360000" indent="0">
+                  <a:buNone/>
+                </a:pPr>
                 <a14:m>
                   <m:oMath xmlns:m="http://schemas.openxmlformats.org/officeDocument/2006/math">
                     <m:r>
@@ -8672,7 +9498,7 @@
             <p:spPr>
               <a:xfrm>
                 <a:off x="316876" y="2934553"/>
-                <a:ext cx="8827124" cy="2583807"/>
+                <a:ext cx="8827124" cy="1510125"/>
               </a:xfrm>
               <a:prstGeom prst="rect">
                 <a:avLst/>
@@ -8680,7 +9506,7 @@
               <a:blipFill>
                 <a:blip r:embed="rId2"/>
                 <a:stretch>
-                  <a:fillRect l="-276" t="-20283"/>
+                  <a:fillRect t="-33333"/>
                 </a:stretch>
               </a:blipFill>
             </p:spPr>
@@ -8689,7 +9515,7 @@
               <a:lstStyle/>
               <a:p>
                 <a:r>
-                  <a:rPr lang="en-US">
+                  <a:rPr lang="en-CN">
                     <a:noFill/>
                   </a:rPr>
                   <a:t> </a:t>
@@ -8699,6 +9525,36 @@
           </p:sp>
         </mc:Fallback>
       </mc:AlternateContent>
+      <p:pic>
+        <p:nvPicPr>
+          <p:cNvPr id="2" name="Picture 1">
+            <a:extLst>
+              <a:ext uri="{FF2B5EF4-FFF2-40B4-BE49-F238E27FC236}">
+                <a16:creationId xmlns:a16="http://schemas.microsoft.com/office/drawing/2014/main" id="{DECE7C6E-039D-8C4D-8411-2777E987EDA8}"/>
+              </a:ext>
+            </a:extLst>
+          </p:cNvPr>
+          <p:cNvPicPr>
+            <a:picLocks noChangeAspect="1"/>
+          </p:cNvPicPr>
+          <p:nvPr/>
+        </p:nvPicPr>
+        <p:blipFill>
+          <a:blip r:embed="rId3"/>
+          <a:stretch>
+            <a:fillRect/>
+          </a:stretch>
+        </p:blipFill>
+        <p:spPr>
+          <a:xfrm>
+            <a:off x="1585730" y="1381587"/>
+            <a:ext cx="6458675" cy="4810950"/>
+          </a:xfrm>
+          <a:prstGeom prst="rect">
+            <a:avLst/>
+          </a:prstGeom>
+        </p:spPr>
+      </p:pic>
     </p:spTree>
     <p:extLst>
       <p:ext uri="{BB962C8B-B14F-4D97-AF65-F5344CB8AC3E}">
@@ -8709,10 +9565,235 @@
   <p:clrMapOvr>
     <a:masterClrMapping/>
   </p:clrMapOvr>
+  <p:timing>
+    <p:tnLst>
+      <p:par>
+        <p:cTn id="1" dur="indefinite" restart="never" nodeType="tmRoot">
+          <p:childTnLst>
+            <p:seq concurrent="1" nextAc="seek">
+              <p:cTn id="2" dur="indefinite" nodeType="mainSeq">
+                <p:childTnLst>
+                  <p:par>
+                    <p:cTn id="3" fill="hold">
+                      <p:stCondLst>
+                        <p:cond delay="indefinite"/>
+                      </p:stCondLst>
+                      <p:childTnLst>
+                        <p:par>
+                          <p:cTn id="4" fill="hold">
+                            <p:stCondLst>
+                              <p:cond delay="0"/>
+                            </p:stCondLst>
+                            <p:childTnLst>
+                              <p:par>
+                                <p:cTn id="5" presetID="1" presetClass="entr" presetSubtype="0" fill="hold" grpId="0" nodeType="clickEffect">
+                                  <p:stCondLst>
+                                    <p:cond delay="0"/>
+                                  </p:stCondLst>
+                                  <p:childTnLst>
+                                    <p:set>
+                                      <p:cBhvr>
+                                        <p:cTn id="6" dur="1" fill="hold">
+                                          <p:stCondLst>
+                                            <p:cond delay="0"/>
+                                          </p:stCondLst>
+                                        </p:cTn>
+                                        <p:tgtEl>
+                                          <p:spTgt spid="3"/>
+                                        </p:tgtEl>
+                                        <p:attrNameLst>
+                                          <p:attrName>style.visibility</p:attrName>
+                                        </p:attrNameLst>
+                                      </p:cBhvr>
+                                      <p:to>
+                                        <p:strVal val="visible"/>
+                                      </p:to>
+                                    </p:set>
+                                  </p:childTnLst>
+                                </p:cTn>
+                              </p:par>
+                            </p:childTnLst>
+                          </p:cTn>
+                        </p:par>
+                      </p:childTnLst>
+                    </p:cTn>
+                  </p:par>
+                  <p:par>
+                    <p:cTn id="7" fill="hold">
+                      <p:stCondLst>
+                        <p:cond delay="indefinite"/>
+                      </p:stCondLst>
+                      <p:childTnLst>
+                        <p:par>
+                          <p:cTn id="8" fill="hold">
+                            <p:stCondLst>
+                              <p:cond delay="0"/>
+                            </p:stCondLst>
+                            <p:childTnLst>
+                              <p:par>
+                                <p:cTn id="9" presetID="1" presetClass="entr" presetSubtype="0" fill="hold" grpId="0" nodeType="clickEffect">
+                                  <p:stCondLst>
+                                    <p:cond delay="0"/>
+                                  </p:stCondLst>
+                                  <p:childTnLst>
+                                    <p:set>
+                                      <p:cBhvr>
+                                        <p:cTn id="10" dur="1" fill="hold">
+                                          <p:stCondLst>
+                                            <p:cond delay="0"/>
+                                          </p:stCondLst>
+                                        </p:cTn>
+                                        <p:tgtEl>
+                                          <p:spTgt spid="6"/>
+                                        </p:tgtEl>
+                                        <p:attrNameLst>
+                                          <p:attrName>style.visibility</p:attrName>
+                                        </p:attrNameLst>
+                                      </p:cBhvr>
+                                      <p:to>
+                                        <p:strVal val="visible"/>
+                                      </p:to>
+                                    </p:set>
+                                  </p:childTnLst>
+                                </p:cTn>
+                              </p:par>
+                            </p:childTnLst>
+                          </p:cTn>
+                        </p:par>
+                      </p:childTnLst>
+                    </p:cTn>
+                  </p:par>
+                  <p:par>
+                    <p:cTn id="11" fill="hold">
+                      <p:stCondLst>
+                        <p:cond delay="indefinite"/>
+                      </p:stCondLst>
+                      <p:childTnLst>
+                        <p:par>
+                          <p:cTn id="12" fill="hold">
+                            <p:stCondLst>
+                              <p:cond delay="0"/>
+                            </p:stCondLst>
+                            <p:childTnLst>
+                              <p:par>
+                                <p:cTn id="13" presetID="1" presetClass="entr" presetSubtype="0" fill="hold" nodeType="clickEffect">
+                                  <p:stCondLst>
+                                    <p:cond delay="0"/>
+                                  </p:stCondLst>
+                                  <p:childTnLst>
+                                    <p:set>
+                                      <p:cBhvr>
+                                        <p:cTn id="14" dur="1" fill="hold">
+                                          <p:stCondLst>
+                                            <p:cond delay="0"/>
+                                          </p:stCondLst>
+                                        </p:cTn>
+                                        <p:tgtEl>
+                                          <p:spTgt spid="2"/>
+                                        </p:tgtEl>
+                                        <p:attrNameLst>
+                                          <p:attrName>style.visibility</p:attrName>
+                                        </p:attrNameLst>
+                                      </p:cBhvr>
+                                      <p:to>
+                                        <p:strVal val="visible"/>
+                                      </p:to>
+                                    </p:set>
+                                  </p:childTnLst>
+                                </p:cTn>
+                              </p:par>
+                              <p:par>
+                                <p:cTn id="15" presetID="1" presetClass="exit" presetSubtype="0" fill="hold" grpId="1" nodeType="withEffect">
+                                  <p:stCondLst>
+                                    <p:cond delay="0"/>
+                                  </p:stCondLst>
+                                  <p:childTnLst>
+                                    <p:set>
+                                      <p:cBhvr>
+                                        <p:cTn id="16" dur="1" fill="hold">
+                                          <p:stCondLst>
+                                            <p:cond delay="0"/>
+                                          </p:stCondLst>
+                                        </p:cTn>
+                                        <p:tgtEl>
+                                          <p:spTgt spid="3"/>
+                                        </p:tgtEl>
+                                        <p:attrNameLst>
+                                          <p:attrName>style.visibility</p:attrName>
+                                        </p:attrNameLst>
+                                      </p:cBhvr>
+                                      <p:to>
+                                        <p:strVal val="hidden"/>
+                                      </p:to>
+                                    </p:set>
+                                  </p:childTnLst>
+                                </p:cTn>
+                              </p:par>
+                              <p:par>
+                                <p:cTn id="17" presetID="1" presetClass="exit" presetSubtype="0" fill="hold" grpId="1" nodeType="withEffect">
+                                  <p:stCondLst>
+                                    <p:cond delay="0"/>
+                                  </p:stCondLst>
+                                  <p:childTnLst>
+                                    <p:set>
+                                      <p:cBhvr>
+                                        <p:cTn id="18" dur="1" fill="hold">
+                                          <p:stCondLst>
+                                            <p:cond delay="0"/>
+                                          </p:stCondLst>
+                                        </p:cTn>
+                                        <p:tgtEl>
+                                          <p:spTgt spid="6"/>
+                                        </p:tgtEl>
+                                        <p:attrNameLst>
+                                          <p:attrName>style.visibility</p:attrName>
+                                        </p:attrNameLst>
+                                      </p:cBhvr>
+                                      <p:to>
+                                        <p:strVal val="hidden"/>
+                                      </p:to>
+                                    </p:set>
+                                  </p:childTnLst>
+                                </p:cTn>
+                              </p:par>
+                            </p:childTnLst>
+                          </p:cTn>
+                        </p:par>
+                      </p:childTnLst>
+                    </p:cTn>
+                  </p:par>
+                </p:childTnLst>
+              </p:cTn>
+              <p:prevCondLst>
+                <p:cond evt="onPrev" delay="0">
+                  <p:tgtEl>
+                    <p:sldTgt/>
+                  </p:tgtEl>
+                </p:cond>
+              </p:prevCondLst>
+              <p:nextCondLst>
+                <p:cond evt="onNext" delay="0">
+                  <p:tgtEl>
+                    <p:sldTgt/>
+                  </p:tgtEl>
+                </p:cond>
+              </p:nextCondLst>
+            </p:seq>
+          </p:childTnLst>
+        </p:cTn>
+      </p:par>
+    </p:tnLst>
+    <p:bldLst>
+      <p:bldP spid="3" grpId="0"/>
+      <p:bldP spid="3" grpId="1"/>
+      <p:bldP spid="6" grpId="0"/>
+      <p:bldP spid="6" grpId="1"/>
+    </p:bldLst>
+  </p:timing>
 </p:sld>
 </file>
 
-<file path=ppt/slides/slide14.xml><?xml version="1.0" encoding="utf-8"?>
+<file path=ppt/slides/slide15.xml><?xml version="1.0" encoding="utf-8"?>
 <p:sld xmlns:a="http://schemas.openxmlformats.org/drawingml/2006/main" xmlns:r="http://schemas.openxmlformats.org/officeDocument/2006/relationships" xmlns:p="http://schemas.openxmlformats.org/presentationml/2006/main">
   <p:cSld>
     <p:spTree>
@@ -8800,728 +9881,290 @@
           </a:p>
         </p:txBody>
       </p:sp>
-      <mc:AlternateContent xmlns:mc="http://schemas.openxmlformats.org/markup-compatibility/2006">
-        <mc:Choice xmlns:a14="http://schemas.microsoft.com/office/drawing/2010/main" Requires="a14">
-          <p:sp>
-            <p:nvSpPr>
-              <p:cNvPr id="3" name="内容占位符 4">
-                <a:extLst>
-                  <a:ext uri="{FF2B5EF4-FFF2-40B4-BE49-F238E27FC236}">
-                    <a16:creationId xmlns:a16="http://schemas.microsoft.com/office/drawing/2014/main" id="{C3A1C0B0-1BA2-46B8-86D0-C2FA375EBD02}"/>
-                  </a:ext>
-                </a:extLst>
-              </p:cNvPr>
-              <p:cNvSpPr txBox="1">
-                <a:spLocks/>
-              </p:cNvSpPr>
-              <p:nvPr/>
-            </p:nvSpPr>
-            <p:spPr>
-              <a:xfrm>
-                <a:off x="207819" y="1450358"/>
-                <a:ext cx="8827124" cy="2316300"/>
-              </a:xfrm>
-              <a:prstGeom prst="rect">
-                <a:avLst/>
-              </a:prstGeom>
-            </p:spPr>
-            <p:txBody>
-              <a:bodyPr vert="horz" lIns="91440" tIns="45720" rIns="91440" bIns="45720" rtlCol="0">
-                <a:normAutofit/>
-              </a:bodyPr>
-              <a:lstStyle>
-                <a:lvl1pPr marL="457200" indent="-457200" algn="l" defTabSz="914400" rtl="0" eaLnBrk="1" latinLnBrk="0" hangingPunct="1">
-                  <a:spcBef>
-                    <a:spcPts val="2000"/>
-                  </a:spcBef>
-                  <a:buClr>
-                    <a:schemeClr val="tx1">
-                      <a:lumMod val="75000"/>
-                      <a:lumOff val="25000"/>
-                    </a:schemeClr>
-                  </a:buClr>
-                  <a:buSzPct val="75000"/>
-                  <a:buFont typeface="Wingdings 2" pitchFamily="18" charset="2"/>
-                  <a:buChar char=""/>
-                  <a:defRPr sz="2200" kern="1200">
-                    <a:solidFill>
-                      <a:schemeClr val="tx1">
-                        <a:lumMod val="75000"/>
-                        <a:lumOff val="25000"/>
-                      </a:schemeClr>
-                    </a:solidFill>
-                    <a:latin typeface="+mn-lt"/>
-                    <a:ea typeface="+mn-ea"/>
-                    <a:cs typeface="+mn-cs"/>
-                  </a:defRPr>
-                </a:lvl1pPr>
-                <a:lvl2pPr marL="914400" indent="-457200" algn="l" defTabSz="914400" rtl="0" eaLnBrk="1" latinLnBrk="0" hangingPunct="1">
-                  <a:spcBef>
-                    <a:spcPts val="600"/>
-                  </a:spcBef>
-                  <a:buClr>
-                    <a:schemeClr val="tx1">
-                      <a:lumMod val="50000"/>
-                      <a:lumOff val="50000"/>
-                    </a:schemeClr>
-                  </a:buClr>
-                  <a:buSzPct val="75000"/>
-                  <a:buFont typeface="Wingdings 2" pitchFamily="18" charset="2"/>
-                  <a:buChar char=""/>
-                  <a:defRPr sz="2000" kern="1200">
-                    <a:solidFill>
-                      <a:schemeClr val="tx1">
-                        <a:lumMod val="75000"/>
-                        <a:lumOff val="25000"/>
-                      </a:schemeClr>
-                    </a:solidFill>
-                    <a:latin typeface="+mn-lt"/>
-                    <a:ea typeface="+mn-ea"/>
-                    <a:cs typeface="+mn-cs"/>
-                  </a:defRPr>
-                </a:lvl2pPr>
-                <a:lvl3pPr marL="1371600" indent="-457200" algn="l" defTabSz="914400" rtl="0" eaLnBrk="1" latinLnBrk="0" hangingPunct="1">
-                  <a:spcBef>
-                    <a:spcPts val="600"/>
-                  </a:spcBef>
-                  <a:buClr>
-                    <a:schemeClr val="tx1">
-                      <a:lumMod val="75000"/>
-                      <a:lumOff val="25000"/>
-                    </a:schemeClr>
-                  </a:buClr>
-                  <a:buSzPct val="75000"/>
-                  <a:buFont typeface="Wingdings 2" pitchFamily="18" charset="2"/>
-                  <a:buChar char=""/>
-                  <a:defRPr sz="1800" kern="1200">
-                    <a:solidFill>
-                      <a:schemeClr val="tx1">
-                        <a:lumMod val="75000"/>
-                        <a:lumOff val="25000"/>
-                      </a:schemeClr>
-                    </a:solidFill>
-                    <a:latin typeface="+mn-lt"/>
-                    <a:ea typeface="+mn-ea"/>
-                    <a:cs typeface="+mn-cs"/>
-                  </a:defRPr>
-                </a:lvl3pPr>
-                <a:lvl4pPr marL="1828800" indent="-457200" algn="l" defTabSz="914400" rtl="0" eaLnBrk="1" latinLnBrk="0" hangingPunct="1">
-                  <a:spcBef>
-                    <a:spcPts val="600"/>
-                  </a:spcBef>
-                  <a:buClr>
-                    <a:schemeClr val="tx1">
-                      <a:lumMod val="50000"/>
-                      <a:lumOff val="50000"/>
-                    </a:schemeClr>
-                  </a:buClr>
-                  <a:buSzPct val="75000"/>
-                  <a:buFont typeface="Wingdings 2" pitchFamily="18" charset="2"/>
-                  <a:buChar char=""/>
-                  <a:defRPr sz="1800" kern="1200">
-                    <a:solidFill>
-                      <a:schemeClr val="tx1">
-                        <a:lumMod val="75000"/>
-                        <a:lumOff val="25000"/>
-                      </a:schemeClr>
-                    </a:solidFill>
-                    <a:latin typeface="+mn-lt"/>
-                    <a:ea typeface="+mn-ea"/>
-                    <a:cs typeface="+mn-cs"/>
-                  </a:defRPr>
-                </a:lvl4pPr>
-                <a:lvl5pPr marL="2286000" indent="-457200" algn="l" defTabSz="914400" rtl="0" eaLnBrk="1" latinLnBrk="0" hangingPunct="1">
-                  <a:spcBef>
-                    <a:spcPts val="600"/>
-                  </a:spcBef>
-                  <a:buClr>
-                    <a:schemeClr val="tx1">
-                      <a:lumMod val="75000"/>
-                      <a:lumOff val="25000"/>
-                    </a:schemeClr>
-                  </a:buClr>
-                  <a:buSzPct val="75000"/>
-                  <a:buFont typeface="Wingdings 2" pitchFamily="18" charset="2"/>
-                  <a:buChar char=""/>
-                  <a:defRPr sz="1800" kern="1200">
-                    <a:solidFill>
-                      <a:schemeClr val="tx1">
-                        <a:lumMod val="75000"/>
-                        <a:lumOff val="25000"/>
-                      </a:schemeClr>
-                    </a:solidFill>
-                    <a:latin typeface="+mn-lt"/>
-                    <a:ea typeface="+mn-ea"/>
-                    <a:cs typeface="+mn-cs"/>
-                  </a:defRPr>
-                </a:lvl5pPr>
-                <a:lvl6pPr marL="2743200" indent="-461963" algn="l" defTabSz="914400" rtl="0" eaLnBrk="1" latinLnBrk="0" hangingPunct="1">
-                  <a:spcBef>
-                    <a:spcPct val="20000"/>
-                  </a:spcBef>
-                  <a:buClr>
-                    <a:schemeClr val="tx1">
-                      <a:lumMod val="50000"/>
-                      <a:lumOff val="50000"/>
-                    </a:schemeClr>
-                  </a:buClr>
-                  <a:buSzPct val="75000"/>
-                  <a:buFont typeface="Wingdings 2" pitchFamily="18" charset="2"/>
-                  <a:buChar char=""/>
-                  <a:defRPr lang="en-US" sz="1800" kern="1200" dirty="0" smtClean="0">
-                    <a:solidFill>
-                      <a:schemeClr val="tx1">
-                        <a:lumMod val="75000"/>
-                        <a:lumOff val="25000"/>
-                      </a:schemeClr>
-                    </a:solidFill>
-                    <a:latin typeface="+mn-lt"/>
-                    <a:ea typeface="+mn-ea"/>
-                    <a:cs typeface="+mn-cs"/>
-                  </a:defRPr>
-                </a:lvl6pPr>
-                <a:lvl7pPr marL="3205163" indent="-461963" algn="l" defTabSz="914400" rtl="0" eaLnBrk="1" latinLnBrk="0" hangingPunct="1">
-                  <a:spcBef>
-                    <a:spcPct val="20000"/>
-                  </a:spcBef>
-                  <a:buClr>
-                    <a:schemeClr val="tx1">
-                      <a:lumMod val="75000"/>
-                      <a:lumOff val="25000"/>
-                    </a:schemeClr>
-                  </a:buClr>
-                  <a:buSzPct val="75000"/>
-                  <a:buFont typeface="Wingdings 2" pitchFamily="18" charset="2"/>
-                  <a:buChar char=""/>
-                  <a:defRPr lang="en-US" sz="1800" kern="1200" dirty="0" smtClean="0">
-                    <a:solidFill>
-                      <a:schemeClr val="tx1">
-                        <a:lumMod val="75000"/>
-                        <a:lumOff val="25000"/>
-                      </a:schemeClr>
-                    </a:solidFill>
-                    <a:latin typeface="+mn-lt"/>
-                    <a:ea typeface="+mn-ea"/>
-                    <a:cs typeface="+mn-cs"/>
-                  </a:defRPr>
-                </a:lvl7pPr>
-                <a:lvl8pPr marL="3657600" indent="-461963" algn="l" defTabSz="914400" rtl="0" eaLnBrk="1" latinLnBrk="0" hangingPunct="1">
-                  <a:spcBef>
-                    <a:spcPct val="20000"/>
-                  </a:spcBef>
-                  <a:buClr>
-                    <a:schemeClr val="tx1">
-                      <a:lumMod val="50000"/>
-                      <a:lumOff val="50000"/>
-                    </a:schemeClr>
-                  </a:buClr>
-                  <a:buSzPct val="75000"/>
-                  <a:buFont typeface="Wingdings 2" pitchFamily="18" charset="2"/>
-                  <a:buChar char=""/>
-                  <a:defRPr lang="en-US" sz="1800" kern="1200" dirty="0" smtClean="0">
-                    <a:solidFill>
-                      <a:schemeClr val="tx1">
-                        <a:lumMod val="75000"/>
-                        <a:lumOff val="25000"/>
-                      </a:schemeClr>
-                    </a:solidFill>
-                    <a:latin typeface="+mn-lt"/>
-                    <a:ea typeface="+mn-ea"/>
-                    <a:cs typeface="+mn-cs"/>
-                  </a:defRPr>
-                </a:lvl8pPr>
-                <a:lvl9pPr marL="4119563" indent="-461963" algn="l" defTabSz="914400" rtl="0" eaLnBrk="1" latinLnBrk="0" hangingPunct="1">
-                  <a:spcBef>
-                    <a:spcPct val="20000"/>
-                  </a:spcBef>
-                  <a:buClr>
-                    <a:schemeClr val="tx1">
-                      <a:lumMod val="75000"/>
-                      <a:lumOff val="25000"/>
-                    </a:schemeClr>
-                  </a:buClr>
-                  <a:buSzPct val="75000"/>
-                  <a:buFont typeface="Wingdings 2" pitchFamily="18" charset="2"/>
-                  <a:buChar char=""/>
-                  <a:defRPr lang="en-US" sz="1800" kern="1200" dirty="0">
-                    <a:solidFill>
-                      <a:schemeClr val="tx1">
-                        <a:lumMod val="75000"/>
-                        <a:lumOff val="25000"/>
-                      </a:schemeClr>
-                    </a:solidFill>
-                    <a:latin typeface="+mn-lt"/>
-                    <a:ea typeface="+mn-ea"/>
-                    <a:cs typeface="+mn-cs"/>
-                  </a:defRPr>
-                </a:lvl9pPr>
-              </a:lstStyle>
-              <a:p>
-                <a:r>
-                  <a:rPr kumimoji="1" lang="en-US" altLang="zh-CN" dirty="0">
-                    <a:solidFill>
-                      <a:schemeClr val="tx1"/>
-                    </a:solidFill>
-                  </a:rPr>
-                  <a:t>If we have two separate probability distributions P (X) and Q(X) over the same random variable X, we can measure how different these two distributions are using the </a:t>
-                </a:r>
-                <a:r>
-                  <a:rPr kumimoji="1" lang="en-US" altLang="zh-CN" dirty="0" err="1">
-                    <a:solidFill>
-                      <a:schemeClr val="tx1"/>
-                    </a:solidFill>
-                  </a:rPr>
-                  <a:t>Kullback-Leibler</a:t>
-                </a:r>
-                <a:r>
-                  <a:rPr kumimoji="1" lang="en-US" altLang="zh-CN" dirty="0">
-                    <a:solidFill>
-                      <a:schemeClr val="tx1"/>
-                    </a:solidFill>
-                  </a:rPr>
-                  <a:t> (KL) divergence (also called relative entropy).</a:t>
-                </a:r>
-              </a:p>
-              <a:p>
-                <a:pPr indent="0">
-                  <a:buNone/>
-                </a:pPr>
-                <a14:m>
-                  <m:oMath xmlns:m="http://schemas.openxmlformats.org/officeDocument/2006/math">
-                    <m:sSub>
-                      <m:sSubPr>
-                        <m:ctrlPr>
-                          <a:rPr kumimoji="1" lang="en-US" altLang="zh-CN" i="1">
-                            <a:solidFill>
-                              <a:schemeClr val="tx1"/>
-                            </a:solidFill>
-                            <a:latin typeface="Cambria Math" panose="02040503050406030204" pitchFamily="18" charset="0"/>
-                          </a:rPr>
-                        </m:ctrlPr>
-                      </m:sSubPr>
-                      <m:e>
-                        <m:r>
-                          <a:rPr kumimoji="1" lang="en-US" altLang="zh-CN" i="1">
-                            <a:solidFill>
-                              <a:schemeClr val="tx1"/>
-                            </a:solidFill>
-                            <a:latin typeface="Cambria Math" panose="02040503050406030204" pitchFamily="18" charset="0"/>
-                          </a:rPr>
-                          <m:t>𝐷</m:t>
-                        </m:r>
-                      </m:e>
-                      <m:sub>
-                        <m:r>
-                          <a:rPr kumimoji="1" lang="en-US" altLang="zh-CN" i="1">
-                            <a:solidFill>
-                              <a:schemeClr val="tx1"/>
-                            </a:solidFill>
-                            <a:latin typeface="Cambria Math" panose="02040503050406030204" pitchFamily="18" charset="0"/>
-                          </a:rPr>
-                          <m:t>𝐾𝐿</m:t>
-                        </m:r>
-                      </m:sub>
-                    </m:sSub>
-                    <m:r>
-                      <a:rPr kumimoji="1" lang="en-US" altLang="zh-CN" i="1">
-                        <a:solidFill>
-                          <a:schemeClr val="tx1"/>
-                        </a:solidFill>
-                        <a:latin typeface="Cambria Math" panose="02040503050406030204" pitchFamily="18" charset="0"/>
-                      </a:rPr>
-                      <m:t>(</m:t>
-                    </m:r>
-                    <m:r>
-                      <a:rPr kumimoji="1" lang="en-US" altLang="zh-CN" i="1">
-                        <a:solidFill>
-                          <a:schemeClr val="tx1"/>
-                        </a:solidFill>
-                        <a:latin typeface="Cambria Math" panose="02040503050406030204" pitchFamily="18" charset="0"/>
-                      </a:rPr>
-                      <m:t>𝑃</m:t>
-                    </m:r>
-                    <m:r>
-                      <a:rPr kumimoji="1" lang="en-US" altLang="zh-CN" i="1">
-                        <a:solidFill>
-                          <a:schemeClr val="tx1"/>
-                        </a:solidFill>
-                        <a:latin typeface="Cambria Math" panose="02040503050406030204" pitchFamily="18" charset="0"/>
-                      </a:rPr>
-                      <m:t>|</m:t>
-                    </m:r>
-                    <m:d>
-                      <m:dPr>
-                        <m:begChr m:val="|"/>
-                        <m:ctrlPr>
-                          <a:rPr kumimoji="1" lang="en-US" altLang="zh-CN" i="1">
-                            <a:solidFill>
-                              <a:schemeClr val="tx1"/>
-                            </a:solidFill>
-                            <a:latin typeface="Cambria Math" panose="02040503050406030204" pitchFamily="18" charset="0"/>
-                          </a:rPr>
-                        </m:ctrlPr>
-                      </m:dPr>
-                      <m:e>
-                        <m:r>
-                          <a:rPr kumimoji="1" lang="en-US" altLang="zh-CN" i="1">
-                            <a:solidFill>
-                              <a:schemeClr val="tx1"/>
-                            </a:solidFill>
-                            <a:latin typeface="Cambria Math" panose="02040503050406030204" pitchFamily="18" charset="0"/>
-                          </a:rPr>
-                          <m:t>𝑄</m:t>
-                        </m:r>
-                      </m:e>
-                    </m:d>
-                    <m:r>
-                      <a:rPr kumimoji="1" lang="en-US" altLang="zh-CN" i="1">
-                        <a:solidFill>
-                          <a:schemeClr val="tx1"/>
-                        </a:solidFill>
-                        <a:latin typeface="Cambria Math" panose="02040503050406030204" pitchFamily="18" charset="0"/>
-                      </a:rPr>
-                      <m:t>=</m:t>
-                    </m:r>
-                    <m:nary>
-                      <m:naryPr>
-                        <m:chr m:val="∑"/>
-                        <m:ctrlPr>
-                          <a:rPr kumimoji="1" lang="en-US" altLang="zh-CN" i="1">
-                            <a:solidFill>
-                              <a:schemeClr val="tx1"/>
-                            </a:solidFill>
-                            <a:latin typeface="Cambria Math" panose="02040503050406030204" pitchFamily="18" charset="0"/>
-                          </a:rPr>
-                        </m:ctrlPr>
-                      </m:naryPr>
-                      <m:sub>
-                        <m:r>
-                          <m:rPr>
-                            <m:brk m:alnAt="23"/>
-                          </m:rPr>
-                          <a:rPr kumimoji="1" lang="en-US" altLang="zh-CN" i="1">
-                            <a:solidFill>
-                              <a:schemeClr val="tx1"/>
-                            </a:solidFill>
-                            <a:latin typeface="Cambria Math" panose="02040503050406030204" pitchFamily="18" charset="0"/>
-                          </a:rPr>
-                          <m:t>𝑖</m:t>
-                        </m:r>
-                        <m:r>
-                          <a:rPr kumimoji="1" lang="en-US" altLang="zh-CN" i="1">
-                            <a:solidFill>
-                              <a:schemeClr val="tx1"/>
-                            </a:solidFill>
-                            <a:latin typeface="Cambria Math" panose="02040503050406030204" pitchFamily="18" charset="0"/>
-                          </a:rPr>
-                          <m:t>=1</m:t>
-                        </m:r>
-                      </m:sub>
-                      <m:sup>
-                        <m:r>
-                          <a:rPr kumimoji="1" lang="en-US" altLang="zh-CN" i="1">
-                            <a:solidFill>
-                              <a:schemeClr val="tx1"/>
-                            </a:solidFill>
-                            <a:latin typeface="Cambria Math" panose="02040503050406030204" pitchFamily="18" charset="0"/>
-                          </a:rPr>
-                          <m:t>𝑛</m:t>
-                        </m:r>
-                      </m:sup>
-                      <m:e>
-                        <m:r>
-                          <a:rPr kumimoji="1" lang="en-US" altLang="zh-CN" i="1">
-                            <a:solidFill>
-                              <a:schemeClr val="tx1"/>
-                            </a:solidFill>
-                            <a:latin typeface="Cambria Math" panose="02040503050406030204" pitchFamily="18" charset="0"/>
-                          </a:rPr>
-                          <m:t>𝑃</m:t>
-                        </m:r>
-                        <m:d>
-                          <m:dPr>
-                            <m:ctrlPr>
-                              <a:rPr kumimoji="1" lang="en-US" altLang="zh-CN" i="1">
-                                <a:solidFill>
-                                  <a:schemeClr val="tx1"/>
-                                </a:solidFill>
-                                <a:latin typeface="Cambria Math" panose="02040503050406030204" pitchFamily="18" charset="0"/>
-                              </a:rPr>
-                            </m:ctrlPr>
-                          </m:dPr>
-                          <m:e>
-                            <m:sSub>
-                              <m:sSubPr>
-                                <m:ctrlPr>
-                                  <a:rPr kumimoji="1" lang="en-US" altLang="zh-CN" i="1">
-                                    <a:solidFill>
-                                      <a:schemeClr val="tx1"/>
-                                    </a:solidFill>
-                                    <a:latin typeface="Cambria Math" panose="02040503050406030204" pitchFamily="18" charset="0"/>
-                                  </a:rPr>
-                                </m:ctrlPr>
-                              </m:sSubPr>
-                              <m:e>
-                                <m:r>
-                                  <a:rPr kumimoji="1" lang="en-US" altLang="zh-CN" i="1">
-                                    <a:solidFill>
-                                      <a:schemeClr val="tx1"/>
-                                    </a:solidFill>
-                                    <a:latin typeface="Cambria Math" panose="02040503050406030204" pitchFamily="18" charset="0"/>
-                                  </a:rPr>
-                                  <m:t>𝑥</m:t>
-                                </m:r>
-                              </m:e>
-                              <m:sub>
-                                <m:r>
-                                  <a:rPr kumimoji="1" lang="en-US" altLang="zh-CN" i="1">
-                                    <a:solidFill>
-                                      <a:schemeClr val="tx1"/>
-                                    </a:solidFill>
-                                    <a:latin typeface="Cambria Math" panose="02040503050406030204" pitchFamily="18" charset="0"/>
-                                  </a:rPr>
-                                  <m:t>𝑖</m:t>
-                                </m:r>
-                              </m:sub>
-                            </m:sSub>
-                          </m:e>
-                        </m:d>
-                        <m:func>
-                          <m:funcPr>
-                            <m:ctrlPr>
-                              <a:rPr kumimoji="1" lang="en-US" altLang="zh-CN" i="1">
-                                <a:solidFill>
-                                  <a:schemeClr val="tx1"/>
-                                </a:solidFill>
-                                <a:latin typeface="Cambria Math" panose="02040503050406030204" pitchFamily="18" charset="0"/>
-                              </a:rPr>
-                            </m:ctrlPr>
-                          </m:funcPr>
-                          <m:fName>
-                            <m:r>
-                              <m:rPr>
-                                <m:sty m:val="p"/>
-                              </m:rPr>
-                              <a:rPr kumimoji="1" lang="en-US" altLang="zh-CN" i="1">
-                                <a:solidFill>
-                                  <a:schemeClr val="tx1"/>
-                                </a:solidFill>
-                                <a:latin typeface="Cambria Math" panose="02040503050406030204" pitchFamily="18" charset="0"/>
-                              </a:rPr>
-                              <m:t>log</m:t>
-                            </m:r>
-                          </m:fName>
-                          <m:e>
-                            <m:d>
-                              <m:dPr>
-                                <m:ctrlPr>
-                                  <a:rPr kumimoji="1" lang="en-US" altLang="zh-CN" i="1">
-                                    <a:solidFill>
-                                      <a:schemeClr val="tx1"/>
-                                    </a:solidFill>
-                                    <a:latin typeface="Cambria Math" panose="02040503050406030204" pitchFamily="18" charset="0"/>
-                                  </a:rPr>
-                                </m:ctrlPr>
-                              </m:dPr>
-                              <m:e>
-                                <m:f>
-                                  <m:fPr>
-                                    <m:ctrlPr>
-                                      <a:rPr kumimoji="1" lang="en-US" altLang="zh-CN" i="1">
-                                        <a:solidFill>
-                                          <a:schemeClr val="tx1"/>
-                                        </a:solidFill>
-                                        <a:latin typeface="Cambria Math" panose="02040503050406030204" pitchFamily="18" charset="0"/>
-                                      </a:rPr>
-                                    </m:ctrlPr>
-                                  </m:fPr>
-                                  <m:num>
-                                    <m:r>
-                                      <a:rPr kumimoji="1" lang="en-US" altLang="zh-CN" i="1">
-                                        <a:solidFill>
-                                          <a:schemeClr val="tx1"/>
-                                        </a:solidFill>
-                                        <a:latin typeface="Cambria Math" panose="02040503050406030204" pitchFamily="18" charset="0"/>
-                                      </a:rPr>
-                                      <m:t>𝑃</m:t>
-                                    </m:r>
-                                    <m:d>
-                                      <m:dPr>
-                                        <m:ctrlPr>
-                                          <a:rPr kumimoji="1" lang="en-US" altLang="zh-CN" i="1">
-                                            <a:solidFill>
-                                              <a:schemeClr val="tx1"/>
-                                            </a:solidFill>
-                                            <a:latin typeface="Cambria Math" panose="02040503050406030204" pitchFamily="18" charset="0"/>
-                                          </a:rPr>
-                                        </m:ctrlPr>
-                                      </m:dPr>
-                                      <m:e>
-                                        <m:sSub>
-                                          <m:sSubPr>
-                                            <m:ctrlPr>
-                                              <a:rPr kumimoji="1" lang="en-US" altLang="zh-CN" i="1">
-                                                <a:solidFill>
-                                                  <a:schemeClr val="tx1"/>
-                                                </a:solidFill>
-                                                <a:latin typeface="Cambria Math" panose="02040503050406030204" pitchFamily="18" charset="0"/>
-                                              </a:rPr>
-                                            </m:ctrlPr>
-                                          </m:sSubPr>
-                                          <m:e>
-                                            <m:r>
-                                              <a:rPr kumimoji="1" lang="en-US" altLang="zh-CN" i="1">
-                                                <a:solidFill>
-                                                  <a:schemeClr val="tx1"/>
-                                                </a:solidFill>
-                                                <a:latin typeface="Cambria Math" panose="02040503050406030204" pitchFamily="18" charset="0"/>
-                                              </a:rPr>
-                                              <m:t>𝑥</m:t>
-                                            </m:r>
-                                          </m:e>
-                                          <m:sub>
-                                            <m:r>
-                                              <a:rPr kumimoji="1" lang="en-US" altLang="zh-CN" i="1">
-                                                <a:solidFill>
-                                                  <a:schemeClr val="tx1"/>
-                                                </a:solidFill>
-                                                <a:latin typeface="Cambria Math" panose="02040503050406030204" pitchFamily="18" charset="0"/>
-                                              </a:rPr>
-                                              <m:t>𝑖</m:t>
-                                            </m:r>
-                                          </m:sub>
-                                        </m:sSub>
-                                      </m:e>
-                                    </m:d>
-                                  </m:num>
-                                  <m:den>
-                                    <m:r>
-                                      <a:rPr kumimoji="1" lang="en-US" altLang="zh-CN" i="1">
-                                        <a:solidFill>
-                                          <a:schemeClr val="tx1"/>
-                                        </a:solidFill>
-                                        <a:latin typeface="Cambria Math" panose="02040503050406030204" pitchFamily="18" charset="0"/>
-                                      </a:rPr>
-                                      <m:t>𝑄</m:t>
-                                    </m:r>
-                                    <m:d>
-                                      <m:dPr>
-                                        <m:ctrlPr>
-                                          <a:rPr kumimoji="1" lang="en-US" altLang="zh-CN" i="1">
-                                            <a:solidFill>
-                                              <a:schemeClr val="tx1"/>
-                                            </a:solidFill>
-                                            <a:latin typeface="Cambria Math" panose="02040503050406030204" pitchFamily="18" charset="0"/>
-                                          </a:rPr>
-                                        </m:ctrlPr>
-                                      </m:dPr>
-                                      <m:e>
-                                        <m:sSub>
-                                          <m:sSubPr>
-                                            <m:ctrlPr>
-                                              <a:rPr kumimoji="1" lang="en-US" altLang="zh-CN" i="1">
-                                                <a:solidFill>
-                                                  <a:schemeClr val="tx1"/>
-                                                </a:solidFill>
-                                                <a:latin typeface="Cambria Math" panose="02040503050406030204" pitchFamily="18" charset="0"/>
-                                              </a:rPr>
-                                            </m:ctrlPr>
-                                          </m:sSubPr>
-                                          <m:e>
-                                            <m:r>
-                                              <a:rPr kumimoji="1" lang="en-US" altLang="zh-CN" i="1">
-                                                <a:solidFill>
-                                                  <a:schemeClr val="tx1"/>
-                                                </a:solidFill>
-                                                <a:latin typeface="Cambria Math" panose="02040503050406030204" pitchFamily="18" charset="0"/>
-                                              </a:rPr>
-                                              <m:t>𝑥</m:t>
-                                            </m:r>
-                                          </m:e>
-                                          <m:sub>
-                                            <m:r>
-                                              <a:rPr kumimoji="1" lang="en-US" altLang="zh-CN" i="1">
-                                                <a:solidFill>
-                                                  <a:schemeClr val="tx1"/>
-                                                </a:solidFill>
-                                                <a:latin typeface="Cambria Math" panose="02040503050406030204" pitchFamily="18" charset="0"/>
-                                              </a:rPr>
-                                              <m:t>𝑖</m:t>
-                                            </m:r>
-                                          </m:sub>
-                                        </m:sSub>
-                                      </m:e>
-                                    </m:d>
-                                  </m:den>
-                                </m:f>
-                              </m:e>
-                            </m:d>
-                          </m:e>
-                        </m:func>
-                      </m:e>
-                    </m:nary>
-                  </m:oMath>
-                </a14:m>
-                <a:r>
-                  <a:rPr kumimoji="1" lang="zh-CN" altLang="en-US" i="1" dirty="0">
-                    <a:solidFill>
-                      <a:schemeClr val="tx1"/>
-                    </a:solidFill>
-                    <a:latin typeface="Cambria Math" panose="02040503050406030204" pitchFamily="18" charset="0"/>
-                  </a:rPr>
-                  <a:t> </a:t>
-                </a:r>
-              </a:p>
-            </p:txBody>
-          </p:sp>
-        </mc:Choice>
-        <mc:Fallback>
-          <p:sp>
-            <p:nvSpPr>
-              <p:cNvPr id="3" name="内容占位符 4">
-                <a:extLst>
-                  <a:ext uri="{FF2B5EF4-FFF2-40B4-BE49-F238E27FC236}">
-                    <a16:creationId xmlns:a16="http://schemas.microsoft.com/office/drawing/2014/main" id="{C3A1C0B0-1BA2-46B8-86D0-C2FA375EBD02}"/>
-                  </a:ext>
-                </a:extLst>
-              </p:cNvPr>
-              <p:cNvSpPr txBox="1">
-                <a:spLocks noRot="1" noChangeAspect="1" noMove="1" noResize="1" noEditPoints="1" noAdjustHandles="1" noChangeArrowheads="1" noChangeShapeType="1" noTextEdit="1"/>
-              </p:cNvSpPr>
-              <p:nvPr/>
-            </p:nvSpPr>
-            <p:spPr>
-              <a:xfrm>
-                <a:off x="207819" y="1450358"/>
-                <a:ext cx="8827124" cy="2316300"/>
-              </a:xfrm>
-              <a:prstGeom prst="rect">
-                <a:avLst/>
-              </a:prstGeom>
-              <a:blipFill>
-                <a:blip r:embed="rId2"/>
-                <a:stretch>
-                  <a:fillRect l="-207" t="-1579"/>
-                </a:stretch>
-              </a:blipFill>
-            </p:spPr>
-            <p:txBody>
-              <a:bodyPr/>
-              <a:lstStyle/>
-              <a:p>
-                <a:r>
-                  <a:rPr lang="en-US">
-                    <a:noFill/>
-                  </a:rPr>
-                  <a:t> </a:t>
-                </a:r>
-              </a:p>
-            </p:txBody>
-          </p:sp>
-        </mc:Fallback>
-      </mc:AlternateContent>
-      <mc:AlternateContent xmlns:mc="http://schemas.openxmlformats.org/markup-compatibility/2006">
-        <mc:Choice xmlns:a14="http://schemas.microsoft.com/office/drawing/2010/main" Requires="a14">
+      <p:sp>
+        <p:nvSpPr>
+          <p:cNvPr id="3" name="内容占位符 4">
+            <a:extLst>
+              <a:ext uri="{FF2B5EF4-FFF2-40B4-BE49-F238E27FC236}">
+                <a16:creationId xmlns:a16="http://schemas.microsoft.com/office/drawing/2014/main" id="{C3A1C0B0-1BA2-46B8-86D0-C2FA375EBD02}"/>
+              </a:ext>
+            </a:extLst>
+          </p:cNvPr>
+          <p:cNvSpPr txBox="1">
+            <a:spLocks/>
+          </p:cNvSpPr>
+          <p:nvPr/>
+        </p:nvSpPr>
+        <p:spPr>
+          <a:xfrm>
+            <a:off x="207819" y="1450358"/>
+            <a:ext cx="8827124" cy="1489612"/>
+          </a:xfrm>
+          <a:prstGeom prst="rect">
+            <a:avLst/>
+          </a:prstGeom>
+        </p:spPr>
+        <p:txBody>
+          <a:bodyPr vert="horz" lIns="91440" tIns="45720" rIns="91440" bIns="45720" rtlCol="0">
+            <a:normAutofit/>
+          </a:bodyPr>
+          <a:lstStyle>
+            <a:lvl1pPr marL="457200" indent="-457200" algn="l" defTabSz="914400" rtl="0" eaLnBrk="1" latinLnBrk="0" hangingPunct="1">
+              <a:spcBef>
+                <a:spcPts val="2000"/>
+              </a:spcBef>
+              <a:buClr>
+                <a:schemeClr val="tx1">
+                  <a:lumMod val="75000"/>
+                  <a:lumOff val="25000"/>
+                </a:schemeClr>
+              </a:buClr>
+              <a:buSzPct val="75000"/>
+              <a:buFont typeface="Wingdings 2" pitchFamily="18" charset="2"/>
+              <a:buChar char=""/>
+              <a:defRPr sz="2200" kern="1200">
+                <a:solidFill>
+                  <a:schemeClr val="tx1">
+                    <a:lumMod val="75000"/>
+                    <a:lumOff val="25000"/>
+                  </a:schemeClr>
+                </a:solidFill>
+                <a:latin typeface="+mn-lt"/>
+                <a:ea typeface="+mn-ea"/>
+                <a:cs typeface="+mn-cs"/>
+              </a:defRPr>
+            </a:lvl1pPr>
+            <a:lvl2pPr marL="914400" indent="-457200" algn="l" defTabSz="914400" rtl="0" eaLnBrk="1" latinLnBrk="0" hangingPunct="1">
+              <a:spcBef>
+                <a:spcPts val="600"/>
+              </a:spcBef>
+              <a:buClr>
+                <a:schemeClr val="tx1">
+                  <a:lumMod val="50000"/>
+                  <a:lumOff val="50000"/>
+                </a:schemeClr>
+              </a:buClr>
+              <a:buSzPct val="75000"/>
+              <a:buFont typeface="Wingdings 2" pitchFamily="18" charset="2"/>
+              <a:buChar char=""/>
+              <a:defRPr sz="2000" kern="1200">
+                <a:solidFill>
+                  <a:schemeClr val="tx1">
+                    <a:lumMod val="75000"/>
+                    <a:lumOff val="25000"/>
+                  </a:schemeClr>
+                </a:solidFill>
+                <a:latin typeface="+mn-lt"/>
+                <a:ea typeface="+mn-ea"/>
+                <a:cs typeface="+mn-cs"/>
+              </a:defRPr>
+            </a:lvl2pPr>
+            <a:lvl3pPr marL="1371600" indent="-457200" algn="l" defTabSz="914400" rtl="0" eaLnBrk="1" latinLnBrk="0" hangingPunct="1">
+              <a:spcBef>
+                <a:spcPts val="600"/>
+              </a:spcBef>
+              <a:buClr>
+                <a:schemeClr val="tx1">
+                  <a:lumMod val="75000"/>
+                  <a:lumOff val="25000"/>
+                </a:schemeClr>
+              </a:buClr>
+              <a:buSzPct val="75000"/>
+              <a:buFont typeface="Wingdings 2" pitchFamily="18" charset="2"/>
+              <a:buChar char=""/>
+              <a:defRPr sz="1800" kern="1200">
+                <a:solidFill>
+                  <a:schemeClr val="tx1">
+                    <a:lumMod val="75000"/>
+                    <a:lumOff val="25000"/>
+                  </a:schemeClr>
+                </a:solidFill>
+                <a:latin typeface="+mn-lt"/>
+                <a:ea typeface="+mn-ea"/>
+                <a:cs typeface="+mn-cs"/>
+              </a:defRPr>
+            </a:lvl3pPr>
+            <a:lvl4pPr marL="1828800" indent="-457200" algn="l" defTabSz="914400" rtl="0" eaLnBrk="1" latinLnBrk="0" hangingPunct="1">
+              <a:spcBef>
+                <a:spcPts val="600"/>
+              </a:spcBef>
+              <a:buClr>
+                <a:schemeClr val="tx1">
+                  <a:lumMod val="50000"/>
+                  <a:lumOff val="50000"/>
+                </a:schemeClr>
+              </a:buClr>
+              <a:buSzPct val="75000"/>
+              <a:buFont typeface="Wingdings 2" pitchFamily="18" charset="2"/>
+              <a:buChar char=""/>
+              <a:defRPr sz="1800" kern="1200">
+                <a:solidFill>
+                  <a:schemeClr val="tx1">
+                    <a:lumMod val="75000"/>
+                    <a:lumOff val="25000"/>
+                  </a:schemeClr>
+                </a:solidFill>
+                <a:latin typeface="+mn-lt"/>
+                <a:ea typeface="+mn-ea"/>
+                <a:cs typeface="+mn-cs"/>
+              </a:defRPr>
+            </a:lvl4pPr>
+            <a:lvl5pPr marL="2286000" indent="-457200" algn="l" defTabSz="914400" rtl="0" eaLnBrk="1" latinLnBrk="0" hangingPunct="1">
+              <a:spcBef>
+                <a:spcPts val="600"/>
+              </a:spcBef>
+              <a:buClr>
+                <a:schemeClr val="tx1">
+                  <a:lumMod val="75000"/>
+                  <a:lumOff val="25000"/>
+                </a:schemeClr>
+              </a:buClr>
+              <a:buSzPct val="75000"/>
+              <a:buFont typeface="Wingdings 2" pitchFamily="18" charset="2"/>
+              <a:buChar char=""/>
+              <a:defRPr sz="1800" kern="1200">
+                <a:solidFill>
+                  <a:schemeClr val="tx1">
+                    <a:lumMod val="75000"/>
+                    <a:lumOff val="25000"/>
+                  </a:schemeClr>
+                </a:solidFill>
+                <a:latin typeface="+mn-lt"/>
+                <a:ea typeface="+mn-ea"/>
+                <a:cs typeface="+mn-cs"/>
+              </a:defRPr>
+            </a:lvl5pPr>
+            <a:lvl6pPr marL="2743200" indent="-461963" algn="l" defTabSz="914400" rtl="0" eaLnBrk="1" latinLnBrk="0" hangingPunct="1">
+              <a:spcBef>
+                <a:spcPct val="20000"/>
+              </a:spcBef>
+              <a:buClr>
+                <a:schemeClr val="tx1">
+                  <a:lumMod val="50000"/>
+                  <a:lumOff val="50000"/>
+                </a:schemeClr>
+              </a:buClr>
+              <a:buSzPct val="75000"/>
+              <a:buFont typeface="Wingdings 2" pitchFamily="18" charset="2"/>
+              <a:buChar char=""/>
+              <a:defRPr lang="en-US" sz="1800" kern="1200" dirty="0" smtClean="0">
+                <a:solidFill>
+                  <a:schemeClr val="tx1">
+                    <a:lumMod val="75000"/>
+                    <a:lumOff val="25000"/>
+                  </a:schemeClr>
+                </a:solidFill>
+                <a:latin typeface="+mn-lt"/>
+                <a:ea typeface="+mn-ea"/>
+                <a:cs typeface="+mn-cs"/>
+              </a:defRPr>
+            </a:lvl6pPr>
+            <a:lvl7pPr marL="3205163" indent="-461963" algn="l" defTabSz="914400" rtl="0" eaLnBrk="1" latinLnBrk="0" hangingPunct="1">
+              <a:spcBef>
+                <a:spcPct val="20000"/>
+              </a:spcBef>
+              <a:buClr>
+                <a:schemeClr val="tx1">
+                  <a:lumMod val="75000"/>
+                  <a:lumOff val="25000"/>
+                </a:schemeClr>
+              </a:buClr>
+              <a:buSzPct val="75000"/>
+              <a:buFont typeface="Wingdings 2" pitchFamily="18" charset="2"/>
+              <a:buChar char=""/>
+              <a:defRPr lang="en-US" sz="1800" kern="1200" dirty="0" smtClean="0">
+                <a:solidFill>
+                  <a:schemeClr val="tx1">
+                    <a:lumMod val="75000"/>
+                    <a:lumOff val="25000"/>
+                  </a:schemeClr>
+                </a:solidFill>
+                <a:latin typeface="+mn-lt"/>
+                <a:ea typeface="+mn-ea"/>
+                <a:cs typeface="+mn-cs"/>
+              </a:defRPr>
+            </a:lvl7pPr>
+            <a:lvl8pPr marL="3657600" indent="-461963" algn="l" defTabSz="914400" rtl="0" eaLnBrk="1" latinLnBrk="0" hangingPunct="1">
+              <a:spcBef>
+                <a:spcPct val="20000"/>
+              </a:spcBef>
+              <a:buClr>
+                <a:schemeClr val="tx1">
+                  <a:lumMod val="50000"/>
+                  <a:lumOff val="50000"/>
+                </a:schemeClr>
+              </a:buClr>
+              <a:buSzPct val="75000"/>
+              <a:buFont typeface="Wingdings 2" pitchFamily="18" charset="2"/>
+              <a:buChar char=""/>
+              <a:defRPr lang="en-US" sz="1800" kern="1200" dirty="0" smtClean="0">
+                <a:solidFill>
+                  <a:schemeClr val="tx1">
+                    <a:lumMod val="75000"/>
+                    <a:lumOff val="25000"/>
+                  </a:schemeClr>
+                </a:solidFill>
+                <a:latin typeface="+mn-lt"/>
+                <a:ea typeface="+mn-ea"/>
+                <a:cs typeface="+mn-cs"/>
+              </a:defRPr>
+            </a:lvl8pPr>
+            <a:lvl9pPr marL="4119563" indent="-461963" algn="l" defTabSz="914400" rtl="0" eaLnBrk="1" latinLnBrk="0" hangingPunct="1">
+              <a:spcBef>
+                <a:spcPct val="20000"/>
+              </a:spcBef>
+              <a:buClr>
+                <a:schemeClr val="tx1">
+                  <a:lumMod val="75000"/>
+                  <a:lumOff val="25000"/>
+                </a:schemeClr>
+              </a:buClr>
+              <a:buSzPct val="75000"/>
+              <a:buFont typeface="Wingdings 2" pitchFamily="18" charset="2"/>
+              <a:buChar char=""/>
+              <a:defRPr lang="en-US" sz="1800" kern="1200" dirty="0">
+                <a:solidFill>
+                  <a:schemeClr val="tx1">
+                    <a:lumMod val="75000"/>
+                    <a:lumOff val="25000"/>
+                  </a:schemeClr>
+                </a:solidFill>
+                <a:latin typeface="+mn-lt"/>
+                <a:ea typeface="+mn-ea"/>
+                <a:cs typeface="+mn-cs"/>
+              </a:defRPr>
+            </a:lvl9pPr>
+          </a:lstStyle>
+          <a:p>
+            <a:r>
+              <a:rPr kumimoji="1" lang="en-US" altLang="zh-CN" dirty="0">
+                <a:solidFill>
+                  <a:schemeClr val="tx1"/>
+                </a:solidFill>
+              </a:rPr>
+              <a:t>If we have two separate probability distributions P (X) and Q(X) over the same random variable X, we can measure how different these two distributions are using the </a:t>
+            </a:r>
+            <a:r>
+              <a:rPr kumimoji="1" lang="en-US" altLang="zh-CN" dirty="0" err="1">
+                <a:solidFill>
+                  <a:schemeClr val="tx1"/>
+                </a:solidFill>
+              </a:rPr>
+              <a:t>Kullback-Leibler</a:t>
+            </a:r>
+            <a:r>
+              <a:rPr kumimoji="1" lang="en-US" altLang="zh-CN" dirty="0">
+                <a:solidFill>
+                  <a:schemeClr val="tx1"/>
+                </a:solidFill>
+              </a:rPr>
+              <a:t> (KL) divergence (also called relative entropy).</a:t>
+            </a:r>
+          </a:p>
+        </p:txBody>
+      </p:sp>
+      <mc:AlternateContent xmlns:mc="http://schemas.openxmlformats.org/markup-compatibility/2006" xmlns:a14="http://schemas.microsoft.com/office/drawing/2010/main">
+        <mc:Choice Requires="a14">
           <p:sp>
             <p:nvSpPr>
               <p:cNvPr id="8" name="内容占位符 4">
@@ -10011,16 +10654,7 @@
                                 </a:solidFill>
                                 <a:latin typeface="Cambria Math" panose="02040503050406030204" pitchFamily="18" charset="0"/>
                               </a:rPr>
-                              <m:t>𝑙𝑜𝑔</m:t>
-                            </m:r>
-                            <m:r>
-                              <a:rPr kumimoji="1" lang="en-US" altLang="zh-CN" i="1">
-                                <a:solidFill>
-                                  <a:schemeClr val="tx1"/>
-                                </a:solidFill>
-                                <a:latin typeface="Cambria Math" panose="02040503050406030204" pitchFamily="18" charset="0"/>
-                              </a:rPr>
-                              <m:t>𝑃</m:t>
+                              <m:t>𝑙𝑜𝑔𝑃</m:t>
                             </m:r>
                             <m:d>
                               <m:dPr>
@@ -10154,7 +10788,7 @@
             </p:txBody>
           </p:sp>
         </mc:Choice>
-        <mc:Fallback>
+        <mc:Fallback xmlns="">
           <p:sp>
             <p:nvSpPr>
               <p:cNvPr id="8" name="内容占位符 4">
@@ -10199,6 +10833,700 @@
           </p:sp>
         </mc:Fallback>
       </mc:AlternateContent>
+      <mc:AlternateContent xmlns:mc="http://schemas.openxmlformats.org/markup-compatibility/2006">
+        <mc:Choice xmlns:a14="http://schemas.microsoft.com/office/drawing/2010/main" Requires="a14">
+          <p:sp>
+            <p:nvSpPr>
+              <p:cNvPr id="6" name="内容占位符 4">
+                <a:extLst>
+                  <a:ext uri="{FF2B5EF4-FFF2-40B4-BE49-F238E27FC236}">
+                    <a16:creationId xmlns:a16="http://schemas.microsoft.com/office/drawing/2014/main" id="{855B98AE-3A6E-2543-B3C8-EC4903AD604A}"/>
+                  </a:ext>
+                </a:extLst>
+              </p:cNvPr>
+              <p:cNvSpPr txBox="1">
+                <a:spLocks/>
+              </p:cNvSpPr>
+              <p:nvPr/>
+            </p:nvSpPr>
+            <p:spPr>
+              <a:xfrm>
+                <a:off x="207819" y="2939970"/>
+                <a:ext cx="8827124" cy="979088"/>
+              </a:xfrm>
+              <a:prstGeom prst="rect">
+                <a:avLst/>
+              </a:prstGeom>
+            </p:spPr>
+            <p:txBody>
+              <a:bodyPr vert="horz" lIns="91440" tIns="45720" rIns="91440" bIns="45720" rtlCol="0">
+                <a:normAutofit/>
+              </a:bodyPr>
+              <a:lstStyle>
+                <a:lvl1pPr marL="457200" indent="-457200" algn="l" defTabSz="914400" rtl="0" eaLnBrk="1" latinLnBrk="0" hangingPunct="1">
+                  <a:spcBef>
+                    <a:spcPts val="2000"/>
+                  </a:spcBef>
+                  <a:buClr>
+                    <a:schemeClr val="tx1">
+                      <a:lumMod val="75000"/>
+                      <a:lumOff val="25000"/>
+                    </a:schemeClr>
+                  </a:buClr>
+                  <a:buSzPct val="75000"/>
+                  <a:buFont typeface="Wingdings 2" pitchFamily="18" charset="2"/>
+                  <a:buChar char=""/>
+                  <a:defRPr sz="2200" kern="1200">
+                    <a:solidFill>
+                      <a:schemeClr val="tx1">
+                        <a:lumMod val="75000"/>
+                        <a:lumOff val="25000"/>
+                      </a:schemeClr>
+                    </a:solidFill>
+                    <a:latin typeface="+mn-lt"/>
+                    <a:ea typeface="+mn-ea"/>
+                    <a:cs typeface="+mn-cs"/>
+                  </a:defRPr>
+                </a:lvl1pPr>
+                <a:lvl2pPr marL="914400" indent="-457200" algn="l" defTabSz="914400" rtl="0" eaLnBrk="1" latinLnBrk="0" hangingPunct="1">
+                  <a:spcBef>
+                    <a:spcPts val="600"/>
+                  </a:spcBef>
+                  <a:buClr>
+                    <a:schemeClr val="tx1">
+                      <a:lumMod val="50000"/>
+                      <a:lumOff val="50000"/>
+                    </a:schemeClr>
+                  </a:buClr>
+                  <a:buSzPct val="75000"/>
+                  <a:buFont typeface="Wingdings 2" pitchFamily="18" charset="2"/>
+                  <a:buChar char=""/>
+                  <a:defRPr sz="2000" kern="1200">
+                    <a:solidFill>
+                      <a:schemeClr val="tx1">
+                        <a:lumMod val="75000"/>
+                        <a:lumOff val="25000"/>
+                      </a:schemeClr>
+                    </a:solidFill>
+                    <a:latin typeface="+mn-lt"/>
+                    <a:ea typeface="+mn-ea"/>
+                    <a:cs typeface="+mn-cs"/>
+                  </a:defRPr>
+                </a:lvl2pPr>
+                <a:lvl3pPr marL="1371600" indent="-457200" algn="l" defTabSz="914400" rtl="0" eaLnBrk="1" latinLnBrk="0" hangingPunct="1">
+                  <a:spcBef>
+                    <a:spcPts val="600"/>
+                  </a:spcBef>
+                  <a:buClr>
+                    <a:schemeClr val="tx1">
+                      <a:lumMod val="75000"/>
+                      <a:lumOff val="25000"/>
+                    </a:schemeClr>
+                  </a:buClr>
+                  <a:buSzPct val="75000"/>
+                  <a:buFont typeface="Wingdings 2" pitchFamily="18" charset="2"/>
+                  <a:buChar char=""/>
+                  <a:defRPr sz="1800" kern="1200">
+                    <a:solidFill>
+                      <a:schemeClr val="tx1">
+                        <a:lumMod val="75000"/>
+                        <a:lumOff val="25000"/>
+                      </a:schemeClr>
+                    </a:solidFill>
+                    <a:latin typeface="+mn-lt"/>
+                    <a:ea typeface="+mn-ea"/>
+                    <a:cs typeface="+mn-cs"/>
+                  </a:defRPr>
+                </a:lvl3pPr>
+                <a:lvl4pPr marL="1828800" indent="-457200" algn="l" defTabSz="914400" rtl="0" eaLnBrk="1" latinLnBrk="0" hangingPunct="1">
+                  <a:spcBef>
+                    <a:spcPts val="600"/>
+                  </a:spcBef>
+                  <a:buClr>
+                    <a:schemeClr val="tx1">
+                      <a:lumMod val="50000"/>
+                      <a:lumOff val="50000"/>
+                    </a:schemeClr>
+                  </a:buClr>
+                  <a:buSzPct val="75000"/>
+                  <a:buFont typeface="Wingdings 2" pitchFamily="18" charset="2"/>
+                  <a:buChar char=""/>
+                  <a:defRPr sz="1800" kern="1200">
+                    <a:solidFill>
+                      <a:schemeClr val="tx1">
+                        <a:lumMod val="75000"/>
+                        <a:lumOff val="25000"/>
+                      </a:schemeClr>
+                    </a:solidFill>
+                    <a:latin typeface="+mn-lt"/>
+                    <a:ea typeface="+mn-ea"/>
+                    <a:cs typeface="+mn-cs"/>
+                  </a:defRPr>
+                </a:lvl4pPr>
+                <a:lvl5pPr marL="2286000" indent="-457200" algn="l" defTabSz="914400" rtl="0" eaLnBrk="1" latinLnBrk="0" hangingPunct="1">
+                  <a:spcBef>
+                    <a:spcPts val="600"/>
+                  </a:spcBef>
+                  <a:buClr>
+                    <a:schemeClr val="tx1">
+                      <a:lumMod val="75000"/>
+                      <a:lumOff val="25000"/>
+                    </a:schemeClr>
+                  </a:buClr>
+                  <a:buSzPct val="75000"/>
+                  <a:buFont typeface="Wingdings 2" pitchFamily="18" charset="2"/>
+                  <a:buChar char=""/>
+                  <a:defRPr sz="1800" kern="1200">
+                    <a:solidFill>
+                      <a:schemeClr val="tx1">
+                        <a:lumMod val="75000"/>
+                        <a:lumOff val="25000"/>
+                      </a:schemeClr>
+                    </a:solidFill>
+                    <a:latin typeface="+mn-lt"/>
+                    <a:ea typeface="+mn-ea"/>
+                    <a:cs typeface="+mn-cs"/>
+                  </a:defRPr>
+                </a:lvl5pPr>
+                <a:lvl6pPr marL="2743200" indent="-461963" algn="l" defTabSz="914400" rtl="0" eaLnBrk="1" latinLnBrk="0" hangingPunct="1">
+                  <a:spcBef>
+                    <a:spcPct val="20000"/>
+                  </a:spcBef>
+                  <a:buClr>
+                    <a:schemeClr val="tx1">
+                      <a:lumMod val="50000"/>
+                      <a:lumOff val="50000"/>
+                    </a:schemeClr>
+                  </a:buClr>
+                  <a:buSzPct val="75000"/>
+                  <a:buFont typeface="Wingdings 2" pitchFamily="18" charset="2"/>
+                  <a:buChar char=""/>
+                  <a:defRPr lang="en-US" sz="1800" kern="1200" dirty="0" smtClean="0">
+                    <a:solidFill>
+                      <a:schemeClr val="tx1">
+                        <a:lumMod val="75000"/>
+                        <a:lumOff val="25000"/>
+                      </a:schemeClr>
+                    </a:solidFill>
+                    <a:latin typeface="+mn-lt"/>
+                    <a:ea typeface="+mn-ea"/>
+                    <a:cs typeface="+mn-cs"/>
+                  </a:defRPr>
+                </a:lvl6pPr>
+                <a:lvl7pPr marL="3205163" indent="-461963" algn="l" defTabSz="914400" rtl="0" eaLnBrk="1" latinLnBrk="0" hangingPunct="1">
+                  <a:spcBef>
+                    <a:spcPct val="20000"/>
+                  </a:spcBef>
+                  <a:buClr>
+                    <a:schemeClr val="tx1">
+                      <a:lumMod val="75000"/>
+                      <a:lumOff val="25000"/>
+                    </a:schemeClr>
+                  </a:buClr>
+                  <a:buSzPct val="75000"/>
+                  <a:buFont typeface="Wingdings 2" pitchFamily="18" charset="2"/>
+                  <a:buChar char=""/>
+                  <a:defRPr lang="en-US" sz="1800" kern="1200" dirty="0" smtClean="0">
+                    <a:solidFill>
+                      <a:schemeClr val="tx1">
+                        <a:lumMod val="75000"/>
+                        <a:lumOff val="25000"/>
+                      </a:schemeClr>
+                    </a:solidFill>
+                    <a:latin typeface="+mn-lt"/>
+                    <a:ea typeface="+mn-ea"/>
+                    <a:cs typeface="+mn-cs"/>
+                  </a:defRPr>
+                </a:lvl7pPr>
+                <a:lvl8pPr marL="3657600" indent="-461963" algn="l" defTabSz="914400" rtl="0" eaLnBrk="1" latinLnBrk="0" hangingPunct="1">
+                  <a:spcBef>
+                    <a:spcPct val="20000"/>
+                  </a:spcBef>
+                  <a:buClr>
+                    <a:schemeClr val="tx1">
+                      <a:lumMod val="50000"/>
+                      <a:lumOff val="50000"/>
+                    </a:schemeClr>
+                  </a:buClr>
+                  <a:buSzPct val="75000"/>
+                  <a:buFont typeface="Wingdings 2" pitchFamily="18" charset="2"/>
+                  <a:buChar char=""/>
+                  <a:defRPr lang="en-US" sz="1800" kern="1200" dirty="0" smtClean="0">
+                    <a:solidFill>
+                      <a:schemeClr val="tx1">
+                        <a:lumMod val="75000"/>
+                        <a:lumOff val="25000"/>
+                      </a:schemeClr>
+                    </a:solidFill>
+                    <a:latin typeface="+mn-lt"/>
+                    <a:ea typeface="+mn-ea"/>
+                    <a:cs typeface="+mn-cs"/>
+                  </a:defRPr>
+                </a:lvl8pPr>
+                <a:lvl9pPr marL="4119563" indent="-461963" algn="l" defTabSz="914400" rtl="0" eaLnBrk="1" latinLnBrk="0" hangingPunct="1">
+                  <a:spcBef>
+                    <a:spcPct val="20000"/>
+                  </a:spcBef>
+                  <a:buClr>
+                    <a:schemeClr val="tx1">
+                      <a:lumMod val="75000"/>
+                      <a:lumOff val="25000"/>
+                    </a:schemeClr>
+                  </a:buClr>
+                  <a:buSzPct val="75000"/>
+                  <a:buFont typeface="Wingdings 2" pitchFamily="18" charset="2"/>
+                  <a:buChar char=""/>
+                  <a:defRPr lang="en-US" sz="1800" kern="1200" dirty="0">
+                    <a:solidFill>
+                      <a:schemeClr val="tx1">
+                        <a:lumMod val="75000"/>
+                        <a:lumOff val="25000"/>
+                      </a:schemeClr>
+                    </a:solidFill>
+                    <a:latin typeface="+mn-lt"/>
+                    <a:ea typeface="+mn-ea"/>
+                    <a:cs typeface="+mn-cs"/>
+                  </a:defRPr>
+                </a:lvl9pPr>
+              </a:lstStyle>
+              <a:p>
+                <a:pPr indent="0">
+                  <a:buNone/>
+                </a:pPr>
+                <a14:m>
+                  <m:oMath xmlns:m="http://schemas.openxmlformats.org/officeDocument/2006/math">
+                    <m:sSub>
+                      <m:sSubPr>
+                        <m:ctrlPr>
+                          <a:rPr kumimoji="1" lang="en-US" altLang="zh-CN" i="1">
+                            <a:solidFill>
+                              <a:schemeClr val="tx1"/>
+                            </a:solidFill>
+                            <a:latin typeface="Cambria Math" panose="02040503050406030204" pitchFamily="18" charset="0"/>
+                          </a:rPr>
+                        </m:ctrlPr>
+                      </m:sSubPr>
+                      <m:e>
+                        <m:r>
+                          <a:rPr kumimoji="1" lang="en-US" altLang="zh-CN" i="1">
+                            <a:solidFill>
+                              <a:schemeClr val="tx1"/>
+                            </a:solidFill>
+                            <a:latin typeface="Cambria Math" panose="02040503050406030204" pitchFamily="18" charset="0"/>
+                          </a:rPr>
+                          <m:t>𝐷</m:t>
+                        </m:r>
+                      </m:e>
+                      <m:sub>
+                        <m:r>
+                          <a:rPr kumimoji="1" lang="en-US" altLang="zh-CN" i="1">
+                            <a:solidFill>
+                              <a:schemeClr val="tx1"/>
+                            </a:solidFill>
+                            <a:latin typeface="Cambria Math" panose="02040503050406030204" pitchFamily="18" charset="0"/>
+                          </a:rPr>
+                          <m:t>𝐾𝐿</m:t>
+                        </m:r>
+                      </m:sub>
+                    </m:sSub>
+                    <m:r>
+                      <a:rPr kumimoji="1" lang="en-US" altLang="zh-CN" i="1">
+                        <a:solidFill>
+                          <a:schemeClr val="tx1"/>
+                        </a:solidFill>
+                        <a:latin typeface="Cambria Math" panose="02040503050406030204" pitchFamily="18" charset="0"/>
+                      </a:rPr>
+                      <m:t>(</m:t>
+                    </m:r>
+                    <m:r>
+                      <a:rPr kumimoji="1" lang="en-US" altLang="zh-CN" i="1">
+                        <a:solidFill>
+                          <a:schemeClr val="tx1"/>
+                        </a:solidFill>
+                        <a:latin typeface="Cambria Math" panose="02040503050406030204" pitchFamily="18" charset="0"/>
+                      </a:rPr>
+                      <m:t>𝑃</m:t>
+                    </m:r>
+                    <m:r>
+                      <a:rPr kumimoji="1" lang="en-US" altLang="zh-CN" i="1">
+                        <a:solidFill>
+                          <a:schemeClr val="tx1"/>
+                        </a:solidFill>
+                        <a:latin typeface="Cambria Math" panose="02040503050406030204" pitchFamily="18" charset="0"/>
+                      </a:rPr>
+                      <m:t>|</m:t>
+                    </m:r>
+                    <m:d>
+                      <m:dPr>
+                        <m:begChr m:val="|"/>
+                        <m:ctrlPr>
+                          <a:rPr kumimoji="1" lang="en-US" altLang="zh-CN" i="1">
+                            <a:solidFill>
+                              <a:schemeClr val="tx1"/>
+                            </a:solidFill>
+                            <a:latin typeface="Cambria Math" panose="02040503050406030204" pitchFamily="18" charset="0"/>
+                          </a:rPr>
+                        </m:ctrlPr>
+                      </m:dPr>
+                      <m:e>
+                        <m:r>
+                          <a:rPr kumimoji="1" lang="en-US" altLang="zh-CN" i="1">
+                            <a:solidFill>
+                              <a:schemeClr val="tx1"/>
+                            </a:solidFill>
+                            <a:latin typeface="Cambria Math" panose="02040503050406030204" pitchFamily="18" charset="0"/>
+                          </a:rPr>
+                          <m:t>𝑄</m:t>
+                        </m:r>
+                      </m:e>
+                    </m:d>
+                    <m:r>
+                      <a:rPr kumimoji="1" lang="en-US" altLang="zh-CN" i="1">
+                        <a:solidFill>
+                          <a:schemeClr val="tx1"/>
+                        </a:solidFill>
+                        <a:latin typeface="Cambria Math" panose="02040503050406030204" pitchFamily="18" charset="0"/>
+                      </a:rPr>
+                      <m:t>=</m:t>
+                    </m:r>
+                    <m:nary>
+                      <m:naryPr>
+                        <m:chr m:val="∑"/>
+                        <m:ctrlPr>
+                          <a:rPr kumimoji="1" lang="en-US" altLang="zh-CN" i="1">
+                            <a:solidFill>
+                              <a:schemeClr val="tx1"/>
+                            </a:solidFill>
+                            <a:latin typeface="Cambria Math" panose="02040503050406030204" pitchFamily="18" charset="0"/>
+                          </a:rPr>
+                        </m:ctrlPr>
+                      </m:naryPr>
+                      <m:sub>
+                        <m:r>
+                          <m:rPr>
+                            <m:brk m:alnAt="23"/>
+                          </m:rPr>
+                          <a:rPr kumimoji="1" lang="en-US" altLang="zh-CN" i="1">
+                            <a:solidFill>
+                              <a:schemeClr val="tx1"/>
+                            </a:solidFill>
+                            <a:latin typeface="Cambria Math" panose="02040503050406030204" pitchFamily="18" charset="0"/>
+                          </a:rPr>
+                          <m:t>𝑖</m:t>
+                        </m:r>
+                        <m:r>
+                          <a:rPr kumimoji="1" lang="en-US" altLang="zh-CN" i="1">
+                            <a:solidFill>
+                              <a:schemeClr val="tx1"/>
+                            </a:solidFill>
+                            <a:latin typeface="Cambria Math" panose="02040503050406030204" pitchFamily="18" charset="0"/>
+                          </a:rPr>
+                          <m:t>=1</m:t>
+                        </m:r>
+                      </m:sub>
+                      <m:sup>
+                        <m:r>
+                          <a:rPr kumimoji="1" lang="en-US" altLang="zh-CN" i="1">
+                            <a:solidFill>
+                              <a:schemeClr val="tx1"/>
+                            </a:solidFill>
+                            <a:latin typeface="Cambria Math" panose="02040503050406030204" pitchFamily="18" charset="0"/>
+                          </a:rPr>
+                          <m:t>𝑛</m:t>
+                        </m:r>
+                      </m:sup>
+                      <m:e>
+                        <m:r>
+                          <a:rPr kumimoji="1" lang="en-US" altLang="zh-CN" i="1">
+                            <a:solidFill>
+                              <a:schemeClr val="tx1"/>
+                            </a:solidFill>
+                            <a:latin typeface="Cambria Math" panose="02040503050406030204" pitchFamily="18" charset="0"/>
+                          </a:rPr>
+                          <m:t>𝑃</m:t>
+                        </m:r>
+                        <m:d>
+                          <m:dPr>
+                            <m:ctrlPr>
+                              <a:rPr kumimoji="1" lang="en-US" altLang="zh-CN" i="1">
+                                <a:solidFill>
+                                  <a:schemeClr val="tx1"/>
+                                </a:solidFill>
+                                <a:latin typeface="Cambria Math" panose="02040503050406030204" pitchFamily="18" charset="0"/>
+                              </a:rPr>
+                            </m:ctrlPr>
+                          </m:dPr>
+                          <m:e>
+                            <m:sSub>
+                              <m:sSubPr>
+                                <m:ctrlPr>
+                                  <a:rPr kumimoji="1" lang="en-US" altLang="zh-CN" i="1">
+                                    <a:solidFill>
+                                      <a:schemeClr val="tx1"/>
+                                    </a:solidFill>
+                                    <a:latin typeface="Cambria Math" panose="02040503050406030204" pitchFamily="18" charset="0"/>
+                                  </a:rPr>
+                                </m:ctrlPr>
+                              </m:sSubPr>
+                              <m:e>
+                                <m:r>
+                                  <a:rPr kumimoji="1" lang="en-US" altLang="zh-CN" i="1">
+                                    <a:solidFill>
+                                      <a:schemeClr val="tx1"/>
+                                    </a:solidFill>
+                                    <a:latin typeface="Cambria Math" panose="02040503050406030204" pitchFamily="18" charset="0"/>
+                                  </a:rPr>
+                                  <m:t>𝑥</m:t>
+                                </m:r>
+                              </m:e>
+                              <m:sub>
+                                <m:r>
+                                  <a:rPr kumimoji="1" lang="en-US" altLang="zh-CN" i="1">
+                                    <a:solidFill>
+                                      <a:schemeClr val="tx1"/>
+                                    </a:solidFill>
+                                    <a:latin typeface="Cambria Math" panose="02040503050406030204" pitchFamily="18" charset="0"/>
+                                  </a:rPr>
+                                  <m:t>𝑖</m:t>
+                                </m:r>
+                              </m:sub>
+                            </m:sSub>
+                          </m:e>
+                        </m:d>
+                        <m:func>
+                          <m:funcPr>
+                            <m:ctrlPr>
+                              <a:rPr kumimoji="1" lang="en-US" altLang="zh-CN" i="1">
+                                <a:solidFill>
+                                  <a:schemeClr val="tx1"/>
+                                </a:solidFill>
+                                <a:latin typeface="Cambria Math" panose="02040503050406030204" pitchFamily="18" charset="0"/>
+                              </a:rPr>
+                            </m:ctrlPr>
+                          </m:funcPr>
+                          <m:fName>
+                            <m:r>
+                              <m:rPr>
+                                <m:sty m:val="p"/>
+                              </m:rPr>
+                              <a:rPr kumimoji="1" lang="en-US" altLang="zh-CN" i="1">
+                                <a:solidFill>
+                                  <a:schemeClr val="tx1"/>
+                                </a:solidFill>
+                                <a:latin typeface="Cambria Math" panose="02040503050406030204" pitchFamily="18" charset="0"/>
+                              </a:rPr>
+                              <m:t>log</m:t>
+                            </m:r>
+                          </m:fName>
+                          <m:e>
+                            <m:d>
+                              <m:dPr>
+                                <m:ctrlPr>
+                                  <a:rPr kumimoji="1" lang="en-US" altLang="zh-CN" i="1">
+                                    <a:solidFill>
+                                      <a:schemeClr val="tx1"/>
+                                    </a:solidFill>
+                                    <a:latin typeface="Cambria Math" panose="02040503050406030204" pitchFamily="18" charset="0"/>
+                                  </a:rPr>
+                                </m:ctrlPr>
+                              </m:dPr>
+                              <m:e>
+                                <m:f>
+                                  <m:fPr>
+                                    <m:ctrlPr>
+                                      <a:rPr kumimoji="1" lang="en-US" altLang="zh-CN" i="1">
+                                        <a:solidFill>
+                                          <a:schemeClr val="tx1"/>
+                                        </a:solidFill>
+                                        <a:latin typeface="Cambria Math" panose="02040503050406030204" pitchFamily="18" charset="0"/>
+                                      </a:rPr>
+                                    </m:ctrlPr>
+                                  </m:fPr>
+                                  <m:num>
+                                    <m:r>
+                                      <a:rPr kumimoji="1" lang="en-US" altLang="zh-CN" i="1">
+                                        <a:solidFill>
+                                          <a:schemeClr val="tx1"/>
+                                        </a:solidFill>
+                                        <a:latin typeface="Cambria Math" panose="02040503050406030204" pitchFamily="18" charset="0"/>
+                                      </a:rPr>
+                                      <m:t>𝑃</m:t>
+                                    </m:r>
+                                    <m:d>
+                                      <m:dPr>
+                                        <m:ctrlPr>
+                                          <a:rPr kumimoji="1" lang="en-US" altLang="zh-CN" i="1">
+                                            <a:solidFill>
+                                              <a:schemeClr val="tx1"/>
+                                            </a:solidFill>
+                                            <a:latin typeface="Cambria Math" panose="02040503050406030204" pitchFamily="18" charset="0"/>
+                                          </a:rPr>
+                                        </m:ctrlPr>
+                                      </m:dPr>
+                                      <m:e>
+                                        <m:sSub>
+                                          <m:sSubPr>
+                                            <m:ctrlPr>
+                                              <a:rPr kumimoji="1" lang="en-US" altLang="zh-CN" i="1">
+                                                <a:solidFill>
+                                                  <a:schemeClr val="tx1"/>
+                                                </a:solidFill>
+                                                <a:latin typeface="Cambria Math" panose="02040503050406030204" pitchFamily="18" charset="0"/>
+                                              </a:rPr>
+                                            </m:ctrlPr>
+                                          </m:sSubPr>
+                                          <m:e>
+                                            <m:r>
+                                              <a:rPr kumimoji="1" lang="en-US" altLang="zh-CN" i="1">
+                                                <a:solidFill>
+                                                  <a:schemeClr val="tx1"/>
+                                                </a:solidFill>
+                                                <a:latin typeface="Cambria Math" panose="02040503050406030204" pitchFamily="18" charset="0"/>
+                                              </a:rPr>
+                                              <m:t>𝑥</m:t>
+                                            </m:r>
+                                          </m:e>
+                                          <m:sub>
+                                            <m:r>
+                                              <a:rPr kumimoji="1" lang="en-US" altLang="zh-CN" i="1">
+                                                <a:solidFill>
+                                                  <a:schemeClr val="tx1"/>
+                                                </a:solidFill>
+                                                <a:latin typeface="Cambria Math" panose="02040503050406030204" pitchFamily="18" charset="0"/>
+                                              </a:rPr>
+                                              <m:t>𝑖</m:t>
+                                            </m:r>
+                                          </m:sub>
+                                        </m:sSub>
+                                      </m:e>
+                                    </m:d>
+                                  </m:num>
+                                  <m:den>
+                                    <m:r>
+                                      <a:rPr kumimoji="1" lang="en-US" altLang="zh-CN" i="1">
+                                        <a:solidFill>
+                                          <a:schemeClr val="tx1"/>
+                                        </a:solidFill>
+                                        <a:latin typeface="Cambria Math" panose="02040503050406030204" pitchFamily="18" charset="0"/>
+                                      </a:rPr>
+                                      <m:t>𝑄</m:t>
+                                    </m:r>
+                                    <m:d>
+                                      <m:dPr>
+                                        <m:ctrlPr>
+                                          <a:rPr kumimoji="1" lang="en-US" altLang="zh-CN" i="1">
+                                            <a:solidFill>
+                                              <a:schemeClr val="tx1"/>
+                                            </a:solidFill>
+                                            <a:latin typeface="Cambria Math" panose="02040503050406030204" pitchFamily="18" charset="0"/>
+                                          </a:rPr>
+                                        </m:ctrlPr>
+                                      </m:dPr>
+                                      <m:e>
+                                        <m:sSub>
+                                          <m:sSubPr>
+                                            <m:ctrlPr>
+                                              <a:rPr kumimoji="1" lang="en-US" altLang="zh-CN" i="1">
+                                                <a:solidFill>
+                                                  <a:schemeClr val="tx1"/>
+                                                </a:solidFill>
+                                                <a:latin typeface="Cambria Math" panose="02040503050406030204" pitchFamily="18" charset="0"/>
+                                              </a:rPr>
+                                            </m:ctrlPr>
+                                          </m:sSubPr>
+                                          <m:e>
+                                            <m:r>
+                                              <a:rPr kumimoji="1" lang="en-US" altLang="zh-CN" i="1">
+                                                <a:solidFill>
+                                                  <a:schemeClr val="tx1"/>
+                                                </a:solidFill>
+                                                <a:latin typeface="Cambria Math" panose="02040503050406030204" pitchFamily="18" charset="0"/>
+                                              </a:rPr>
+                                              <m:t>𝑥</m:t>
+                                            </m:r>
+                                          </m:e>
+                                          <m:sub>
+                                            <m:r>
+                                              <a:rPr kumimoji="1" lang="en-US" altLang="zh-CN" i="1">
+                                                <a:solidFill>
+                                                  <a:schemeClr val="tx1"/>
+                                                </a:solidFill>
+                                                <a:latin typeface="Cambria Math" panose="02040503050406030204" pitchFamily="18" charset="0"/>
+                                              </a:rPr>
+                                              <m:t>𝑖</m:t>
+                                            </m:r>
+                                          </m:sub>
+                                        </m:sSub>
+                                      </m:e>
+                                    </m:d>
+                                  </m:den>
+                                </m:f>
+                              </m:e>
+                            </m:d>
+                          </m:e>
+                        </m:func>
+                      </m:e>
+                    </m:nary>
+                  </m:oMath>
+                </a14:m>
+                <a:r>
+                  <a:rPr kumimoji="1" lang="zh-CN" altLang="en-US" i="1" dirty="0">
+                    <a:solidFill>
+                      <a:schemeClr val="tx1"/>
+                    </a:solidFill>
+                    <a:latin typeface="Cambria Math" panose="02040503050406030204" pitchFamily="18" charset="0"/>
+                  </a:rPr>
+                  <a:t> </a:t>
+                </a:r>
+              </a:p>
+            </p:txBody>
+          </p:sp>
+        </mc:Choice>
+        <mc:Fallback>
+          <p:sp>
+            <p:nvSpPr>
+              <p:cNvPr id="6" name="内容占位符 4">
+                <a:extLst>
+                  <a:ext uri="{FF2B5EF4-FFF2-40B4-BE49-F238E27FC236}">
+                    <a16:creationId xmlns:a16="http://schemas.microsoft.com/office/drawing/2014/main" id="{855B98AE-3A6E-2543-B3C8-EC4903AD604A}"/>
+                  </a:ext>
+                </a:extLst>
+              </p:cNvPr>
+              <p:cNvSpPr txBox="1">
+                <a:spLocks noRot="1" noChangeAspect="1" noMove="1" noResize="1" noEditPoints="1" noAdjustHandles="1" noChangeArrowheads="1" noChangeShapeType="1" noTextEdit="1"/>
+              </p:cNvSpPr>
+              <p:nvPr/>
+            </p:nvSpPr>
+            <p:spPr>
+              <a:xfrm>
+                <a:off x="207819" y="2939970"/>
+                <a:ext cx="8827124" cy="979088"/>
+              </a:xfrm>
+              <a:prstGeom prst="rect">
+                <a:avLst/>
+              </a:prstGeom>
+              <a:blipFill>
+                <a:blip r:embed="rId4"/>
+                <a:stretch>
+                  <a:fillRect t="-44872" b="-37179"/>
+                </a:stretch>
+              </a:blipFill>
+            </p:spPr>
+            <p:txBody>
+              <a:bodyPr/>
+              <a:lstStyle/>
+              <a:p>
+                <a:r>
+                  <a:rPr lang="en-CN">
+                    <a:noFill/>
+                  </a:rPr>
+                  <a:t> </a:t>
+                </a:r>
+              </a:p>
+            </p:txBody>
+          </p:sp>
+        </mc:Fallback>
+      </mc:AlternateContent>
     </p:spTree>
     <p:extLst>
       <p:ext uri="{BB962C8B-B14F-4D97-AF65-F5344CB8AC3E}">
@@ -10209,10 +11537,180 @@
   <p:clrMapOvr>
     <a:masterClrMapping/>
   </p:clrMapOvr>
+  <p:timing>
+    <p:tnLst>
+      <p:par>
+        <p:cTn id="1" dur="indefinite" restart="never" nodeType="tmRoot">
+          <p:childTnLst>
+            <p:seq concurrent="1" nextAc="seek">
+              <p:cTn id="2" dur="indefinite" nodeType="mainSeq">
+                <p:childTnLst>
+                  <p:par>
+                    <p:cTn id="3" fill="hold">
+                      <p:stCondLst>
+                        <p:cond delay="indefinite"/>
+                      </p:stCondLst>
+                      <p:childTnLst>
+                        <p:par>
+                          <p:cTn id="4" fill="hold">
+                            <p:stCondLst>
+                              <p:cond delay="0"/>
+                            </p:stCondLst>
+                            <p:childTnLst>
+                              <p:par>
+                                <p:cTn id="5" presetID="1" presetClass="entr" presetSubtype="0" fill="hold" grpId="0" nodeType="clickEffect">
+                                  <p:stCondLst>
+                                    <p:cond delay="0"/>
+                                  </p:stCondLst>
+                                  <p:childTnLst>
+                                    <p:set>
+                                      <p:cBhvr>
+                                        <p:cTn id="6" dur="1" fill="hold">
+                                          <p:stCondLst>
+                                            <p:cond delay="0"/>
+                                          </p:stCondLst>
+                                        </p:cTn>
+                                        <p:tgtEl>
+                                          <p:spTgt spid="3"/>
+                                        </p:tgtEl>
+                                        <p:attrNameLst>
+                                          <p:attrName>style.visibility</p:attrName>
+                                        </p:attrNameLst>
+                                      </p:cBhvr>
+                                      <p:to>
+                                        <p:strVal val="visible"/>
+                                      </p:to>
+                                    </p:set>
+                                  </p:childTnLst>
+                                </p:cTn>
+                              </p:par>
+                            </p:childTnLst>
+                          </p:cTn>
+                        </p:par>
+                      </p:childTnLst>
+                    </p:cTn>
+                  </p:par>
+                  <p:par>
+                    <p:cTn id="7" fill="hold">
+                      <p:stCondLst>
+                        <p:cond delay="indefinite"/>
+                      </p:stCondLst>
+                      <p:childTnLst>
+                        <p:par>
+                          <p:cTn id="8" fill="hold">
+                            <p:stCondLst>
+                              <p:cond delay="0"/>
+                            </p:stCondLst>
+                            <p:childTnLst>
+                              <p:par>
+                                <p:cTn id="9" presetID="1" presetClass="entr" presetSubtype="0" fill="hold" grpId="0" nodeType="clickEffect">
+                                  <p:stCondLst>
+                                    <p:cond delay="0"/>
+                                  </p:stCondLst>
+                                  <p:childTnLst>
+                                    <p:set>
+                                      <p:cBhvr>
+                                        <p:cTn id="10" dur="1" fill="hold">
+                                          <p:stCondLst>
+                                            <p:cond delay="0"/>
+                                          </p:stCondLst>
+                                        </p:cTn>
+                                        <p:tgtEl>
+                                          <p:spTgt spid="6"/>
+                                        </p:tgtEl>
+                                        <p:attrNameLst>
+                                          <p:attrName>style.visibility</p:attrName>
+                                        </p:attrNameLst>
+                                      </p:cBhvr>
+                                      <p:to>
+                                        <p:strVal val="visible"/>
+                                      </p:to>
+                                    </p:set>
+                                  </p:childTnLst>
+                                </p:cTn>
+                              </p:par>
+                            </p:childTnLst>
+                          </p:cTn>
+                        </p:par>
+                      </p:childTnLst>
+                    </p:cTn>
+                  </p:par>
+                  <p:par>
+                    <p:cTn id="11" fill="hold">
+                      <p:stCondLst>
+                        <p:cond delay="indefinite"/>
+                      </p:stCondLst>
+                      <p:childTnLst>
+                        <p:par>
+                          <p:cTn id="12" fill="hold">
+                            <p:stCondLst>
+                              <p:cond delay="0"/>
+                            </p:stCondLst>
+                            <p:childTnLst>
+                              <p:par>
+                                <p:cTn id="13" presetID="1" presetClass="entr" presetSubtype="0" fill="hold" grpId="0" nodeType="clickEffect">
+                                  <p:stCondLst>
+                                    <p:cond delay="0"/>
+                                  </p:stCondLst>
+                                  <p:childTnLst>
+                                    <p:set>
+                                      <p:cBhvr>
+                                        <p:cTn id="14" dur="1" fill="hold">
+                                          <p:stCondLst>
+                                            <p:cond delay="0"/>
+                                          </p:stCondLst>
+                                        </p:cTn>
+                                        <p:tgtEl>
+                                          <p:spTgt spid="8"/>
+                                        </p:tgtEl>
+                                        <p:attrNameLst>
+                                          <p:attrName>style.visibility</p:attrName>
+                                        </p:attrNameLst>
+                                      </p:cBhvr>
+                                      <p:to>
+                                        <p:strVal val="visible"/>
+                                      </p:to>
+                                    </p:set>
+                                  </p:childTnLst>
+                                </p:cTn>
+                              </p:par>
+                            </p:childTnLst>
+                          </p:cTn>
+                        </p:par>
+                      </p:childTnLst>
+                    </p:cTn>
+                  </p:par>
+                </p:childTnLst>
+              </p:cTn>
+              <p:prevCondLst>
+                <p:cond evt="onPrev" delay="0">
+                  <p:tgtEl>
+                    <p:sldTgt/>
+                  </p:tgtEl>
+                </p:cond>
+              </p:prevCondLst>
+              <p:nextCondLst>
+                <p:cond evt="onNext" delay="0">
+                  <p:tgtEl>
+                    <p:sldTgt/>
+                  </p:tgtEl>
+                </p:cond>
+              </p:nextCondLst>
+            </p:seq>
+          </p:childTnLst>
+        </p:cTn>
+      </p:par>
+    </p:tnLst>
+    <p:bldLst>
+      <p:bldP spid="3" grpId="0"/>
+      <p:bldP spid="8" grpId="0"/>
+      <p:bldP spid="6" grpId="0"/>
+    </p:bldLst>
+  </p:timing>
 </p:sld>
 </file>
 
-<file path=ppt/slides/slide15.xml><?xml version="1.0" encoding="utf-8"?>
+<file path=ppt/slides/slide16.xml><?xml version="1.0" encoding="utf-8"?>
 <p:sld xmlns:a="http://schemas.openxmlformats.org/drawingml/2006/main" xmlns:r="http://schemas.openxmlformats.org/officeDocument/2006/relationships" xmlns:p="http://schemas.openxmlformats.org/presentationml/2006/main">
   <p:cSld>
     <p:spTree>
@@ -10278,8 +11776,8 @@
           </a:p>
         </p:txBody>
       </p:sp>
-      <mc:AlternateContent xmlns:mc="http://schemas.openxmlformats.org/markup-compatibility/2006">
-        <mc:Choice xmlns:a14="http://schemas.microsoft.com/office/drawing/2010/main" Requires="a14">
+      <mc:AlternateContent xmlns:mc="http://schemas.openxmlformats.org/markup-compatibility/2006" xmlns:a14="http://schemas.microsoft.com/office/drawing/2010/main">
+        <mc:Choice Requires="a14">
           <p:sp>
             <p:nvSpPr>
               <p:cNvPr id="8" name="内容占位符 4">
@@ -10759,16 +12257,7 @@
                                 </a:solidFill>
                                 <a:latin typeface="Cambria Math" panose="02040503050406030204" pitchFamily="18" charset="0"/>
                               </a:rPr>
-                              <m:t>𝑙𝑜𝑔</m:t>
-                            </m:r>
-                            <m:r>
-                              <a:rPr kumimoji="1" lang="en-US" altLang="zh-CN" i="1">
-                                <a:solidFill>
-                                  <a:schemeClr val="tx1"/>
-                                </a:solidFill>
-                                <a:latin typeface="Cambria Math" panose="02040503050406030204" pitchFamily="18" charset="0"/>
-                              </a:rPr>
-                              <m:t>𝑃</m:t>
+                              <m:t>𝑙𝑜𝑔𝑃</m:t>
                             </m:r>
                             <m:d>
                               <m:dPr>
@@ -11202,16 +12691,7 @@
                             </a:solidFill>
                             <a:latin typeface="Cambria Math" panose="02040503050406030204" pitchFamily="18" charset="0"/>
                           </a:rPr>
-                          <m:t>𝑙𝑜𝑔</m:t>
-                        </m:r>
-                        <m:r>
-                          <a:rPr kumimoji="1" lang="en-US" altLang="zh-CN" i="1">
-                            <a:solidFill>
-                              <a:schemeClr val="tx1"/>
-                            </a:solidFill>
-                            <a:latin typeface="Cambria Math" panose="02040503050406030204" pitchFamily="18" charset="0"/>
-                          </a:rPr>
-                          <m:t>𝑄</m:t>
+                          <m:t>𝑙𝑜𝑔𝑄</m:t>
                         </m:r>
                         <m:d>
                           <m:dPr>
@@ -11642,7 +13122,7 @@
             </p:txBody>
           </p:sp>
         </mc:Choice>
-        <mc:Fallback>
+        <mc:Fallback xmlns="">
           <p:sp>
             <p:nvSpPr>
               <p:cNvPr id="8" name="内容占位符 4">
@@ -11700,7 +13180,7 @@
 </p:sld>
 </file>
 
-<file path=ppt/slides/slide16.xml><?xml version="1.0" encoding="utf-8"?>
+<file path=ppt/slides/slide17.xml><?xml version="1.0" encoding="utf-8"?>
 <p:sld xmlns:a="http://schemas.openxmlformats.org/drawingml/2006/main" xmlns:r="http://schemas.openxmlformats.org/officeDocument/2006/relationships" xmlns:p="http://schemas.openxmlformats.org/presentationml/2006/main">
   <p:cSld>
     <p:spTree>
@@ -11783,7 +13263,289 @@
         <p:spPr>
           <a:xfrm>
             <a:off x="158438" y="1510020"/>
-            <a:ext cx="8827124" cy="4714611"/>
+            <a:ext cx="8827124" cy="1777665"/>
+          </a:xfrm>
+          <a:prstGeom prst="rect">
+            <a:avLst/>
+          </a:prstGeom>
+        </p:spPr>
+        <p:txBody>
+          <a:bodyPr vert="horz" lIns="91440" tIns="45720" rIns="91440" bIns="45720" rtlCol="0">
+            <a:normAutofit fontScale="92500" lnSpcReduction="10000"/>
+          </a:bodyPr>
+          <a:lstStyle>
+            <a:lvl1pPr marL="457200" indent="-457200" algn="l" defTabSz="914400" rtl="0" eaLnBrk="1" latinLnBrk="0" hangingPunct="1">
+              <a:spcBef>
+                <a:spcPts val="2000"/>
+              </a:spcBef>
+              <a:buClr>
+                <a:schemeClr val="tx1">
+                  <a:lumMod val="75000"/>
+                  <a:lumOff val="25000"/>
+                </a:schemeClr>
+              </a:buClr>
+              <a:buSzPct val="75000"/>
+              <a:buFont typeface="Wingdings 2" pitchFamily="18" charset="2"/>
+              <a:buChar char=""/>
+              <a:defRPr sz="2200" kern="1200">
+                <a:solidFill>
+                  <a:schemeClr val="tx1">
+                    <a:lumMod val="75000"/>
+                    <a:lumOff val="25000"/>
+                  </a:schemeClr>
+                </a:solidFill>
+                <a:latin typeface="+mn-lt"/>
+                <a:ea typeface="+mn-ea"/>
+                <a:cs typeface="+mn-cs"/>
+              </a:defRPr>
+            </a:lvl1pPr>
+            <a:lvl2pPr marL="914400" indent="-457200" algn="l" defTabSz="914400" rtl="0" eaLnBrk="1" latinLnBrk="0" hangingPunct="1">
+              <a:spcBef>
+                <a:spcPts val="600"/>
+              </a:spcBef>
+              <a:buClr>
+                <a:schemeClr val="tx1">
+                  <a:lumMod val="50000"/>
+                  <a:lumOff val="50000"/>
+                </a:schemeClr>
+              </a:buClr>
+              <a:buSzPct val="75000"/>
+              <a:buFont typeface="Wingdings 2" pitchFamily="18" charset="2"/>
+              <a:buChar char=""/>
+              <a:defRPr sz="2000" kern="1200">
+                <a:solidFill>
+                  <a:schemeClr val="tx1">
+                    <a:lumMod val="75000"/>
+                    <a:lumOff val="25000"/>
+                  </a:schemeClr>
+                </a:solidFill>
+                <a:latin typeface="+mn-lt"/>
+                <a:ea typeface="+mn-ea"/>
+                <a:cs typeface="+mn-cs"/>
+              </a:defRPr>
+            </a:lvl2pPr>
+            <a:lvl3pPr marL="1371600" indent="-457200" algn="l" defTabSz="914400" rtl="0" eaLnBrk="1" latinLnBrk="0" hangingPunct="1">
+              <a:spcBef>
+                <a:spcPts val="600"/>
+              </a:spcBef>
+              <a:buClr>
+                <a:schemeClr val="tx1">
+                  <a:lumMod val="75000"/>
+                  <a:lumOff val="25000"/>
+                </a:schemeClr>
+              </a:buClr>
+              <a:buSzPct val="75000"/>
+              <a:buFont typeface="Wingdings 2" pitchFamily="18" charset="2"/>
+              <a:buChar char=""/>
+              <a:defRPr sz="1800" kern="1200">
+                <a:solidFill>
+                  <a:schemeClr val="tx1">
+                    <a:lumMod val="75000"/>
+                    <a:lumOff val="25000"/>
+                  </a:schemeClr>
+                </a:solidFill>
+                <a:latin typeface="+mn-lt"/>
+                <a:ea typeface="+mn-ea"/>
+                <a:cs typeface="+mn-cs"/>
+              </a:defRPr>
+            </a:lvl3pPr>
+            <a:lvl4pPr marL="1828800" indent="-457200" algn="l" defTabSz="914400" rtl="0" eaLnBrk="1" latinLnBrk="0" hangingPunct="1">
+              <a:spcBef>
+                <a:spcPts val="600"/>
+              </a:spcBef>
+              <a:buClr>
+                <a:schemeClr val="tx1">
+                  <a:lumMod val="50000"/>
+                  <a:lumOff val="50000"/>
+                </a:schemeClr>
+              </a:buClr>
+              <a:buSzPct val="75000"/>
+              <a:buFont typeface="Wingdings 2" pitchFamily="18" charset="2"/>
+              <a:buChar char=""/>
+              <a:defRPr sz="1800" kern="1200">
+                <a:solidFill>
+                  <a:schemeClr val="tx1">
+                    <a:lumMod val="75000"/>
+                    <a:lumOff val="25000"/>
+                  </a:schemeClr>
+                </a:solidFill>
+                <a:latin typeface="+mn-lt"/>
+                <a:ea typeface="+mn-ea"/>
+                <a:cs typeface="+mn-cs"/>
+              </a:defRPr>
+            </a:lvl4pPr>
+            <a:lvl5pPr marL="2286000" indent="-457200" algn="l" defTabSz="914400" rtl="0" eaLnBrk="1" latinLnBrk="0" hangingPunct="1">
+              <a:spcBef>
+                <a:spcPts val="600"/>
+              </a:spcBef>
+              <a:buClr>
+                <a:schemeClr val="tx1">
+                  <a:lumMod val="75000"/>
+                  <a:lumOff val="25000"/>
+                </a:schemeClr>
+              </a:buClr>
+              <a:buSzPct val="75000"/>
+              <a:buFont typeface="Wingdings 2" pitchFamily="18" charset="2"/>
+              <a:buChar char=""/>
+              <a:defRPr sz="1800" kern="1200">
+                <a:solidFill>
+                  <a:schemeClr val="tx1">
+                    <a:lumMod val="75000"/>
+                    <a:lumOff val="25000"/>
+                  </a:schemeClr>
+                </a:solidFill>
+                <a:latin typeface="+mn-lt"/>
+                <a:ea typeface="+mn-ea"/>
+                <a:cs typeface="+mn-cs"/>
+              </a:defRPr>
+            </a:lvl5pPr>
+            <a:lvl6pPr marL="2743200" indent="-461963" algn="l" defTabSz="914400" rtl="0" eaLnBrk="1" latinLnBrk="0" hangingPunct="1">
+              <a:spcBef>
+                <a:spcPct val="20000"/>
+              </a:spcBef>
+              <a:buClr>
+                <a:schemeClr val="tx1">
+                  <a:lumMod val="50000"/>
+                  <a:lumOff val="50000"/>
+                </a:schemeClr>
+              </a:buClr>
+              <a:buSzPct val="75000"/>
+              <a:buFont typeface="Wingdings 2" pitchFamily="18" charset="2"/>
+              <a:buChar char=""/>
+              <a:defRPr lang="en-US" sz="1800" kern="1200" dirty="0" smtClean="0">
+                <a:solidFill>
+                  <a:schemeClr val="tx1">
+                    <a:lumMod val="75000"/>
+                    <a:lumOff val="25000"/>
+                  </a:schemeClr>
+                </a:solidFill>
+                <a:latin typeface="+mn-lt"/>
+                <a:ea typeface="+mn-ea"/>
+                <a:cs typeface="+mn-cs"/>
+              </a:defRPr>
+            </a:lvl6pPr>
+            <a:lvl7pPr marL="3205163" indent="-461963" algn="l" defTabSz="914400" rtl="0" eaLnBrk="1" latinLnBrk="0" hangingPunct="1">
+              <a:spcBef>
+                <a:spcPct val="20000"/>
+              </a:spcBef>
+              <a:buClr>
+                <a:schemeClr val="tx1">
+                  <a:lumMod val="75000"/>
+                  <a:lumOff val="25000"/>
+                </a:schemeClr>
+              </a:buClr>
+              <a:buSzPct val="75000"/>
+              <a:buFont typeface="Wingdings 2" pitchFamily="18" charset="2"/>
+              <a:buChar char=""/>
+              <a:defRPr lang="en-US" sz="1800" kern="1200" dirty="0" smtClean="0">
+                <a:solidFill>
+                  <a:schemeClr val="tx1">
+                    <a:lumMod val="75000"/>
+                    <a:lumOff val="25000"/>
+                  </a:schemeClr>
+                </a:solidFill>
+                <a:latin typeface="+mn-lt"/>
+                <a:ea typeface="+mn-ea"/>
+                <a:cs typeface="+mn-cs"/>
+              </a:defRPr>
+            </a:lvl7pPr>
+            <a:lvl8pPr marL="3657600" indent="-461963" algn="l" defTabSz="914400" rtl="0" eaLnBrk="1" latinLnBrk="0" hangingPunct="1">
+              <a:spcBef>
+                <a:spcPct val="20000"/>
+              </a:spcBef>
+              <a:buClr>
+                <a:schemeClr val="tx1">
+                  <a:lumMod val="50000"/>
+                  <a:lumOff val="50000"/>
+                </a:schemeClr>
+              </a:buClr>
+              <a:buSzPct val="75000"/>
+              <a:buFont typeface="Wingdings 2" pitchFamily="18" charset="2"/>
+              <a:buChar char=""/>
+              <a:defRPr lang="en-US" sz="1800" kern="1200" dirty="0" smtClean="0">
+                <a:solidFill>
+                  <a:schemeClr val="tx1">
+                    <a:lumMod val="75000"/>
+                    <a:lumOff val="25000"/>
+                  </a:schemeClr>
+                </a:solidFill>
+                <a:latin typeface="+mn-lt"/>
+                <a:ea typeface="+mn-ea"/>
+                <a:cs typeface="+mn-cs"/>
+              </a:defRPr>
+            </a:lvl8pPr>
+            <a:lvl9pPr marL="4119563" indent="-461963" algn="l" defTabSz="914400" rtl="0" eaLnBrk="1" latinLnBrk="0" hangingPunct="1">
+              <a:spcBef>
+                <a:spcPct val="20000"/>
+              </a:spcBef>
+              <a:buClr>
+                <a:schemeClr val="tx1">
+                  <a:lumMod val="75000"/>
+                  <a:lumOff val="25000"/>
+                </a:schemeClr>
+              </a:buClr>
+              <a:buSzPct val="75000"/>
+              <a:buFont typeface="Wingdings 2" pitchFamily="18" charset="2"/>
+              <a:buChar char=""/>
+              <a:defRPr lang="en-US" sz="1800" kern="1200" dirty="0">
+                <a:solidFill>
+                  <a:schemeClr val="tx1">
+                    <a:lumMod val="75000"/>
+                    <a:lumOff val="25000"/>
+                  </a:schemeClr>
+                </a:solidFill>
+                <a:latin typeface="+mn-lt"/>
+                <a:ea typeface="+mn-ea"/>
+                <a:cs typeface="+mn-cs"/>
+              </a:defRPr>
+            </a:lvl9pPr>
+          </a:lstStyle>
+          <a:p>
+            <a:pPr indent="0">
+              <a:buNone/>
+            </a:pPr>
+            <a:r>
+              <a:rPr kumimoji="1" lang="en-US" altLang="zh-CN" dirty="0">
+                <a:solidFill>
+                  <a:schemeClr val="tx1"/>
+                </a:solidFill>
+              </a:rPr>
+              <a:t>The goal of deep learning is to predict the input by training a probability model. </a:t>
+            </a:r>
+          </a:p>
+          <a:p>
+            <a:pPr indent="0">
+              <a:buNone/>
+            </a:pPr>
+            <a:r>
+              <a:rPr kumimoji="1" lang="en-US" altLang="zh-CN" dirty="0">
+                <a:solidFill>
+                  <a:schemeClr val="tx1"/>
+                </a:solidFill>
+              </a:rPr>
+              <a:t>However, Modeling a rich distribution over thousands or millions of random variables is a challenging task, both computationally and statistically. </a:t>
+            </a:r>
+          </a:p>
+        </p:txBody>
+      </p:sp>
+      <p:sp>
+        <p:nvSpPr>
+          <p:cNvPr id="4" name="内容占位符 4">
+            <a:extLst>
+              <a:ext uri="{FF2B5EF4-FFF2-40B4-BE49-F238E27FC236}">
+                <a16:creationId xmlns:a16="http://schemas.microsoft.com/office/drawing/2014/main" id="{0925D3EC-BFF3-E644-B8E4-883417F38748}"/>
+              </a:ext>
+            </a:extLst>
+          </p:cNvPr>
+          <p:cNvSpPr txBox="1">
+            <a:spLocks/>
+          </p:cNvSpPr>
+          <p:nvPr/>
+        </p:nvSpPr>
+        <p:spPr>
+          <a:xfrm>
+            <a:off x="158438" y="3570314"/>
+            <a:ext cx="8827124" cy="2622141"/>
           </a:xfrm>
           <a:prstGeom prst="rect">
             <a:avLst/>
@@ -12030,32 +13792,6 @@
                   <a:schemeClr val="tx1"/>
                 </a:solidFill>
               </a:rPr>
-              <a:t>The goal of deep learning is to predict the input by training a probability model. </a:t>
-            </a:r>
-          </a:p>
-          <a:p>
-            <a:pPr indent="0">
-              <a:buNone/>
-            </a:pPr>
-            <a:r>
-              <a:rPr kumimoji="1" lang="en-US" altLang="zh-CN" dirty="0">
-                <a:solidFill>
-                  <a:schemeClr val="tx1"/>
-                </a:solidFill>
-              </a:rPr>
-              <a:t>However, Modeling a rich distribution over thousands or millions of random variables is a challenging task, both computationally and statistically. </a:t>
-            </a:r>
-          </a:p>
-          <a:p>
-            <a:pPr indent="0">
-              <a:buNone/>
-            </a:pPr>
-            <a:r>
-              <a:rPr kumimoji="1" lang="en-US" altLang="zh-CN" dirty="0">
-                <a:solidFill>
-                  <a:schemeClr val="tx1"/>
-                </a:solidFill>
-              </a:rPr>
               <a:t>For a small, 32 × 32 pixel color (RGB) image, there are 2</a:t>
             </a:r>
             <a:r>
@@ -12145,10 +13881,134 @@
   <p:clrMapOvr>
     <a:masterClrMapping/>
   </p:clrMapOvr>
+  <p:timing>
+    <p:tnLst>
+      <p:par>
+        <p:cTn id="1" dur="indefinite" restart="never" nodeType="tmRoot">
+          <p:childTnLst>
+            <p:seq concurrent="1" nextAc="seek">
+              <p:cTn id="2" dur="indefinite" nodeType="mainSeq">
+                <p:childTnLst>
+                  <p:par>
+                    <p:cTn id="3" fill="hold">
+                      <p:stCondLst>
+                        <p:cond delay="indefinite"/>
+                      </p:stCondLst>
+                      <p:childTnLst>
+                        <p:par>
+                          <p:cTn id="4" fill="hold">
+                            <p:stCondLst>
+                              <p:cond delay="0"/>
+                            </p:stCondLst>
+                            <p:childTnLst>
+                              <p:par>
+                                <p:cTn id="5" presetID="1" presetClass="entr" presetSubtype="0" fill="hold" grpId="0" nodeType="clickEffect">
+                                  <p:stCondLst>
+                                    <p:cond delay="0"/>
+                                  </p:stCondLst>
+                                  <p:childTnLst>
+                                    <p:set>
+                                      <p:cBhvr>
+                                        <p:cTn id="6" dur="1" fill="hold">
+                                          <p:stCondLst>
+                                            <p:cond delay="0"/>
+                                          </p:stCondLst>
+                                        </p:cTn>
+                                        <p:tgtEl>
+                                          <p:spTgt spid="8"/>
+                                        </p:tgtEl>
+                                        <p:attrNameLst>
+                                          <p:attrName>style.visibility</p:attrName>
+                                        </p:attrNameLst>
+                                      </p:cBhvr>
+                                      <p:to>
+                                        <p:strVal val="visible"/>
+                                      </p:to>
+                                    </p:set>
+                                  </p:childTnLst>
+                                </p:cTn>
+                              </p:par>
+                            </p:childTnLst>
+                          </p:cTn>
+                        </p:par>
+                      </p:childTnLst>
+                    </p:cTn>
+                  </p:par>
+                  <p:par>
+                    <p:cTn id="7" fill="hold">
+                      <p:stCondLst>
+                        <p:cond delay="indefinite"/>
+                      </p:stCondLst>
+                      <p:childTnLst>
+                        <p:par>
+                          <p:cTn id="8" fill="hold">
+                            <p:stCondLst>
+                              <p:cond delay="0"/>
+                            </p:stCondLst>
+                            <p:childTnLst>
+                              <p:par>
+                                <p:cTn id="9" presetID="1" presetClass="entr" presetSubtype="0" fill="hold" grpId="0" nodeType="clickEffect">
+                                  <p:stCondLst>
+                                    <p:cond delay="0"/>
+                                  </p:stCondLst>
+                                  <p:childTnLst>
+                                    <p:set>
+                                      <p:cBhvr>
+                                        <p:cTn id="10" dur="1" fill="hold">
+                                          <p:stCondLst>
+                                            <p:cond delay="0"/>
+                                          </p:stCondLst>
+                                        </p:cTn>
+                                        <p:tgtEl>
+                                          <p:spTgt spid="4"/>
+                                        </p:tgtEl>
+                                        <p:attrNameLst>
+                                          <p:attrName>style.visibility</p:attrName>
+                                        </p:attrNameLst>
+                                      </p:cBhvr>
+                                      <p:to>
+                                        <p:strVal val="visible"/>
+                                      </p:to>
+                                    </p:set>
+                                  </p:childTnLst>
+                                </p:cTn>
+                              </p:par>
+                            </p:childTnLst>
+                          </p:cTn>
+                        </p:par>
+                      </p:childTnLst>
+                    </p:cTn>
+                  </p:par>
+                </p:childTnLst>
+              </p:cTn>
+              <p:prevCondLst>
+                <p:cond evt="onPrev" delay="0">
+                  <p:tgtEl>
+                    <p:sldTgt/>
+                  </p:tgtEl>
+                </p:cond>
+              </p:prevCondLst>
+              <p:nextCondLst>
+                <p:cond evt="onNext" delay="0">
+                  <p:tgtEl>
+                    <p:sldTgt/>
+                  </p:tgtEl>
+                </p:cond>
+              </p:nextCondLst>
+            </p:seq>
+          </p:childTnLst>
+        </p:cTn>
+      </p:par>
+    </p:tnLst>
+    <p:bldLst>
+      <p:bldP spid="8" grpId="0"/>
+      <p:bldP spid="4" grpId="0"/>
+    </p:bldLst>
+  </p:timing>
 </p:sld>
 </file>
 
-<file path=ppt/slides/slide17.xml><?xml version="1.0" encoding="utf-8"?>
+<file path=ppt/slides/slide18.xml><?xml version="1.0" encoding="utf-8"?>
 <p:sld xmlns:a="http://schemas.openxmlformats.org/drawingml/2006/main" xmlns:r="http://schemas.openxmlformats.org/officeDocument/2006/relationships" xmlns:p="http://schemas.openxmlformats.org/presentationml/2006/main">
   <p:cSld>
     <p:spTree>
@@ -12826,17 +14686,168 @@
     </p:spTree>
     <p:extLst>
       <p:ext uri="{BB962C8B-B14F-4D97-AF65-F5344CB8AC3E}">
-        <p14:creationId xmlns:p14="http://schemas.microsoft.com/office/powerpoint/2010/main" val="827842369"/>
+        <p14:creationId xmlns:p14="http://schemas.microsoft.com/office/powerpoint/2010/main" val="1421040056"/>
       </p:ext>
     </p:extLst>
   </p:cSld>
   <p:clrMapOvr>
     <a:masterClrMapping/>
   </p:clrMapOvr>
+  <p:timing>
+    <p:tnLst>
+      <p:par>
+        <p:cTn id="1" dur="indefinite" restart="never" nodeType="tmRoot">
+          <p:childTnLst>
+            <p:seq concurrent="1" nextAc="seek">
+              <p:cTn id="2" dur="indefinite" nodeType="mainSeq">
+                <p:childTnLst>
+                  <p:par>
+                    <p:cTn id="3" fill="hold">
+                      <p:stCondLst>
+                        <p:cond delay="indefinite"/>
+                      </p:stCondLst>
+                      <p:childTnLst>
+                        <p:par>
+                          <p:cTn id="4" fill="hold">
+                            <p:stCondLst>
+                              <p:cond delay="0"/>
+                            </p:stCondLst>
+                            <p:childTnLst>
+                              <p:par>
+                                <p:cTn id="5" presetID="1" presetClass="entr" presetSubtype="0" fill="hold" grpId="0" nodeType="clickEffect">
+                                  <p:stCondLst>
+                                    <p:cond delay="0"/>
+                                  </p:stCondLst>
+                                  <p:childTnLst>
+                                    <p:set>
+                                      <p:cBhvr>
+                                        <p:cTn id="6" dur="1" fill="hold">
+                                          <p:stCondLst>
+                                            <p:cond delay="0"/>
+                                          </p:stCondLst>
+                                        </p:cTn>
+                                        <p:tgtEl>
+                                          <p:spTgt spid="8"/>
+                                        </p:tgtEl>
+                                        <p:attrNameLst>
+                                          <p:attrName>style.visibility</p:attrName>
+                                        </p:attrNameLst>
+                                      </p:cBhvr>
+                                      <p:to>
+                                        <p:strVal val="visible"/>
+                                      </p:to>
+                                    </p:set>
+                                  </p:childTnLst>
+                                </p:cTn>
+                              </p:par>
+                            </p:childTnLst>
+                          </p:cTn>
+                        </p:par>
+                      </p:childTnLst>
+                    </p:cTn>
+                  </p:par>
+                  <p:par>
+                    <p:cTn id="7" fill="hold">
+                      <p:stCondLst>
+                        <p:cond delay="indefinite"/>
+                      </p:stCondLst>
+                      <p:childTnLst>
+                        <p:par>
+                          <p:cTn id="8" fill="hold">
+                            <p:stCondLst>
+                              <p:cond delay="0"/>
+                            </p:stCondLst>
+                            <p:childTnLst>
+                              <p:par>
+                                <p:cTn id="9" presetID="1" presetClass="entr" presetSubtype="0" fill="hold" grpId="0" nodeType="clickEffect">
+                                  <p:stCondLst>
+                                    <p:cond delay="0"/>
+                                  </p:stCondLst>
+                                  <p:childTnLst>
+                                    <p:set>
+                                      <p:cBhvr>
+                                        <p:cTn id="10" dur="1" fill="hold">
+                                          <p:stCondLst>
+                                            <p:cond delay="0"/>
+                                          </p:stCondLst>
+                                        </p:cTn>
+                                        <p:tgtEl>
+                                          <p:spTgt spid="7"/>
+                                        </p:tgtEl>
+                                        <p:attrNameLst>
+                                          <p:attrName>style.visibility</p:attrName>
+                                        </p:attrNameLst>
+                                      </p:cBhvr>
+                                      <p:to>
+                                        <p:strVal val="visible"/>
+                                      </p:to>
+                                    </p:set>
+                                  </p:childTnLst>
+                                </p:cTn>
+                              </p:par>
+                              <p:par>
+                                <p:cTn id="11" presetID="1" presetClass="entr" presetSubtype="0" fill="hold" nodeType="withEffect">
+                                  <p:stCondLst>
+                                    <p:cond delay="0"/>
+                                  </p:stCondLst>
+                                  <p:childTnLst>
+                                    <p:set>
+                                      <p:cBhvr>
+                                        <p:cTn id="12" dur="1" fill="hold">
+                                          <p:stCondLst>
+                                            <p:cond delay="0"/>
+                                          </p:stCondLst>
+                                        </p:cTn>
+                                        <p:tgtEl>
+                                          <p:spTgt spid="2"/>
+                                        </p:tgtEl>
+                                        <p:attrNameLst>
+                                          <p:attrName>style.visibility</p:attrName>
+                                        </p:attrNameLst>
+                                      </p:cBhvr>
+                                      <p:to>
+                                        <p:strVal val="visible"/>
+                                      </p:to>
+                                    </p:set>
+                                  </p:childTnLst>
+                                </p:cTn>
+                              </p:par>
+                            </p:childTnLst>
+                          </p:cTn>
+                        </p:par>
+                      </p:childTnLst>
+                    </p:cTn>
+                  </p:par>
+                </p:childTnLst>
+              </p:cTn>
+              <p:prevCondLst>
+                <p:cond evt="onPrev" delay="0">
+                  <p:tgtEl>
+                    <p:sldTgt/>
+                  </p:tgtEl>
+                </p:cond>
+              </p:prevCondLst>
+              <p:nextCondLst>
+                <p:cond evt="onNext" delay="0">
+                  <p:tgtEl>
+                    <p:sldTgt/>
+                  </p:tgtEl>
+                </p:cond>
+              </p:nextCondLst>
+            </p:seq>
+          </p:childTnLst>
+        </p:cTn>
+      </p:par>
+    </p:tnLst>
+    <p:bldLst>
+      <p:bldP spid="8" grpId="0"/>
+      <p:bldP spid="7" grpId="0"/>
+    </p:bldLst>
+  </p:timing>
 </p:sld>
 </file>
 
-<file path=ppt/slides/slide18.xml><?xml version="1.0" encoding="utf-8"?>
+<file path=ppt/slides/slide19.xml><?xml version="1.0" encoding="utf-8"?>
 <p:sld xmlns:a="http://schemas.openxmlformats.org/drawingml/2006/main" xmlns:r="http://schemas.openxmlformats.org/officeDocument/2006/relationships" xmlns:p="http://schemas.openxmlformats.org/presentationml/2006/main">
   <p:cSld>
     <p:spTree>
@@ -12889,7 +14900,7 @@
                 <a:ea typeface="黑体"/>
                 <a:cs typeface="黑体"/>
               </a:rPr>
-              <a:t>3.2 Structured Probabilistic Models </a:t>
+              <a:t>3.3 Directed Models</a:t>
             </a:r>
             <a:endParaRPr lang="ja-JP" altLang="en-US" sz="4000" baseline="30000" dirty="0">
               <a:solidFill>
@@ -12948,8 +14959,8 @@
         </p:nvSpPr>
         <p:spPr>
           <a:xfrm>
-            <a:off x="0" y="2945680"/>
-            <a:ext cx="8827124" cy="1050808"/>
+            <a:off x="0" y="2938936"/>
+            <a:ext cx="8827124" cy="1487425"/>
           </a:xfrm>
           <a:prstGeom prst="rect">
             <a:avLst/>
@@ -13187,22 +15198,916 @@
             </a:lvl9pPr>
           </a:lstStyle>
           <a:p>
+            <a:pPr marL="540000" indent="-342900"/>
+            <a:r>
+              <a:rPr kumimoji="1" lang="en-US" altLang="zh-CN" dirty="0">
+                <a:solidFill>
+                  <a:schemeClr val="tx1"/>
+                </a:solidFill>
+              </a:rPr>
+              <a:t>﻿In general, our estimate of t</a:t>
+            </a:r>
+            <a:r>
+              <a:rPr kumimoji="1" lang="en-US" altLang="zh-CN" baseline="-25000" dirty="0">
+                <a:solidFill>
+                  <a:schemeClr val="tx1"/>
+                </a:solidFill>
+              </a:rPr>
+              <a:t>1</a:t>
+            </a:r>
+            <a:r>
+              <a:rPr kumimoji="1" lang="en-US" altLang="zh-CN" dirty="0">
+                <a:solidFill>
+                  <a:schemeClr val="tx1"/>
+                </a:solidFill>
+              </a:rPr>
+              <a:t> depends on t</a:t>
+            </a:r>
+            <a:r>
+              <a:rPr kumimoji="1" lang="en-US" altLang="zh-CN" baseline="-25000" dirty="0">
+                <a:solidFill>
+                  <a:schemeClr val="tx1"/>
+                </a:solidFill>
+              </a:rPr>
+              <a:t>0</a:t>
+            </a:r>
+            <a:r>
+              <a:rPr kumimoji="1" lang="en-US" altLang="zh-CN" dirty="0">
+                <a:solidFill>
+                  <a:schemeClr val="tx1"/>
+                </a:solidFill>
+              </a:rPr>
+              <a:t>. Our estimate of t</a:t>
+            </a:r>
+            <a:r>
+              <a:rPr kumimoji="1" lang="en-US" altLang="zh-CN" baseline="-25000" dirty="0">
+                <a:solidFill>
+                  <a:schemeClr val="tx1"/>
+                </a:solidFill>
+              </a:rPr>
+              <a:t>2</a:t>
+            </a:r>
+            <a:r>
+              <a:rPr kumimoji="1" lang="en-US" altLang="zh-CN" dirty="0">
+                <a:solidFill>
+                  <a:schemeClr val="tx1"/>
+                </a:solidFill>
+              </a:rPr>
+              <a:t> depends directly on t</a:t>
+            </a:r>
+            <a:r>
+              <a:rPr kumimoji="1" lang="en-US" altLang="zh-CN" baseline="-25000" dirty="0">
+                <a:solidFill>
+                  <a:schemeClr val="tx1"/>
+                </a:solidFill>
+              </a:rPr>
+              <a:t>1</a:t>
+            </a:r>
+            <a:r>
+              <a:rPr kumimoji="1" lang="en-US" altLang="zh-CN" dirty="0">
+                <a:solidFill>
+                  <a:schemeClr val="tx1"/>
+                </a:solidFill>
+              </a:rPr>
+              <a:t> but only indirectly on t</a:t>
+            </a:r>
+            <a:r>
+              <a:rPr kumimoji="1" lang="en-US" altLang="zh-CN" baseline="-25000" dirty="0">
+                <a:solidFill>
+                  <a:schemeClr val="tx1"/>
+                </a:solidFill>
+              </a:rPr>
+              <a:t>0</a:t>
+            </a:r>
+            <a:r>
+              <a:rPr kumimoji="1" lang="en-US" altLang="zh-CN" dirty="0">
+                <a:solidFill>
+                  <a:schemeClr val="tx1"/>
+                </a:solidFill>
+              </a:rPr>
+              <a:t>.</a:t>
+            </a:r>
+          </a:p>
+          <a:p>
+            <a:pPr marL="540000" indent="0">
+              <a:buNone/>
+            </a:pPr>
+            <a:r>
+              <a:rPr kumimoji="1" lang="en-US" altLang="zh-CN" dirty="0">
+                <a:solidFill>
+                  <a:schemeClr val="tx1"/>
+                </a:solidFill>
+              </a:rPr>
+              <a:t>P(t</a:t>
+            </a:r>
+            <a:r>
+              <a:rPr kumimoji="1" lang="en-US" altLang="zh-CN" baseline="-25000" dirty="0">
+                <a:solidFill>
+                  <a:schemeClr val="tx1"/>
+                </a:solidFill>
+              </a:rPr>
+              <a:t>0</a:t>
+            </a:r>
+            <a:r>
+              <a:rPr kumimoji="1" lang="en-US" altLang="zh-CN" dirty="0">
+                <a:solidFill>
+                  <a:schemeClr val="tx1"/>
+                </a:solidFill>
+              </a:rPr>
+              <a:t>, t</a:t>
+            </a:r>
+            <a:r>
+              <a:rPr kumimoji="1" lang="en-US" altLang="zh-CN" baseline="-25000" dirty="0">
+                <a:solidFill>
+                  <a:schemeClr val="tx1"/>
+                </a:solidFill>
+              </a:rPr>
+              <a:t>1</a:t>
+            </a:r>
+            <a:r>
+              <a:rPr kumimoji="1" lang="en-US" altLang="zh-CN" dirty="0">
+                <a:solidFill>
+                  <a:schemeClr val="tx1"/>
+                </a:solidFill>
+              </a:rPr>
+              <a:t>, t</a:t>
+            </a:r>
+            <a:r>
+              <a:rPr kumimoji="1" lang="en-US" altLang="zh-CN" baseline="-25000" dirty="0">
+                <a:solidFill>
+                  <a:schemeClr val="tx1"/>
+                </a:solidFill>
+              </a:rPr>
+              <a:t>2</a:t>
+            </a:r>
+            <a:r>
+              <a:rPr kumimoji="1" lang="en-US" altLang="zh-CN" dirty="0">
+                <a:solidFill>
+                  <a:schemeClr val="tx1"/>
+                </a:solidFill>
+              </a:rPr>
+              <a:t>)=P(t</a:t>
+            </a:r>
+            <a:r>
+              <a:rPr kumimoji="1" lang="en-US" altLang="zh-CN" baseline="-25000" dirty="0">
+                <a:solidFill>
+                  <a:schemeClr val="tx1"/>
+                </a:solidFill>
+              </a:rPr>
+              <a:t>0</a:t>
+            </a:r>
+            <a:r>
+              <a:rPr kumimoji="1" lang="en-US" altLang="zh-CN" dirty="0">
+                <a:solidFill>
+                  <a:schemeClr val="tx1"/>
+                </a:solidFill>
+              </a:rPr>
+              <a:t>)* P(t</a:t>
+            </a:r>
+            <a:r>
+              <a:rPr kumimoji="1" lang="en-US" altLang="zh-CN" baseline="-25000" dirty="0">
+                <a:solidFill>
+                  <a:schemeClr val="tx1"/>
+                </a:solidFill>
+              </a:rPr>
+              <a:t>0</a:t>
+            </a:r>
+            <a:r>
+              <a:rPr kumimoji="1" lang="en-US" altLang="zh-CN" dirty="0">
+                <a:solidFill>
+                  <a:schemeClr val="tx1"/>
+                </a:solidFill>
+              </a:rPr>
+              <a:t>| t</a:t>
+            </a:r>
+            <a:r>
+              <a:rPr kumimoji="1" lang="en-US" altLang="zh-CN" baseline="-25000" dirty="0">
+                <a:solidFill>
+                  <a:schemeClr val="tx1"/>
+                </a:solidFill>
+              </a:rPr>
+              <a:t>1 </a:t>
+            </a:r>
+            <a:r>
+              <a:rPr kumimoji="1" lang="en-US" altLang="zh-CN" dirty="0">
+                <a:solidFill>
+                  <a:schemeClr val="tx1"/>
+                </a:solidFill>
+              </a:rPr>
+              <a:t>) * P(t</a:t>
+            </a:r>
+            <a:r>
+              <a:rPr kumimoji="1" lang="en-US" altLang="zh-CN" baseline="-25000" dirty="0">
+                <a:solidFill>
+                  <a:schemeClr val="tx1"/>
+                </a:solidFill>
+              </a:rPr>
+              <a:t>2 </a:t>
+            </a:r>
+            <a:r>
+              <a:rPr kumimoji="1" lang="en-US" altLang="zh-CN" dirty="0">
+                <a:solidFill>
+                  <a:schemeClr val="tx1"/>
+                </a:solidFill>
+              </a:rPr>
+              <a:t>| t</a:t>
+            </a:r>
+            <a:r>
+              <a:rPr kumimoji="1" lang="en-US" altLang="zh-CN" baseline="-25000" dirty="0">
+                <a:solidFill>
+                  <a:schemeClr val="tx1"/>
+                </a:solidFill>
+              </a:rPr>
+              <a:t>1 </a:t>
+            </a:r>
+            <a:r>
+              <a:rPr kumimoji="1" lang="en-US" altLang="zh-CN" dirty="0">
+                <a:solidFill>
+                  <a:schemeClr val="tx1"/>
+                </a:solidFill>
+              </a:rPr>
+              <a:t>t</a:t>
+            </a:r>
+            <a:r>
+              <a:rPr kumimoji="1" lang="en-US" altLang="zh-CN" baseline="-25000" dirty="0">
+                <a:solidFill>
+                  <a:schemeClr val="tx1"/>
+                </a:solidFill>
+              </a:rPr>
+              <a:t>0</a:t>
+            </a:r>
+            <a:r>
+              <a:rPr kumimoji="1" lang="en-US" altLang="zh-CN" dirty="0">
+                <a:solidFill>
+                  <a:schemeClr val="tx1"/>
+                </a:solidFill>
+              </a:rPr>
+              <a:t>) = P(t</a:t>
+            </a:r>
+            <a:r>
+              <a:rPr kumimoji="1" lang="en-US" altLang="zh-CN" baseline="-25000" dirty="0">
+                <a:solidFill>
+                  <a:schemeClr val="tx1"/>
+                </a:solidFill>
+              </a:rPr>
+              <a:t>0</a:t>
+            </a:r>
+            <a:r>
+              <a:rPr kumimoji="1" lang="en-US" altLang="zh-CN" dirty="0">
+                <a:solidFill>
+                  <a:schemeClr val="tx1"/>
+                </a:solidFill>
+              </a:rPr>
+              <a:t>)* P(t</a:t>
+            </a:r>
+            <a:r>
+              <a:rPr kumimoji="1" lang="en-US" altLang="zh-CN" baseline="-25000" dirty="0">
+                <a:solidFill>
+                  <a:schemeClr val="tx1"/>
+                </a:solidFill>
+              </a:rPr>
+              <a:t>0</a:t>
+            </a:r>
+            <a:r>
+              <a:rPr kumimoji="1" lang="en-US" altLang="zh-CN" dirty="0">
+                <a:solidFill>
+                  <a:schemeClr val="tx1"/>
+                </a:solidFill>
+              </a:rPr>
+              <a:t>| t</a:t>
+            </a:r>
+            <a:r>
+              <a:rPr kumimoji="1" lang="en-US" altLang="zh-CN" baseline="-25000" dirty="0">
+                <a:solidFill>
+                  <a:schemeClr val="tx1"/>
+                </a:solidFill>
+              </a:rPr>
+              <a:t>1 </a:t>
+            </a:r>
+            <a:r>
+              <a:rPr kumimoji="1" lang="en-US" altLang="zh-CN" dirty="0">
+                <a:solidFill>
+                  <a:schemeClr val="tx1"/>
+                </a:solidFill>
+              </a:rPr>
+              <a:t>) * P(t</a:t>
+            </a:r>
+            <a:r>
+              <a:rPr kumimoji="1" lang="en-US" altLang="zh-CN" baseline="-25000" dirty="0">
+                <a:solidFill>
+                  <a:schemeClr val="tx1"/>
+                </a:solidFill>
+              </a:rPr>
+              <a:t>2 </a:t>
+            </a:r>
+            <a:r>
+              <a:rPr kumimoji="1" lang="en-US" altLang="zh-CN" dirty="0">
+                <a:solidFill>
+                  <a:schemeClr val="tx1"/>
+                </a:solidFill>
+              </a:rPr>
+              <a:t>| t</a:t>
+            </a:r>
+            <a:r>
+              <a:rPr kumimoji="1" lang="en-US" altLang="zh-CN" baseline="-25000" dirty="0">
+                <a:solidFill>
+                  <a:schemeClr val="tx1"/>
+                </a:solidFill>
+              </a:rPr>
+              <a:t>1</a:t>
+            </a:r>
+            <a:r>
+              <a:rPr kumimoji="1" lang="en-US" altLang="zh-CN" dirty="0">
+                <a:solidFill>
+                  <a:schemeClr val="tx1"/>
+                </a:solidFill>
+              </a:rPr>
+              <a:t>) </a:t>
+            </a:r>
+          </a:p>
+          <a:p>
             <a:pPr indent="0">
               <a:buNone/>
             </a:pPr>
-            <a:r>
-              <a:rPr kumimoji="1" lang="en-US" altLang="zh-CN" dirty="0">
-                <a:solidFill>
-                  <a:schemeClr val="tx1"/>
-                </a:solidFill>
-              </a:rPr>
-              <a:t>For example, consider modeling the finishing times of a team in a relay race.</a:t>
-            </a:r>
             <a:endParaRPr kumimoji="1" lang="zh-CN" altLang="en-US" dirty="0">
               <a:solidFill>
                 <a:schemeClr val="tx1"/>
               </a:solidFill>
             </a:endParaRPr>
+          </a:p>
+        </p:txBody>
+      </p:sp>
+      <mc:AlternateContent xmlns:mc="http://schemas.openxmlformats.org/markup-compatibility/2006">
+        <mc:Choice xmlns:a14="http://schemas.microsoft.com/office/drawing/2010/main" Requires="a14">
+          <p:sp>
+            <p:nvSpPr>
+              <p:cNvPr id="2" name="TextBox 1">
+                <a:extLst>
+                  <a:ext uri="{FF2B5EF4-FFF2-40B4-BE49-F238E27FC236}">
+                    <a16:creationId xmlns:a16="http://schemas.microsoft.com/office/drawing/2014/main" id="{256B1B5D-98C8-644A-8002-C8CDDEF9DFB5}"/>
+                  </a:ext>
+                </a:extLst>
+              </p:cNvPr>
+              <p:cNvSpPr txBox="1"/>
+              <p:nvPr/>
+            </p:nvSpPr>
+            <p:spPr>
+              <a:xfrm>
+                <a:off x="657433" y="5348755"/>
+                <a:ext cx="2705356" cy="339708"/>
+              </a:xfrm>
+              <a:prstGeom prst="rect">
+                <a:avLst/>
+              </a:prstGeom>
+              <a:noFill/>
+            </p:spPr>
+            <p:txBody>
+              <a:bodyPr wrap="none" lIns="0" tIns="0" rIns="0" bIns="0" rtlCol="0">
+                <a:spAutoFit/>
+              </a:bodyPr>
+              <a:lstStyle/>
+              <a:p>
+                <a:r>
+                  <a:rPr lang="en-CN" dirty="0"/>
+                  <a:t>P(X)=</a:t>
+                </a:r>
+                <a14:m>
+                  <m:oMath xmlns:m="http://schemas.openxmlformats.org/officeDocument/2006/math">
+                    <m:nary>
+                      <m:naryPr>
+                        <m:chr m:val="∏"/>
+                        <m:ctrlPr>
+                          <a:rPr lang="en-CN" i="1" smtClean="0">
+                            <a:latin typeface="Cambria Math" panose="02040503050406030204" pitchFamily="18" charset="0"/>
+                          </a:rPr>
+                        </m:ctrlPr>
+                      </m:naryPr>
+                      <m:sub>
+                        <m:r>
+                          <m:rPr>
+                            <m:brk m:alnAt="23"/>
+                          </m:rPr>
+                          <a:rPr lang="en-US" b="0" i="1" smtClean="0">
+                            <a:latin typeface="Cambria Math" panose="02040503050406030204" pitchFamily="18" charset="0"/>
+                          </a:rPr>
+                          <m:t>𝑖</m:t>
+                        </m:r>
+                        <m:r>
+                          <a:rPr lang="en-US" b="0" i="1" smtClean="0">
+                            <a:latin typeface="Cambria Math" panose="02040503050406030204" pitchFamily="18" charset="0"/>
+                          </a:rPr>
+                          <m:t>=1</m:t>
+                        </m:r>
+                      </m:sub>
+                      <m:sup>
+                        <m:r>
+                          <a:rPr lang="en-US" b="0" i="1" smtClean="0">
+                            <a:latin typeface="Cambria Math" panose="02040503050406030204" pitchFamily="18" charset="0"/>
+                          </a:rPr>
+                          <m:t>𝑛</m:t>
+                        </m:r>
+                      </m:sup>
+                      <m:e>
+                        <m:r>
+                          <a:rPr lang="en-US" b="0" i="1" smtClean="0">
+                            <a:latin typeface="Cambria Math" panose="02040503050406030204" pitchFamily="18" charset="0"/>
+                          </a:rPr>
+                          <m:t>𝑃</m:t>
+                        </m:r>
+                        <m:r>
+                          <a:rPr lang="en-US" b="0" i="1" smtClean="0">
+                            <a:latin typeface="Cambria Math" panose="02040503050406030204" pitchFamily="18" charset="0"/>
+                          </a:rPr>
+                          <m:t>(</m:t>
+                        </m:r>
+                        <m:sSub>
+                          <m:sSubPr>
+                            <m:ctrlPr>
+                              <a:rPr lang="en-US" b="0" i="1" smtClean="0">
+                                <a:latin typeface="Cambria Math" panose="02040503050406030204" pitchFamily="18" charset="0"/>
+                              </a:rPr>
+                            </m:ctrlPr>
+                          </m:sSubPr>
+                          <m:e>
+                            <m:r>
+                              <a:rPr lang="en-US" b="0" i="1" smtClean="0">
+                                <a:latin typeface="Cambria Math" panose="02040503050406030204" pitchFamily="18" charset="0"/>
+                              </a:rPr>
+                              <m:t>𝑥</m:t>
+                            </m:r>
+                          </m:e>
+                          <m:sub>
+                            <m:r>
+                              <a:rPr lang="en-US" b="0" i="1" smtClean="0">
+                                <a:latin typeface="Cambria Math" panose="02040503050406030204" pitchFamily="18" charset="0"/>
+                              </a:rPr>
+                              <m:t>𝑖</m:t>
+                            </m:r>
+                          </m:sub>
+                        </m:sSub>
+                        <m:r>
+                          <a:rPr lang="en-US" b="0" i="1" smtClean="0">
+                            <a:latin typeface="Cambria Math" panose="02040503050406030204" pitchFamily="18" charset="0"/>
+                          </a:rPr>
+                          <m:t>|</m:t>
+                        </m:r>
+                        <m:sSub>
+                          <m:sSubPr>
+                            <m:ctrlPr>
+                              <a:rPr lang="en-US" b="0" i="1" smtClean="0">
+                                <a:latin typeface="Cambria Math" panose="02040503050406030204" pitchFamily="18" charset="0"/>
+                              </a:rPr>
+                            </m:ctrlPr>
+                          </m:sSubPr>
+                          <m:e>
+                            <m:sSub>
+                              <m:sSubPr>
+                                <m:ctrlPr>
+                                  <a:rPr lang="en-US" b="0" i="1" smtClean="0">
+                                    <a:latin typeface="Cambria Math" panose="02040503050406030204" pitchFamily="18" charset="0"/>
+                                  </a:rPr>
+                                </m:ctrlPr>
+                              </m:sSubPr>
+                              <m:e>
+                                <m:r>
+                                  <a:rPr lang="en-US" b="0" i="1" smtClean="0">
+                                    <a:latin typeface="Cambria Math" panose="02040503050406030204" pitchFamily="18" charset="0"/>
+                                  </a:rPr>
+                                  <m:t>𝑃</m:t>
+                                </m:r>
+                              </m:e>
+                              <m:sub>
+                                <m:r>
+                                  <a:rPr lang="en-US" b="0" i="1" smtClean="0">
+                                    <a:latin typeface="Cambria Math" panose="02040503050406030204" pitchFamily="18" charset="0"/>
+                                  </a:rPr>
+                                  <m:t>𝑎</m:t>
+                                </m:r>
+                              </m:sub>
+                            </m:sSub>
+                          </m:e>
+                          <m:sub>
+                            <m:r>
+                              <a:rPr lang="en-US" b="0" i="1" smtClean="0">
+                                <a:latin typeface="Cambria Math" panose="02040503050406030204" pitchFamily="18" charset="0"/>
+                              </a:rPr>
+                              <m:t>𝐺</m:t>
+                            </m:r>
+                          </m:sub>
+                        </m:sSub>
+                        <m:r>
+                          <a:rPr lang="en-US" b="0" i="1" smtClean="0">
+                            <a:latin typeface="Cambria Math" panose="02040503050406030204" pitchFamily="18" charset="0"/>
+                          </a:rPr>
+                          <m:t>(</m:t>
+                        </m:r>
+                        <m:sSub>
+                          <m:sSubPr>
+                            <m:ctrlPr>
+                              <a:rPr lang="en-US" b="0" i="1" smtClean="0">
+                                <a:latin typeface="Cambria Math" panose="02040503050406030204" pitchFamily="18" charset="0"/>
+                              </a:rPr>
+                            </m:ctrlPr>
+                          </m:sSubPr>
+                          <m:e>
+                            <m:r>
+                              <a:rPr lang="en-US" b="0" i="1" smtClean="0">
+                                <a:latin typeface="Cambria Math" panose="02040503050406030204" pitchFamily="18" charset="0"/>
+                              </a:rPr>
+                              <m:t>𝑥</m:t>
+                            </m:r>
+                          </m:e>
+                          <m:sub>
+                            <m:r>
+                              <a:rPr lang="en-US" b="0" i="1" smtClean="0">
+                                <a:latin typeface="Cambria Math" panose="02040503050406030204" pitchFamily="18" charset="0"/>
+                              </a:rPr>
+                              <m:t>𝑖</m:t>
+                            </m:r>
+                          </m:sub>
+                        </m:sSub>
+                        <m:r>
+                          <a:rPr lang="en-US" b="0" i="1" smtClean="0">
+                            <a:latin typeface="Cambria Math" panose="02040503050406030204" pitchFamily="18" charset="0"/>
+                          </a:rPr>
+                          <m:t>))</m:t>
+                        </m:r>
+                      </m:e>
+                    </m:nary>
+                  </m:oMath>
+                </a14:m>
+                <a:endParaRPr lang="en-CN" dirty="0"/>
+              </a:p>
+            </p:txBody>
+          </p:sp>
+        </mc:Choice>
+        <mc:Fallback>
+          <p:sp>
+            <p:nvSpPr>
+              <p:cNvPr id="2" name="TextBox 1">
+                <a:extLst>
+                  <a:ext uri="{FF2B5EF4-FFF2-40B4-BE49-F238E27FC236}">
+                    <a16:creationId xmlns:a16="http://schemas.microsoft.com/office/drawing/2014/main" id="{256B1B5D-98C8-644A-8002-C8CDDEF9DFB5}"/>
+                  </a:ext>
+                </a:extLst>
+              </p:cNvPr>
+              <p:cNvSpPr txBox="1">
+                <a:spLocks noRot="1" noChangeAspect="1" noMove="1" noResize="1" noEditPoints="1" noAdjustHandles="1" noChangeArrowheads="1" noChangeShapeType="1" noTextEdit="1"/>
+              </p:cNvSpPr>
+              <p:nvPr/>
+            </p:nvSpPr>
+            <p:spPr>
+              <a:xfrm>
+                <a:off x="657433" y="5348755"/>
+                <a:ext cx="2705356" cy="339708"/>
+              </a:xfrm>
+              <a:prstGeom prst="rect">
+                <a:avLst/>
+              </a:prstGeom>
+              <a:blipFill>
+                <a:blip r:embed="rId3"/>
+                <a:stretch>
+                  <a:fillRect l="-5607" t="-142857" r="-3738" b="-210714"/>
+                </a:stretch>
+              </a:blipFill>
+            </p:spPr>
+            <p:txBody>
+              <a:bodyPr/>
+              <a:lstStyle/>
+              <a:p>
+                <a:r>
+                  <a:rPr lang="en-CN">
+                    <a:noFill/>
+                  </a:rPr>
+                  <a:t> </a:t>
+                </a:r>
+              </a:p>
+            </p:txBody>
+          </p:sp>
+        </mc:Fallback>
+      </mc:AlternateContent>
+      <p:sp>
+        <p:nvSpPr>
+          <p:cNvPr id="9" name="内容占位符 4">
+            <a:extLst>
+              <a:ext uri="{FF2B5EF4-FFF2-40B4-BE49-F238E27FC236}">
+                <a16:creationId xmlns:a16="http://schemas.microsoft.com/office/drawing/2014/main" id="{77BC23F3-449D-E748-9A79-6F4FCF306360}"/>
+              </a:ext>
+            </a:extLst>
+          </p:cNvPr>
+          <p:cNvSpPr txBox="1">
+            <a:spLocks/>
+          </p:cNvSpPr>
+          <p:nvPr/>
+        </p:nvSpPr>
+        <p:spPr>
+          <a:xfrm>
+            <a:off x="0" y="4446794"/>
+            <a:ext cx="8827124" cy="888534"/>
+          </a:xfrm>
+          <a:prstGeom prst="rect">
+            <a:avLst/>
+          </a:prstGeom>
+        </p:spPr>
+        <p:txBody>
+          <a:bodyPr vert="horz" lIns="91440" tIns="45720" rIns="91440" bIns="45720" rtlCol="0">
+            <a:normAutofit/>
+          </a:bodyPr>
+          <a:lstStyle>
+            <a:lvl1pPr marL="457200" indent="-457200" algn="l" defTabSz="914400" rtl="0" eaLnBrk="1" latinLnBrk="0" hangingPunct="1">
+              <a:spcBef>
+                <a:spcPts val="2000"/>
+              </a:spcBef>
+              <a:buClr>
+                <a:schemeClr val="tx1">
+                  <a:lumMod val="75000"/>
+                  <a:lumOff val="25000"/>
+                </a:schemeClr>
+              </a:buClr>
+              <a:buSzPct val="75000"/>
+              <a:buFont typeface="Wingdings 2" pitchFamily="18" charset="2"/>
+              <a:buChar char=""/>
+              <a:defRPr sz="2200" kern="1200">
+                <a:solidFill>
+                  <a:schemeClr val="tx1">
+                    <a:lumMod val="75000"/>
+                    <a:lumOff val="25000"/>
+                  </a:schemeClr>
+                </a:solidFill>
+                <a:latin typeface="+mn-lt"/>
+                <a:ea typeface="+mn-ea"/>
+                <a:cs typeface="+mn-cs"/>
+              </a:defRPr>
+            </a:lvl1pPr>
+            <a:lvl2pPr marL="914400" indent="-457200" algn="l" defTabSz="914400" rtl="0" eaLnBrk="1" latinLnBrk="0" hangingPunct="1">
+              <a:spcBef>
+                <a:spcPts val="600"/>
+              </a:spcBef>
+              <a:buClr>
+                <a:schemeClr val="tx1">
+                  <a:lumMod val="50000"/>
+                  <a:lumOff val="50000"/>
+                </a:schemeClr>
+              </a:buClr>
+              <a:buSzPct val="75000"/>
+              <a:buFont typeface="Wingdings 2" pitchFamily="18" charset="2"/>
+              <a:buChar char=""/>
+              <a:defRPr sz="2000" kern="1200">
+                <a:solidFill>
+                  <a:schemeClr val="tx1">
+                    <a:lumMod val="75000"/>
+                    <a:lumOff val="25000"/>
+                  </a:schemeClr>
+                </a:solidFill>
+                <a:latin typeface="+mn-lt"/>
+                <a:ea typeface="+mn-ea"/>
+                <a:cs typeface="+mn-cs"/>
+              </a:defRPr>
+            </a:lvl2pPr>
+            <a:lvl3pPr marL="1371600" indent="-457200" algn="l" defTabSz="914400" rtl="0" eaLnBrk="1" latinLnBrk="0" hangingPunct="1">
+              <a:spcBef>
+                <a:spcPts val="600"/>
+              </a:spcBef>
+              <a:buClr>
+                <a:schemeClr val="tx1">
+                  <a:lumMod val="75000"/>
+                  <a:lumOff val="25000"/>
+                </a:schemeClr>
+              </a:buClr>
+              <a:buSzPct val="75000"/>
+              <a:buFont typeface="Wingdings 2" pitchFamily="18" charset="2"/>
+              <a:buChar char=""/>
+              <a:defRPr sz="1800" kern="1200">
+                <a:solidFill>
+                  <a:schemeClr val="tx1">
+                    <a:lumMod val="75000"/>
+                    <a:lumOff val="25000"/>
+                  </a:schemeClr>
+                </a:solidFill>
+                <a:latin typeface="+mn-lt"/>
+                <a:ea typeface="+mn-ea"/>
+                <a:cs typeface="+mn-cs"/>
+              </a:defRPr>
+            </a:lvl3pPr>
+            <a:lvl4pPr marL="1828800" indent="-457200" algn="l" defTabSz="914400" rtl="0" eaLnBrk="1" latinLnBrk="0" hangingPunct="1">
+              <a:spcBef>
+                <a:spcPts val="600"/>
+              </a:spcBef>
+              <a:buClr>
+                <a:schemeClr val="tx1">
+                  <a:lumMod val="50000"/>
+                  <a:lumOff val="50000"/>
+                </a:schemeClr>
+              </a:buClr>
+              <a:buSzPct val="75000"/>
+              <a:buFont typeface="Wingdings 2" pitchFamily="18" charset="2"/>
+              <a:buChar char=""/>
+              <a:defRPr sz="1800" kern="1200">
+                <a:solidFill>
+                  <a:schemeClr val="tx1">
+                    <a:lumMod val="75000"/>
+                    <a:lumOff val="25000"/>
+                  </a:schemeClr>
+                </a:solidFill>
+                <a:latin typeface="+mn-lt"/>
+                <a:ea typeface="+mn-ea"/>
+                <a:cs typeface="+mn-cs"/>
+              </a:defRPr>
+            </a:lvl4pPr>
+            <a:lvl5pPr marL="2286000" indent="-457200" algn="l" defTabSz="914400" rtl="0" eaLnBrk="1" latinLnBrk="0" hangingPunct="1">
+              <a:spcBef>
+                <a:spcPts val="600"/>
+              </a:spcBef>
+              <a:buClr>
+                <a:schemeClr val="tx1">
+                  <a:lumMod val="75000"/>
+                  <a:lumOff val="25000"/>
+                </a:schemeClr>
+              </a:buClr>
+              <a:buSzPct val="75000"/>
+              <a:buFont typeface="Wingdings 2" pitchFamily="18" charset="2"/>
+              <a:buChar char=""/>
+              <a:defRPr sz="1800" kern="1200">
+                <a:solidFill>
+                  <a:schemeClr val="tx1">
+                    <a:lumMod val="75000"/>
+                    <a:lumOff val="25000"/>
+                  </a:schemeClr>
+                </a:solidFill>
+                <a:latin typeface="+mn-lt"/>
+                <a:ea typeface="+mn-ea"/>
+                <a:cs typeface="+mn-cs"/>
+              </a:defRPr>
+            </a:lvl5pPr>
+            <a:lvl6pPr marL="2743200" indent="-461963" algn="l" defTabSz="914400" rtl="0" eaLnBrk="1" latinLnBrk="0" hangingPunct="1">
+              <a:spcBef>
+                <a:spcPct val="20000"/>
+              </a:spcBef>
+              <a:buClr>
+                <a:schemeClr val="tx1">
+                  <a:lumMod val="50000"/>
+                  <a:lumOff val="50000"/>
+                </a:schemeClr>
+              </a:buClr>
+              <a:buSzPct val="75000"/>
+              <a:buFont typeface="Wingdings 2" pitchFamily="18" charset="2"/>
+              <a:buChar char=""/>
+              <a:defRPr lang="en-US" sz="1800" kern="1200" dirty="0" smtClean="0">
+                <a:solidFill>
+                  <a:schemeClr val="tx1">
+                    <a:lumMod val="75000"/>
+                    <a:lumOff val="25000"/>
+                  </a:schemeClr>
+                </a:solidFill>
+                <a:latin typeface="+mn-lt"/>
+                <a:ea typeface="+mn-ea"/>
+                <a:cs typeface="+mn-cs"/>
+              </a:defRPr>
+            </a:lvl6pPr>
+            <a:lvl7pPr marL="3205163" indent="-461963" algn="l" defTabSz="914400" rtl="0" eaLnBrk="1" latinLnBrk="0" hangingPunct="1">
+              <a:spcBef>
+                <a:spcPct val="20000"/>
+              </a:spcBef>
+              <a:buClr>
+                <a:schemeClr val="tx1">
+                  <a:lumMod val="75000"/>
+                  <a:lumOff val="25000"/>
+                </a:schemeClr>
+              </a:buClr>
+              <a:buSzPct val="75000"/>
+              <a:buFont typeface="Wingdings 2" pitchFamily="18" charset="2"/>
+              <a:buChar char=""/>
+              <a:defRPr lang="en-US" sz="1800" kern="1200" dirty="0" smtClean="0">
+                <a:solidFill>
+                  <a:schemeClr val="tx1">
+                    <a:lumMod val="75000"/>
+                    <a:lumOff val="25000"/>
+                  </a:schemeClr>
+                </a:solidFill>
+                <a:latin typeface="+mn-lt"/>
+                <a:ea typeface="+mn-ea"/>
+                <a:cs typeface="+mn-cs"/>
+              </a:defRPr>
+            </a:lvl7pPr>
+            <a:lvl8pPr marL="3657600" indent="-461963" algn="l" defTabSz="914400" rtl="0" eaLnBrk="1" latinLnBrk="0" hangingPunct="1">
+              <a:spcBef>
+                <a:spcPct val="20000"/>
+              </a:spcBef>
+              <a:buClr>
+                <a:schemeClr val="tx1">
+                  <a:lumMod val="50000"/>
+                  <a:lumOff val="50000"/>
+                </a:schemeClr>
+              </a:buClr>
+              <a:buSzPct val="75000"/>
+              <a:buFont typeface="Wingdings 2" pitchFamily="18" charset="2"/>
+              <a:buChar char=""/>
+              <a:defRPr lang="en-US" sz="1800" kern="1200" dirty="0" smtClean="0">
+                <a:solidFill>
+                  <a:schemeClr val="tx1">
+                    <a:lumMod val="75000"/>
+                    <a:lumOff val="25000"/>
+                  </a:schemeClr>
+                </a:solidFill>
+                <a:latin typeface="+mn-lt"/>
+                <a:ea typeface="+mn-ea"/>
+                <a:cs typeface="+mn-cs"/>
+              </a:defRPr>
+            </a:lvl8pPr>
+            <a:lvl9pPr marL="4119563" indent="-461963" algn="l" defTabSz="914400" rtl="0" eaLnBrk="1" latinLnBrk="0" hangingPunct="1">
+              <a:spcBef>
+                <a:spcPct val="20000"/>
+              </a:spcBef>
+              <a:buClr>
+                <a:schemeClr val="tx1">
+                  <a:lumMod val="75000"/>
+                  <a:lumOff val="25000"/>
+                </a:schemeClr>
+              </a:buClr>
+              <a:buSzPct val="75000"/>
+              <a:buFont typeface="Wingdings 2" pitchFamily="18" charset="2"/>
+              <a:buChar char=""/>
+              <a:defRPr lang="en-US" sz="1800" kern="1200" dirty="0">
+                <a:solidFill>
+                  <a:schemeClr val="tx1">
+                    <a:lumMod val="75000"/>
+                    <a:lumOff val="25000"/>
+                  </a:schemeClr>
+                </a:solidFill>
+                <a:latin typeface="+mn-lt"/>
+                <a:ea typeface="+mn-ea"/>
+                <a:cs typeface="+mn-cs"/>
+              </a:defRPr>
+            </a:lvl9pPr>
+          </a:lstStyle>
+          <a:p>
+            <a:pPr marL="540000" indent="-342900"/>
+            <a:r>
+              <a:rPr kumimoji="1" lang="en-US" altLang="zh-CN" dirty="0">
+                <a:solidFill>
+                  <a:schemeClr val="tx1"/>
+                </a:solidFill>
+              </a:rPr>
+              <a:t>﻿In general, ﻿gives the parents of x</a:t>
+            </a:r>
+            <a:r>
+              <a:rPr kumimoji="1" lang="en-US" altLang="zh-CN" baseline="-25000" dirty="0">
+                <a:solidFill>
+                  <a:schemeClr val="tx1"/>
+                </a:solidFill>
+              </a:rPr>
+              <a:t>i</a:t>
+            </a:r>
+            <a:r>
+              <a:rPr kumimoji="1" lang="en-US" altLang="zh-CN" dirty="0">
+                <a:solidFill>
+                  <a:schemeClr val="tx1"/>
+                </a:solidFill>
+              </a:rPr>
+              <a:t> in G. The probability distribution over x is given by</a:t>
+            </a:r>
+          </a:p>
+          <a:p>
+            <a:pPr indent="0">
+              <a:buNone/>
+            </a:pPr>
+            <a:endParaRPr kumimoji="1" lang="zh-CN" altLang="en-US" dirty="0">
+              <a:solidFill>
+                <a:schemeClr val="tx1"/>
+              </a:solidFill>
+            </a:endParaRPr>
+          </a:p>
+        </p:txBody>
+      </p:sp>
+      <p:sp>
+        <p:nvSpPr>
+          <p:cNvPr id="3" name="TextBox 2">
+            <a:extLst>
+              <a:ext uri="{FF2B5EF4-FFF2-40B4-BE49-F238E27FC236}">
+                <a16:creationId xmlns:a16="http://schemas.microsoft.com/office/drawing/2014/main" id="{AF4D6B1A-8F43-9C4E-9E45-6ED7A25FCB25}"/>
+              </a:ext>
+            </a:extLst>
+          </p:cNvPr>
+          <p:cNvSpPr txBox="1"/>
+          <p:nvPr/>
+        </p:nvSpPr>
+        <p:spPr>
+          <a:xfrm>
+            <a:off x="2199190" y="6146157"/>
+            <a:ext cx="184731" cy="400110"/>
+          </a:xfrm>
+          <a:prstGeom prst="rect">
+            <a:avLst/>
+          </a:prstGeom>
+          <a:noFill/>
+        </p:spPr>
+        <p:txBody>
+          <a:bodyPr wrap="none" rtlCol="0">
+            <a:spAutoFit/>
+          </a:bodyPr>
+          <a:lstStyle/>
+          <a:p>
+            <a:endParaRPr lang="en-CN" dirty="0"/>
           </a:p>
         </p:txBody>
       </p:sp>
@@ -13216,66 +16121,185 @@
   <p:clrMapOvr>
     <a:masterClrMapping/>
   </p:clrMapOvr>
-</p:sld>
-</file>
-
-<file path=ppt/slides/slide19.xml><?xml version="1.0" encoding="utf-8"?>
-<p:sld xmlns:a="http://schemas.openxmlformats.org/drawingml/2006/main" xmlns:r="http://schemas.openxmlformats.org/officeDocument/2006/relationships" xmlns:p="http://schemas.openxmlformats.org/presentationml/2006/main">
-  <p:cSld>
-    <p:spTree>
-      <p:nvGrpSpPr>
-        <p:cNvPr id="1" name=""/>
-        <p:cNvGrpSpPr/>
-        <p:nvPr/>
-      </p:nvGrpSpPr>
-      <p:grpSpPr>
-        <a:xfrm>
-          <a:off x="0" y="0"/>
-          <a:ext cx="0" cy="0"/>
-          <a:chOff x="0" y="0"/>
-          <a:chExt cx="0" cy="0"/>
-        </a:xfrm>
-      </p:grpSpPr>
-      <p:pic>
-        <p:nvPicPr>
-          <p:cNvPr id="7" name="图片 6" descr="PPT4.jpg"/>
-          <p:cNvPicPr>
-            <a:picLocks noChangeAspect="1"/>
-          </p:cNvPicPr>
-          <p:nvPr/>
-        </p:nvPicPr>
-        <p:blipFill>
-          <a:blip r:embed="rId2">
-            <a:extLst>
-              <a:ext uri="{28A0092B-C50C-407E-A947-70E740481C1C}">
-                <a14:useLocalDpi xmlns:a14="http://schemas.microsoft.com/office/drawing/2010/main" val="0"/>
-              </a:ext>
-            </a:extLst>
-          </a:blip>
-          <a:stretch>
-            <a:fillRect/>
-          </a:stretch>
-        </p:blipFill>
-        <p:spPr>
-          <a:xfrm>
-            <a:off x="0" y="0"/>
-            <a:ext cx="9144000" cy="6858000"/>
-          </a:xfrm>
-          <a:prstGeom prst="rect">
-            <a:avLst/>
-          </a:prstGeom>
-        </p:spPr>
-      </p:pic>
-    </p:spTree>
-    <p:extLst>
-      <p:ext uri="{BB962C8B-B14F-4D97-AF65-F5344CB8AC3E}">
-        <p14:creationId xmlns:p14="http://schemas.microsoft.com/office/powerpoint/2010/main" val="1072584553"/>
-      </p:ext>
-    </p:extLst>
-  </p:cSld>
-  <p:clrMapOvr>
-    <a:masterClrMapping/>
-  </p:clrMapOvr>
+  <p:timing>
+    <p:tnLst>
+      <p:par>
+        <p:cTn id="1" dur="indefinite" restart="never" nodeType="tmRoot">
+          <p:childTnLst>
+            <p:seq concurrent="1" nextAc="seek">
+              <p:cTn id="2" dur="indefinite" nodeType="mainSeq">
+                <p:childTnLst>
+                  <p:par>
+                    <p:cTn id="3" fill="hold">
+                      <p:stCondLst>
+                        <p:cond delay="indefinite"/>
+                      </p:stCondLst>
+                      <p:childTnLst>
+                        <p:par>
+                          <p:cTn id="4" fill="hold">
+                            <p:stCondLst>
+                              <p:cond delay="0"/>
+                            </p:stCondLst>
+                            <p:childTnLst>
+                              <p:par>
+                                <p:cTn id="5" presetID="1" presetClass="entr" presetSubtype="0" fill="hold" nodeType="clickEffect">
+                                  <p:stCondLst>
+                                    <p:cond delay="0"/>
+                                  </p:stCondLst>
+                                  <p:childTnLst>
+                                    <p:set>
+                                      <p:cBhvr>
+                                        <p:cTn id="6" dur="1" fill="hold">
+                                          <p:stCondLst>
+                                            <p:cond delay="0"/>
+                                          </p:stCondLst>
+                                        </p:cTn>
+                                        <p:tgtEl>
+                                          <p:spTgt spid="6"/>
+                                        </p:tgtEl>
+                                        <p:attrNameLst>
+                                          <p:attrName>style.visibility</p:attrName>
+                                        </p:attrNameLst>
+                                      </p:cBhvr>
+                                      <p:to>
+                                        <p:strVal val="visible"/>
+                                      </p:to>
+                                    </p:set>
+                                  </p:childTnLst>
+                                </p:cTn>
+                              </p:par>
+                              <p:par>
+                                <p:cTn id="7" presetID="1" presetClass="entr" presetSubtype="0" fill="hold" grpId="0" nodeType="withEffect">
+                                  <p:stCondLst>
+                                    <p:cond delay="0"/>
+                                  </p:stCondLst>
+                                  <p:childTnLst>
+                                    <p:set>
+                                      <p:cBhvr>
+                                        <p:cTn id="8" dur="1" fill="hold">
+                                          <p:stCondLst>
+                                            <p:cond delay="0"/>
+                                          </p:stCondLst>
+                                        </p:cTn>
+                                        <p:tgtEl>
+                                          <p:spTgt spid="7"/>
+                                        </p:tgtEl>
+                                        <p:attrNameLst>
+                                          <p:attrName>style.visibility</p:attrName>
+                                        </p:attrNameLst>
+                                      </p:cBhvr>
+                                      <p:to>
+                                        <p:strVal val="visible"/>
+                                      </p:to>
+                                    </p:set>
+                                  </p:childTnLst>
+                                </p:cTn>
+                              </p:par>
+                            </p:childTnLst>
+                          </p:cTn>
+                        </p:par>
+                      </p:childTnLst>
+                    </p:cTn>
+                  </p:par>
+                  <p:par>
+                    <p:cTn id="9" fill="hold">
+                      <p:stCondLst>
+                        <p:cond delay="indefinite"/>
+                      </p:stCondLst>
+                      <p:childTnLst>
+                        <p:par>
+                          <p:cTn id="10" fill="hold">
+                            <p:stCondLst>
+                              <p:cond delay="0"/>
+                            </p:stCondLst>
+                            <p:childTnLst>
+                              <p:par>
+                                <p:cTn id="11" presetID="1" presetClass="entr" presetSubtype="0" fill="hold" grpId="0" nodeType="clickEffect">
+                                  <p:stCondLst>
+                                    <p:cond delay="0"/>
+                                  </p:stCondLst>
+                                  <p:childTnLst>
+                                    <p:set>
+                                      <p:cBhvr>
+                                        <p:cTn id="12" dur="1" fill="hold">
+                                          <p:stCondLst>
+                                            <p:cond delay="0"/>
+                                          </p:stCondLst>
+                                        </p:cTn>
+                                        <p:tgtEl>
+                                          <p:spTgt spid="2"/>
+                                        </p:tgtEl>
+                                        <p:attrNameLst>
+                                          <p:attrName>style.visibility</p:attrName>
+                                        </p:attrNameLst>
+                                      </p:cBhvr>
+                                      <p:to>
+                                        <p:strVal val="visible"/>
+                                      </p:to>
+                                    </p:set>
+                                  </p:childTnLst>
+                                </p:cTn>
+                              </p:par>
+                              <p:par>
+                                <p:cTn id="13" presetID="1" presetClass="entr" presetSubtype="0" fill="hold" grpId="1" nodeType="withEffect">
+                                  <p:stCondLst>
+                                    <p:cond delay="0"/>
+                                  </p:stCondLst>
+                                  <p:childTnLst>
+                                    <p:set>
+                                      <p:cBhvr>
+                                        <p:cTn id="14" dur="1" fill="hold">
+                                          <p:stCondLst>
+                                            <p:cond delay="0"/>
+                                          </p:stCondLst>
+                                        </p:cTn>
+                                        <p:tgtEl>
+                                          <p:spTgt spid="9"/>
+                                        </p:tgtEl>
+                                        <p:attrNameLst>
+                                          <p:attrName>style.visibility</p:attrName>
+                                        </p:attrNameLst>
+                                      </p:cBhvr>
+                                      <p:to>
+                                        <p:strVal val="visible"/>
+                                      </p:to>
+                                    </p:set>
+                                  </p:childTnLst>
+                                </p:cTn>
+                              </p:par>
+                            </p:childTnLst>
+                          </p:cTn>
+                        </p:par>
+                      </p:childTnLst>
+                    </p:cTn>
+                  </p:par>
+                </p:childTnLst>
+              </p:cTn>
+              <p:prevCondLst>
+                <p:cond evt="onPrev" delay="0">
+                  <p:tgtEl>
+                    <p:sldTgt/>
+                  </p:tgtEl>
+                </p:cond>
+              </p:prevCondLst>
+              <p:nextCondLst>
+                <p:cond evt="onNext" delay="0">
+                  <p:tgtEl>
+                    <p:sldTgt/>
+                  </p:tgtEl>
+                </p:cond>
+              </p:nextCondLst>
+            </p:seq>
+          </p:childTnLst>
+        </p:cTn>
+      </p:par>
+    </p:tnLst>
+    <p:bldLst>
+      <p:bldP spid="7" grpId="0"/>
+      <p:bldP spid="2" grpId="0"/>
+      <p:bldP spid="9" grpId="1"/>
+    </p:bldLst>
+  </p:timing>
 </p:sld>
 </file>
 
@@ -13670,6 +16694,938 @@
 </p:sld>
 </file>
 
+<file path=ppt/slides/slide20.xml><?xml version="1.0" encoding="utf-8"?>
+<p:sld xmlns:a="http://schemas.openxmlformats.org/drawingml/2006/main" xmlns:r="http://schemas.openxmlformats.org/officeDocument/2006/relationships" xmlns:p="http://schemas.openxmlformats.org/presentationml/2006/main">
+  <p:cSld>
+    <p:spTree>
+      <p:nvGrpSpPr>
+        <p:cNvPr id="1" name=""/>
+        <p:cNvGrpSpPr/>
+        <p:nvPr/>
+      </p:nvGrpSpPr>
+      <p:grpSpPr>
+        <a:xfrm>
+          <a:off x="0" y="0"/>
+          <a:ext cx="0" cy="0"/>
+          <a:chOff x="0" y="0"/>
+          <a:chExt cx="0" cy="0"/>
+        </a:xfrm>
+      </p:grpSpPr>
+      <p:sp>
+        <p:nvSpPr>
+          <p:cNvPr id="5" name="标题 1">
+            <a:extLst>
+              <a:ext uri="{FF2B5EF4-FFF2-40B4-BE49-F238E27FC236}">
+                <a16:creationId xmlns:a16="http://schemas.microsoft.com/office/drawing/2014/main" id="{F0511409-B9AF-4D30-B635-901BDDA9EAD1}"/>
+              </a:ext>
+            </a:extLst>
+          </p:cNvPr>
+          <p:cNvSpPr>
+            <a:spLocks noGrp="1"/>
+          </p:cNvSpPr>
+          <p:nvPr>
+            <p:ph type="title"/>
+          </p:nvPr>
+        </p:nvSpPr>
+        <p:spPr>
+          <a:xfrm>
+            <a:off x="460664" y="539176"/>
+            <a:ext cx="8048336" cy="750455"/>
+          </a:xfrm>
+        </p:spPr>
+        <p:txBody>
+          <a:bodyPr/>
+          <a:lstStyle/>
+          <a:p>
+            <a:pPr algn="l"/>
+            <a:r>
+              <a:rPr lang="en-US" altLang="ja-JP" sz="4000" baseline="30000" dirty="0">
+                <a:solidFill>
+                  <a:schemeClr val="bg1"/>
+                </a:solidFill>
+                <a:latin typeface="黑体"/>
+                <a:ea typeface="黑体"/>
+                <a:cs typeface="黑体"/>
+              </a:rPr>
+              <a:t>3.2 Directed Models</a:t>
+            </a:r>
+            <a:endParaRPr lang="ja-JP" altLang="en-US" sz="4000" baseline="30000" dirty="0">
+              <a:solidFill>
+                <a:schemeClr val="bg1"/>
+              </a:solidFill>
+              <a:latin typeface="黑体"/>
+              <a:ea typeface="黑体"/>
+              <a:cs typeface="黑体"/>
+            </a:endParaRPr>
+          </a:p>
+        </p:txBody>
+      </p:sp>
+      <p:sp>
+        <p:nvSpPr>
+          <p:cNvPr id="8" name="内容占位符 4">
+            <a:extLst>
+              <a:ext uri="{FF2B5EF4-FFF2-40B4-BE49-F238E27FC236}">
+                <a16:creationId xmlns:a16="http://schemas.microsoft.com/office/drawing/2014/main" id="{6E395B08-F9F6-0F4D-8B7A-81330B9CD88F}"/>
+              </a:ext>
+            </a:extLst>
+          </p:cNvPr>
+          <p:cNvSpPr txBox="1">
+            <a:spLocks/>
+          </p:cNvSpPr>
+          <p:nvPr/>
+        </p:nvSpPr>
+        <p:spPr>
+          <a:xfrm>
+            <a:off x="158438" y="1644500"/>
+            <a:ext cx="8827124" cy="473668"/>
+          </a:xfrm>
+          <a:prstGeom prst="rect">
+            <a:avLst/>
+          </a:prstGeom>
+        </p:spPr>
+        <p:txBody>
+          <a:bodyPr vert="horz" lIns="91440" tIns="45720" rIns="91440" bIns="45720" rtlCol="0">
+            <a:normAutofit/>
+          </a:bodyPr>
+          <a:lstStyle>
+            <a:lvl1pPr marL="457200" indent="-457200" algn="l" defTabSz="914400" rtl="0" eaLnBrk="1" latinLnBrk="0" hangingPunct="1">
+              <a:spcBef>
+                <a:spcPts val="2000"/>
+              </a:spcBef>
+              <a:buClr>
+                <a:schemeClr val="tx1">
+                  <a:lumMod val="75000"/>
+                  <a:lumOff val="25000"/>
+                </a:schemeClr>
+              </a:buClr>
+              <a:buSzPct val="75000"/>
+              <a:buFont typeface="Wingdings 2" pitchFamily="18" charset="2"/>
+              <a:buChar char=""/>
+              <a:defRPr sz="2200" kern="1200">
+                <a:solidFill>
+                  <a:schemeClr val="tx1">
+                    <a:lumMod val="75000"/>
+                    <a:lumOff val="25000"/>
+                  </a:schemeClr>
+                </a:solidFill>
+                <a:latin typeface="+mn-lt"/>
+                <a:ea typeface="+mn-ea"/>
+                <a:cs typeface="+mn-cs"/>
+              </a:defRPr>
+            </a:lvl1pPr>
+            <a:lvl2pPr marL="914400" indent="-457200" algn="l" defTabSz="914400" rtl="0" eaLnBrk="1" latinLnBrk="0" hangingPunct="1">
+              <a:spcBef>
+                <a:spcPts val="600"/>
+              </a:spcBef>
+              <a:buClr>
+                <a:schemeClr val="tx1">
+                  <a:lumMod val="50000"/>
+                  <a:lumOff val="50000"/>
+                </a:schemeClr>
+              </a:buClr>
+              <a:buSzPct val="75000"/>
+              <a:buFont typeface="Wingdings 2" pitchFamily="18" charset="2"/>
+              <a:buChar char=""/>
+              <a:defRPr sz="2000" kern="1200">
+                <a:solidFill>
+                  <a:schemeClr val="tx1">
+                    <a:lumMod val="75000"/>
+                    <a:lumOff val="25000"/>
+                  </a:schemeClr>
+                </a:solidFill>
+                <a:latin typeface="+mn-lt"/>
+                <a:ea typeface="+mn-ea"/>
+                <a:cs typeface="+mn-cs"/>
+              </a:defRPr>
+            </a:lvl2pPr>
+            <a:lvl3pPr marL="1371600" indent="-457200" algn="l" defTabSz="914400" rtl="0" eaLnBrk="1" latinLnBrk="0" hangingPunct="1">
+              <a:spcBef>
+                <a:spcPts val="600"/>
+              </a:spcBef>
+              <a:buClr>
+                <a:schemeClr val="tx1">
+                  <a:lumMod val="75000"/>
+                  <a:lumOff val="25000"/>
+                </a:schemeClr>
+              </a:buClr>
+              <a:buSzPct val="75000"/>
+              <a:buFont typeface="Wingdings 2" pitchFamily="18" charset="2"/>
+              <a:buChar char=""/>
+              <a:defRPr sz="1800" kern="1200">
+                <a:solidFill>
+                  <a:schemeClr val="tx1">
+                    <a:lumMod val="75000"/>
+                    <a:lumOff val="25000"/>
+                  </a:schemeClr>
+                </a:solidFill>
+                <a:latin typeface="+mn-lt"/>
+                <a:ea typeface="+mn-ea"/>
+                <a:cs typeface="+mn-cs"/>
+              </a:defRPr>
+            </a:lvl3pPr>
+            <a:lvl4pPr marL="1828800" indent="-457200" algn="l" defTabSz="914400" rtl="0" eaLnBrk="1" latinLnBrk="0" hangingPunct="1">
+              <a:spcBef>
+                <a:spcPts val="600"/>
+              </a:spcBef>
+              <a:buClr>
+                <a:schemeClr val="tx1">
+                  <a:lumMod val="50000"/>
+                  <a:lumOff val="50000"/>
+                </a:schemeClr>
+              </a:buClr>
+              <a:buSzPct val="75000"/>
+              <a:buFont typeface="Wingdings 2" pitchFamily="18" charset="2"/>
+              <a:buChar char=""/>
+              <a:defRPr sz="1800" kern="1200">
+                <a:solidFill>
+                  <a:schemeClr val="tx1">
+                    <a:lumMod val="75000"/>
+                    <a:lumOff val="25000"/>
+                  </a:schemeClr>
+                </a:solidFill>
+                <a:latin typeface="+mn-lt"/>
+                <a:ea typeface="+mn-ea"/>
+                <a:cs typeface="+mn-cs"/>
+              </a:defRPr>
+            </a:lvl4pPr>
+            <a:lvl5pPr marL="2286000" indent="-457200" algn="l" defTabSz="914400" rtl="0" eaLnBrk="1" latinLnBrk="0" hangingPunct="1">
+              <a:spcBef>
+                <a:spcPts val="600"/>
+              </a:spcBef>
+              <a:buClr>
+                <a:schemeClr val="tx1">
+                  <a:lumMod val="75000"/>
+                  <a:lumOff val="25000"/>
+                </a:schemeClr>
+              </a:buClr>
+              <a:buSzPct val="75000"/>
+              <a:buFont typeface="Wingdings 2" pitchFamily="18" charset="2"/>
+              <a:buChar char=""/>
+              <a:defRPr sz="1800" kern="1200">
+                <a:solidFill>
+                  <a:schemeClr val="tx1">
+                    <a:lumMod val="75000"/>
+                    <a:lumOff val="25000"/>
+                  </a:schemeClr>
+                </a:solidFill>
+                <a:latin typeface="+mn-lt"/>
+                <a:ea typeface="+mn-ea"/>
+                <a:cs typeface="+mn-cs"/>
+              </a:defRPr>
+            </a:lvl5pPr>
+            <a:lvl6pPr marL="2743200" indent="-461963" algn="l" defTabSz="914400" rtl="0" eaLnBrk="1" latinLnBrk="0" hangingPunct="1">
+              <a:spcBef>
+                <a:spcPct val="20000"/>
+              </a:spcBef>
+              <a:buClr>
+                <a:schemeClr val="tx1">
+                  <a:lumMod val="50000"/>
+                  <a:lumOff val="50000"/>
+                </a:schemeClr>
+              </a:buClr>
+              <a:buSzPct val="75000"/>
+              <a:buFont typeface="Wingdings 2" pitchFamily="18" charset="2"/>
+              <a:buChar char=""/>
+              <a:defRPr lang="en-US" sz="1800" kern="1200" dirty="0" smtClean="0">
+                <a:solidFill>
+                  <a:schemeClr val="tx1">
+                    <a:lumMod val="75000"/>
+                    <a:lumOff val="25000"/>
+                  </a:schemeClr>
+                </a:solidFill>
+                <a:latin typeface="+mn-lt"/>
+                <a:ea typeface="+mn-ea"/>
+                <a:cs typeface="+mn-cs"/>
+              </a:defRPr>
+            </a:lvl6pPr>
+            <a:lvl7pPr marL="3205163" indent="-461963" algn="l" defTabSz="914400" rtl="0" eaLnBrk="1" latinLnBrk="0" hangingPunct="1">
+              <a:spcBef>
+                <a:spcPct val="20000"/>
+              </a:spcBef>
+              <a:buClr>
+                <a:schemeClr val="tx1">
+                  <a:lumMod val="75000"/>
+                  <a:lumOff val="25000"/>
+                </a:schemeClr>
+              </a:buClr>
+              <a:buSzPct val="75000"/>
+              <a:buFont typeface="Wingdings 2" pitchFamily="18" charset="2"/>
+              <a:buChar char=""/>
+              <a:defRPr lang="en-US" sz="1800" kern="1200" dirty="0" smtClean="0">
+                <a:solidFill>
+                  <a:schemeClr val="tx1">
+                    <a:lumMod val="75000"/>
+                    <a:lumOff val="25000"/>
+                  </a:schemeClr>
+                </a:solidFill>
+                <a:latin typeface="+mn-lt"/>
+                <a:ea typeface="+mn-ea"/>
+                <a:cs typeface="+mn-cs"/>
+              </a:defRPr>
+            </a:lvl7pPr>
+            <a:lvl8pPr marL="3657600" indent="-461963" algn="l" defTabSz="914400" rtl="0" eaLnBrk="1" latinLnBrk="0" hangingPunct="1">
+              <a:spcBef>
+                <a:spcPct val="20000"/>
+              </a:spcBef>
+              <a:buClr>
+                <a:schemeClr val="tx1">
+                  <a:lumMod val="50000"/>
+                  <a:lumOff val="50000"/>
+                </a:schemeClr>
+              </a:buClr>
+              <a:buSzPct val="75000"/>
+              <a:buFont typeface="Wingdings 2" pitchFamily="18" charset="2"/>
+              <a:buChar char=""/>
+              <a:defRPr lang="en-US" sz="1800" kern="1200" dirty="0" smtClean="0">
+                <a:solidFill>
+                  <a:schemeClr val="tx1">
+                    <a:lumMod val="75000"/>
+                    <a:lumOff val="25000"/>
+                  </a:schemeClr>
+                </a:solidFill>
+                <a:latin typeface="+mn-lt"/>
+                <a:ea typeface="+mn-ea"/>
+                <a:cs typeface="+mn-cs"/>
+              </a:defRPr>
+            </a:lvl8pPr>
+            <a:lvl9pPr marL="4119563" indent="-461963" algn="l" defTabSz="914400" rtl="0" eaLnBrk="1" latinLnBrk="0" hangingPunct="1">
+              <a:spcBef>
+                <a:spcPct val="20000"/>
+              </a:spcBef>
+              <a:buClr>
+                <a:schemeClr val="tx1">
+                  <a:lumMod val="75000"/>
+                  <a:lumOff val="25000"/>
+                </a:schemeClr>
+              </a:buClr>
+              <a:buSzPct val="75000"/>
+              <a:buFont typeface="Wingdings 2" pitchFamily="18" charset="2"/>
+              <a:buChar char=""/>
+              <a:defRPr lang="en-US" sz="1800" kern="1200" dirty="0">
+                <a:solidFill>
+                  <a:schemeClr val="tx1">
+                    <a:lumMod val="75000"/>
+                    <a:lumOff val="25000"/>
+                  </a:schemeClr>
+                </a:solidFill>
+                <a:latin typeface="+mn-lt"/>
+                <a:ea typeface="+mn-ea"/>
+                <a:cs typeface="+mn-cs"/>
+              </a:defRPr>
+            </a:lvl9pPr>
+          </a:lstStyle>
+          <a:p>
+            <a:pPr marL="540000" indent="-342900"/>
+            <a:r>
+              <a:rPr kumimoji="1" lang="en-US" altLang="zh-CN" dirty="0">
+                <a:solidFill>
+                  <a:schemeClr val="tx1"/>
+                </a:solidFill>
+              </a:rPr>
+              <a:t>Does this model work?</a:t>
+            </a:r>
+          </a:p>
+          <a:p>
+            <a:pPr marL="540000" indent="0">
+              <a:buNone/>
+            </a:pPr>
+            <a:endParaRPr kumimoji="1" lang="zh-CN" altLang="en-US" dirty="0">
+              <a:solidFill>
+                <a:schemeClr val="tx1"/>
+              </a:solidFill>
+            </a:endParaRPr>
+          </a:p>
+        </p:txBody>
+      </p:sp>
+      <p:sp>
+        <p:nvSpPr>
+          <p:cNvPr id="9" name="内容占位符 4">
+            <a:extLst>
+              <a:ext uri="{FF2B5EF4-FFF2-40B4-BE49-F238E27FC236}">
+                <a16:creationId xmlns:a16="http://schemas.microsoft.com/office/drawing/2014/main" id="{12AB466B-8443-5744-887B-73F3C7870397}"/>
+              </a:ext>
+            </a:extLst>
+          </p:cNvPr>
+          <p:cNvSpPr txBox="1">
+            <a:spLocks/>
+          </p:cNvSpPr>
+          <p:nvPr/>
+        </p:nvSpPr>
+        <p:spPr>
+          <a:xfrm>
+            <a:off x="158438" y="2473037"/>
+            <a:ext cx="8827124" cy="3152259"/>
+          </a:xfrm>
+          <a:prstGeom prst="rect">
+            <a:avLst/>
+          </a:prstGeom>
+        </p:spPr>
+        <p:txBody>
+          <a:bodyPr vert="horz" lIns="91440" tIns="45720" rIns="91440" bIns="45720" rtlCol="0">
+            <a:normAutofit fontScale="92500"/>
+          </a:bodyPr>
+          <a:lstStyle>
+            <a:lvl1pPr marL="457200" indent="-457200" algn="l" defTabSz="914400" rtl="0" eaLnBrk="1" latinLnBrk="0" hangingPunct="1">
+              <a:spcBef>
+                <a:spcPts val="2000"/>
+              </a:spcBef>
+              <a:buClr>
+                <a:schemeClr val="tx1">
+                  <a:lumMod val="75000"/>
+                  <a:lumOff val="25000"/>
+                </a:schemeClr>
+              </a:buClr>
+              <a:buSzPct val="75000"/>
+              <a:buFont typeface="Wingdings 2" pitchFamily="18" charset="2"/>
+              <a:buChar char=""/>
+              <a:defRPr sz="2200" kern="1200">
+                <a:solidFill>
+                  <a:schemeClr val="tx1">
+                    <a:lumMod val="75000"/>
+                    <a:lumOff val="25000"/>
+                  </a:schemeClr>
+                </a:solidFill>
+                <a:latin typeface="+mn-lt"/>
+                <a:ea typeface="+mn-ea"/>
+                <a:cs typeface="+mn-cs"/>
+              </a:defRPr>
+            </a:lvl1pPr>
+            <a:lvl2pPr marL="914400" indent="-457200" algn="l" defTabSz="914400" rtl="0" eaLnBrk="1" latinLnBrk="0" hangingPunct="1">
+              <a:spcBef>
+                <a:spcPts val="600"/>
+              </a:spcBef>
+              <a:buClr>
+                <a:schemeClr val="tx1">
+                  <a:lumMod val="50000"/>
+                  <a:lumOff val="50000"/>
+                </a:schemeClr>
+              </a:buClr>
+              <a:buSzPct val="75000"/>
+              <a:buFont typeface="Wingdings 2" pitchFamily="18" charset="2"/>
+              <a:buChar char=""/>
+              <a:defRPr sz="2000" kern="1200">
+                <a:solidFill>
+                  <a:schemeClr val="tx1">
+                    <a:lumMod val="75000"/>
+                    <a:lumOff val="25000"/>
+                  </a:schemeClr>
+                </a:solidFill>
+                <a:latin typeface="+mn-lt"/>
+                <a:ea typeface="+mn-ea"/>
+                <a:cs typeface="+mn-cs"/>
+              </a:defRPr>
+            </a:lvl2pPr>
+            <a:lvl3pPr marL="1371600" indent="-457200" algn="l" defTabSz="914400" rtl="0" eaLnBrk="1" latinLnBrk="0" hangingPunct="1">
+              <a:spcBef>
+                <a:spcPts val="600"/>
+              </a:spcBef>
+              <a:buClr>
+                <a:schemeClr val="tx1">
+                  <a:lumMod val="75000"/>
+                  <a:lumOff val="25000"/>
+                </a:schemeClr>
+              </a:buClr>
+              <a:buSzPct val="75000"/>
+              <a:buFont typeface="Wingdings 2" pitchFamily="18" charset="2"/>
+              <a:buChar char=""/>
+              <a:defRPr sz="1800" kern="1200">
+                <a:solidFill>
+                  <a:schemeClr val="tx1">
+                    <a:lumMod val="75000"/>
+                    <a:lumOff val="25000"/>
+                  </a:schemeClr>
+                </a:solidFill>
+                <a:latin typeface="+mn-lt"/>
+                <a:ea typeface="+mn-ea"/>
+                <a:cs typeface="+mn-cs"/>
+              </a:defRPr>
+            </a:lvl3pPr>
+            <a:lvl4pPr marL="1828800" indent="-457200" algn="l" defTabSz="914400" rtl="0" eaLnBrk="1" latinLnBrk="0" hangingPunct="1">
+              <a:spcBef>
+                <a:spcPts val="600"/>
+              </a:spcBef>
+              <a:buClr>
+                <a:schemeClr val="tx1">
+                  <a:lumMod val="50000"/>
+                  <a:lumOff val="50000"/>
+                </a:schemeClr>
+              </a:buClr>
+              <a:buSzPct val="75000"/>
+              <a:buFont typeface="Wingdings 2" pitchFamily="18" charset="2"/>
+              <a:buChar char=""/>
+              <a:defRPr sz="1800" kern="1200">
+                <a:solidFill>
+                  <a:schemeClr val="tx1">
+                    <a:lumMod val="75000"/>
+                    <a:lumOff val="25000"/>
+                  </a:schemeClr>
+                </a:solidFill>
+                <a:latin typeface="+mn-lt"/>
+                <a:ea typeface="+mn-ea"/>
+                <a:cs typeface="+mn-cs"/>
+              </a:defRPr>
+            </a:lvl4pPr>
+            <a:lvl5pPr marL="2286000" indent="-457200" algn="l" defTabSz="914400" rtl="0" eaLnBrk="1" latinLnBrk="0" hangingPunct="1">
+              <a:spcBef>
+                <a:spcPts val="600"/>
+              </a:spcBef>
+              <a:buClr>
+                <a:schemeClr val="tx1">
+                  <a:lumMod val="75000"/>
+                  <a:lumOff val="25000"/>
+                </a:schemeClr>
+              </a:buClr>
+              <a:buSzPct val="75000"/>
+              <a:buFont typeface="Wingdings 2" pitchFamily="18" charset="2"/>
+              <a:buChar char=""/>
+              <a:defRPr sz="1800" kern="1200">
+                <a:solidFill>
+                  <a:schemeClr val="tx1">
+                    <a:lumMod val="75000"/>
+                    <a:lumOff val="25000"/>
+                  </a:schemeClr>
+                </a:solidFill>
+                <a:latin typeface="+mn-lt"/>
+                <a:ea typeface="+mn-ea"/>
+                <a:cs typeface="+mn-cs"/>
+              </a:defRPr>
+            </a:lvl5pPr>
+            <a:lvl6pPr marL="2743200" indent="-461963" algn="l" defTabSz="914400" rtl="0" eaLnBrk="1" latinLnBrk="0" hangingPunct="1">
+              <a:spcBef>
+                <a:spcPct val="20000"/>
+              </a:spcBef>
+              <a:buClr>
+                <a:schemeClr val="tx1">
+                  <a:lumMod val="50000"/>
+                  <a:lumOff val="50000"/>
+                </a:schemeClr>
+              </a:buClr>
+              <a:buSzPct val="75000"/>
+              <a:buFont typeface="Wingdings 2" pitchFamily="18" charset="2"/>
+              <a:buChar char=""/>
+              <a:defRPr lang="en-US" sz="1800" kern="1200" dirty="0" smtClean="0">
+                <a:solidFill>
+                  <a:schemeClr val="tx1">
+                    <a:lumMod val="75000"/>
+                    <a:lumOff val="25000"/>
+                  </a:schemeClr>
+                </a:solidFill>
+                <a:latin typeface="+mn-lt"/>
+                <a:ea typeface="+mn-ea"/>
+                <a:cs typeface="+mn-cs"/>
+              </a:defRPr>
+            </a:lvl6pPr>
+            <a:lvl7pPr marL="3205163" indent="-461963" algn="l" defTabSz="914400" rtl="0" eaLnBrk="1" latinLnBrk="0" hangingPunct="1">
+              <a:spcBef>
+                <a:spcPct val="20000"/>
+              </a:spcBef>
+              <a:buClr>
+                <a:schemeClr val="tx1">
+                  <a:lumMod val="75000"/>
+                  <a:lumOff val="25000"/>
+                </a:schemeClr>
+              </a:buClr>
+              <a:buSzPct val="75000"/>
+              <a:buFont typeface="Wingdings 2" pitchFamily="18" charset="2"/>
+              <a:buChar char=""/>
+              <a:defRPr lang="en-US" sz="1800" kern="1200" dirty="0" smtClean="0">
+                <a:solidFill>
+                  <a:schemeClr val="tx1">
+                    <a:lumMod val="75000"/>
+                    <a:lumOff val="25000"/>
+                  </a:schemeClr>
+                </a:solidFill>
+                <a:latin typeface="+mn-lt"/>
+                <a:ea typeface="+mn-ea"/>
+                <a:cs typeface="+mn-cs"/>
+              </a:defRPr>
+            </a:lvl7pPr>
+            <a:lvl8pPr marL="3657600" indent="-461963" algn="l" defTabSz="914400" rtl="0" eaLnBrk="1" latinLnBrk="0" hangingPunct="1">
+              <a:spcBef>
+                <a:spcPct val="20000"/>
+              </a:spcBef>
+              <a:buClr>
+                <a:schemeClr val="tx1">
+                  <a:lumMod val="50000"/>
+                  <a:lumOff val="50000"/>
+                </a:schemeClr>
+              </a:buClr>
+              <a:buSzPct val="75000"/>
+              <a:buFont typeface="Wingdings 2" pitchFamily="18" charset="2"/>
+              <a:buChar char=""/>
+              <a:defRPr lang="en-US" sz="1800" kern="1200" dirty="0" smtClean="0">
+                <a:solidFill>
+                  <a:schemeClr val="tx1">
+                    <a:lumMod val="75000"/>
+                    <a:lumOff val="25000"/>
+                  </a:schemeClr>
+                </a:solidFill>
+                <a:latin typeface="+mn-lt"/>
+                <a:ea typeface="+mn-ea"/>
+                <a:cs typeface="+mn-cs"/>
+              </a:defRPr>
+            </a:lvl8pPr>
+            <a:lvl9pPr marL="4119563" indent="-461963" algn="l" defTabSz="914400" rtl="0" eaLnBrk="1" latinLnBrk="0" hangingPunct="1">
+              <a:spcBef>
+                <a:spcPct val="20000"/>
+              </a:spcBef>
+              <a:buClr>
+                <a:schemeClr val="tx1">
+                  <a:lumMod val="75000"/>
+                  <a:lumOff val="25000"/>
+                </a:schemeClr>
+              </a:buClr>
+              <a:buSzPct val="75000"/>
+              <a:buFont typeface="Wingdings 2" pitchFamily="18" charset="2"/>
+              <a:buChar char=""/>
+              <a:defRPr lang="en-US" sz="1800" kern="1200" dirty="0">
+                <a:solidFill>
+                  <a:schemeClr val="tx1">
+                    <a:lumMod val="75000"/>
+                    <a:lumOff val="25000"/>
+                  </a:schemeClr>
+                </a:solidFill>
+                <a:latin typeface="+mn-lt"/>
+                <a:ea typeface="+mn-ea"/>
+                <a:cs typeface="+mn-cs"/>
+              </a:defRPr>
+            </a:lvl9pPr>
+          </a:lstStyle>
+          <a:p>
+            <a:pPr marL="540000" indent="-342900"/>
+            <a:r>
+              <a:rPr kumimoji="1" lang="en-US" altLang="zh-CN" sz="2400" dirty="0">
+                <a:solidFill>
+                  <a:schemeClr val="tx1"/>
+                </a:solidFill>
+              </a:rPr>
+              <a:t>﻿Suppose we represented time by discretizing time ranging from minute 0 to minute 10 into 6 second chunks. ﻿This would make t0, t1, and t2 each be discrete variables with 100 possible values. </a:t>
+            </a:r>
+          </a:p>
+          <a:p>
+            <a:pPr marL="540000" indent="-342900"/>
+            <a:r>
+              <a:rPr kumimoji="1" lang="en-US" altLang="zh-CN" sz="2400" dirty="0">
+                <a:solidFill>
+                  <a:schemeClr val="tx1"/>
+                </a:solidFill>
+              </a:rPr>
+              <a:t>Unstructured model: ﻿ 999,999 values</a:t>
+            </a:r>
+          </a:p>
+          <a:p>
+            <a:pPr marL="540000" indent="-342900"/>
+            <a:r>
+              <a:rPr kumimoji="1" lang="en-US" altLang="zh-CN" sz="2400" dirty="0">
+                <a:solidFill>
+                  <a:schemeClr val="tx1"/>
+                </a:solidFill>
+              </a:rPr>
+              <a:t>Structured model: ﻿ ﻿19,899 values</a:t>
+            </a:r>
+          </a:p>
+          <a:p>
+            <a:pPr marL="540000" indent="0">
+              <a:buNone/>
+            </a:pPr>
+            <a:r>
+              <a:rPr kumimoji="1" lang="en-US" altLang="zh-CN" dirty="0">
+                <a:solidFill>
+                  <a:schemeClr val="tx1"/>
+                </a:solidFill>
+              </a:rPr>
+              <a:t>Since t</a:t>
+            </a:r>
+            <a:r>
+              <a:rPr kumimoji="1" lang="en-US" altLang="zh-CN" baseline="-25000" dirty="0">
+                <a:solidFill>
+                  <a:schemeClr val="tx1"/>
+                </a:solidFill>
+              </a:rPr>
+              <a:t>0</a:t>
+            </a:r>
+            <a:r>
+              <a:rPr kumimoji="1" lang="en-US" altLang="zh-CN" dirty="0">
+                <a:solidFill>
+                  <a:schemeClr val="tx1"/>
+                </a:solidFill>
+              </a:rPr>
+              <a:t> requires 99 values, ﻿t</a:t>
+            </a:r>
+            <a:r>
+              <a:rPr kumimoji="1" lang="en-US" altLang="zh-CN" baseline="-25000" dirty="0">
+                <a:solidFill>
+                  <a:schemeClr val="tx1"/>
+                </a:solidFill>
+              </a:rPr>
+              <a:t>1</a:t>
+            </a:r>
+            <a:r>
+              <a:rPr kumimoji="1" lang="en-US" altLang="zh-CN" dirty="0">
+                <a:solidFill>
+                  <a:schemeClr val="tx1"/>
+                </a:solidFill>
+              </a:rPr>
+              <a:t> given t</a:t>
+            </a:r>
+            <a:r>
+              <a:rPr kumimoji="1" lang="en-US" altLang="zh-CN" baseline="-25000" dirty="0">
+                <a:solidFill>
+                  <a:schemeClr val="tx1"/>
+                </a:solidFill>
+              </a:rPr>
+              <a:t>0</a:t>
+            </a:r>
+            <a:r>
+              <a:rPr kumimoji="1" lang="en-US" altLang="zh-CN" dirty="0">
+                <a:solidFill>
+                  <a:schemeClr val="tx1"/>
+                </a:solidFill>
+              </a:rPr>
+              <a:t> requires 9900 values, ﻿and so does the table defining t</a:t>
+            </a:r>
+            <a:r>
+              <a:rPr kumimoji="1" lang="en-US" altLang="zh-CN" baseline="-25000" dirty="0">
+                <a:solidFill>
+                  <a:schemeClr val="tx1"/>
+                </a:solidFill>
+              </a:rPr>
+              <a:t>2</a:t>
+            </a:r>
+            <a:r>
+              <a:rPr kumimoji="1" lang="en-US" altLang="zh-CN" dirty="0">
+                <a:solidFill>
+                  <a:schemeClr val="tx1"/>
+                </a:solidFill>
+              </a:rPr>
+              <a:t> and t</a:t>
+            </a:r>
+            <a:r>
+              <a:rPr kumimoji="1" lang="en-US" altLang="zh-CN" baseline="-25000" dirty="0">
+                <a:solidFill>
+                  <a:schemeClr val="tx1"/>
+                </a:solidFill>
+              </a:rPr>
+              <a:t>1</a:t>
+            </a:r>
+            <a:r>
+              <a:rPr kumimoji="1" lang="en-US" altLang="zh-CN" dirty="0">
+                <a:solidFill>
+                  <a:schemeClr val="tx1"/>
+                </a:solidFill>
+              </a:rPr>
+              <a:t>.</a:t>
+            </a:r>
+          </a:p>
+          <a:p>
+            <a:pPr marL="540000" indent="0">
+              <a:buNone/>
+            </a:pPr>
+            <a:endParaRPr kumimoji="1" lang="zh-CN" altLang="en-US" dirty="0">
+              <a:solidFill>
+                <a:schemeClr val="tx1"/>
+              </a:solidFill>
+            </a:endParaRPr>
+          </a:p>
+        </p:txBody>
+      </p:sp>
+    </p:spTree>
+    <p:extLst>
+      <p:ext uri="{BB962C8B-B14F-4D97-AF65-F5344CB8AC3E}">
+        <p14:creationId xmlns:p14="http://schemas.microsoft.com/office/powerpoint/2010/main" val="972234294"/>
+      </p:ext>
+    </p:extLst>
+  </p:cSld>
+  <p:clrMapOvr>
+    <a:masterClrMapping/>
+  </p:clrMapOvr>
+  <p:timing>
+    <p:tnLst>
+      <p:par>
+        <p:cTn id="1" dur="indefinite" restart="never" nodeType="tmRoot">
+          <p:childTnLst>
+            <p:seq concurrent="1" nextAc="seek">
+              <p:cTn id="2" dur="indefinite" nodeType="mainSeq">
+                <p:childTnLst>
+                  <p:par>
+                    <p:cTn id="3" fill="hold">
+                      <p:stCondLst>
+                        <p:cond delay="indefinite"/>
+                      </p:stCondLst>
+                      <p:childTnLst>
+                        <p:par>
+                          <p:cTn id="4" fill="hold">
+                            <p:stCondLst>
+                              <p:cond delay="0"/>
+                            </p:stCondLst>
+                            <p:childTnLst>
+                              <p:par>
+                                <p:cTn id="5" presetID="1" presetClass="entr" presetSubtype="0" fill="hold" grpId="0" nodeType="clickEffect">
+                                  <p:stCondLst>
+                                    <p:cond delay="0"/>
+                                  </p:stCondLst>
+                                  <p:childTnLst>
+                                    <p:set>
+                                      <p:cBhvr>
+                                        <p:cTn id="6" dur="1" fill="hold">
+                                          <p:stCondLst>
+                                            <p:cond delay="0"/>
+                                          </p:stCondLst>
+                                        </p:cTn>
+                                        <p:tgtEl>
+                                          <p:spTgt spid="8"/>
+                                        </p:tgtEl>
+                                        <p:attrNameLst>
+                                          <p:attrName>style.visibility</p:attrName>
+                                        </p:attrNameLst>
+                                      </p:cBhvr>
+                                      <p:to>
+                                        <p:strVal val="visible"/>
+                                      </p:to>
+                                    </p:set>
+                                  </p:childTnLst>
+                                </p:cTn>
+                              </p:par>
+                            </p:childTnLst>
+                          </p:cTn>
+                        </p:par>
+                      </p:childTnLst>
+                    </p:cTn>
+                  </p:par>
+                  <p:par>
+                    <p:cTn id="7" fill="hold">
+                      <p:stCondLst>
+                        <p:cond delay="indefinite"/>
+                      </p:stCondLst>
+                      <p:childTnLst>
+                        <p:par>
+                          <p:cTn id="8" fill="hold">
+                            <p:stCondLst>
+                              <p:cond delay="0"/>
+                            </p:stCondLst>
+                            <p:childTnLst>
+                              <p:par>
+                                <p:cTn id="9" presetID="1" presetClass="entr" presetSubtype="0" fill="hold" grpId="0" nodeType="clickEffect">
+                                  <p:stCondLst>
+                                    <p:cond delay="0"/>
+                                  </p:stCondLst>
+                                  <p:childTnLst>
+                                    <p:set>
+                                      <p:cBhvr>
+                                        <p:cTn id="10" dur="1" fill="hold">
+                                          <p:stCondLst>
+                                            <p:cond delay="0"/>
+                                          </p:stCondLst>
+                                        </p:cTn>
+                                        <p:tgtEl>
+                                          <p:spTgt spid="9"/>
+                                        </p:tgtEl>
+                                        <p:attrNameLst>
+                                          <p:attrName>style.visibility</p:attrName>
+                                        </p:attrNameLst>
+                                      </p:cBhvr>
+                                      <p:to>
+                                        <p:strVal val="visible"/>
+                                      </p:to>
+                                    </p:set>
+                                  </p:childTnLst>
+                                </p:cTn>
+                              </p:par>
+                            </p:childTnLst>
+                          </p:cTn>
+                        </p:par>
+                      </p:childTnLst>
+                    </p:cTn>
+                  </p:par>
+                </p:childTnLst>
+              </p:cTn>
+              <p:prevCondLst>
+                <p:cond evt="onPrev" delay="0">
+                  <p:tgtEl>
+                    <p:sldTgt/>
+                  </p:tgtEl>
+                </p:cond>
+              </p:prevCondLst>
+              <p:nextCondLst>
+                <p:cond evt="onNext" delay="0">
+                  <p:tgtEl>
+                    <p:sldTgt/>
+                  </p:tgtEl>
+                </p:cond>
+              </p:nextCondLst>
+            </p:seq>
+          </p:childTnLst>
+        </p:cTn>
+      </p:par>
+    </p:tnLst>
+    <p:bldLst>
+      <p:bldP spid="8" grpId="0"/>
+      <p:bldP spid="9" grpId="0"/>
+    </p:bldLst>
+  </p:timing>
+</p:sld>
+</file>
+
+<file path=ppt/slides/slide21.xml><?xml version="1.0" encoding="utf-8"?>
+<p:sld xmlns:a="http://schemas.openxmlformats.org/drawingml/2006/main" xmlns:r="http://schemas.openxmlformats.org/officeDocument/2006/relationships" xmlns:p="http://schemas.openxmlformats.org/presentationml/2006/main">
+  <p:cSld>
+    <p:spTree>
+      <p:nvGrpSpPr>
+        <p:cNvPr id="1" name=""/>
+        <p:cNvGrpSpPr/>
+        <p:nvPr/>
+      </p:nvGrpSpPr>
+      <p:grpSpPr>
+        <a:xfrm>
+          <a:off x="0" y="0"/>
+          <a:ext cx="0" cy="0"/>
+          <a:chOff x="0" y="0"/>
+          <a:chExt cx="0" cy="0"/>
+        </a:xfrm>
+      </p:grpSpPr>
+      <p:pic>
+        <p:nvPicPr>
+          <p:cNvPr id="7" name="图片 6" descr="PPT4.jpg"/>
+          <p:cNvPicPr>
+            <a:picLocks noChangeAspect="1"/>
+          </p:cNvPicPr>
+          <p:nvPr/>
+        </p:nvPicPr>
+        <p:blipFill>
+          <a:blip r:embed="rId2">
+            <a:extLst>
+              <a:ext uri="{28A0092B-C50C-407E-A947-70E740481C1C}">
+                <a14:useLocalDpi xmlns:a14="http://schemas.microsoft.com/office/drawing/2010/main" val="0"/>
+              </a:ext>
+            </a:extLst>
+          </a:blip>
+          <a:stretch>
+            <a:fillRect/>
+          </a:stretch>
+        </p:blipFill>
+        <p:spPr>
+          <a:xfrm>
+            <a:off x="0" y="0"/>
+            <a:ext cx="9144000" cy="6858000"/>
+          </a:xfrm>
+          <a:prstGeom prst="rect">
+            <a:avLst/>
+          </a:prstGeom>
+        </p:spPr>
+      </p:pic>
+    </p:spTree>
+    <p:extLst>
+      <p:ext uri="{BB962C8B-B14F-4D97-AF65-F5344CB8AC3E}">
+        <p14:creationId xmlns:p14="http://schemas.microsoft.com/office/powerpoint/2010/main" val="1072584553"/>
+      </p:ext>
+    </p:extLst>
+  </p:cSld>
+  <p:clrMapOvr>
+    <a:masterClrMapping/>
+  </p:clrMapOvr>
+</p:sld>
+</file>
+
 <file path=ppt/slides/slide3.xml><?xml version="1.0" encoding="utf-8"?>
 <p:sld xmlns:a="http://schemas.openxmlformats.org/drawingml/2006/main" xmlns:r="http://schemas.openxmlformats.org/officeDocument/2006/relationships" xmlns:p="http://schemas.openxmlformats.org/presentationml/2006/main">
   <p:cSld>
@@ -13713,23 +17669,7 @@
                   <a:schemeClr val="tx1"/>
                 </a:solidFill>
               </a:rPr>
-              <a:t>Q</a:t>
-            </a:r>
-            <a:r>
-              <a:rPr kumimoji="1" lang="zh-CN" altLang="en-US" dirty="0">
-                <a:solidFill>
-                  <a:schemeClr val="tx1"/>
-                </a:solidFill>
-              </a:rPr>
-              <a:t>：</a:t>
-            </a:r>
-            <a:r>
-              <a:rPr kumimoji="1" lang="en-US" altLang="zh-CN" dirty="0">
-                <a:solidFill>
-                  <a:schemeClr val="tx1"/>
-                </a:solidFill>
-              </a:rPr>
-              <a:t>What is the probability of randomly selecting a rational number from the interval [0,1]?</a:t>
+              <a:t>Q : What is the probability of randomly selecting a rational number from the interval [0,1]?</a:t>
             </a:r>
           </a:p>
         </p:txBody>
@@ -13784,277 +17724,6 @@
               <a:latin typeface="黑体"/>
               <a:ea typeface="黑体"/>
               <a:cs typeface="黑体"/>
-            </a:endParaRPr>
-          </a:p>
-        </p:txBody>
-      </p:sp>
-      <p:sp>
-        <p:nvSpPr>
-          <p:cNvPr id="6" name="内容占位符 4">
-            <a:extLst>
-              <a:ext uri="{FF2B5EF4-FFF2-40B4-BE49-F238E27FC236}">
-                <a16:creationId xmlns:a16="http://schemas.microsoft.com/office/drawing/2014/main" id="{5EBFDE28-ED2B-4A07-AF71-C694FE67B3CC}"/>
-              </a:ext>
-            </a:extLst>
-          </p:cNvPr>
-          <p:cNvSpPr txBox="1">
-            <a:spLocks/>
-          </p:cNvSpPr>
-          <p:nvPr/>
-        </p:nvSpPr>
-        <p:spPr>
-          <a:xfrm>
-            <a:off x="473364" y="3285889"/>
-            <a:ext cx="8301181" cy="886756"/>
-          </a:xfrm>
-          <a:prstGeom prst="rect">
-            <a:avLst/>
-          </a:prstGeom>
-        </p:spPr>
-        <p:txBody>
-          <a:bodyPr vert="horz" lIns="91440" tIns="45720" rIns="91440" bIns="45720" rtlCol="0">
-            <a:normAutofit/>
-          </a:bodyPr>
-          <a:lstStyle>
-            <a:lvl1pPr marL="457200" indent="-457200" algn="l" defTabSz="914400" rtl="0" eaLnBrk="1" latinLnBrk="0" hangingPunct="1">
-              <a:spcBef>
-                <a:spcPts val="2000"/>
-              </a:spcBef>
-              <a:buClr>
-                <a:schemeClr val="tx1">
-                  <a:lumMod val="75000"/>
-                  <a:lumOff val="25000"/>
-                </a:schemeClr>
-              </a:buClr>
-              <a:buSzPct val="75000"/>
-              <a:buFont typeface="Wingdings 2" pitchFamily="18" charset="2"/>
-              <a:buChar char=""/>
-              <a:defRPr sz="2200" kern="1200">
-                <a:solidFill>
-                  <a:schemeClr val="tx1">
-                    <a:lumMod val="75000"/>
-                    <a:lumOff val="25000"/>
-                  </a:schemeClr>
-                </a:solidFill>
-                <a:latin typeface="+mn-lt"/>
-                <a:ea typeface="+mn-ea"/>
-                <a:cs typeface="+mn-cs"/>
-              </a:defRPr>
-            </a:lvl1pPr>
-            <a:lvl2pPr marL="914400" indent="-457200" algn="l" defTabSz="914400" rtl="0" eaLnBrk="1" latinLnBrk="0" hangingPunct="1">
-              <a:spcBef>
-                <a:spcPts val="600"/>
-              </a:spcBef>
-              <a:buClr>
-                <a:schemeClr val="tx1">
-                  <a:lumMod val="50000"/>
-                  <a:lumOff val="50000"/>
-                </a:schemeClr>
-              </a:buClr>
-              <a:buSzPct val="75000"/>
-              <a:buFont typeface="Wingdings 2" pitchFamily="18" charset="2"/>
-              <a:buChar char=""/>
-              <a:defRPr sz="2000" kern="1200">
-                <a:solidFill>
-                  <a:schemeClr val="tx1">
-                    <a:lumMod val="75000"/>
-                    <a:lumOff val="25000"/>
-                  </a:schemeClr>
-                </a:solidFill>
-                <a:latin typeface="+mn-lt"/>
-                <a:ea typeface="+mn-ea"/>
-                <a:cs typeface="+mn-cs"/>
-              </a:defRPr>
-            </a:lvl2pPr>
-            <a:lvl3pPr marL="1371600" indent="-457200" algn="l" defTabSz="914400" rtl="0" eaLnBrk="1" latinLnBrk="0" hangingPunct="1">
-              <a:spcBef>
-                <a:spcPts val="600"/>
-              </a:spcBef>
-              <a:buClr>
-                <a:schemeClr val="tx1">
-                  <a:lumMod val="75000"/>
-                  <a:lumOff val="25000"/>
-                </a:schemeClr>
-              </a:buClr>
-              <a:buSzPct val="75000"/>
-              <a:buFont typeface="Wingdings 2" pitchFamily="18" charset="2"/>
-              <a:buChar char=""/>
-              <a:defRPr sz="1800" kern="1200">
-                <a:solidFill>
-                  <a:schemeClr val="tx1">
-                    <a:lumMod val="75000"/>
-                    <a:lumOff val="25000"/>
-                  </a:schemeClr>
-                </a:solidFill>
-                <a:latin typeface="+mn-lt"/>
-                <a:ea typeface="+mn-ea"/>
-                <a:cs typeface="+mn-cs"/>
-              </a:defRPr>
-            </a:lvl3pPr>
-            <a:lvl4pPr marL="1828800" indent="-457200" algn="l" defTabSz="914400" rtl="0" eaLnBrk="1" latinLnBrk="0" hangingPunct="1">
-              <a:spcBef>
-                <a:spcPts val="600"/>
-              </a:spcBef>
-              <a:buClr>
-                <a:schemeClr val="tx1">
-                  <a:lumMod val="50000"/>
-                  <a:lumOff val="50000"/>
-                </a:schemeClr>
-              </a:buClr>
-              <a:buSzPct val="75000"/>
-              <a:buFont typeface="Wingdings 2" pitchFamily="18" charset="2"/>
-              <a:buChar char=""/>
-              <a:defRPr sz="1800" kern="1200">
-                <a:solidFill>
-                  <a:schemeClr val="tx1">
-                    <a:lumMod val="75000"/>
-                    <a:lumOff val="25000"/>
-                  </a:schemeClr>
-                </a:solidFill>
-                <a:latin typeface="+mn-lt"/>
-                <a:ea typeface="+mn-ea"/>
-                <a:cs typeface="+mn-cs"/>
-              </a:defRPr>
-            </a:lvl4pPr>
-            <a:lvl5pPr marL="2286000" indent="-457200" algn="l" defTabSz="914400" rtl="0" eaLnBrk="1" latinLnBrk="0" hangingPunct="1">
-              <a:spcBef>
-                <a:spcPts val="600"/>
-              </a:spcBef>
-              <a:buClr>
-                <a:schemeClr val="tx1">
-                  <a:lumMod val="75000"/>
-                  <a:lumOff val="25000"/>
-                </a:schemeClr>
-              </a:buClr>
-              <a:buSzPct val="75000"/>
-              <a:buFont typeface="Wingdings 2" pitchFamily="18" charset="2"/>
-              <a:buChar char=""/>
-              <a:defRPr sz="1800" kern="1200">
-                <a:solidFill>
-                  <a:schemeClr val="tx1">
-                    <a:lumMod val="75000"/>
-                    <a:lumOff val="25000"/>
-                  </a:schemeClr>
-                </a:solidFill>
-                <a:latin typeface="+mn-lt"/>
-                <a:ea typeface="+mn-ea"/>
-                <a:cs typeface="+mn-cs"/>
-              </a:defRPr>
-            </a:lvl5pPr>
-            <a:lvl6pPr marL="2743200" indent="-461963" algn="l" defTabSz="914400" rtl="0" eaLnBrk="1" latinLnBrk="0" hangingPunct="1">
-              <a:spcBef>
-                <a:spcPct val="20000"/>
-              </a:spcBef>
-              <a:buClr>
-                <a:schemeClr val="tx1">
-                  <a:lumMod val="50000"/>
-                  <a:lumOff val="50000"/>
-                </a:schemeClr>
-              </a:buClr>
-              <a:buSzPct val="75000"/>
-              <a:buFont typeface="Wingdings 2" pitchFamily="18" charset="2"/>
-              <a:buChar char=""/>
-              <a:defRPr lang="en-US" sz="1800" kern="1200" dirty="0" smtClean="0">
-                <a:solidFill>
-                  <a:schemeClr val="tx1">
-                    <a:lumMod val="75000"/>
-                    <a:lumOff val="25000"/>
-                  </a:schemeClr>
-                </a:solidFill>
-                <a:latin typeface="+mn-lt"/>
-                <a:ea typeface="+mn-ea"/>
-                <a:cs typeface="+mn-cs"/>
-              </a:defRPr>
-            </a:lvl6pPr>
-            <a:lvl7pPr marL="3205163" indent="-461963" algn="l" defTabSz="914400" rtl="0" eaLnBrk="1" latinLnBrk="0" hangingPunct="1">
-              <a:spcBef>
-                <a:spcPct val="20000"/>
-              </a:spcBef>
-              <a:buClr>
-                <a:schemeClr val="tx1">
-                  <a:lumMod val="75000"/>
-                  <a:lumOff val="25000"/>
-                </a:schemeClr>
-              </a:buClr>
-              <a:buSzPct val="75000"/>
-              <a:buFont typeface="Wingdings 2" pitchFamily="18" charset="2"/>
-              <a:buChar char=""/>
-              <a:defRPr lang="en-US" sz="1800" kern="1200" dirty="0" smtClean="0">
-                <a:solidFill>
-                  <a:schemeClr val="tx1">
-                    <a:lumMod val="75000"/>
-                    <a:lumOff val="25000"/>
-                  </a:schemeClr>
-                </a:solidFill>
-                <a:latin typeface="+mn-lt"/>
-                <a:ea typeface="+mn-ea"/>
-                <a:cs typeface="+mn-cs"/>
-              </a:defRPr>
-            </a:lvl7pPr>
-            <a:lvl8pPr marL="3657600" indent="-461963" algn="l" defTabSz="914400" rtl="0" eaLnBrk="1" latinLnBrk="0" hangingPunct="1">
-              <a:spcBef>
-                <a:spcPct val="20000"/>
-              </a:spcBef>
-              <a:buClr>
-                <a:schemeClr val="tx1">
-                  <a:lumMod val="50000"/>
-                  <a:lumOff val="50000"/>
-                </a:schemeClr>
-              </a:buClr>
-              <a:buSzPct val="75000"/>
-              <a:buFont typeface="Wingdings 2" pitchFamily="18" charset="2"/>
-              <a:buChar char=""/>
-              <a:defRPr lang="en-US" sz="1800" kern="1200" dirty="0" smtClean="0">
-                <a:solidFill>
-                  <a:schemeClr val="tx1">
-                    <a:lumMod val="75000"/>
-                    <a:lumOff val="25000"/>
-                  </a:schemeClr>
-                </a:solidFill>
-                <a:latin typeface="+mn-lt"/>
-                <a:ea typeface="+mn-ea"/>
-                <a:cs typeface="+mn-cs"/>
-              </a:defRPr>
-            </a:lvl8pPr>
-            <a:lvl9pPr marL="4119563" indent="-461963" algn="l" defTabSz="914400" rtl="0" eaLnBrk="1" latinLnBrk="0" hangingPunct="1">
-              <a:spcBef>
-                <a:spcPct val="20000"/>
-              </a:spcBef>
-              <a:buClr>
-                <a:schemeClr val="tx1">
-                  <a:lumMod val="75000"/>
-                  <a:lumOff val="25000"/>
-                </a:schemeClr>
-              </a:buClr>
-              <a:buSzPct val="75000"/>
-              <a:buFont typeface="Wingdings 2" pitchFamily="18" charset="2"/>
-              <a:buChar char=""/>
-              <a:defRPr lang="en-US" sz="1800" kern="1200" dirty="0">
-                <a:solidFill>
-                  <a:schemeClr val="tx1">
-                    <a:lumMod val="75000"/>
-                    <a:lumOff val="25000"/>
-                  </a:schemeClr>
-                </a:solidFill>
-                <a:latin typeface="+mn-lt"/>
-                <a:ea typeface="+mn-ea"/>
-                <a:cs typeface="+mn-cs"/>
-              </a:defRPr>
-            </a:lvl9pPr>
-          </a:lstStyle>
-          <a:p>
-            <a:r>
-              <a:rPr kumimoji="1" lang="en-US" altLang="zh-CN" dirty="0">
-                <a:solidFill>
-                  <a:schemeClr val="tx1"/>
-                </a:solidFill>
-              </a:rPr>
-              <a:t>A:  0</a:t>
-            </a:r>
-            <a:endParaRPr kumimoji="1" lang="zh-CN" altLang="en-US" dirty="0">
-              <a:solidFill>
-                <a:schemeClr val="tx1"/>
-              </a:solidFill>
             </a:endParaRPr>
           </a:p>
         </p:txBody>
@@ -14101,8 +17770,8 @@
         </p:nvSpPr>
         <p:spPr>
           <a:xfrm>
-            <a:off x="473364" y="1939635"/>
-            <a:ext cx="8301181" cy="4167909"/>
+            <a:off x="421409" y="1481560"/>
+            <a:ext cx="8301181" cy="1947440"/>
           </a:xfrm>
         </p:spPr>
         <p:txBody>
@@ -14117,7 +17786,39 @@
                   <a:schemeClr val="tx1"/>
                 </a:solidFill>
               </a:rPr>
-              <a:t>In mathematical analysis, a measure on a set is a systematic way to assign a number to each suitable subset of that set, intuitively interpreted as its size. In this sense, a measure is a generalization of the concepts of length, area, and volume. </a:t>
+              <a:t>In mathematical analysis, a measure on a </a:t>
+            </a:r>
+            <a:r>
+              <a:rPr kumimoji="1" lang="en-US" altLang="zh-CN" b="1" dirty="0">
+                <a:solidFill>
+                  <a:schemeClr val="tx1"/>
+                </a:solidFill>
+              </a:rPr>
+              <a:t>set</a:t>
+            </a:r>
+            <a:r>
+              <a:rPr kumimoji="1" lang="en-US" altLang="zh-CN" dirty="0">
+                <a:solidFill>
+                  <a:schemeClr val="tx1"/>
+                </a:solidFill>
+              </a:rPr>
+              <a:t> is a systematic way to assign a number to each suitable </a:t>
+            </a:r>
+            <a:r>
+              <a:rPr kumimoji="1" lang="en-US" altLang="zh-CN" b="1" dirty="0">
+                <a:solidFill>
+                  <a:schemeClr val="tx1"/>
+                </a:solidFill>
+              </a:rPr>
+              <a:t>subset</a:t>
+            </a:r>
+            <a:r>
+              <a:rPr kumimoji="1" lang="en-US" altLang="zh-CN" dirty="0">
+                <a:solidFill>
+                  <a:schemeClr val="tx1"/>
+                </a:solidFill>
+              </a:rPr>
+              <a:t> of that set, intuitively interpreted as its size. </a:t>
             </a:r>
           </a:p>
           <a:p>
@@ -14127,20 +17828,7 @@
                   <a:schemeClr val="tx1"/>
                 </a:solidFill>
               </a:rPr>
-              <a:t>A particularly important example is the Lebesgue measure on a Euclidean space, which assigns the conventional length, area, and volume of Euclidean geometry to suitable subsets of the n-dimensional Euclidean space Rn. For instance, the Lebesgue measure of the interval [0, 1] in the real numbers is its length in the everyday sense of the word, specifically, 1.</a:t>
-            </a:r>
-          </a:p>
-          <a:p>
-            <a:pPr marL="0" indent="0" algn="r">
-              <a:buNone/>
-            </a:pPr>
-            <a:r>
-              <a:rPr kumimoji="1" lang="en-US" altLang="zh-CN" dirty="0">
-                <a:solidFill>
-                  <a:schemeClr val="tx1"/>
-                </a:solidFill>
-              </a:rPr>
-              <a:t>From Wikipedia</a:t>
+              <a:t>In this sense, a measure is a generalization of the concepts of length, area, and volume. </a:t>
             </a:r>
           </a:p>
         </p:txBody>
@@ -14188,6 +17876,298 @@
           </a:p>
         </p:txBody>
       </p:sp>
+      <p:sp>
+        <p:nvSpPr>
+          <p:cNvPr id="4" name="内容占位符 4">
+            <a:extLst>
+              <a:ext uri="{FF2B5EF4-FFF2-40B4-BE49-F238E27FC236}">
+                <a16:creationId xmlns:a16="http://schemas.microsoft.com/office/drawing/2014/main" id="{3197BC0E-E748-0B49-B09F-375D4FBABE41}"/>
+              </a:ext>
+            </a:extLst>
+          </p:cNvPr>
+          <p:cNvSpPr txBox="1">
+            <a:spLocks/>
+          </p:cNvSpPr>
+          <p:nvPr/>
+        </p:nvSpPr>
+        <p:spPr>
+          <a:xfrm>
+            <a:off x="421409" y="3620929"/>
+            <a:ext cx="8301181" cy="2697895"/>
+          </a:xfrm>
+          <a:prstGeom prst="rect">
+            <a:avLst/>
+          </a:prstGeom>
+        </p:spPr>
+        <p:txBody>
+          <a:bodyPr vert="horz" lIns="91440" tIns="45720" rIns="91440" bIns="45720" rtlCol="0">
+            <a:normAutofit/>
+          </a:bodyPr>
+          <a:lstStyle>
+            <a:lvl1pPr marL="457200" indent="-457200" algn="l" defTabSz="914400" rtl="0" eaLnBrk="1" latinLnBrk="0" hangingPunct="1">
+              <a:spcBef>
+                <a:spcPts val="2000"/>
+              </a:spcBef>
+              <a:buClr>
+                <a:schemeClr val="tx1">
+                  <a:lumMod val="75000"/>
+                  <a:lumOff val="25000"/>
+                </a:schemeClr>
+              </a:buClr>
+              <a:buSzPct val="75000"/>
+              <a:buFont typeface="Wingdings 2" pitchFamily="18" charset="2"/>
+              <a:buChar char=""/>
+              <a:defRPr sz="2200" kern="1200">
+                <a:solidFill>
+                  <a:schemeClr val="tx1">
+                    <a:lumMod val="75000"/>
+                    <a:lumOff val="25000"/>
+                  </a:schemeClr>
+                </a:solidFill>
+                <a:latin typeface="+mn-lt"/>
+                <a:ea typeface="+mn-ea"/>
+                <a:cs typeface="+mn-cs"/>
+              </a:defRPr>
+            </a:lvl1pPr>
+            <a:lvl2pPr marL="914400" indent="-457200" algn="l" defTabSz="914400" rtl="0" eaLnBrk="1" latinLnBrk="0" hangingPunct="1">
+              <a:spcBef>
+                <a:spcPts val="600"/>
+              </a:spcBef>
+              <a:buClr>
+                <a:schemeClr val="tx1">
+                  <a:lumMod val="50000"/>
+                  <a:lumOff val="50000"/>
+                </a:schemeClr>
+              </a:buClr>
+              <a:buSzPct val="75000"/>
+              <a:buFont typeface="Wingdings 2" pitchFamily="18" charset="2"/>
+              <a:buChar char=""/>
+              <a:defRPr sz="2000" kern="1200">
+                <a:solidFill>
+                  <a:schemeClr val="tx1">
+                    <a:lumMod val="75000"/>
+                    <a:lumOff val="25000"/>
+                  </a:schemeClr>
+                </a:solidFill>
+                <a:latin typeface="+mn-lt"/>
+                <a:ea typeface="+mn-ea"/>
+                <a:cs typeface="+mn-cs"/>
+              </a:defRPr>
+            </a:lvl2pPr>
+            <a:lvl3pPr marL="1371600" indent="-457200" algn="l" defTabSz="914400" rtl="0" eaLnBrk="1" latinLnBrk="0" hangingPunct="1">
+              <a:spcBef>
+                <a:spcPts val="600"/>
+              </a:spcBef>
+              <a:buClr>
+                <a:schemeClr val="tx1">
+                  <a:lumMod val="75000"/>
+                  <a:lumOff val="25000"/>
+                </a:schemeClr>
+              </a:buClr>
+              <a:buSzPct val="75000"/>
+              <a:buFont typeface="Wingdings 2" pitchFamily="18" charset="2"/>
+              <a:buChar char=""/>
+              <a:defRPr sz="1800" kern="1200">
+                <a:solidFill>
+                  <a:schemeClr val="tx1">
+                    <a:lumMod val="75000"/>
+                    <a:lumOff val="25000"/>
+                  </a:schemeClr>
+                </a:solidFill>
+                <a:latin typeface="+mn-lt"/>
+                <a:ea typeface="+mn-ea"/>
+                <a:cs typeface="+mn-cs"/>
+              </a:defRPr>
+            </a:lvl3pPr>
+            <a:lvl4pPr marL="1828800" indent="-457200" algn="l" defTabSz="914400" rtl="0" eaLnBrk="1" latinLnBrk="0" hangingPunct="1">
+              <a:spcBef>
+                <a:spcPts val="600"/>
+              </a:spcBef>
+              <a:buClr>
+                <a:schemeClr val="tx1">
+                  <a:lumMod val="50000"/>
+                  <a:lumOff val="50000"/>
+                </a:schemeClr>
+              </a:buClr>
+              <a:buSzPct val="75000"/>
+              <a:buFont typeface="Wingdings 2" pitchFamily="18" charset="2"/>
+              <a:buChar char=""/>
+              <a:defRPr sz="1800" kern="1200">
+                <a:solidFill>
+                  <a:schemeClr val="tx1">
+                    <a:lumMod val="75000"/>
+                    <a:lumOff val="25000"/>
+                  </a:schemeClr>
+                </a:solidFill>
+                <a:latin typeface="+mn-lt"/>
+                <a:ea typeface="+mn-ea"/>
+                <a:cs typeface="+mn-cs"/>
+              </a:defRPr>
+            </a:lvl4pPr>
+            <a:lvl5pPr marL="2286000" indent="-457200" algn="l" defTabSz="914400" rtl="0" eaLnBrk="1" latinLnBrk="0" hangingPunct="1">
+              <a:spcBef>
+                <a:spcPts val="600"/>
+              </a:spcBef>
+              <a:buClr>
+                <a:schemeClr val="tx1">
+                  <a:lumMod val="75000"/>
+                  <a:lumOff val="25000"/>
+                </a:schemeClr>
+              </a:buClr>
+              <a:buSzPct val="75000"/>
+              <a:buFont typeface="Wingdings 2" pitchFamily="18" charset="2"/>
+              <a:buChar char=""/>
+              <a:defRPr sz="1800" kern="1200">
+                <a:solidFill>
+                  <a:schemeClr val="tx1">
+                    <a:lumMod val="75000"/>
+                    <a:lumOff val="25000"/>
+                  </a:schemeClr>
+                </a:solidFill>
+                <a:latin typeface="+mn-lt"/>
+                <a:ea typeface="+mn-ea"/>
+                <a:cs typeface="+mn-cs"/>
+              </a:defRPr>
+            </a:lvl5pPr>
+            <a:lvl6pPr marL="2743200" indent="-461963" algn="l" defTabSz="914400" rtl="0" eaLnBrk="1" latinLnBrk="0" hangingPunct="1">
+              <a:spcBef>
+                <a:spcPct val="20000"/>
+              </a:spcBef>
+              <a:buClr>
+                <a:schemeClr val="tx1">
+                  <a:lumMod val="50000"/>
+                  <a:lumOff val="50000"/>
+                </a:schemeClr>
+              </a:buClr>
+              <a:buSzPct val="75000"/>
+              <a:buFont typeface="Wingdings 2" pitchFamily="18" charset="2"/>
+              <a:buChar char=""/>
+              <a:defRPr lang="en-US" sz="1800" kern="1200" dirty="0" smtClean="0">
+                <a:solidFill>
+                  <a:schemeClr val="tx1">
+                    <a:lumMod val="75000"/>
+                    <a:lumOff val="25000"/>
+                  </a:schemeClr>
+                </a:solidFill>
+                <a:latin typeface="+mn-lt"/>
+                <a:ea typeface="+mn-ea"/>
+                <a:cs typeface="+mn-cs"/>
+              </a:defRPr>
+            </a:lvl6pPr>
+            <a:lvl7pPr marL="3205163" indent="-461963" algn="l" defTabSz="914400" rtl="0" eaLnBrk="1" latinLnBrk="0" hangingPunct="1">
+              <a:spcBef>
+                <a:spcPct val="20000"/>
+              </a:spcBef>
+              <a:buClr>
+                <a:schemeClr val="tx1">
+                  <a:lumMod val="75000"/>
+                  <a:lumOff val="25000"/>
+                </a:schemeClr>
+              </a:buClr>
+              <a:buSzPct val="75000"/>
+              <a:buFont typeface="Wingdings 2" pitchFamily="18" charset="2"/>
+              <a:buChar char=""/>
+              <a:defRPr lang="en-US" sz="1800" kern="1200" dirty="0" smtClean="0">
+                <a:solidFill>
+                  <a:schemeClr val="tx1">
+                    <a:lumMod val="75000"/>
+                    <a:lumOff val="25000"/>
+                  </a:schemeClr>
+                </a:solidFill>
+                <a:latin typeface="+mn-lt"/>
+                <a:ea typeface="+mn-ea"/>
+                <a:cs typeface="+mn-cs"/>
+              </a:defRPr>
+            </a:lvl7pPr>
+            <a:lvl8pPr marL="3657600" indent="-461963" algn="l" defTabSz="914400" rtl="0" eaLnBrk="1" latinLnBrk="0" hangingPunct="1">
+              <a:spcBef>
+                <a:spcPct val="20000"/>
+              </a:spcBef>
+              <a:buClr>
+                <a:schemeClr val="tx1">
+                  <a:lumMod val="50000"/>
+                  <a:lumOff val="50000"/>
+                </a:schemeClr>
+              </a:buClr>
+              <a:buSzPct val="75000"/>
+              <a:buFont typeface="Wingdings 2" pitchFamily="18" charset="2"/>
+              <a:buChar char=""/>
+              <a:defRPr lang="en-US" sz="1800" kern="1200" dirty="0" smtClean="0">
+                <a:solidFill>
+                  <a:schemeClr val="tx1">
+                    <a:lumMod val="75000"/>
+                    <a:lumOff val="25000"/>
+                  </a:schemeClr>
+                </a:solidFill>
+                <a:latin typeface="+mn-lt"/>
+                <a:ea typeface="+mn-ea"/>
+                <a:cs typeface="+mn-cs"/>
+              </a:defRPr>
+            </a:lvl8pPr>
+            <a:lvl9pPr marL="4119563" indent="-461963" algn="l" defTabSz="914400" rtl="0" eaLnBrk="1" latinLnBrk="0" hangingPunct="1">
+              <a:spcBef>
+                <a:spcPct val="20000"/>
+              </a:spcBef>
+              <a:buClr>
+                <a:schemeClr val="tx1">
+                  <a:lumMod val="75000"/>
+                  <a:lumOff val="25000"/>
+                </a:schemeClr>
+              </a:buClr>
+              <a:buSzPct val="75000"/>
+              <a:buFont typeface="Wingdings 2" pitchFamily="18" charset="2"/>
+              <a:buChar char=""/>
+              <a:defRPr lang="en-US" sz="1800" kern="1200" dirty="0">
+                <a:solidFill>
+                  <a:schemeClr val="tx1">
+                    <a:lumMod val="75000"/>
+                    <a:lumOff val="25000"/>
+                  </a:schemeClr>
+                </a:solidFill>
+                <a:latin typeface="+mn-lt"/>
+                <a:ea typeface="+mn-ea"/>
+                <a:cs typeface="+mn-cs"/>
+              </a:defRPr>
+            </a:lvl9pPr>
+          </a:lstStyle>
+          <a:p>
+            <a:r>
+              <a:rPr kumimoji="1" lang="en-US" altLang="zh-CN" dirty="0">
+                <a:solidFill>
+                  <a:schemeClr val="tx1"/>
+                </a:solidFill>
+              </a:rPr>
+              <a:t>A particularly important example is the Lebesgue measure on a Euclidean space, which assigns the conventional length, area, and volume of Euclidean geometry to suitable subsets of the n-dimensional Euclidean space R</a:t>
+            </a:r>
+            <a:r>
+              <a:rPr kumimoji="1" lang="en-US" altLang="zh-CN" baseline="30000" dirty="0">
+                <a:solidFill>
+                  <a:schemeClr val="tx1"/>
+                </a:solidFill>
+              </a:rPr>
+              <a:t>n</a:t>
+            </a:r>
+            <a:r>
+              <a:rPr kumimoji="1" lang="en-US" altLang="zh-CN" dirty="0">
+                <a:solidFill>
+                  <a:schemeClr val="tx1"/>
+                </a:solidFill>
+              </a:rPr>
+              <a:t>. </a:t>
+            </a:r>
+          </a:p>
+          <a:p>
+            <a:r>
+              <a:rPr kumimoji="1" lang="en-US" altLang="zh-CN" dirty="0">
+                <a:solidFill>
+                  <a:schemeClr val="tx1"/>
+                </a:solidFill>
+              </a:rPr>
+              <a:t>For instance, the Lebesgue measure of the interval [0, 1] in the real numbers is its length in the everyday sense of the word, specifically, 1.</a:t>
+            </a:r>
+          </a:p>
+        </p:txBody>
+      </p:sp>
     </p:spTree>
     <p:extLst>
       <p:ext uri="{BB962C8B-B14F-4D97-AF65-F5344CB8AC3E}">
@@ -14198,6 +18178,183 @@
   <p:clrMapOvr>
     <a:masterClrMapping/>
   </p:clrMapOvr>
+  <p:timing>
+    <p:tnLst>
+      <p:par>
+        <p:cTn id="1" dur="indefinite" restart="never" nodeType="tmRoot">
+          <p:childTnLst>
+            <p:seq concurrent="1" nextAc="seek">
+              <p:cTn id="2" dur="indefinite" nodeType="mainSeq">
+                <p:childTnLst>
+                  <p:par>
+                    <p:cTn id="3" fill="hold">
+                      <p:stCondLst>
+                        <p:cond delay="indefinite"/>
+                      </p:stCondLst>
+                      <p:childTnLst>
+                        <p:par>
+                          <p:cTn id="4" fill="hold">
+                            <p:stCondLst>
+                              <p:cond delay="0"/>
+                            </p:stCondLst>
+                            <p:childTnLst>
+                              <p:par>
+                                <p:cTn id="5" presetID="1" presetClass="entr" presetSubtype="0" fill="hold" grpId="0" nodeType="clickEffect">
+                                  <p:stCondLst>
+                                    <p:cond delay="0"/>
+                                  </p:stCondLst>
+                                  <p:childTnLst>
+                                    <p:set>
+                                      <p:cBhvr>
+                                        <p:cTn id="6" dur="1" fill="hold">
+                                          <p:stCondLst>
+                                            <p:cond delay="0"/>
+                                          </p:stCondLst>
+                                        </p:cTn>
+                                        <p:tgtEl>
+                                          <p:spTgt spid="5">
+                                            <p:txEl>
+                                              <p:pRg st="0" end="0"/>
+                                            </p:txEl>
+                                          </p:spTgt>
+                                        </p:tgtEl>
+                                        <p:attrNameLst>
+                                          <p:attrName>style.visibility</p:attrName>
+                                        </p:attrNameLst>
+                                      </p:cBhvr>
+                                      <p:to>
+                                        <p:strVal val="visible"/>
+                                      </p:to>
+                                    </p:set>
+                                  </p:childTnLst>
+                                </p:cTn>
+                              </p:par>
+                            </p:childTnLst>
+                          </p:cTn>
+                        </p:par>
+                      </p:childTnLst>
+                    </p:cTn>
+                  </p:par>
+                  <p:par>
+                    <p:cTn id="7" fill="hold">
+                      <p:stCondLst>
+                        <p:cond delay="indefinite"/>
+                      </p:stCondLst>
+                      <p:childTnLst>
+                        <p:par>
+                          <p:cTn id="8" fill="hold">
+                            <p:stCondLst>
+                              <p:cond delay="0"/>
+                            </p:stCondLst>
+                            <p:childTnLst>
+                              <p:par>
+                                <p:cTn id="9" presetID="1" presetClass="entr" presetSubtype="0" fill="hold" grpId="0" nodeType="clickEffect">
+                                  <p:stCondLst>
+                                    <p:cond delay="0"/>
+                                  </p:stCondLst>
+                                  <p:childTnLst>
+                                    <p:set>
+                                      <p:cBhvr>
+                                        <p:cTn id="10" dur="1" fill="hold">
+                                          <p:stCondLst>
+                                            <p:cond delay="0"/>
+                                          </p:stCondLst>
+                                        </p:cTn>
+                                        <p:tgtEl>
+                                          <p:spTgt spid="5">
+                                            <p:txEl>
+                                              <p:pRg st="1" end="1"/>
+                                            </p:txEl>
+                                          </p:spTgt>
+                                        </p:tgtEl>
+                                        <p:attrNameLst>
+                                          <p:attrName>style.visibility</p:attrName>
+                                        </p:attrNameLst>
+                                      </p:cBhvr>
+                                      <p:to>
+                                        <p:strVal val="visible"/>
+                                      </p:to>
+                                    </p:set>
+                                  </p:childTnLst>
+                                </p:cTn>
+                              </p:par>
+                            </p:childTnLst>
+                          </p:cTn>
+                        </p:par>
+                      </p:childTnLst>
+                    </p:cTn>
+                  </p:par>
+                  <p:par>
+                    <p:cTn id="11" fill="hold">
+                      <p:stCondLst>
+                        <p:cond delay="indefinite"/>
+                      </p:stCondLst>
+                      <p:childTnLst>
+                        <p:par>
+                          <p:cTn id="12" fill="hold">
+                            <p:stCondLst>
+                              <p:cond delay="0"/>
+                            </p:stCondLst>
+                            <p:childTnLst>
+                              <p:par>
+                                <p:cTn id="13" presetID="1" presetClass="entr" presetSubtype="0" fill="hold" grpId="0" nodeType="clickEffect">
+                                  <p:stCondLst>
+                                    <p:cond delay="0"/>
+                                  </p:stCondLst>
+                                  <p:childTnLst>
+                                    <p:set>
+                                      <p:cBhvr>
+                                        <p:cTn id="14" dur="1" fill="hold">
+                                          <p:stCondLst>
+                                            <p:cond delay="0"/>
+                                          </p:stCondLst>
+                                        </p:cTn>
+                                        <p:tgtEl>
+                                          <p:spTgt spid="4"/>
+                                        </p:tgtEl>
+                                        <p:attrNameLst>
+                                          <p:attrName>style.visibility</p:attrName>
+                                        </p:attrNameLst>
+                                      </p:cBhvr>
+                                      <p:to>
+                                        <p:strVal val="visible"/>
+                                      </p:to>
+                                    </p:set>
+                                  </p:childTnLst>
+                                </p:cTn>
+                              </p:par>
+                            </p:childTnLst>
+                          </p:cTn>
+                        </p:par>
+                      </p:childTnLst>
+                    </p:cTn>
+                  </p:par>
+                </p:childTnLst>
+              </p:cTn>
+              <p:prevCondLst>
+                <p:cond evt="onPrev" delay="0">
+                  <p:tgtEl>
+                    <p:sldTgt/>
+                  </p:tgtEl>
+                </p:cond>
+              </p:prevCondLst>
+              <p:nextCondLst>
+                <p:cond evt="onNext" delay="0">
+                  <p:tgtEl>
+                    <p:sldTgt/>
+                  </p:tgtEl>
+                </p:cond>
+              </p:nextCondLst>
+            </p:seq>
+          </p:childTnLst>
+        </p:cTn>
+      </p:par>
+    </p:tnLst>
+    <p:bldLst>
+      <p:bldP spid="5" grpId="0" uiExpand="1" build="p"/>
+      <p:bldP spid="4" grpId="0"/>
+    </p:bldLst>
+  </p:timing>
 </p:sld>
 </file>
 
@@ -14485,36 +18642,6 @@
           </a:p>
         </p:txBody>
       </p:sp>
-      <p:pic>
-        <p:nvPicPr>
-          <p:cNvPr id="4" name="图片 3">
-            <a:extLst>
-              <a:ext uri="{FF2B5EF4-FFF2-40B4-BE49-F238E27FC236}">
-                <a16:creationId xmlns:a16="http://schemas.microsoft.com/office/drawing/2014/main" id="{C7C04005-550A-4324-A615-9E7F439F7016}"/>
-              </a:ext>
-            </a:extLst>
-          </p:cNvPr>
-          <p:cNvPicPr>
-            <a:picLocks noChangeAspect="1"/>
-          </p:cNvPicPr>
-          <p:nvPr/>
-        </p:nvPicPr>
-        <p:blipFill>
-          <a:blip r:embed="rId2"/>
-          <a:stretch>
-            <a:fillRect/>
-          </a:stretch>
-        </p:blipFill>
-        <p:spPr>
-          <a:xfrm>
-            <a:off x="1364024" y="1399290"/>
-            <a:ext cx="5901964" cy="4163309"/>
-          </a:xfrm>
-          <a:prstGeom prst="rect">
-            <a:avLst/>
-          </a:prstGeom>
-        </p:spPr>
-      </p:pic>
       <p:sp>
         <p:nvSpPr>
           <p:cNvPr id="5" name="标题 1">
@@ -14578,7 +18705,7 @@
         </p:nvSpPr>
         <p:spPr>
           <a:xfrm>
-            <a:off x="1397000" y="5807045"/>
+            <a:off x="460664" y="2902124"/>
             <a:ext cx="5473700" cy="400110"/>
           </a:xfrm>
           <a:prstGeom prst="rect">
@@ -14594,27 +18721,27 @@
           <a:p>
             <a:r>
               <a:rPr lang="en-US" dirty="0"/>
-              <a:t>Are all rational numbers listed?</a:t>
+              <a:t>How to list all the rational numbers?</a:t>
             </a:r>
           </a:p>
         </p:txBody>
       </p:sp>
       <p:sp>
         <p:nvSpPr>
-          <p:cNvPr id="7" name="矩形 6">
+          <p:cNvPr id="9" name="文本框 5">
             <a:extLst>
               <a:ext uri="{FF2B5EF4-FFF2-40B4-BE49-F238E27FC236}">
-                <a16:creationId xmlns:a16="http://schemas.microsoft.com/office/drawing/2014/main" id="{1FFCE3C8-D814-4752-9971-D4E0530BC8F9}"/>
+                <a16:creationId xmlns:a16="http://schemas.microsoft.com/office/drawing/2014/main" id="{7FE15DE2-D665-AB40-A3BE-30E29C053131}"/>
               </a:ext>
             </a:extLst>
           </p:cNvPr>
-          <p:cNvSpPr/>
+          <p:cNvSpPr txBox="1"/>
           <p:nvPr/>
         </p:nvSpPr>
         <p:spPr>
           <a:xfrm>
-            <a:off x="2803122" y="2865735"/>
-            <a:ext cx="3363420" cy="923330"/>
+            <a:off x="460664" y="4998781"/>
+            <a:ext cx="5473700" cy="400110"/>
           </a:xfrm>
           <a:prstGeom prst="rect">
             <a:avLst/>
@@ -14622,41 +18749,66 @@
           <a:noFill/>
         </p:spPr>
         <p:txBody>
-          <a:bodyPr wrap="none" lIns="91440" tIns="45720" rIns="91440" bIns="45720">
+          <a:bodyPr wrap="square" rtlCol="0">
             <a:spAutoFit/>
           </a:bodyPr>
           <a:lstStyle/>
           <a:p>
-            <a:pPr algn="ctr"/>
-            <a:r>
-              <a:rPr lang="en-US" altLang="zh-CN" sz="5400" dirty="0">
-                <a:ln w="0"/>
-                <a:solidFill>
-                  <a:srgbClr val="FF0000"/>
-                </a:solidFill>
-                <a:effectLst>
-                  <a:outerShdw blurRad="38100" dist="19050" dir="2700000" algn="tl" rotWithShape="0">
-                    <a:schemeClr val="dk1">
-                      <a:alpha val="40000"/>
-                    </a:schemeClr>
-                  </a:outerShdw>
-                </a:effectLst>
-              </a:rPr>
-              <a:t>Countable</a:t>
-            </a:r>
-            <a:endParaRPr lang="zh-CN" altLang="en-US" sz="5400" dirty="0">
-              <a:ln w="0"/>
-              <a:solidFill>
-                <a:srgbClr val="FF0000"/>
-              </a:solidFill>
-              <a:effectLst>
-                <a:outerShdw blurRad="38100" dist="19050" dir="2700000" algn="tl" rotWithShape="0">
-                  <a:schemeClr val="dk1">
-                    <a:alpha val="40000"/>
-                  </a:schemeClr>
-                </a:outerShdw>
-              </a:effectLst>
-            </a:endParaRPr>
+            <a:r>
+              <a:rPr lang="en-US" dirty="0"/>
+              <a:t>Are all rational numbers listed?</a:t>
+            </a:r>
+          </a:p>
+        </p:txBody>
+      </p:sp>
+      <p:sp>
+        <p:nvSpPr>
+          <p:cNvPr id="10" name="文本框 5">
+            <a:extLst>
+              <a:ext uri="{FF2B5EF4-FFF2-40B4-BE49-F238E27FC236}">
+                <a16:creationId xmlns:a16="http://schemas.microsoft.com/office/drawing/2014/main" id="{DF38EB15-681F-5B4A-A9CE-C1966D0983BD}"/>
+              </a:ext>
+            </a:extLst>
+          </p:cNvPr>
+          <p:cNvSpPr txBox="1"/>
+          <p:nvPr/>
+        </p:nvSpPr>
+        <p:spPr>
+          <a:xfrm>
+            <a:off x="460664" y="3702109"/>
+            <a:ext cx="5473700" cy="964367"/>
+          </a:xfrm>
+          <a:prstGeom prst="rect">
+            <a:avLst/>
+          </a:prstGeom>
+          <a:noFill/>
+        </p:spPr>
+        <p:txBody>
+          <a:bodyPr wrap="square" rtlCol="0">
+            <a:spAutoFit/>
+          </a:bodyPr>
+          <a:lstStyle/>
+          <a:p>
+            <a:pPr>
+              <a:spcBef>
+                <a:spcPts val="2000"/>
+              </a:spcBef>
+            </a:pPr>
+            <a:r>
+              <a:rPr lang="en-US" dirty="0"/>
+              <a:t>Consider p + q = 2, 3, 4 …</a:t>
+            </a:r>
+          </a:p>
+          <a:p>
+            <a:pPr>
+              <a:spcBef>
+                <a:spcPts val="2000"/>
+              </a:spcBef>
+            </a:pPr>
+            <a:r>
+              <a:rPr lang="en-US" dirty="0"/>
+              <a:t>[1/1], [2/1, 1/2], [2/2, 3/1, 1/3], … </a:t>
+            </a:r>
           </a:p>
         </p:txBody>
       </p:sp>
@@ -14670,6 +18822,222 @@
   <p:clrMapOvr>
     <a:masterClrMapping/>
   </p:clrMapOvr>
+  <p:timing>
+    <p:tnLst>
+      <p:par>
+        <p:cTn id="1" dur="indefinite" restart="never" nodeType="tmRoot">
+          <p:childTnLst>
+            <p:seq concurrent="1" nextAc="seek">
+              <p:cTn id="2" dur="indefinite" nodeType="mainSeq">
+                <p:childTnLst>
+                  <p:par>
+                    <p:cTn id="3" fill="hold">
+                      <p:stCondLst>
+                        <p:cond delay="indefinite"/>
+                      </p:stCondLst>
+                      <p:childTnLst>
+                        <p:par>
+                          <p:cTn id="4" fill="hold">
+                            <p:stCondLst>
+                              <p:cond delay="0"/>
+                            </p:stCondLst>
+                            <p:childTnLst>
+                              <p:par>
+                                <p:cTn id="5" presetID="1" presetClass="entr" presetSubtype="0" fill="hold" grpId="0" nodeType="clickEffect">
+                                  <p:stCondLst>
+                                    <p:cond delay="0"/>
+                                  </p:stCondLst>
+                                  <p:childTnLst>
+                                    <p:set>
+                                      <p:cBhvr>
+                                        <p:cTn id="6" dur="1" fill="hold">
+                                          <p:stCondLst>
+                                            <p:cond delay="0"/>
+                                          </p:stCondLst>
+                                        </p:cTn>
+                                        <p:tgtEl>
+                                          <p:spTgt spid="8"/>
+                                        </p:tgtEl>
+                                        <p:attrNameLst>
+                                          <p:attrName>style.visibility</p:attrName>
+                                        </p:attrNameLst>
+                                      </p:cBhvr>
+                                      <p:to>
+                                        <p:strVal val="visible"/>
+                                      </p:to>
+                                    </p:set>
+                                  </p:childTnLst>
+                                </p:cTn>
+                              </p:par>
+                            </p:childTnLst>
+                          </p:cTn>
+                        </p:par>
+                      </p:childTnLst>
+                    </p:cTn>
+                  </p:par>
+                  <p:par>
+                    <p:cTn id="7" fill="hold">
+                      <p:stCondLst>
+                        <p:cond delay="indefinite"/>
+                      </p:stCondLst>
+                      <p:childTnLst>
+                        <p:par>
+                          <p:cTn id="8" fill="hold">
+                            <p:stCondLst>
+                              <p:cond delay="0"/>
+                            </p:stCondLst>
+                            <p:childTnLst>
+                              <p:par>
+                                <p:cTn id="9" presetID="1" presetClass="entr" presetSubtype="0" fill="hold" grpId="0" nodeType="clickEffect">
+                                  <p:stCondLst>
+                                    <p:cond delay="0"/>
+                                  </p:stCondLst>
+                                  <p:childTnLst>
+                                    <p:set>
+                                      <p:cBhvr>
+                                        <p:cTn id="10" dur="1" fill="hold">
+                                          <p:stCondLst>
+                                            <p:cond delay="0"/>
+                                          </p:stCondLst>
+                                        </p:cTn>
+                                        <p:tgtEl>
+                                          <p:spTgt spid="6"/>
+                                        </p:tgtEl>
+                                        <p:attrNameLst>
+                                          <p:attrName>style.visibility</p:attrName>
+                                        </p:attrNameLst>
+                                      </p:cBhvr>
+                                      <p:to>
+                                        <p:strVal val="visible"/>
+                                      </p:to>
+                                    </p:set>
+                                  </p:childTnLst>
+                                </p:cTn>
+                              </p:par>
+                            </p:childTnLst>
+                          </p:cTn>
+                        </p:par>
+                      </p:childTnLst>
+                    </p:cTn>
+                  </p:par>
+                  <p:par>
+                    <p:cTn id="11" fill="hold">
+                      <p:stCondLst>
+                        <p:cond delay="indefinite"/>
+                      </p:stCondLst>
+                      <p:childTnLst>
+                        <p:par>
+                          <p:cTn id="12" fill="hold">
+                            <p:stCondLst>
+                              <p:cond delay="0"/>
+                            </p:stCondLst>
+                            <p:childTnLst>
+                              <p:par>
+                                <p:cTn id="13" presetID="1" presetClass="entr" presetSubtype="0" fill="hold" grpId="0" nodeType="clickEffect">
+                                  <p:stCondLst>
+                                    <p:cond delay="0"/>
+                                  </p:stCondLst>
+                                  <p:childTnLst>
+                                    <p:set>
+                                      <p:cBhvr>
+                                        <p:cTn id="14" dur="1" fill="hold">
+                                          <p:stCondLst>
+                                            <p:cond delay="0"/>
+                                          </p:stCondLst>
+                                        </p:cTn>
+                                        <p:tgtEl>
+                                          <p:spTgt spid="10"/>
+                                        </p:tgtEl>
+                                        <p:attrNameLst>
+                                          <p:attrName>style.visibility</p:attrName>
+                                        </p:attrNameLst>
+                                      </p:cBhvr>
+                                      <p:to>
+                                        <p:strVal val="visible"/>
+                                      </p:to>
+                                    </p:set>
+                                  </p:childTnLst>
+                                </p:cTn>
+                              </p:par>
+                            </p:childTnLst>
+                          </p:cTn>
+                        </p:par>
+                      </p:childTnLst>
+                    </p:cTn>
+                  </p:par>
+                  <p:par>
+                    <p:cTn id="15" fill="hold">
+                      <p:stCondLst>
+                        <p:cond delay="indefinite"/>
+                      </p:stCondLst>
+                      <p:childTnLst>
+                        <p:par>
+                          <p:cTn id="16" fill="hold">
+                            <p:stCondLst>
+                              <p:cond delay="0"/>
+                            </p:stCondLst>
+                            <p:childTnLst>
+                              <p:par>
+                                <p:cTn id="17" presetID="1" presetClass="entr" presetSubtype="0" fill="hold" grpId="0" nodeType="clickEffect">
+                                  <p:stCondLst>
+                                    <p:cond delay="0"/>
+                                  </p:stCondLst>
+                                  <p:childTnLst>
+                                    <p:set>
+                                      <p:cBhvr>
+                                        <p:cTn id="18" dur="1" fill="hold">
+                                          <p:stCondLst>
+                                            <p:cond delay="0"/>
+                                          </p:stCondLst>
+                                        </p:cTn>
+                                        <p:tgtEl>
+                                          <p:spTgt spid="9"/>
+                                        </p:tgtEl>
+                                        <p:attrNameLst>
+                                          <p:attrName>style.visibility</p:attrName>
+                                        </p:attrNameLst>
+                                      </p:cBhvr>
+                                      <p:to>
+                                        <p:strVal val="visible"/>
+                                      </p:to>
+                                    </p:set>
+                                  </p:childTnLst>
+                                </p:cTn>
+                              </p:par>
+                            </p:childTnLst>
+                          </p:cTn>
+                        </p:par>
+                      </p:childTnLst>
+                    </p:cTn>
+                  </p:par>
+                </p:childTnLst>
+              </p:cTn>
+              <p:prevCondLst>
+                <p:cond evt="onPrev" delay="0">
+                  <p:tgtEl>
+                    <p:sldTgt/>
+                  </p:tgtEl>
+                </p:cond>
+              </p:prevCondLst>
+              <p:nextCondLst>
+                <p:cond evt="onNext" delay="0">
+                  <p:tgtEl>
+                    <p:sldTgt/>
+                  </p:tgtEl>
+                </p:cond>
+              </p:nextCondLst>
+            </p:seq>
+          </p:childTnLst>
+        </p:cTn>
+      </p:par>
+    </p:tnLst>
+    <p:bldLst>
+      <p:bldP spid="8" grpId="0"/>
+      <p:bldP spid="6" grpId="0"/>
+      <p:bldP spid="9" grpId="0"/>
+      <p:bldP spid="10" grpId="0"/>
+    </p:bldLst>
+  </p:timing>
 </p:sld>
 </file>
 
@@ -14726,7 +19094,7 @@
                 <a:ea typeface="黑体"/>
                 <a:cs typeface="黑体"/>
               </a:rPr>
-              <a:t>1.5 Proof</a:t>
+              <a:t>1.5 Measure of Countable Set</a:t>
             </a:r>
             <a:endParaRPr lang="ja-JP" altLang="en-US" sz="4000" baseline="30000" dirty="0">
               <a:solidFill>
@@ -14813,7 +19181,7 @@
         <p:spPr>
           <a:xfrm>
             <a:off x="498238" y="2976866"/>
-            <a:ext cx="8310202" cy="1323439"/>
+            <a:ext cx="8310202" cy="1015663"/>
           </a:xfrm>
           <a:prstGeom prst="rect">
             <a:avLst/>
@@ -14918,7 +19286,7 @@
             </a:r>
             <a:r>
               <a:rPr lang="en-US" dirty="0"/>
-              <a:t>is a arbitrary real number</a:t>
+              <a:t>is an arbitrary real number</a:t>
             </a:r>
             <a:r>
               <a:rPr lang="en-US" dirty="0">
@@ -15069,13 +19437,7 @@
             </a:r>
             <a:r>
               <a:rPr lang="en-US" dirty="0"/>
-              <a:t>). </a:t>
-            </a:r>
-          </a:p>
-          <a:p>
-            <a:r>
-              <a:rPr lang="en-US" dirty="0"/>
-              <a:t>Call the result set S.</a:t>
+              <a:t>).  Call the result set S.</a:t>
             </a:r>
           </a:p>
         </p:txBody>
@@ -15940,8 +20302,8 @@
         </p:nvSpPr>
         <p:spPr>
           <a:xfrm>
-            <a:off x="706513" y="2011384"/>
-            <a:ext cx="1403395" cy="338554"/>
+            <a:off x="999064" y="1975353"/>
+            <a:ext cx="1038811" cy="338554"/>
           </a:xfrm>
           <a:prstGeom prst="rect">
             <a:avLst/>
@@ -16039,8 +20401,8 @@
           </a:p>
         </p:txBody>
       </p:sp>
-      <mc:AlternateContent xmlns:mc="http://schemas.openxmlformats.org/markup-compatibility/2006" xmlns:a14="http://schemas.microsoft.com/office/drawing/2010/main">
-        <mc:Choice Requires="a14">
+      <mc:AlternateContent xmlns:mc="http://schemas.openxmlformats.org/markup-compatibility/2006">
+        <mc:Choice xmlns:a14="http://schemas.microsoft.com/office/drawing/2010/main" Requires="a14">
           <p:sp>
             <p:nvSpPr>
               <p:cNvPr id="47" name="文本框 46">
@@ -16056,7 +20418,7 @@
             <p:spPr>
               <a:xfrm>
                 <a:off x="552743" y="4317535"/>
-                <a:ext cx="4728667" cy="432106"/>
+                <a:ext cx="5053243" cy="432106"/>
               </a:xfrm>
               <a:prstGeom prst="rect">
                 <a:avLst/>
@@ -16325,7 +20687,7 @@
                 </a14:m>
                 <a:r>
                   <a:rPr lang="en-US" sz="1800" dirty="0"/>
-                  <a:t>=</a:t>
+                  <a:t> =</a:t>
                 </a:r>
                 <a:r>
                   <a:rPr lang="en-US" sz="1800" dirty="0">
@@ -16437,7 +20799,7 @@
                 </a14:m>
                 <a:r>
                   <a:rPr lang="en-US" sz="1800" dirty="0"/>
-                  <a:t>=</a:t>
+                  <a:t> =</a:t>
                 </a:r>
                 <a:r>
                   <a:rPr lang="en-US" sz="1800" dirty="0">
@@ -16510,7 +20872,7 @@
             </p:txBody>
           </p:sp>
         </mc:Choice>
-        <mc:Fallback xmlns="">
+        <mc:Fallback>
           <p:sp>
             <p:nvSpPr>
               <p:cNvPr id="47" name="文本框 46">
@@ -16528,7 +20890,7 @@
             <p:spPr>
               <a:xfrm>
                 <a:off x="552743" y="4317535"/>
-                <a:ext cx="4728667" cy="432106"/>
+                <a:ext cx="5053243" cy="432106"/>
               </a:xfrm>
               <a:prstGeom prst="rect">
                 <a:avLst/>
@@ -16536,7 +20898,7 @@
               <a:blipFill>
                 <a:blip r:embed="rId2"/>
                 <a:stretch>
-                  <a:fillRect l="-129" b="-21127"/>
+                  <a:fillRect l="-1504" t="-80000" b="-142857"/>
                 </a:stretch>
               </a:blipFill>
             </p:spPr>
@@ -16545,7 +20907,7 @@
               <a:lstStyle/>
               <a:p>
                 <a:r>
-                  <a:rPr lang="en-US">
+                  <a:rPr lang="en-CN">
                     <a:noFill/>
                   </a:rPr>
                   <a:t> </a:t>
@@ -17029,6 +21391,1169 @@
   <p:clrMapOvr>
     <a:masterClrMapping/>
   </p:clrMapOvr>
+  <p:timing>
+    <p:tnLst>
+      <p:par>
+        <p:cTn id="1" dur="indefinite" restart="never" nodeType="tmRoot">
+          <p:childTnLst>
+            <p:seq concurrent="1" nextAc="seek">
+              <p:cTn id="2" dur="indefinite" nodeType="mainSeq">
+                <p:childTnLst>
+                  <p:par>
+                    <p:cTn id="3" fill="hold">
+                      <p:stCondLst>
+                        <p:cond delay="indefinite"/>
+                      </p:stCondLst>
+                      <p:childTnLst>
+                        <p:par>
+                          <p:cTn id="4" fill="hold">
+                            <p:stCondLst>
+                              <p:cond delay="0"/>
+                            </p:stCondLst>
+                            <p:childTnLst>
+                              <p:par>
+                                <p:cTn id="5" presetID="1" presetClass="entr" presetSubtype="0" fill="hold" grpId="0" nodeType="clickEffect">
+                                  <p:stCondLst>
+                                    <p:cond delay="0"/>
+                                  </p:stCondLst>
+                                  <p:childTnLst>
+                                    <p:set>
+                                      <p:cBhvr>
+                                        <p:cTn id="6" dur="1" fill="hold">
+                                          <p:stCondLst>
+                                            <p:cond delay="0"/>
+                                          </p:stCondLst>
+                                        </p:cTn>
+                                        <p:tgtEl>
+                                          <p:spTgt spid="2"/>
+                                        </p:tgtEl>
+                                        <p:attrNameLst>
+                                          <p:attrName>style.visibility</p:attrName>
+                                        </p:attrNameLst>
+                                      </p:cBhvr>
+                                      <p:to>
+                                        <p:strVal val="visible"/>
+                                      </p:to>
+                                    </p:set>
+                                  </p:childTnLst>
+                                </p:cTn>
+                              </p:par>
+                            </p:childTnLst>
+                          </p:cTn>
+                        </p:par>
+                      </p:childTnLst>
+                    </p:cTn>
+                  </p:par>
+                  <p:par>
+                    <p:cTn id="7" fill="hold">
+                      <p:stCondLst>
+                        <p:cond delay="indefinite"/>
+                      </p:stCondLst>
+                      <p:childTnLst>
+                        <p:par>
+                          <p:cTn id="8" fill="hold">
+                            <p:stCondLst>
+                              <p:cond delay="0"/>
+                            </p:stCondLst>
+                            <p:childTnLst>
+                              <p:par>
+                                <p:cTn id="9" presetID="1" presetClass="entr" presetSubtype="0" fill="hold" nodeType="clickEffect">
+                                  <p:stCondLst>
+                                    <p:cond delay="0"/>
+                                  </p:stCondLst>
+                                  <p:childTnLst>
+                                    <p:set>
+                                      <p:cBhvr>
+                                        <p:cTn id="10" dur="1" fill="hold">
+                                          <p:stCondLst>
+                                            <p:cond delay="0"/>
+                                          </p:stCondLst>
+                                        </p:cTn>
+                                        <p:tgtEl>
+                                          <p:spTgt spid="12"/>
+                                        </p:tgtEl>
+                                        <p:attrNameLst>
+                                          <p:attrName>style.visibility</p:attrName>
+                                        </p:attrNameLst>
+                                      </p:cBhvr>
+                                      <p:to>
+                                        <p:strVal val="visible"/>
+                                      </p:to>
+                                    </p:set>
+                                  </p:childTnLst>
+                                </p:cTn>
+                              </p:par>
+                              <p:par>
+                                <p:cTn id="11" presetID="1" presetClass="entr" presetSubtype="0" fill="hold" grpId="0" nodeType="withEffect">
+                                  <p:stCondLst>
+                                    <p:cond delay="0"/>
+                                  </p:stCondLst>
+                                  <p:childTnLst>
+                                    <p:set>
+                                      <p:cBhvr>
+                                        <p:cTn id="12" dur="1" fill="hold">
+                                          <p:stCondLst>
+                                            <p:cond delay="0"/>
+                                          </p:stCondLst>
+                                        </p:cTn>
+                                        <p:tgtEl>
+                                          <p:spTgt spid="46"/>
+                                        </p:tgtEl>
+                                        <p:attrNameLst>
+                                          <p:attrName>style.visibility</p:attrName>
+                                        </p:attrNameLst>
+                                      </p:cBhvr>
+                                      <p:to>
+                                        <p:strVal val="visible"/>
+                                      </p:to>
+                                    </p:set>
+                                  </p:childTnLst>
+                                </p:cTn>
+                              </p:par>
+                            </p:childTnLst>
+                          </p:cTn>
+                        </p:par>
+                      </p:childTnLst>
+                    </p:cTn>
+                  </p:par>
+                  <p:par>
+                    <p:cTn id="13" fill="hold">
+                      <p:stCondLst>
+                        <p:cond delay="indefinite"/>
+                      </p:stCondLst>
+                      <p:childTnLst>
+                        <p:par>
+                          <p:cTn id="14" fill="hold">
+                            <p:stCondLst>
+                              <p:cond delay="0"/>
+                            </p:stCondLst>
+                            <p:childTnLst>
+                              <p:par>
+                                <p:cTn id="15" presetID="3" presetClass="entr" presetSubtype="10" fill="hold" grpId="0" nodeType="clickEffect">
+                                  <p:stCondLst>
+                                    <p:cond delay="0"/>
+                                  </p:stCondLst>
+                                  <p:childTnLst>
+                                    <p:set>
+                                      <p:cBhvr>
+                                        <p:cTn id="16" dur="1" fill="hold">
+                                          <p:stCondLst>
+                                            <p:cond delay="0"/>
+                                          </p:stCondLst>
+                                        </p:cTn>
+                                        <p:tgtEl>
+                                          <p:spTgt spid="14"/>
+                                        </p:tgtEl>
+                                        <p:attrNameLst>
+                                          <p:attrName>style.visibility</p:attrName>
+                                        </p:attrNameLst>
+                                      </p:cBhvr>
+                                      <p:to>
+                                        <p:strVal val="visible"/>
+                                      </p:to>
+                                    </p:set>
+                                    <p:animEffect transition="in" filter="blinds(horizontal)">
+                                      <p:cBhvr>
+                                        <p:cTn id="17" dur="500"/>
+                                        <p:tgtEl>
+                                          <p:spTgt spid="14"/>
+                                        </p:tgtEl>
+                                      </p:cBhvr>
+                                    </p:animEffect>
+                                  </p:childTnLst>
+                                </p:cTn>
+                              </p:par>
+                              <p:par>
+                                <p:cTn id="18" presetID="3" presetClass="entr" presetSubtype="10" fill="hold" grpId="0" nodeType="withEffect">
+                                  <p:stCondLst>
+                                    <p:cond delay="0"/>
+                                  </p:stCondLst>
+                                  <p:childTnLst>
+                                    <p:set>
+                                      <p:cBhvr>
+                                        <p:cTn id="19" dur="1" fill="hold">
+                                          <p:stCondLst>
+                                            <p:cond delay="0"/>
+                                          </p:stCondLst>
+                                        </p:cTn>
+                                        <p:tgtEl>
+                                          <p:spTgt spid="22"/>
+                                        </p:tgtEl>
+                                        <p:attrNameLst>
+                                          <p:attrName>style.visibility</p:attrName>
+                                        </p:attrNameLst>
+                                      </p:cBhvr>
+                                      <p:to>
+                                        <p:strVal val="visible"/>
+                                      </p:to>
+                                    </p:set>
+                                    <p:animEffect transition="in" filter="blinds(horizontal)">
+                                      <p:cBhvr>
+                                        <p:cTn id="20" dur="500"/>
+                                        <p:tgtEl>
+                                          <p:spTgt spid="22"/>
+                                        </p:tgtEl>
+                                      </p:cBhvr>
+                                    </p:animEffect>
+                                  </p:childTnLst>
+                                </p:cTn>
+                              </p:par>
+                              <p:par>
+                                <p:cTn id="21" presetID="3" presetClass="entr" presetSubtype="10" fill="hold" grpId="0" nodeType="withEffect">
+                                  <p:stCondLst>
+                                    <p:cond delay="0"/>
+                                  </p:stCondLst>
+                                  <p:childTnLst>
+                                    <p:set>
+                                      <p:cBhvr>
+                                        <p:cTn id="22" dur="1" fill="hold">
+                                          <p:stCondLst>
+                                            <p:cond delay="0"/>
+                                          </p:stCondLst>
+                                        </p:cTn>
+                                        <p:tgtEl>
+                                          <p:spTgt spid="16"/>
+                                        </p:tgtEl>
+                                        <p:attrNameLst>
+                                          <p:attrName>style.visibility</p:attrName>
+                                        </p:attrNameLst>
+                                      </p:cBhvr>
+                                      <p:to>
+                                        <p:strVal val="visible"/>
+                                      </p:to>
+                                    </p:set>
+                                    <p:animEffect transition="in" filter="blinds(horizontal)">
+                                      <p:cBhvr>
+                                        <p:cTn id="23" dur="500"/>
+                                        <p:tgtEl>
+                                          <p:spTgt spid="16"/>
+                                        </p:tgtEl>
+                                      </p:cBhvr>
+                                    </p:animEffect>
+                                  </p:childTnLst>
+                                </p:cTn>
+                              </p:par>
+                              <p:par>
+                                <p:cTn id="24" presetID="3" presetClass="entr" presetSubtype="10" fill="hold" grpId="0" nodeType="withEffect">
+                                  <p:stCondLst>
+                                    <p:cond delay="0"/>
+                                  </p:stCondLst>
+                                  <p:childTnLst>
+                                    <p:set>
+                                      <p:cBhvr>
+                                        <p:cTn id="25" dur="1" fill="hold">
+                                          <p:stCondLst>
+                                            <p:cond delay="0"/>
+                                          </p:stCondLst>
+                                        </p:cTn>
+                                        <p:tgtEl>
+                                          <p:spTgt spid="26"/>
+                                        </p:tgtEl>
+                                        <p:attrNameLst>
+                                          <p:attrName>style.visibility</p:attrName>
+                                        </p:attrNameLst>
+                                      </p:cBhvr>
+                                      <p:to>
+                                        <p:strVal val="visible"/>
+                                      </p:to>
+                                    </p:set>
+                                    <p:animEffect transition="in" filter="blinds(horizontal)">
+                                      <p:cBhvr>
+                                        <p:cTn id="26" dur="500"/>
+                                        <p:tgtEl>
+                                          <p:spTgt spid="26"/>
+                                        </p:tgtEl>
+                                      </p:cBhvr>
+                                    </p:animEffect>
+                                  </p:childTnLst>
+                                </p:cTn>
+                              </p:par>
+                              <p:par>
+                                <p:cTn id="27" presetID="3" presetClass="entr" presetSubtype="10" fill="hold" grpId="0" nodeType="withEffect">
+                                  <p:stCondLst>
+                                    <p:cond delay="0"/>
+                                  </p:stCondLst>
+                                  <p:childTnLst>
+                                    <p:set>
+                                      <p:cBhvr>
+                                        <p:cTn id="28" dur="1" fill="hold">
+                                          <p:stCondLst>
+                                            <p:cond delay="0"/>
+                                          </p:stCondLst>
+                                        </p:cTn>
+                                        <p:tgtEl>
+                                          <p:spTgt spid="18"/>
+                                        </p:tgtEl>
+                                        <p:attrNameLst>
+                                          <p:attrName>style.visibility</p:attrName>
+                                        </p:attrNameLst>
+                                      </p:cBhvr>
+                                      <p:to>
+                                        <p:strVal val="visible"/>
+                                      </p:to>
+                                    </p:set>
+                                    <p:animEffect transition="in" filter="blinds(horizontal)">
+                                      <p:cBhvr>
+                                        <p:cTn id="29" dur="500"/>
+                                        <p:tgtEl>
+                                          <p:spTgt spid="18"/>
+                                        </p:tgtEl>
+                                      </p:cBhvr>
+                                    </p:animEffect>
+                                  </p:childTnLst>
+                                </p:cTn>
+                              </p:par>
+                              <p:par>
+                                <p:cTn id="30" presetID="3" presetClass="entr" presetSubtype="10" fill="hold" grpId="0" nodeType="withEffect">
+                                  <p:stCondLst>
+                                    <p:cond delay="0"/>
+                                  </p:stCondLst>
+                                  <p:childTnLst>
+                                    <p:set>
+                                      <p:cBhvr>
+                                        <p:cTn id="31" dur="1" fill="hold">
+                                          <p:stCondLst>
+                                            <p:cond delay="0"/>
+                                          </p:stCondLst>
+                                        </p:cTn>
+                                        <p:tgtEl>
+                                          <p:spTgt spid="27"/>
+                                        </p:tgtEl>
+                                        <p:attrNameLst>
+                                          <p:attrName>style.visibility</p:attrName>
+                                        </p:attrNameLst>
+                                      </p:cBhvr>
+                                      <p:to>
+                                        <p:strVal val="visible"/>
+                                      </p:to>
+                                    </p:set>
+                                    <p:animEffect transition="in" filter="blinds(horizontal)">
+                                      <p:cBhvr>
+                                        <p:cTn id="32" dur="500"/>
+                                        <p:tgtEl>
+                                          <p:spTgt spid="27"/>
+                                        </p:tgtEl>
+                                      </p:cBhvr>
+                                    </p:animEffect>
+                                  </p:childTnLst>
+                                </p:cTn>
+                              </p:par>
+                              <p:par>
+                                <p:cTn id="33" presetID="3" presetClass="entr" presetSubtype="10" fill="hold" grpId="0" nodeType="withEffect">
+                                  <p:stCondLst>
+                                    <p:cond delay="0"/>
+                                  </p:stCondLst>
+                                  <p:childTnLst>
+                                    <p:set>
+                                      <p:cBhvr>
+                                        <p:cTn id="34" dur="1" fill="hold">
+                                          <p:stCondLst>
+                                            <p:cond delay="0"/>
+                                          </p:stCondLst>
+                                        </p:cTn>
+                                        <p:tgtEl>
+                                          <p:spTgt spid="20"/>
+                                        </p:tgtEl>
+                                        <p:attrNameLst>
+                                          <p:attrName>style.visibility</p:attrName>
+                                        </p:attrNameLst>
+                                      </p:cBhvr>
+                                      <p:to>
+                                        <p:strVal val="visible"/>
+                                      </p:to>
+                                    </p:set>
+                                    <p:animEffect transition="in" filter="blinds(horizontal)">
+                                      <p:cBhvr>
+                                        <p:cTn id="35" dur="500"/>
+                                        <p:tgtEl>
+                                          <p:spTgt spid="20"/>
+                                        </p:tgtEl>
+                                      </p:cBhvr>
+                                    </p:animEffect>
+                                  </p:childTnLst>
+                                </p:cTn>
+                              </p:par>
+                              <p:par>
+                                <p:cTn id="36" presetID="3" presetClass="entr" presetSubtype="10" fill="hold" grpId="0" nodeType="withEffect">
+                                  <p:stCondLst>
+                                    <p:cond delay="0"/>
+                                  </p:stCondLst>
+                                  <p:childTnLst>
+                                    <p:set>
+                                      <p:cBhvr>
+                                        <p:cTn id="37" dur="1" fill="hold">
+                                          <p:stCondLst>
+                                            <p:cond delay="0"/>
+                                          </p:stCondLst>
+                                        </p:cTn>
+                                        <p:tgtEl>
+                                          <p:spTgt spid="28"/>
+                                        </p:tgtEl>
+                                        <p:attrNameLst>
+                                          <p:attrName>style.visibility</p:attrName>
+                                        </p:attrNameLst>
+                                      </p:cBhvr>
+                                      <p:to>
+                                        <p:strVal val="visible"/>
+                                      </p:to>
+                                    </p:set>
+                                    <p:animEffect transition="in" filter="blinds(horizontal)">
+                                      <p:cBhvr>
+                                        <p:cTn id="38" dur="500"/>
+                                        <p:tgtEl>
+                                          <p:spTgt spid="28"/>
+                                        </p:tgtEl>
+                                      </p:cBhvr>
+                                    </p:animEffect>
+                                  </p:childTnLst>
+                                </p:cTn>
+                              </p:par>
+                              <p:par>
+                                <p:cTn id="39" presetID="3" presetClass="entr" presetSubtype="10" fill="hold" grpId="0" nodeType="withEffect">
+                                  <p:stCondLst>
+                                    <p:cond delay="0"/>
+                                  </p:stCondLst>
+                                  <p:childTnLst>
+                                    <p:set>
+                                      <p:cBhvr>
+                                        <p:cTn id="40" dur="1" fill="hold">
+                                          <p:stCondLst>
+                                            <p:cond delay="0"/>
+                                          </p:stCondLst>
+                                        </p:cTn>
+                                        <p:tgtEl>
+                                          <p:spTgt spid="25"/>
+                                        </p:tgtEl>
+                                        <p:attrNameLst>
+                                          <p:attrName>style.visibility</p:attrName>
+                                        </p:attrNameLst>
+                                      </p:cBhvr>
+                                      <p:to>
+                                        <p:strVal val="visible"/>
+                                      </p:to>
+                                    </p:set>
+                                    <p:animEffect transition="in" filter="blinds(horizontal)">
+                                      <p:cBhvr>
+                                        <p:cTn id="41" dur="500"/>
+                                        <p:tgtEl>
+                                          <p:spTgt spid="25"/>
+                                        </p:tgtEl>
+                                      </p:cBhvr>
+                                    </p:animEffect>
+                                  </p:childTnLst>
+                                </p:cTn>
+                              </p:par>
+                              <p:par>
+                                <p:cTn id="42" presetID="3" presetClass="entr" presetSubtype="10" fill="hold" grpId="0" nodeType="withEffect">
+                                  <p:stCondLst>
+                                    <p:cond delay="0"/>
+                                  </p:stCondLst>
+                                  <p:childTnLst>
+                                    <p:set>
+                                      <p:cBhvr>
+                                        <p:cTn id="43" dur="1" fill="hold">
+                                          <p:stCondLst>
+                                            <p:cond delay="0"/>
+                                          </p:stCondLst>
+                                        </p:cTn>
+                                        <p:tgtEl>
+                                          <p:spTgt spid="29"/>
+                                        </p:tgtEl>
+                                        <p:attrNameLst>
+                                          <p:attrName>style.visibility</p:attrName>
+                                        </p:attrNameLst>
+                                      </p:cBhvr>
+                                      <p:to>
+                                        <p:strVal val="visible"/>
+                                      </p:to>
+                                    </p:set>
+                                    <p:animEffect transition="in" filter="blinds(horizontal)">
+                                      <p:cBhvr>
+                                        <p:cTn id="44" dur="500"/>
+                                        <p:tgtEl>
+                                          <p:spTgt spid="29"/>
+                                        </p:tgtEl>
+                                      </p:cBhvr>
+                                    </p:animEffect>
+                                  </p:childTnLst>
+                                </p:cTn>
+                              </p:par>
+                            </p:childTnLst>
+                          </p:cTn>
+                        </p:par>
+                      </p:childTnLst>
+                    </p:cTn>
+                  </p:par>
+                  <p:par>
+                    <p:cTn id="45" fill="hold">
+                      <p:stCondLst>
+                        <p:cond delay="indefinite"/>
+                      </p:stCondLst>
+                      <p:childTnLst>
+                        <p:par>
+                          <p:cTn id="46" fill="hold">
+                            <p:stCondLst>
+                              <p:cond delay="0"/>
+                            </p:stCondLst>
+                            <p:childTnLst>
+                              <p:par>
+                                <p:cTn id="47" presetID="1" presetClass="entr" presetSubtype="0" fill="hold" grpId="0" nodeType="clickEffect">
+                                  <p:stCondLst>
+                                    <p:cond delay="0"/>
+                                  </p:stCondLst>
+                                  <p:childTnLst>
+                                    <p:set>
+                                      <p:cBhvr>
+                                        <p:cTn id="48" dur="1" fill="hold">
+                                          <p:stCondLst>
+                                            <p:cond delay="0"/>
+                                          </p:stCondLst>
+                                        </p:cTn>
+                                        <p:tgtEl>
+                                          <p:spTgt spid="10"/>
+                                        </p:tgtEl>
+                                        <p:attrNameLst>
+                                          <p:attrName>style.visibility</p:attrName>
+                                        </p:attrNameLst>
+                                      </p:cBhvr>
+                                      <p:to>
+                                        <p:strVal val="visible"/>
+                                      </p:to>
+                                    </p:set>
+                                  </p:childTnLst>
+                                </p:cTn>
+                              </p:par>
+                            </p:childTnLst>
+                          </p:cTn>
+                        </p:par>
+                      </p:childTnLst>
+                    </p:cTn>
+                  </p:par>
+                  <p:par>
+                    <p:cTn id="49" fill="hold">
+                      <p:stCondLst>
+                        <p:cond delay="indefinite"/>
+                      </p:stCondLst>
+                      <p:childTnLst>
+                        <p:par>
+                          <p:cTn id="50" fill="hold">
+                            <p:stCondLst>
+                              <p:cond delay="0"/>
+                            </p:stCondLst>
+                            <p:childTnLst>
+                              <p:par>
+                                <p:cTn id="51" presetID="3" presetClass="entr" presetSubtype="10" fill="hold" grpId="0" nodeType="clickEffect">
+                                  <p:stCondLst>
+                                    <p:cond delay="0"/>
+                                  </p:stCondLst>
+                                  <p:childTnLst>
+                                    <p:set>
+                                      <p:cBhvr>
+                                        <p:cTn id="52" dur="1" fill="hold">
+                                          <p:stCondLst>
+                                            <p:cond delay="0"/>
+                                          </p:stCondLst>
+                                        </p:cTn>
+                                        <p:tgtEl>
+                                          <p:spTgt spid="32"/>
+                                        </p:tgtEl>
+                                        <p:attrNameLst>
+                                          <p:attrName>style.visibility</p:attrName>
+                                        </p:attrNameLst>
+                                      </p:cBhvr>
+                                      <p:to>
+                                        <p:strVal val="visible"/>
+                                      </p:to>
+                                    </p:set>
+                                    <p:animEffect transition="in" filter="blinds(horizontal)">
+                                      <p:cBhvr>
+                                        <p:cTn id="53" dur="500"/>
+                                        <p:tgtEl>
+                                          <p:spTgt spid="32"/>
+                                        </p:tgtEl>
+                                      </p:cBhvr>
+                                    </p:animEffect>
+                                  </p:childTnLst>
+                                </p:cTn>
+                              </p:par>
+                              <p:par>
+                                <p:cTn id="54" presetID="3" presetClass="entr" presetSubtype="10" fill="hold" grpId="0" nodeType="withEffect">
+                                  <p:stCondLst>
+                                    <p:cond delay="0"/>
+                                  </p:stCondLst>
+                                  <p:childTnLst>
+                                    <p:set>
+                                      <p:cBhvr>
+                                        <p:cTn id="55" dur="1" fill="hold">
+                                          <p:stCondLst>
+                                            <p:cond delay="0"/>
+                                          </p:stCondLst>
+                                        </p:cTn>
+                                        <p:tgtEl>
+                                          <p:spTgt spid="33"/>
+                                        </p:tgtEl>
+                                        <p:attrNameLst>
+                                          <p:attrName>style.visibility</p:attrName>
+                                        </p:attrNameLst>
+                                      </p:cBhvr>
+                                      <p:to>
+                                        <p:strVal val="visible"/>
+                                      </p:to>
+                                    </p:set>
+                                    <p:animEffect transition="in" filter="blinds(horizontal)">
+                                      <p:cBhvr>
+                                        <p:cTn id="56" dur="500"/>
+                                        <p:tgtEl>
+                                          <p:spTgt spid="33"/>
+                                        </p:tgtEl>
+                                      </p:cBhvr>
+                                    </p:animEffect>
+                                  </p:childTnLst>
+                                </p:cTn>
+                              </p:par>
+                              <p:par>
+                                <p:cTn id="57" presetID="3" presetClass="entr" presetSubtype="10" fill="hold" grpId="0" nodeType="withEffect">
+                                  <p:stCondLst>
+                                    <p:cond delay="0"/>
+                                  </p:stCondLst>
+                                  <p:childTnLst>
+                                    <p:set>
+                                      <p:cBhvr>
+                                        <p:cTn id="58" dur="1" fill="hold">
+                                          <p:stCondLst>
+                                            <p:cond delay="0"/>
+                                          </p:stCondLst>
+                                        </p:cTn>
+                                        <p:tgtEl>
+                                          <p:spTgt spid="34"/>
+                                        </p:tgtEl>
+                                        <p:attrNameLst>
+                                          <p:attrName>style.visibility</p:attrName>
+                                        </p:attrNameLst>
+                                      </p:cBhvr>
+                                      <p:to>
+                                        <p:strVal val="visible"/>
+                                      </p:to>
+                                    </p:set>
+                                    <p:animEffect transition="in" filter="blinds(horizontal)">
+                                      <p:cBhvr>
+                                        <p:cTn id="59" dur="500"/>
+                                        <p:tgtEl>
+                                          <p:spTgt spid="34"/>
+                                        </p:tgtEl>
+                                      </p:cBhvr>
+                                    </p:animEffect>
+                                  </p:childTnLst>
+                                </p:cTn>
+                              </p:par>
+                              <p:par>
+                                <p:cTn id="60" presetID="3" presetClass="entr" presetSubtype="10" fill="hold" grpId="0" nodeType="withEffect">
+                                  <p:stCondLst>
+                                    <p:cond delay="0"/>
+                                  </p:stCondLst>
+                                  <p:childTnLst>
+                                    <p:set>
+                                      <p:cBhvr>
+                                        <p:cTn id="61" dur="1" fill="hold">
+                                          <p:stCondLst>
+                                            <p:cond delay="0"/>
+                                          </p:stCondLst>
+                                        </p:cTn>
+                                        <p:tgtEl>
+                                          <p:spTgt spid="35"/>
+                                        </p:tgtEl>
+                                        <p:attrNameLst>
+                                          <p:attrName>style.visibility</p:attrName>
+                                        </p:attrNameLst>
+                                      </p:cBhvr>
+                                      <p:to>
+                                        <p:strVal val="visible"/>
+                                      </p:to>
+                                    </p:set>
+                                    <p:animEffect transition="in" filter="blinds(horizontal)">
+                                      <p:cBhvr>
+                                        <p:cTn id="62" dur="500"/>
+                                        <p:tgtEl>
+                                          <p:spTgt spid="35"/>
+                                        </p:tgtEl>
+                                      </p:cBhvr>
+                                    </p:animEffect>
+                                  </p:childTnLst>
+                                </p:cTn>
+                              </p:par>
+                              <p:par>
+                                <p:cTn id="63" presetID="3" presetClass="entr" presetSubtype="10" fill="hold" grpId="0" nodeType="withEffect">
+                                  <p:stCondLst>
+                                    <p:cond delay="0"/>
+                                  </p:stCondLst>
+                                  <p:childTnLst>
+                                    <p:set>
+                                      <p:cBhvr>
+                                        <p:cTn id="64" dur="1" fill="hold">
+                                          <p:stCondLst>
+                                            <p:cond delay="0"/>
+                                          </p:stCondLst>
+                                        </p:cTn>
+                                        <p:tgtEl>
+                                          <p:spTgt spid="36"/>
+                                        </p:tgtEl>
+                                        <p:attrNameLst>
+                                          <p:attrName>style.visibility</p:attrName>
+                                        </p:attrNameLst>
+                                      </p:cBhvr>
+                                      <p:to>
+                                        <p:strVal val="visible"/>
+                                      </p:to>
+                                    </p:set>
+                                    <p:animEffect transition="in" filter="blinds(horizontal)">
+                                      <p:cBhvr>
+                                        <p:cTn id="65" dur="500"/>
+                                        <p:tgtEl>
+                                          <p:spTgt spid="36"/>
+                                        </p:tgtEl>
+                                      </p:cBhvr>
+                                    </p:animEffect>
+                                  </p:childTnLst>
+                                </p:cTn>
+                              </p:par>
+                              <p:par>
+                                <p:cTn id="66" presetID="3" presetClass="entr" presetSubtype="10" fill="hold" grpId="0" nodeType="withEffect">
+                                  <p:stCondLst>
+                                    <p:cond delay="0"/>
+                                  </p:stCondLst>
+                                  <p:childTnLst>
+                                    <p:set>
+                                      <p:cBhvr>
+                                        <p:cTn id="67" dur="1" fill="hold">
+                                          <p:stCondLst>
+                                            <p:cond delay="0"/>
+                                          </p:stCondLst>
+                                        </p:cTn>
+                                        <p:tgtEl>
+                                          <p:spTgt spid="37"/>
+                                        </p:tgtEl>
+                                        <p:attrNameLst>
+                                          <p:attrName>style.visibility</p:attrName>
+                                        </p:attrNameLst>
+                                      </p:cBhvr>
+                                      <p:to>
+                                        <p:strVal val="visible"/>
+                                      </p:to>
+                                    </p:set>
+                                    <p:animEffect transition="in" filter="blinds(horizontal)">
+                                      <p:cBhvr>
+                                        <p:cTn id="68" dur="500"/>
+                                        <p:tgtEl>
+                                          <p:spTgt spid="37"/>
+                                        </p:tgtEl>
+                                      </p:cBhvr>
+                                    </p:animEffect>
+                                  </p:childTnLst>
+                                </p:cTn>
+                              </p:par>
+                              <p:par>
+                                <p:cTn id="69" presetID="3" presetClass="entr" presetSubtype="10" fill="hold" grpId="0" nodeType="withEffect">
+                                  <p:stCondLst>
+                                    <p:cond delay="0"/>
+                                  </p:stCondLst>
+                                  <p:childTnLst>
+                                    <p:set>
+                                      <p:cBhvr>
+                                        <p:cTn id="70" dur="1" fill="hold">
+                                          <p:stCondLst>
+                                            <p:cond delay="0"/>
+                                          </p:stCondLst>
+                                        </p:cTn>
+                                        <p:tgtEl>
+                                          <p:spTgt spid="38"/>
+                                        </p:tgtEl>
+                                        <p:attrNameLst>
+                                          <p:attrName>style.visibility</p:attrName>
+                                        </p:attrNameLst>
+                                      </p:cBhvr>
+                                      <p:to>
+                                        <p:strVal val="visible"/>
+                                      </p:to>
+                                    </p:set>
+                                    <p:animEffect transition="in" filter="blinds(horizontal)">
+                                      <p:cBhvr>
+                                        <p:cTn id="71" dur="500"/>
+                                        <p:tgtEl>
+                                          <p:spTgt spid="38"/>
+                                        </p:tgtEl>
+                                      </p:cBhvr>
+                                    </p:animEffect>
+                                  </p:childTnLst>
+                                </p:cTn>
+                              </p:par>
+                              <p:par>
+                                <p:cTn id="72" presetID="3" presetClass="entr" presetSubtype="10" fill="hold" grpId="0" nodeType="withEffect">
+                                  <p:stCondLst>
+                                    <p:cond delay="0"/>
+                                  </p:stCondLst>
+                                  <p:childTnLst>
+                                    <p:set>
+                                      <p:cBhvr>
+                                        <p:cTn id="73" dur="1" fill="hold">
+                                          <p:stCondLst>
+                                            <p:cond delay="0"/>
+                                          </p:stCondLst>
+                                        </p:cTn>
+                                        <p:tgtEl>
+                                          <p:spTgt spid="39"/>
+                                        </p:tgtEl>
+                                        <p:attrNameLst>
+                                          <p:attrName>style.visibility</p:attrName>
+                                        </p:attrNameLst>
+                                      </p:cBhvr>
+                                      <p:to>
+                                        <p:strVal val="visible"/>
+                                      </p:to>
+                                    </p:set>
+                                    <p:animEffect transition="in" filter="blinds(horizontal)">
+                                      <p:cBhvr>
+                                        <p:cTn id="74" dur="500"/>
+                                        <p:tgtEl>
+                                          <p:spTgt spid="39"/>
+                                        </p:tgtEl>
+                                      </p:cBhvr>
+                                    </p:animEffect>
+                                  </p:childTnLst>
+                                </p:cTn>
+                              </p:par>
+                              <p:par>
+                                <p:cTn id="75" presetID="3" presetClass="entr" presetSubtype="10" fill="hold" grpId="0" nodeType="withEffect">
+                                  <p:stCondLst>
+                                    <p:cond delay="0"/>
+                                  </p:stCondLst>
+                                  <p:childTnLst>
+                                    <p:set>
+                                      <p:cBhvr>
+                                        <p:cTn id="76" dur="1" fill="hold">
+                                          <p:stCondLst>
+                                            <p:cond delay="0"/>
+                                          </p:stCondLst>
+                                        </p:cTn>
+                                        <p:tgtEl>
+                                          <p:spTgt spid="40"/>
+                                        </p:tgtEl>
+                                        <p:attrNameLst>
+                                          <p:attrName>style.visibility</p:attrName>
+                                        </p:attrNameLst>
+                                      </p:cBhvr>
+                                      <p:to>
+                                        <p:strVal val="visible"/>
+                                      </p:to>
+                                    </p:set>
+                                    <p:animEffect transition="in" filter="blinds(horizontal)">
+                                      <p:cBhvr>
+                                        <p:cTn id="77" dur="500"/>
+                                        <p:tgtEl>
+                                          <p:spTgt spid="40"/>
+                                        </p:tgtEl>
+                                      </p:cBhvr>
+                                    </p:animEffect>
+                                  </p:childTnLst>
+                                </p:cTn>
+                              </p:par>
+                              <p:par>
+                                <p:cTn id="78" presetID="3" presetClass="entr" presetSubtype="10" fill="hold" grpId="0" nodeType="withEffect">
+                                  <p:stCondLst>
+                                    <p:cond delay="0"/>
+                                  </p:stCondLst>
+                                  <p:childTnLst>
+                                    <p:set>
+                                      <p:cBhvr>
+                                        <p:cTn id="79" dur="1" fill="hold">
+                                          <p:stCondLst>
+                                            <p:cond delay="0"/>
+                                          </p:stCondLst>
+                                        </p:cTn>
+                                        <p:tgtEl>
+                                          <p:spTgt spid="41"/>
+                                        </p:tgtEl>
+                                        <p:attrNameLst>
+                                          <p:attrName>style.visibility</p:attrName>
+                                        </p:attrNameLst>
+                                      </p:cBhvr>
+                                      <p:to>
+                                        <p:strVal val="visible"/>
+                                      </p:to>
+                                    </p:set>
+                                    <p:animEffect transition="in" filter="blinds(horizontal)">
+                                      <p:cBhvr>
+                                        <p:cTn id="80" dur="500"/>
+                                        <p:tgtEl>
+                                          <p:spTgt spid="41"/>
+                                        </p:tgtEl>
+                                      </p:cBhvr>
+                                    </p:animEffect>
+                                  </p:childTnLst>
+                                </p:cTn>
+                              </p:par>
+                              <p:par>
+                                <p:cTn id="81" presetID="3" presetClass="entr" presetSubtype="10" fill="hold" grpId="0" nodeType="withEffect">
+                                  <p:stCondLst>
+                                    <p:cond delay="0"/>
+                                  </p:stCondLst>
+                                  <p:childTnLst>
+                                    <p:set>
+                                      <p:cBhvr>
+                                        <p:cTn id="82" dur="1" fill="hold">
+                                          <p:stCondLst>
+                                            <p:cond delay="0"/>
+                                          </p:stCondLst>
+                                        </p:cTn>
+                                        <p:tgtEl>
+                                          <p:spTgt spid="42"/>
+                                        </p:tgtEl>
+                                        <p:attrNameLst>
+                                          <p:attrName>style.visibility</p:attrName>
+                                        </p:attrNameLst>
+                                      </p:cBhvr>
+                                      <p:to>
+                                        <p:strVal val="visible"/>
+                                      </p:to>
+                                    </p:set>
+                                    <p:animEffect transition="in" filter="blinds(horizontal)">
+                                      <p:cBhvr>
+                                        <p:cTn id="83" dur="500"/>
+                                        <p:tgtEl>
+                                          <p:spTgt spid="42"/>
+                                        </p:tgtEl>
+                                      </p:cBhvr>
+                                    </p:animEffect>
+                                  </p:childTnLst>
+                                </p:cTn>
+                              </p:par>
+                              <p:par>
+                                <p:cTn id="84" presetID="3" presetClass="entr" presetSubtype="10" fill="hold" grpId="0" nodeType="withEffect">
+                                  <p:stCondLst>
+                                    <p:cond delay="0"/>
+                                  </p:stCondLst>
+                                  <p:childTnLst>
+                                    <p:set>
+                                      <p:cBhvr>
+                                        <p:cTn id="85" dur="1" fill="hold">
+                                          <p:stCondLst>
+                                            <p:cond delay="0"/>
+                                          </p:stCondLst>
+                                        </p:cTn>
+                                        <p:tgtEl>
+                                          <p:spTgt spid="52"/>
+                                        </p:tgtEl>
+                                        <p:attrNameLst>
+                                          <p:attrName>style.visibility</p:attrName>
+                                        </p:attrNameLst>
+                                      </p:cBhvr>
+                                      <p:to>
+                                        <p:strVal val="visible"/>
+                                      </p:to>
+                                    </p:set>
+                                    <p:animEffect transition="in" filter="blinds(horizontal)">
+                                      <p:cBhvr>
+                                        <p:cTn id="86" dur="500"/>
+                                        <p:tgtEl>
+                                          <p:spTgt spid="52"/>
+                                        </p:tgtEl>
+                                      </p:cBhvr>
+                                    </p:animEffect>
+                                  </p:childTnLst>
+                                </p:cTn>
+                              </p:par>
+                            </p:childTnLst>
+                          </p:cTn>
+                        </p:par>
+                      </p:childTnLst>
+                    </p:cTn>
+                  </p:par>
+                  <p:par>
+                    <p:cTn id="87" fill="hold">
+                      <p:stCondLst>
+                        <p:cond delay="indefinite"/>
+                      </p:stCondLst>
+                      <p:childTnLst>
+                        <p:par>
+                          <p:cTn id="88" fill="hold">
+                            <p:stCondLst>
+                              <p:cond delay="0"/>
+                            </p:stCondLst>
+                            <p:childTnLst>
+                              <p:par>
+                                <p:cTn id="89" presetID="1" presetClass="entr" presetSubtype="0" fill="hold" grpId="0" nodeType="clickEffect">
+                                  <p:stCondLst>
+                                    <p:cond delay="0"/>
+                                  </p:stCondLst>
+                                  <p:childTnLst>
+                                    <p:set>
+                                      <p:cBhvr>
+                                        <p:cTn id="90" dur="1" fill="hold">
+                                          <p:stCondLst>
+                                            <p:cond delay="0"/>
+                                          </p:stCondLst>
+                                        </p:cTn>
+                                        <p:tgtEl>
+                                          <p:spTgt spid="47"/>
+                                        </p:tgtEl>
+                                        <p:attrNameLst>
+                                          <p:attrName>style.visibility</p:attrName>
+                                        </p:attrNameLst>
+                                      </p:cBhvr>
+                                      <p:to>
+                                        <p:strVal val="visible"/>
+                                      </p:to>
+                                    </p:set>
+                                  </p:childTnLst>
+                                </p:cTn>
+                              </p:par>
+                            </p:childTnLst>
+                          </p:cTn>
+                        </p:par>
+                      </p:childTnLst>
+                    </p:cTn>
+                  </p:par>
+                  <p:par>
+                    <p:cTn id="91" fill="hold">
+                      <p:stCondLst>
+                        <p:cond delay="indefinite"/>
+                      </p:stCondLst>
+                      <p:childTnLst>
+                        <p:par>
+                          <p:cTn id="92" fill="hold">
+                            <p:stCondLst>
+                              <p:cond delay="0"/>
+                            </p:stCondLst>
+                            <p:childTnLst>
+                              <p:par>
+                                <p:cTn id="93" presetID="1" presetClass="entr" presetSubtype="0" fill="hold" grpId="0" nodeType="clickEffect">
+                                  <p:stCondLst>
+                                    <p:cond delay="0"/>
+                                  </p:stCondLst>
+                                  <p:childTnLst>
+                                    <p:set>
+                                      <p:cBhvr>
+                                        <p:cTn id="94" dur="1" fill="hold">
+                                          <p:stCondLst>
+                                            <p:cond delay="0"/>
+                                          </p:stCondLst>
+                                        </p:cTn>
+                                        <p:tgtEl>
+                                          <p:spTgt spid="49"/>
+                                        </p:tgtEl>
+                                        <p:attrNameLst>
+                                          <p:attrName>style.visibility</p:attrName>
+                                        </p:attrNameLst>
+                                      </p:cBhvr>
+                                      <p:to>
+                                        <p:strVal val="visible"/>
+                                      </p:to>
+                                    </p:set>
+                                  </p:childTnLst>
+                                </p:cTn>
+                              </p:par>
+                            </p:childTnLst>
+                          </p:cTn>
+                        </p:par>
+                      </p:childTnLst>
+                    </p:cTn>
+                  </p:par>
+                  <p:par>
+                    <p:cTn id="95" fill="hold">
+                      <p:stCondLst>
+                        <p:cond delay="indefinite"/>
+                      </p:stCondLst>
+                      <p:childTnLst>
+                        <p:par>
+                          <p:cTn id="96" fill="hold">
+                            <p:stCondLst>
+                              <p:cond delay="0"/>
+                            </p:stCondLst>
+                            <p:childTnLst>
+                              <p:par>
+                                <p:cTn id="97" presetID="1" presetClass="entr" presetSubtype="0" fill="hold" grpId="0" nodeType="clickEffect">
+                                  <p:stCondLst>
+                                    <p:cond delay="0"/>
+                                  </p:stCondLst>
+                                  <p:childTnLst>
+                                    <p:set>
+                                      <p:cBhvr>
+                                        <p:cTn id="98" dur="1" fill="hold">
+                                          <p:stCondLst>
+                                            <p:cond delay="0"/>
+                                          </p:stCondLst>
+                                        </p:cTn>
+                                        <p:tgtEl>
+                                          <p:spTgt spid="50"/>
+                                        </p:tgtEl>
+                                        <p:attrNameLst>
+                                          <p:attrName>style.visibility</p:attrName>
+                                        </p:attrNameLst>
+                                      </p:cBhvr>
+                                      <p:to>
+                                        <p:strVal val="visible"/>
+                                      </p:to>
+                                    </p:set>
+                                  </p:childTnLst>
+                                </p:cTn>
+                              </p:par>
+                            </p:childTnLst>
+                          </p:cTn>
+                        </p:par>
+                      </p:childTnLst>
+                    </p:cTn>
+                  </p:par>
+                </p:childTnLst>
+              </p:cTn>
+              <p:prevCondLst>
+                <p:cond evt="onPrev" delay="0">
+                  <p:tgtEl>
+                    <p:sldTgt/>
+                  </p:tgtEl>
+                </p:cond>
+              </p:prevCondLst>
+              <p:nextCondLst>
+                <p:cond evt="onNext" delay="0">
+                  <p:tgtEl>
+                    <p:sldTgt/>
+                  </p:tgtEl>
+                </p:cond>
+              </p:nextCondLst>
+            </p:seq>
+          </p:childTnLst>
+        </p:cTn>
+      </p:par>
+    </p:tnLst>
+    <p:bldLst>
+      <p:bldP spid="2" grpId="0"/>
+      <p:bldP spid="10" grpId="0"/>
+      <p:bldP spid="14" grpId="0" animBg="1"/>
+      <p:bldP spid="16" grpId="0" animBg="1"/>
+      <p:bldP spid="18" grpId="0" animBg="1"/>
+      <p:bldP spid="20" grpId="0" animBg="1"/>
+      <p:bldP spid="22" grpId="0"/>
+      <p:bldP spid="25" grpId="0" animBg="1"/>
+      <p:bldP spid="26" grpId="0"/>
+      <p:bldP spid="27" grpId="0"/>
+      <p:bldP spid="28" grpId="0"/>
+      <p:bldP spid="29" grpId="0"/>
+      <p:bldP spid="32" grpId="0"/>
+      <p:bldP spid="33" grpId="0"/>
+      <p:bldP spid="34" grpId="0"/>
+      <p:bldP spid="35" grpId="0"/>
+      <p:bldP spid="36" grpId="0"/>
+      <p:bldP spid="37" grpId="0"/>
+      <p:bldP spid="38" grpId="0"/>
+      <p:bldP spid="39" grpId="0"/>
+      <p:bldP spid="40" grpId="0"/>
+      <p:bldP spid="41" grpId="0"/>
+      <p:bldP spid="42" grpId="0"/>
+      <p:bldP spid="46" grpId="0"/>
+      <p:bldP spid="47" grpId="0"/>
+      <p:bldP spid="49" grpId="0"/>
+      <p:bldP spid="50" grpId="0"/>
+      <p:bldP spid="52" grpId="0"/>
+    </p:bldLst>
+  </p:timing>
 </p:sld>
 </file>
 
@@ -17051,13 +22576,50 @@
       </p:grpSpPr>
       <p:sp>
         <p:nvSpPr>
-          <p:cNvPr id="5" name="标题 1">
-            <a:extLst>
-              <a:ext uri="{FF2B5EF4-FFF2-40B4-BE49-F238E27FC236}">
-                <a16:creationId xmlns:a16="http://schemas.microsoft.com/office/drawing/2014/main" id="{F0511409-B9AF-4D30-B635-901BDDA9EAD1}"/>
-              </a:ext>
-            </a:extLst>
-          </p:cNvPr>
+          <p:cNvPr id="5" name="内容占位符 4"/>
+          <p:cNvSpPr>
+            <a:spLocks noGrp="1"/>
+          </p:cNvSpPr>
+          <p:nvPr>
+            <p:ph idx="1"/>
+          </p:nvPr>
+        </p:nvSpPr>
+        <p:spPr>
+          <a:xfrm>
+            <a:off x="473364" y="1939636"/>
+            <a:ext cx="8301181" cy="2030480"/>
+          </a:xfrm>
+        </p:spPr>
+        <p:txBody>
+          <a:bodyPr>
+            <a:normAutofit/>
+          </a:bodyPr>
+          <a:lstStyle/>
+          <a:p>
+            <a:r>
+              <a:rPr kumimoji="1" lang="en-US" altLang="zh-CN" dirty="0">
+                <a:solidFill>
+                  <a:schemeClr val="tx1"/>
+                </a:solidFill>
+              </a:rPr>
+              <a:t>Q : What is the probability of randomly selecting a rational number from the interval [0,1]?</a:t>
+            </a:r>
+          </a:p>
+          <a:p>
+            <a:r>
+              <a:rPr kumimoji="1" lang="en-US" altLang="zh-CN" dirty="0">
+                <a:solidFill>
+                  <a:schemeClr val="tx1"/>
+                </a:solidFill>
+              </a:rPr>
+              <a:t>A :  0</a:t>
+            </a:r>
+          </a:p>
+        </p:txBody>
+      </p:sp>
+      <p:sp>
+        <p:nvSpPr>
+          <p:cNvPr id="7" name="标题 1"/>
           <p:cNvSpPr>
             <a:spLocks noGrp="1"/>
           </p:cNvSpPr>
@@ -17067,8 +22629,8 @@
         </p:nvSpPr>
         <p:spPr>
           <a:xfrm>
-            <a:off x="460664" y="539176"/>
-            <a:ext cx="8048336" cy="750455"/>
+            <a:off x="473363" y="577276"/>
+            <a:ext cx="8561579" cy="750455"/>
           </a:xfrm>
         </p:spPr>
         <p:txBody>
@@ -17085,7 +22647,7 @@
                 <a:ea typeface="黑体"/>
                 <a:cs typeface="黑体"/>
               </a:rPr>
-              <a:t>2.Information Theory</a:t>
+              <a:t>1.6 Answer</a:t>
             </a:r>
             <a:endParaRPr lang="ja-JP" altLang="en-US" sz="4000" baseline="30000" dirty="0">
               <a:solidFill>
@@ -17098,280 +22660,10 @@
           </a:p>
         </p:txBody>
       </p:sp>
-      <p:sp>
-        <p:nvSpPr>
-          <p:cNvPr id="3" name="内容占位符 4">
-            <a:extLst>
-              <a:ext uri="{FF2B5EF4-FFF2-40B4-BE49-F238E27FC236}">
-                <a16:creationId xmlns:a16="http://schemas.microsoft.com/office/drawing/2014/main" id="{C3A1C0B0-1BA2-46B8-86D0-C2FA375EBD02}"/>
-              </a:ext>
-            </a:extLst>
-          </p:cNvPr>
-          <p:cNvSpPr txBox="1">
-            <a:spLocks/>
-          </p:cNvSpPr>
-          <p:nvPr/>
-        </p:nvSpPr>
-        <p:spPr>
-          <a:xfrm>
-            <a:off x="207819" y="1691979"/>
-            <a:ext cx="8785179" cy="1890119"/>
-          </a:xfrm>
-          <a:prstGeom prst="rect">
-            <a:avLst/>
-          </a:prstGeom>
-        </p:spPr>
-        <p:txBody>
-          <a:bodyPr vert="horz" lIns="91440" tIns="45720" rIns="91440" bIns="45720" rtlCol="0">
-            <a:normAutofit/>
-          </a:bodyPr>
-          <a:lstStyle>
-            <a:lvl1pPr marL="457200" indent="-457200" algn="l" defTabSz="914400" rtl="0" eaLnBrk="1" latinLnBrk="0" hangingPunct="1">
-              <a:spcBef>
-                <a:spcPts val="2000"/>
-              </a:spcBef>
-              <a:buClr>
-                <a:schemeClr val="tx1">
-                  <a:lumMod val="75000"/>
-                  <a:lumOff val="25000"/>
-                </a:schemeClr>
-              </a:buClr>
-              <a:buSzPct val="75000"/>
-              <a:buFont typeface="Wingdings 2" pitchFamily="18" charset="2"/>
-              <a:buChar char=""/>
-              <a:defRPr sz="2200" kern="1200">
-                <a:solidFill>
-                  <a:schemeClr val="tx1">
-                    <a:lumMod val="75000"/>
-                    <a:lumOff val="25000"/>
-                  </a:schemeClr>
-                </a:solidFill>
-                <a:latin typeface="+mn-lt"/>
-                <a:ea typeface="+mn-ea"/>
-                <a:cs typeface="+mn-cs"/>
-              </a:defRPr>
-            </a:lvl1pPr>
-            <a:lvl2pPr marL="914400" indent="-457200" algn="l" defTabSz="914400" rtl="0" eaLnBrk="1" latinLnBrk="0" hangingPunct="1">
-              <a:spcBef>
-                <a:spcPts val="600"/>
-              </a:spcBef>
-              <a:buClr>
-                <a:schemeClr val="tx1">
-                  <a:lumMod val="50000"/>
-                  <a:lumOff val="50000"/>
-                </a:schemeClr>
-              </a:buClr>
-              <a:buSzPct val="75000"/>
-              <a:buFont typeface="Wingdings 2" pitchFamily="18" charset="2"/>
-              <a:buChar char=""/>
-              <a:defRPr sz="2000" kern="1200">
-                <a:solidFill>
-                  <a:schemeClr val="tx1">
-                    <a:lumMod val="75000"/>
-                    <a:lumOff val="25000"/>
-                  </a:schemeClr>
-                </a:solidFill>
-                <a:latin typeface="+mn-lt"/>
-                <a:ea typeface="+mn-ea"/>
-                <a:cs typeface="+mn-cs"/>
-              </a:defRPr>
-            </a:lvl2pPr>
-            <a:lvl3pPr marL="1371600" indent="-457200" algn="l" defTabSz="914400" rtl="0" eaLnBrk="1" latinLnBrk="0" hangingPunct="1">
-              <a:spcBef>
-                <a:spcPts val="600"/>
-              </a:spcBef>
-              <a:buClr>
-                <a:schemeClr val="tx1">
-                  <a:lumMod val="75000"/>
-                  <a:lumOff val="25000"/>
-                </a:schemeClr>
-              </a:buClr>
-              <a:buSzPct val="75000"/>
-              <a:buFont typeface="Wingdings 2" pitchFamily="18" charset="2"/>
-              <a:buChar char=""/>
-              <a:defRPr sz="1800" kern="1200">
-                <a:solidFill>
-                  <a:schemeClr val="tx1">
-                    <a:lumMod val="75000"/>
-                    <a:lumOff val="25000"/>
-                  </a:schemeClr>
-                </a:solidFill>
-                <a:latin typeface="+mn-lt"/>
-                <a:ea typeface="+mn-ea"/>
-                <a:cs typeface="+mn-cs"/>
-              </a:defRPr>
-            </a:lvl3pPr>
-            <a:lvl4pPr marL="1828800" indent="-457200" algn="l" defTabSz="914400" rtl="0" eaLnBrk="1" latinLnBrk="0" hangingPunct="1">
-              <a:spcBef>
-                <a:spcPts val="600"/>
-              </a:spcBef>
-              <a:buClr>
-                <a:schemeClr val="tx1">
-                  <a:lumMod val="50000"/>
-                  <a:lumOff val="50000"/>
-                </a:schemeClr>
-              </a:buClr>
-              <a:buSzPct val="75000"/>
-              <a:buFont typeface="Wingdings 2" pitchFamily="18" charset="2"/>
-              <a:buChar char=""/>
-              <a:defRPr sz="1800" kern="1200">
-                <a:solidFill>
-                  <a:schemeClr val="tx1">
-                    <a:lumMod val="75000"/>
-                    <a:lumOff val="25000"/>
-                  </a:schemeClr>
-                </a:solidFill>
-                <a:latin typeface="+mn-lt"/>
-                <a:ea typeface="+mn-ea"/>
-                <a:cs typeface="+mn-cs"/>
-              </a:defRPr>
-            </a:lvl4pPr>
-            <a:lvl5pPr marL="2286000" indent="-457200" algn="l" defTabSz="914400" rtl="0" eaLnBrk="1" latinLnBrk="0" hangingPunct="1">
-              <a:spcBef>
-                <a:spcPts val="600"/>
-              </a:spcBef>
-              <a:buClr>
-                <a:schemeClr val="tx1">
-                  <a:lumMod val="75000"/>
-                  <a:lumOff val="25000"/>
-                </a:schemeClr>
-              </a:buClr>
-              <a:buSzPct val="75000"/>
-              <a:buFont typeface="Wingdings 2" pitchFamily="18" charset="2"/>
-              <a:buChar char=""/>
-              <a:defRPr sz="1800" kern="1200">
-                <a:solidFill>
-                  <a:schemeClr val="tx1">
-                    <a:lumMod val="75000"/>
-                    <a:lumOff val="25000"/>
-                  </a:schemeClr>
-                </a:solidFill>
-                <a:latin typeface="+mn-lt"/>
-                <a:ea typeface="+mn-ea"/>
-                <a:cs typeface="+mn-cs"/>
-              </a:defRPr>
-            </a:lvl5pPr>
-            <a:lvl6pPr marL="2743200" indent="-461963" algn="l" defTabSz="914400" rtl="0" eaLnBrk="1" latinLnBrk="0" hangingPunct="1">
-              <a:spcBef>
-                <a:spcPct val="20000"/>
-              </a:spcBef>
-              <a:buClr>
-                <a:schemeClr val="tx1">
-                  <a:lumMod val="50000"/>
-                  <a:lumOff val="50000"/>
-                </a:schemeClr>
-              </a:buClr>
-              <a:buSzPct val="75000"/>
-              <a:buFont typeface="Wingdings 2" pitchFamily="18" charset="2"/>
-              <a:buChar char=""/>
-              <a:defRPr lang="en-US" sz="1800" kern="1200" dirty="0" smtClean="0">
-                <a:solidFill>
-                  <a:schemeClr val="tx1">
-                    <a:lumMod val="75000"/>
-                    <a:lumOff val="25000"/>
-                  </a:schemeClr>
-                </a:solidFill>
-                <a:latin typeface="+mn-lt"/>
-                <a:ea typeface="+mn-ea"/>
-                <a:cs typeface="+mn-cs"/>
-              </a:defRPr>
-            </a:lvl6pPr>
-            <a:lvl7pPr marL="3205163" indent="-461963" algn="l" defTabSz="914400" rtl="0" eaLnBrk="1" latinLnBrk="0" hangingPunct="1">
-              <a:spcBef>
-                <a:spcPct val="20000"/>
-              </a:spcBef>
-              <a:buClr>
-                <a:schemeClr val="tx1">
-                  <a:lumMod val="75000"/>
-                  <a:lumOff val="25000"/>
-                </a:schemeClr>
-              </a:buClr>
-              <a:buSzPct val="75000"/>
-              <a:buFont typeface="Wingdings 2" pitchFamily="18" charset="2"/>
-              <a:buChar char=""/>
-              <a:defRPr lang="en-US" sz="1800" kern="1200" dirty="0" smtClean="0">
-                <a:solidFill>
-                  <a:schemeClr val="tx1">
-                    <a:lumMod val="75000"/>
-                    <a:lumOff val="25000"/>
-                  </a:schemeClr>
-                </a:solidFill>
-                <a:latin typeface="+mn-lt"/>
-                <a:ea typeface="+mn-ea"/>
-                <a:cs typeface="+mn-cs"/>
-              </a:defRPr>
-            </a:lvl7pPr>
-            <a:lvl8pPr marL="3657600" indent="-461963" algn="l" defTabSz="914400" rtl="0" eaLnBrk="1" latinLnBrk="0" hangingPunct="1">
-              <a:spcBef>
-                <a:spcPct val="20000"/>
-              </a:spcBef>
-              <a:buClr>
-                <a:schemeClr val="tx1">
-                  <a:lumMod val="50000"/>
-                  <a:lumOff val="50000"/>
-                </a:schemeClr>
-              </a:buClr>
-              <a:buSzPct val="75000"/>
-              <a:buFont typeface="Wingdings 2" pitchFamily="18" charset="2"/>
-              <a:buChar char=""/>
-              <a:defRPr lang="en-US" sz="1800" kern="1200" dirty="0" smtClean="0">
-                <a:solidFill>
-                  <a:schemeClr val="tx1">
-                    <a:lumMod val="75000"/>
-                    <a:lumOff val="25000"/>
-                  </a:schemeClr>
-                </a:solidFill>
-                <a:latin typeface="+mn-lt"/>
-                <a:ea typeface="+mn-ea"/>
-                <a:cs typeface="+mn-cs"/>
-              </a:defRPr>
-            </a:lvl8pPr>
-            <a:lvl9pPr marL="4119563" indent="-461963" algn="l" defTabSz="914400" rtl="0" eaLnBrk="1" latinLnBrk="0" hangingPunct="1">
-              <a:spcBef>
-                <a:spcPct val="20000"/>
-              </a:spcBef>
-              <a:buClr>
-                <a:schemeClr val="tx1">
-                  <a:lumMod val="75000"/>
-                  <a:lumOff val="25000"/>
-                </a:schemeClr>
-              </a:buClr>
-              <a:buSzPct val="75000"/>
-              <a:buFont typeface="Wingdings 2" pitchFamily="18" charset="2"/>
-              <a:buChar char=""/>
-              <a:defRPr lang="en-US" sz="1800" kern="1200" dirty="0">
-                <a:solidFill>
-                  <a:schemeClr val="tx1">
-                    <a:lumMod val="75000"/>
-                    <a:lumOff val="25000"/>
-                  </a:schemeClr>
-                </a:solidFill>
-                <a:latin typeface="+mn-lt"/>
-                <a:ea typeface="+mn-ea"/>
-                <a:cs typeface="+mn-cs"/>
-              </a:defRPr>
-            </a:lvl9pPr>
-          </a:lstStyle>
-          <a:p>
-            <a:endParaRPr kumimoji="1" lang="en-US" altLang="zh-CN" dirty="0">
-              <a:solidFill>
-                <a:schemeClr val="tx1"/>
-              </a:solidFill>
-            </a:endParaRPr>
-          </a:p>
-          <a:p>
-            <a:endParaRPr kumimoji="1" lang="zh-CN" altLang="en-US" dirty="0">
-              <a:solidFill>
-                <a:schemeClr val="tx1"/>
-              </a:solidFill>
-            </a:endParaRPr>
-          </a:p>
-        </p:txBody>
-      </p:sp>
     </p:spTree>
     <p:extLst>
       <p:ext uri="{BB962C8B-B14F-4D97-AF65-F5344CB8AC3E}">
-        <p14:creationId xmlns:p14="http://schemas.microsoft.com/office/powerpoint/2010/main" val="1043356063"/>
+        <p14:creationId xmlns:p14="http://schemas.microsoft.com/office/powerpoint/2010/main" val="3996284143"/>
       </p:ext>
     </p:extLst>
   </p:cSld>

--- a/Deep Learning-3.12-3.14.pptx
+++ b/Deep Learning-3.12-3.14.pptx
@@ -127,12 +127,12 @@
   <p:extLst>
     <p:ext uri="{EFAFB233-063F-42B5-8137-9DF3F51BA10A}">
       <p15:sldGuideLst xmlns:p15="http://schemas.microsoft.com/office/powerpoint/2012/main">
-        <p15:guide id="1" orient="horz" pos="2160">
+        <p15:guide id="1" orient="horz" pos="2160" userDrawn="1">
           <p15:clr>
             <a:srgbClr val="A4A3A4"/>
           </p15:clr>
         </p15:guide>
-        <p15:guide id="2" pos="2880">
+        <p15:guide id="2" pos="2880" userDrawn="1">
           <p15:clr>
             <a:srgbClr val="A4A3A4"/>
           </p15:clr>
@@ -538,7 +538,7 @@
         </p:nvSpPr>
         <p:spPr>
           <a:xfrm>
-            <a:off x="497540" y="416859"/>
+            <a:off x="497540" y="416861"/>
             <a:ext cx="3840480" cy="1994647"/>
           </a:xfrm>
         </p:spPr>
@@ -1054,7 +1054,7 @@
         </p:nvSpPr>
         <p:spPr>
           <a:xfrm>
-            <a:off x="511174" y="417513"/>
+            <a:off x="511175" y="417513"/>
             <a:ext cx="6499225" cy="5708650"/>
           </a:xfrm>
         </p:spPr>
@@ -1527,7 +1527,7 @@
         </p:nvSpPr>
         <p:spPr>
           <a:xfrm>
-            <a:off x="498475" y="4343398"/>
+            <a:off x="498476" y="4343400"/>
             <a:ext cx="8147049" cy="1346013"/>
           </a:xfrm>
         </p:spPr>
@@ -1585,7 +1585,7 @@
         </p:nvSpPr>
         <p:spPr>
           <a:xfrm>
-            <a:off x="498475" y="5688105"/>
+            <a:off x="498476" y="5688107"/>
             <a:ext cx="8147050" cy="663387"/>
           </a:xfrm>
         </p:spPr>
@@ -1934,7 +1934,7 @@
         </p:nvSpPr>
         <p:spPr>
           <a:xfrm>
-            <a:off x="498475" y="1774826"/>
+            <a:off x="498476" y="1774826"/>
             <a:ext cx="8147050" cy="1873250"/>
           </a:xfrm>
         </p:spPr>
@@ -1966,7 +1966,7 @@
         </p:nvSpPr>
         <p:spPr>
           <a:xfrm>
-            <a:off x="498475" y="3654519"/>
+            <a:off x="498476" y="3654521"/>
             <a:ext cx="8147050" cy="1500187"/>
           </a:xfrm>
         </p:spPr>
@@ -2181,7 +2181,7 @@
         </p:nvSpPr>
         <p:spPr>
           <a:xfrm>
-            <a:off x="498475" y="94129"/>
+            <a:off x="498476" y="94131"/>
             <a:ext cx="8147051" cy="1452283"/>
           </a:xfrm>
         </p:spPr>
@@ -2473,7 +2473,7 @@
         </p:nvSpPr>
         <p:spPr>
           <a:xfrm>
-            <a:off x="498475" y="94129"/>
+            <a:off x="498476" y="94131"/>
             <a:ext cx="8147051" cy="1452283"/>
           </a:xfrm>
         </p:spPr>
@@ -3178,7 +3178,7 @@
         </p:nvSpPr>
         <p:spPr>
           <a:xfrm>
-            <a:off x="497540" y="416859"/>
+            <a:off x="497540" y="416861"/>
             <a:ext cx="3840480" cy="1994647"/>
           </a:xfrm>
         </p:spPr>
@@ -3210,7 +3210,7 @@
         </p:nvSpPr>
         <p:spPr>
           <a:xfrm>
-            <a:off x="4792532" y="403412"/>
+            <a:off x="4792532" y="403414"/>
             <a:ext cx="3840480" cy="5722751"/>
           </a:xfrm>
         </p:spPr>
@@ -3492,7 +3492,7 @@
         </p:nvSpPr>
         <p:spPr>
           <a:xfrm>
-            <a:off x="498475" y="94129"/>
+            <a:off x="498476" y="94131"/>
             <a:ext cx="8147051" cy="1452283"/>
           </a:xfrm>
           <a:prstGeom prst="rect">
@@ -3525,7 +3525,7 @@
         </p:nvSpPr>
         <p:spPr>
           <a:xfrm>
-            <a:off x="498475" y="1761565"/>
+            <a:off x="498476" y="1761565"/>
             <a:ext cx="8147051" cy="4364598"/>
           </a:xfrm>
           <a:prstGeom prst="rect">
@@ -3587,7 +3587,7 @@
         </p:nvSpPr>
         <p:spPr>
           <a:xfrm>
-            <a:off x="188259" y="6356350"/>
+            <a:off x="188259" y="6356352"/>
             <a:ext cx="2133600" cy="365125"/>
           </a:xfrm>
           <a:prstGeom prst="rect">
@@ -3629,7 +3629,7 @@
         </p:nvSpPr>
         <p:spPr>
           <a:xfrm>
-            <a:off x="3124200" y="6356350"/>
+            <a:off x="3124200" y="6356352"/>
             <a:ext cx="2895600" cy="365125"/>
           </a:xfrm>
           <a:prstGeom prst="rect">
@@ -3667,7 +3667,7 @@
         </p:nvSpPr>
         <p:spPr>
           <a:xfrm>
-            <a:off x="6817659" y="6356350"/>
+            <a:off x="6817659" y="6356352"/>
             <a:ext cx="2133600" cy="365125"/>
           </a:xfrm>
           <a:prstGeom prst="rect">
@@ -4115,7 +4115,7 @@
         </p:nvSpPr>
         <p:spPr>
           <a:xfrm>
-            <a:off x="3685315" y="3105725"/>
+            <a:off x="3685317" y="3105727"/>
             <a:ext cx="4618181" cy="992909"/>
           </a:xfrm>
           <a:prstGeom prst="rect">
@@ -4214,7 +4214,7 @@
         </p:nvSpPr>
         <p:spPr>
           <a:xfrm>
-            <a:off x="3731495" y="3883310"/>
+            <a:off x="3731497" y="3883310"/>
             <a:ext cx="4618181" cy="330784"/>
           </a:xfrm>
           <a:prstGeom prst="rect">
@@ -4351,7 +4351,7 @@
         </p:nvSpPr>
         <p:spPr>
           <a:xfrm>
-            <a:off x="460664" y="539176"/>
+            <a:off x="460664" y="539178"/>
             <a:ext cx="8048336" cy="750455"/>
           </a:xfrm>
         </p:spPr>
@@ -4398,7 +4398,7 @@
         </p:nvSpPr>
         <p:spPr>
           <a:xfrm>
-            <a:off x="207819" y="1691979"/>
+            <a:off x="207821" y="1691981"/>
             <a:ext cx="8785179" cy="1890119"/>
           </a:xfrm>
           <a:prstGeom prst="rect">
@@ -4670,7 +4670,7 @@
         </p:nvSpPr>
         <p:spPr>
           <a:xfrm>
-            <a:off x="473364" y="1939635"/>
+            <a:off x="473364" y="1939637"/>
             <a:ext cx="8334970" cy="3226385"/>
           </a:xfrm>
         </p:spPr>
@@ -4759,7 +4759,7 @@
         </p:nvSpPr>
         <p:spPr>
           <a:xfrm>
-            <a:off x="460664" y="539176"/>
+            <a:off x="460664" y="539178"/>
             <a:ext cx="8048336" cy="750455"/>
           </a:xfrm>
         </p:spPr>
@@ -5152,7 +5152,7 @@
         </p:nvSpPr>
         <p:spPr>
           <a:xfrm>
-            <a:off x="207819" y="4152227"/>
+            <a:off x="207819" y="4152229"/>
             <a:ext cx="8827124" cy="2307295"/>
           </a:xfrm>
           <a:prstGeom prst="rect">
@@ -5397,7 +5397,7 @@
                   <a:schemeClr val="tx1"/>
                 </a:solidFill>
               </a:rPr>
-              <a:t>Broadly given an event x with probability P(x), the information content is defined as follows:</a:t>
+              <a:t>In order to satisfy all three of these properties, we define the self-information of an event X = x to be:</a:t>
             </a:r>
           </a:p>
           <a:p>
@@ -5687,7 +5687,7 @@
         </p:nvSpPr>
         <p:spPr>
           <a:xfrm>
-            <a:off x="460664" y="539176"/>
+            <a:off x="460664" y="539178"/>
             <a:ext cx="8048336" cy="750455"/>
           </a:xfrm>
         </p:spPr>
@@ -5734,7 +5734,7 @@
         </p:nvSpPr>
         <p:spPr>
           <a:xfrm>
-            <a:off x="207819" y="1381587"/>
+            <a:off x="207819" y="1381589"/>
             <a:ext cx="8827124" cy="1187993"/>
           </a:xfrm>
           <a:prstGeom prst="rect">
@@ -6002,7 +6002,7 @@
             </p:nvSpPr>
             <p:spPr>
               <a:xfrm>
-                <a:off x="132318" y="2864681"/>
+                <a:off x="132318" y="2864683"/>
                 <a:ext cx="9011682" cy="2493443"/>
               </a:xfrm>
               <a:prstGeom prst="rect">
@@ -6257,7 +6257,7 @@
                 <a14:m>
                   <m:oMath xmlns:m="http://schemas.openxmlformats.org/officeDocument/2006/math">
                     <m:r>
-                      <a:rPr kumimoji="1" lang="en-US" altLang="zh-CN" b="1" i="1" smtClean="0">
+                      <a:rPr kumimoji="1" lang="en-US" altLang="zh-CN" b="1" i="1">
                         <a:solidFill>
                           <a:schemeClr val="tx1"/>
                         </a:solidFill>
@@ -6268,7 +6268,7 @@
                     <m:d>
                       <m:dPr>
                         <m:ctrlPr>
-                          <a:rPr kumimoji="1" lang="en-US" altLang="zh-CN" b="1" i="1" smtClean="0">
+                          <a:rPr kumimoji="1" lang="en-US" altLang="zh-CN" b="1" i="1">
                             <a:solidFill>
                               <a:schemeClr val="tx1"/>
                             </a:solidFill>
@@ -6278,7 +6278,7 @@
                       </m:dPr>
                       <m:e>
                         <m:r>
-                          <a:rPr kumimoji="1" lang="en-US" altLang="zh-CN" b="1" i="1" smtClean="0">
+                          <a:rPr kumimoji="1" lang="en-US" altLang="zh-CN" b="1" i="1">
                             <a:solidFill>
                               <a:schemeClr val="tx1"/>
                             </a:solidFill>
@@ -6289,7 +6289,7 @@
                       </m:e>
                     </m:d>
                     <m:r>
-                      <a:rPr kumimoji="1" lang="en-US" altLang="zh-CN" b="1" i="1" smtClean="0">
+                      <a:rPr kumimoji="1" lang="en-US" altLang="zh-CN" b="1" i="1">
                         <a:solidFill>
                           <a:schemeClr val="tx1"/>
                         </a:solidFill>
@@ -6298,7 +6298,7 @@
                       <m:t>=</m:t>
                     </m:r>
                     <m:r>
-                      <a:rPr kumimoji="1" lang="en-US" altLang="zh-CN" b="1" i="1" smtClean="0">
+                      <a:rPr kumimoji="1" lang="en-US" altLang="zh-CN" b="1" i="1">
                         <a:solidFill>
                           <a:schemeClr val="tx1"/>
                         </a:solidFill>
@@ -6311,7 +6311,7 @@
                         <m:begChr m:val="["/>
                         <m:endChr m:val="]"/>
                         <m:ctrlPr>
-                          <a:rPr kumimoji="1" lang="en-US" altLang="zh-CN" b="1" i="1" smtClean="0">
+                          <a:rPr kumimoji="1" lang="en-US" altLang="zh-CN" b="1" i="1">
                             <a:solidFill>
                               <a:schemeClr val="tx1"/>
                             </a:solidFill>
@@ -6321,7 +6321,7 @@
                       </m:dPr>
                       <m:e>
                         <m:r>
-                          <a:rPr kumimoji="1" lang="en-US" altLang="zh-CN" b="1" i="1" smtClean="0">
+                          <a:rPr kumimoji="1" lang="en-US" altLang="zh-CN" b="1" i="1">
                             <a:solidFill>
                               <a:schemeClr val="tx1"/>
                             </a:solidFill>
@@ -6332,7 +6332,7 @@
                         <m:d>
                           <m:dPr>
                             <m:ctrlPr>
-                              <a:rPr kumimoji="1" lang="en-US" altLang="zh-CN" b="1" i="1" smtClean="0">
+                              <a:rPr kumimoji="1" lang="en-US" altLang="zh-CN" b="1" i="1">
                                 <a:solidFill>
                                   <a:schemeClr val="tx1"/>
                                 </a:solidFill>
@@ -6342,7 +6342,7 @@
                           </m:dPr>
                           <m:e>
                             <m:r>
-                              <a:rPr kumimoji="1" lang="en-US" altLang="zh-CN" b="1" i="1" smtClean="0">
+                              <a:rPr kumimoji="1" lang="en-US" altLang="zh-CN" b="1" i="1">
                                 <a:solidFill>
                                   <a:schemeClr val="tx1"/>
                                 </a:solidFill>
@@ -6355,7 +6355,7 @@
                       </m:e>
                     </m:d>
                     <m:r>
-                      <a:rPr kumimoji="1" lang="en-US" altLang="zh-CN" b="1" i="1" smtClean="0">
+                      <a:rPr kumimoji="1" lang="en-US" altLang="zh-CN" b="1" i="1">
                         <a:solidFill>
                           <a:schemeClr val="tx1"/>
                         </a:solidFill>
@@ -6367,7 +6367,7 @@
                       <m:naryPr>
                         <m:chr m:val="∑"/>
                         <m:ctrlPr>
-                          <a:rPr kumimoji="1" lang="en-US" altLang="zh-CN" b="1" i="1" smtClean="0">
+                          <a:rPr kumimoji="1" lang="en-US" altLang="zh-CN" b="1" i="1">
                             <a:solidFill>
                               <a:schemeClr val="tx1"/>
                             </a:solidFill>
@@ -6380,7 +6380,7 @@
                           <m:rPr>
                             <m:brk m:alnAt="23"/>
                           </m:rPr>
-                          <a:rPr kumimoji="1" lang="en-US" altLang="zh-CN" b="1" i="1" smtClean="0">
+                          <a:rPr kumimoji="1" lang="en-US" altLang="zh-CN" b="1" i="1">
                             <a:solidFill>
                               <a:schemeClr val="tx1"/>
                             </a:solidFill>
@@ -6389,7 +6389,7 @@
                           <m:t>𝒊</m:t>
                         </m:r>
                         <m:r>
-                          <a:rPr kumimoji="1" lang="en-US" altLang="zh-CN" b="1" i="1" smtClean="0">
+                          <a:rPr kumimoji="1" lang="en-US" altLang="zh-CN" b="1" i="1">
                             <a:solidFill>
                               <a:schemeClr val="tx1"/>
                             </a:solidFill>
@@ -6398,7 +6398,7 @@
                           <m:t>=</m:t>
                         </m:r>
                         <m:r>
-                          <a:rPr kumimoji="1" lang="en-US" altLang="zh-CN" b="1" i="1" smtClean="0">
+                          <a:rPr kumimoji="1" lang="en-US" altLang="zh-CN" b="1" i="1">
                             <a:solidFill>
                               <a:schemeClr val="tx1"/>
                             </a:solidFill>
@@ -6409,7 +6409,7 @@
                       </m:sub>
                       <m:sup>
                         <m:r>
-                          <a:rPr kumimoji="1" lang="en-US" altLang="zh-CN" b="1" i="1" smtClean="0">
+                          <a:rPr kumimoji="1" lang="en-US" altLang="zh-CN" b="1" i="1">
                             <a:solidFill>
                               <a:schemeClr val="tx1"/>
                             </a:solidFill>
@@ -6420,7 +6420,7 @@
                       </m:sup>
                       <m:e>
                         <m:r>
-                          <a:rPr kumimoji="1" lang="en-US" altLang="zh-CN" b="1" i="1" smtClean="0">
+                          <a:rPr kumimoji="1" lang="en-US" altLang="zh-CN" b="1" i="1">
                             <a:solidFill>
                               <a:schemeClr val="tx1"/>
                             </a:solidFill>
@@ -6431,7 +6431,7 @@
                         <m:d>
                           <m:dPr>
                             <m:ctrlPr>
-                              <a:rPr kumimoji="1" lang="en-US" altLang="zh-CN" b="1" i="1" smtClean="0">
+                              <a:rPr kumimoji="1" lang="en-US" altLang="zh-CN" b="1" i="1">
                                 <a:solidFill>
                                   <a:schemeClr val="tx1"/>
                                 </a:solidFill>
@@ -6443,7 +6443,7 @@
                             <m:sSub>
                               <m:sSubPr>
                                 <m:ctrlPr>
-                                  <a:rPr kumimoji="1" lang="en-US" altLang="zh-CN" b="1" i="1" smtClean="0">
+                                  <a:rPr kumimoji="1" lang="en-US" altLang="zh-CN" b="1" i="1">
                                     <a:solidFill>
                                       <a:schemeClr val="tx1"/>
                                     </a:solidFill>
@@ -6453,7 +6453,7 @@
                               </m:sSubPr>
                               <m:e>
                                 <m:r>
-                                  <a:rPr kumimoji="1" lang="en-US" altLang="zh-CN" b="1" i="1" smtClean="0">
+                                  <a:rPr kumimoji="1" lang="en-US" altLang="zh-CN" b="1" i="1">
                                     <a:solidFill>
                                       <a:schemeClr val="tx1"/>
                                     </a:solidFill>
@@ -6464,7 +6464,7 @@
                               </m:e>
                               <m:sub>
                                 <m:r>
-                                  <a:rPr kumimoji="1" lang="en-US" altLang="zh-CN" b="1" i="1" smtClean="0">
+                                  <a:rPr kumimoji="1" lang="en-US" altLang="zh-CN" b="1" i="1">
                                     <a:solidFill>
                                       <a:schemeClr val="tx1"/>
                                     </a:solidFill>
@@ -6477,7 +6477,7 @@
                           </m:e>
                         </m:d>
                         <m:r>
-                          <a:rPr kumimoji="1" lang="en-US" altLang="zh-CN" b="1" i="1" smtClean="0">
+                          <a:rPr kumimoji="1" lang="en-US" altLang="zh-CN" b="1" i="1">
                             <a:solidFill>
                               <a:schemeClr val="tx1"/>
                             </a:solidFill>
@@ -6488,7 +6488,7 @@
                         <m:sSub>
                           <m:sSubPr>
                             <m:ctrlPr>
-                              <a:rPr kumimoji="1" lang="en-US" altLang="zh-CN" b="1" i="1" smtClean="0">
+                              <a:rPr kumimoji="1" lang="en-US" altLang="zh-CN" b="1" i="1">
                                 <a:solidFill>
                                   <a:schemeClr val="tx1"/>
                                 </a:solidFill>
@@ -6498,7 +6498,7 @@
                           </m:sSubPr>
                           <m:e>
                             <m:r>
-                              <a:rPr kumimoji="1" lang="en-US" altLang="zh-CN" b="1" i="1" smtClean="0">
+                              <a:rPr kumimoji="1" lang="en-US" altLang="zh-CN" b="1" i="1">
                                 <a:solidFill>
                                   <a:schemeClr val="tx1"/>
                                 </a:solidFill>
@@ -6509,7 +6509,7 @@
                           </m:e>
                           <m:sub>
                             <m:r>
-                              <a:rPr kumimoji="1" lang="en-US" altLang="zh-CN" b="1" i="1" smtClean="0">
+                              <a:rPr kumimoji="1" lang="en-US" altLang="zh-CN" b="1" i="1">
                                 <a:solidFill>
                                   <a:schemeClr val="tx1"/>
                                 </a:solidFill>
@@ -6520,7 +6520,7 @@
                           </m:sub>
                         </m:sSub>
                         <m:r>
-                          <a:rPr kumimoji="1" lang="en-US" altLang="zh-CN" b="1" i="1" smtClean="0">
+                          <a:rPr kumimoji="1" lang="en-US" altLang="zh-CN" b="1" i="1">
                             <a:solidFill>
                               <a:schemeClr val="tx1"/>
                             </a:solidFill>
@@ -6531,7 +6531,7 @@
                         <m:d>
                           <m:dPr>
                             <m:ctrlPr>
-                              <a:rPr kumimoji="1" lang="en-US" altLang="zh-CN" b="1" i="1" smtClean="0">
+                              <a:rPr kumimoji="1" lang="en-US" altLang="zh-CN" b="1" i="1">
                                 <a:solidFill>
                                   <a:schemeClr val="tx1"/>
                                 </a:solidFill>
@@ -6543,7 +6543,7 @@
                             <m:sSub>
                               <m:sSubPr>
                                 <m:ctrlPr>
-                                  <a:rPr kumimoji="1" lang="en-US" altLang="zh-CN" b="1" i="1" smtClean="0">
+                                  <a:rPr kumimoji="1" lang="en-US" altLang="zh-CN" b="1" i="1">
                                     <a:solidFill>
                                       <a:schemeClr val="tx1"/>
                                     </a:solidFill>
@@ -6553,7 +6553,7 @@
                               </m:sSubPr>
                               <m:e>
                                 <m:r>
-                                  <a:rPr kumimoji="1" lang="en-US" altLang="zh-CN" b="1" i="1" smtClean="0">
+                                  <a:rPr kumimoji="1" lang="en-US" altLang="zh-CN" b="1" i="1">
                                     <a:solidFill>
                                       <a:schemeClr val="tx1"/>
                                     </a:solidFill>
@@ -6564,7 +6564,7 @@
                               </m:e>
                               <m:sub>
                                 <m:r>
-                                  <a:rPr kumimoji="1" lang="en-US" altLang="zh-CN" b="1" i="1" smtClean="0">
+                                  <a:rPr kumimoji="1" lang="en-US" altLang="zh-CN" b="1" i="1">
                                     <a:solidFill>
                                       <a:schemeClr val="tx1"/>
                                     </a:solidFill>
@@ -6645,7 +6645,7 @@
             </p:nvSpPr>
             <p:spPr>
               <a:xfrm>
-                <a:off x="132318" y="2864681"/>
+                <a:off x="132318" y="2864683"/>
                 <a:ext cx="9011682" cy="2493443"/>
               </a:xfrm>
               <a:prstGeom prst="rect">
@@ -6654,7 +6654,7 @@
               <a:blipFill>
                 <a:blip r:embed="rId2"/>
                 <a:stretch>
-                  <a:fillRect l="-282" t="-2538" r="-1549" b="-2030"/>
+                  <a:fillRect l="-271" t="-2934" r="-1421" b="-1711"/>
                 </a:stretch>
               </a:blipFill>
             </p:spPr>
@@ -6663,7 +6663,7 @@
               <a:lstStyle/>
               <a:p>
                 <a:r>
-                  <a:rPr lang="en-CN">
+                  <a:rPr lang="en-US">
                     <a:noFill/>
                   </a:rPr>
                   <a:t> </a:t>
@@ -6845,7 +6845,7 @@
         </p:nvSpPr>
         <p:spPr>
           <a:xfrm>
-            <a:off x="460664" y="539176"/>
+            <a:off x="460664" y="539178"/>
             <a:ext cx="8048336" cy="750455"/>
           </a:xfrm>
         </p:spPr>
@@ -7464,1415 +7464,7 @@
                 <a14:m>
                   <m:oMath xmlns:m="http://schemas.openxmlformats.org/officeDocument/2006/math">
                     <m:r>
-                      <a:rPr kumimoji="1" lang="en-US" altLang="zh-CN" b="0" i="1" smtClean="0">
-                        <a:solidFill>
-                          <a:schemeClr val="tx1"/>
-                        </a:solidFill>
-                        <a:latin typeface="Cambria Math" panose="02040503050406030204" pitchFamily="18" charset="0"/>
-                      </a:rPr>
-                      <m:t>𝐻</m:t>
-                    </m:r>
-                    <m:d>
-                      <m:dPr>
-                        <m:ctrlPr>
-                          <a:rPr kumimoji="1" lang="en-US" altLang="zh-CN" b="0" i="1" smtClean="0">
-                            <a:solidFill>
-                              <a:schemeClr val="tx1"/>
-                            </a:solidFill>
-                            <a:latin typeface="Cambria Math" panose="02040503050406030204" pitchFamily="18" charset="0"/>
-                          </a:rPr>
-                        </m:ctrlPr>
-                      </m:dPr>
-                      <m:e>
-                        <m:r>
-                          <a:rPr kumimoji="1" lang="en-US" altLang="zh-CN" b="0" i="1" smtClean="0">
-                            <a:solidFill>
-                              <a:schemeClr val="tx1"/>
-                            </a:solidFill>
-                            <a:latin typeface="Cambria Math" panose="02040503050406030204" pitchFamily="18" charset="0"/>
-                          </a:rPr>
-                          <m:t>𝑋</m:t>
-                        </m:r>
-                      </m:e>
-                    </m:d>
-                    <m:r>
-                      <a:rPr kumimoji="1" lang="en-US" altLang="zh-CN" b="0" i="1" smtClean="0">
-                        <a:solidFill>
-                          <a:schemeClr val="tx1"/>
-                        </a:solidFill>
-                        <a:latin typeface="Cambria Math" panose="02040503050406030204" pitchFamily="18" charset="0"/>
-                      </a:rPr>
-                      <m:t>=−</m:t>
-                    </m:r>
-                    <m:nary>
-                      <m:naryPr>
-                        <m:chr m:val="∑"/>
-                        <m:ctrlPr>
-                          <a:rPr kumimoji="1" lang="en-US" altLang="zh-CN" b="0" i="1" smtClean="0">
-                            <a:solidFill>
-                              <a:schemeClr val="tx1"/>
-                            </a:solidFill>
-                            <a:latin typeface="Cambria Math" panose="02040503050406030204" pitchFamily="18" charset="0"/>
-                          </a:rPr>
-                        </m:ctrlPr>
-                      </m:naryPr>
-                      <m:sub>
-                        <m:r>
-                          <m:rPr>
-                            <m:brk m:alnAt="23"/>
-                          </m:rPr>
-                          <a:rPr kumimoji="1" lang="en-US" altLang="zh-CN" b="0" i="1" smtClean="0">
-                            <a:solidFill>
-                              <a:schemeClr val="tx1"/>
-                            </a:solidFill>
-                            <a:latin typeface="Cambria Math" panose="02040503050406030204" pitchFamily="18" charset="0"/>
-                          </a:rPr>
-                          <m:t>𝑖</m:t>
-                        </m:r>
-                        <m:r>
-                          <a:rPr kumimoji="1" lang="en-US" altLang="zh-CN" b="0" i="1" smtClean="0">
-                            <a:solidFill>
-                              <a:schemeClr val="tx1"/>
-                            </a:solidFill>
-                            <a:latin typeface="Cambria Math" panose="02040503050406030204" pitchFamily="18" charset="0"/>
-                          </a:rPr>
-                          <m:t>=1</m:t>
-                        </m:r>
-                      </m:sub>
-                      <m:sup>
-                        <m:r>
-                          <a:rPr kumimoji="1" lang="en-US" altLang="zh-CN" b="0" i="1" smtClean="0">
-                            <a:solidFill>
-                              <a:schemeClr val="tx1"/>
-                            </a:solidFill>
-                            <a:latin typeface="Cambria Math" panose="02040503050406030204" pitchFamily="18" charset="0"/>
-                          </a:rPr>
-                          <m:t>2</m:t>
-                        </m:r>
-                      </m:sup>
-                      <m:e>
-                        <m:r>
-                          <a:rPr kumimoji="1" lang="en-US" altLang="zh-CN" b="0" i="1" smtClean="0">
-                            <a:solidFill>
-                              <a:schemeClr val="tx1"/>
-                            </a:solidFill>
-                            <a:latin typeface="Cambria Math" panose="02040503050406030204" pitchFamily="18" charset="0"/>
-                          </a:rPr>
-                          <m:t>𝑃</m:t>
-                        </m:r>
-                        <m:d>
-                          <m:dPr>
-                            <m:ctrlPr>
-                              <a:rPr kumimoji="1" lang="en-US" altLang="zh-CN" b="0" i="1" smtClean="0">
-                                <a:solidFill>
-                                  <a:schemeClr val="tx1"/>
-                                </a:solidFill>
-                                <a:latin typeface="Cambria Math" panose="02040503050406030204" pitchFamily="18" charset="0"/>
-                              </a:rPr>
-                            </m:ctrlPr>
-                          </m:dPr>
-                          <m:e>
-                            <m:sSub>
-                              <m:sSubPr>
-                                <m:ctrlPr>
-                                  <a:rPr kumimoji="1" lang="en-US" altLang="zh-CN" b="0" i="1" smtClean="0">
-                                    <a:solidFill>
-                                      <a:schemeClr val="tx1"/>
-                                    </a:solidFill>
-                                    <a:latin typeface="Cambria Math" panose="02040503050406030204" pitchFamily="18" charset="0"/>
-                                  </a:rPr>
-                                </m:ctrlPr>
-                              </m:sSubPr>
-                              <m:e>
-                                <m:r>
-                                  <a:rPr kumimoji="1" lang="en-US" altLang="zh-CN" b="0" i="1" smtClean="0">
-                                    <a:solidFill>
-                                      <a:schemeClr val="tx1"/>
-                                    </a:solidFill>
-                                    <a:latin typeface="Cambria Math" panose="02040503050406030204" pitchFamily="18" charset="0"/>
-                                  </a:rPr>
-                                  <m:t>𝑥</m:t>
-                                </m:r>
-                              </m:e>
-                              <m:sub>
-                                <m:r>
-                                  <a:rPr kumimoji="1" lang="en-US" altLang="zh-CN" b="0" i="1" smtClean="0">
-                                    <a:solidFill>
-                                      <a:schemeClr val="tx1"/>
-                                    </a:solidFill>
-                                    <a:latin typeface="Cambria Math" panose="02040503050406030204" pitchFamily="18" charset="0"/>
-                                  </a:rPr>
-                                  <m:t>𝑖</m:t>
-                                </m:r>
-                              </m:sub>
-                            </m:sSub>
-                          </m:e>
-                        </m:d>
-                        <m:func>
-                          <m:funcPr>
-                            <m:ctrlPr>
-                              <a:rPr kumimoji="1" lang="en-US" altLang="zh-CN" b="0" i="1" smtClean="0">
-                                <a:solidFill>
-                                  <a:schemeClr val="tx1"/>
-                                </a:solidFill>
-                                <a:latin typeface="Cambria Math" panose="02040503050406030204" pitchFamily="18" charset="0"/>
-                              </a:rPr>
-                            </m:ctrlPr>
-                          </m:funcPr>
-                          <m:fName>
-                            <m:sSub>
-                              <m:sSubPr>
-                                <m:ctrlPr>
-                                  <a:rPr kumimoji="1" lang="en-US" altLang="zh-CN" b="0" i="1" smtClean="0">
-                                    <a:solidFill>
-                                      <a:schemeClr val="tx1"/>
-                                    </a:solidFill>
-                                    <a:latin typeface="Cambria Math" panose="02040503050406030204" pitchFamily="18" charset="0"/>
-                                  </a:rPr>
-                                </m:ctrlPr>
-                              </m:sSubPr>
-                              <m:e>
-                                <m:r>
-                                  <m:rPr>
-                                    <m:sty m:val="p"/>
-                                  </m:rPr>
-                                  <a:rPr kumimoji="1" lang="en-US" altLang="zh-CN" b="0" i="0" smtClean="0">
-                                    <a:solidFill>
-                                      <a:schemeClr val="tx1"/>
-                                    </a:solidFill>
-                                    <a:latin typeface="Cambria Math" panose="02040503050406030204" pitchFamily="18" charset="0"/>
-                                  </a:rPr>
-                                  <m:t>log</m:t>
-                                </m:r>
-                              </m:e>
-                              <m:sub>
-                                <m:r>
-                                  <a:rPr kumimoji="1" lang="en-US" altLang="zh-CN" b="0" i="1" smtClean="0">
-                                    <a:solidFill>
-                                      <a:schemeClr val="tx1"/>
-                                    </a:solidFill>
-                                    <a:latin typeface="Cambria Math" panose="02040503050406030204" pitchFamily="18" charset="0"/>
-                                  </a:rPr>
-                                  <m:t>2</m:t>
-                                </m:r>
-                              </m:sub>
-                            </m:sSub>
-                          </m:fName>
-                          <m:e>
-                            <m:r>
-                              <a:rPr kumimoji="1" lang="en-US" altLang="zh-CN" b="0" i="1" smtClean="0">
-                                <a:solidFill>
-                                  <a:schemeClr val="tx1"/>
-                                </a:solidFill>
-                                <a:latin typeface="Cambria Math" panose="02040503050406030204" pitchFamily="18" charset="0"/>
-                              </a:rPr>
-                              <m:t>𝑃</m:t>
-                            </m:r>
-                            <m:r>
-                              <a:rPr kumimoji="1" lang="en-US" altLang="zh-CN" b="0" i="1" smtClean="0">
-                                <a:solidFill>
-                                  <a:schemeClr val="tx1"/>
-                                </a:solidFill>
-                                <a:latin typeface="Cambria Math" panose="02040503050406030204" pitchFamily="18" charset="0"/>
-                              </a:rPr>
-                              <m:t>(</m:t>
-                            </m:r>
-                            <m:sSub>
-                              <m:sSubPr>
-                                <m:ctrlPr>
-                                  <a:rPr kumimoji="1" lang="en-US" altLang="zh-CN" b="0" i="1" smtClean="0">
-                                    <a:solidFill>
-                                      <a:schemeClr val="tx1"/>
-                                    </a:solidFill>
-                                    <a:latin typeface="Cambria Math" panose="02040503050406030204" pitchFamily="18" charset="0"/>
-                                  </a:rPr>
-                                </m:ctrlPr>
-                              </m:sSubPr>
-                              <m:e>
-                                <m:r>
-                                  <a:rPr kumimoji="1" lang="en-US" altLang="zh-CN" b="0" i="1" smtClean="0">
-                                    <a:solidFill>
-                                      <a:schemeClr val="tx1"/>
-                                    </a:solidFill>
-                                    <a:latin typeface="Cambria Math" panose="02040503050406030204" pitchFamily="18" charset="0"/>
-                                  </a:rPr>
-                                  <m:t>𝑥</m:t>
-                                </m:r>
-                              </m:e>
-                              <m:sub>
-                                <m:r>
-                                  <a:rPr kumimoji="1" lang="en-US" altLang="zh-CN" b="0" i="1" smtClean="0">
-                                    <a:solidFill>
-                                      <a:schemeClr val="tx1"/>
-                                    </a:solidFill>
-                                    <a:latin typeface="Cambria Math" panose="02040503050406030204" pitchFamily="18" charset="0"/>
-                                  </a:rPr>
-                                  <m:t>𝑖</m:t>
-                                </m:r>
-                              </m:sub>
-                            </m:sSub>
-                            <m:r>
-                              <a:rPr kumimoji="1" lang="en-US" altLang="zh-CN" b="0" i="1" smtClean="0">
-                                <a:solidFill>
-                                  <a:schemeClr val="tx1"/>
-                                </a:solidFill>
-                                <a:latin typeface="Cambria Math" panose="02040503050406030204" pitchFamily="18" charset="0"/>
-                              </a:rPr>
-                              <m:t>)</m:t>
-                            </m:r>
-                          </m:e>
-                        </m:func>
-                      </m:e>
-                    </m:nary>
-                  </m:oMath>
-                </a14:m>
-                <a:r>
-                  <a:rPr kumimoji="1" lang="en-US" altLang="zh-CN" b="0" dirty="0">
-                    <a:solidFill>
-                      <a:schemeClr val="tx1"/>
-                    </a:solidFill>
-                  </a:rPr>
-                  <a:t> </a:t>
-                </a:r>
-              </a:p>
-              <a:p>
-                <a:pPr marL="540000" indent="0">
-                  <a:buNone/>
-                </a:pPr>
-                <a:r>
-                  <a:rPr kumimoji="1" lang="en-US" altLang="zh-CN" b="0" dirty="0">
-                    <a:solidFill>
-                      <a:schemeClr val="tx1"/>
-                    </a:solidFill>
-                  </a:rPr>
-                  <a:t>         </a:t>
-                </a:r>
-                <a14:m>
-                  <m:oMath xmlns:m="http://schemas.openxmlformats.org/officeDocument/2006/math">
-                    <m:r>
-                      <a:rPr kumimoji="1" lang="en-US" altLang="zh-CN" b="0" i="0" smtClean="0">
-                        <a:solidFill>
-                          <a:schemeClr val="tx1"/>
-                        </a:solidFill>
-                        <a:latin typeface="Cambria Math" panose="02040503050406030204" pitchFamily="18" charset="0"/>
-                      </a:rPr>
-                      <m:t> </m:t>
-                    </m:r>
-                    <m:r>
                       <a:rPr kumimoji="1" lang="en-US" altLang="zh-CN" i="1">
-                        <a:solidFill>
-                          <a:schemeClr val="tx1"/>
-                        </a:solidFill>
-                        <a:latin typeface="Cambria Math" panose="02040503050406030204" pitchFamily="18" charset="0"/>
-                      </a:rPr>
-                      <m:t>=−</m:t>
-                    </m:r>
-                    <m:f>
-                      <m:fPr>
-                        <m:ctrlPr>
-                          <a:rPr kumimoji="1" lang="en-US" altLang="zh-CN" b="0" i="1" smtClean="0">
-                            <a:solidFill>
-                              <a:schemeClr val="tx1"/>
-                            </a:solidFill>
-                            <a:latin typeface="Cambria Math" panose="02040503050406030204" pitchFamily="18" charset="0"/>
-                          </a:rPr>
-                        </m:ctrlPr>
-                      </m:fPr>
-                      <m:num>
-                        <m:r>
-                          <a:rPr kumimoji="1" lang="en-US" altLang="zh-CN" b="0" i="1" smtClean="0">
-                            <a:solidFill>
-                              <a:schemeClr val="tx1"/>
-                            </a:solidFill>
-                            <a:latin typeface="Cambria Math" panose="02040503050406030204" pitchFamily="18" charset="0"/>
-                          </a:rPr>
-                          <m:t>1</m:t>
-                        </m:r>
-                      </m:num>
-                      <m:den>
-                        <m:r>
-                          <a:rPr kumimoji="1" lang="en-US" altLang="zh-CN" b="0" i="1" smtClean="0">
-                            <a:solidFill>
-                              <a:schemeClr val="tx1"/>
-                            </a:solidFill>
-                            <a:latin typeface="Cambria Math" panose="02040503050406030204" pitchFamily="18" charset="0"/>
-                          </a:rPr>
-                          <m:t>2</m:t>
-                        </m:r>
-                      </m:den>
-                    </m:f>
-                    <m:r>
-                      <a:rPr kumimoji="1" lang="en-US" altLang="zh-CN" i="1">
-                        <a:solidFill>
-                          <a:schemeClr val="tx1"/>
-                        </a:solidFill>
-                        <a:latin typeface="Cambria Math" panose="02040503050406030204" pitchFamily="18" charset="0"/>
-                      </a:rPr>
-                      <m:t>×</m:t>
-                    </m:r>
-                    <m:func>
-                      <m:funcPr>
-                        <m:ctrlPr>
-                          <a:rPr kumimoji="1" lang="en-US" altLang="zh-CN" i="1">
-                            <a:solidFill>
-                              <a:schemeClr val="tx1"/>
-                            </a:solidFill>
-                            <a:latin typeface="Cambria Math" panose="02040503050406030204" pitchFamily="18" charset="0"/>
-                          </a:rPr>
-                        </m:ctrlPr>
-                      </m:funcPr>
-                      <m:fName>
-                        <m:sSub>
-                          <m:sSubPr>
-                            <m:ctrlPr>
-                              <a:rPr kumimoji="1" lang="en-US" altLang="zh-CN" i="1">
-                                <a:solidFill>
-                                  <a:schemeClr val="tx1"/>
-                                </a:solidFill>
-                                <a:latin typeface="Cambria Math" panose="02040503050406030204" pitchFamily="18" charset="0"/>
-                              </a:rPr>
-                            </m:ctrlPr>
-                          </m:sSubPr>
-                          <m:e>
-                            <m:r>
-                              <m:rPr>
-                                <m:sty m:val="p"/>
-                              </m:rPr>
-                              <a:rPr kumimoji="1" lang="en-US" altLang="zh-CN">
-                                <a:solidFill>
-                                  <a:schemeClr val="tx1"/>
-                                </a:solidFill>
-                                <a:latin typeface="Cambria Math" panose="02040503050406030204" pitchFamily="18" charset="0"/>
-                              </a:rPr>
-                              <m:t>log</m:t>
-                            </m:r>
-                          </m:e>
-                          <m:sub>
-                            <m:r>
-                              <a:rPr kumimoji="1" lang="en-US" altLang="zh-CN" i="1">
-                                <a:solidFill>
-                                  <a:schemeClr val="tx1"/>
-                                </a:solidFill>
-                                <a:latin typeface="Cambria Math" panose="02040503050406030204" pitchFamily="18" charset="0"/>
-                              </a:rPr>
-                              <m:t>2</m:t>
-                            </m:r>
-                          </m:sub>
-                        </m:sSub>
-                      </m:fName>
-                      <m:e>
-                        <m:f>
-                          <m:fPr>
-                            <m:ctrlPr>
-                              <a:rPr kumimoji="1" lang="en-US" altLang="zh-CN" b="0" i="1" smtClean="0">
-                                <a:solidFill>
-                                  <a:schemeClr val="tx1"/>
-                                </a:solidFill>
-                                <a:latin typeface="Cambria Math" panose="02040503050406030204" pitchFamily="18" charset="0"/>
-                              </a:rPr>
-                            </m:ctrlPr>
-                          </m:fPr>
-                          <m:num>
-                            <m:r>
-                              <a:rPr kumimoji="1" lang="en-US" altLang="zh-CN" b="0" i="1" smtClean="0">
-                                <a:solidFill>
-                                  <a:schemeClr val="tx1"/>
-                                </a:solidFill>
-                                <a:latin typeface="Cambria Math" panose="02040503050406030204" pitchFamily="18" charset="0"/>
-                              </a:rPr>
-                              <m:t>1</m:t>
-                            </m:r>
-                          </m:num>
-                          <m:den>
-                            <m:r>
-                              <a:rPr kumimoji="1" lang="en-US" altLang="zh-CN" b="0" i="1" smtClean="0">
-                                <a:solidFill>
-                                  <a:schemeClr val="tx1"/>
-                                </a:solidFill>
-                                <a:latin typeface="Cambria Math" panose="02040503050406030204" pitchFamily="18" charset="0"/>
-                              </a:rPr>
-                              <m:t>2</m:t>
-                            </m:r>
-                          </m:den>
-                        </m:f>
-                      </m:e>
-                    </m:func>
-                    <m:r>
-                      <a:rPr kumimoji="1" lang="en-US" altLang="zh-CN" i="1">
-                        <a:solidFill>
-                          <a:schemeClr val="tx1"/>
-                        </a:solidFill>
-                        <a:latin typeface="Cambria Math" panose="02040503050406030204" pitchFamily="18" charset="0"/>
-                      </a:rPr>
-                      <m:t>−</m:t>
-                    </m:r>
-                    <m:f>
-                      <m:fPr>
-                        <m:ctrlPr>
-                          <a:rPr kumimoji="1" lang="en-US" altLang="zh-CN" b="0" i="1" smtClean="0">
-                            <a:solidFill>
-                              <a:schemeClr val="tx1"/>
-                            </a:solidFill>
-                            <a:latin typeface="Cambria Math" panose="02040503050406030204" pitchFamily="18" charset="0"/>
-                          </a:rPr>
-                        </m:ctrlPr>
-                      </m:fPr>
-                      <m:num>
-                        <m:r>
-                          <a:rPr kumimoji="1" lang="en-US" altLang="zh-CN" i="1">
-                            <a:solidFill>
-                              <a:schemeClr val="tx1"/>
-                            </a:solidFill>
-                            <a:latin typeface="Cambria Math" panose="02040503050406030204" pitchFamily="18" charset="0"/>
-                          </a:rPr>
-                          <m:t>1</m:t>
-                        </m:r>
-                      </m:num>
-                      <m:den>
-                        <m:r>
-                          <a:rPr kumimoji="1" lang="en-US" altLang="zh-CN" b="0" i="1" smtClean="0">
-                            <a:solidFill>
-                              <a:schemeClr val="tx1"/>
-                            </a:solidFill>
-                            <a:latin typeface="Cambria Math" panose="02040503050406030204" pitchFamily="18" charset="0"/>
-                          </a:rPr>
-                          <m:t>2</m:t>
-                        </m:r>
-                      </m:den>
-                    </m:f>
-                    <m:r>
-                      <a:rPr kumimoji="1" lang="en-US" altLang="zh-CN" i="1">
-                        <a:solidFill>
-                          <a:schemeClr val="tx1"/>
-                        </a:solidFill>
-                        <a:latin typeface="Cambria Math" panose="02040503050406030204" pitchFamily="18" charset="0"/>
-                      </a:rPr>
-                      <m:t>×</m:t>
-                    </m:r>
-                    <m:func>
-                      <m:funcPr>
-                        <m:ctrlPr>
-                          <a:rPr kumimoji="1" lang="en-US" altLang="zh-CN" i="1">
-                            <a:solidFill>
-                              <a:schemeClr val="tx1"/>
-                            </a:solidFill>
-                            <a:latin typeface="Cambria Math" panose="02040503050406030204" pitchFamily="18" charset="0"/>
-                          </a:rPr>
-                        </m:ctrlPr>
-                      </m:funcPr>
-                      <m:fName>
-                        <m:sSub>
-                          <m:sSubPr>
-                            <m:ctrlPr>
-                              <a:rPr kumimoji="1" lang="en-US" altLang="zh-CN" i="1">
-                                <a:solidFill>
-                                  <a:schemeClr val="tx1"/>
-                                </a:solidFill>
-                                <a:latin typeface="Cambria Math" panose="02040503050406030204" pitchFamily="18" charset="0"/>
-                              </a:rPr>
-                            </m:ctrlPr>
-                          </m:sSubPr>
-                          <m:e>
-                            <m:r>
-                              <m:rPr>
-                                <m:sty m:val="p"/>
-                              </m:rPr>
-                              <a:rPr kumimoji="1" lang="en-US" altLang="zh-CN">
-                                <a:solidFill>
-                                  <a:schemeClr val="tx1"/>
-                                </a:solidFill>
-                                <a:latin typeface="Cambria Math" panose="02040503050406030204" pitchFamily="18" charset="0"/>
-                              </a:rPr>
-                              <m:t>log</m:t>
-                            </m:r>
-                          </m:e>
-                          <m:sub>
-                            <m:r>
-                              <a:rPr kumimoji="1" lang="en-US" altLang="zh-CN" i="1">
-                                <a:solidFill>
-                                  <a:schemeClr val="tx1"/>
-                                </a:solidFill>
-                                <a:latin typeface="Cambria Math" panose="02040503050406030204" pitchFamily="18" charset="0"/>
-                              </a:rPr>
-                              <m:t>2</m:t>
-                            </m:r>
-                          </m:sub>
-                        </m:sSub>
-                      </m:fName>
-                      <m:e>
-                        <m:f>
-                          <m:fPr>
-                            <m:ctrlPr>
-                              <a:rPr kumimoji="1" lang="en-US" altLang="zh-CN" b="0" i="1" smtClean="0">
-                                <a:solidFill>
-                                  <a:schemeClr val="tx1"/>
-                                </a:solidFill>
-                                <a:latin typeface="Cambria Math" panose="02040503050406030204" pitchFamily="18" charset="0"/>
-                              </a:rPr>
-                            </m:ctrlPr>
-                          </m:fPr>
-                          <m:num>
-                            <m:r>
-                              <a:rPr kumimoji="1" lang="en-US" altLang="zh-CN" b="0" i="1" smtClean="0">
-                                <a:solidFill>
-                                  <a:schemeClr val="tx1"/>
-                                </a:solidFill>
-                                <a:latin typeface="Cambria Math" panose="02040503050406030204" pitchFamily="18" charset="0"/>
-                              </a:rPr>
-                              <m:t>1</m:t>
-                            </m:r>
-                          </m:num>
-                          <m:den>
-                            <m:r>
-                              <a:rPr kumimoji="1" lang="en-US" altLang="zh-CN" b="0" i="1" smtClean="0">
-                                <a:solidFill>
-                                  <a:schemeClr val="tx1"/>
-                                </a:solidFill>
-                                <a:latin typeface="Cambria Math" panose="02040503050406030204" pitchFamily="18" charset="0"/>
-                              </a:rPr>
-                              <m:t>2</m:t>
-                            </m:r>
-                          </m:den>
-                        </m:f>
-                        <m:r>
-                          <m:rPr>
-                            <m:nor/>
-                          </m:rPr>
-                          <a:rPr kumimoji="1" lang="en-US" altLang="zh-CN" dirty="0">
-                            <a:solidFill>
-                              <a:schemeClr val="tx1"/>
-                            </a:solidFill>
-                          </a:rPr>
-                          <m:t> </m:t>
-                        </m:r>
-                      </m:e>
-                    </m:func>
-                    <m:r>
-                      <a:rPr kumimoji="1" lang="en-US" altLang="zh-CN" b="0" i="1" dirty="0" smtClean="0">
-                        <a:solidFill>
-                          <a:schemeClr val="tx1"/>
-                        </a:solidFill>
-                        <a:latin typeface="Cambria Math" panose="02040503050406030204" pitchFamily="18" charset="0"/>
-                      </a:rPr>
-                      <m:t>=1</m:t>
-                    </m:r>
-                    <m:r>
-                      <a:rPr kumimoji="1" lang="en-US" altLang="zh-CN" b="0" i="1" dirty="0" smtClean="0">
-                        <a:solidFill>
-                          <a:schemeClr val="tx1"/>
-                        </a:solidFill>
-                        <a:latin typeface="Cambria Math" panose="02040503050406030204" pitchFamily="18" charset="0"/>
-                      </a:rPr>
-                      <m:t>𝑏𝑖𝑡</m:t>
-                    </m:r>
-                  </m:oMath>
-                </a14:m>
-                <a:endParaRPr kumimoji="1" lang="en-US" altLang="zh-CN" i="1" dirty="0">
-                  <a:solidFill>
-                    <a:schemeClr val="tx1"/>
-                  </a:solidFill>
-                  <a:latin typeface="Cambria Math" panose="02040503050406030204" pitchFamily="18" charset="0"/>
-                </a:endParaRPr>
-              </a:p>
-            </p:txBody>
-          </p:sp>
-        </mc:Choice>
-        <mc:Fallback>
-          <p:sp>
-            <p:nvSpPr>
-              <p:cNvPr id="6" name="内容占位符 4">
-                <a:extLst>
-                  <a:ext uri="{FF2B5EF4-FFF2-40B4-BE49-F238E27FC236}">
-                    <a16:creationId xmlns:a16="http://schemas.microsoft.com/office/drawing/2014/main" id="{D9D69492-E153-4FEF-98AB-E145CCD6482F}"/>
-                  </a:ext>
-                </a:extLst>
-              </p:cNvPr>
-              <p:cNvSpPr txBox="1">
-                <a:spLocks noRot="1" noChangeAspect="1" noMove="1" noResize="1" noEditPoints="1" noAdjustHandles="1" noChangeArrowheads="1" noChangeShapeType="1" noTextEdit="1"/>
-              </p:cNvSpPr>
-              <p:nvPr/>
-            </p:nvSpPr>
-            <p:spPr>
-              <a:xfrm>
-                <a:off x="207819" y="2533477"/>
-                <a:ext cx="8827124" cy="3179426"/>
-              </a:xfrm>
-              <a:prstGeom prst="rect">
-                <a:avLst/>
-              </a:prstGeom>
-              <a:blipFill>
-                <a:blip r:embed="rId2"/>
-                <a:stretch>
-                  <a:fillRect l="-287" t="-1992" b="-797"/>
-                </a:stretch>
-              </a:blipFill>
-            </p:spPr>
-            <p:txBody>
-              <a:bodyPr/>
-              <a:lstStyle/>
-              <a:p>
-                <a:r>
-                  <a:rPr lang="en-CN">
-                    <a:noFill/>
-                  </a:rPr>
-                  <a:t> </a:t>
-                </a:r>
-              </a:p>
-            </p:txBody>
-          </p:sp>
-        </mc:Fallback>
-      </mc:AlternateContent>
-    </p:spTree>
-    <p:extLst>
-      <p:ext uri="{BB962C8B-B14F-4D97-AF65-F5344CB8AC3E}">
-        <p14:creationId xmlns:p14="http://schemas.microsoft.com/office/powerpoint/2010/main" val="3206978978"/>
-      </p:ext>
-    </p:extLst>
-  </p:cSld>
-  <p:clrMapOvr>
-    <a:masterClrMapping/>
-  </p:clrMapOvr>
-  <p:timing>
-    <p:tnLst>
-      <p:par>
-        <p:cTn id="1" dur="indefinite" restart="never" nodeType="tmRoot">
-          <p:childTnLst>
-            <p:seq concurrent="1" nextAc="seek">
-              <p:cTn id="2" dur="indefinite" nodeType="mainSeq">
-                <p:childTnLst>
-                  <p:par>
-                    <p:cTn id="3" fill="hold">
-                      <p:stCondLst>
-                        <p:cond delay="indefinite"/>
-                      </p:stCondLst>
-                      <p:childTnLst>
-                        <p:par>
-                          <p:cTn id="4" fill="hold">
-                            <p:stCondLst>
-                              <p:cond delay="0"/>
-                            </p:stCondLst>
-                            <p:childTnLst>
-                              <p:par>
-                                <p:cTn id="5" presetID="1" presetClass="entr" presetSubtype="0" fill="hold" grpId="0" nodeType="clickEffect">
-                                  <p:stCondLst>
-                                    <p:cond delay="0"/>
-                                  </p:stCondLst>
-                                  <p:childTnLst>
-                                    <p:set>
-                                      <p:cBhvr>
-                                        <p:cTn id="6" dur="1" fill="hold">
-                                          <p:stCondLst>
-                                            <p:cond delay="0"/>
-                                          </p:stCondLst>
-                                        </p:cTn>
-                                        <p:tgtEl>
-                                          <p:spTgt spid="3"/>
-                                        </p:tgtEl>
-                                        <p:attrNameLst>
-                                          <p:attrName>style.visibility</p:attrName>
-                                        </p:attrNameLst>
-                                      </p:cBhvr>
-                                      <p:to>
-                                        <p:strVal val="visible"/>
-                                      </p:to>
-                                    </p:set>
-                                  </p:childTnLst>
-                                </p:cTn>
-                              </p:par>
-                            </p:childTnLst>
-                          </p:cTn>
-                        </p:par>
-                      </p:childTnLst>
-                    </p:cTn>
-                  </p:par>
-                  <p:par>
-                    <p:cTn id="7" fill="hold">
-                      <p:stCondLst>
-                        <p:cond delay="indefinite"/>
-                      </p:stCondLst>
-                      <p:childTnLst>
-                        <p:par>
-                          <p:cTn id="8" fill="hold">
-                            <p:stCondLst>
-                              <p:cond delay="0"/>
-                            </p:stCondLst>
-                            <p:childTnLst>
-                              <p:par>
-                                <p:cTn id="9" presetID="1" presetClass="entr" presetSubtype="0" fill="hold" grpId="0" nodeType="clickEffect">
-                                  <p:stCondLst>
-                                    <p:cond delay="0"/>
-                                  </p:stCondLst>
-                                  <p:childTnLst>
-                                    <p:set>
-                                      <p:cBhvr>
-                                        <p:cTn id="10" dur="1" fill="hold">
-                                          <p:stCondLst>
-                                            <p:cond delay="0"/>
-                                          </p:stCondLst>
-                                        </p:cTn>
-                                        <p:tgtEl>
-                                          <p:spTgt spid="6"/>
-                                        </p:tgtEl>
-                                        <p:attrNameLst>
-                                          <p:attrName>style.visibility</p:attrName>
-                                        </p:attrNameLst>
-                                      </p:cBhvr>
-                                      <p:to>
-                                        <p:strVal val="visible"/>
-                                      </p:to>
-                                    </p:set>
-                                  </p:childTnLst>
-                                </p:cTn>
-                              </p:par>
-                            </p:childTnLst>
-                          </p:cTn>
-                        </p:par>
-                      </p:childTnLst>
-                    </p:cTn>
-                  </p:par>
-                </p:childTnLst>
-              </p:cTn>
-              <p:prevCondLst>
-                <p:cond evt="onPrev" delay="0">
-                  <p:tgtEl>
-                    <p:sldTgt/>
-                  </p:tgtEl>
-                </p:cond>
-              </p:prevCondLst>
-              <p:nextCondLst>
-                <p:cond evt="onNext" delay="0">
-                  <p:tgtEl>
-                    <p:sldTgt/>
-                  </p:tgtEl>
-                </p:cond>
-              </p:nextCondLst>
-            </p:seq>
-          </p:childTnLst>
-        </p:cTn>
-      </p:par>
-    </p:tnLst>
-    <p:bldLst>
-      <p:bldP spid="3" grpId="0"/>
-      <p:bldP spid="6" grpId="0"/>
-    </p:bldLst>
-  </p:timing>
-</p:sld>
-</file>
-
-<file path=ppt/slides/slide14.xml><?xml version="1.0" encoding="utf-8"?>
-<p:sld xmlns:a="http://schemas.openxmlformats.org/drawingml/2006/main" xmlns:r="http://schemas.openxmlformats.org/officeDocument/2006/relationships" xmlns:p="http://schemas.openxmlformats.org/presentationml/2006/main">
-  <p:cSld>
-    <p:spTree>
-      <p:nvGrpSpPr>
-        <p:cNvPr id="1" name=""/>
-        <p:cNvGrpSpPr/>
-        <p:nvPr/>
-      </p:nvGrpSpPr>
-      <p:grpSpPr>
-        <a:xfrm>
-          <a:off x="0" y="0"/>
-          <a:ext cx="0" cy="0"/>
-          <a:chOff x="0" y="0"/>
-          <a:chExt cx="0" cy="0"/>
-        </a:xfrm>
-      </p:grpSpPr>
-      <p:sp>
-        <p:nvSpPr>
-          <p:cNvPr id="5" name="标题 1">
-            <a:extLst>
-              <a:ext uri="{FF2B5EF4-FFF2-40B4-BE49-F238E27FC236}">
-                <a16:creationId xmlns:a16="http://schemas.microsoft.com/office/drawing/2014/main" id="{F0511409-B9AF-4D30-B635-901BDDA9EAD1}"/>
-              </a:ext>
-            </a:extLst>
-          </p:cNvPr>
-          <p:cNvSpPr>
-            <a:spLocks noGrp="1"/>
-          </p:cNvSpPr>
-          <p:nvPr>
-            <p:ph type="title"/>
-          </p:nvPr>
-        </p:nvSpPr>
-        <p:spPr>
-          <a:xfrm>
-            <a:off x="460664" y="539176"/>
-            <a:ext cx="8048336" cy="750455"/>
-          </a:xfrm>
-        </p:spPr>
-        <p:txBody>
-          <a:bodyPr/>
-          <a:lstStyle/>
-          <a:p>
-            <a:pPr algn="l"/>
-            <a:r>
-              <a:rPr lang="en-US" altLang="ja-JP" sz="4000" baseline="30000" dirty="0">
-                <a:solidFill>
-                  <a:schemeClr val="bg1"/>
-                </a:solidFill>
-                <a:latin typeface="黑体"/>
-                <a:ea typeface="黑体"/>
-                <a:cs typeface="黑体"/>
-              </a:rPr>
-              <a:t>2.3 Practice-B</a:t>
-            </a:r>
-            <a:endParaRPr lang="ja-JP" altLang="en-US" sz="4000" baseline="30000" dirty="0">
-              <a:solidFill>
-                <a:schemeClr val="bg1"/>
-              </a:solidFill>
-              <a:latin typeface="黑体"/>
-              <a:ea typeface="黑体"/>
-              <a:cs typeface="黑体"/>
-            </a:endParaRPr>
-          </a:p>
-        </p:txBody>
-      </p:sp>
-      <p:sp>
-        <p:nvSpPr>
-          <p:cNvPr id="3" name="内容占位符 4">
-            <a:extLst>
-              <a:ext uri="{FF2B5EF4-FFF2-40B4-BE49-F238E27FC236}">
-                <a16:creationId xmlns:a16="http://schemas.microsoft.com/office/drawing/2014/main" id="{C3A1C0B0-1BA2-46B8-86D0-C2FA375EBD02}"/>
-              </a:ext>
-            </a:extLst>
-          </p:cNvPr>
-          <p:cNvSpPr txBox="1">
-            <a:spLocks/>
-          </p:cNvSpPr>
-          <p:nvPr/>
-        </p:nvSpPr>
-        <p:spPr>
-          <a:xfrm>
-            <a:off x="207819" y="1381587"/>
-            <a:ext cx="8827124" cy="1222717"/>
-          </a:xfrm>
-          <a:prstGeom prst="rect">
-            <a:avLst/>
-          </a:prstGeom>
-        </p:spPr>
-        <p:txBody>
-          <a:bodyPr vert="horz" lIns="91440" tIns="45720" rIns="91440" bIns="45720" rtlCol="0">
-            <a:normAutofit/>
-          </a:bodyPr>
-          <a:lstStyle>
-            <a:lvl1pPr marL="457200" indent="-457200" algn="l" defTabSz="914400" rtl="0" eaLnBrk="1" latinLnBrk="0" hangingPunct="1">
-              <a:spcBef>
-                <a:spcPts val="2000"/>
-              </a:spcBef>
-              <a:buClr>
-                <a:schemeClr val="tx1">
-                  <a:lumMod val="75000"/>
-                  <a:lumOff val="25000"/>
-                </a:schemeClr>
-              </a:buClr>
-              <a:buSzPct val="75000"/>
-              <a:buFont typeface="Wingdings 2" pitchFamily="18" charset="2"/>
-              <a:buChar char=""/>
-              <a:defRPr sz="2200" kern="1200">
-                <a:solidFill>
-                  <a:schemeClr val="tx1">
-                    <a:lumMod val="75000"/>
-                    <a:lumOff val="25000"/>
-                  </a:schemeClr>
-                </a:solidFill>
-                <a:latin typeface="+mn-lt"/>
-                <a:ea typeface="+mn-ea"/>
-                <a:cs typeface="+mn-cs"/>
-              </a:defRPr>
-            </a:lvl1pPr>
-            <a:lvl2pPr marL="914400" indent="-457200" algn="l" defTabSz="914400" rtl="0" eaLnBrk="1" latinLnBrk="0" hangingPunct="1">
-              <a:spcBef>
-                <a:spcPts val="600"/>
-              </a:spcBef>
-              <a:buClr>
-                <a:schemeClr val="tx1">
-                  <a:lumMod val="50000"/>
-                  <a:lumOff val="50000"/>
-                </a:schemeClr>
-              </a:buClr>
-              <a:buSzPct val="75000"/>
-              <a:buFont typeface="Wingdings 2" pitchFamily="18" charset="2"/>
-              <a:buChar char=""/>
-              <a:defRPr sz="2000" kern="1200">
-                <a:solidFill>
-                  <a:schemeClr val="tx1">
-                    <a:lumMod val="75000"/>
-                    <a:lumOff val="25000"/>
-                  </a:schemeClr>
-                </a:solidFill>
-                <a:latin typeface="+mn-lt"/>
-                <a:ea typeface="+mn-ea"/>
-                <a:cs typeface="+mn-cs"/>
-              </a:defRPr>
-            </a:lvl2pPr>
-            <a:lvl3pPr marL="1371600" indent="-457200" algn="l" defTabSz="914400" rtl="0" eaLnBrk="1" latinLnBrk="0" hangingPunct="1">
-              <a:spcBef>
-                <a:spcPts val="600"/>
-              </a:spcBef>
-              <a:buClr>
-                <a:schemeClr val="tx1">
-                  <a:lumMod val="75000"/>
-                  <a:lumOff val="25000"/>
-                </a:schemeClr>
-              </a:buClr>
-              <a:buSzPct val="75000"/>
-              <a:buFont typeface="Wingdings 2" pitchFamily="18" charset="2"/>
-              <a:buChar char=""/>
-              <a:defRPr sz="1800" kern="1200">
-                <a:solidFill>
-                  <a:schemeClr val="tx1">
-                    <a:lumMod val="75000"/>
-                    <a:lumOff val="25000"/>
-                  </a:schemeClr>
-                </a:solidFill>
-                <a:latin typeface="+mn-lt"/>
-                <a:ea typeface="+mn-ea"/>
-                <a:cs typeface="+mn-cs"/>
-              </a:defRPr>
-            </a:lvl3pPr>
-            <a:lvl4pPr marL="1828800" indent="-457200" algn="l" defTabSz="914400" rtl="0" eaLnBrk="1" latinLnBrk="0" hangingPunct="1">
-              <a:spcBef>
-                <a:spcPts val="600"/>
-              </a:spcBef>
-              <a:buClr>
-                <a:schemeClr val="tx1">
-                  <a:lumMod val="50000"/>
-                  <a:lumOff val="50000"/>
-                </a:schemeClr>
-              </a:buClr>
-              <a:buSzPct val="75000"/>
-              <a:buFont typeface="Wingdings 2" pitchFamily="18" charset="2"/>
-              <a:buChar char=""/>
-              <a:defRPr sz="1800" kern="1200">
-                <a:solidFill>
-                  <a:schemeClr val="tx1">
-                    <a:lumMod val="75000"/>
-                    <a:lumOff val="25000"/>
-                  </a:schemeClr>
-                </a:solidFill>
-                <a:latin typeface="+mn-lt"/>
-                <a:ea typeface="+mn-ea"/>
-                <a:cs typeface="+mn-cs"/>
-              </a:defRPr>
-            </a:lvl4pPr>
-            <a:lvl5pPr marL="2286000" indent="-457200" algn="l" defTabSz="914400" rtl="0" eaLnBrk="1" latinLnBrk="0" hangingPunct="1">
-              <a:spcBef>
-                <a:spcPts val="600"/>
-              </a:spcBef>
-              <a:buClr>
-                <a:schemeClr val="tx1">
-                  <a:lumMod val="75000"/>
-                  <a:lumOff val="25000"/>
-                </a:schemeClr>
-              </a:buClr>
-              <a:buSzPct val="75000"/>
-              <a:buFont typeface="Wingdings 2" pitchFamily="18" charset="2"/>
-              <a:buChar char=""/>
-              <a:defRPr sz="1800" kern="1200">
-                <a:solidFill>
-                  <a:schemeClr val="tx1">
-                    <a:lumMod val="75000"/>
-                    <a:lumOff val="25000"/>
-                  </a:schemeClr>
-                </a:solidFill>
-                <a:latin typeface="+mn-lt"/>
-                <a:ea typeface="+mn-ea"/>
-                <a:cs typeface="+mn-cs"/>
-              </a:defRPr>
-            </a:lvl5pPr>
-            <a:lvl6pPr marL="2743200" indent="-461963" algn="l" defTabSz="914400" rtl="0" eaLnBrk="1" latinLnBrk="0" hangingPunct="1">
-              <a:spcBef>
-                <a:spcPct val="20000"/>
-              </a:spcBef>
-              <a:buClr>
-                <a:schemeClr val="tx1">
-                  <a:lumMod val="50000"/>
-                  <a:lumOff val="50000"/>
-                </a:schemeClr>
-              </a:buClr>
-              <a:buSzPct val="75000"/>
-              <a:buFont typeface="Wingdings 2" pitchFamily="18" charset="2"/>
-              <a:buChar char=""/>
-              <a:defRPr lang="en-US" sz="1800" kern="1200" dirty="0" smtClean="0">
-                <a:solidFill>
-                  <a:schemeClr val="tx1">
-                    <a:lumMod val="75000"/>
-                    <a:lumOff val="25000"/>
-                  </a:schemeClr>
-                </a:solidFill>
-                <a:latin typeface="+mn-lt"/>
-                <a:ea typeface="+mn-ea"/>
-                <a:cs typeface="+mn-cs"/>
-              </a:defRPr>
-            </a:lvl6pPr>
-            <a:lvl7pPr marL="3205163" indent="-461963" algn="l" defTabSz="914400" rtl="0" eaLnBrk="1" latinLnBrk="0" hangingPunct="1">
-              <a:spcBef>
-                <a:spcPct val="20000"/>
-              </a:spcBef>
-              <a:buClr>
-                <a:schemeClr val="tx1">
-                  <a:lumMod val="75000"/>
-                  <a:lumOff val="25000"/>
-                </a:schemeClr>
-              </a:buClr>
-              <a:buSzPct val="75000"/>
-              <a:buFont typeface="Wingdings 2" pitchFamily="18" charset="2"/>
-              <a:buChar char=""/>
-              <a:defRPr lang="en-US" sz="1800" kern="1200" dirty="0" smtClean="0">
-                <a:solidFill>
-                  <a:schemeClr val="tx1">
-                    <a:lumMod val="75000"/>
-                    <a:lumOff val="25000"/>
-                  </a:schemeClr>
-                </a:solidFill>
-                <a:latin typeface="+mn-lt"/>
-                <a:ea typeface="+mn-ea"/>
-                <a:cs typeface="+mn-cs"/>
-              </a:defRPr>
-            </a:lvl7pPr>
-            <a:lvl8pPr marL="3657600" indent="-461963" algn="l" defTabSz="914400" rtl="0" eaLnBrk="1" latinLnBrk="0" hangingPunct="1">
-              <a:spcBef>
-                <a:spcPct val="20000"/>
-              </a:spcBef>
-              <a:buClr>
-                <a:schemeClr val="tx1">
-                  <a:lumMod val="50000"/>
-                  <a:lumOff val="50000"/>
-                </a:schemeClr>
-              </a:buClr>
-              <a:buSzPct val="75000"/>
-              <a:buFont typeface="Wingdings 2" pitchFamily="18" charset="2"/>
-              <a:buChar char=""/>
-              <a:defRPr lang="en-US" sz="1800" kern="1200" dirty="0" smtClean="0">
-                <a:solidFill>
-                  <a:schemeClr val="tx1">
-                    <a:lumMod val="75000"/>
-                    <a:lumOff val="25000"/>
-                  </a:schemeClr>
-                </a:solidFill>
-                <a:latin typeface="+mn-lt"/>
-                <a:ea typeface="+mn-ea"/>
-                <a:cs typeface="+mn-cs"/>
-              </a:defRPr>
-            </a:lvl8pPr>
-            <a:lvl9pPr marL="4119563" indent="-461963" algn="l" defTabSz="914400" rtl="0" eaLnBrk="1" latinLnBrk="0" hangingPunct="1">
-              <a:spcBef>
-                <a:spcPct val="20000"/>
-              </a:spcBef>
-              <a:buClr>
-                <a:schemeClr val="tx1">
-                  <a:lumMod val="75000"/>
-                  <a:lumOff val="25000"/>
-                </a:schemeClr>
-              </a:buClr>
-              <a:buSzPct val="75000"/>
-              <a:buFont typeface="Wingdings 2" pitchFamily="18" charset="2"/>
-              <a:buChar char=""/>
-              <a:defRPr lang="en-US" sz="1800" kern="1200" dirty="0">
-                <a:solidFill>
-                  <a:schemeClr val="tx1">
-                    <a:lumMod val="75000"/>
-                    <a:lumOff val="25000"/>
-                  </a:schemeClr>
-                </a:solidFill>
-                <a:latin typeface="+mn-lt"/>
-                <a:ea typeface="+mn-ea"/>
-                <a:cs typeface="+mn-cs"/>
-              </a:defRPr>
-            </a:lvl9pPr>
-          </a:lstStyle>
-          <a:p>
-            <a:r>
-              <a:rPr kumimoji="1" lang="en-US" altLang="zh-CN" dirty="0">
-                <a:solidFill>
-                  <a:schemeClr val="tx1"/>
-                </a:solidFill>
-              </a:rPr>
-              <a:t>What if the probability of heads is not same as the probability of tails? </a:t>
-            </a:r>
-          </a:p>
-          <a:p>
-            <a:pPr marL="457200" lvl="1" indent="0">
-              <a:buNone/>
-            </a:pPr>
-            <a:r>
-              <a:rPr kumimoji="1" lang="en-US" altLang="zh-CN" dirty="0">
-                <a:solidFill>
-                  <a:schemeClr val="tx1"/>
-                </a:solidFill>
-              </a:rPr>
-              <a:t>Such as P(X=0) = 1/4 , and P(X=1)=3/4.</a:t>
-            </a:r>
-            <a:endParaRPr kumimoji="1" lang="zh-CN" altLang="en-US" dirty="0">
-              <a:solidFill>
-                <a:schemeClr val="tx1"/>
-              </a:solidFill>
-            </a:endParaRPr>
-          </a:p>
-        </p:txBody>
-      </p:sp>
-      <mc:AlternateContent xmlns:mc="http://schemas.openxmlformats.org/markup-compatibility/2006">
-        <mc:Choice xmlns:a14="http://schemas.microsoft.com/office/drawing/2010/main" Requires="a14">
-          <p:sp>
-            <p:nvSpPr>
-              <p:cNvPr id="6" name="内容占位符 4">
-                <a:extLst>
-                  <a:ext uri="{FF2B5EF4-FFF2-40B4-BE49-F238E27FC236}">
-                    <a16:creationId xmlns:a16="http://schemas.microsoft.com/office/drawing/2014/main" id="{D9D69492-E153-4FEF-98AB-E145CCD6482F}"/>
-                  </a:ext>
-                </a:extLst>
-              </p:cNvPr>
-              <p:cNvSpPr txBox="1">
-                <a:spLocks/>
-              </p:cNvSpPr>
-              <p:nvPr/>
-            </p:nvSpPr>
-            <p:spPr>
-              <a:xfrm>
-                <a:off x="316876" y="2934553"/>
-                <a:ext cx="8827124" cy="1510125"/>
-              </a:xfrm>
-              <a:prstGeom prst="rect">
-                <a:avLst/>
-              </a:prstGeom>
-            </p:spPr>
-            <p:txBody>
-              <a:bodyPr vert="horz" lIns="91440" tIns="45720" rIns="91440" bIns="45720" rtlCol="0">
-                <a:normAutofit/>
-              </a:bodyPr>
-              <a:lstStyle>
-                <a:lvl1pPr marL="457200" indent="-457200" algn="l" defTabSz="914400" rtl="0" eaLnBrk="1" latinLnBrk="0" hangingPunct="1">
-                  <a:spcBef>
-                    <a:spcPts val="2000"/>
-                  </a:spcBef>
-                  <a:buClr>
-                    <a:schemeClr val="tx1">
-                      <a:lumMod val="75000"/>
-                      <a:lumOff val="25000"/>
-                    </a:schemeClr>
-                  </a:buClr>
-                  <a:buSzPct val="75000"/>
-                  <a:buFont typeface="Wingdings 2" pitchFamily="18" charset="2"/>
-                  <a:buChar char=""/>
-                  <a:defRPr sz="2200" kern="1200">
-                    <a:solidFill>
-                      <a:schemeClr val="tx1">
-                        <a:lumMod val="75000"/>
-                        <a:lumOff val="25000"/>
-                      </a:schemeClr>
-                    </a:solidFill>
-                    <a:latin typeface="+mn-lt"/>
-                    <a:ea typeface="+mn-ea"/>
-                    <a:cs typeface="+mn-cs"/>
-                  </a:defRPr>
-                </a:lvl1pPr>
-                <a:lvl2pPr marL="914400" indent="-457200" algn="l" defTabSz="914400" rtl="0" eaLnBrk="1" latinLnBrk="0" hangingPunct="1">
-                  <a:spcBef>
-                    <a:spcPts val="600"/>
-                  </a:spcBef>
-                  <a:buClr>
-                    <a:schemeClr val="tx1">
-                      <a:lumMod val="50000"/>
-                      <a:lumOff val="50000"/>
-                    </a:schemeClr>
-                  </a:buClr>
-                  <a:buSzPct val="75000"/>
-                  <a:buFont typeface="Wingdings 2" pitchFamily="18" charset="2"/>
-                  <a:buChar char=""/>
-                  <a:defRPr sz="2000" kern="1200">
-                    <a:solidFill>
-                      <a:schemeClr val="tx1">
-                        <a:lumMod val="75000"/>
-                        <a:lumOff val="25000"/>
-                      </a:schemeClr>
-                    </a:solidFill>
-                    <a:latin typeface="+mn-lt"/>
-                    <a:ea typeface="+mn-ea"/>
-                    <a:cs typeface="+mn-cs"/>
-                  </a:defRPr>
-                </a:lvl2pPr>
-                <a:lvl3pPr marL="1371600" indent="-457200" algn="l" defTabSz="914400" rtl="0" eaLnBrk="1" latinLnBrk="0" hangingPunct="1">
-                  <a:spcBef>
-                    <a:spcPts val="600"/>
-                  </a:spcBef>
-                  <a:buClr>
-                    <a:schemeClr val="tx1">
-                      <a:lumMod val="75000"/>
-                      <a:lumOff val="25000"/>
-                    </a:schemeClr>
-                  </a:buClr>
-                  <a:buSzPct val="75000"/>
-                  <a:buFont typeface="Wingdings 2" pitchFamily="18" charset="2"/>
-                  <a:buChar char=""/>
-                  <a:defRPr sz="1800" kern="1200">
-                    <a:solidFill>
-                      <a:schemeClr val="tx1">
-                        <a:lumMod val="75000"/>
-                        <a:lumOff val="25000"/>
-                      </a:schemeClr>
-                    </a:solidFill>
-                    <a:latin typeface="+mn-lt"/>
-                    <a:ea typeface="+mn-ea"/>
-                    <a:cs typeface="+mn-cs"/>
-                  </a:defRPr>
-                </a:lvl3pPr>
-                <a:lvl4pPr marL="1828800" indent="-457200" algn="l" defTabSz="914400" rtl="0" eaLnBrk="1" latinLnBrk="0" hangingPunct="1">
-                  <a:spcBef>
-                    <a:spcPts val="600"/>
-                  </a:spcBef>
-                  <a:buClr>
-                    <a:schemeClr val="tx1">
-                      <a:lumMod val="50000"/>
-                      <a:lumOff val="50000"/>
-                    </a:schemeClr>
-                  </a:buClr>
-                  <a:buSzPct val="75000"/>
-                  <a:buFont typeface="Wingdings 2" pitchFamily="18" charset="2"/>
-                  <a:buChar char=""/>
-                  <a:defRPr sz="1800" kern="1200">
-                    <a:solidFill>
-                      <a:schemeClr val="tx1">
-                        <a:lumMod val="75000"/>
-                        <a:lumOff val="25000"/>
-                      </a:schemeClr>
-                    </a:solidFill>
-                    <a:latin typeface="+mn-lt"/>
-                    <a:ea typeface="+mn-ea"/>
-                    <a:cs typeface="+mn-cs"/>
-                  </a:defRPr>
-                </a:lvl4pPr>
-                <a:lvl5pPr marL="2286000" indent="-457200" algn="l" defTabSz="914400" rtl="0" eaLnBrk="1" latinLnBrk="0" hangingPunct="1">
-                  <a:spcBef>
-                    <a:spcPts val="600"/>
-                  </a:spcBef>
-                  <a:buClr>
-                    <a:schemeClr val="tx1">
-                      <a:lumMod val="75000"/>
-                      <a:lumOff val="25000"/>
-                    </a:schemeClr>
-                  </a:buClr>
-                  <a:buSzPct val="75000"/>
-                  <a:buFont typeface="Wingdings 2" pitchFamily="18" charset="2"/>
-                  <a:buChar char=""/>
-                  <a:defRPr sz="1800" kern="1200">
-                    <a:solidFill>
-                      <a:schemeClr val="tx1">
-                        <a:lumMod val="75000"/>
-                        <a:lumOff val="25000"/>
-                      </a:schemeClr>
-                    </a:solidFill>
-                    <a:latin typeface="+mn-lt"/>
-                    <a:ea typeface="+mn-ea"/>
-                    <a:cs typeface="+mn-cs"/>
-                  </a:defRPr>
-                </a:lvl5pPr>
-                <a:lvl6pPr marL="2743200" indent="-461963" algn="l" defTabSz="914400" rtl="0" eaLnBrk="1" latinLnBrk="0" hangingPunct="1">
-                  <a:spcBef>
-                    <a:spcPct val="20000"/>
-                  </a:spcBef>
-                  <a:buClr>
-                    <a:schemeClr val="tx1">
-                      <a:lumMod val="50000"/>
-                      <a:lumOff val="50000"/>
-                    </a:schemeClr>
-                  </a:buClr>
-                  <a:buSzPct val="75000"/>
-                  <a:buFont typeface="Wingdings 2" pitchFamily="18" charset="2"/>
-                  <a:buChar char=""/>
-                  <a:defRPr lang="en-US" sz="1800" kern="1200" dirty="0" smtClean="0">
-                    <a:solidFill>
-                      <a:schemeClr val="tx1">
-                        <a:lumMod val="75000"/>
-                        <a:lumOff val="25000"/>
-                      </a:schemeClr>
-                    </a:solidFill>
-                    <a:latin typeface="+mn-lt"/>
-                    <a:ea typeface="+mn-ea"/>
-                    <a:cs typeface="+mn-cs"/>
-                  </a:defRPr>
-                </a:lvl6pPr>
-                <a:lvl7pPr marL="3205163" indent="-461963" algn="l" defTabSz="914400" rtl="0" eaLnBrk="1" latinLnBrk="0" hangingPunct="1">
-                  <a:spcBef>
-                    <a:spcPct val="20000"/>
-                  </a:spcBef>
-                  <a:buClr>
-                    <a:schemeClr val="tx1">
-                      <a:lumMod val="75000"/>
-                      <a:lumOff val="25000"/>
-                    </a:schemeClr>
-                  </a:buClr>
-                  <a:buSzPct val="75000"/>
-                  <a:buFont typeface="Wingdings 2" pitchFamily="18" charset="2"/>
-                  <a:buChar char=""/>
-                  <a:defRPr lang="en-US" sz="1800" kern="1200" dirty="0" smtClean="0">
-                    <a:solidFill>
-                      <a:schemeClr val="tx1">
-                        <a:lumMod val="75000"/>
-                        <a:lumOff val="25000"/>
-                      </a:schemeClr>
-                    </a:solidFill>
-                    <a:latin typeface="+mn-lt"/>
-                    <a:ea typeface="+mn-ea"/>
-                    <a:cs typeface="+mn-cs"/>
-                  </a:defRPr>
-                </a:lvl7pPr>
-                <a:lvl8pPr marL="3657600" indent="-461963" algn="l" defTabSz="914400" rtl="0" eaLnBrk="1" latinLnBrk="0" hangingPunct="1">
-                  <a:spcBef>
-                    <a:spcPct val="20000"/>
-                  </a:spcBef>
-                  <a:buClr>
-                    <a:schemeClr val="tx1">
-                      <a:lumMod val="50000"/>
-                      <a:lumOff val="50000"/>
-                    </a:schemeClr>
-                  </a:buClr>
-                  <a:buSzPct val="75000"/>
-                  <a:buFont typeface="Wingdings 2" pitchFamily="18" charset="2"/>
-                  <a:buChar char=""/>
-                  <a:defRPr lang="en-US" sz="1800" kern="1200" dirty="0" smtClean="0">
-                    <a:solidFill>
-                      <a:schemeClr val="tx1">
-                        <a:lumMod val="75000"/>
-                        <a:lumOff val="25000"/>
-                      </a:schemeClr>
-                    </a:solidFill>
-                    <a:latin typeface="+mn-lt"/>
-                    <a:ea typeface="+mn-ea"/>
-                    <a:cs typeface="+mn-cs"/>
-                  </a:defRPr>
-                </a:lvl8pPr>
-                <a:lvl9pPr marL="4119563" indent="-461963" algn="l" defTabSz="914400" rtl="0" eaLnBrk="1" latinLnBrk="0" hangingPunct="1">
-                  <a:spcBef>
-                    <a:spcPct val="20000"/>
-                  </a:spcBef>
-                  <a:buClr>
-                    <a:schemeClr val="tx1">
-                      <a:lumMod val="75000"/>
-                      <a:lumOff val="25000"/>
-                    </a:schemeClr>
-                  </a:buClr>
-                  <a:buSzPct val="75000"/>
-                  <a:buFont typeface="Wingdings 2" pitchFamily="18" charset="2"/>
-                  <a:buChar char=""/>
-                  <a:defRPr lang="en-US" sz="1800" kern="1200" dirty="0">
-                    <a:solidFill>
-                      <a:schemeClr val="tx1">
-                        <a:lumMod val="75000"/>
-                        <a:lumOff val="25000"/>
-                      </a:schemeClr>
-                    </a:solidFill>
-                    <a:latin typeface="+mn-lt"/>
-                    <a:ea typeface="+mn-ea"/>
-                    <a:cs typeface="+mn-cs"/>
-                  </a:defRPr>
-                </a:lvl9pPr>
-              </a:lstStyle>
-              <a:p>
-                <a:pPr marL="360000" indent="0">
-                  <a:buNone/>
-                </a:pPr>
-                <a14:m>
-                  <m:oMath xmlns:m="http://schemas.openxmlformats.org/officeDocument/2006/math">
-                    <m:r>
-                      <a:rPr kumimoji="1" lang="en-US" altLang="zh-CN" i="1" smtClean="0">
                         <a:solidFill>
                           <a:schemeClr val="tx1"/>
                         </a:solidFill>
@@ -9135,7 +7727,1424 @@
                   </m:oMath>
                 </a14:m>
                 <a:r>
-                  <a:rPr kumimoji="1" lang="en-US" altLang="zh-CN" b="0" i="1" dirty="0">
+                  <a:rPr kumimoji="1" lang="en-US" altLang="zh-CN" dirty="0">
+                    <a:solidFill>
+                      <a:schemeClr val="tx1"/>
+                    </a:solidFill>
+                  </a:rPr>
+                  <a:t> </a:t>
+                </a:r>
+              </a:p>
+              <a:p>
+                <a:pPr marL="540000" indent="0">
+                  <a:buNone/>
+                </a:pPr>
+                <a:r>
+                  <a:rPr kumimoji="1" lang="en-US" altLang="zh-CN" dirty="0">
+                    <a:solidFill>
+                      <a:schemeClr val="tx1"/>
+                    </a:solidFill>
+                  </a:rPr>
+                  <a:t>         </a:t>
+                </a:r>
+                <a14:m>
+                  <m:oMath xmlns:m="http://schemas.openxmlformats.org/officeDocument/2006/math">
+                    <m:r>
+                      <a:rPr kumimoji="1" lang="en-US" altLang="zh-CN">
+                        <a:solidFill>
+                          <a:schemeClr val="tx1"/>
+                        </a:solidFill>
+                        <a:latin typeface="Cambria Math" panose="02040503050406030204" pitchFamily="18" charset="0"/>
+                      </a:rPr>
+                      <m:t> </m:t>
+                    </m:r>
+                    <m:r>
+                      <a:rPr kumimoji="1" lang="en-US" altLang="zh-CN" i="1">
+                        <a:solidFill>
+                          <a:schemeClr val="tx1"/>
+                        </a:solidFill>
+                        <a:latin typeface="Cambria Math" panose="02040503050406030204" pitchFamily="18" charset="0"/>
+                      </a:rPr>
+                      <m:t>=−</m:t>
+                    </m:r>
+                    <m:f>
+                      <m:fPr>
+                        <m:ctrlPr>
+                          <a:rPr kumimoji="1" lang="en-US" altLang="zh-CN" i="1">
+                            <a:solidFill>
+                              <a:schemeClr val="tx1"/>
+                            </a:solidFill>
+                            <a:latin typeface="Cambria Math" panose="02040503050406030204" pitchFamily="18" charset="0"/>
+                          </a:rPr>
+                        </m:ctrlPr>
+                      </m:fPr>
+                      <m:num>
+                        <m:r>
+                          <a:rPr kumimoji="1" lang="en-US" altLang="zh-CN" i="1">
+                            <a:solidFill>
+                              <a:schemeClr val="tx1"/>
+                            </a:solidFill>
+                            <a:latin typeface="Cambria Math" panose="02040503050406030204" pitchFamily="18" charset="0"/>
+                          </a:rPr>
+                          <m:t>1</m:t>
+                        </m:r>
+                      </m:num>
+                      <m:den>
+                        <m:r>
+                          <a:rPr kumimoji="1" lang="en-US" altLang="zh-CN" i="1">
+                            <a:solidFill>
+                              <a:schemeClr val="tx1"/>
+                            </a:solidFill>
+                            <a:latin typeface="Cambria Math" panose="02040503050406030204" pitchFamily="18" charset="0"/>
+                          </a:rPr>
+                          <m:t>2</m:t>
+                        </m:r>
+                      </m:den>
+                    </m:f>
+                    <m:r>
+                      <a:rPr kumimoji="1" lang="en-US" altLang="zh-CN" i="1">
+                        <a:solidFill>
+                          <a:schemeClr val="tx1"/>
+                        </a:solidFill>
+                        <a:latin typeface="Cambria Math" panose="02040503050406030204" pitchFamily="18" charset="0"/>
+                      </a:rPr>
+                      <m:t>×</m:t>
+                    </m:r>
+                    <m:func>
+                      <m:funcPr>
+                        <m:ctrlPr>
+                          <a:rPr kumimoji="1" lang="en-US" altLang="zh-CN" i="1">
+                            <a:solidFill>
+                              <a:schemeClr val="tx1"/>
+                            </a:solidFill>
+                            <a:latin typeface="Cambria Math" panose="02040503050406030204" pitchFamily="18" charset="0"/>
+                          </a:rPr>
+                        </m:ctrlPr>
+                      </m:funcPr>
+                      <m:fName>
+                        <m:sSub>
+                          <m:sSubPr>
+                            <m:ctrlPr>
+                              <a:rPr kumimoji="1" lang="en-US" altLang="zh-CN" i="1">
+                                <a:solidFill>
+                                  <a:schemeClr val="tx1"/>
+                                </a:solidFill>
+                                <a:latin typeface="Cambria Math" panose="02040503050406030204" pitchFamily="18" charset="0"/>
+                              </a:rPr>
+                            </m:ctrlPr>
+                          </m:sSubPr>
+                          <m:e>
+                            <m:r>
+                              <m:rPr>
+                                <m:sty m:val="p"/>
+                              </m:rPr>
+                              <a:rPr kumimoji="1" lang="en-US" altLang="zh-CN">
+                                <a:solidFill>
+                                  <a:schemeClr val="tx1"/>
+                                </a:solidFill>
+                                <a:latin typeface="Cambria Math" panose="02040503050406030204" pitchFamily="18" charset="0"/>
+                              </a:rPr>
+                              <m:t>log</m:t>
+                            </m:r>
+                          </m:e>
+                          <m:sub>
+                            <m:r>
+                              <a:rPr kumimoji="1" lang="en-US" altLang="zh-CN" i="1">
+                                <a:solidFill>
+                                  <a:schemeClr val="tx1"/>
+                                </a:solidFill>
+                                <a:latin typeface="Cambria Math" panose="02040503050406030204" pitchFamily="18" charset="0"/>
+                              </a:rPr>
+                              <m:t>2</m:t>
+                            </m:r>
+                          </m:sub>
+                        </m:sSub>
+                      </m:fName>
+                      <m:e>
+                        <m:f>
+                          <m:fPr>
+                            <m:ctrlPr>
+                              <a:rPr kumimoji="1" lang="en-US" altLang="zh-CN" i="1">
+                                <a:solidFill>
+                                  <a:schemeClr val="tx1"/>
+                                </a:solidFill>
+                                <a:latin typeface="Cambria Math" panose="02040503050406030204" pitchFamily="18" charset="0"/>
+                              </a:rPr>
+                            </m:ctrlPr>
+                          </m:fPr>
+                          <m:num>
+                            <m:r>
+                              <a:rPr kumimoji="1" lang="en-US" altLang="zh-CN" i="1">
+                                <a:solidFill>
+                                  <a:schemeClr val="tx1"/>
+                                </a:solidFill>
+                                <a:latin typeface="Cambria Math" panose="02040503050406030204" pitchFamily="18" charset="0"/>
+                              </a:rPr>
+                              <m:t>1</m:t>
+                            </m:r>
+                          </m:num>
+                          <m:den>
+                            <m:r>
+                              <a:rPr kumimoji="1" lang="en-US" altLang="zh-CN" i="1">
+                                <a:solidFill>
+                                  <a:schemeClr val="tx1"/>
+                                </a:solidFill>
+                                <a:latin typeface="Cambria Math" panose="02040503050406030204" pitchFamily="18" charset="0"/>
+                              </a:rPr>
+                              <m:t>2</m:t>
+                            </m:r>
+                          </m:den>
+                        </m:f>
+                      </m:e>
+                    </m:func>
+                    <m:r>
+                      <a:rPr kumimoji="1" lang="en-US" altLang="zh-CN" i="1">
+                        <a:solidFill>
+                          <a:schemeClr val="tx1"/>
+                        </a:solidFill>
+                        <a:latin typeface="Cambria Math" panose="02040503050406030204" pitchFamily="18" charset="0"/>
+                      </a:rPr>
+                      <m:t>−</m:t>
+                    </m:r>
+                    <m:f>
+                      <m:fPr>
+                        <m:ctrlPr>
+                          <a:rPr kumimoji="1" lang="en-US" altLang="zh-CN" i="1">
+                            <a:solidFill>
+                              <a:schemeClr val="tx1"/>
+                            </a:solidFill>
+                            <a:latin typeface="Cambria Math" panose="02040503050406030204" pitchFamily="18" charset="0"/>
+                          </a:rPr>
+                        </m:ctrlPr>
+                      </m:fPr>
+                      <m:num>
+                        <m:r>
+                          <a:rPr kumimoji="1" lang="en-US" altLang="zh-CN" i="1">
+                            <a:solidFill>
+                              <a:schemeClr val="tx1"/>
+                            </a:solidFill>
+                            <a:latin typeface="Cambria Math" panose="02040503050406030204" pitchFamily="18" charset="0"/>
+                          </a:rPr>
+                          <m:t>1</m:t>
+                        </m:r>
+                      </m:num>
+                      <m:den>
+                        <m:r>
+                          <a:rPr kumimoji="1" lang="en-US" altLang="zh-CN" i="1">
+                            <a:solidFill>
+                              <a:schemeClr val="tx1"/>
+                            </a:solidFill>
+                            <a:latin typeface="Cambria Math" panose="02040503050406030204" pitchFamily="18" charset="0"/>
+                          </a:rPr>
+                          <m:t>2</m:t>
+                        </m:r>
+                      </m:den>
+                    </m:f>
+                    <m:r>
+                      <a:rPr kumimoji="1" lang="en-US" altLang="zh-CN" i="1">
+                        <a:solidFill>
+                          <a:schemeClr val="tx1"/>
+                        </a:solidFill>
+                        <a:latin typeface="Cambria Math" panose="02040503050406030204" pitchFamily="18" charset="0"/>
+                      </a:rPr>
+                      <m:t>×</m:t>
+                    </m:r>
+                    <m:func>
+                      <m:funcPr>
+                        <m:ctrlPr>
+                          <a:rPr kumimoji="1" lang="en-US" altLang="zh-CN" i="1">
+                            <a:solidFill>
+                              <a:schemeClr val="tx1"/>
+                            </a:solidFill>
+                            <a:latin typeface="Cambria Math" panose="02040503050406030204" pitchFamily="18" charset="0"/>
+                          </a:rPr>
+                        </m:ctrlPr>
+                      </m:funcPr>
+                      <m:fName>
+                        <m:sSub>
+                          <m:sSubPr>
+                            <m:ctrlPr>
+                              <a:rPr kumimoji="1" lang="en-US" altLang="zh-CN" i="1">
+                                <a:solidFill>
+                                  <a:schemeClr val="tx1"/>
+                                </a:solidFill>
+                                <a:latin typeface="Cambria Math" panose="02040503050406030204" pitchFamily="18" charset="0"/>
+                              </a:rPr>
+                            </m:ctrlPr>
+                          </m:sSubPr>
+                          <m:e>
+                            <m:r>
+                              <m:rPr>
+                                <m:sty m:val="p"/>
+                              </m:rPr>
+                              <a:rPr kumimoji="1" lang="en-US" altLang="zh-CN">
+                                <a:solidFill>
+                                  <a:schemeClr val="tx1"/>
+                                </a:solidFill>
+                                <a:latin typeface="Cambria Math" panose="02040503050406030204" pitchFamily="18" charset="0"/>
+                              </a:rPr>
+                              <m:t>log</m:t>
+                            </m:r>
+                          </m:e>
+                          <m:sub>
+                            <m:r>
+                              <a:rPr kumimoji="1" lang="en-US" altLang="zh-CN" i="1">
+                                <a:solidFill>
+                                  <a:schemeClr val="tx1"/>
+                                </a:solidFill>
+                                <a:latin typeface="Cambria Math" panose="02040503050406030204" pitchFamily="18" charset="0"/>
+                              </a:rPr>
+                              <m:t>2</m:t>
+                            </m:r>
+                          </m:sub>
+                        </m:sSub>
+                      </m:fName>
+                      <m:e>
+                        <m:f>
+                          <m:fPr>
+                            <m:ctrlPr>
+                              <a:rPr kumimoji="1" lang="en-US" altLang="zh-CN" i="1">
+                                <a:solidFill>
+                                  <a:schemeClr val="tx1"/>
+                                </a:solidFill>
+                                <a:latin typeface="Cambria Math" panose="02040503050406030204" pitchFamily="18" charset="0"/>
+                              </a:rPr>
+                            </m:ctrlPr>
+                          </m:fPr>
+                          <m:num>
+                            <m:r>
+                              <a:rPr kumimoji="1" lang="en-US" altLang="zh-CN" i="1">
+                                <a:solidFill>
+                                  <a:schemeClr val="tx1"/>
+                                </a:solidFill>
+                                <a:latin typeface="Cambria Math" panose="02040503050406030204" pitchFamily="18" charset="0"/>
+                              </a:rPr>
+                              <m:t>1</m:t>
+                            </m:r>
+                          </m:num>
+                          <m:den>
+                            <m:r>
+                              <a:rPr kumimoji="1" lang="en-US" altLang="zh-CN" i="1">
+                                <a:solidFill>
+                                  <a:schemeClr val="tx1"/>
+                                </a:solidFill>
+                                <a:latin typeface="Cambria Math" panose="02040503050406030204" pitchFamily="18" charset="0"/>
+                              </a:rPr>
+                              <m:t>2</m:t>
+                            </m:r>
+                          </m:den>
+                        </m:f>
+                        <m:r>
+                          <m:rPr>
+                            <m:nor/>
+                          </m:rPr>
+                          <a:rPr kumimoji="1" lang="en-US" altLang="zh-CN" dirty="0">
+                            <a:solidFill>
+                              <a:schemeClr val="tx1"/>
+                            </a:solidFill>
+                          </a:rPr>
+                          <m:t> </m:t>
+                        </m:r>
+                      </m:e>
+                    </m:func>
+                    <m:r>
+                      <a:rPr kumimoji="1" lang="en-US" altLang="zh-CN" i="1" dirty="0">
+                        <a:solidFill>
+                          <a:schemeClr val="tx1"/>
+                        </a:solidFill>
+                        <a:latin typeface="Cambria Math" panose="02040503050406030204" pitchFamily="18" charset="0"/>
+                      </a:rPr>
+                      <m:t>=1</m:t>
+                    </m:r>
+                    <m:r>
+                      <a:rPr kumimoji="1" lang="en-US" altLang="zh-CN" b="0" i="1" dirty="0" smtClean="0">
+                        <a:solidFill>
+                          <a:schemeClr val="tx1"/>
+                        </a:solidFill>
+                        <a:latin typeface="Cambria Math" panose="02040503050406030204" pitchFamily="18" charset="0"/>
+                      </a:rPr>
+                      <m:t> </m:t>
+                    </m:r>
+                    <m:r>
+                      <a:rPr kumimoji="1" lang="en-US" altLang="zh-CN" i="1" dirty="0">
+                        <a:solidFill>
+                          <a:schemeClr val="tx1"/>
+                        </a:solidFill>
+                        <a:latin typeface="Cambria Math" panose="02040503050406030204" pitchFamily="18" charset="0"/>
+                      </a:rPr>
+                      <m:t>𝑏𝑖𝑡</m:t>
+                    </m:r>
+                  </m:oMath>
+                </a14:m>
+                <a:endParaRPr kumimoji="1" lang="en-US" altLang="zh-CN" i="1" dirty="0">
+                  <a:solidFill>
+                    <a:schemeClr val="tx1"/>
+                  </a:solidFill>
+                  <a:latin typeface="Cambria Math" panose="02040503050406030204" pitchFamily="18" charset="0"/>
+                </a:endParaRPr>
+              </a:p>
+            </p:txBody>
+          </p:sp>
+        </mc:Choice>
+        <mc:Fallback>
+          <p:sp>
+            <p:nvSpPr>
+              <p:cNvPr id="6" name="内容占位符 4">
+                <a:extLst>
+                  <a:ext uri="{FF2B5EF4-FFF2-40B4-BE49-F238E27FC236}">
+                    <a16:creationId xmlns:a16="http://schemas.microsoft.com/office/drawing/2014/main" id="{D9D69492-E153-4FEF-98AB-E145CCD6482F}"/>
+                  </a:ext>
+                </a:extLst>
+              </p:cNvPr>
+              <p:cNvSpPr txBox="1">
+                <a:spLocks noRot="1" noChangeAspect="1" noMove="1" noResize="1" noEditPoints="1" noAdjustHandles="1" noChangeArrowheads="1" noChangeShapeType="1" noTextEdit="1"/>
+              </p:cNvSpPr>
+              <p:nvPr/>
+            </p:nvSpPr>
+            <p:spPr>
+              <a:xfrm>
+                <a:off x="207819" y="2533477"/>
+                <a:ext cx="8827124" cy="3179426"/>
+              </a:xfrm>
+              <a:prstGeom prst="rect">
+                <a:avLst/>
+              </a:prstGeom>
+              <a:blipFill>
+                <a:blip r:embed="rId2"/>
+                <a:stretch>
+                  <a:fillRect l="-207" t="-2303" b="-768"/>
+                </a:stretch>
+              </a:blipFill>
+            </p:spPr>
+            <p:txBody>
+              <a:bodyPr/>
+              <a:lstStyle/>
+              <a:p>
+                <a:r>
+                  <a:rPr lang="en-US">
+                    <a:noFill/>
+                  </a:rPr>
+                  <a:t> </a:t>
+                </a:r>
+              </a:p>
+            </p:txBody>
+          </p:sp>
+        </mc:Fallback>
+      </mc:AlternateContent>
+    </p:spTree>
+    <p:extLst>
+      <p:ext uri="{BB962C8B-B14F-4D97-AF65-F5344CB8AC3E}">
+        <p14:creationId xmlns:p14="http://schemas.microsoft.com/office/powerpoint/2010/main" val="3206978978"/>
+      </p:ext>
+    </p:extLst>
+  </p:cSld>
+  <p:clrMapOvr>
+    <a:masterClrMapping/>
+  </p:clrMapOvr>
+  <p:timing>
+    <p:tnLst>
+      <p:par>
+        <p:cTn id="1" dur="indefinite" restart="never" nodeType="tmRoot">
+          <p:childTnLst>
+            <p:seq concurrent="1" nextAc="seek">
+              <p:cTn id="2" dur="indefinite" nodeType="mainSeq">
+                <p:childTnLst>
+                  <p:par>
+                    <p:cTn id="3" fill="hold">
+                      <p:stCondLst>
+                        <p:cond delay="indefinite"/>
+                      </p:stCondLst>
+                      <p:childTnLst>
+                        <p:par>
+                          <p:cTn id="4" fill="hold">
+                            <p:stCondLst>
+                              <p:cond delay="0"/>
+                            </p:stCondLst>
+                            <p:childTnLst>
+                              <p:par>
+                                <p:cTn id="5" presetID="1" presetClass="entr" presetSubtype="0" fill="hold" grpId="0" nodeType="clickEffect">
+                                  <p:stCondLst>
+                                    <p:cond delay="0"/>
+                                  </p:stCondLst>
+                                  <p:childTnLst>
+                                    <p:set>
+                                      <p:cBhvr>
+                                        <p:cTn id="6" dur="1" fill="hold">
+                                          <p:stCondLst>
+                                            <p:cond delay="0"/>
+                                          </p:stCondLst>
+                                        </p:cTn>
+                                        <p:tgtEl>
+                                          <p:spTgt spid="3"/>
+                                        </p:tgtEl>
+                                        <p:attrNameLst>
+                                          <p:attrName>style.visibility</p:attrName>
+                                        </p:attrNameLst>
+                                      </p:cBhvr>
+                                      <p:to>
+                                        <p:strVal val="visible"/>
+                                      </p:to>
+                                    </p:set>
+                                  </p:childTnLst>
+                                </p:cTn>
+                              </p:par>
+                            </p:childTnLst>
+                          </p:cTn>
+                        </p:par>
+                      </p:childTnLst>
+                    </p:cTn>
+                  </p:par>
+                  <p:par>
+                    <p:cTn id="7" fill="hold">
+                      <p:stCondLst>
+                        <p:cond delay="indefinite"/>
+                      </p:stCondLst>
+                      <p:childTnLst>
+                        <p:par>
+                          <p:cTn id="8" fill="hold">
+                            <p:stCondLst>
+                              <p:cond delay="0"/>
+                            </p:stCondLst>
+                            <p:childTnLst>
+                              <p:par>
+                                <p:cTn id="9" presetID="1" presetClass="entr" presetSubtype="0" fill="hold" grpId="0" nodeType="clickEffect">
+                                  <p:stCondLst>
+                                    <p:cond delay="0"/>
+                                  </p:stCondLst>
+                                  <p:childTnLst>
+                                    <p:set>
+                                      <p:cBhvr>
+                                        <p:cTn id="10" dur="1" fill="hold">
+                                          <p:stCondLst>
+                                            <p:cond delay="0"/>
+                                          </p:stCondLst>
+                                        </p:cTn>
+                                        <p:tgtEl>
+                                          <p:spTgt spid="6"/>
+                                        </p:tgtEl>
+                                        <p:attrNameLst>
+                                          <p:attrName>style.visibility</p:attrName>
+                                        </p:attrNameLst>
+                                      </p:cBhvr>
+                                      <p:to>
+                                        <p:strVal val="visible"/>
+                                      </p:to>
+                                    </p:set>
+                                  </p:childTnLst>
+                                </p:cTn>
+                              </p:par>
+                            </p:childTnLst>
+                          </p:cTn>
+                        </p:par>
+                      </p:childTnLst>
+                    </p:cTn>
+                  </p:par>
+                </p:childTnLst>
+              </p:cTn>
+              <p:prevCondLst>
+                <p:cond evt="onPrev" delay="0">
+                  <p:tgtEl>
+                    <p:sldTgt/>
+                  </p:tgtEl>
+                </p:cond>
+              </p:prevCondLst>
+              <p:nextCondLst>
+                <p:cond evt="onNext" delay="0">
+                  <p:tgtEl>
+                    <p:sldTgt/>
+                  </p:tgtEl>
+                </p:cond>
+              </p:nextCondLst>
+            </p:seq>
+          </p:childTnLst>
+        </p:cTn>
+      </p:par>
+    </p:tnLst>
+    <p:bldLst>
+      <p:bldP spid="3" grpId="0"/>
+      <p:bldP spid="6" grpId="0"/>
+    </p:bldLst>
+  </p:timing>
+</p:sld>
+</file>
+
+<file path=ppt/slides/slide14.xml><?xml version="1.0" encoding="utf-8"?>
+<p:sld xmlns:a="http://schemas.openxmlformats.org/drawingml/2006/main" xmlns:r="http://schemas.openxmlformats.org/officeDocument/2006/relationships" xmlns:p="http://schemas.openxmlformats.org/presentationml/2006/main">
+  <p:cSld>
+    <p:spTree>
+      <p:nvGrpSpPr>
+        <p:cNvPr id="1" name=""/>
+        <p:cNvGrpSpPr/>
+        <p:nvPr/>
+      </p:nvGrpSpPr>
+      <p:grpSpPr>
+        <a:xfrm>
+          <a:off x="0" y="0"/>
+          <a:ext cx="0" cy="0"/>
+          <a:chOff x="0" y="0"/>
+          <a:chExt cx="0" cy="0"/>
+        </a:xfrm>
+      </p:grpSpPr>
+      <p:sp>
+        <p:nvSpPr>
+          <p:cNvPr id="5" name="标题 1">
+            <a:extLst>
+              <a:ext uri="{FF2B5EF4-FFF2-40B4-BE49-F238E27FC236}">
+                <a16:creationId xmlns:a16="http://schemas.microsoft.com/office/drawing/2014/main" id="{F0511409-B9AF-4D30-B635-901BDDA9EAD1}"/>
+              </a:ext>
+            </a:extLst>
+          </p:cNvPr>
+          <p:cNvSpPr>
+            <a:spLocks noGrp="1"/>
+          </p:cNvSpPr>
+          <p:nvPr>
+            <p:ph type="title"/>
+          </p:nvPr>
+        </p:nvSpPr>
+        <p:spPr>
+          <a:xfrm>
+            <a:off x="460664" y="539178"/>
+            <a:ext cx="8048336" cy="750455"/>
+          </a:xfrm>
+        </p:spPr>
+        <p:txBody>
+          <a:bodyPr/>
+          <a:lstStyle/>
+          <a:p>
+            <a:pPr algn="l"/>
+            <a:r>
+              <a:rPr lang="en-US" altLang="ja-JP" sz="4000" baseline="30000" dirty="0">
+                <a:solidFill>
+                  <a:schemeClr val="bg1"/>
+                </a:solidFill>
+                <a:latin typeface="黑体"/>
+                <a:ea typeface="黑体"/>
+                <a:cs typeface="黑体"/>
+              </a:rPr>
+              <a:t>2.3 Practice-B</a:t>
+            </a:r>
+            <a:endParaRPr lang="ja-JP" altLang="en-US" sz="4000" baseline="30000" dirty="0">
+              <a:solidFill>
+                <a:schemeClr val="bg1"/>
+              </a:solidFill>
+              <a:latin typeface="黑体"/>
+              <a:ea typeface="黑体"/>
+              <a:cs typeface="黑体"/>
+            </a:endParaRPr>
+          </a:p>
+        </p:txBody>
+      </p:sp>
+      <p:sp>
+        <p:nvSpPr>
+          <p:cNvPr id="3" name="内容占位符 4">
+            <a:extLst>
+              <a:ext uri="{FF2B5EF4-FFF2-40B4-BE49-F238E27FC236}">
+                <a16:creationId xmlns:a16="http://schemas.microsoft.com/office/drawing/2014/main" id="{C3A1C0B0-1BA2-46B8-86D0-C2FA375EBD02}"/>
+              </a:ext>
+            </a:extLst>
+          </p:cNvPr>
+          <p:cNvSpPr txBox="1">
+            <a:spLocks/>
+          </p:cNvSpPr>
+          <p:nvPr/>
+        </p:nvSpPr>
+        <p:spPr>
+          <a:xfrm>
+            <a:off x="207819" y="1381589"/>
+            <a:ext cx="8827124" cy="1222717"/>
+          </a:xfrm>
+          <a:prstGeom prst="rect">
+            <a:avLst/>
+          </a:prstGeom>
+        </p:spPr>
+        <p:txBody>
+          <a:bodyPr vert="horz" lIns="91440" tIns="45720" rIns="91440" bIns="45720" rtlCol="0">
+            <a:normAutofit/>
+          </a:bodyPr>
+          <a:lstStyle>
+            <a:lvl1pPr marL="457200" indent="-457200" algn="l" defTabSz="914400" rtl="0" eaLnBrk="1" latinLnBrk="0" hangingPunct="1">
+              <a:spcBef>
+                <a:spcPts val="2000"/>
+              </a:spcBef>
+              <a:buClr>
+                <a:schemeClr val="tx1">
+                  <a:lumMod val="75000"/>
+                  <a:lumOff val="25000"/>
+                </a:schemeClr>
+              </a:buClr>
+              <a:buSzPct val="75000"/>
+              <a:buFont typeface="Wingdings 2" pitchFamily="18" charset="2"/>
+              <a:buChar char=""/>
+              <a:defRPr sz="2200" kern="1200">
+                <a:solidFill>
+                  <a:schemeClr val="tx1">
+                    <a:lumMod val="75000"/>
+                    <a:lumOff val="25000"/>
+                  </a:schemeClr>
+                </a:solidFill>
+                <a:latin typeface="+mn-lt"/>
+                <a:ea typeface="+mn-ea"/>
+                <a:cs typeface="+mn-cs"/>
+              </a:defRPr>
+            </a:lvl1pPr>
+            <a:lvl2pPr marL="914400" indent="-457200" algn="l" defTabSz="914400" rtl="0" eaLnBrk="1" latinLnBrk="0" hangingPunct="1">
+              <a:spcBef>
+                <a:spcPts val="600"/>
+              </a:spcBef>
+              <a:buClr>
+                <a:schemeClr val="tx1">
+                  <a:lumMod val="50000"/>
+                  <a:lumOff val="50000"/>
+                </a:schemeClr>
+              </a:buClr>
+              <a:buSzPct val="75000"/>
+              <a:buFont typeface="Wingdings 2" pitchFamily="18" charset="2"/>
+              <a:buChar char=""/>
+              <a:defRPr sz="2000" kern="1200">
+                <a:solidFill>
+                  <a:schemeClr val="tx1">
+                    <a:lumMod val="75000"/>
+                    <a:lumOff val="25000"/>
+                  </a:schemeClr>
+                </a:solidFill>
+                <a:latin typeface="+mn-lt"/>
+                <a:ea typeface="+mn-ea"/>
+                <a:cs typeface="+mn-cs"/>
+              </a:defRPr>
+            </a:lvl2pPr>
+            <a:lvl3pPr marL="1371600" indent="-457200" algn="l" defTabSz="914400" rtl="0" eaLnBrk="1" latinLnBrk="0" hangingPunct="1">
+              <a:spcBef>
+                <a:spcPts val="600"/>
+              </a:spcBef>
+              <a:buClr>
+                <a:schemeClr val="tx1">
+                  <a:lumMod val="75000"/>
+                  <a:lumOff val="25000"/>
+                </a:schemeClr>
+              </a:buClr>
+              <a:buSzPct val="75000"/>
+              <a:buFont typeface="Wingdings 2" pitchFamily="18" charset="2"/>
+              <a:buChar char=""/>
+              <a:defRPr sz="1800" kern="1200">
+                <a:solidFill>
+                  <a:schemeClr val="tx1">
+                    <a:lumMod val="75000"/>
+                    <a:lumOff val="25000"/>
+                  </a:schemeClr>
+                </a:solidFill>
+                <a:latin typeface="+mn-lt"/>
+                <a:ea typeface="+mn-ea"/>
+                <a:cs typeface="+mn-cs"/>
+              </a:defRPr>
+            </a:lvl3pPr>
+            <a:lvl4pPr marL="1828800" indent="-457200" algn="l" defTabSz="914400" rtl="0" eaLnBrk="1" latinLnBrk="0" hangingPunct="1">
+              <a:spcBef>
+                <a:spcPts val="600"/>
+              </a:spcBef>
+              <a:buClr>
+                <a:schemeClr val="tx1">
+                  <a:lumMod val="50000"/>
+                  <a:lumOff val="50000"/>
+                </a:schemeClr>
+              </a:buClr>
+              <a:buSzPct val="75000"/>
+              <a:buFont typeface="Wingdings 2" pitchFamily="18" charset="2"/>
+              <a:buChar char=""/>
+              <a:defRPr sz="1800" kern="1200">
+                <a:solidFill>
+                  <a:schemeClr val="tx1">
+                    <a:lumMod val="75000"/>
+                    <a:lumOff val="25000"/>
+                  </a:schemeClr>
+                </a:solidFill>
+                <a:latin typeface="+mn-lt"/>
+                <a:ea typeface="+mn-ea"/>
+                <a:cs typeface="+mn-cs"/>
+              </a:defRPr>
+            </a:lvl4pPr>
+            <a:lvl5pPr marL="2286000" indent="-457200" algn="l" defTabSz="914400" rtl="0" eaLnBrk="1" latinLnBrk="0" hangingPunct="1">
+              <a:spcBef>
+                <a:spcPts val="600"/>
+              </a:spcBef>
+              <a:buClr>
+                <a:schemeClr val="tx1">
+                  <a:lumMod val="75000"/>
+                  <a:lumOff val="25000"/>
+                </a:schemeClr>
+              </a:buClr>
+              <a:buSzPct val="75000"/>
+              <a:buFont typeface="Wingdings 2" pitchFamily="18" charset="2"/>
+              <a:buChar char=""/>
+              <a:defRPr sz="1800" kern="1200">
+                <a:solidFill>
+                  <a:schemeClr val="tx1">
+                    <a:lumMod val="75000"/>
+                    <a:lumOff val="25000"/>
+                  </a:schemeClr>
+                </a:solidFill>
+                <a:latin typeface="+mn-lt"/>
+                <a:ea typeface="+mn-ea"/>
+                <a:cs typeface="+mn-cs"/>
+              </a:defRPr>
+            </a:lvl5pPr>
+            <a:lvl6pPr marL="2743200" indent="-461963" algn="l" defTabSz="914400" rtl="0" eaLnBrk="1" latinLnBrk="0" hangingPunct="1">
+              <a:spcBef>
+                <a:spcPct val="20000"/>
+              </a:spcBef>
+              <a:buClr>
+                <a:schemeClr val="tx1">
+                  <a:lumMod val="50000"/>
+                  <a:lumOff val="50000"/>
+                </a:schemeClr>
+              </a:buClr>
+              <a:buSzPct val="75000"/>
+              <a:buFont typeface="Wingdings 2" pitchFamily="18" charset="2"/>
+              <a:buChar char=""/>
+              <a:defRPr lang="en-US" sz="1800" kern="1200" dirty="0" smtClean="0">
+                <a:solidFill>
+                  <a:schemeClr val="tx1">
+                    <a:lumMod val="75000"/>
+                    <a:lumOff val="25000"/>
+                  </a:schemeClr>
+                </a:solidFill>
+                <a:latin typeface="+mn-lt"/>
+                <a:ea typeface="+mn-ea"/>
+                <a:cs typeface="+mn-cs"/>
+              </a:defRPr>
+            </a:lvl6pPr>
+            <a:lvl7pPr marL="3205163" indent="-461963" algn="l" defTabSz="914400" rtl="0" eaLnBrk="1" latinLnBrk="0" hangingPunct="1">
+              <a:spcBef>
+                <a:spcPct val="20000"/>
+              </a:spcBef>
+              <a:buClr>
+                <a:schemeClr val="tx1">
+                  <a:lumMod val="75000"/>
+                  <a:lumOff val="25000"/>
+                </a:schemeClr>
+              </a:buClr>
+              <a:buSzPct val="75000"/>
+              <a:buFont typeface="Wingdings 2" pitchFamily="18" charset="2"/>
+              <a:buChar char=""/>
+              <a:defRPr lang="en-US" sz="1800" kern="1200" dirty="0" smtClean="0">
+                <a:solidFill>
+                  <a:schemeClr val="tx1">
+                    <a:lumMod val="75000"/>
+                    <a:lumOff val="25000"/>
+                  </a:schemeClr>
+                </a:solidFill>
+                <a:latin typeface="+mn-lt"/>
+                <a:ea typeface="+mn-ea"/>
+                <a:cs typeface="+mn-cs"/>
+              </a:defRPr>
+            </a:lvl7pPr>
+            <a:lvl8pPr marL="3657600" indent="-461963" algn="l" defTabSz="914400" rtl="0" eaLnBrk="1" latinLnBrk="0" hangingPunct="1">
+              <a:spcBef>
+                <a:spcPct val="20000"/>
+              </a:spcBef>
+              <a:buClr>
+                <a:schemeClr val="tx1">
+                  <a:lumMod val="50000"/>
+                  <a:lumOff val="50000"/>
+                </a:schemeClr>
+              </a:buClr>
+              <a:buSzPct val="75000"/>
+              <a:buFont typeface="Wingdings 2" pitchFamily="18" charset="2"/>
+              <a:buChar char=""/>
+              <a:defRPr lang="en-US" sz="1800" kern="1200" dirty="0" smtClean="0">
+                <a:solidFill>
+                  <a:schemeClr val="tx1">
+                    <a:lumMod val="75000"/>
+                    <a:lumOff val="25000"/>
+                  </a:schemeClr>
+                </a:solidFill>
+                <a:latin typeface="+mn-lt"/>
+                <a:ea typeface="+mn-ea"/>
+                <a:cs typeface="+mn-cs"/>
+              </a:defRPr>
+            </a:lvl8pPr>
+            <a:lvl9pPr marL="4119563" indent="-461963" algn="l" defTabSz="914400" rtl="0" eaLnBrk="1" latinLnBrk="0" hangingPunct="1">
+              <a:spcBef>
+                <a:spcPct val="20000"/>
+              </a:spcBef>
+              <a:buClr>
+                <a:schemeClr val="tx1">
+                  <a:lumMod val="75000"/>
+                  <a:lumOff val="25000"/>
+                </a:schemeClr>
+              </a:buClr>
+              <a:buSzPct val="75000"/>
+              <a:buFont typeface="Wingdings 2" pitchFamily="18" charset="2"/>
+              <a:buChar char=""/>
+              <a:defRPr lang="en-US" sz="1800" kern="1200" dirty="0">
+                <a:solidFill>
+                  <a:schemeClr val="tx1">
+                    <a:lumMod val="75000"/>
+                    <a:lumOff val="25000"/>
+                  </a:schemeClr>
+                </a:solidFill>
+                <a:latin typeface="+mn-lt"/>
+                <a:ea typeface="+mn-ea"/>
+                <a:cs typeface="+mn-cs"/>
+              </a:defRPr>
+            </a:lvl9pPr>
+          </a:lstStyle>
+          <a:p>
+            <a:r>
+              <a:rPr kumimoji="1" lang="en-US" altLang="zh-CN" dirty="0">
+                <a:solidFill>
+                  <a:schemeClr val="tx1"/>
+                </a:solidFill>
+              </a:rPr>
+              <a:t>What if the probability of heads is not same as the probability of tails? </a:t>
+            </a:r>
+          </a:p>
+          <a:p>
+            <a:pPr marL="457200" lvl="1" indent="0">
+              <a:buNone/>
+            </a:pPr>
+            <a:r>
+              <a:rPr kumimoji="1" lang="en-US" altLang="zh-CN" dirty="0">
+                <a:solidFill>
+                  <a:schemeClr val="tx1"/>
+                </a:solidFill>
+              </a:rPr>
+              <a:t>Such as P(X=0) = 1/4 , and P(X=1)=3/4.</a:t>
+            </a:r>
+            <a:endParaRPr kumimoji="1" lang="zh-CN" altLang="en-US" dirty="0">
+              <a:solidFill>
+                <a:schemeClr val="tx1"/>
+              </a:solidFill>
+            </a:endParaRPr>
+          </a:p>
+        </p:txBody>
+      </p:sp>
+      <mc:AlternateContent xmlns:mc="http://schemas.openxmlformats.org/markup-compatibility/2006">
+        <mc:Choice xmlns:a14="http://schemas.microsoft.com/office/drawing/2010/main" Requires="a14">
+          <p:sp>
+            <p:nvSpPr>
+              <p:cNvPr id="6" name="内容占位符 4">
+                <a:extLst>
+                  <a:ext uri="{FF2B5EF4-FFF2-40B4-BE49-F238E27FC236}">
+                    <a16:creationId xmlns:a16="http://schemas.microsoft.com/office/drawing/2014/main" id="{D9D69492-E153-4FEF-98AB-E145CCD6482F}"/>
+                  </a:ext>
+                </a:extLst>
+              </p:cNvPr>
+              <p:cNvSpPr txBox="1">
+                <a:spLocks/>
+              </p:cNvSpPr>
+              <p:nvPr/>
+            </p:nvSpPr>
+            <p:spPr>
+              <a:xfrm>
+                <a:off x="316876" y="2934555"/>
+                <a:ext cx="8827124" cy="1510125"/>
+              </a:xfrm>
+              <a:prstGeom prst="rect">
+                <a:avLst/>
+              </a:prstGeom>
+            </p:spPr>
+            <p:txBody>
+              <a:bodyPr vert="horz" lIns="91440" tIns="45720" rIns="91440" bIns="45720" rtlCol="0">
+                <a:normAutofit/>
+              </a:bodyPr>
+              <a:lstStyle>
+                <a:lvl1pPr marL="457200" indent="-457200" algn="l" defTabSz="914400" rtl="0" eaLnBrk="1" latinLnBrk="0" hangingPunct="1">
+                  <a:spcBef>
+                    <a:spcPts val="2000"/>
+                  </a:spcBef>
+                  <a:buClr>
+                    <a:schemeClr val="tx1">
+                      <a:lumMod val="75000"/>
+                      <a:lumOff val="25000"/>
+                    </a:schemeClr>
+                  </a:buClr>
+                  <a:buSzPct val="75000"/>
+                  <a:buFont typeface="Wingdings 2" pitchFamily="18" charset="2"/>
+                  <a:buChar char=""/>
+                  <a:defRPr sz="2200" kern="1200">
+                    <a:solidFill>
+                      <a:schemeClr val="tx1">
+                        <a:lumMod val="75000"/>
+                        <a:lumOff val="25000"/>
+                      </a:schemeClr>
+                    </a:solidFill>
+                    <a:latin typeface="+mn-lt"/>
+                    <a:ea typeface="+mn-ea"/>
+                    <a:cs typeface="+mn-cs"/>
+                  </a:defRPr>
+                </a:lvl1pPr>
+                <a:lvl2pPr marL="914400" indent="-457200" algn="l" defTabSz="914400" rtl="0" eaLnBrk="1" latinLnBrk="0" hangingPunct="1">
+                  <a:spcBef>
+                    <a:spcPts val="600"/>
+                  </a:spcBef>
+                  <a:buClr>
+                    <a:schemeClr val="tx1">
+                      <a:lumMod val="50000"/>
+                      <a:lumOff val="50000"/>
+                    </a:schemeClr>
+                  </a:buClr>
+                  <a:buSzPct val="75000"/>
+                  <a:buFont typeface="Wingdings 2" pitchFamily="18" charset="2"/>
+                  <a:buChar char=""/>
+                  <a:defRPr sz="2000" kern="1200">
+                    <a:solidFill>
+                      <a:schemeClr val="tx1">
+                        <a:lumMod val="75000"/>
+                        <a:lumOff val="25000"/>
+                      </a:schemeClr>
+                    </a:solidFill>
+                    <a:latin typeface="+mn-lt"/>
+                    <a:ea typeface="+mn-ea"/>
+                    <a:cs typeface="+mn-cs"/>
+                  </a:defRPr>
+                </a:lvl2pPr>
+                <a:lvl3pPr marL="1371600" indent="-457200" algn="l" defTabSz="914400" rtl="0" eaLnBrk="1" latinLnBrk="0" hangingPunct="1">
+                  <a:spcBef>
+                    <a:spcPts val="600"/>
+                  </a:spcBef>
+                  <a:buClr>
+                    <a:schemeClr val="tx1">
+                      <a:lumMod val="75000"/>
+                      <a:lumOff val="25000"/>
+                    </a:schemeClr>
+                  </a:buClr>
+                  <a:buSzPct val="75000"/>
+                  <a:buFont typeface="Wingdings 2" pitchFamily="18" charset="2"/>
+                  <a:buChar char=""/>
+                  <a:defRPr sz="1800" kern="1200">
+                    <a:solidFill>
+                      <a:schemeClr val="tx1">
+                        <a:lumMod val="75000"/>
+                        <a:lumOff val="25000"/>
+                      </a:schemeClr>
+                    </a:solidFill>
+                    <a:latin typeface="+mn-lt"/>
+                    <a:ea typeface="+mn-ea"/>
+                    <a:cs typeface="+mn-cs"/>
+                  </a:defRPr>
+                </a:lvl3pPr>
+                <a:lvl4pPr marL="1828800" indent="-457200" algn="l" defTabSz="914400" rtl="0" eaLnBrk="1" latinLnBrk="0" hangingPunct="1">
+                  <a:spcBef>
+                    <a:spcPts val="600"/>
+                  </a:spcBef>
+                  <a:buClr>
+                    <a:schemeClr val="tx1">
+                      <a:lumMod val="50000"/>
+                      <a:lumOff val="50000"/>
+                    </a:schemeClr>
+                  </a:buClr>
+                  <a:buSzPct val="75000"/>
+                  <a:buFont typeface="Wingdings 2" pitchFamily="18" charset="2"/>
+                  <a:buChar char=""/>
+                  <a:defRPr sz="1800" kern="1200">
+                    <a:solidFill>
+                      <a:schemeClr val="tx1">
+                        <a:lumMod val="75000"/>
+                        <a:lumOff val="25000"/>
+                      </a:schemeClr>
+                    </a:solidFill>
+                    <a:latin typeface="+mn-lt"/>
+                    <a:ea typeface="+mn-ea"/>
+                    <a:cs typeface="+mn-cs"/>
+                  </a:defRPr>
+                </a:lvl4pPr>
+                <a:lvl5pPr marL="2286000" indent="-457200" algn="l" defTabSz="914400" rtl="0" eaLnBrk="1" latinLnBrk="0" hangingPunct="1">
+                  <a:spcBef>
+                    <a:spcPts val="600"/>
+                  </a:spcBef>
+                  <a:buClr>
+                    <a:schemeClr val="tx1">
+                      <a:lumMod val="75000"/>
+                      <a:lumOff val="25000"/>
+                    </a:schemeClr>
+                  </a:buClr>
+                  <a:buSzPct val="75000"/>
+                  <a:buFont typeface="Wingdings 2" pitchFamily="18" charset="2"/>
+                  <a:buChar char=""/>
+                  <a:defRPr sz="1800" kern="1200">
+                    <a:solidFill>
+                      <a:schemeClr val="tx1">
+                        <a:lumMod val="75000"/>
+                        <a:lumOff val="25000"/>
+                      </a:schemeClr>
+                    </a:solidFill>
+                    <a:latin typeface="+mn-lt"/>
+                    <a:ea typeface="+mn-ea"/>
+                    <a:cs typeface="+mn-cs"/>
+                  </a:defRPr>
+                </a:lvl5pPr>
+                <a:lvl6pPr marL="2743200" indent="-461963" algn="l" defTabSz="914400" rtl="0" eaLnBrk="1" latinLnBrk="0" hangingPunct="1">
+                  <a:spcBef>
+                    <a:spcPct val="20000"/>
+                  </a:spcBef>
+                  <a:buClr>
+                    <a:schemeClr val="tx1">
+                      <a:lumMod val="50000"/>
+                      <a:lumOff val="50000"/>
+                    </a:schemeClr>
+                  </a:buClr>
+                  <a:buSzPct val="75000"/>
+                  <a:buFont typeface="Wingdings 2" pitchFamily="18" charset="2"/>
+                  <a:buChar char=""/>
+                  <a:defRPr lang="en-US" sz="1800" kern="1200" dirty="0" smtClean="0">
+                    <a:solidFill>
+                      <a:schemeClr val="tx1">
+                        <a:lumMod val="75000"/>
+                        <a:lumOff val="25000"/>
+                      </a:schemeClr>
+                    </a:solidFill>
+                    <a:latin typeface="+mn-lt"/>
+                    <a:ea typeface="+mn-ea"/>
+                    <a:cs typeface="+mn-cs"/>
+                  </a:defRPr>
+                </a:lvl6pPr>
+                <a:lvl7pPr marL="3205163" indent="-461963" algn="l" defTabSz="914400" rtl="0" eaLnBrk="1" latinLnBrk="0" hangingPunct="1">
+                  <a:spcBef>
+                    <a:spcPct val="20000"/>
+                  </a:spcBef>
+                  <a:buClr>
+                    <a:schemeClr val="tx1">
+                      <a:lumMod val="75000"/>
+                      <a:lumOff val="25000"/>
+                    </a:schemeClr>
+                  </a:buClr>
+                  <a:buSzPct val="75000"/>
+                  <a:buFont typeface="Wingdings 2" pitchFamily="18" charset="2"/>
+                  <a:buChar char=""/>
+                  <a:defRPr lang="en-US" sz="1800" kern="1200" dirty="0" smtClean="0">
+                    <a:solidFill>
+                      <a:schemeClr val="tx1">
+                        <a:lumMod val="75000"/>
+                        <a:lumOff val="25000"/>
+                      </a:schemeClr>
+                    </a:solidFill>
+                    <a:latin typeface="+mn-lt"/>
+                    <a:ea typeface="+mn-ea"/>
+                    <a:cs typeface="+mn-cs"/>
+                  </a:defRPr>
+                </a:lvl7pPr>
+                <a:lvl8pPr marL="3657600" indent="-461963" algn="l" defTabSz="914400" rtl="0" eaLnBrk="1" latinLnBrk="0" hangingPunct="1">
+                  <a:spcBef>
+                    <a:spcPct val="20000"/>
+                  </a:spcBef>
+                  <a:buClr>
+                    <a:schemeClr val="tx1">
+                      <a:lumMod val="50000"/>
+                      <a:lumOff val="50000"/>
+                    </a:schemeClr>
+                  </a:buClr>
+                  <a:buSzPct val="75000"/>
+                  <a:buFont typeface="Wingdings 2" pitchFamily="18" charset="2"/>
+                  <a:buChar char=""/>
+                  <a:defRPr lang="en-US" sz="1800" kern="1200" dirty="0" smtClean="0">
+                    <a:solidFill>
+                      <a:schemeClr val="tx1">
+                        <a:lumMod val="75000"/>
+                        <a:lumOff val="25000"/>
+                      </a:schemeClr>
+                    </a:solidFill>
+                    <a:latin typeface="+mn-lt"/>
+                    <a:ea typeface="+mn-ea"/>
+                    <a:cs typeface="+mn-cs"/>
+                  </a:defRPr>
+                </a:lvl8pPr>
+                <a:lvl9pPr marL="4119563" indent="-461963" algn="l" defTabSz="914400" rtl="0" eaLnBrk="1" latinLnBrk="0" hangingPunct="1">
+                  <a:spcBef>
+                    <a:spcPct val="20000"/>
+                  </a:spcBef>
+                  <a:buClr>
+                    <a:schemeClr val="tx1">
+                      <a:lumMod val="75000"/>
+                      <a:lumOff val="25000"/>
+                    </a:schemeClr>
+                  </a:buClr>
+                  <a:buSzPct val="75000"/>
+                  <a:buFont typeface="Wingdings 2" pitchFamily="18" charset="2"/>
+                  <a:buChar char=""/>
+                  <a:defRPr lang="en-US" sz="1800" kern="1200" dirty="0">
+                    <a:solidFill>
+                      <a:schemeClr val="tx1">
+                        <a:lumMod val="75000"/>
+                        <a:lumOff val="25000"/>
+                      </a:schemeClr>
+                    </a:solidFill>
+                    <a:latin typeface="+mn-lt"/>
+                    <a:ea typeface="+mn-ea"/>
+                    <a:cs typeface="+mn-cs"/>
+                  </a:defRPr>
+                </a:lvl9pPr>
+              </a:lstStyle>
+              <a:p>
+                <a:pPr marL="360000" indent="0">
+                  <a:buNone/>
+                </a:pPr>
+                <a14:m>
+                  <m:oMath xmlns:m="http://schemas.openxmlformats.org/officeDocument/2006/math">
+                    <m:r>
+                      <a:rPr kumimoji="1" lang="en-US" altLang="zh-CN" i="1">
+                        <a:solidFill>
+                          <a:schemeClr val="tx1"/>
+                        </a:solidFill>
+                        <a:latin typeface="Cambria Math" panose="02040503050406030204" pitchFamily="18" charset="0"/>
+                      </a:rPr>
+                      <m:t>𝐻</m:t>
+                    </m:r>
+                    <m:d>
+                      <m:dPr>
+                        <m:ctrlPr>
+                          <a:rPr kumimoji="1" lang="en-US" altLang="zh-CN" i="1">
+                            <a:solidFill>
+                              <a:schemeClr val="tx1"/>
+                            </a:solidFill>
+                            <a:latin typeface="Cambria Math" panose="02040503050406030204" pitchFamily="18" charset="0"/>
+                          </a:rPr>
+                        </m:ctrlPr>
+                      </m:dPr>
+                      <m:e>
+                        <m:r>
+                          <a:rPr kumimoji="1" lang="en-US" altLang="zh-CN" i="1">
+                            <a:solidFill>
+                              <a:schemeClr val="tx1"/>
+                            </a:solidFill>
+                            <a:latin typeface="Cambria Math" panose="02040503050406030204" pitchFamily="18" charset="0"/>
+                          </a:rPr>
+                          <m:t>𝑋</m:t>
+                        </m:r>
+                      </m:e>
+                    </m:d>
+                    <m:r>
+                      <a:rPr kumimoji="1" lang="en-US" altLang="zh-CN" i="1">
+                        <a:solidFill>
+                          <a:schemeClr val="tx1"/>
+                        </a:solidFill>
+                        <a:latin typeface="Cambria Math" panose="02040503050406030204" pitchFamily="18" charset="0"/>
+                      </a:rPr>
+                      <m:t>=−</m:t>
+                    </m:r>
+                    <m:nary>
+                      <m:naryPr>
+                        <m:chr m:val="∑"/>
+                        <m:ctrlPr>
+                          <a:rPr kumimoji="1" lang="en-US" altLang="zh-CN" i="1">
+                            <a:solidFill>
+                              <a:schemeClr val="tx1"/>
+                            </a:solidFill>
+                            <a:latin typeface="Cambria Math" panose="02040503050406030204" pitchFamily="18" charset="0"/>
+                          </a:rPr>
+                        </m:ctrlPr>
+                      </m:naryPr>
+                      <m:sub>
+                        <m:r>
+                          <m:rPr>
+                            <m:brk m:alnAt="23"/>
+                          </m:rPr>
+                          <a:rPr kumimoji="1" lang="en-US" altLang="zh-CN" i="1">
+                            <a:solidFill>
+                              <a:schemeClr val="tx1"/>
+                            </a:solidFill>
+                            <a:latin typeface="Cambria Math" panose="02040503050406030204" pitchFamily="18" charset="0"/>
+                          </a:rPr>
+                          <m:t>𝑖</m:t>
+                        </m:r>
+                        <m:r>
+                          <a:rPr kumimoji="1" lang="en-US" altLang="zh-CN" i="1">
+                            <a:solidFill>
+                              <a:schemeClr val="tx1"/>
+                            </a:solidFill>
+                            <a:latin typeface="Cambria Math" panose="02040503050406030204" pitchFamily="18" charset="0"/>
+                          </a:rPr>
+                          <m:t>=1</m:t>
+                        </m:r>
+                      </m:sub>
+                      <m:sup>
+                        <m:r>
+                          <a:rPr kumimoji="1" lang="en-US" altLang="zh-CN" i="1">
+                            <a:solidFill>
+                              <a:schemeClr val="tx1"/>
+                            </a:solidFill>
+                            <a:latin typeface="Cambria Math" panose="02040503050406030204" pitchFamily="18" charset="0"/>
+                          </a:rPr>
+                          <m:t>2</m:t>
+                        </m:r>
+                      </m:sup>
+                      <m:e>
+                        <m:r>
+                          <a:rPr kumimoji="1" lang="en-US" altLang="zh-CN" i="1">
+                            <a:solidFill>
+                              <a:schemeClr val="tx1"/>
+                            </a:solidFill>
+                            <a:latin typeface="Cambria Math" panose="02040503050406030204" pitchFamily="18" charset="0"/>
+                          </a:rPr>
+                          <m:t>𝑃</m:t>
+                        </m:r>
+                        <m:d>
+                          <m:dPr>
+                            <m:ctrlPr>
+                              <a:rPr kumimoji="1" lang="en-US" altLang="zh-CN" i="1">
+                                <a:solidFill>
+                                  <a:schemeClr val="tx1"/>
+                                </a:solidFill>
+                                <a:latin typeface="Cambria Math" panose="02040503050406030204" pitchFamily="18" charset="0"/>
+                              </a:rPr>
+                            </m:ctrlPr>
+                          </m:dPr>
+                          <m:e>
+                            <m:sSub>
+                              <m:sSubPr>
+                                <m:ctrlPr>
+                                  <a:rPr kumimoji="1" lang="en-US" altLang="zh-CN" i="1">
+                                    <a:solidFill>
+                                      <a:schemeClr val="tx1"/>
+                                    </a:solidFill>
+                                    <a:latin typeface="Cambria Math" panose="02040503050406030204" pitchFamily="18" charset="0"/>
+                                  </a:rPr>
+                                </m:ctrlPr>
+                              </m:sSubPr>
+                              <m:e>
+                                <m:r>
+                                  <a:rPr kumimoji="1" lang="en-US" altLang="zh-CN" i="1">
+                                    <a:solidFill>
+                                      <a:schemeClr val="tx1"/>
+                                    </a:solidFill>
+                                    <a:latin typeface="Cambria Math" panose="02040503050406030204" pitchFamily="18" charset="0"/>
+                                  </a:rPr>
+                                  <m:t>𝑥</m:t>
+                                </m:r>
+                              </m:e>
+                              <m:sub>
+                                <m:r>
+                                  <a:rPr kumimoji="1" lang="en-US" altLang="zh-CN" i="1">
+                                    <a:solidFill>
+                                      <a:schemeClr val="tx1"/>
+                                    </a:solidFill>
+                                    <a:latin typeface="Cambria Math" panose="02040503050406030204" pitchFamily="18" charset="0"/>
+                                  </a:rPr>
+                                  <m:t>𝑖</m:t>
+                                </m:r>
+                              </m:sub>
+                            </m:sSub>
+                          </m:e>
+                        </m:d>
+                        <m:func>
+                          <m:funcPr>
+                            <m:ctrlPr>
+                              <a:rPr kumimoji="1" lang="en-US" altLang="zh-CN" i="1">
+                                <a:solidFill>
+                                  <a:schemeClr val="tx1"/>
+                                </a:solidFill>
+                                <a:latin typeface="Cambria Math" panose="02040503050406030204" pitchFamily="18" charset="0"/>
+                              </a:rPr>
+                            </m:ctrlPr>
+                          </m:funcPr>
+                          <m:fName>
+                            <m:sSub>
+                              <m:sSubPr>
+                                <m:ctrlPr>
+                                  <a:rPr kumimoji="1" lang="en-US" altLang="zh-CN" i="1">
+                                    <a:solidFill>
+                                      <a:schemeClr val="tx1"/>
+                                    </a:solidFill>
+                                    <a:latin typeface="Cambria Math" panose="02040503050406030204" pitchFamily="18" charset="0"/>
+                                  </a:rPr>
+                                </m:ctrlPr>
+                              </m:sSubPr>
+                              <m:e>
+                                <m:r>
+                                  <m:rPr>
+                                    <m:sty m:val="p"/>
+                                  </m:rPr>
+                                  <a:rPr kumimoji="1" lang="en-US" altLang="zh-CN">
+                                    <a:solidFill>
+                                      <a:schemeClr val="tx1"/>
+                                    </a:solidFill>
+                                    <a:latin typeface="Cambria Math" panose="02040503050406030204" pitchFamily="18" charset="0"/>
+                                  </a:rPr>
+                                  <m:t>log</m:t>
+                                </m:r>
+                              </m:e>
+                              <m:sub>
+                                <m:r>
+                                  <a:rPr kumimoji="1" lang="en-US" altLang="zh-CN" i="1">
+                                    <a:solidFill>
+                                      <a:schemeClr val="tx1"/>
+                                    </a:solidFill>
+                                    <a:latin typeface="Cambria Math" panose="02040503050406030204" pitchFamily="18" charset="0"/>
+                                  </a:rPr>
+                                  <m:t>2</m:t>
+                                </m:r>
+                              </m:sub>
+                            </m:sSub>
+                          </m:fName>
+                          <m:e>
+                            <m:r>
+                              <a:rPr kumimoji="1" lang="en-US" altLang="zh-CN" i="1">
+                                <a:solidFill>
+                                  <a:schemeClr val="tx1"/>
+                                </a:solidFill>
+                                <a:latin typeface="Cambria Math" panose="02040503050406030204" pitchFamily="18" charset="0"/>
+                              </a:rPr>
+                              <m:t>𝑃</m:t>
+                            </m:r>
+                            <m:r>
+                              <a:rPr kumimoji="1" lang="en-US" altLang="zh-CN" i="1">
+                                <a:solidFill>
+                                  <a:schemeClr val="tx1"/>
+                                </a:solidFill>
+                                <a:latin typeface="Cambria Math" panose="02040503050406030204" pitchFamily="18" charset="0"/>
+                              </a:rPr>
+                              <m:t>(</m:t>
+                            </m:r>
+                            <m:sSub>
+                              <m:sSubPr>
+                                <m:ctrlPr>
+                                  <a:rPr kumimoji="1" lang="en-US" altLang="zh-CN" i="1">
+                                    <a:solidFill>
+                                      <a:schemeClr val="tx1"/>
+                                    </a:solidFill>
+                                    <a:latin typeface="Cambria Math" panose="02040503050406030204" pitchFamily="18" charset="0"/>
+                                  </a:rPr>
+                                </m:ctrlPr>
+                              </m:sSubPr>
+                              <m:e>
+                                <m:r>
+                                  <a:rPr kumimoji="1" lang="en-US" altLang="zh-CN" i="1">
+                                    <a:solidFill>
+                                      <a:schemeClr val="tx1"/>
+                                    </a:solidFill>
+                                    <a:latin typeface="Cambria Math" panose="02040503050406030204" pitchFamily="18" charset="0"/>
+                                  </a:rPr>
+                                  <m:t>𝑥</m:t>
+                                </m:r>
+                              </m:e>
+                              <m:sub>
+                                <m:r>
+                                  <a:rPr kumimoji="1" lang="en-US" altLang="zh-CN" i="1">
+                                    <a:solidFill>
+                                      <a:schemeClr val="tx1"/>
+                                    </a:solidFill>
+                                    <a:latin typeface="Cambria Math" panose="02040503050406030204" pitchFamily="18" charset="0"/>
+                                  </a:rPr>
+                                  <m:t>𝑖</m:t>
+                                </m:r>
+                              </m:sub>
+                            </m:sSub>
+                            <m:r>
+                              <a:rPr kumimoji="1" lang="en-US" altLang="zh-CN" i="1">
+                                <a:solidFill>
+                                  <a:schemeClr val="tx1"/>
+                                </a:solidFill>
+                                <a:latin typeface="Cambria Math" panose="02040503050406030204" pitchFamily="18" charset="0"/>
+                              </a:rPr>
+                              <m:t>)</m:t>
+                            </m:r>
+                          </m:e>
+                        </m:func>
+                      </m:e>
+                    </m:nary>
+                  </m:oMath>
+                </a14:m>
+                <a:r>
+                  <a:rPr kumimoji="1" lang="en-US" altLang="zh-CN" i="1" dirty="0">
                     <a:solidFill>
                       <a:schemeClr val="tx1"/>
                     </a:solidFill>
@@ -9151,7 +9160,7 @@
                 <a14:m>
                   <m:oMath xmlns:m="http://schemas.openxmlformats.org/officeDocument/2006/math">
                     <m:r>
-                      <a:rPr kumimoji="1" lang="en-US" altLang="zh-CN" b="0" i="1" smtClean="0">
+                      <a:rPr kumimoji="1" lang="en-US" altLang="zh-CN" i="1">
                         <a:solidFill>
                           <a:schemeClr val="tx1"/>
                         </a:solidFill>
@@ -9171,7 +9180,7 @@
                     <m:f>
                       <m:fPr>
                         <m:ctrlPr>
-                          <a:rPr kumimoji="1" lang="en-US" altLang="zh-CN" b="0" i="1" smtClean="0">
+                          <a:rPr kumimoji="1" lang="en-US" altLang="zh-CN" i="1">
                             <a:solidFill>
                               <a:schemeClr val="tx1"/>
                             </a:solidFill>
@@ -9181,7 +9190,7 @@
                       </m:fPr>
                       <m:num>
                         <m:r>
-                          <a:rPr kumimoji="1" lang="en-US" altLang="zh-CN" b="0" i="1" smtClean="0">
+                          <a:rPr kumimoji="1" lang="en-US" altLang="zh-CN" i="1">
                             <a:solidFill>
                               <a:schemeClr val="tx1"/>
                             </a:solidFill>
@@ -9192,7 +9201,7 @@
                       </m:num>
                       <m:den>
                         <m:r>
-                          <a:rPr kumimoji="1" lang="en-US" altLang="zh-CN" b="0" i="1" smtClean="0">
+                          <a:rPr kumimoji="1" lang="en-US" altLang="zh-CN" i="1">
                             <a:solidFill>
                               <a:schemeClr val="tx1"/>
                             </a:solidFill>
@@ -9265,7 +9274,7 @@
                         <m:f>
                           <m:fPr>
                             <m:ctrlPr>
-                              <a:rPr kumimoji="1" lang="en-US" altLang="zh-CN" b="0" i="1" smtClean="0">
+                              <a:rPr kumimoji="1" lang="en-US" altLang="zh-CN" i="1">
                                 <a:solidFill>
                                   <a:schemeClr val="tx1"/>
                                 </a:solidFill>
@@ -9275,7 +9284,7 @@
                           </m:fPr>
                           <m:num>
                             <m:r>
-                              <a:rPr kumimoji="1" lang="en-US" altLang="zh-CN" b="0" i="1" smtClean="0">
+                              <a:rPr kumimoji="1" lang="en-US" altLang="zh-CN" i="1">
                                 <a:solidFill>
                                   <a:schemeClr val="tx1"/>
                                 </a:solidFill>
@@ -9286,7 +9295,7 @@
                           </m:num>
                           <m:den>
                             <m:r>
-                              <a:rPr kumimoji="1" lang="en-US" altLang="zh-CN" b="0" i="1" smtClean="0">
+                              <a:rPr kumimoji="1" lang="en-US" altLang="zh-CN" i="1">
                                 <a:solidFill>
                                   <a:schemeClr val="tx1"/>
                                 </a:solidFill>
@@ -9310,7 +9319,7 @@
                     <m:f>
                       <m:fPr>
                         <m:ctrlPr>
-                          <a:rPr kumimoji="1" lang="en-US" altLang="zh-CN" b="0" i="1" smtClean="0">
+                          <a:rPr kumimoji="1" lang="en-US" altLang="zh-CN" i="1">
                             <a:solidFill>
                               <a:schemeClr val="tx1"/>
                             </a:solidFill>
@@ -9320,7 +9329,7 @@
                       </m:fPr>
                       <m:num>
                         <m:r>
-                          <a:rPr kumimoji="1" lang="en-US" altLang="zh-CN" b="0" i="1" smtClean="0">
+                          <a:rPr kumimoji="1" lang="en-US" altLang="zh-CN" i="1">
                             <a:solidFill>
                               <a:schemeClr val="tx1"/>
                             </a:solidFill>
@@ -9331,7 +9340,7 @@
                       </m:num>
                       <m:den>
                         <m:r>
-                          <a:rPr kumimoji="1" lang="en-US" altLang="zh-CN" b="0" i="1" smtClean="0">
+                          <a:rPr kumimoji="1" lang="en-US" altLang="zh-CN" i="1">
                             <a:solidFill>
                               <a:schemeClr val="tx1"/>
                             </a:solidFill>
@@ -9404,7 +9413,7 @@
                         <m:f>
                           <m:fPr>
                             <m:ctrlPr>
-                              <a:rPr kumimoji="1" lang="en-US" altLang="zh-CN" b="0" i="1" smtClean="0">
+                              <a:rPr kumimoji="1" lang="en-US" altLang="zh-CN" i="1">
                                 <a:solidFill>
                                   <a:schemeClr val="tx1"/>
                                 </a:solidFill>
@@ -9414,7 +9423,7 @@
                           </m:fPr>
                           <m:num>
                             <m:r>
-                              <a:rPr kumimoji="1" lang="en-US" altLang="zh-CN" b="0" i="1" smtClean="0">
+                              <a:rPr kumimoji="1" lang="en-US" altLang="zh-CN" i="1">
                                 <a:solidFill>
                                   <a:schemeClr val="tx1"/>
                                 </a:solidFill>
@@ -9425,7 +9434,7 @@
                           </m:num>
                           <m:den>
                             <m:r>
-                              <a:rPr kumimoji="1" lang="en-US" altLang="zh-CN" b="0" i="1" smtClean="0">
+                              <a:rPr kumimoji="1" lang="en-US" altLang="zh-CN" i="1">
                                 <a:solidFill>
                                   <a:schemeClr val="tx1"/>
                                 </a:solidFill>
@@ -9448,7 +9457,7 @@
                       <m:t>≈0.811</m:t>
                     </m:r>
                     <m:r>
-                      <a:rPr kumimoji="1" lang="en-US" altLang="zh-CN" b="0" i="1" smtClean="0">
+                      <a:rPr kumimoji="1" lang="en-US" altLang="zh-CN" i="1">
                         <a:solidFill>
                           <a:schemeClr val="tx1"/>
                         </a:solidFill>
@@ -9458,7 +9467,7 @@
                       <m:t>2</m:t>
                     </m:r>
                     <m:r>
-                      <a:rPr kumimoji="1" lang="en-US" altLang="zh-CN" b="0" i="1" smtClean="0">
+                      <a:rPr kumimoji="1" lang="en-US" altLang="zh-CN" i="1">
                         <a:solidFill>
                           <a:schemeClr val="tx1"/>
                         </a:solidFill>
@@ -9497,7 +9506,7 @@
             </p:nvSpPr>
             <p:spPr>
               <a:xfrm>
-                <a:off x="316876" y="2934553"/>
+                <a:off x="316876" y="2934555"/>
                 <a:ext cx="8827124" cy="1510125"/>
               </a:xfrm>
               <a:prstGeom prst="rect">
@@ -9506,7 +9515,7 @@
               <a:blipFill>
                 <a:blip r:embed="rId2"/>
                 <a:stretch>
-                  <a:fillRect t="-33333"/>
+                  <a:fillRect t="-34677"/>
                 </a:stretch>
               </a:blipFill>
             </p:spPr>
@@ -9515,7 +9524,7 @@
               <a:lstStyle/>
               <a:p>
                 <a:r>
-                  <a:rPr lang="en-CN">
+                  <a:rPr lang="en-US">
                     <a:noFill/>
                   </a:rPr>
                   <a:t> </a:t>
@@ -9547,7 +9556,7 @@
         </p:blipFill>
         <p:spPr>
           <a:xfrm>
-            <a:off x="1585730" y="1381587"/>
+            <a:off x="1585732" y="1381587"/>
             <a:ext cx="6458675" cy="4810950"/>
           </a:xfrm>
           <a:prstGeom prst="rect">
@@ -9828,7 +9837,7 @@
         </p:nvSpPr>
         <p:spPr>
           <a:xfrm>
-            <a:off x="460664" y="539176"/>
+            <a:off x="460664" y="539178"/>
             <a:ext cx="8048336" cy="750455"/>
           </a:xfrm>
         </p:spPr>
@@ -10163,676 +10172,6 @@
           </a:p>
         </p:txBody>
       </p:sp>
-      <mc:AlternateContent xmlns:mc="http://schemas.openxmlformats.org/markup-compatibility/2006" xmlns:a14="http://schemas.microsoft.com/office/drawing/2010/main">
-        <mc:Choice Requires="a14">
-          <p:sp>
-            <p:nvSpPr>
-              <p:cNvPr id="8" name="内容占位符 4">
-                <a:extLst>
-                  <a:ext uri="{FF2B5EF4-FFF2-40B4-BE49-F238E27FC236}">
-                    <a16:creationId xmlns:a16="http://schemas.microsoft.com/office/drawing/2014/main" id="{C20DA9AD-DFFC-4C2F-9123-1FD035CACE21}"/>
-                  </a:ext>
-                </a:extLst>
-              </p:cNvPr>
-              <p:cNvSpPr txBox="1">
-                <a:spLocks/>
-              </p:cNvSpPr>
-              <p:nvPr/>
-            </p:nvSpPr>
-            <p:spPr>
-              <a:xfrm>
-                <a:off x="207819" y="3800215"/>
-                <a:ext cx="8827124" cy="1409349"/>
-              </a:xfrm>
-              <a:prstGeom prst="rect">
-                <a:avLst/>
-              </a:prstGeom>
-            </p:spPr>
-            <p:txBody>
-              <a:bodyPr vert="horz" lIns="91440" tIns="45720" rIns="91440" bIns="45720" rtlCol="0">
-                <a:normAutofit/>
-              </a:bodyPr>
-              <a:lstStyle>
-                <a:lvl1pPr marL="457200" indent="-457200" algn="l" defTabSz="914400" rtl="0" eaLnBrk="1" latinLnBrk="0" hangingPunct="1">
-                  <a:spcBef>
-                    <a:spcPts val="2000"/>
-                  </a:spcBef>
-                  <a:buClr>
-                    <a:schemeClr val="tx1">
-                      <a:lumMod val="75000"/>
-                      <a:lumOff val="25000"/>
-                    </a:schemeClr>
-                  </a:buClr>
-                  <a:buSzPct val="75000"/>
-                  <a:buFont typeface="Wingdings 2" pitchFamily="18" charset="2"/>
-                  <a:buChar char=""/>
-                  <a:defRPr sz="2200" kern="1200">
-                    <a:solidFill>
-                      <a:schemeClr val="tx1">
-                        <a:lumMod val="75000"/>
-                        <a:lumOff val="25000"/>
-                      </a:schemeClr>
-                    </a:solidFill>
-                    <a:latin typeface="+mn-lt"/>
-                    <a:ea typeface="+mn-ea"/>
-                    <a:cs typeface="+mn-cs"/>
-                  </a:defRPr>
-                </a:lvl1pPr>
-                <a:lvl2pPr marL="914400" indent="-457200" algn="l" defTabSz="914400" rtl="0" eaLnBrk="1" latinLnBrk="0" hangingPunct="1">
-                  <a:spcBef>
-                    <a:spcPts val="600"/>
-                  </a:spcBef>
-                  <a:buClr>
-                    <a:schemeClr val="tx1">
-                      <a:lumMod val="50000"/>
-                      <a:lumOff val="50000"/>
-                    </a:schemeClr>
-                  </a:buClr>
-                  <a:buSzPct val="75000"/>
-                  <a:buFont typeface="Wingdings 2" pitchFamily="18" charset="2"/>
-                  <a:buChar char=""/>
-                  <a:defRPr sz="2000" kern="1200">
-                    <a:solidFill>
-                      <a:schemeClr val="tx1">
-                        <a:lumMod val="75000"/>
-                        <a:lumOff val="25000"/>
-                      </a:schemeClr>
-                    </a:solidFill>
-                    <a:latin typeface="+mn-lt"/>
-                    <a:ea typeface="+mn-ea"/>
-                    <a:cs typeface="+mn-cs"/>
-                  </a:defRPr>
-                </a:lvl2pPr>
-                <a:lvl3pPr marL="1371600" indent="-457200" algn="l" defTabSz="914400" rtl="0" eaLnBrk="1" latinLnBrk="0" hangingPunct="1">
-                  <a:spcBef>
-                    <a:spcPts val="600"/>
-                  </a:spcBef>
-                  <a:buClr>
-                    <a:schemeClr val="tx1">
-                      <a:lumMod val="75000"/>
-                      <a:lumOff val="25000"/>
-                    </a:schemeClr>
-                  </a:buClr>
-                  <a:buSzPct val="75000"/>
-                  <a:buFont typeface="Wingdings 2" pitchFamily="18" charset="2"/>
-                  <a:buChar char=""/>
-                  <a:defRPr sz="1800" kern="1200">
-                    <a:solidFill>
-                      <a:schemeClr val="tx1">
-                        <a:lumMod val="75000"/>
-                        <a:lumOff val="25000"/>
-                      </a:schemeClr>
-                    </a:solidFill>
-                    <a:latin typeface="+mn-lt"/>
-                    <a:ea typeface="+mn-ea"/>
-                    <a:cs typeface="+mn-cs"/>
-                  </a:defRPr>
-                </a:lvl3pPr>
-                <a:lvl4pPr marL="1828800" indent="-457200" algn="l" defTabSz="914400" rtl="0" eaLnBrk="1" latinLnBrk="0" hangingPunct="1">
-                  <a:spcBef>
-                    <a:spcPts val="600"/>
-                  </a:spcBef>
-                  <a:buClr>
-                    <a:schemeClr val="tx1">
-                      <a:lumMod val="50000"/>
-                      <a:lumOff val="50000"/>
-                    </a:schemeClr>
-                  </a:buClr>
-                  <a:buSzPct val="75000"/>
-                  <a:buFont typeface="Wingdings 2" pitchFamily="18" charset="2"/>
-                  <a:buChar char=""/>
-                  <a:defRPr sz="1800" kern="1200">
-                    <a:solidFill>
-                      <a:schemeClr val="tx1">
-                        <a:lumMod val="75000"/>
-                        <a:lumOff val="25000"/>
-                      </a:schemeClr>
-                    </a:solidFill>
-                    <a:latin typeface="+mn-lt"/>
-                    <a:ea typeface="+mn-ea"/>
-                    <a:cs typeface="+mn-cs"/>
-                  </a:defRPr>
-                </a:lvl4pPr>
-                <a:lvl5pPr marL="2286000" indent="-457200" algn="l" defTabSz="914400" rtl="0" eaLnBrk="1" latinLnBrk="0" hangingPunct="1">
-                  <a:spcBef>
-                    <a:spcPts val="600"/>
-                  </a:spcBef>
-                  <a:buClr>
-                    <a:schemeClr val="tx1">
-                      <a:lumMod val="75000"/>
-                      <a:lumOff val="25000"/>
-                    </a:schemeClr>
-                  </a:buClr>
-                  <a:buSzPct val="75000"/>
-                  <a:buFont typeface="Wingdings 2" pitchFamily="18" charset="2"/>
-                  <a:buChar char=""/>
-                  <a:defRPr sz="1800" kern="1200">
-                    <a:solidFill>
-                      <a:schemeClr val="tx1">
-                        <a:lumMod val="75000"/>
-                        <a:lumOff val="25000"/>
-                      </a:schemeClr>
-                    </a:solidFill>
-                    <a:latin typeface="+mn-lt"/>
-                    <a:ea typeface="+mn-ea"/>
-                    <a:cs typeface="+mn-cs"/>
-                  </a:defRPr>
-                </a:lvl5pPr>
-                <a:lvl6pPr marL="2743200" indent="-461963" algn="l" defTabSz="914400" rtl="0" eaLnBrk="1" latinLnBrk="0" hangingPunct="1">
-                  <a:spcBef>
-                    <a:spcPct val="20000"/>
-                  </a:spcBef>
-                  <a:buClr>
-                    <a:schemeClr val="tx1">
-                      <a:lumMod val="50000"/>
-                      <a:lumOff val="50000"/>
-                    </a:schemeClr>
-                  </a:buClr>
-                  <a:buSzPct val="75000"/>
-                  <a:buFont typeface="Wingdings 2" pitchFamily="18" charset="2"/>
-                  <a:buChar char=""/>
-                  <a:defRPr lang="en-US" sz="1800" kern="1200" dirty="0" smtClean="0">
-                    <a:solidFill>
-                      <a:schemeClr val="tx1">
-                        <a:lumMod val="75000"/>
-                        <a:lumOff val="25000"/>
-                      </a:schemeClr>
-                    </a:solidFill>
-                    <a:latin typeface="+mn-lt"/>
-                    <a:ea typeface="+mn-ea"/>
-                    <a:cs typeface="+mn-cs"/>
-                  </a:defRPr>
-                </a:lvl6pPr>
-                <a:lvl7pPr marL="3205163" indent="-461963" algn="l" defTabSz="914400" rtl="0" eaLnBrk="1" latinLnBrk="0" hangingPunct="1">
-                  <a:spcBef>
-                    <a:spcPct val="20000"/>
-                  </a:spcBef>
-                  <a:buClr>
-                    <a:schemeClr val="tx1">
-                      <a:lumMod val="75000"/>
-                      <a:lumOff val="25000"/>
-                    </a:schemeClr>
-                  </a:buClr>
-                  <a:buSzPct val="75000"/>
-                  <a:buFont typeface="Wingdings 2" pitchFamily="18" charset="2"/>
-                  <a:buChar char=""/>
-                  <a:defRPr lang="en-US" sz="1800" kern="1200" dirty="0" smtClean="0">
-                    <a:solidFill>
-                      <a:schemeClr val="tx1">
-                        <a:lumMod val="75000"/>
-                        <a:lumOff val="25000"/>
-                      </a:schemeClr>
-                    </a:solidFill>
-                    <a:latin typeface="+mn-lt"/>
-                    <a:ea typeface="+mn-ea"/>
-                    <a:cs typeface="+mn-cs"/>
-                  </a:defRPr>
-                </a:lvl7pPr>
-                <a:lvl8pPr marL="3657600" indent="-461963" algn="l" defTabSz="914400" rtl="0" eaLnBrk="1" latinLnBrk="0" hangingPunct="1">
-                  <a:spcBef>
-                    <a:spcPct val="20000"/>
-                  </a:spcBef>
-                  <a:buClr>
-                    <a:schemeClr val="tx1">
-                      <a:lumMod val="50000"/>
-                      <a:lumOff val="50000"/>
-                    </a:schemeClr>
-                  </a:buClr>
-                  <a:buSzPct val="75000"/>
-                  <a:buFont typeface="Wingdings 2" pitchFamily="18" charset="2"/>
-                  <a:buChar char=""/>
-                  <a:defRPr lang="en-US" sz="1800" kern="1200" dirty="0" smtClean="0">
-                    <a:solidFill>
-                      <a:schemeClr val="tx1">
-                        <a:lumMod val="75000"/>
-                        <a:lumOff val="25000"/>
-                      </a:schemeClr>
-                    </a:solidFill>
-                    <a:latin typeface="+mn-lt"/>
-                    <a:ea typeface="+mn-ea"/>
-                    <a:cs typeface="+mn-cs"/>
-                  </a:defRPr>
-                </a:lvl8pPr>
-                <a:lvl9pPr marL="4119563" indent="-461963" algn="l" defTabSz="914400" rtl="0" eaLnBrk="1" latinLnBrk="0" hangingPunct="1">
-                  <a:spcBef>
-                    <a:spcPct val="20000"/>
-                  </a:spcBef>
-                  <a:buClr>
-                    <a:schemeClr val="tx1">
-                      <a:lumMod val="75000"/>
-                      <a:lumOff val="25000"/>
-                    </a:schemeClr>
-                  </a:buClr>
-                  <a:buSzPct val="75000"/>
-                  <a:buFont typeface="Wingdings 2" pitchFamily="18" charset="2"/>
-                  <a:buChar char=""/>
-                  <a:defRPr lang="en-US" sz="1800" kern="1200" dirty="0">
-                    <a:solidFill>
-                      <a:schemeClr val="tx1">
-                        <a:lumMod val="75000"/>
-                        <a:lumOff val="25000"/>
-                      </a:schemeClr>
-                    </a:solidFill>
-                    <a:latin typeface="+mn-lt"/>
-                    <a:ea typeface="+mn-ea"/>
-                    <a:cs typeface="+mn-cs"/>
-                  </a:defRPr>
-                </a:lvl9pPr>
-              </a:lstStyle>
-              <a:p>
-                <a:r>
-                  <a:rPr kumimoji="1" lang="en-US" altLang="zh-CN" dirty="0">
-                    <a:solidFill>
-                      <a:schemeClr val="tx1"/>
-                    </a:solidFill>
-                  </a:rPr>
-                  <a:t>In a word, K-L divergence measures the information loss.</a:t>
-                </a:r>
-              </a:p>
-              <a:p>
-                <a:pPr indent="0">
-                  <a:buNone/>
-                </a:pPr>
-                <a14:m>
-                  <m:oMath xmlns:m="http://schemas.openxmlformats.org/officeDocument/2006/math">
-                    <m:sSub>
-                      <m:sSubPr>
-                        <m:ctrlPr>
-                          <a:rPr kumimoji="1" lang="en-US" altLang="zh-CN" b="0" i="1" smtClean="0">
-                            <a:solidFill>
-                              <a:schemeClr val="tx1"/>
-                            </a:solidFill>
-                            <a:latin typeface="Cambria Math" panose="02040503050406030204" pitchFamily="18" charset="0"/>
-                          </a:rPr>
-                        </m:ctrlPr>
-                      </m:sSubPr>
-                      <m:e>
-                        <m:r>
-                          <a:rPr kumimoji="1" lang="en-US" altLang="zh-CN" b="0" i="1" smtClean="0">
-                            <a:solidFill>
-                              <a:schemeClr val="tx1"/>
-                            </a:solidFill>
-                            <a:latin typeface="Cambria Math" panose="02040503050406030204" pitchFamily="18" charset="0"/>
-                          </a:rPr>
-                          <m:t>𝐷</m:t>
-                        </m:r>
-                      </m:e>
-                      <m:sub>
-                        <m:r>
-                          <a:rPr kumimoji="1" lang="en-US" altLang="zh-CN" b="0" i="1" smtClean="0">
-                            <a:solidFill>
-                              <a:schemeClr val="tx1"/>
-                            </a:solidFill>
-                            <a:latin typeface="Cambria Math" panose="02040503050406030204" pitchFamily="18" charset="0"/>
-                          </a:rPr>
-                          <m:t>𝐾𝐿</m:t>
-                        </m:r>
-                      </m:sub>
-                    </m:sSub>
-                    <m:r>
-                      <a:rPr kumimoji="1" lang="en-US" altLang="zh-CN" b="0" i="1" smtClean="0">
-                        <a:solidFill>
-                          <a:schemeClr val="tx1"/>
-                        </a:solidFill>
-                        <a:latin typeface="Cambria Math" panose="02040503050406030204" pitchFamily="18" charset="0"/>
-                      </a:rPr>
-                      <m:t>(</m:t>
-                    </m:r>
-                    <m:r>
-                      <a:rPr kumimoji="1" lang="en-US" altLang="zh-CN" b="0" i="1" smtClean="0">
-                        <a:solidFill>
-                          <a:schemeClr val="tx1"/>
-                        </a:solidFill>
-                        <a:latin typeface="Cambria Math" panose="02040503050406030204" pitchFamily="18" charset="0"/>
-                      </a:rPr>
-                      <m:t>𝑃</m:t>
-                    </m:r>
-                    <m:r>
-                      <a:rPr kumimoji="1" lang="en-US" altLang="zh-CN" b="0" i="1" smtClean="0">
-                        <a:solidFill>
-                          <a:schemeClr val="tx1"/>
-                        </a:solidFill>
-                        <a:latin typeface="Cambria Math" panose="02040503050406030204" pitchFamily="18" charset="0"/>
-                      </a:rPr>
-                      <m:t>|</m:t>
-                    </m:r>
-                    <m:d>
-                      <m:dPr>
-                        <m:begChr m:val="|"/>
-                        <m:ctrlPr>
-                          <a:rPr kumimoji="1" lang="en-US" altLang="zh-CN" b="0" i="1" smtClean="0">
-                            <a:solidFill>
-                              <a:schemeClr val="tx1"/>
-                            </a:solidFill>
-                            <a:latin typeface="Cambria Math" panose="02040503050406030204" pitchFamily="18" charset="0"/>
-                          </a:rPr>
-                        </m:ctrlPr>
-                      </m:dPr>
-                      <m:e>
-                        <m:r>
-                          <a:rPr kumimoji="1" lang="en-US" altLang="zh-CN" b="0" i="1" smtClean="0">
-                            <a:solidFill>
-                              <a:schemeClr val="tx1"/>
-                            </a:solidFill>
-                            <a:latin typeface="Cambria Math" panose="02040503050406030204" pitchFamily="18" charset="0"/>
-                          </a:rPr>
-                          <m:t>𝑄</m:t>
-                        </m:r>
-                      </m:e>
-                    </m:d>
-                    <m:r>
-                      <a:rPr kumimoji="1" lang="en-US" altLang="zh-CN" b="0" i="1" smtClean="0">
-                        <a:solidFill>
-                          <a:schemeClr val="tx1"/>
-                        </a:solidFill>
-                        <a:latin typeface="Cambria Math" panose="02040503050406030204" pitchFamily="18" charset="0"/>
-                      </a:rPr>
-                      <m:t>=</m:t>
-                    </m:r>
-                    <m:nary>
-                      <m:naryPr>
-                        <m:chr m:val="∑"/>
-                        <m:ctrlPr>
-                          <a:rPr kumimoji="1" lang="en-US" altLang="zh-CN" b="0" i="1" smtClean="0">
-                            <a:solidFill>
-                              <a:schemeClr val="tx1"/>
-                            </a:solidFill>
-                            <a:latin typeface="Cambria Math" panose="02040503050406030204" pitchFamily="18" charset="0"/>
-                          </a:rPr>
-                        </m:ctrlPr>
-                      </m:naryPr>
-                      <m:sub>
-                        <m:r>
-                          <m:rPr>
-                            <m:brk m:alnAt="23"/>
-                          </m:rPr>
-                          <a:rPr kumimoji="1" lang="en-US" altLang="zh-CN" b="0" i="1" smtClean="0">
-                            <a:solidFill>
-                              <a:schemeClr val="tx1"/>
-                            </a:solidFill>
-                            <a:latin typeface="Cambria Math" panose="02040503050406030204" pitchFamily="18" charset="0"/>
-                          </a:rPr>
-                          <m:t>𝑖</m:t>
-                        </m:r>
-                        <m:r>
-                          <a:rPr kumimoji="1" lang="en-US" altLang="zh-CN" b="0" i="1" smtClean="0">
-                            <a:solidFill>
-                              <a:schemeClr val="tx1"/>
-                            </a:solidFill>
-                            <a:latin typeface="Cambria Math" panose="02040503050406030204" pitchFamily="18" charset="0"/>
-                          </a:rPr>
-                          <m:t>=1</m:t>
-                        </m:r>
-                      </m:sub>
-                      <m:sup>
-                        <m:r>
-                          <a:rPr kumimoji="1" lang="en-US" altLang="zh-CN" b="0" i="1" smtClean="0">
-                            <a:solidFill>
-                              <a:schemeClr val="tx1"/>
-                            </a:solidFill>
-                            <a:latin typeface="Cambria Math" panose="02040503050406030204" pitchFamily="18" charset="0"/>
-                          </a:rPr>
-                          <m:t>𝑛</m:t>
-                        </m:r>
-                      </m:sup>
-                      <m:e>
-                        <m:r>
-                          <a:rPr kumimoji="1" lang="en-US" altLang="zh-CN" i="1">
-                            <a:solidFill>
-                              <a:schemeClr val="tx1"/>
-                            </a:solidFill>
-                            <a:latin typeface="Cambria Math" panose="02040503050406030204" pitchFamily="18" charset="0"/>
-                          </a:rPr>
-                          <m:t>𝑃</m:t>
-                        </m:r>
-                        <m:d>
-                          <m:dPr>
-                            <m:ctrlPr>
-                              <a:rPr kumimoji="1" lang="en-US" altLang="zh-CN" i="1">
-                                <a:solidFill>
-                                  <a:schemeClr val="tx1"/>
-                                </a:solidFill>
-                                <a:latin typeface="Cambria Math" panose="02040503050406030204" pitchFamily="18" charset="0"/>
-                              </a:rPr>
-                            </m:ctrlPr>
-                          </m:dPr>
-                          <m:e>
-                            <m:sSub>
-                              <m:sSubPr>
-                                <m:ctrlPr>
-                                  <a:rPr kumimoji="1" lang="en-US" altLang="zh-CN" i="1">
-                                    <a:solidFill>
-                                      <a:schemeClr val="tx1"/>
-                                    </a:solidFill>
-                                    <a:latin typeface="Cambria Math" panose="02040503050406030204" pitchFamily="18" charset="0"/>
-                                  </a:rPr>
-                                </m:ctrlPr>
-                              </m:sSubPr>
-                              <m:e>
-                                <m:r>
-                                  <a:rPr kumimoji="1" lang="en-US" altLang="zh-CN" i="1">
-                                    <a:solidFill>
-                                      <a:schemeClr val="tx1"/>
-                                    </a:solidFill>
-                                    <a:latin typeface="Cambria Math" panose="02040503050406030204" pitchFamily="18" charset="0"/>
-                                  </a:rPr>
-                                  <m:t>𝑥</m:t>
-                                </m:r>
-                              </m:e>
-                              <m:sub>
-                                <m:r>
-                                  <a:rPr kumimoji="1" lang="en-US" altLang="zh-CN" i="1">
-                                    <a:solidFill>
-                                      <a:schemeClr val="tx1"/>
-                                    </a:solidFill>
-                                    <a:latin typeface="Cambria Math" panose="02040503050406030204" pitchFamily="18" charset="0"/>
-                                  </a:rPr>
-                                  <m:t>𝑖</m:t>
-                                </m:r>
-                              </m:sub>
-                            </m:sSub>
-                          </m:e>
-                        </m:d>
-                        <m:d>
-                          <m:dPr>
-                            <m:begChr m:val="["/>
-                            <m:endChr m:val="]"/>
-                            <m:ctrlPr>
-                              <a:rPr kumimoji="1" lang="en-US" altLang="zh-CN" i="1">
-                                <a:solidFill>
-                                  <a:schemeClr val="tx1"/>
-                                </a:solidFill>
-                                <a:latin typeface="Cambria Math" panose="02040503050406030204" pitchFamily="18" charset="0"/>
-                              </a:rPr>
-                            </m:ctrlPr>
-                          </m:dPr>
-                          <m:e>
-                            <m:r>
-                              <a:rPr kumimoji="1" lang="en-US" altLang="zh-CN" i="1">
-                                <a:solidFill>
-                                  <a:schemeClr val="tx1"/>
-                                </a:solidFill>
-                                <a:latin typeface="Cambria Math" panose="02040503050406030204" pitchFamily="18" charset="0"/>
-                              </a:rPr>
-                              <m:t>𝑙𝑜𝑔𝑃</m:t>
-                            </m:r>
-                            <m:d>
-                              <m:dPr>
-                                <m:ctrlPr>
-                                  <a:rPr kumimoji="1" lang="en-US" altLang="zh-CN" i="1">
-                                    <a:solidFill>
-                                      <a:schemeClr val="tx1"/>
-                                    </a:solidFill>
-                                    <a:latin typeface="Cambria Math" panose="02040503050406030204" pitchFamily="18" charset="0"/>
-                                  </a:rPr>
-                                </m:ctrlPr>
-                              </m:dPr>
-                              <m:e>
-                                <m:sSub>
-                                  <m:sSubPr>
-                                    <m:ctrlPr>
-                                      <a:rPr kumimoji="1" lang="en-US" altLang="zh-CN" i="1">
-                                        <a:solidFill>
-                                          <a:schemeClr val="tx1"/>
-                                        </a:solidFill>
-                                        <a:latin typeface="Cambria Math" panose="02040503050406030204" pitchFamily="18" charset="0"/>
-                                      </a:rPr>
-                                    </m:ctrlPr>
-                                  </m:sSubPr>
-                                  <m:e>
-                                    <m:r>
-                                      <a:rPr kumimoji="1" lang="en-US" altLang="zh-CN" i="1">
-                                        <a:solidFill>
-                                          <a:schemeClr val="tx1"/>
-                                        </a:solidFill>
-                                        <a:latin typeface="Cambria Math" panose="02040503050406030204" pitchFamily="18" charset="0"/>
-                                      </a:rPr>
-                                      <m:t>𝑥</m:t>
-                                    </m:r>
-                                  </m:e>
-                                  <m:sub>
-                                    <m:r>
-                                      <a:rPr kumimoji="1" lang="en-US" altLang="zh-CN" i="1">
-                                        <a:solidFill>
-                                          <a:schemeClr val="tx1"/>
-                                        </a:solidFill>
-                                        <a:latin typeface="Cambria Math" panose="02040503050406030204" pitchFamily="18" charset="0"/>
-                                      </a:rPr>
-                                      <m:t>𝑖</m:t>
-                                    </m:r>
-                                  </m:sub>
-                                </m:sSub>
-                              </m:e>
-                            </m:d>
-                            <m:r>
-                              <a:rPr kumimoji="1" lang="en-US" altLang="zh-CN" i="1">
-                                <a:solidFill>
-                                  <a:schemeClr val="tx1"/>
-                                </a:solidFill>
-                                <a:latin typeface="Cambria Math" panose="02040503050406030204" pitchFamily="18" charset="0"/>
-                              </a:rPr>
-                              <m:t>−</m:t>
-                            </m:r>
-                            <m:r>
-                              <a:rPr kumimoji="1" lang="en-US" altLang="zh-CN" i="1">
-                                <a:solidFill>
-                                  <a:schemeClr val="tx1"/>
-                                </a:solidFill>
-                                <a:latin typeface="Cambria Math" panose="02040503050406030204" pitchFamily="18" charset="0"/>
-                              </a:rPr>
-                              <m:t>𝑙𝑜𝑔𝑄</m:t>
-                            </m:r>
-                            <m:d>
-                              <m:dPr>
-                                <m:ctrlPr>
-                                  <a:rPr kumimoji="1" lang="en-US" altLang="zh-CN" i="1">
-                                    <a:solidFill>
-                                      <a:schemeClr val="tx1"/>
-                                    </a:solidFill>
-                                    <a:latin typeface="Cambria Math" panose="02040503050406030204" pitchFamily="18" charset="0"/>
-                                  </a:rPr>
-                                </m:ctrlPr>
-                              </m:dPr>
-                              <m:e>
-                                <m:sSub>
-                                  <m:sSubPr>
-                                    <m:ctrlPr>
-                                      <a:rPr kumimoji="1" lang="en-US" altLang="zh-CN" i="1">
-                                        <a:solidFill>
-                                          <a:schemeClr val="tx1"/>
-                                        </a:solidFill>
-                                        <a:latin typeface="Cambria Math" panose="02040503050406030204" pitchFamily="18" charset="0"/>
-                                      </a:rPr>
-                                    </m:ctrlPr>
-                                  </m:sSubPr>
-                                  <m:e>
-                                    <m:r>
-                                      <a:rPr kumimoji="1" lang="en-US" altLang="zh-CN" i="1">
-                                        <a:solidFill>
-                                          <a:schemeClr val="tx1"/>
-                                        </a:solidFill>
-                                        <a:latin typeface="Cambria Math" panose="02040503050406030204" pitchFamily="18" charset="0"/>
-                                      </a:rPr>
-                                      <m:t>𝑥</m:t>
-                                    </m:r>
-                                  </m:e>
-                                  <m:sub>
-                                    <m:r>
-                                      <a:rPr kumimoji="1" lang="en-US" altLang="zh-CN" i="1">
-                                        <a:solidFill>
-                                          <a:schemeClr val="tx1"/>
-                                        </a:solidFill>
-                                        <a:latin typeface="Cambria Math" panose="02040503050406030204" pitchFamily="18" charset="0"/>
-                                      </a:rPr>
-                                      <m:t>𝑖</m:t>
-                                    </m:r>
-                                  </m:sub>
-                                </m:sSub>
-                              </m:e>
-                            </m:d>
-                          </m:e>
-                        </m:d>
-                      </m:e>
-                    </m:nary>
-                  </m:oMath>
-                </a14:m>
-                <a:r>
-                  <a:rPr kumimoji="1" lang="zh-CN" altLang="en-US" dirty="0">
-                    <a:solidFill>
-                      <a:schemeClr val="tx1"/>
-                    </a:solidFill>
-                  </a:rPr>
-                  <a:t> </a:t>
-                </a:r>
-              </a:p>
-            </p:txBody>
-          </p:sp>
-        </mc:Choice>
-        <mc:Fallback xmlns="">
-          <p:sp>
-            <p:nvSpPr>
-              <p:cNvPr id="8" name="内容占位符 4">
-                <a:extLst>
-                  <a:ext uri="{FF2B5EF4-FFF2-40B4-BE49-F238E27FC236}">
-                    <a16:creationId xmlns:a16="http://schemas.microsoft.com/office/drawing/2014/main" id="{C20DA9AD-DFFC-4C2F-9123-1FD035CACE21}"/>
-                  </a:ext>
-                </a:extLst>
-              </p:cNvPr>
-              <p:cNvSpPr txBox="1">
-                <a:spLocks noRot="1" noChangeAspect="1" noMove="1" noResize="1" noEditPoints="1" noAdjustHandles="1" noChangeArrowheads="1" noChangeShapeType="1" noTextEdit="1"/>
-              </p:cNvSpPr>
-              <p:nvPr/>
-            </p:nvSpPr>
-            <p:spPr>
-              <a:xfrm>
-                <a:off x="207819" y="3800215"/>
-                <a:ext cx="8827124" cy="1409349"/>
-              </a:xfrm>
-              <a:prstGeom prst="rect">
-                <a:avLst/>
-              </a:prstGeom>
-              <a:blipFill>
-                <a:blip r:embed="rId3"/>
-                <a:stretch>
-                  <a:fillRect l="-207" t="-2155" b="-30172"/>
-                </a:stretch>
-              </a:blipFill>
-            </p:spPr>
-            <p:txBody>
-              <a:bodyPr/>
-              <a:lstStyle/>
-              <a:p>
-                <a:r>
-                  <a:rPr lang="en-US">
-                    <a:noFill/>
-                  </a:rPr>
-                  <a:t> </a:t>
-                </a:r>
-              </a:p>
-            </p:txBody>
-          </p:sp>
-        </mc:Fallback>
-      </mc:AlternateContent>
       <mc:AlternateContent xmlns:mc="http://schemas.openxmlformats.org/markup-compatibility/2006">
         <mc:Choice xmlns:a14="http://schemas.microsoft.com/office/drawing/2010/main" Requires="a14">
           <p:sp>
@@ -11506,9 +10845,9 @@
                 <a:avLst/>
               </a:prstGeom>
               <a:blipFill>
-                <a:blip r:embed="rId4"/>
+                <a:blip r:embed="rId2"/>
                 <a:stretch>
-                  <a:fillRect t="-44872" b="-37179"/>
+                  <a:fillRect/>
                 </a:stretch>
               </a:blipFill>
             </p:spPr>
@@ -11517,7 +10856,7 @@
               <a:lstStyle/>
               <a:p>
                 <a:r>
-                  <a:rPr lang="en-CN">
+                  <a:rPr lang="en-US">
                     <a:noFill/>
                   </a:rPr>
                   <a:t> </a:t>
@@ -11635,51 +10974,6 @@
                       </p:childTnLst>
                     </p:cTn>
                   </p:par>
-                  <p:par>
-                    <p:cTn id="11" fill="hold">
-                      <p:stCondLst>
-                        <p:cond delay="indefinite"/>
-                      </p:stCondLst>
-                      <p:childTnLst>
-                        <p:par>
-                          <p:cTn id="12" fill="hold">
-                            <p:stCondLst>
-                              <p:cond delay="0"/>
-                            </p:stCondLst>
-                            <p:childTnLst>
-                              <p:par>
-                                <p:cTn id="13" presetID="1" presetClass="entr" presetSubtype="0" fill="hold" grpId="0" nodeType="clickEffect">
-                                  <p:stCondLst>
-                                    <p:cond delay="0"/>
-                                  </p:stCondLst>
-                                  <p:childTnLst>
-                                    <p:set>
-                                      <p:cBhvr>
-                                        <p:cTn id="14" dur="1" fill="hold">
-                                          <p:stCondLst>
-                                            <p:cond delay="0"/>
-                                          </p:stCondLst>
-                                        </p:cTn>
-                                        <p:tgtEl>
-                                          <p:spTgt spid="8"/>
-                                        </p:tgtEl>
-                                        <p:attrNameLst>
-                                          <p:attrName>style.visibility</p:attrName>
-                                        </p:attrNameLst>
-                                      </p:cBhvr>
-                                      <p:to>
-                                        <p:strVal val="visible"/>
-                                      </p:to>
-                                    </p:set>
-                                  </p:childTnLst>
-                                </p:cTn>
-                              </p:par>
-                            </p:childTnLst>
-                          </p:cTn>
-                        </p:par>
-                      </p:childTnLst>
-                    </p:cTn>
-                  </p:par>
                 </p:childTnLst>
               </p:cTn>
               <p:prevCondLst>
@@ -11703,7 +10997,6 @@
     </p:tnLst>
     <p:bldLst>
       <p:bldP spid="3" grpId="0"/>
-      <p:bldP spid="8" grpId="0"/>
       <p:bldP spid="6" grpId="0"/>
     </p:bldLst>
   </p:timing>
@@ -11745,7 +11038,7 @@
         </p:nvSpPr>
         <p:spPr>
           <a:xfrm>
-            <a:off x="460664" y="539176"/>
+            <a:off x="460664" y="539178"/>
             <a:ext cx="8048336" cy="750455"/>
           </a:xfrm>
         </p:spPr>
@@ -11776,8 +11069,8 @@
           </a:p>
         </p:txBody>
       </p:sp>
-      <mc:AlternateContent xmlns:mc="http://schemas.openxmlformats.org/markup-compatibility/2006" xmlns:a14="http://schemas.microsoft.com/office/drawing/2010/main">
-        <mc:Choice Requires="a14">
+      <mc:AlternateContent xmlns:mc="http://schemas.openxmlformats.org/markup-compatibility/2006">
+        <mc:Choice xmlns:a14="http://schemas.microsoft.com/office/drawing/2010/main" Requires="a14">
           <p:sp>
             <p:nvSpPr>
               <p:cNvPr id="8" name="内容占位符 4">
@@ -11794,7 +11087,7 @@
             </p:nvSpPr>
             <p:spPr>
               <a:xfrm>
-                <a:off x="207819" y="1711356"/>
+                <a:off x="207819" y="1711358"/>
                 <a:ext cx="8827124" cy="2634141"/>
               </a:xfrm>
               <a:prstGeom prst="rect">
@@ -12041,7 +11334,7 @@
                     <m:sSub>
                       <m:sSubPr>
                         <m:ctrlPr>
-                          <a:rPr kumimoji="1" lang="en-US" altLang="zh-CN" b="0" i="1" smtClean="0">
+                          <a:rPr kumimoji="1" lang="en-US" altLang="zh-CN" i="1">
                             <a:solidFill>
                               <a:schemeClr val="tx1"/>
                             </a:solidFill>
@@ -12051,7 +11344,7 @@
                       </m:sSubPr>
                       <m:e>
                         <m:r>
-                          <a:rPr kumimoji="1" lang="en-US" altLang="zh-CN" b="0" i="1" smtClean="0">
+                          <a:rPr kumimoji="1" lang="en-US" altLang="zh-CN" i="1">
                             <a:solidFill>
                               <a:schemeClr val="tx1"/>
                             </a:solidFill>
@@ -12062,7 +11355,7 @@
                       </m:e>
                       <m:sub>
                         <m:r>
-                          <a:rPr kumimoji="1" lang="en-US" altLang="zh-CN" b="0" i="1" smtClean="0">
+                          <a:rPr kumimoji="1" lang="en-US" altLang="zh-CN" i="1">
                             <a:solidFill>
                               <a:schemeClr val="tx1"/>
                             </a:solidFill>
@@ -12073,7 +11366,7 @@
                       </m:sub>
                     </m:sSub>
                     <m:r>
-                      <a:rPr kumimoji="1" lang="en-US" altLang="zh-CN" b="0" i="1" smtClean="0">
+                      <a:rPr kumimoji="1" lang="en-US" altLang="zh-CN" i="1">
                         <a:solidFill>
                           <a:schemeClr val="tx1"/>
                         </a:solidFill>
@@ -12082,7 +11375,7 @@
                       <m:t>(</m:t>
                     </m:r>
                     <m:r>
-                      <a:rPr kumimoji="1" lang="en-US" altLang="zh-CN" b="0" i="1" smtClean="0">
+                      <a:rPr kumimoji="1" lang="en-US" altLang="zh-CN" i="1">
                         <a:solidFill>
                           <a:schemeClr val="tx1"/>
                         </a:solidFill>
@@ -12091,7 +11384,7 @@
                       <m:t>𝑃</m:t>
                     </m:r>
                     <m:r>
-                      <a:rPr kumimoji="1" lang="en-US" altLang="zh-CN" b="0" i="1" smtClean="0">
+                      <a:rPr kumimoji="1" lang="en-US" altLang="zh-CN" i="1">
                         <a:solidFill>
                           <a:schemeClr val="tx1"/>
                         </a:solidFill>
@@ -12103,7 +11396,7 @@
                       <m:dPr>
                         <m:begChr m:val="|"/>
                         <m:ctrlPr>
-                          <a:rPr kumimoji="1" lang="en-US" altLang="zh-CN" b="0" i="1" smtClean="0">
+                          <a:rPr kumimoji="1" lang="en-US" altLang="zh-CN" i="1">
                             <a:solidFill>
                               <a:schemeClr val="tx1"/>
                             </a:solidFill>
@@ -12113,7 +11406,7 @@
                       </m:dPr>
                       <m:e>
                         <m:r>
-                          <a:rPr kumimoji="1" lang="en-US" altLang="zh-CN" b="0" i="1" smtClean="0">
+                          <a:rPr kumimoji="1" lang="en-US" altLang="zh-CN" i="1">
                             <a:solidFill>
                               <a:schemeClr val="tx1"/>
                             </a:solidFill>
@@ -12124,7 +11417,7 @@
                       </m:e>
                     </m:d>
                     <m:r>
-                      <a:rPr kumimoji="1" lang="en-US" altLang="zh-CN" b="0" i="1" smtClean="0">
+                      <a:rPr kumimoji="1" lang="en-US" altLang="zh-CN" i="1">
                         <a:solidFill>
                           <a:schemeClr val="tx1"/>
                         </a:solidFill>
@@ -12136,7 +11429,7 @@
                       <m:naryPr>
                         <m:chr m:val="∑"/>
                         <m:ctrlPr>
-                          <a:rPr kumimoji="1" lang="en-US" altLang="zh-CN" b="0" i="1" smtClean="0">
+                          <a:rPr kumimoji="1" lang="en-US" altLang="zh-CN" i="1">
                             <a:solidFill>
                               <a:schemeClr val="tx1"/>
                             </a:solidFill>
@@ -12149,7 +11442,7 @@
                           <m:rPr>
                             <m:brk m:alnAt="23"/>
                           </m:rPr>
-                          <a:rPr kumimoji="1" lang="en-US" altLang="zh-CN" b="0" i="1" smtClean="0">
+                          <a:rPr kumimoji="1" lang="en-US" altLang="zh-CN" i="1">
                             <a:solidFill>
                               <a:schemeClr val="tx1"/>
                             </a:solidFill>
@@ -12158,7 +11451,7 @@
                           <m:t>𝑖</m:t>
                         </m:r>
                         <m:r>
-                          <a:rPr kumimoji="1" lang="en-US" altLang="zh-CN" b="0" i="1" smtClean="0">
+                          <a:rPr kumimoji="1" lang="en-US" altLang="zh-CN" i="1">
                             <a:solidFill>
                               <a:schemeClr val="tx1"/>
                             </a:solidFill>
@@ -12169,7 +11462,7 @@
                       </m:sub>
                       <m:sup>
                         <m:r>
-                          <a:rPr kumimoji="1" lang="en-US" altLang="zh-CN" b="0" i="1" smtClean="0">
+                          <a:rPr kumimoji="1" lang="en-US" altLang="zh-CN" i="1">
                             <a:solidFill>
                               <a:schemeClr val="tx1"/>
                             </a:solidFill>
@@ -12400,7 +11693,7 @@
                 <a14:m>
                   <m:oMath xmlns:m="http://schemas.openxmlformats.org/officeDocument/2006/math">
                     <m:r>
-                      <a:rPr kumimoji="1" lang="en-US" altLang="zh-CN" b="0" i="1" smtClean="0">
+                      <a:rPr kumimoji="1" lang="en-US" altLang="zh-CN" i="1">
                         <a:solidFill>
                           <a:schemeClr val="tx1"/>
                         </a:solidFill>
@@ -12412,7 +11705,7 @@
                       <m:naryPr>
                         <m:chr m:val="∑"/>
                         <m:ctrlPr>
-                          <a:rPr kumimoji="1" lang="en-US" altLang="zh-CN" b="0" i="1" smtClean="0">
+                          <a:rPr kumimoji="1" lang="en-US" altLang="zh-CN" i="1">
                             <a:solidFill>
                               <a:schemeClr val="tx1"/>
                             </a:solidFill>
@@ -12425,7 +11718,7 @@
                           <m:rPr>
                             <m:brk m:alnAt="23"/>
                           </m:rPr>
-                          <a:rPr kumimoji="1" lang="en-US" altLang="zh-CN" b="0" i="1" smtClean="0">
+                          <a:rPr kumimoji="1" lang="en-US" altLang="zh-CN" i="1">
                             <a:solidFill>
                               <a:schemeClr val="tx1"/>
                             </a:solidFill>
@@ -12434,7 +11727,7 @@
                           <m:t>𝑖</m:t>
                         </m:r>
                         <m:r>
-                          <a:rPr kumimoji="1" lang="en-US" altLang="zh-CN" b="0" i="1" smtClean="0">
+                          <a:rPr kumimoji="1" lang="en-US" altLang="zh-CN" i="1">
                             <a:solidFill>
                               <a:schemeClr val="tx1"/>
                             </a:solidFill>
@@ -12445,7 +11738,7 @@
                       </m:sub>
                       <m:sup>
                         <m:r>
-                          <a:rPr kumimoji="1" lang="en-US" altLang="zh-CN" b="0" i="1" smtClean="0">
+                          <a:rPr kumimoji="1" lang="en-US" altLang="zh-CN" i="1">
                             <a:solidFill>
                               <a:schemeClr val="tx1"/>
                             </a:solidFill>
@@ -12572,7 +11865,7 @@
                       </m:e>
                     </m:nary>
                     <m:r>
-                      <a:rPr kumimoji="1" lang="en-US" altLang="zh-CN" b="0" i="1" smtClean="0">
+                      <a:rPr kumimoji="1" lang="en-US" altLang="zh-CN" i="1">
                         <a:solidFill>
                           <a:schemeClr val="tx1"/>
                         </a:solidFill>
@@ -12761,7 +12054,7 @@
                 <a14:m>
                   <m:oMath xmlns:m="http://schemas.openxmlformats.org/officeDocument/2006/math">
                     <m:r>
-                      <a:rPr kumimoji="1" lang="en-US" altLang="zh-CN" b="0" i="1" smtClean="0">
+                      <a:rPr kumimoji="1" lang="en-US" altLang="zh-CN" i="1">
                         <a:solidFill>
                           <a:schemeClr val="tx1"/>
                         </a:solidFill>
@@ -12770,7 +12063,7 @@
                       <m:t>                     =−</m:t>
                     </m:r>
                     <m:r>
-                      <a:rPr kumimoji="1" lang="en-US" altLang="zh-CN" b="0" i="1" smtClean="0">
+                      <a:rPr kumimoji="1" lang="en-US" altLang="zh-CN" i="1">
                         <a:solidFill>
                           <a:schemeClr val="tx1"/>
                         </a:solidFill>
@@ -12781,7 +12074,7 @@
                     <m:d>
                       <m:dPr>
                         <m:ctrlPr>
-                          <a:rPr kumimoji="1" lang="en-US" altLang="zh-CN" b="0" i="1" smtClean="0">
+                          <a:rPr kumimoji="1" lang="en-US" altLang="zh-CN" i="1">
                             <a:solidFill>
                               <a:schemeClr val="tx1"/>
                             </a:solidFill>
@@ -12791,7 +12084,7 @@
                       </m:dPr>
                       <m:e>
                         <m:r>
-                          <a:rPr kumimoji="1" lang="en-US" altLang="zh-CN" b="0" i="1" smtClean="0">
+                          <a:rPr kumimoji="1" lang="en-US" altLang="zh-CN" i="1">
                             <a:solidFill>
                               <a:schemeClr val="tx1"/>
                             </a:solidFill>
@@ -12802,7 +12095,7 @@
                       </m:e>
                     </m:d>
                     <m:r>
-                      <a:rPr kumimoji="1" lang="en-US" altLang="zh-CN" b="0" i="1" smtClean="0">
+                      <a:rPr kumimoji="1" lang="en-US" altLang="zh-CN" i="1">
                         <a:solidFill>
                           <a:schemeClr val="tx1"/>
                         </a:solidFill>
@@ -12811,7 +12104,7 @@
                       <m:t>+</m:t>
                     </m:r>
                     <m:r>
-                      <a:rPr kumimoji="1" lang="en-US" altLang="zh-CN" b="0" i="1" smtClean="0">
+                      <a:rPr kumimoji="1" lang="en-US" altLang="zh-CN" i="1">
                         <a:solidFill>
                           <a:schemeClr val="tx1"/>
                         </a:solidFill>
@@ -12820,7 +12113,7 @@
                       <m:t>𝐻</m:t>
                     </m:r>
                     <m:r>
-                      <a:rPr kumimoji="1" lang="en-US" altLang="zh-CN" b="0" i="1" smtClean="0">
+                      <a:rPr kumimoji="1" lang="en-US" altLang="zh-CN" i="1">
                         <a:solidFill>
                           <a:schemeClr val="tx1"/>
                         </a:solidFill>
@@ -12829,7 +12122,7 @@
                       <m:t>(</m:t>
                     </m:r>
                     <m:r>
-                      <a:rPr kumimoji="1" lang="en-US" altLang="zh-CN" b="0" i="1" smtClean="0">
+                      <a:rPr kumimoji="1" lang="en-US" altLang="zh-CN" i="1">
                         <a:solidFill>
                           <a:schemeClr val="tx1"/>
                         </a:solidFill>
@@ -12838,7 +12131,7 @@
                       <m:t>𝑃</m:t>
                     </m:r>
                     <m:r>
-                      <a:rPr kumimoji="1" lang="en-US" altLang="zh-CN" b="0" i="1" smtClean="0">
+                      <a:rPr kumimoji="1" lang="en-US" altLang="zh-CN" i="1">
                         <a:solidFill>
                           <a:schemeClr val="tx1"/>
                         </a:solidFill>
@@ -12847,7 +12140,7 @@
                       <m:t>, </m:t>
                     </m:r>
                     <m:r>
-                      <a:rPr kumimoji="1" lang="en-US" altLang="zh-CN" b="0" i="1" smtClean="0">
+                      <a:rPr kumimoji="1" lang="en-US" altLang="zh-CN" i="1">
                         <a:solidFill>
                           <a:schemeClr val="tx1"/>
                         </a:solidFill>
@@ -12856,7 +12149,7 @@
                       <m:t>𝑄</m:t>
                     </m:r>
                     <m:r>
-                      <a:rPr kumimoji="1" lang="en-US" altLang="zh-CN" b="0" i="1" smtClean="0">
+                      <a:rPr kumimoji="1" lang="en-US" altLang="zh-CN" i="1">
                         <a:solidFill>
                           <a:schemeClr val="tx1"/>
                         </a:solidFill>
@@ -12887,7 +12180,7 @@
                 <a14:m>
                   <m:oMath xmlns:m="http://schemas.openxmlformats.org/officeDocument/2006/math">
                     <m:r>
-                      <a:rPr kumimoji="1" lang="en-US" altLang="zh-CN" b="0" i="1" smtClean="0">
+                      <a:rPr kumimoji="1" lang="en-US" altLang="zh-CN" i="1">
                         <a:solidFill>
                           <a:schemeClr val="tx1"/>
                         </a:solidFill>
@@ -12898,7 +12191,7 @@
                     <m:d>
                       <m:dPr>
                         <m:ctrlPr>
-                          <a:rPr kumimoji="1" lang="en-US" altLang="zh-CN" b="0" i="1" smtClean="0">
+                          <a:rPr kumimoji="1" lang="en-US" altLang="zh-CN" i="1">
                             <a:solidFill>
                               <a:schemeClr val="tx1"/>
                             </a:solidFill>
@@ -12908,7 +12201,7 @@
                       </m:dPr>
                       <m:e>
                         <m:r>
-                          <a:rPr kumimoji="1" lang="en-US" altLang="zh-CN" b="0" i="1" smtClean="0">
+                          <a:rPr kumimoji="1" lang="en-US" altLang="zh-CN" i="1">
                             <a:solidFill>
                               <a:schemeClr val="tx1"/>
                             </a:solidFill>
@@ -12917,7 +12210,7 @@
                           <m:t>𝑃</m:t>
                         </m:r>
                         <m:r>
-                          <a:rPr kumimoji="1" lang="en-US" altLang="zh-CN" b="0" i="1" smtClean="0">
+                          <a:rPr kumimoji="1" lang="en-US" altLang="zh-CN" i="1">
                             <a:solidFill>
                               <a:schemeClr val="tx1"/>
                             </a:solidFill>
@@ -12926,7 +12219,7 @@
                           <m:t>,</m:t>
                         </m:r>
                         <m:r>
-                          <a:rPr kumimoji="1" lang="en-US" altLang="zh-CN" b="0" i="1" smtClean="0">
+                          <a:rPr kumimoji="1" lang="en-US" altLang="zh-CN" i="1">
                             <a:solidFill>
                               <a:schemeClr val="tx1"/>
                             </a:solidFill>
@@ -12937,7 +12230,7 @@
                       </m:e>
                     </m:d>
                     <m:r>
-                      <a:rPr kumimoji="1" lang="en-US" altLang="zh-CN" b="0" i="1" smtClean="0">
+                      <a:rPr kumimoji="1" lang="en-US" altLang="zh-CN" i="1">
                         <a:solidFill>
                           <a:schemeClr val="tx1"/>
                         </a:solidFill>
@@ -13122,7 +12415,7 @@
             </p:txBody>
           </p:sp>
         </mc:Choice>
-        <mc:Fallback xmlns="">
+        <mc:Fallback>
           <p:sp>
             <p:nvSpPr>
               <p:cNvPr id="8" name="内容占位符 4">
@@ -13139,7 +12432,7 @@
             </p:nvSpPr>
             <p:spPr>
               <a:xfrm>
-                <a:off x="207819" y="1711356"/>
+                <a:off x="207819" y="1711358"/>
                 <a:ext cx="8827124" cy="2634141"/>
               </a:xfrm>
               <a:prstGeom prst="rect">
@@ -13215,7 +12508,7 @@
         </p:nvSpPr>
         <p:spPr>
           <a:xfrm>
-            <a:off x="460664" y="539176"/>
+            <a:off x="460664" y="539178"/>
             <a:ext cx="8048336" cy="750455"/>
           </a:xfrm>
         </p:spPr>
@@ -13262,7 +12555,7 @@
         </p:nvSpPr>
         <p:spPr>
           <a:xfrm>
-            <a:off x="158438" y="1510020"/>
+            <a:off x="158438" y="1510022"/>
             <a:ext cx="8827124" cy="1777665"/>
           </a:xfrm>
           <a:prstGeom prst="rect">
@@ -13544,7 +12837,7 @@
         </p:nvSpPr>
         <p:spPr>
           <a:xfrm>
-            <a:off x="158438" y="3570314"/>
+            <a:off x="158438" y="3570316"/>
             <a:ext cx="8827124" cy="2622141"/>
           </a:xfrm>
           <a:prstGeom prst="rect">
@@ -14043,7 +13336,7 @@
         </p:nvSpPr>
         <p:spPr>
           <a:xfrm>
-            <a:off x="460664" y="539176"/>
+            <a:off x="460664" y="539178"/>
             <a:ext cx="8048336" cy="750455"/>
           </a:xfrm>
         </p:spPr>
@@ -14675,7 +13968,7 @@
         </p:blipFill>
         <p:spPr>
           <a:xfrm>
-            <a:off x="2012627" y="4714613"/>
+            <a:off x="2012627" y="4714615"/>
             <a:ext cx="3771900" cy="1152525"/>
           </a:xfrm>
           <a:prstGeom prst="rect">
@@ -14882,7 +14175,7 @@
         </p:nvSpPr>
         <p:spPr>
           <a:xfrm>
-            <a:off x="460664" y="539176"/>
+            <a:off x="460664" y="539178"/>
             <a:ext cx="8048336" cy="750455"/>
           </a:xfrm>
         </p:spPr>
@@ -14935,7 +14228,7 @@
         </p:blipFill>
         <p:spPr>
           <a:xfrm>
-            <a:off x="460664" y="1541393"/>
+            <a:off x="460664" y="1541395"/>
             <a:ext cx="3771900" cy="1152525"/>
           </a:xfrm>
           <a:prstGeom prst="rect">
@@ -14959,7 +14252,7 @@
         </p:nvSpPr>
         <p:spPr>
           <a:xfrm>
-            <a:off x="0" y="2938936"/>
+            <a:off x="0" y="2938938"/>
             <a:ext cx="8827124" cy="1487425"/>
           </a:xfrm>
           <a:prstGeom prst="rect">
@@ -15205,7 +14498,7 @@
                   <a:schemeClr val="tx1"/>
                 </a:solidFill>
               </a:rPr>
-              <a:t>﻿In general, our estimate of t</a:t>
+              <a:t>﻿Technically, our estimate of t</a:t>
             </a:r>
             <a:r>
               <a:rPr kumimoji="1" lang="en-US" altLang="zh-CN" baseline="-25000" dirty="0">
@@ -15237,7 +14530,7 @@
                   <a:schemeClr val="tx1"/>
                 </a:solidFill>
               </a:rPr>
-              <a:t>. Our estimate of t</a:t>
+              <a:t> and our estimate of t</a:t>
             </a:r>
             <a:r>
               <a:rPr kumimoji="1" lang="en-US" altLang="zh-CN" baseline="-25000" dirty="0">
@@ -15577,7 +14870,7 @@
                       <m:naryPr>
                         <m:chr m:val="∏"/>
                         <m:ctrlPr>
-                          <a:rPr lang="en-CN" i="1" smtClean="0">
+                          <a:rPr lang="en-CN" i="1">
                             <a:latin typeface="Cambria Math" panose="02040503050406030204" pitchFamily="18" charset="0"/>
                           </a:rPr>
                         </m:ctrlPr>
@@ -15587,13 +14880,13 @@
                           <m:rPr>
                             <m:brk m:alnAt="23"/>
                           </m:rPr>
-                          <a:rPr lang="en-US" b="0" i="1" smtClean="0">
+                          <a:rPr lang="en-US" i="1">
                             <a:latin typeface="Cambria Math" panose="02040503050406030204" pitchFamily="18" charset="0"/>
                           </a:rPr>
                           <m:t>𝑖</m:t>
                         </m:r>
                         <m:r>
-                          <a:rPr lang="en-US" b="0" i="1" smtClean="0">
+                          <a:rPr lang="en-US" i="1">
                             <a:latin typeface="Cambria Math" panose="02040503050406030204" pitchFamily="18" charset="0"/>
                           </a:rPr>
                           <m:t>=1</m:t>
@@ -15601,7 +14894,7 @@
                       </m:sub>
                       <m:sup>
                         <m:r>
-                          <a:rPr lang="en-US" b="0" i="1" smtClean="0">
+                          <a:rPr lang="en-US" i="1">
                             <a:latin typeface="Cambria Math" panose="02040503050406030204" pitchFamily="18" charset="0"/>
                           </a:rPr>
                           <m:t>𝑛</m:t>
@@ -15609,13 +14902,13 @@
                       </m:sup>
                       <m:e>
                         <m:r>
-                          <a:rPr lang="en-US" b="0" i="1" smtClean="0">
+                          <a:rPr lang="en-US" i="1">
                             <a:latin typeface="Cambria Math" panose="02040503050406030204" pitchFamily="18" charset="0"/>
                           </a:rPr>
                           <m:t>𝑃</m:t>
                         </m:r>
                         <m:r>
-                          <a:rPr lang="en-US" b="0" i="1" smtClean="0">
+                          <a:rPr lang="en-US" i="1">
                             <a:latin typeface="Cambria Math" panose="02040503050406030204" pitchFamily="18" charset="0"/>
                           </a:rPr>
                           <m:t>(</m:t>
@@ -15623,14 +14916,14 @@
                         <m:sSub>
                           <m:sSubPr>
                             <m:ctrlPr>
-                              <a:rPr lang="en-US" b="0" i="1" smtClean="0">
+                              <a:rPr lang="en-US" i="1">
                                 <a:latin typeface="Cambria Math" panose="02040503050406030204" pitchFamily="18" charset="0"/>
                               </a:rPr>
                             </m:ctrlPr>
                           </m:sSubPr>
                           <m:e>
                             <m:r>
-                              <a:rPr lang="en-US" b="0" i="1" smtClean="0">
+                              <a:rPr lang="en-US" i="1">
                                 <a:latin typeface="Cambria Math" panose="02040503050406030204" pitchFamily="18" charset="0"/>
                               </a:rPr>
                               <m:t>𝑥</m:t>
@@ -15638,7 +14931,7 @@
                           </m:e>
                           <m:sub>
                             <m:r>
-                              <a:rPr lang="en-US" b="0" i="1" smtClean="0">
+                              <a:rPr lang="en-US" i="1">
                                 <a:latin typeface="Cambria Math" panose="02040503050406030204" pitchFamily="18" charset="0"/>
                               </a:rPr>
                               <m:t>𝑖</m:t>
@@ -15646,7 +14939,7 @@
                           </m:sub>
                         </m:sSub>
                         <m:r>
-                          <a:rPr lang="en-US" b="0" i="1" smtClean="0">
+                          <a:rPr lang="en-US" i="1">
                             <a:latin typeface="Cambria Math" panose="02040503050406030204" pitchFamily="18" charset="0"/>
                           </a:rPr>
                           <m:t>|</m:t>
@@ -15654,7 +14947,7 @@
                         <m:sSub>
                           <m:sSubPr>
                             <m:ctrlPr>
-                              <a:rPr lang="en-US" b="0" i="1" smtClean="0">
+                              <a:rPr lang="en-US" i="1">
                                 <a:latin typeface="Cambria Math" panose="02040503050406030204" pitchFamily="18" charset="0"/>
                               </a:rPr>
                             </m:ctrlPr>
@@ -15663,14 +14956,14 @@
                             <m:sSub>
                               <m:sSubPr>
                                 <m:ctrlPr>
-                                  <a:rPr lang="en-US" b="0" i="1" smtClean="0">
+                                  <a:rPr lang="en-US" i="1">
                                     <a:latin typeface="Cambria Math" panose="02040503050406030204" pitchFamily="18" charset="0"/>
                                   </a:rPr>
                                 </m:ctrlPr>
                               </m:sSubPr>
                               <m:e>
                                 <m:r>
-                                  <a:rPr lang="en-US" b="0" i="1" smtClean="0">
+                                  <a:rPr lang="en-US" i="1">
                                     <a:latin typeface="Cambria Math" panose="02040503050406030204" pitchFamily="18" charset="0"/>
                                   </a:rPr>
                                   <m:t>𝑃</m:t>
@@ -15678,7 +14971,7 @@
                               </m:e>
                               <m:sub>
                                 <m:r>
-                                  <a:rPr lang="en-US" b="0" i="1" smtClean="0">
+                                  <a:rPr lang="en-US" i="1">
                                     <a:latin typeface="Cambria Math" panose="02040503050406030204" pitchFamily="18" charset="0"/>
                                   </a:rPr>
                                   <m:t>𝑎</m:t>
@@ -15688,7 +14981,7 @@
                           </m:e>
                           <m:sub>
                             <m:r>
-                              <a:rPr lang="en-US" b="0" i="1" smtClean="0">
+                              <a:rPr lang="en-US" i="1">
                                 <a:latin typeface="Cambria Math" panose="02040503050406030204" pitchFamily="18" charset="0"/>
                               </a:rPr>
                               <m:t>𝐺</m:t>
@@ -15696,7 +14989,7 @@
                           </m:sub>
                         </m:sSub>
                         <m:r>
-                          <a:rPr lang="en-US" b="0" i="1" smtClean="0">
+                          <a:rPr lang="en-US" i="1">
                             <a:latin typeface="Cambria Math" panose="02040503050406030204" pitchFamily="18" charset="0"/>
                           </a:rPr>
                           <m:t>(</m:t>
@@ -15704,14 +14997,14 @@
                         <m:sSub>
                           <m:sSubPr>
                             <m:ctrlPr>
-                              <a:rPr lang="en-US" b="0" i="1" smtClean="0">
+                              <a:rPr lang="en-US" i="1">
                                 <a:latin typeface="Cambria Math" panose="02040503050406030204" pitchFamily="18" charset="0"/>
                               </a:rPr>
                             </m:ctrlPr>
                           </m:sSubPr>
                           <m:e>
                             <m:r>
-                              <a:rPr lang="en-US" b="0" i="1" smtClean="0">
+                              <a:rPr lang="en-US" i="1">
                                 <a:latin typeface="Cambria Math" panose="02040503050406030204" pitchFamily="18" charset="0"/>
                               </a:rPr>
                               <m:t>𝑥</m:t>
@@ -15719,7 +15012,7 @@
                           </m:e>
                           <m:sub>
                             <m:r>
-                              <a:rPr lang="en-US" b="0" i="1" smtClean="0">
+                              <a:rPr lang="en-US" i="1">
                                 <a:latin typeface="Cambria Math" panose="02040503050406030204" pitchFamily="18" charset="0"/>
                               </a:rPr>
                               <m:t>𝑖</m:t>
@@ -15727,7 +15020,7 @@
                           </m:sub>
                         </m:sSub>
                         <m:r>
-                          <a:rPr lang="en-US" b="0" i="1" smtClean="0">
+                          <a:rPr lang="en-US" i="1">
                             <a:latin typeface="Cambria Math" panose="02040503050406030204" pitchFamily="18" charset="0"/>
                           </a:rPr>
                           <m:t>))</m:t>
@@ -15767,7 +15060,7 @@
               <a:blipFill>
                 <a:blip r:embed="rId3"/>
                 <a:stretch>
-                  <a:fillRect l="-5607" t="-142857" r="-3738" b="-210714"/>
+                  <a:fillRect l="-5856" t="-155357" r="-3604" b="-221429"/>
                 </a:stretch>
               </a:blipFill>
             </p:spPr>
@@ -15776,7 +15069,7 @@
               <a:lstStyle/>
               <a:p>
                 <a:r>
-                  <a:rPr lang="en-CN">
+                  <a:rPr lang="en-US">
                     <a:noFill/>
                   </a:rPr>
                   <a:t> </a:t>
@@ -16093,7 +15386,7 @@
         </p:nvSpPr>
         <p:spPr>
           <a:xfrm>
-            <a:off x="2199190" y="6146157"/>
+            <a:off x="2199192" y="6146157"/>
             <a:ext cx="184731" cy="400110"/>
           </a:xfrm>
           <a:prstGeom prst="rect">
@@ -16362,7 +15655,7 @@
         </p:nvSpPr>
         <p:spPr>
           <a:xfrm>
-            <a:off x="762000" y="1246905"/>
+            <a:off x="762002" y="1246907"/>
             <a:ext cx="4618181" cy="750455"/>
           </a:xfrm>
         </p:spPr>
@@ -16403,7 +15696,7 @@
         </p:nvSpPr>
         <p:spPr>
           <a:xfrm>
-            <a:off x="1758835" y="2766753"/>
+            <a:off x="1758837" y="2766755"/>
             <a:ext cx="5922817" cy="473363"/>
           </a:xfrm>
           <a:prstGeom prst="rect">
@@ -16475,7 +15768,7 @@
         </p:nvSpPr>
         <p:spPr>
           <a:xfrm>
-            <a:off x="1758835" y="3240116"/>
+            <a:off x="1758837" y="3240118"/>
             <a:ext cx="5922817" cy="473363"/>
           </a:xfrm>
           <a:prstGeom prst="rect">
@@ -16547,7 +15840,7 @@
         </p:nvSpPr>
         <p:spPr>
           <a:xfrm>
-            <a:off x="1766455" y="3713479"/>
+            <a:off x="1766457" y="3713481"/>
             <a:ext cx="5922817" cy="473363"/>
           </a:xfrm>
           <a:prstGeom prst="rect">
@@ -16729,7 +16022,7 @@
         </p:nvSpPr>
         <p:spPr>
           <a:xfrm>
-            <a:off x="460664" y="539176"/>
+            <a:off x="460664" y="539178"/>
             <a:ext cx="8048336" cy="750455"/>
           </a:xfrm>
         </p:spPr>
@@ -17053,7 +16346,7 @@
         </p:nvSpPr>
         <p:spPr>
           <a:xfrm>
-            <a:off x="158438" y="2473037"/>
+            <a:off x="158438" y="2473039"/>
             <a:ext cx="8827124" cy="3152259"/>
           </a:xfrm>
           <a:prstGeom prst="rect">
@@ -17655,7 +16948,7 @@
         </p:nvSpPr>
         <p:spPr>
           <a:xfrm>
-            <a:off x="473364" y="1939636"/>
+            <a:off x="473366" y="1939636"/>
             <a:ext cx="8301181" cy="1030068"/>
           </a:xfrm>
         </p:spPr>
@@ -17686,7 +16979,7 @@
         </p:nvSpPr>
         <p:spPr>
           <a:xfrm>
-            <a:off x="473363" y="577276"/>
+            <a:off x="473365" y="577278"/>
             <a:ext cx="8561579" cy="750455"/>
           </a:xfrm>
         </p:spPr>
@@ -17770,7 +17063,7 @@
         </p:nvSpPr>
         <p:spPr>
           <a:xfrm>
-            <a:off x="421409" y="1481560"/>
+            <a:off x="421411" y="1481560"/>
             <a:ext cx="8301181" cy="1947440"/>
           </a:xfrm>
         </p:spPr>
@@ -17845,7 +17138,7 @@
         </p:nvSpPr>
         <p:spPr>
           <a:xfrm>
-            <a:off x="562264" y="539176"/>
+            <a:off x="562266" y="539178"/>
             <a:ext cx="4618181" cy="750455"/>
           </a:xfrm>
         </p:spPr>
@@ -17892,7 +17185,7 @@
         </p:nvSpPr>
         <p:spPr>
           <a:xfrm>
-            <a:off x="421409" y="3620929"/>
+            <a:off x="421411" y="3620931"/>
             <a:ext cx="8301181" cy="2697895"/>
           </a:xfrm>
           <a:prstGeom prst="rect">
@@ -18387,7 +17680,7 @@
         </p:nvSpPr>
         <p:spPr>
           <a:xfrm>
-            <a:off x="460664" y="539176"/>
+            <a:off x="460664" y="539178"/>
             <a:ext cx="8582668" cy="750455"/>
           </a:xfrm>
         </p:spPr>
@@ -18440,7 +17733,7 @@
         </p:blipFill>
         <p:spPr>
           <a:xfrm>
-            <a:off x="1233487" y="1771650"/>
+            <a:off x="1233489" y="1771650"/>
             <a:ext cx="6677025" cy="3314700"/>
           </a:xfrm>
           <a:prstGeom prst="rect">
@@ -18490,7 +17783,7 @@
         </p:nvSpPr>
         <p:spPr>
           <a:xfrm>
-            <a:off x="460664" y="539176"/>
+            <a:off x="460664" y="539178"/>
             <a:ext cx="8048336" cy="750455"/>
           </a:xfrm>
         </p:spPr>
@@ -18539,7 +17832,7 @@
         </p:nvSpPr>
         <p:spPr>
           <a:xfrm>
-            <a:off x="421409" y="1799935"/>
+            <a:off x="421411" y="1799937"/>
             <a:ext cx="8301181" cy="2797465"/>
           </a:xfrm>
         </p:spPr>
@@ -18621,7 +17914,7 @@
         </p:nvSpPr>
         <p:spPr>
           <a:xfrm>
-            <a:off x="460664" y="1588046"/>
+            <a:off x="460664" y="1588048"/>
             <a:ext cx="8381332" cy="1015663"/>
           </a:xfrm>
           <a:prstGeom prst="rect">
@@ -18660,7 +17953,7 @@
         </p:nvSpPr>
         <p:spPr>
           <a:xfrm>
-            <a:off x="460664" y="539176"/>
+            <a:off x="460664" y="539178"/>
             <a:ext cx="8048336" cy="750455"/>
           </a:xfrm>
         </p:spPr>
@@ -18775,7 +18068,7 @@
         </p:nvSpPr>
         <p:spPr>
           <a:xfrm>
-            <a:off x="460664" y="3702109"/>
+            <a:off x="460664" y="3702111"/>
             <a:ext cx="5473700" cy="964367"/>
           </a:xfrm>
           <a:prstGeom prst="rect">
@@ -19076,7 +18369,7 @@
         </p:nvSpPr>
         <p:spPr>
           <a:xfrm>
-            <a:off x="460664" y="539176"/>
+            <a:off x="460664" y="539178"/>
             <a:ext cx="8048336" cy="750455"/>
           </a:xfrm>
         </p:spPr>
@@ -19180,7 +18473,7 @@
         </p:nvSpPr>
         <p:spPr>
           <a:xfrm>
-            <a:off x="498238" y="2976866"/>
+            <a:off x="498238" y="2976868"/>
             <a:ext cx="8310202" cy="1015663"/>
           </a:xfrm>
           <a:prstGeom prst="rect">
@@ -19207,41 +18500,37 @@
               <a:t> “glue” on an interval of length </a:t>
             </a:r>
             <a:r>
-              <a:rPr lang="el-GR" b="0" i="0" dirty="0">
+              <a:rPr lang="el-GR" dirty="0">
                 <a:solidFill>
                   <a:srgbClr val="222222"/>
                 </a:solidFill>
-                <a:effectLst/>
                 <a:latin typeface="arial" panose="020B0604020202020204" pitchFamily="34" charset="0"/>
               </a:rPr>
               <a:t>ε</a:t>
             </a:r>
             <a:r>
-              <a:rPr lang="en-US" b="0" i="0" dirty="0">
+              <a:rPr lang="en-US" dirty="0">
                 <a:solidFill>
                   <a:srgbClr val="222222"/>
                 </a:solidFill>
-                <a:effectLst/>
                 <a:latin typeface="arial" panose="020B0604020202020204" pitchFamily="34" charset="0"/>
               </a:rPr>
               <a:t>/n</a:t>
             </a:r>
             <a:r>
-              <a:rPr lang="en-US" b="0" i="0" baseline="30000" dirty="0">
+              <a:rPr lang="en-US" baseline="30000" dirty="0">
                 <a:solidFill>
                   <a:srgbClr val="222222"/>
                 </a:solidFill>
-                <a:effectLst/>
                 <a:latin typeface="arial" panose="020B0604020202020204" pitchFamily="34" charset="0"/>
               </a:rPr>
               <a:t>2</a:t>
             </a:r>
             <a:r>
-              <a:rPr lang="en-US" b="0" i="0" dirty="0">
+              <a:rPr lang="en-US" dirty="0">
                 <a:solidFill>
                   <a:srgbClr val="222222"/>
                 </a:solidFill>
-                <a:effectLst/>
                 <a:latin typeface="arial" panose="020B0604020202020204" pitchFamily="34" charset="0"/>
               </a:rPr>
               <a:t>, </a:t>
@@ -19251,11 +18540,10 @@
               <a:t>which is </a:t>
             </a:r>
             <a:r>
-              <a:rPr lang="el-GR" b="0" i="0" dirty="0">
+              <a:rPr lang="el-GR" dirty="0">
                 <a:solidFill>
                   <a:srgbClr val="222222"/>
                 </a:solidFill>
-                <a:effectLst/>
                 <a:latin typeface="arial" panose="020B0604020202020204" pitchFamily="34" charset="0"/>
               </a:rPr>
               <a:t>ε </a:t>
@@ -19265,21 +18553,19 @@
               <a:t>&gt; 0 and </a:t>
             </a:r>
             <a:r>
-              <a:rPr lang="el-GR" b="0" i="0" dirty="0">
+              <a:rPr lang="el-GR" dirty="0">
                 <a:solidFill>
                   <a:srgbClr val="222222"/>
                 </a:solidFill>
-                <a:effectLst/>
                 <a:latin typeface="arial" panose="020B0604020202020204" pitchFamily="34" charset="0"/>
               </a:rPr>
               <a:t>ε</a:t>
             </a:r>
             <a:r>
-              <a:rPr lang="en-US" b="0" i="0" dirty="0">
+              <a:rPr lang="en-US" dirty="0">
                 <a:solidFill>
                   <a:srgbClr val="222222"/>
                 </a:solidFill>
-                <a:effectLst/>
                 <a:latin typeface="arial" panose="020B0604020202020204" pitchFamily="34" charset="0"/>
               </a:rPr>
               <a:t> </a:t>
@@ -19304,11 +18590,10 @@
               <a:t>That</a:t>
             </a:r>
             <a:r>
-              <a:rPr lang="en-US" b="0" i="0" dirty="0">
+              <a:rPr lang="en-US" dirty="0">
                 <a:solidFill>
                   <a:srgbClr val="222222"/>
                 </a:solidFill>
-                <a:effectLst/>
                 <a:latin typeface="arial" panose="020B0604020202020204" pitchFamily="34" charset="0"/>
               </a:rPr>
               <a:t> </a:t>
@@ -19326,111 +18611,100 @@
               <a:t>-</a:t>
             </a:r>
             <a:r>
-              <a:rPr lang="el-GR" b="0" i="0" dirty="0">
+              <a:rPr lang="el-GR" dirty="0">
                 <a:solidFill>
                   <a:srgbClr val="222222"/>
                 </a:solidFill>
-                <a:effectLst/>
                 <a:latin typeface="arial" panose="020B0604020202020204" pitchFamily="34" charset="0"/>
               </a:rPr>
               <a:t> ε</a:t>
             </a:r>
             <a:r>
-              <a:rPr lang="en-US" b="0" i="0" dirty="0">
+              <a:rPr lang="en-US" dirty="0">
                 <a:solidFill>
                   <a:srgbClr val="222222"/>
                 </a:solidFill>
-                <a:effectLst/>
                 <a:latin typeface="arial" panose="020B0604020202020204" pitchFamily="34" charset="0"/>
               </a:rPr>
               <a:t>/2n</a:t>
             </a:r>
             <a:r>
-              <a:rPr lang="en-US" b="0" i="0" baseline="30000" dirty="0">
+              <a:rPr lang="en-US" baseline="30000" dirty="0">
                 <a:solidFill>
                   <a:srgbClr val="222222"/>
                 </a:solidFill>
-                <a:effectLst/>
                 <a:latin typeface="arial" panose="020B0604020202020204" pitchFamily="34" charset="0"/>
               </a:rPr>
               <a:t>2</a:t>
             </a:r>
             <a:r>
-              <a:rPr lang="en-US" b="0" i="0" dirty="0">
+              <a:rPr lang="en-US" dirty="0">
                 <a:solidFill>
                   <a:srgbClr val="222222"/>
                 </a:solidFill>
-                <a:effectLst/>
                 <a:latin typeface="arial" panose="020B0604020202020204" pitchFamily="34" charset="0"/>
               </a:rPr>
               <a:t>,</a:t>
             </a:r>
             <a:r>
-              <a:rPr lang="el-GR" b="0" i="0" dirty="0">
+              <a:rPr lang="el-GR" dirty="0">
                 <a:solidFill>
                   <a:srgbClr val="222222"/>
                 </a:solidFill>
-                <a:effectLst/>
                 <a:latin typeface="arial" panose="020B0604020202020204" pitchFamily="34" charset="0"/>
               </a:rPr>
               <a:t> </a:t>
             </a:r>
             <a:r>
-              <a:rPr lang="en-US" b="0" i="0" dirty="0">
+              <a:rPr lang="en-US" dirty="0">
                 <a:solidFill>
                   <a:srgbClr val="222222"/>
                 </a:solidFill>
-                <a:effectLst/>
                 <a:latin typeface="arial" panose="020B0604020202020204" pitchFamily="34" charset="0"/>
               </a:rPr>
               <a:t>a</a:t>
             </a:r>
             <a:r>
-              <a:rPr lang="en-US" b="0" i="0" baseline="-25000" dirty="0">
+              <a:rPr lang="en-US" baseline="-25000" dirty="0">
                 <a:solidFill>
                   <a:srgbClr val="222222"/>
                 </a:solidFill>
-                <a:effectLst/>
                 <a:latin typeface="arial" panose="020B0604020202020204" pitchFamily="34" charset="0"/>
               </a:rPr>
               <a:t>n</a:t>
             </a:r>
             <a:r>
-              <a:rPr lang="en-US" b="0" i="0" dirty="0">
+              <a:rPr lang="en-US" dirty="0">
                 <a:solidFill>
                   <a:srgbClr val="222222"/>
                 </a:solidFill>
-                <a:effectLst/>
                 <a:latin typeface="arial" panose="020B0604020202020204" pitchFamily="34" charset="0"/>
               </a:rPr>
               <a:t>+</a:t>
             </a:r>
             <a:r>
-              <a:rPr lang="el-GR" b="0" i="0" dirty="0">
+              <a:rPr lang="el-GR" dirty="0">
                 <a:solidFill>
                   <a:srgbClr val="222222"/>
                 </a:solidFill>
-                <a:effectLst/>
                 <a:latin typeface="arial" panose="020B0604020202020204" pitchFamily="34" charset="0"/>
               </a:rPr>
               <a:t>ε</a:t>
             </a:r>
             <a:r>
-              <a:rPr lang="en-US" b="0" i="0" dirty="0">
+              <a:rPr lang="en-US" dirty="0">
                 <a:solidFill>
                   <a:srgbClr val="222222"/>
                 </a:solidFill>
-                <a:effectLst/>
                 <a:latin typeface="arial" panose="020B0604020202020204" pitchFamily="34" charset="0"/>
               </a:rPr>
               <a:t>/2n</a:t>
             </a:r>
             <a:r>
-              <a:rPr lang="en-US" b="0" i="0" baseline="30000" dirty="0">
+              <a:rPr lang="en-US" baseline="30000" dirty="0">
                 <a:solidFill>
                   <a:srgbClr val="222222"/>
                 </a:solidFill>
-                <a:effectLst/>
                 <a:latin typeface="arial" panose="020B0604020202020204" pitchFamily="34" charset="0"/>
               </a:rPr>
               <a:t>2</a:t>
@@ -19497,7 +18771,7 @@
         </p:nvSpPr>
         <p:spPr>
           <a:xfrm>
-            <a:off x="1803635" y="2375382"/>
+            <a:off x="1803635" y="2375384"/>
             <a:ext cx="100668" cy="114849"/>
           </a:xfrm>
           <a:prstGeom prst="ellipse">
@@ -19547,7 +18821,7 @@
         </p:nvSpPr>
         <p:spPr>
           <a:xfrm>
-            <a:off x="2634147" y="2375382"/>
+            <a:off x="2634147" y="2375384"/>
             <a:ext cx="100668" cy="114849"/>
           </a:xfrm>
           <a:prstGeom prst="ellipse">
@@ -19597,7 +18871,7 @@
         </p:nvSpPr>
         <p:spPr>
           <a:xfrm>
-            <a:off x="3489828" y="2375382"/>
+            <a:off x="3489828" y="2375384"/>
             <a:ext cx="100668" cy="114849"/>
           </a:xfrm>
           <a:prstGeom prst="ellipse">
@@ -19647,7 +18921,7 @@
         </p:nvSpPr>
         <p:spPr>
           <a:xfrm>
-            <a:off x="4320340" y="2375382"/>
+            <a:off x="4320340" y="2375384"/>
             <a:ext cx="100668" cy="114849"/>
           </a:xfrm>
           <a:prstGeom prst="ellipse">
@@ -19736,7 +19010,7 @@
         </p:nvSpPr>
         <p:spPr>
           <a:xfrm>
-            <a:off x="5285057" y="2375382"/>
+            <a:off x="5285057" y="2375384"/>
             <a:ext cx="100668" cy="114849"/>
           </a:xfrm>
           <a:prstGeom prst="ellipse">
@@ -20302,7 +19576,7 @@
         </p:nvSpPr>
         <p:spPr>
           <a:xfrm>
-            <a:off x="999064" y="1975353"/>
+            <a:off x="999066" y="1975353"/>
             <a:ext cx="1038811" cy="338554"/>
           </a:xfrm>
           <a:prstGeom prst="rect">
@@ -20333,31 +19607,28 @@
               <a:t> </a:t>
             </a:r>
             <a:r>
-              <a:rPr lang="el-GR" sz="1600" b="0" i="0" dirty="0">
+              <a:rPr lang="el-GR" sz="1600" dirty="0">
                 <a:solidFill>
                   <a:srgbClr val="222222"/>
                 </a:solidFill>
-                <a:effectLst/>
                 <a:latin typeface="arial" panose="020B0604020202020204" pitchFamily="34" charset="0"/>
               </a:rPr>
               <a:t>ε</a:t>
             </a:r>
             <a:r>
-              <a:rPr lang="en-US" sz="1600" b="0" i="0" dirty="0">
+              <a:rPr lang="en-US" sz="1600" dirty="0">
                 <a:solidFill>
                   <a:srgbClr val="222222"/>
                 </a:solidFill>
-                <a:effectLst/>
                 <a:latin typeface="arial" panose="020B0604020202020204" pitchFamily="34" charset="0"/>
               </a:rPr>
               <a:t>/2n</a:t>
             </a:r>
             <a:r>
-              <a:rPr lang="en-US" sz="1600" b="0" i="0" baseline="30000" dirty="0">
+              <a:rPr lang="en-US" sz="1600" baseline="30000" dirty="0">
                 <a:solidFill>
                   <a:srgbClr val="222222"/>
                 </a:solidFill>
-                <a:effectLst/>
                 <a:latin typeface="arial" panose="020B0604020202020204" pitchFamily="34" charset="0"/>
               </a:rPr>
               <a:t>2</a:t>
@@ -20417,7 +19688,7 @@
             </p:nvSpPr>
             <p:spPr>
               <a:xfrm>
-                <a:off x="552743" y="4317535"/>
+                <a:off x="552745" y="4317535"/>
                 <a:ext cx="5053243" cy="432106"/>
               </a:xfrm>
               <a:prstGeom prst="rect">
@@ -20434,7 +19705,7 @@
                 <a14:m>
                   <m:oMath xmlns:m="http://schemas.openxmlformats.org/officeDocument/2006/math">
                     <m:r>
-                      <a:rPr lang="en-US" sz="1800" i="1" smtClean="0">
+                      <a:rPr lang="en-US" sz="1800" i="1">
                         <a:latin typeface="Cambria Math" panose="02040503050406030204" pitchFamily="18" charset="0"/>
                         <a:ea typeface="Cambria Math" panose="02040503050406030204" pitchFamily="18" charset="0"/>
                       </a:rPr>
@@ -20443,7 +19714,7 @@
                     <m:d>
                       <m:dPr>
                         <m:ctrlPr>
-                          <a:rPr lang="en-US" sz="1800" b="0" i="1" smtClean="0">
+                          <a:rPr lang="en-US" sz="1800" i="1">
                             <a:latin typeface="Cambria Math" panose="02040503050406030204" pitchFamily="18" charset="0"/>
                             <a:ea typeface="Cambria Math" panose="02040503050406030204" pitchFamily="18" charset="0"/>
                           </a:rPr>
@@ -20451,7 +19722,7 @@
                       </m:dPr>
                       <m:e>
                         <m:r>
-                          <a:rPr lang="en-US" sz="1800" b="0" i="1" smtClean="0">
+                          <a:rPr lang="en-US" sz="1800" i="1">
                             <a:latin typeface="Cambria Math" panose="02040503050406030204" pitchFamily="18" charset="0"/>
                             <a:ea typeface="Cambria Math" panose="02040503050406030204" pitchFamily="18" charset="0"/>
                           </a:rPr>
@@ -20471,7 +19742,7 @@
                         <m:chr m:val="∑"/>
                         <m:limLoc m:val="subSup"/>
                         <m:ctrlPr>
-                          <a:rPr lang="en-US" sz="1800" b="0" i="1" smtClean="0">
+                          <a:rPr lang="en-US" sz="1800" i="1">
                             <a:latin typeface="Cambria Math" panose="02040503050406030204" pitchFamily="18" charset="0"/>
                             <a:ea typeface="Cambria Math" panose="02040503050406030204" pitchFamily="18" charset="0"/>
                           </a:rPr>
@@ -20482,14 +19753,14 @@
                           <m:rPr>
                             <m:brk m:alnAt="25"/>
                           </m:rPr>
-                          <a:rPr lang="en-US" sz="1800" b="0" i="1" smtClean="0">
+                          <a:rPr lang="en-US" sz="1800" i="1">
                             <a:latin typeface="Cambria Math" panose="02040503050406030204" pitchFamily="18" charset="0"/>
                             <a:ea typeface="Cambria Math" panose="02040503050406030204" pitchFamily="18" charset="0"/>
                           </a:rPr>
                           <m:t>𝑛</m:t>
                         </m:r>
                         <m:r>
-                          <a:rPr lang="en-US" sz="1800" b="0" i="1" smtClean="0">
+                          <a:rPr lang="en-US" sz="1800" i="1">
                             <a:latin typeface="Cambria Math" panose="02040503050406030204" pitchFamily="18" charset="0"/>
                             <a:ea typeface="Cambria Math" panose="02040503050406030204" pitchFamily="18" charset="0"/>
                           </a:rPr>
@@ -20498,7 +19769,7 @@
                       </m:sub>
                       <m:sup>
                         <m:r>
-                          <a:rPr lang="en-US" sz="1800" b="0" i="1" smtClean="0">
+                          <a:rPr lang="en-US" sz="1800" i="1">
                             <a:latin typeface="Cambria Math" panose="02040503050406030204" pitchFamily="18" charset="0"/>
                             <a:ea typeface="Cambria Math" panose="02040503050406030204" pitchFamily="18" charset="0"/>
                           </a:rPr>
@@ -20514,7 +19785,7 @@
                           <m:t>𝜇</m:t>
                         </m:r>
                         <m:r>
-                          <a:rPr lang="en-US" sz="1800" b="0" i="1" smtClean="0">
+                          <a:rPr lang="en-US" sz="1800" i="1">
                             <a:latin typeface="Cambria Math" panose="02040503050406030204" pitchFamily="18" charset="0"/>
                             <a:ea typeface="Cambria Math" panose="02040503050406030204" pitchFamily="18" charset="0"/>
                           </a:rPr>
@@ -20570,7 +19841,7 @@
                             <m:sSup>
                               <m:sSupPr>
                                 <m:ctrlPr>
-                                  <a:rPr lang="pt-BR" sz="1800" i="1" smtClean="0">
+                                  <a:rPr lang="pt-BR" sz="1800" i="1">
                                     <a:latin typeface="Cambria Math" panose="02040503050406030204" pitchFamily="18" charset="0"/>
                                     <a:ea typeface="Cambria Math" panose="02040503050406030204" pitchFamily="18" charset="0"/>
                                   </a:rPr>
@@ -20578,7 +19849,7 @@
                               </m:sSupPr>
                               <m:e>
                                 <m:r>
-                                  <a:rPr lang="en-US" sz="1800" b="0" i="1" smtClean="0">
+                                  <a:rPr lang="en-US" sz="1800" i="1">
                                     <a:latin typeface="Cambria Math" panose="02040503050406030204" pitchFamily="18" charset="0"/>
                                     <a:ea typeface="Cambria Math" panose="02040503050406030204" pitchFamily="18" charset="0"/>
                                   </a:rPr>
@@ -20587,7 +19858,7 @@
                               </m:e>
                               <m:sup>
                                 <m:r>
-                                  <a:rPr lang="en-US" sz="1800" b="0" i="1" smtClean="0">
+                                  <a:rPr lang="en-US" sz="1800" i="1">
                                     <a:latin typeface="Cambria Math" panose="02040503050406030204" pitchFamily="18" charset="0"/>
                                     <a:ea typeface="Cambria Math" panose="02040503050406030204" pitchFamily="18" charset="0"/>
                                   </a:rPr>
@@ -20647,7 +19918,7 @@
                             <m:sSup>
                               <m:sSupPr>
                                 <m:ctrlPr>
-                                  <a:rPr lang="pt-BR" sz="1800" i="1" smtClean="0">
+                                  <a:rPr lang="pt-BR" sz="1800" i="1">
                                     <a:latin typeface="Cambria Math" panose="02040503050406030204" pitchFamily="18" charset="0"/>
                                     <a:ea typeface="Cambria Math" panose="02040503050406030204" pitchFamily="18" charset="0"/>
                                   </a:rPr>
@@ -20655,7 +19926,7 @@
                               </m:sSupPr>
                               <m:e>
                                 <m:r>
-                                  <a:rPr lang="en-US" sz="1800" b="0" i="1" smtClean="0">
+                                  <a:rPr lang="en-US" sz="1800" i="1">
                                     <a:latin typeface="Cambria Math" panose="02040503050406030204" pitchFamily="18" charset="0"/>
                                     <a:ea typeface="Cambria Math" panose="02040503050406030204" pitchFamily="18" charset="0"/>
                                   </a:rPr>
@@ -20664,7 +19935,7 @@
                               </m:e>
                               <m:sup>
                                 <m:r>
-                                  <a:rPr lang="en-US" sz="1800" b="0" i="1" smtClean="0">
+                                  <a:rPr lang="en-US" sz="1800" i="1">
                                     <a:latin typeface="Cambria Math" panose="02040503050406030204" pitchFamily="18" charset="0"/>
                                     <a:ea typeface="Cambria Math" panose="02040503050406030204" pitchFamily="18" charset="0"/>
                                   </a:rPr>
@@ -20675,7 +19946,7 @@
                           </m:den>
                         </m:f>
                         <m:r>
-                          <a:rPr lang="en-US" sz="1800" b="0" i="1" smtClean="0">
+                          <a:rPr lang="en-US" sz="1800" i="1">
                             <a:latin typeface="Cambria Math" panose="02040503050406030204" pitchFamily="18" charset="0"/>
                             <a:ea typeface="Cambria Math" panose="02040503050406030204" pitchFamily="18" charset="0"/>
                           </a:rPr>
@@ -20755,7 +20026,7 @@
                           </m:fPr>
                           <m:num>
                             <m:r>
-                              <a:rPr lang="en-US" sz="1800" b="0" i="1" smtClean="0">
+                              <a:rPr lang="en-US" sz="1800" i="1">
                                 <a:latin typeface="Cambria Math" panose="02040503050406030204" pitchFamily="18" charset="0"/>
                                 <a:ea typeface="Cambria Math" panose="02040503050406030204" pitchFamily="18" charset="0"/>
                               </a:rPr>
@@ -20889,7 +20160,7 @@
             </p:nvSpPr>
             <p:spPr>
               <a:xfrm>
-                <a:off x="552743" y="4317535"/>
+                <a:off x="552745" y="4317535"/>
                 <a:ext cx="5053243" cy="432106"/>
               </a:xfrm>
               <a:prstGeom prst="rect">
@@ -20898,7 +20169,7 @@
               <a:blipFill>
                 <a:blip r:embed="rId2"/>
                 <a:stretch>
-                  <a:fillRect l="-1504" t="-80000" b="-142857"/>
+                  <a:fillRect l="-121" b="-21127"/>
                 </a:stretch>
               </a:blipFill>
             </p:spPr>
@@ -20907,7 +20178,7 @@
               <a:lstStyle/>
               <a:p>
                 <a:r>
-                  <a:rPr lang="en-CN">
+                  <a:rPr lang="en-US">
                     <a:noFill/>
                   </a:rPr>
                   <a:t> </a:t>
@@ -20917,8 +20188,8 @@
           </p:sp>
         </mc:Fallback>
       </mc:AlternateContent>
-      <mc:AlternateContent xmlns:mc="http://schemas.openxmlformats.org/markup-compatibility/2006" xmlns:a14="http://schemas.microsoft.com/office/drawing/2010/main">
-        <mc:Choice Requires="a14">
+      <mc:AlternateContent xmlns:mc="http://schemas.openxmlformats.org/markup-compatibility/2006">
+        <mc:Choice xmlns:a14="http://schemas.microsoft.com/office/drawing/2010/main" Requires="a14">
           <p:sp>
             <p:nvSpPr>
               <p:cNvPr id="49" name="文本框 48">
@@ -20950,7 +20221,7 @@
                 <a14:m>
                   <m:oMath xmlns:m="http://schemas.openxmlformats.org/officeDocument/2006/math">
                     <m:r>
-                      <a:rPr lang="en-US" sz="1800" b="0" i="1" smtClean="0">
+                      <a:rPr lang="en-US" sz="1800" i="1">
                         <a:latin typeface="Cambria Math" panose="02040503050406030204" pitchFamily="18" charset="0"/>
                       </a:rPr>
                       <m:t>𝜇</m:t>
@@ -20958,14 +20229,14 @@
                     <m:d>
                       <m:dPr>
                         <m:ctrlPr>
-                          <a:rPr lang="en-US" sz="1800" b="0" i="1" smtClean="0">
+                          <a:rPr lang="en-US" sz="1800" i="1">
                             <a:latin typeface="Cambria Math" panose="02040503050406030204" pitchFamily="18" charset="0"/>
                           </a:rPr>
                         </m:ctrlPr>
                       </m:dPr>
                       <m:e>
                         <m:r>
-                          <a:rPr lang="en-US" sz="1800" b="0" i="1" smtClean="0">
+                          <a:rPr lang="en-US" sz="1800" i="1">
                             <a:latin typeface="Cambria Math" panose="02040503050406030204" pitchFamily="18" charset="0"/>
                           </a:rPr>
                           <m:t>𝐶</m:t>
@@ -20973,13 +20244,13 @@
                       </m:e>
                     </m:d>
                     <m:r>
-                      <a:rPr lang="en-US" sz="1800" b="0" i="1" smtClean="0">
+                      <a:rPr lang="en-US" sz="1800" i="1">
                         <a:latin typeface="Cambria Math" panose="02040503050406030204" pitchFamily="18" charset="0"/>
                       </a:rPr>
                       <m:t>≤</m:t>
                     </m:r>
                     <m:r>
-                      <a:rPr lang="en-US" sz="1800" b="0" i="1" smtClean="0">
+                      <a:rPr lang="en-US" sz="1800" i="1">
                         <a:latin typeface="Cambria Math" panose="02040503050406030204" pitchFamily="18" charset="0"/>
                       </a:rPr>
                       <m:t>𝜇</m:t>
@@ -20987,14 +20258,14 @@
                     <m:d>
                       <m:dPr>
                         <m:ctrlPr>
-                          <a:rPr lang="en-US" sz="1800" b="0" i="1" smtClean="0">
+                          <a:rPr lang="en-US" sz="1800" i="1">
                             <a:latin typeface="Cambria Math" panose="02040503050406030204" pitchFamily="18" charset="0"/>
                           </a:rPr>
                         </m:ctrlPr>
                       </m:dPr>
                       <m:e>
                         <m:r>
-                          <a:rPr lang="en-US" sz="1800" b="0" i="1" smtClean="0">
+                          <a:rPr lang="en-US" sz="1800" i="1">
                             <a:latin typeface="Cambria Math" panose="02040503050406030204" pitchFamily="18" charset="0"/>
                           </a:rPr>
                           <m:t>𝑆</m:t>
@@ -21002,7 +20273,7 @@
                       </m:e>
                     </m:d>
                     <m:r>
-                      <a:rPr lang="en-US" sz="1800" b="0" i="1" smtClean="0">
+                      <a:rPr lang="en-US" sz="1800" i="1">
                         <a:latin typeface="Cambria Math" panose="02040503050406030204" pitchFamily="18" charset="0"/>
                       </a:rPr>
                       <m:t>≤</m:t>
@@ -21066,14 +20337,14 @@
                   </m:oMath>
                 </a14:m>
                 <a:r>
-                  <a:rPr lang="en-US" sz="1800" b="0" dirty="0"/>
+                  <a:rPr lang="en-US" sz="1800" dirty="0"/>
                   <a:t> </a:t>
                 </a:r>
               </a:p>
             </p:txBody>
           </p:sp>
         </mc:Choice>
-        <mc:Fallback xmlns="">
+        <mc:Fallback>
           <p:sp>
             <p:nvSpPr>
               <p:cNvPr id="49" name="文本框 48">
@@ -21118,8 +20389,8 @@
           </p:sp>
         </mc:Fallback>
       </mc:AlternateContent>
-      <mc:AlternateContent xmlns:mc="http://schemas.openxmlformats.org/markup-compatibility/2006" xmlns:a14="http://schemas.microsoft.com/office/drawing/2010/main">
-        <mc:Choice Requires="a14">
+      <mc:AlternateContent xmlns:mc="http://schemas.openxmlformats.org/markup-compatibility/2006">
+        <mc:Choice xmlns:a14="http://schemas.microsoft.com/office/drawing/2010/main" Requires="a14">
           <p:sp>
             <p:nvSpPr>
               <p:cNvPr id="50" name="文本框 49">
@@ -21134,7 +20405,7 @@
             </p:nvSpPr>
             <p:spPr>
               <a:xfrm>
-                <a:off x="514168" y="5599265"/>
+                <a:off x="514170" y="5599267"/>
                 <a:ext cx="2927789" cy="276999"/>
               </a:xfrm>
               <a:prstGeom prst="rect">
@@ -21156,13 +20427,13 @@
                     </m:oMathParaPr>
                     <m:oMath xmlns:m="http://schemas.openxmlformats.org/officeDocument/2006/math">
                       <m:r>
-                        <a:rPr lang="en-US" sz="1800" b="0" i="1" smtClean="0">
+                        <a:rPr lang="en-US" sz="1800" i="1">
                           <a:latin typeface="Cambria Math" panose="02040503050406030204" pitchFamily="18" charset="0"/>
                         </a:rPr>
                         <m:t>𝐴𝑠</m:t>
                       </m:r>
                       <m:r>
-                        <a:rPr lang="en-US" sz="1800" b="0" i="1" smtClean="0">
+                        <a:rPr lang="en-US" sz="1800" i="1">
                           <a:latin typeface="Cambria Math" panose="02040503050406030204" pitchFamily="18" charset="0"/>
                         </a:rPr>
                         <m:t> </m:t>
@@ -21175,19 +20446,13 @@
                         <m:t>𝜀</m:t>
                       </m:r>
                       <m:r>
-                        <a:rPr lang="en-US" sz="1800" i="1" smtClean="0">
+                        <a:rPr lang="en-US" sz="1800" i="1">
                           <a:latin typeface="Cambria Math" panose="02040503050406030204" pitchFamily="18" charset="0"/>
                         </a:rPr>
-                        <m:t>→</m:t>
+                        <m:t>→0, </m:t>
                       </m:r>
                       <m:r>
-                        <a:rPr lang="en-US" sz="1800" b="0" i="1" smtClean="0">
-                          <a:latin typeface="Cambria Math" panose="02040503050406030204" pitchFamily="18" charset="0"/>
-                        </a:rPr>
-                        <m:t>0, </m:t>
-                      </m:r>
-                      <m:r>
-                        <a:rPr lang="en-US" sz="1800" b="0" i="1" smtClean="0">
+                        <a:rPr lang="en-US" sz="1800" i="1">
                           <a:latin typeface="Cambria Math" panose="02040503050406030204" pitchFamily="18" charset="0"/>
                         </a:rPr>
                         <m:t>𝜇</m:t>
@@ -21195,14 +20460,14 @@
                       <m:d>
                         <m:dPr>
                           <m:ctrlPr>
-                            <a:rPr lang="en-US" sz="1800" b="0" i="1" smtClean="0">
+                            <a:rPr lang="en-US" sz="1800" i="1">
                               <a:latin typeface="Cambria Math" panose="02040503050406030204" pitchFamily="18" charset="0"/>
                             </a:rPr>
                           </m:ctrlPr>
                         </m:dPr>
                         <m:e>
                           <m:r>
-                            <a:rPr lang="en-US" sz="1800" b="0" i="1" smtClean="0">
+                            <a:rPr lang="en-US" sz="1800" i="1">
                               <a:latin typeface="Cambria Math" panose="02040503050406030204" pitchFamily="18" charset="0"/>
                             </a:rPr>
                             <m:t>𝑆</m:t>
@@ -21216,7 +20481,7 @@
                         <m:t>→0</m:t>
                       </m:r>
                       <m:r>
-                        <a:rPr lang="en-US" sz="1800" b="0" i="1" smtClean="0">
+                        <a:rPr lang="en-US" sz="1800" i="1">
                           <a:latin typeface="Cambria Math" panose="02040503050406030204" pitchFamily="18" charset="0"/>
                         </a:rPr>
                         <m:t>,</m:t>
@@ -21253,12 +20518,12 @@
                     </m:oMath>
                   </m:oMathPara>
                 </a14:m>
-                <a:endParaRPr lang="en-US" sz="1800" b="0" dirty="0"/>
+                <a:endParaRPr lang="en-US" sz="1800" dirty="0"/>
               </a:p>
             </p:txBody>
           </p:sp>
         </mc:Choice>
-        <mc:Fallback xmlns="">
+        <mc:Fallback>
           <p:sp>
             <p:nvSpPr>
               <p:cNvPr id="50" name="文本框 49">
@@ -21275,7 +20540,7 @@
             </p:nvSpPr>
             <p:spPr>
               <a:xfrm>
-                <a:off x="514168" y="5599265"/>
+                <a:off x="514170" y="5599267"/>
                 <a:ext cx="2927789" cy="276999"/>
               </a:xfrm>
               <a:prstGeom prst="rect">
@@ -21317,7 +20582,7 @@
         </p:nvSpPr>
         <p:spPr>
           <a:xfrm>
-            <a:off x="1982783" y="1944079"/>
+            <a:off x="1982785" y="1944079"/>
             <a:ext cx="1403395" cy="338554"/>
           </a:xfrm>
           <a:prstGeom prst="rect">
@@ -21348,31 +20613,28 @@
               <a:t> </a:t>
             </a:r>
             <a:r>
-              <a:rPr lang="el-GR" sz="1600" b="0" i="0" dirty="0">
+              <a:rPr lang="el-GR" sz="1600" dirty="0">
                 <a:solidFill>
                   <a:srgbClr val="222222"/>
                 </a:solidFill>
-                <a:effectLst/>
                 <a:latin typeface="arial" panose="020B0604020202020204" pitchFamily="34" charset="0"/>
               </a:rPr>
               <a:t>ε</a:t>
             </a:r>
             <a:r>
-              <a:rPr lang="en-US" sz="1600" b="0" i="0" dirty="0">
+              <a:rPr lang="en-US" sz="1600" dirty="0">
                 <a:solidFill>
                   <a:srgbClr val="222222"/>
                 </a:solidFill>
-                <a:effectLst/>
                 <a:latin typeface="arial" panose="020B0604020202020204" pitchFamily="34" charset="0"/>
               </a:rPr>
               <a:t>/2n</a:t>
             </a:r>
             <a:r>
-              <a:rPr lang="en-US" sz="1600" b="0" i="0" baseline="30000" dirty="0">
+              <a:rPr lang="en-US" sz="1600" baseline="30000" dirty="0">
                 <a:solidFill>
                   <a:srgbClr val="222222"/>
                 </a:solidFill>
-                <a:effectLst/>
                 <a:latin typeface="arial" panose="020B0604020202020204" pitchFamily="34" charset="0"/>
               </a:rPr>
               <a:t>2</a:t>
@@ -22586,7 +21848,7 @@
         </p:nvSpPr>
         <p:spPr>
           <a:xfrm>
-            <a:off x="473364" y="1939636"/>
+            <a:off x="473366" y="1939636"/>
             <a:ext cx="8301181" cy="2030480"/>
           </a:xfrm>
         </p:spPr>
@@ -22629,7 +21891,7 @@
         </p:nvSpPr>
         <p:spPr>
           <a:xfrm>
-            <a:off x="473363" y="577276"/>
+            <a:off x="473365" y="577278"/>
             <a:ext cx="8561579" cy="750455"/>
           </a:xfrm>
         </p:spPr>

--- a/Deep Learning-3.12-3.14.pptx
+++ b/Deep Learning-3.12-3.14.pptx
@@ -16,16 +16,17 @@
     <p:sldId id="280" r:id="rId10"/>
     <p:sldId id="279" r:id="rId11"/>
     <p:sldId id="268" r:id="rId12"/>
-    <p:sldId id="269" r:id="rId13"/>
-    <p:sldId id="270" r:id="rId14"/>
-    <p:sldId id="271" r:id="rId15"/>
-    <p:sldId id="272" r:id="rId16"/>
-    <p:sldId id="273" r:id="rId17"/>
-    <p:sldId id="274" r:id="rId18"/>
-    <p:sldId id="277" r:id="rId19"/>
-    <p:sldId id="276" r:id="rId20"/>
-    <p:sldId id="278" r:id="rId21"/>
-    <p:sldId id="258" r:id="rId22"/>
+    <p:sldId id="281" r:id="rId13"/>
+    <p:sldId id="269" r:id="rId14"/>
+    <p:sldId id="270" r:id="rId15"/>
+    <p:sldId id="271" r:id="rId16"/>
+    <p:sldId id="272" r:id="rId17"/>
+    <p:sldId id="273" r:id="rId18"/>
+    <p:sldId id="274" r:id="rId19"/>
+    <p:sldId id="277" r:id="rId20"/>
+    <p:sldId id="276" r:id="rId21"/>
+    <p:sldId id="278" r:id="rId22"/>
+    <p:sldId id="258" r:id="rId23"/>
   </p:sldIdLst>
   <p:sldSz cx="9144000" cy="6858000" type="screen4x3"/>
   <p:notesSz cx="6858000" cy="9144000"/>
@@ -411,7 +412,7 @@
           <a:p>
             <a:fld id="{DE31F557-D3ED-A448-92B8-EF89F27D4FAD}" type="datetimeFigureOut">
               <a:rPr kumimoji="1" lang="zh-CN" altLang="en-US" smtClean="0"/>
-              <a:t>2020/11/1</a:t>
+              <a:t>2020/11/7</a:t>
             </a:fld>
             <a:endParaRPr kumimoji="1" lang="zh-CN" altLang="en-US"/>
           </a:p>
@@ -645,7 +646,7 @@
           <a:p>
             <a:fld id="{DE31F557-D3ED-A448-92B8-EF89F27D4FAD}" type="datetimeFigureOut">
               <a:rPr kumimoji="1" lang="zh-CN" altLang="en-US" smtClean="0"/>
-              <a:t>2020/11/1</a:t>
+              <a:t>2020/11/7</a:t>
             </a:fld>
             <a:endParaRPr kumimoji="1" lang="zh-CN" altLang="en-US"/>
           </a:p>
@@ -941,7 +942,7 @@
           <a:p>
             <a:fld id="{DE31F557-D3ED-A448-92B8-EF89F27D4FAD}" type="datetimeFigureOut">
               <a:rPr kumimoji="1" lang="zh-CN" altLang="en-US" smtClean="0"/>
-              <a:t>2020/11/1</a:t>
+              <a:t>2020/11/7</a:t>
             </a:fld>
             <a:endParaRPr kumimoji="1" lang="zh-CN" altLang="en-US"/>
           </a:p>
@@ -1120,7 +1121,7 @@
           <a:p>
             <a:fld id="{DE31F557-D3ED-A448-92B8-EF89F27D4FAD}" type="datetimeFigureOut">
               <a:rPr kumimoji="1" lang="zh-CN" altLang="en-US" smtClean="0"/>
-              <a:t>2020/11/1</a:t>
+              <a:t>2020/11/7</a:t>
             </a:fld>
             <a:endParaRPr kumimoji="1" lang="zh-CN" altLang="en-US"/>
           </a:p>
@@ -1231,7 +1232,7 @@
           <a:p>
             <a:fld id="{DE31F557-D3ED-A448-92B8-EF89F27D4FAD}" type="datetimeFigureOut">
               <a:rPr kumimoji="1" lang="zh-CN" altLang="en-US" smtClean="0"/>
-              <a:t>2020/11/1</a:t>
+              <a:t>2020/11/7</a:t>
             </a:fld>
             <a:endParaRPr kumimoji="1" lang="zh-CN" altLang="en-US"/>
           </a:p>
@@ -1442,7 +1443,7 @@
           <a:p>
             <a:fld id="{DE31F557-D3ED-A448-92B8-EF89F27D4FAD}" type="datetimeFigureOut">
               <a:rPr kumimoji="1" lang="zh-CN" altLang="en-US" smtClean="0"/>
-              <a:t>2020/11/1</a:t>
+              <a:t>2020/11/7</a:t>
             </a:fld>
             <a:endParaRPr kumimoji="1" lang="zh-CN" altLang="en-US"/>
           </a:p>
@@ -1744,7 +1745,7 @@
           <a:p>
             <a:fld id="{DE31F557-D3ED-A448-92B8-EF89F27D4FAD}" type="datetimeFigureOut">
               <a:rPr kumimoji="1" lang="zh-CN" altLang="en-US" smtClean="0"/>
-              <a:t>2020/11/1</a:t>
+              <a:t>2020/11/7</a:t>
             </a:fld>
             <a:endParaRPr kumimoji="1" lang="zh-CN" altLang="en-US"/>
           </a:p>
@@ -2096,7 +2097,7 @@
           <a:p>
             <a:fld id="{DE31F557-D3ED-A448-92B8-EF89F27D4FAD}" type="datetimeFigureOut">
               <a:rPr kumimoji="1" lang="zh-CN" altLang="en-US" smtClean="0"/>
-              <a:t>2020/11/1</a:t>
+              <a:t>2020/11/7</a:t>
             </a:fld>
             <a:endParaRPr kumimoji="1" lang="zh-CN" altLang="en-US"/>
           </a:p>
@@ -2388,7 +2389,7 @@
           <a:p>
             <a:fld id="{DE31F557-D3ED-A448-92B8-EF89F27D4FAD}" type="datetimeFigureOut">
               <a:rPr kumimoji="1" lang="zh-CN" altLang="en-US" smtClean="0"/>
-              <a:t>2020/11/1</a:t>
+              <a:t>2020/11/7</a:t>
             </a:fld>
             <a:endParaRPr kumimoji="1" lang="zh-CN" altLang="en-US"/>
           </a:p>
@@ -2820,7 +2821,7 @@
           <a:p>
             <a:fld id="{DE31F557-D3ED-A448-92B8-EF89F27D4FAD}" type="datetimeFigureOut">
               <a:rPr kumimoji="1" lang="zh-CN" altLang="en-US" smtClean="0"/>
-              <a:t>2020/11/1</a:t>
+              <a:t>2020/11/7</a:t>
             </a:fld>
             <a:endParaRPr kumimoji="1" lang="zh-CN" altLang="en-US"/>
           </a:p>
@@ -3003,7 +3004,7 @@
           <a:p>
             <a:fld id="{DE31F557-D3ED-A448-92B8-EF89F27D4FAD}" type="datetimeFigureOut">
               <a:rPr kumimoji="1" lang="zh-CN" altLang="en-US" smtClean="0"/>
-              <a:t>2020/11/1</a:t>
+              <a:t>2020/11/7</a:t>
             </a:fld>
             <a:endParaRPr kumimoji="1" lang="zh-CN" altLang="en-US"/>
           </a:p>
@@ -3093,7 +3094,7 @@
           <a:p>
             <a:fld id="{DE31F557-D3ED-A448-92B8-EF89F27D4FAD}" type="datetimeFigureOut">
               <a:rPr kumimoji="1" lang="zh-CN" altLang="en-US" smtClean="0"/>
-              <a:t>2020/11/1</a:t>
+              <a:t>2020/11/7</a:t>
             </a:fld>
             <a:endParaRPr kumimoji="1" lang="zh-CN" altLang="en-US"/>
           </a:p>
@@ -3372,7 +3373,7 @@
           <a:p>
             <a:fld id="{DE31F557-D3ED-A448-92B8-EF89F27D4FAD}" type="datetimeFigureOut">
               <a:rPr kumimoji="1" lang="zh-CN" altLang="en-US" smtClean="0"/>
-              <a:t>2020/11/1</a:t>
+              <a:t>2020/11/7</a:t>
             </a:fld>
             <a:endParaRPr kumimoji="1" lang="zh-CN" altLang="en-US"/>
           </a:p>
@@ -3611,7 +3612,7 @@
           <a:p>
             <a:fld id="{DE31F557-D3ED-A448-92B8-EF89F27D4FAD}" type="datetimeFigureOut">
               <a:rPr kumimoji="1" lang="zh-CN" altLang="en-US" smtClean="0"/>
-              <a:t>2020/11/1</a:t>
+              <a:t>2020/11/7</a:t>
             </a:fld>
             <a:endParaRPr kumimoji="1" lang="zh-CN" altLang="en-US"/>
           </a:p>
@@ -4777,7 +4778,848 @@
                 <a:ea typeface="黑体"/>
                 <a:cs typeface="黑体"/>
               </a:rPr>
-              <a:t>2.1 Self-Information</a:t>
+              <a:t>2.1 Information</a:t>
+            </a:r>
+            <a:endParaRPr lang="ja-JP" altLang="en-US" sz="4000" baseline="30000" dirty="0">
+              <a:solidFill>
+                <a:schemeClr val="bg1"/>
+              </a:solidFill>
+              <a:latin typeface="黑体"/>
+              <a:ea typeface="黑体"/>
+              <a:cs typeface="黑体"/>
+            </a:endParaRPr>
+          </a:p>
+        </p:txBody>
+      </p:sp>
+      <p:sp>
+        <p:nvSpPr>
+          <p:cNvPr id="3" name="内容占位符 4">
+            <a:extLst>
+              <a:ext uri="{FF2B5EF4-FFF2-40B4-BE49-F238E27FC236}">
+                <a16:creationId xmlns:a16="http://schemas.microsoft.com/office/drawing/2014/main" id="{C3A1C0B0-1BA2-46B8-86D0-C2FA375EBD02}"/>
+              </a:ext>
+            </a:extLst>
+          </p:cNvPr>
+          <p:cNvSpPr txBox="1">
+            <a:spLocks/>
+          </p:cNvSpPr>
+          <p:nvPr/>
+        </p:nvSpPr>
+        <p:spPr>
+          <a:xfrm>
+            <a:off x="207819" y="1381587"/>
+            <a:ext cx="8827124" cy="3861745"/>
+          </a:xfrm>
+          <a:prstGeom prst="rect">
+            <a:avLst/>
+          </a:prstGeom>
+        </p:spPr>
+        <p:txBody>
+          <a:bodyPr vert="horz" lIns="91440" tIns="45720" rIns="91440" bIns="45720" rtlCol="0">
+            <a:normAutofit lnSpcReduction="10000"/>
+          </a:bodyPr>
+          <a:lstStyle>
+            <a:lvl1pPr marL="457200" indent="-457200" algn="l" defTabSz="914400" rtl="0" eaLnBrk="1" latinLnBrk="0" hangingPunct="1">
+              <a:spcBef>
+                <a:spcPts val="2000"/>
+              </a:spcBef>
+              <a:buClr>
+                <a:schemeClr val="tx1">
+                  <a:lumMod val="75000"/>
+                  <a:lumOff val="25000"/>
+                </a:schemeClr>
+              </a:buClr>
+              <a:buSzPct val="75000"/>
+              <a:buFont typeface="Wingdings 2" pitchFamily="18" charset="2"/>
+              <a:buChar char=""/>
+              <a:defRPr sz="2200" kern="1200">
+                <a:solidFill>
+                  <a:schemeClr val="tx1">
+                    <a:lumMod val="75000"/>
+                    <a:lumOff val="25000"/>
+                  </a:schemeClr>
+                </a:solidFill>
+                <a:latin typeface="+mn-lt"/>
+                <a:ea typeface="+mn-ea"/>
+                <a:cs typeface="+mn-cs"/>
+              </a:defRPr>
+            </a:lvl1pPr>
+            <a:lvl2pPr marL="914400" indent="-457200" algn="l" defTabSz="914400" rtl="0" eaLnBrk="1" latinLnBrk="0" hangingPunct="1">
+              <a:spcBef>
+                <a:spcPts val="600"/>
+              </a:spcBef>
+              <a:buClr>
+                <a:schemeClr val="tx1">
+                  <a:lumMod val="50000"/>
+                  <a:lumOff val="50000"/>
+                </a:schemeClr>
+              </a:buClr>
+              <a:buSzPct val="75000"/>
+              <a:buFont typeface="Wingdings 2" pitchFamily="18" charset="2"/>
+              <a:buChar char=""/>
+              <a:defRPr sz="2000" kern="1200">
+                <a:solidFill>
+                  <a:schemeClr val="tx1">
+                    <a:lumMod val="75000"/>
+                    <a:lumOff val="25000"/>
+                  </a:schemeClr>
+                </a:solidFill>
+                <a:latin typeface="+mn-lt"/>
+                <a:ea typeface="+mn-ea"/>
+                <a:cs typeface="+mn-cs"/>
+              </a:defRPr>
+            </a:lvl2pPr>
+            <a:lvl3pPr marL="1371600" indent="-457200" algn="l" defTabSz="914400" rtl="0" eaLnBrk="1" latinLnBrk="0" hangingPunct="1">
+              <a:spcBef>
+                <a:spcPts val="600"/>
+              </a:spcBef>
+              <a:buClr>
+                <a:schemeClr val="tx1">
+                  <a:lumMod val="75000"/>
+                  <a:lumOff val="25000"/>
+                </a:schemeClr>
+              </a:buClr>
+              <a:buSzPct val="75000"/>
+              <a:buFont typeface="Wingdings 2" pitchFamily="18" charset="2"/>
+              <a:buChar char=""/>
+              <a:defRPr sz="1800" kern="1200">
+                <a:solidFill>
+                  <a:schemeClr val="tx1">
+                    <a:lumMod val="75000"/>
+                    <a:lumOff val="25000"/>
+                  </a:schemeClr>
+                </a:solidFill>
+                <a:latin typeface="+mn-lt"/>
+                <a:ea typeface="+mn-ea"/>
+                <a:cs typeface="+mn-cs"/>
+              </a:defRPr>
+            </a:lvl3pPr>
+            <a:lvl4pPr marL="1828800" indent="-457200" algn="l" defTabSz="914400" rtl="0" eaLnBrk="1" latinLnBrk="0" hangingPunct="1">
+              <a:spcBef>
+                <a:spcPts val="600"/>
+              </a:spcBef>
+              <a:buClr>
+                <a:schemeClr val="tx1">
+                  <a:lumMod val="50000"/>
+                  <a:lumOff val="50000"/>
+                </a:schemeClr>
+              </a:buClr>
+              <a:buSzPct val="75000"/>
+              <a:buFont typeface="Wingdings 2" pitchFamily="18" charset="2"/>
+              <a:buChar char=""/>
+              <a:defRPr sz="1800" kern="1200">
+                <a:solidFill>
+                  <a:schemeClr val="tx1">
+                    <a:lumMod val="75000"/>
+                    <a:lumOff val="25000"/>
+                  </a:schemeClr>
+                </a:solidFill>
+                <a:latin typeface="+mn-lt"/>
+                <a:ea typeface="+mn-ea"/>
+                <a:cs typeface="+mn-cs"/>
+              </a:defRPr>
+            </a:lvl4pPr>
+            <a:lvl5pPr marL="2286000" indent="-457200" algn="l" defTabSz="914400" rtl="0" eaLnBrk="1" latinLnBrk="0" hangingPunct="1">
+              <a:spcBef>
+                <a:spcPts val="600"/>
+              </a:spcBef>
+              <a:buClr>
+                <a:schemeClr val="tx1">
+                  <a:lumMod val="75000"/>
+                  <a:lumOff val="25000"/>
+                </a:schemeClr>
+              </a:buClr>
+              <a:buSzPct val="75000"/>
+              <a:buFont typeface="Wingdings 2" pitchFamily="18" charset="2"/>
+              <a:buChar char=""/>
+              <a:defRPr sz="1800" kern="1200">
+                <a:solidFill>
+                  <a:schemeClr val="tx1">
+                    <a:lumMod val="75000"/>
+                    <a:lumOff val="25000"/>
+                  </a:schemeClr>
+                </a:solidFill>
+                <a:latin typeface="+mn-lt"/>
+                <a:ea typeface="+mn-ea"/>
+                <a:cs typeface="+mn-cs"/>
+              </a:defRPr>
+            </a:lvl5pPr>
+            <a:lvl6pPr marL="2743200" indent="-461963" algn="l" defTabSz="914400" rtl="0" eaLnBrk="1" latinLnBrk="0" hangingPunct="1">
+              <a:spcBef>
+                <a:spcPct val="20000"/>
+              </a:spcBef>
+              <a:buClr>
+                <a:schemeClr val="tx1">
+                  <a:lumMod val="50000"/>
+                  <a:lumOff val="50000"/>
+                </a:schemeClr>
+              </a:buClr>
+              <a:buSzPct val="75000"/>
+              <a:buFont typeface="Wingdings 2" pitchFamily="18" charset="2"/>
+              <a:buChar char=""/>
+              <a:defRPr lang="en-US" sz="1800" kern="1200" dirty="0" smtClean="0">
+                <a:solidFill>
+                  <a:schemeClr val="tx1">
+                    <a:lumMod val="75000"/>
+                    <a:lumOff val="25000"/>
+                  </a:schemeClr>
+                </a:solidFill>
+                <a:latin typeface="+mn-lt"/>
+                <a:ea typeface="+mn-ea"/>
+                <a:cs typeface="+mn-cs"/>
+              </a:defRPr>
+            </a:lvl6pPr>
+            <a:lvl7pPr marL="3205163" indent="-461963" algn="l" defTabSz="914400" rtl="0" eaLnBrk="1" latinLnBrk="0" hangingPunct="1">
+              <a:spcBef>
+                <a:spcPct val="20000"/>
+              </a:spcBef>
+              <a:buClr>
+                <a:schemeClr val="tx1">
+                  <a:lumMod val="75000"/>
+                  <a:lumOff val="25000"/>
+                </a:schemeClr>
+              </a:buClr>
+              <a:buSzPct val="75000"/>
+              <a:buFont typeface="Wingdings 2" pitchFamily="18" charset="2"/>
+              <a:buChar char=""/>
+              <a:defRPr lang="en-US" sz="1800" kern="1200" dirty="0" smtClean="0">
+                <a:solidFill>
+                  <a:schemeClr val="tx1">
+                    <a:lumMod val="75000"/>
+                    <a:lumOff val="25000"/>
+                  </a:schemeClr>
+                </a:solidFill>
+                <a:latin typeface="+mn-lt"/>
+                <a:ea typeface="+mn-ea"/>
+                <a:cs typeface="+mn-cs"/>
+              </a:defRPr>
+            </a:lvl7pPr>
+            <a:lvl8pPr marL="3657600" indent="-461963" algn="l" defTabSz="914400" rtl="0" eaLnBrk="1" latinLnBrk="0" hangingPunct="1">
+              <a:spcBef>
+                <a:spcPct val="20000"/>
+              </a:spcBef>
+              <a:buClr>
+                <a:schemeClr val="tx1">
+                  <a:lumMod val="50000"/>
+                  <a:lumOff val="50000"/>
+                </a:schemeClr>
+              </a:buClr>
+              <a:buSzPct val="75000"/>
+              <a:buFont typeface="Wingdings 2" pitchFamily="18" charset="2"/>
+              <a:buChar char=""/>
+              <a:defRPr lang="en-US" sz="1800" kern="1200" dirty="0" smtClean="0">
+                <a:solidFill>
+                  <a:schemeClr val="tx1">
+                    <a:lumMod val="75000"/>
+                    <a:lumOff val="25000"/>
+                  </a:schemeClr>
+                </a:solidFill>
+                <a:latin typeface="+mn-lt"/>
+                <a:ea typeface="+mn-ea"/>
+                <a:cs typeface="+mn-cs"/>
+              </a:defRPr>
+            </a:lvl8pPr>
+            <a:lvl9pPr marL="4119563" indent="-461963" algn="l" defTabSz="914400" rtl="0" eaLnBrk="1" latinLnBrk="0" hangingPunct="1">
+              <a:spcBef>
+                <a:spcPct val="20000"/>
+              </a:spcBef>
+              <a:buClr>
+                <a:schemeClr val="tx1">
+                  <a:lumMod val="75000"/>
+                  <a:lumOff val="25000"/>
+                </a:schemeClr>
+              </a:buClr>
+              <a:buSzPct val="75000"/>
+              <a:buFont typeface="Wingdings 2" pitchFamily="18" charset="2"/>
+              <a:buChar char=""/>
+              <a:defRPr lang="en-US" sz="1800" kern="1200" dirty="0">
+                <a:solidFill>
+                  <a:schemeClr val="tx1">
+                    <a:lumMod val="75000"/>
+                    <a:lumOff val="25000"/>
+                  </a:schemeClr>
+                </a:solidFill>
+                <a:latin typeface="+mn-lt"/>
+                <a:ea typeface="+mn-ea"/>
+                <a:cs typeface="+mn-cs"/>
+              </a:defRPr>
+            </a:lvl9pPr>
+          </a:lstStyle>
+          <a:p>
+            <a:pPr marL="0" indent="0">
+              <a:buNone/>
+            </a:pPr>
+            <a:r>
+              <a:rPr kumimoji="1" lang="en-US" altLang="zh-CN" dirty="0">
+                <a:solidFill>
+                  <a:schemeClr val="tx1"/>
+                </a:solidFill>
+              </a:rPr>
+              <a:t>Consider the following thought experiment. We have a friend with a deck of cards. He will shuffle the deck, flip over some cards, and tell us statements about the cards. </a:t>
+            </a:r>
+          </a:p>
+          <a:p>
+            <a:pPr marL="0" indent="0">
+              <a:buNone/>
+            </a:pPr>
+            <a:r>
+              <a:rPr kumimoji="1" lang="en-US" altLang="zh-CN" dirty="0">
+                <a:solidFill>
+                  <a:schemeClr val="tx1"/>
+                </a:solidFill>
+              </a:rPr>
+              <a:t>First, he flip over a card and tell us, “I see a card.” </a:t>
+            </a:r>
+          </a:p>
+          <a:p>
+            <a:pPr marL="0" indent="0">
+              <a:buNone/>
+            </a:pPr>
+            <a:r>
+              <a:rPr kumimoji="1" lang="en-US" altLang="zh-CN" dirty="0">
+                <a:solidFill>
+                  <a:schemeClr val="tx1"/>
+                </a:solidFill>
+              </a:rPr>
+              <a:t>Next, he flip over a card and say, “I see a heart.”</a:t>
+            </a:r>
+          </a:p>
+          <a:p>
+            <a:pPr marL="0" indent="0">
+              <a:buNone/>
+            </a:pPr>
+            <a:r>
+              <a:rPr kumimoji="1" lang="en-US" altLang="zh-CN" dirty="0">
+                <a:solidFill>
+                  <a:schemeClr val="tx1"/>
+                </a:solidFill>
+              </a:rPr>
+              <a:t>Next, he flip over a card and say, “This is the 33 of spades.”</a:t>
+            </a:r>
+          </a:p>
+          <a:p>
+            <a:pPr marL="0" indent="0">
+              <a:buNone/>
+            </a:pPr>
+            <a:r>
+              <a:rPr kumimoji="1" lang="en-US" altLang="zh-CN" dirty="0">
+                <a:solidFill>
+                  <a:schemeClr val="tx1"/>
+                </a:solidFill>
+              </a:rPr>
+              <a:t> Suppose that finally he flip over every card from the deck and read off the entire sequence of the shuffled deck. There are 52!52! different orders to the deck.</a:t>
+            </a:r>
+            <a:endParaRPr kumimoji="1" lang="zh-CN" altLang="en-US" dirty="0">
+              <a:solidFill>
+                <a:schemeClr val="tx1"/>
+              </a:solidFill>
+            </a:endParaRPr>
+          </a:p>
+        </p:txBody>
+      </p:sp>
+      <p:sp>
+        <p:nvSpPr>
+          <p:cNvPr id="6" name="内容占位符 4">
+            <a:extLst>
+              <a:ext uri="{FF2B5EF4-FFF2-40B4-BE49-F238E27FC236}">
+                <a16:creationId xmlns:a16="http://schemas.microsoft.com/office/drawing/2014/main" id="{E4054057-5A3F-7741-9A35-81E82EDBEDBA}"/>
+              </a:ext>
+            </a:extLst>
+          </p:cNvPr>
+          <p:cNvSpPr txBox="1">
+            <a:spLocks/>
+          </p:cNvSpPr>
+          <p:nvPr/>
+        </p:nvSpPr>
+        <p:spPr>
+          <a:xfrm>
+            <a:off x="207819" y="5243332"/>
+            <a:ext cx="8301181" cy="790436"/>
+          </a:xfrm>
+          <a:prstGeom prst="rect">
+            <a:avLst/>
+          </a:prstGeom>
+        </p:spPr>
+        <p:txBody>
+          <a:bodyPr vert="horz" lIns="91440" tIns="45720" rIns="91440" bIns="45720" rtlCol="0">
+            <a:normAutofit/>
+          </a:bodyPr>
+          <a:lstStyle>
+            <a:lvl1pPr marL="457200" indent="-457200" algn="l" defTabSz="914400" rtl="0" eaLnBrk="1" latinLnBrk="0" hangingPunct="1">
+              <a:spcBef>
+                <a:spcPts val="2000"/>
+              </a:spcBef>
+              <a:buClr>
+                <a:schemeClr val="tx1">
+                  <a:lumMod val="75000"/>
+                  <a:lumOff val="25000"/>
+                </a:schemeClr>
+              </a:buClr>
+              <a:buSzPct val="75000"/>
+              <a:buFont typeface="Wingdings 2" pitchFamily="18" charset="2"/>
+              <a:buChar char=""/>
+              <a:defRPr sz="2200" kern="1200">
+                <a:solidFill>
+                  <a:schemeClr val="tx1">
+                    <a:lumMod val="75000"/>
+                    <a:lumOff val="25000"/>
+                  </a:schemeClr>
+                </a:solidFill>
+                <a:latin typeface="+mn-lt"/>
+                <a:ea typeface="+mn-ea"/>
+                <a:cs typeface="+mn-cs"/>
+              </a:defRPr>
+            </a:lvl1pPr>
+            <a:lvl2pPr marL="914400" indent="-457200" algn="l" defTabSz="914400" rtl="0" eaLnBrk="1" latinLnBrk="0" hangingPunct="1">
+              <a:spcBef>
+                <a:spcPts val="600"/>
+              </a:spcBef>
+              <a:buClr>
+                <a:schemeClr val="tx1">
+                  <a:lumMod val="50000"/>
+                  <a:lumOff val="50000"/>
+                </a:schemeClr>
+              </a:buClr>
+              <a:buSzPct val="75000"/>
+              <a:buFont typeface="Wingdings 2" pitchFamily="18" charset="2"/>
+              <a:buChar char=""/>
+              <a:defRPr sz="2000" kern="1200">
+                <a:solidFill>
+                  <a:schemeClr val="tx1">
+                    <a:lumMod val="75000"/>
+                    <a:lumOff val="25000"/>
+                  </a:schemeClr>
+                </a:solidFill>
+                <a:latin typeface="+mn-lt"/>
+                <a:ea typeface="+mn-ea"/>
+                <a:cs typeface="+mn-cs"/>
+              </a:defRPr>
+            </a:lvl2pPr>
+            <a:lvl3pPr marL="1371600" indent="-457200" algn="l" defTabSz="914400" rtl="0" eaLnBrk="1" latinLnBrk="0" hangingPunct="1">
+              <a:spcBef>
+                <a:spcPts val="600"/>
+              </a:spcBef>
+              <a:buClr>
+                <a:schemeClr val="tx1">
+                  <a:lumMod val="75000"/>
+                  <a:lumOff val="25000"/>
+                </a:schemeClr>
+              </a:buClr>
+              <a:buSzPct val="75000"/>
+              <a:buFont typeface="Wingdings 2" pitchFamily="18" charset="2"/>
+              <a:buChar char=""/>
+              <a:defRPr sz="1800" kern="1200">
+                <a:solidFill>
+                  <a:schemeClr val="tx1">
+                    <a:lumMod val="75000"/>
+                    <a:lumOff val="25000"/>
+                  </a:schemeClr>
+                </a:solidFill>
+                <a:latin typeface="+mn-lt"/>
+                <a:ea typeface="+mn-ea"/>
+                <a:cs typeface="+mn-cs"/>
+              </a:defRPr>
+            </a:lvl3pPr>
+            <a:lvl4pPr marL="1828800" indent="-457200" algn="l" defTabSz="914400" rtl="0" eaLnBrk="1" latinLnBrk="0" hangingPunct="1">
+              <a:spcBef>
+                <a:spcPts val="600"/>
+              </a:spcBef>
+              <a:buClr>
+                <a:schemeClr val="tx1">
+                  <a:lumMod val="50000"/>
+                  <a:lumOff val="50000"/>
+                </a:schemeClr>
+              </a:buClr>
+              <a:buSzPct val="75000"/>
+              <a:buFont typeface="Wingdings 2" pitchFamily="18" charset="2"/>
+              <a:buChar char=""/>
+              <a:defRPr sz="1800" kern="1200">
+                <a:solidFill>
+                  <a:schemeClr val="tx1">
+                    <a:lumMod val="75000"/>
+                    <a:lumOff val="25000"/>
+                  </a:schemeClr>
+                </a:solidFill>
+                <a:latin typeface="+mn-lt"/>
+                <a:ea typeface="+mn-ea"/>
+                <a:cs typeface="+mn-cs"/>
+              </a:defRPr>
+            </a:lvl4pPr>
+            <a:lvl5pPr marL="2286000" indent="-457200" algn="l" defTabSz="914400" rtl="0" eaLnBrk="1" latinLnBrk="0" hangingPunct="1">
+              <a:spcBef>
+                <a:spcPts val="600"/>
+              </a:spcBef>
+              <a:buClr>
+                <a:schemeClr val="tx1">
+                  <a:lumMod val="75000"/>
+                  <a:lumOff val="25000"/>
+                </a:schemeClr>
+              </a:buClr>
+              <a:buSzPct val="75000"/>
+              <a:buFont typeface="Wingdings 2" pitchFamily="18" charset="2"/>
+              <a:buChar char=""/>
+              <a:defRPr sz="1800" kern="1200">
+                <a:solidFill>
+                  <a:schemeClr val="tx1">
+                    <a:lumMod val="75000"/>
+                    <a:lumOff val="25000"/>
+                  </a:schemeClr>
+                </a:solidFill>
+                <a:latin typeface="+mn-lt"/>
+                <a:ea typeface="+mn-ea"/>
+                <a:cs typeface="+mn-cs"/>
+              </a:defRPr>
+            </a:lvl5pPr>
+            <a:lvl6pPr marL="2743200" indent="-461963" algn="l" defTabSz="914400" rtl="0" eaLnBrk="1" latinLnBrk="0" hangingPunct="1">
+              <a:spcBef>
+                <a:spcPct val="20000"/>
+              </a:spcBef>
+              <a:buClr>
+                <a:schemeClr val="tx1">
+                  <a:lumMod val="50000"/>
+                  <a:lumOff val="50000"/>
+                </a:schemeClr>
+              </a:buClr>
+              <a:buSzPct val="75000"/>
+              <a:buFont typeface="Wingdings 2" pitchFamily="18" charset="2"/>
+              <a:buChar char=""/>
+              <a:defRPr lang="en-US" sz="1800" kern="1200" dirty="0" smtClean="0">
+                <a:solidFill>
+                  <a:schemeClr val="tx1">
+                    <a:lumMod val="75000"/>
+                    <a:lumOff val="25000"/>
+                  </a:schemeClr>
+                </a:solidFill>
+                <a:latin typeface="+mn-lt"/>
+                <a:ea typeface="+mn-ea"/>
+                <a:cs typeface="+mn-cs"/>
+              </a:defRPr>
+            </a:lvl6pPr>
+            <a:lvl7pPr marL="3205163" indent="-461963" algn="l" defTabSz="914400" rtl="0" eaLnBrk="1" latinLnBrk="0" hangingPunct="1">
+              <a:spcBef>
+                <a:spcPct val="20000"/>
+              </a:spcBef>
+              <a:buClr>
+                <a:schemeClr val="tx1">
+                  <a:lumMod val="75000"/>
+                  <a:lumOff val="25000"/>
+                </a:schemeClr>
+              </a:buClr>
+              <a:buSzPct val="75000"/>
+              <a:buFont typeface="Wingdings 2" pitchFamily="18" charset="2"/>
+              <a:buChar char=""/>
+              <a:defRPr lang="en-US" sz="1800" kern="1200" dirty="0" smtClean="0">
+                <a:solidFill>
+                  <a:schemeClr val="tx1">
+                    <a:lumMod val="75000"/>
+                    <a:lumOff val="25000"/>
+                  </a:schemeClr>
+                </a:solidFill>
+                <a:latin typeface="+mn-lt"/>
+                <a:ea typeface="+mn-ea"/>
+                <a:cs typeface="+mn-cs"/>
+              </a:defRPr>
+            </a:lvl7pPr>
+            <a:lvl8pPr marL="3657600" indent="-461963" algn="l" defTabSz="914400" rtl="0" eaLnBrk="1" latinLnBrk="0" hangingPunct="1">
+              <a:spcBef>
+                <a:spcPct val="20000"/>
+              </a:spcBef>
+              <a:buClr>
+                <a:schemeClr val="tx1">
+                  <a:lumMod val="50000"/>
+                  <a:lumOff val="50000"/>
+                </a:schemeClr>
+              </a:buClr>
+              <a:buSzPct val="75000"/>
+              <a:buFont typeface="Wingdings 2" pitchFamily="18" charset="2"/>
+              <a:buChar char=""/>
+              <a:defRPr lang="en-US" sz="1800" kern="1200" dirty="0" smtClean="0">
+                <a:solidFill>
+                  <a:schemeClr val="tx1">
+                    <a:lumMod val="75000"/>
+                    <a:lumOff val="25000"/>
+                  </a:schemeClr>
+                </a:solidFill>
+                <a:latin typeface="+mn-lt"/>
+                <a:ea typeface="+mn-ea"/>
+                <a:cs typeface="+mn-cs"/>
+              </a:defRPr>
+            </a:lvl8pPr>
+            <a:lvl9pPr marL="4119563" indent="-461963" algn="l" defTabSz="914400" rtl="0" eaLnBrk="1" latinLnBrk="0" hangingPunct="1">
+              <a:spcBef>
+                <a:spcPct val="20000"/>
+              </a:spcBef>
+              <a:buClr>
+                <a:schemeClr val="tx1">
+                  <a:lumMod val="75000"/>
+                  <a:lumOff val="25000"/>
+                </a:schemeClr>
+              </a:buClr>
+              <a:buSzPct val="75000"/>
+              <a:buFont typeface="Wingdings 2" pitchFamily="18" charset="2"/>
+              <a:buChar char=""/>
+              <a:defRPr lang="en-US" sz="1800" kern="1200" dirty="0">
+                <a:solidFill>
+                  <a:schemeClr val="tx1">
+                    <a:lumMod val="75000"/>
+                    <a:lumOff val="25000"/>
+                  </a:schemeClr>
+                </a:solidFill>
+                <a:latin typeface="+mn-lt"/>
+                <a:ea typeface="+mn-ea"/>
+                <a:cs typeface="+mn-cs"/>
+              </a:defRPr>
+            </a:lvl9pPr>
+          </a:lstStyle>
+          <a:p>
+            <a:r>
+              <a:rPr kumimoji="1" lang="en-US" altLang="zh-CN" dirty="0">
+                <a:solidFill>
+                  <a:schemeClr val="tx1"/>
+                </a:solidFill>
+              </a:rPr>
+              <a:t>we may build off the idea that information represents the degree of surprise or the abstract possibility of the event.</a:t>
+            </a:r>
+          </a:p>
+        </p:txBody>
+      </p:sp>
+    </p:spTree>
+    <p:extLst>
+      <p:ext uri="{BB962C8B-B14F-4D97-AF65-F5344CB8AC3E}">
+        <p14:creationId xmlns:p14="http://schemas.microsoft.com/office/powerpoint/2010/main" val="2485046714"/>
+      </p:ext>
+    </p:extLst>
+  </p:cSld>
+  <p:clrMapOvr>
+    <a:masterClrMapping/>
+  </p:clrMapOvr>
+  <p:timing>
+    <p:tnLst>
+      <p:par>
+        <p:cTn id="1" dur="indefinite" restart="never" nodeType="tmRoot">
+          <p:childTnLst>
+            <p:seq concurrent="1" nextAc="seek">
+              <p:cTn id="2" dur="indefinite" nodeType="mainSeq">
+                <p:childTnLst>
+                  <p:par>
+                    <p:cTn id="3" fill="hold">
+                      <p:stCondLst>
+                        <p:cond delay="indefinite"/>
+                      </p:stCondLst>
+                      <p:childTnLst>
+                        <p:par>
+                          <p:cTn id="4" fill="hold">
+                            <p:stCondLst>
+                              <p:cond delay="0"/>
+                            </p:stCondLst>
+                            <p:childTnLst>
+                              <p:par>
+                                <p:cTn id="5" presetID="1" presetClass="entr" presetSubtype="0" fill="hold" grpId="0" nodeType="clickEffect">
+                                  <p:stCondLst>
+                                    <p:cond delay="0"/>
+                                  </p:stCondLst>
+                                  <p:childTnLst>
+                                    <p:set>
+                                      <p:cBhvr>
+                                        <p:cTn id="6" dur="1" fill="hold">
+                                          <p:stCondLst>
+                                            <p:cond delay="0"/>
+                                          </p:stCondLst>
+                                        </p:cTn>
+                                        <p:tgtEl>
+                                          <p:spTgt spid="3"/>
+                                        </p:tgtEl>
+                                        <p:attrNameLst>
+                                          <p:attrName>style.visibility</p:attrName>
+                                        </p:attrNameLst>
+                                      </p:cBhvr>
+                                      <p:to>
+                                        <p:strVal val="visible"/>
+                                      </p:to>
+                                    </p:set>
+                                  </p:childTnLst>
+                                </p:cTn>
+                              </p:par>
+                            </p:childTnLst>
+                          </p:cTn>
+                        </p:par>
+                      </p:childTnLst>
+                    </p:cTn>
+                  </p:par>
+                  <p:par>
+                    <p:cTn id="7" fill="hold">
+                      <p:stCondLst>
+                        <p:cond delay="indefinite"/>
+                      </p:stCondLst>
+                      <p:childTnLst>
+                        <p:par>
+                          <p:cTn id="8" fill="hold">
+                            <p:stCondLst>
+                              <p:cond delay="0"/>
+                            </p:stCondLst>
+                            <p:childTnLst>
+                              <p:par>
+                                <p:cTn id="9" presetID="1" presetClass="entr" presetSubtype="0" fill="hold" grpId="1" nodeType="clickEffect">
+                                  <p:stCondLst>
+                                    <p:cond delay="0"/>
+                                  </p:stCondLst>
+                                  <p:childTnLst>
+                                    <p:set>
+                                      <p:cBhvr>
+                                        <p:cTn id="10" dur="1" fill="hold">
+                                          <p:stCondLst>
+                                            <p:cond delay="0"/>
+                                          </p:stCondLst>
+                                        </p:cTn>
+                                        <p:tgtEl>
+                                          <p:spTgt spid="3"/>
+                                        </p:tgtEl>
+                                        <p:attrNameLst>
+                                          <p:attrName>style.visibility</p:attrName>
+                                        </p:attrNameLst>
+                                      </p:cBhvr>
+                                      <p:to>
+                                        <p:strVal val="visible"/>
+                                      </p:to>
+                                    </p:set>
+                                  </p:childTnLst>
+                                </p:cTn>
+                              </p:par>
+                            </p:childTnLst>
+                          </p:cTn>
+                        </p:par>
+                      </p:childTnLst>
+                    </p:cTn>
+                  </p:par>
+                  <p:par>
+                    <p:cTn id="11" fill="hold">
+                      <p:stCondLst>
+                        <p:cond delay="indefinite"/>
+                      </p:stCondLst>
+                      <p:childTnLst>
+                        <p:par>
+                          <p:cTn id="12" fill="hold">
+                            <p:stCondLst>
+                              <p:cond delay="0"/>
+                            </p:stCondLst>
+                            <p:childTnLst>
+                              <p:par>
+                                <p:cTn id="13" presetID="1" presetClass="entr" presetSubtype="0" fill="hold" grpId="0" nodeType="clickEffect">
+                                  <p:stCondLst>
+                                    <p:cond delay="0"/>
+                                  </p:stCondLst>
+                                  <p:childTnLst>
+                                    <p:set>
+                                      <p:cBhvr>
+                                        <p:cTn id="14" dur="1" fill="hold">
+                                          <p:stCondLst>
+                                            <p:cond delay="0"/>
+                                          </p:stCondLst>
+                                        </p:cTn>
+                                        <p:tgtEl>
+                                          <p:spTgt spid="6"/>
+                                        </p:tgtEl>
+                                        <p:attrNameLst>
+                                          <p:attrName>style.visibility</p:attrName>
+                                        </p:attrNameLst>
+                                      </p:cBhvr>
+                                      <p:to>
+                                        <p:strVal val="visible"/>
+                                      </p:to>
+                                    </p:set>
+                                  </p:childTnLst>
+                                </p:cTn>
+                              </p:par>
+                            </p:childTnLst>
+                          </p:cTn>
+                        </p:par>
+                      </p:childTnLst>
+                    </p:cTn>
+                  </p:par>
+                </p:childTnLst>
+              </p:cTn>
+              <p:prevCondLst>
+                <p:cond evt="onPrev" delay="0">
+                  <p:tgtEl>
+                    <p:sldTgt/>
+                  </p:tgtEl>
+                </p:cond>
+              </p:prevCondLst>
+              <p:nextCondLst>
+                <p:cond evt="onNext" delay="0">
+                  <p:tgtEl>
+                    <p:sldTgt/>
+                  </p:tgtEl>
+                </p:cond>
+              </p:nextCondLst>
+            </p:seq>
+          </p:childTnLst>
+        </p:cTn>
+      </p:par>
+    </p:tnLst>
+    <p:bldLst>
+      <p:bldP spid="3" grpId="0"/>
+      <p:bldP spid="3" grpId="1"/>
+      <p:bldP spid="6" grpId="0"/>
+    </p:bldLst>
+  </p:timing>
+</p:sld>
+</file>
+
+<file path=ppt/slides/slide12.xml><?xml version="1.0" encoding="utf-8"?>
+<p:sld xmlns:a="http://schemas.openxmlformats.org/drawingml/2006/main" xmlns:r="http://schemas.openxmlformats.org/officeDocument/2006/relationships" xmlns:p="http://schemas.openxmlformats.org/presentationml/2006/main">
+  <p:cSld>
+    <p:spTree>
+      <p:nvGrpSpPr>
+        <p:cNvPr id="1" name=""/>
+        <p:cNvGrpSpPr/>
+        <p:nvPr/>
+      </p:nvGrpSpPr>
+      <p:grpSpPr>
+        <a:xfrm>
+          <a:off x="0" y="0"/>
+          <a:ext cx="0" cy="0"/>
+          <a:chOff x="0" y="0"/>
+          <a:chExt cx="0" cy="0"/>
+        </a:xfrm>
+      </p:grpSpPr>
+      <p:sp>
+        <p:nvSpPr>
+          <p:cNvPr id="5" name="标题 1">
+            <a:extLst>
+              <a:ext uri="{FF2B5EF4-FFF2-40B4-BE49-F238E27FC236}">
+                <a16:creationId xmlns:a16="http://schemas.microsoft.com/office/drawing/2014/main" id="{F0511409-B9AF-4D30-B635-901BDDA9EAD1}"/>
+              </a:ext>
+            </a:extLst>
+          </p:cNvPr>
+          <p:cNvSpPr>
+            <a:spLocks noGrp="1"/>
+          </p:cNvSpPr>
+          <p:nvPr>
+            <p:ph type="title"/>
+          </p:nvPr>
+        </p:nvSpPr>
+        <p:spPr>
+          <a:xfrm>
+            <a:off x="460664" y="539176"/>
+            <a:ext cx="8048336" cy="750455"/>
+          </a:xfrm>
+        </p:spPr>
+        <p:txBody>
+          <a:bodyPr/>
+          <a:lstStyle/>
+          <a:p>
+            <a:pPr algn="l"/>
+            <a:r>
+              <a:rPr lang="en-US" altLang="ja-JP" sz="4000" baseline="30000" dirty="0">
+                <a:solidFill>
+                  <a:schemeClr val="bg1"/>
+                </a:solidFill>
+                <a:latin typeface="黑体"/>
+                <a:ea typeface="黑体"/>
+                <a:cs typeface="黑体"/>
+              </a:rPr>
+              <a:t>2.2 Self-Information</a:t>
             </a:r>
             <a:endParaRPr lang="ja-JP" altLang="en-US" sz="4000" baseline="30000" dirty="0">
               <a:solidFill>
@@ -5515,10 +6357,59 @@
           </a:p>
         </p:txBody>
       </p:sp>
+      <p:sp>
+        <p:nvSpPr>
+          <p:cNvPr id="2" name="Rectangle 1">
+            <a:extLst>
+              <a:ext uri="{FF2B5EF4-FFF2-40B4-BE49-F238E27FC236}">
+                <a16:creationId xmlns:a16="http://schemas.microsoft.com/office/drawing/2014/main" id="{39E9030F-3A0C-AE4B-BEDF-9C529A4E5CEB}"/>
+              </a:ext>
+            </a:extLst>
+          </p:cNvPr>
+          <p:cNvSpPr/>
+          <p:nvPr/>
+        </p:nvSpPr>
+        <p:spPr>
+          <a:xfrm>
+            <a:off x="3184440" y="3228945"/>
+            <a:ext cx="2775119" cy="400110"/>
+          </a:xfrm>
+          <a:prstGeom prst="rect">
+            <a:avLst/>
+          </a:prstGeom>
+        </p:spPr>
+        <p:txBody>
+          <a:bodyPr wrap="none">
+            <a:spAutoFit/>
+          </a:bodyPr>
+          <a:lstStyle/>
+          <a:p>
+            <a:r>
+              <a:rPr lang="en-US" dirty="0">
+                <a:latin typeface="Roboto" pitchFamily="2" charset="0"/>
+              </a:rPr>
+              <a:t> the </a:t>
+            </a:r>
+            <a:r>
+              <a:rPr lang="en-US" dirty="0">
+                <a:latin typeface="STIXGeneral-Regular" pitchFamily="2" charset="2"/>
+              </a:rPr>
+              <a:t>3</a:t>
+            </a:r>
+            <a:r>
+              <a:rPr lang="en-US" dirty="0">
+                <a:latin typeface="Roboto" pitchFamily="2" charset="0"/>
+              </a:rPr>
+              <a:t>3 of spades</a:t>
+            </a:r>
+            <a:endParaRPr lang="en-CN" dirty="0"/>
+          </a:p>
+        </p:txBody>
+      </p:sp>
     </p:spTree>
     <p:extLst>
       <p:ext uri="{BB962C8B-B14F-4D97-AF65-F5344CB8AC3E}">
-        <p14:creationId xmlns:p14="http://schemas.microsoft.com/office/powerpoint/2010/main" val="2485046714"/>
+        <p14:creationId xmlns:p14="http://schemas.microsoft.com/office/powerpoint/2010/main" val="3565944149"/>
       </p:ext>
     </p:extLst>
   </p:cSld>
@@ -5652,7 +6543,7 @@
 </p:sld>
 </file>
 
-<file path=ppt/slides/slide12.xml><?xml version="1.0" encoding="utf-8"?>
+<file path=ppt/slides/slide13.xml><?xml version="1.0" encoding="utf-8"?>
 <p:sld xmlns:a="http://schemas.openxmlformats.org/drawingml/2006/main" xmlns:r="http://schemas.openxmlformats.org/officeDocument/2006/relationships" xmlns:p="http://schemas.openxmlformats.org/presentationml/2006/main">
   <p:cSld>
     <p:spTree>
@@ -5705,7 +6596,7 @@
                 <a:ea typeface="黑体"/>
                 <a:cs typeface="黑体"/>
               </a:rPr>
-              <a:t>2.2 Shannon Entropy(Information Entropy)</a:t>
+              <a:t>2.3 Shannon Entropy(Information Entropy)</a:t>
             </a:r>
             <a:endParaRPr lang="ja-JP" altLang="en-US" sz="4000" baseline="30000" dirty="0">
               <a:solidFill>
@@ -5984,8 +6875,8 @@
           </a:p>
         </p:txBody>
       </p:sp>
-      <mc:AlternateContent xmlns:mc="http://schemas.openxmlformats.org/markup-compatibility/2006">
-        <mc:Choice xmlns:a14="http://schemas.microsoft.com/office/drawing/2010/main" Requires="a14">
+      <mc:AlternateContent xmlns:mc="http://schemas.openxmlformats.org/markup-compatibility/2006" xmlns:a14="http://schemas.microsoft.com/office/drawing/2010/main">
+        <mc:Choice Requires="a14">
           <p:sp>
             <p:nvSpPr>
               <p:cNvPr id="4" name="内容占位符 4">
@@ -6628,7 +7519,7 @@
             </p:txBody>
           </p:sp>
         </mc:Choice>
-        <mc:Fallback>
+        <mc:Fallback xmlns="">
           <p:sp>
             <p:nvSpPr>
               <p:cNvPr id="4" name="内容占位符 4">
@@ -6810,7 +7701,7 @@
 </p:sld>
 </file>
 
-<file path=ppt/slides/slide13.xml><?xml version="1.0" encoding="utf-8"?>
+<file path=ppt/slides/slide14.xml><?xml version="1.0" encoding="utf-8"?>
 <p:sld xmlns:a="http://schemas.openxmlformats.org/drawingml/2006/main" xmlns:r="http://schemas.openxmlformats.org/officeDocument/2006/relationships" xmlns:p="http://schemas.openxmlformats.org/presentationml/2006/main">
   <p:cSld>
     <p:spTree>
@@ -6863,7 +7754,7 @@
                 <a:ea typeface="黑体"/>
                 <a:cs typeface="黑体"/>
               </a:rPr>
-              <a:t>2.3 Practice-A</a:t>
+              <a:t>2.4 Practice-A</a:t>
             </a:r>
             <a:endParaRPr lang="ja-JP" altLang="en-US" sz="4000" baseline="30000" dirty="0">
               <a:solidFill>
@@ -7165,8 +8056,8 @@
           </a:p>
         </p:txBody>
       </p:sp>
-      <mc:AlternateContent xmlns:mc="http://schemas.openxmlformats.org/markup-compatibility/2006">
-        <mc:Choice xmlns:a14="http://schemas.microsoft.com/office/drawing/2010/main" Requires="a14">
+      <mc:AlternateContent xmlns:mc="http://schemas.openxmlformats.org/markup-compatibility/2006" xmlns:a14="http://schemas.microsoft.com/office/drawing/2010/main">
+        <mc:Choice Requires="a14">
           <p:sp>
             <p:nvSpPr>
               <p:cNvPr id="6" name="内容占位符 4">
@@ -8077,7 +8968,7 @@
             </p:txBody>
           </p:sp>
         </mc:Choice>
-        <mc:Fallback>
+        <mc:Fallback xmlns="">
           <p:sp>
             <p:nvSpPr>
               <p:cNvPr id="6" name="内容占位符 4">
@@ -8259,7 +9150,7 @@
 </p:sld>
 </file>
 
-<file path=ppt/slides/slide14.xml><?xml version="1.0" encoding="utf-8"?>
+<file path=ppt/slides/slide15.xml><?xml version="1.0" encoding="utf-8"?>
 <p:sld xmlns:a="http://schemas.openxmlformats.org/drawingml/2006/main" xmlns:r="http://schemas.openxmlformats.org/officeDocument/2006/relationships" xmlns:p="http://schemas.openxmlformats.org/presentationml/2006/main">
   <p:cSld>
     <p:spTree>
@@ -8312,7 +9203,7 @@
                 <a:ea typeface="黑体"/>
                 <a:cs typeface="黑体"/>
               </a:rPr>
-              <a:t>2.3 Practice-B</a:t>
+              <a:t>2.4 Practice-B</a:t>
             </a:r>
             <a:endParaRPr lang="ja-JP" altLang="en-US" sz="4000" baseline="30000" dirty="0">
               <a:solidFill>
@@ -8609,8 +9500,8 @@
           </a:p>
         </p:txBody>
       </p:sp>
-      <mc:AlternateContent xmlns:mc="http://schemas.openxmlformats.org/markup-compatibility/2006">
-        <mc:Choice xmlns:a14="http://schemas.microsoft.com/office/drawing/2010/main" Requires="a14">
+      <mc:AlternateContent xmlns:mc="http://schemas.openxmlformats.org/markup-compatibility/2006" xmlns:a14="http://schemas.microsoft.com/office/drawing/2010/main">
+        <mc:Choice Requires="a14">
           <p:sp>
             <p:nvSpPr>
               <p:cNvPr id="6" name="内容占位符 4">
@@ -9480,7 +10371,7 @@
             </p:txBody>
           </p:sp>
         </mc:Choice>
-        <mc:Fallback>
+        <mc:Fallback xmlns="">
           <p:sp>
             <p:nvSpPr>
               <p:cNvPr id="6" name="内容占位符 4">
@@ -9793,7 +10684,7 @@
 </p:sld>
 </file>
 
-<file path=ppt/slides/slide15.xml><?xml version="1.0" encoding="utf-8"?>
+<file path=ppt/slides/slide16.xml><?xml version="1.0" encoding="utf-8"?>
 <p:sld xmlns:a="http://schemas.openxmlformats.org/drawingml/2006/main" xmlns:r="http://schemas.openxmlformats.org/officeDocument/2006/relationships" xmlns:p="http://schemas.openxmlformats.org/presentationml/2006/main">
   <p:cSld>
     <p:spTree>
@@ -9846,7 +10737,7 @@
                 <a:ea typeface="黑体"/>
                 <a:cs typeface="黑体"/>
               </a:rPr>
-              <a:t>2.3 </a:t>
+              <a:t>2.5 </a:t>
             </a:r>
             <a:r>
               <a:rPr lang="en-US" altLang="ja-JP" sz="4000" baseline="30000" dirty="0" err="1">
@@ -10833,8 +11724,8 @@
           </p:sp>
         </mc:Fallback>
       </mc:AlternateContent>
-      <mc:AlternateContent xmlns:mc="http://schemas.openxmlformats.org/markup-compatibility/2006">
-        <mc:Choice xmlns:a14="http://schemas.microsoft.com/office/drawing/2010/main" Requires="a14">
+      <mc:AlternateContent xmlns:mc="http://schemas.openxmlformats.org/markup-compatibility/2006" xmlns:a14="http://schemas.microsoft.com/office/drawing/2010/main">
+        <mc:Choice Requires="a14">
           <p:sp>
             <p:nvSpPr>
               <p:cNvPr id="6" name="内容占位符 4">
@@ -11482,7 +12373,7 @@
             </p:txBody>
           </p:sp>
         </mc:Choice>
-        <mc:Fallback>
+        <mc:Fallback xmlns="">
           <p:sp>
             <p:nvSpPr>
               <p:cNvPr id="6" name="内容占位符 4">
@@ -11710,7 +12601,7 @@
 </p:sld>
 </file>
 
-<file path=ppt/slides/slide16.xml><?xml version="1.0" encoding="utf-8"?>
+<file path=ppt/slides/slide17.xml><?xml version="1.0" encoding="utf-8"?>
 <p:sld xmlns:a="http://schemas.openxmlformats.org/drawingml/2006/main" xmlns:r="http://schemas.openxmlformats.org/officeDocument/2006/relationships" xmlns:p="http://schemas.openxmlformats.org/presentationml/2006/main">
   <p:cSld>
     <p:spTree>
@@ -11763,7 +12654,7 @@
                 <a:ea typeface="黑体"/>
                 <a:cs typeface="黑体"/>
               </a:rPr>
-              <a:t>2.4 Cross-Entropy</a:t>
+              <a:t>2.6 Cross-Entropy</a:t>
             </a:r>
             <a:endParaRPr lang="ja-JP" altLang="en-US" sz="4000" baseline="30000" dirty="0">
               <a:solidFill>
@@ -13180,7 +14071,7 @@
 </p:sld>
 </file>
 
-<file path=ppt/slides/slide17.xml><?xml version="1.0" encoding="utf-8"?>
+<file path=ppt/slides/slide18.xml><?xml version="1.0" encoding="utf-8"?>
 <p:sld xmlns:a="http://schemas.openxmlformats.org/drawingml/2006/main" xmlns:r="http://schemas.openxmlformats.org/officeDocument/2006/relationships" xmlns:p="http://schemas.openxmlformats.org/presentationml/2006/main">
   <p:cSld>
     <p:spTree>
@@ -14008,7 +14899,7 @@
 </p:sld>
 </file>
 
-<file path=ppt/slides/slide18.xml><?xml version="1.0" encoding="utf-8"?>
+<file path=ppt/slides/slide19.xml><?xml version="1.0" encoding="utf-8"?>
 <p:sld xmlns:a="http://schemas.openxmlformats.org/drawingml/2006/main" xmlns:r="http://schemas.openxmlformats.org/officeDocument/2006/relationships" xmlns:p="http://schemas.openxmlformats.org/presentationml/2006/main">
   <p:cSld>
     <p:spTree>
@@ -14847,7 +15738,398 @@
 </p:sld>
 </file>
 
-<file path=ppt/slides/slide19.xml><?xml version="1.0" encoding="utf-8"?>
+<file path=ppt/slides/slide2.xml><?xml version="1.0" encoding="utf-8"?>
+<p:sld xmlns:a="http://schemas.openxmlformats.org/drawingml/2006/main" xmlns:r="http://schemas.openxmlformats.org/officeDocument/2006/relationships" xmlns:p="http://schemas.openxmlformats.org/presentationml/2006/main">
+  <p:cSld>
+    <p:spTree>
+      <p:nvGrpSpPr>
+        <p:cNvPr id="1" name=""/>
+        <p:cNvGrpSpPr/>
+        <p:nvPr/>
+      </p:nvGrpSpPr>
+      <p:grpSpPr>
+        <a:xfrm>
+          <a:off x="0" y="0"/>
+          <a:ext cx="0" cy="0"/>
+          <a:chOff x="0" y="0"/>
+          <a:chExt cx="0" cy="0"/>
+        </a:xfrm>
+      </p:grpSpPr>
+      <p:pic>
+        <p:nvPicPr>
+          <p:cNvPr id="4" name="图片 3" descr="PPT.jpg"/>
+          <p:cNvPicPr>
+            <a:picLocks noChangeAspect="1"/>
+          </p:cNvPicPr>
+          <p:nvPr/>
+        </p:nvPicPr>
+        <p:blipFill>
+          <a:blip r:embed="rId2">
+            <a:extLst>
+              <a:ext uri="{28A0092B-C50C-407E-A947-70E740481C1C}">
+                <a14:useLocalDpi xmlns:a14="http://schemas.microsoft.com/office/drawing/2010/main" val="0"/>
+              </a:ext>
+            </a:extLst>
+          </a:blip>
+          <a:stretch>
+            <a:fillRect/>
+          </a:stretch>
+        </p:blipFill>
+        <p:spPr>
+          <a:xfrm>
+            <a:off x="0" y="7620"/>
+            <a:ext cx="9144000" cy="6858000"/>
+          </a:xfrm>
+          <a:prstGeom prst="rect">
+            <a:avLst/>
+          </a:prstGeom>
+        </p:spPr>
+      </p:pic>
+      <p:sp>
+        <p:nvSpPr>
+          <p:cNvPr id="5" name="标题 1"/>
+          <p:cNvSpPr>
+            <a:spLocks noGrp="1"/>
+          </p:cNvSpPr>
+          <p:nvPr>
+            <p:ph type="title"/>
+          </p:nvPr>
+        </p:nvSpPr>
+        <p:spPr>
+          <a:xfrm>
+            <a:off x="762000" y="1246905"/>
+            <a:ext cx="4618181" cy="750455"/>
+          </a:xfrm>
+        </p:spPr>
+        <p:txBody>
+          <a:bodyPr/>
+          <a:lstStyle/>
+          <a:p>
+            <a:pPr algn="l"/>
+            <a:r>
+              <a:rPr lang="en-US" altLang="ja-JP" baseline="30000" dirty="0">
+                <a:solidFill>
+                  <a:srgbClr val="64109F"/>
+                </a:solidFill>
+                <a:latin typeface="方正兰亭特黑_SC"/>
+                <a:ea typeface="方正兰亭特黑_SC"/>
+                <a:cs typeface="方正兰亭特黑_SC"/>
+              </a:rPr>
+              <a:t>Contents</a:t>
+            </a:r>
+            <a:endParaRPr lang="ja-JP" altLang="en-US" baseline="30000" dirty="0">
+              <a:solidFill>
+                <a:srgbClr val="64109F"/>
+              </a:solidFill>
+              <a:latin typeface="方正兰亭特黑_SC"/>
+              <a:ea typeface="方正兰亭特黑_SC"/>
+              <a:cs typeface="方正兰亭特黑_SC"/>
+            </a:endParaRPr>
+          </a:p>
+        </p:txBody>
+      </p:sp>
+      <p:sp>
+        <p:nvSpPr>
+          <p:cNvPr id="6" name="标题 1"/>
+          <p:cNvSpPr txBox="1">
+            <a:spLocks/>
+          </p:cNvSpPr>
+          <p:nvPr/>
+        </p:nvSpPr>
+        <p:spPr>
+          <a:xfrm>
+            <a:off x="1758835" y="2766753"/>
+            <a:ext cx="5922817" cy="473363"/>
+          </a:xfrm>
+          <a:prstGeom prst="rect">
+            <a:avLst/>
+          </a:prstGeom>
+        </p:spPr>
+        <p:txBody>
+          <a:bodyPr vert="horz" lIns="91440" tIns="45720" rIns="91440" bIns="45720" rtlCol="0" anchor="b" anchorCtr="0">
+            <a:noAutofit/>
+          </a:bodyPr>
+          <a:lstStyle>
+            <a:lvl1pPr algn="ctr" defTabSz="914400" rtl="0" eaLnBrk="1" latinLnBrk="0" hangingPunct="1">
+              <a:spcBef>
+                <a:spcPct val="0"/>
+              </a:spcBef>
+              <a:buNone/>
+              <a:defRPr sz="5000" kern="1200">
+                <a:solidFill>
+                  <a:schemeClr val="tx1"/>
+                </a:solidFill>
+                <a:latin typeface="+mj-lt"/>
+                <a:ea typeface="+mj-ea"/>
+                <a:cs typeface="+mj-cs"/>
+              </a:defRPr>
+            </a:lvl1pPr>
+          </a:lstStyle>
+          <a:p>
+            <a:pPr algn="l"/>
+            <a:r>
+              <a:rPr lang="en-US" altLang="ja-JP" sz="2800" baseline="30000" dirty="0">
+                <a:solidFill>
+                  <a:srgbClr val="64109F"/>
+                </a:solidFill>
+                <a:latin typeface="Microsoft YaHei"/>
+                <a:ea typeface="微软雅黑"/>
+                <a:cs typeface="Microsoft YaHei"/>
+              </a:rPr>
+              <a:t>1. </a:t>
+            </a:r>
+            <a:r>
+              <a:rPr lang="en-US" altLang="zh-CN" sz="2800" baseline="30000" dirty="0">
+                <a:solidFill>
+                  <a:srgbClr val="64109F"/>
+                </a:solidFill>
+                <a:latin typeface="Microsoft YaHei"/>
+                <a:ea typeface="微软雅黑"/>
+                <a:cs typeface="Microsoft YaHei"/>
+              </a:rPr>
+              <a:t>Technical Details of Continuous Variables</a:t>
+            </a:r>
+            <a:endParaRPr lang="ja-JP" altLang="en-US" sz="2800" baseline="30000" dirty="0">
+              <a:solidFill>
+                <a:srgbClr val="64109F"/>
+              </a:solidFill>
+              <a:latin typeface="Microsoft YaHei"/>
+              <a:ea typeface="微软雅黑"/>
+              <a:cs typeface="Microsoft YaHei"/>
+            </a:endParaRPr>
+          </a:p>
+        </p:txBody>
+      </p:sp>
+      <p:sp>
+        <p:nvSpPr>
+          <p:cNvPr id="7" name="标题 1"/>
+          <p:cNvSpPr txBox="1">
+            <a:spLocks/>
+          </p:cNvSpPr>
+          <p:nvPr/>
+        </p:nvSpPr>
+        <p:spPr>
+          <a:xfrm>
+            <a:off x="1758835" y="3240116"/>
+            <a:ext cx="5922817" cy="473363"/>
+          </a:xfrm>
+          <a:prstGeom prst="rect">
+            <a:avLst/>
+          </a:prstGeom>
+        </p:spPr>
+        <p:txBody>
+          <a:bodyPr vert="horz" lIns="91440" tIns="45720" rIns="91440" bIns="45720" rtlCol="0" anchor="b" anchorCtr="0">
+            <a:noAutofit/>
+          </a:bodyPr>
+          <a:lstStyle>
+            <a:lvl1pPr algn="ctr" defTabSz="914400" rtl="0" eaLnBrk="1" latinLnBrk="0" hangingPunct="1">
+              <a:spcBef>
+                <a:spcPct val="0"/>
+              </a:spcBef>
+              <a:buNone/>
+              <a:defRPr sz="5000" kern="1200">
+                <a:solidFill>
+                  <a:schemeClr val="tx1"/>
+                </a:solidFill>
+                <a:latin typeface="+mj-lt"/>
+                <a:ea typeface="+mj-ea"/>
+                <a:cs typeface="+mj-cs"/>
+              </a:defRPr>
+            </a:lvl1pPr>
+          </a:lstStyle>
+          <a:p>
+            <a:pPr algn="l"/>
+            <a:r>
+              <a:rPr lang="en-US" altLang="ja-JP" sz="2800" baseline="30000" dirty="0">
+                <a:solidFill>
+                  <a:srgbClr val="64109F"/>
+                </a:solidFill>
+                <a:latin typeface="Microsoft YaHei"/>
+                <a:ea typeface="微软雅黑"/>
+                <a:cs typeface="Microsoft YaHei"/>
+              </a:rPr>
+              <a:t>2. </a:t>
+            </a:r>
+            <a:r>
+              <a:rPr lang="en-US" altLang="zh-CN" sz="2800" baseline="30000" dirty="0">
+                <a:solidFill>
+                  <a:srgbClr val="64109F"/>
+                </a:solidFill>
+                <a:latin typeface="Microsoft YaHei"/>
+                <a:ea typeface="微软雅黑"/>
+                <a:cs typeface="Microsoft YaHei"/>
+              </a:rPr>
+              <a:t>Information Theory</a:t>
+            </a:r>
+            <a:endParaRPr lang="ja-JP" altLang="en-US" sz="2800" baseline="30000" dirty="0">
+              <a:solidFill>
+                <a:srgbClr val="64109F"/>
+              </a:solidFill>
+              <a:latin typeface="Microsoft YaHei"/>
+              <a:ea typeface="微软雅黑"/>
+              <a:cs typeface="Microsoft YaHei"/>
+            </a:endParaRPr>
+          </a:p>
+        </p:txBody>
+      </p:sp>
+      <p:sp>
+        <p:nvSpPr>
+          <p:cNvPr id="8" name="标题 1"/>
+          <p:cNvSpPr txBox="1">
+            <a:spLocks/>
+          </p:cNvSpPr>
+          <p:nvPr/>
+        </p:nvSpPr>
+        <p:spPr>
+          <a:xfrm>
+            <a:off x="1766455" y="3713479"/>
+            <a:ext cx="5922817" cy="473363"/>
+          </a:xfrm>
+          <a:prstGeom prst="rect">
+            <a:avLst/>
+          </a:prstGeom>
+        </p:spPr>
+        <p:txBody>
+          <a:bodyPr vert="horz" lIns="91440" tIns="45720" rIns="91440" bIns="45720" rtlCol="0" anchor="b" anchorCtr="0">
+            <a:noAutofit/>
+          </a:bodyPr>
+          <a:lstStyle>
+            <a:lvl1pPr algn="ctr" defTabSz="914400" rtl="0" eaLnBrk="1" latinLnBrk="0" hangingPunct="1">
+              <a:spcBef>
+                <a:spcPct val="0"/>
+              </a:spcBef>
+              <a:buNone/>
+              <a:defRPr sz="5000" kern="1200">
+                <a:solidFill>
+                  <a:schemeClr val="tx1"/>
+                </a:solidFill>
+                <a:latin typeface="+mj-lt"/>
+                <a:ea typeface="+mj-ea"/>
+                <a:cs typeface="+mj-cs"/>
+              </a:defRPr>
+            </a:lvl1pPr>
+          </a:lstStyle>
+          <a:p>
+            <a:pPr algn="l"/>
+            <a:r>
+              <a:rPr lang="en-US" altLang="ja-JP" sz="2800" baseline="30000" dirty="0">
+                <a:solidFill>
+                  <a:srgbClr val="64109F"/>
+                </a:solidFill>
+                <a:latin typeface="Microsoft YaHei"/>
+                <a:ea typeface="微软雅黑"/>
+                <a:cs typeface="Microsoft YaHei"/>
+              </a:rPr>
+              <a:t>3. </a:t>
+            </a:r>
+            <a:r>
+              <a:rPr lang="en-US" altLang="zh-CN" sz="2800" baseline="30000" dirty="0">
+                <a:solidFill>
+                  <a:srgbClr val="64109F"/>
+                </a:solidFill>
+                <a:latin typeface="Microsoft YaHei"/>
+                <a:ea typeface="微软雅黑"/>
+                <a:cs typeface="Microsoft YaHei"/>
+              </a:rPr>
+              <a:t>Structured Probabilistic Models </a:t>
+            </a:r>
+            <a:endParaRPr lang="ja-JP" altLang="en-US" sz="2800" baseline="30000" dirty="0">
+              <a:solidFill>
+                <a:srgbClr val="64109F"/>
+              </a:solidFill>
+              <a:latin typeface="Microsoft YaHei"/>
+              <a:ea typeface="微软雅黑"/>
+              <a:cs typeface="Microsoft YaHei"/>
+            </a:endParaRPr>
+          </a:p>
+        </p:txBody>
+      </p:sp>
+      <p:pic>
+        <p:nvPicPr>
+          <p:cNvPr id="15" name="图片 14"/>
+          <p:cNvPicPr>
+            <a:picLocks noChangeAspect="1"/>
+          </p:cNvPicPr>
+          <p:nvPr/>
+        </p:nvPicPr>
+        <p:blipFill>
+          <a:blip r:embed="rId3"/>
+          <a:stretch>
+            <a:fillRect/>
+          </a:stretch>
+        </p:blipFill>
+        <p:spPr>
+          <a:xfrm>
+            <a:off x="1207655" y="2646219"/>
+            <a:ext cx="558800" cy="444500"/>
+          </a:xfrm>
+          <a:prstGeom prst="rect">
+            <a:avLst/>
+          </a:prstGeom>
+        </p:spPr>
+      </p:pic>
+      <p:pic>
+        <p:nvPicPr>
+          <p:cNvPr id="16" name="图片 15"/>
+          <p:cNvPicPr>
+            <a:picLocks noChangeAspect="1"/>
+          </p:cNvPicPr>
+          <p:nvPr/>
+        </p:nvPicPr>
+        <p:blipFill>
+          <a:blip r:embed="rId3"/>
+          <a:stretch>
+            <a:fillRect/>
+          </a:stretch>
+        </p:blipFill>
+        <p:spPr>
+          <a:xfrm>
+            <a:off x="1207655" y="3128821"/>
+            <a:ext cx="558800" cy="444500"/>
+          </a:xfrm>
+          <a:prstGeom prst="rect">
+            <a:avLst/>
+          </a:prstGeom>
+        </p:spPr>
+      </p:pic>
+      <p:pic>
+        <p:nvPicPr>
+          <p:cNvPr id="17" name="图片 16"/>
+          <p:cNvPicPr>
+            <a:picLocks noChangeAspect="1"/>
+          </p:cNvPicPr>
+          <p:nvPr/>
+        </p:nvPicPr>
+        <p:blipFill>
+          <a:blip r:embed="rId3"/>
+          <a:stretch>
+            <a:fillRect/>
+          </a:stretch>
+        </p:blipFill>
+        <p:spPr>
+          <a:xfrm>
+            <a:off x="1207655" y="3626661"/>
+            <a:ext cx="558800" cy="444500"/>
+          </a:xfrm>
+          <a:prstGeom prst="rect">
+            <a:avLst/>
+          </a:prstGeom>
+        </p:spPr>
+      </p:pic>
+    </p:spTree>
+    <p:extLst>
+      <p:ext uri="{BB962C8B-B14F-4D97-AF65-F5344CB8AC3E}">
+        <p14:creationId xmlns:p14="http://schemas.microsoft.com/office/powerpoint/2010/main" val="2337425598"/>
+      </p:ext>
+    </p:extLst>
+  </p:cSld>
+  <p:clrMapOvr>
+    <a:masterClrMapping/>
+  </p:clrMapOvr>
+</p:sld>
+</file>
+
+<file path=ppt/slides/slide20.xml><?xml version="1.0" encoding="utf-8"?>
 <p:sld xmlns:a="http://schemas.openxmlformats.org/drawingml/2006/main" xmlns:r="http://schemas.openxmlformats.org/officeDocument/2006/relationships" xmlns:p="http://schemas.openxmlformats.org/presentationml/2006/main">
   <p:cSld>
     <p:spTree>
@@ -15537,8 +16819,8 @@
           </a:p>
         </p:txBody>
       </p:sp>
-      <mc:AlternateContent xmlns:mc="http://schemas.openxmlformats.org/markup-compatibility/2006">
-        <mc:Choice xmlns:a14="http://schemas.microsoft.com/office/drawing/2010/main" Requires="a14">
+      <mc:AlternateContent xmlns:mc="http://schemas.openxmlformats.org/markup-compatibility/2006" xmlns:a14="http://schemas.microsoft.com/office/drawing/2010/main">
+        <mc:Choice Requires="a14">
           <p:sp>
             <p:nvSpPr>
               <p:cNvPr id="2" name="TextBox 1">
@@ -15741,7 +17023,7 @@
             </p:txBody>
           </p:sp>
         </mc:Choice>
-        <mc:Fallback>
+        <mc:Fallback xmlns="">
           <p:sp>
             <p:nvSpPr>
               <p:cNvPr id="2" name="TextBox 1">
@@ -16303,398 +17585,7 @@
 </p:sld>
 </file>
 
-<file path=ppt/slides/slide2.xml><?xml version="1.0" encoding="utf-8"?>
-<p:sld xmlns:a="http://schemas.openxmlformats.org/drawingml/2006/main" xmlns:r="http://schemas.openxmlformats.org/officeDocument/2006/relationships" xmlns:p="http://schemas.openxmlformats.org/presentationml/2006/main">
-  <p:cSld>
-    <p:spTree>
-      <p:nvGrpSpPr>
-        <p:cNvPr id="1" name=""/>
-        <p:cNvGrpSpPr/>
-        <p:nvPr/>
-      </p:nvGrpSpPr>
-      <p:grpSpPr>
-        <a:xfrm>
-          <a:off x="0" y="0"/>
-          <a:ext cx="0" cy="0"/>
-          <a:chOff x="0" y="0"/>
-          <a:chExt cx="0" cy="0"/>
-        </a:xfrm>
-      </p:grpSpPr>
-      <p:pic>
-        <p:nvPicPr>
-          <p:cNvPr id="4" name="图片 3" descr="PPT.jpg"/>
-          <p:cNvPicPr>
-            <a:picLocks noChangeAspect="1"/>
-          </p:cNvPicPr>
-          <p:nvPr/>
-        </p:nvPicPr>
-        <p:blipFill>
-          <a:blip r:embed="rId2">
-            <a:extLst>
-              <a:ext uri="{28A0092B-C50C-407E-A947-70E740481C1C}">
-                <a14:useLocalDpi xmlns:a14="http://schemas.microsoft.com/office/drawing/2010/main" val="0"/>
-              </a:ext>
-            </a:extLst>
-          </a:blip>
-          <a:stretch>
-            <a:fillRect/>
-          </a:stretch>
-        </p:blipFill>
-        <p:spPr>
-          <a:xfrm>
-            <a:off x="0" y="7620"/>
-            <a:ext cx="9144000" cy="6858000"/>
-          </a:xfrm>
-          <a:prstGeom prst="rect">
-            <a:avLst/>
-          </a:prstGeom>
-        </p:spPr>
-      </p:pic>
-      <p:sp>
-        <p:nvSpPr>
-          <p:cNvPr id="5" name="标题 1"/>
-          <p:cNvSpPr>
-            <a:spLocks noGrp="1"/>
-          </p:cNvSpPr>
-          <p:nvPr>
-            <p:ph type="title"/>
-          </p:nvPr>
-        </p:nvSpPr>
-        <p:spPr>
-          <a:xfrm>
-            <a:off x="762000" y="1246905"/>
-            <a:ext cx="4618181" cy="750455"/>
-          </a:xfrm>
-        </p:spPr>
-        <p:txBody>
-          <a:bodyPr/>
-          <a:lstStyle/>
-          <a:p>
-            <a:pPr algn="l"/>
-            <a:r>
-              <a:rPr lang="en-US" altLang="ja-JP" baseline="30000" dirty="0">
-                <a:solidFill>
-                  <a:srgbClr val="64109F"/>
-                </a:solidFill>
-                <a:latin typeface="方正兰亭特黑_SC"/>
-                <a:ea typeface="方正兰亭特黑_SC"/>
-                <a:cs typeface="方正兰亭特黑_SC"/>
-              </a:rPr>
-              <a:t>Contents</a:t>
-            </a:r>
-            <a:endParaRPr lang="ja-JP" altLang="en-US" baseline="30000" dirty="0">
-              <a:solidFill>
-                <a:srgbClr val="64109F"/>
-              </a:solidFill>
-              <a:latin typeface="方正兰亭特黑_SC"/>
-              <a:ea typeface="方正兰亭特黑_SC"/>
-              <a:cs typeface="方正兰亭特黑_SC"/>
-            </a:endParaRPr>
-          </a:p>
-        </p:txBody>
-      </p:sp>
-      <p:sp>
-        <p:nvSpPr>
-          <p:cNvPr id="6" name="标题 1"/>
-          <p:cNvSpPr txBox="1">
-            <a:spLocks/>
-          </p:cNvSpPr>
-          <p:nvPr/>
-        </p:nvSpPr>
-        <p:spPr>
-          <a:xfrm>
-            <a:off x="1758835" y="2766753"/>
-            <a:ext cx="5922817" cy="473363"/>
-          </a:xfrm>
-          <a:prstGeom prst="rect">
-            <a:avLst/>
-          </a:prstGeom>
-        </p:spPr>
-        <p:txBody>
-          <a:bodyPr vert="horz" lIns="91440" tIns="45720" rIns="91440" bIns="45720" rtlCol="0" anchor="b" anchorCtr="0">
-            <a:noAutofit/>
-          </a:bodyPr>
-          <a:lstStyle>
-            <a:lvl1pPr algn="ctr" defTabSz="914400" rtl="0" eaLnBrk="1" latinLnBrk="0" hangingPunct="1">
-              <a:spcBef>
-                <a:spcPct val="0"/>
-              </a:spcBef>
-              <a:buNone/>
-              <a:defRPr sz="5000" kern="1200">
-                <a:solidFill>
-                  <a:schemeClr val="tx1"/>
-                </a:solidFill>
-                <a:latin typeface="+mj-lt"/>
-                <a:ea typeface="+mj-ea"/>
-                <a:cs typeface="+mj-cs"/>
-              </a:defRPr>
-            </a:lvl1pPr>
-          </a:lstStyle>
-          <a:p>
-            <a:pPr algn="l"/>
-            <a:r>
-              <a:rPr lang="en-US" altLang="ja-JP" sz="2800" baseline="30000" dirty="0">
-                <a:solidFill>
-                  <a:srgbClr val="64109F"/>
-                </a:solidFill>
-                <a:latin typeface="Microsoft YaHei"/>
-                <a:ea typeface="微软雅黑"/>
-                <a:cs typeface="Microsoft YaHei"/>
-              </a:rPr>
-              <a:t>1. </a:t>
-            </a:r>
-            <a:r>
-              <a:rPr lang="en-US" altLang="zh-CN" sz="2800" baseline="30000" dirty="0">
-                <a:solidFill>
-                  <a:srgbClr val="64109F"/>
-                </a:solidFill>
-                <a:latin typeface="Microsoft YaHei"/>
-                <a:ea typeface="微软雅黑"/>
-                <a:cs typeface="Microsoft YaHei"/>
-              </a:rPr>
-              <a:t>Technical Details of Continuous Variables</a:t>
-            </a:r>
-            <a:endParaRPr lang="ja-JP" altLang="en-US" sz="2800" baseline="30000" dirty="0">
-              <a:solidFill>
-                <a:srgbClr val="64109F"/>
-              </a:solidFill>
-              <a:latin typeface="Microsoft YaHei"/>
-              <a:ea typeface="微软雅黑"/>
-              <a:cs typeface="Microsoft YaHei"/>
-            </a:endParaRPr>
-          </a:p>
-        </p:txBody>
-      </p:sp>
-      <p:sp>
-        <p:nvSpPr>
-          <p:cNvPr id="7" name="标题 1"/>
-          <p:cNvSpPr txBox="1">
-            <a:spLocks/>
-          </p:cNvSpPr>
-          <p:nvPr/>
-        </p:nvSpPr>
-        <p:spPr>
-          <a:xfrm>
-            <a:off x="1758835" y="3240116"/>
-            <a:ext cx="5922817" cy="473363"/>
-          </a:xfrm>
-          <a:prstGeom prst="rect">
-            <a:avLst/>
-          </a:prstGeom>
-        </p:spPr>
-        <p:txBody>
-          <a:bodyPr vert="horz" lIns="91440" tIns="45720" rIns="91440" bIns="45720" rtlCol="0" anchor="b" anchorCtr="0">
-            <a:noAutofit/>
-          </a:bodyPr>
-          <a:lstStyle>
-            <a:lvl1pPr algn="ctr" defTabSz="914400" rtl="0" eaLnBrk="1" latinLnBrk="0" hangingPunct="1">
-              <a:spcBef>
-                <a:spcPct val="0"/>
-              </a:spcBef>
-              <a:buNone/>
-              <a:defRPr sz="5000" kern="1200">
-                <a:solidFill>
-                  <a:schemeClr val="tx1"/>
-                </a:solidFill>
-                <a:latin typeface="+mj-lt"/>
-                <a:ea typeface="+mj-ea"/>
-                <a:cs typeface="+mj-cs"/>
-              </a:defRPr>
-            </a:lvl1pPr>
-          </a:lstStyle>
-          <a:p>
-            <a:pPr algn="l"/>
-            <a:r>
-              <a:rPr lang="en-US" altLang="ja-JP" sz="2800" baseline="30000" dirty="0">
-                <a:solidFill>
-                  <a:srgbClr val="64109F"/>
-                </a:solidFill>
-                <a:latin typeface="Microsoft YaHei"/>
-                <a:ea typeface="微软雅黑"/>
-                <a:cs typeface="Microsoft YaHei"/>
-              </a:rPr>
-              <a:t>2. </a:t>
-            </a:r>
-            <a:r>
-              <a:rPr lang="en-US" altLang="zh-CN" sz="2800" baseline="30000" dirty="0">
-                <a:solidFill>
-                  <a:srgbClr val="64109F"/>
-                </a:solidFill>
-                <a:latin typeface="Microsoft YaHei"/>
-                <a:ea typeface="微软雅黑"/>
-                <a:cs typeface="Microsoft YaHei"/>
-              </a:rPr>
-              <a:t>Information Theory</a:t>
-            </a:r>
-            <a:endParaRPr lang="ja-JP" altLang="en-US" sz="2800" baseline="30000" dirty="0">
-              <a:solidFill>
-                <a:srgbClr val="64109F"/>
-              </a:solidFill>
-              <a:latin typeface="Microsoft YaHei"/>
-              <a:ea typeface="微软雅黑"/>
-              <a:cs typeface="Microsoft YaHei"/>
-            </a:endParaRPr>
-          </a:p>
-        </p:txBody>
-      </p:sp>
-      <p:sp>
-        <p:nvSpPr>
-          <p:cNvPr id="8" name="标题 1"/>
-          <p:cNvSpPr txBox="1">
-            <a:spLocks/>
-          </p:cNvSpPr>
-          <p:nvPr/>
-        </p:nvSpPr>
-        <p:spPr>
-          <a:xfrm>
-            <a:off x="1766455" y="3713479"/>
-            <a:ext cx="5922817" cy="473363"/>
-          </a:xfrm>
-          <a:prstGeom prst="rect">
-            <a:avLst/>
-          </a:prstGeom>
-        </p:spPr>
-        <p:txBody>
-          <a:bodyPr vert="horz" lIns="91440" tIns="45720" rIns="91440" bIns="45720" rtlCol="0" anchor="b" anchorCtr="0">
-            <a:noAutofit/>
-          </a:bodyPr>
-          <a:lstStyle>
-            <a:lvl1pPr algn="ctr" defTabSz="914400" rtl="0" eaLnBrk="1" latinLnBrk="0" hangingPunct="1">
-              <a:spcBef>
-                <a:spcPct val="0"/>
-              </a:spcBef>
-              <a:buNone/>
-              <a:defRPr sz="5000" kern="1200">
-                <a:solidFill>
-                  <a:schemeClr val="tx1"/>
-                </a:solidFill>
-                <a:latin typeface="+mj-lt"/>
-                <a:ea typeface="+mj-ea"/>
-                <a:cs typeface="+mj-cs"/>
-              </a:defRPr>
-            </a:lvl1pPr>
-          </a:lstStyle>
-          <a:p>
-            <a:pPr algn="l"/>
-            <a:r>
-              <a:rPr lang="en-US" altLang="ja-JP" sz="2800" baseline="30000" dirty="0">
-                <a:solidFill>
-                  <a:srgbClr val="64109F"/>
-                </a:solidFill>
-                <a:latin typeface="Microsoft YaHei"/>
-                <a:ea typeface="微软雅黑"/>
-                <a:cs typeface="Microsoft YaHei"/>
-              </a:rPr>
-              <a:t>3. </a:t>
-            </a:r>
-            <a:r>
-              <a:rPr lang="en-US" altLang="zh-CN" sz="2800" baseline="30000" dirty="0">
-                <a:solidFill>
-                  <a:srgbClr val="64109F"/>
-                </a:solidFill>
-                <a:latin typeface="Microsoft YaHei"/>
-                <a:ea typeface="微软雅黑"/>
-                <a:cs typeface="Microsoft YaHei"/>
-              </a:rPr>
-              <a:t>Structured Probabilistic Models </a:t>
-            </a:r>
-            <a:endParaRPr lang="ja-JP" altLang="en-US" sz="2800" baseline="30000" dirty="0">
-              <a:solidFill>
-                <a:srgbClr val="64109F"/>
-              </a:solidFill>
-              <a:latin typeface="Microsoft YaHei"/>
-              <a:ea typeface="微软雅黑"/>
-              <a:cs typeface="Microsoft YaHei"/>
-            </a:endParaRPr>
-          </a:p>
-        </p:txBody>
-      </p:sp>
-      <p:pic>
-        <p:nvPicPr>
-          <p:cNvPr id="15" name="图片 14"/>
-          <p:cNvPicPr>
-            <a:picLocks noChangeAspect="1"/>
-          </p:cNvPicPr>
-          <p:nvPr/>
-        </p:nvPicPr>
-        <p:blipFill>
-          <a:blip r:embed="rId3"/>
-          <a:stretch>
-            <a:fillRect/>
-          </a:stretch>
-        </p:blipFill>
-        <p:spPr>
-          <a:xfrm>
-            <a:off x="1207655" y="2646219"/>
-            <a:ext cx="558800" cy="444500"/>
-          </a:xfrm>
-          <a:prstGeom prst="rect">
-            <a:avLst/>
-          </a:prstGeom>
-        </p:spPr>
-      </p:pic>
-      <p:pic>
-        <p:nvPicPr>
-          <p:cNvPr id="16" name="图片 15"/>
-          <p:cNvPicPr>
-            <a:picLocks noChangeAspect="1"/>
-          </p:cNvPicPr>
-          <p:nvPr/>
-        </p:nvPicPr>
-        <p:blipFill>
-          <a:blip r:embed="rId3"/>
-          <a:stretch>
-            <a:fillRect/>
-          </a:stretch>
-        </p:blipFill>
-        <p:spPr>
-          <a:xfrm>
-            <a:off x="1207655" y="3128821"/>
-            <a:ext cx="558800" cy="444500"/>
-          </a:xfrm>
-          <a:prstGeom prst="rect">
-            <a:avLst/>
-          </a:prstGeom>
-        </p:spPr>
-      </p:pic>
-      <p:pic>
-        <p:nvPicPr>
-          <p:cNvPr id="17" name="图片 16"/>
-          <p:cNvPicPr>
-            <a:picLocks noChangeAspect="1"/>
-          </p:cNvPicPr>
-          <p:nvPr/>
-        </p:nvPicPr>
-        <p:blipFill>
-          <a:blip r:embed="rId3"/>
-          <a:stretch>
-            <a:fillRect/>
-          </a:stretch>
-        </p:blipFill>
-        <p:spPr>
-          <a:xfrm>
-            <a:off x="1207655" y="3626661"/>
-            <a:ext cx="558800" cy="444500"/>
-          </a:xfrm>
-          <a:prstGeom prst="rect">
-            <a:avLst/>
-          </a:prstGeom>
-        </p:spPr>
-      </p:pic>
-    </p:spTree>
-    <p:extLst>
-      <p:ext uri="{BB962C8B-B14F-4D97-AF65-F5344CB8AC3E}">
-        <p14:creationId xmlns:p14="http://schemas.microsoft.com/office/powerpoint/2010/main" val="2337425598"/>
-      </p:ext>
-    </p:extLst>
-  </p:cSld>
-  <p:clrMapOvr>
-    <a:masterClrMapping/>
-  </p:clrMapOvr>
-</p:sld>
-</file>
-
-<file path=ppt/slides/slide20.xml><?xml version="1.0" encoding="utf-8"?>
+<file path=ppt/slides/slide21.xml><?xml version="1.0" encoding="utf-8"?>
 <p:sld xmlns:a="http://schemas.openxmlformats.org/drawingml/2006/main" xmlns:r="http://schemas.openxmlformats.org/officeDocument/2006/relationships" xmlns:p="http://schemas.openxmlformats.org/presentationml/2006/main">
   <p:cSld>
     <p:spTree>
@@ -17566,7 +18457,7 @@
 </p:sld>
 </file>
 
-<file path=ppt/slides/slide21.xml><?xml version="1.0" encoding="utf-8"?>
+<file path=ppt/slides/slide22.xml><?xml version="1.0" encoding="utf-8"?>
 <p:sld xmlns:a="http://schemas.openxmlformats.org/drawingml/2006/main" xmlns:r="http://schemas.openxmlformats.org/officeDocument/2006/relationships" xmlns:p="http://schemas.openxmlformats.org/presentationml/2006/main">
   <p:cSld>
     <p:spTree>
@@ -20401,8 +21292,8 @@
           </a:p>
         </p:txBody>
       </p:sp>
-      <mc:AlternateContent xmlns:mc="http://schemas.openxmlformats.org/markup-compatibility/2006">
-        <mc:Choice xmlns:a14="http://schemas.microsoft.com/office/drawing/2010/main" Requires="a14">
+      <mc:AlternateContent xmlns:mc="http://schemas.openxmlformats.org/markup-compatibility/2006" xmlns:a14="http://schemas.microsoft.com/office/drawing/2010/main">
+        <mc:Choice Requires="a14">
           <p:sp>
             <p:nvSpPr>
               <p:cNvPr id="47" name="文本框 46">
@@ -20872,7 +21763,7 @@
             </p:txBody>
           </p:sp>
         </mc:Choice>
-        <mc:Fallback>
+        <mc:Fallback xmlns="">
           <p:sp>
             <p:nvSpPr>
               <p:cNvPr id="47" name="文本框 46">

--- a/Deep Learning-3.12-3.14.pptx
+++ b/Deep Learning-3.12-3.14.pptx
@@ -14,19 +14,21 @@
     <p:sldId id="263" r:id="rId8"/>
     <p:sldId id="266" r:id="rId9"/>
     <p:sldId id="280" r:id="rId10"/>
-    <p:sldId id="279" r:id="rId11"/>
-    <p:sldId id="268" r:id="rId12"/>
-    <p:sldId id="281" r:id="rId13"/>
-    <p:sldId id="269" r:id="rId14"/>
-    <p:sldId id="270" r:id="rId15"/>
-    <p:sldId id="271" r:id="rId16"/>
-    <p:sldId id="272" r:id="rId17"/>
-    <p:sldId id="273" r:id="rId18"/>
-    <p:sldId id="274" r:id="rId19"/>
-    <p:sldId id="277" r:id="rId20"/>
-    <p:sldId id="276" r:id="rId21"/>
-    <p:sldId id="278" r:id="rId22"/>
-    <p:sldId id="258" r:id="rId23"/>
+    <p:sldId id="282" r:id="rId11"/>
+    <p:sldId id="283" r:id="rId12"/>
+    <p:sldId id="279" r:id="rId13"/>
+    <p:sldId id="268" r:id="rId14"/>
+    <p:sldId id="281" r:id="rId15"/>
+    <p:sldId id="269" r:id="rId16"/>
+    <p:sldId id="270" r:id="rId17"/>
+    <p:sldId id="271" r:id="rId18"/>
+    <p:sldId id="272" r:id="rId19"/>
+    <p:sldId id="273" r:id="rId20"/>
+    <p:sldId id="274" r:id="rId21"/>
+    <p:sldId id="277" r:id="rId22"/>
+    <p:sldId id="276" r:id="rId23"/>
+    <p:sldId id="278" r:id="rId24"/>
+    <p:sldId id="258" r:id="rId25"/>
   </p:sldIdLst>
   <p:sldSz cx="9144000" cy="6858000" type="screen4x3"/>
   <p:notesSz cx="6858000" cy="9144000"/>
@@ -412,7 +414,7 @@
           <a:p>
             <a:fld id="{DE31F557-D3ED-A448-92B8-EF89F27D4FAD}" type="datetimeFigureOut">
               <a:rPr kumimoji="1" lang="zh-CN" altLang="en-US" smtClean="0"/>
-              <a:t>2020/11/7</a:t>
+              <a:t>2020/11/13</a:t>
             </a:fld>
             <a:endParaRPr kumimoji="1" lang="zh-CN" altLang="en-US"/>
           </a:p>
@@ -646,7 +648,7 @@
           <a:p>
             <a:fld id="{DE31F557-D3ED-A448-92B8-EF89F27D4FAD}" type="datetimeFigureOut">
               <a:rPr kumimoji="1" lang="zh-CN" altLang="en-US" smtClean="0"/>
-              <a:t>2020/11/7</a:t>
+              <a:t>2020/11/13</a:t>
             </a:fld>
             <a:endParaRPr kumimoji="1" lang="zh-CN" altLang="en-US"/>
           </a:p>
@@ -942,7 +944,7 @@
           <a:p>
             <a:fld id="{DE31F557-D3ED-A448-92B8-EF89F27D4FAD}" type="datetimeFigureOut">
               <a:rPr kumimoji="1" lang="zh-CN" altLang="en-US" smtClean="0"/>
-              <a:t>2020/11/7</a:t>
+              <a:t>2020/11/13</a:t>
             </a:fld>
             <a:endParaRPr kumimoji="1" lang="zh-CN" altLang="en-US"/>
           </a:p>
@@ -1121,7 +1123,7 @@
           <a:p>
             <a:fld id="{DE31F557-D3ED-A448-92B8-EF89F27D4FAD}" type="datetimeFigureOut">
               <a:rPr kumimoji="1" lang="zh-CN" altLang="en-US" smtClean="0"/>
-              <a:t>2020/11/7</a:t>
+              <a:t>2020/11/13</a:t>
             </a:fld>
             <a:endParaRPr kumimoji="1" lang="zh-CN" altLang="en-US"/>
           </a:p>
@@ -1232,7 +1234,7 @@
           <a:p>
             <a:fld id="{DE31F557-D3ED-A448-92B8-EF89F27D4FAD}" type="datetimeFigureOut">
               <a:rPr kumimoji="1" lang="zh-CN" altLang="en-US" smtClean="0"/>
-              <a:t>2020/11/7</a:t>
+              <a:t>2020/11/13</a:t>
             </a:fld>
             <a:endParaRPr kumimoji="1" lang="zh-CN" altLang="en-US"/>
           </a:p>
@@ -1443,7 +1445,7 @@
           <a:p>
             <a:fld id="{DE31F557-D3ED-A448-92B8-EF89F27D4FAD}" type="datetimeFigureOut">
               <a:rPr kumimoji="1" lang="zh-CN" altLang="en-US" smtClean="0"/>
-              <a:t>2020/11/7</a:t>
+              <a:t>2020/11/13</a:t>
             </a:fld>
             <a:endParaRPr kumimoji="1" lang="zh-CN" altLang="en-US"/>
           </a:p>
@@ -1745,7 +1747,7 @@
           <a:p>
             <a:fld id="{DE31F557-D3ED-A448-92B8-EF89F27D4FAD}" type="datetimeFigureOut">
               <a:rPr kumimoji="1" lang="zh-CN" altLang="en-US" smtClean="0"/>
-              <a:t>2020/11/7</a:t>
+              <a:t>2020/11/13</a:t>
             </a:fld>
             <a:endParaRPr kumimoji="1" lang="zh-CN" altLang="en-US"/>
           </a:p>
@@ -2097,7 +2099,7 @@
           <a:p>
             <a:fld id="{DE31F557-D3ED-A448-92B8-EF89F27D4FAD}" type="datetimeFigureOut">
               <a:rPr kumimoji="1" lang="zh-CN" altLang="en-US" smtClean="0"/>
-              <a:t>2020/11/7</a:t>
+              <a:t>2020/11/13</a:t>
             </a:fld>
             <a:endParaRPr kumimoji="1" lang="zh-CN" altLang="en-US"/>
           </a:p>
@@ -2389,7 +2391,7 @@
           <a:p>
             <a:fld id="{DE31F557-D3ED-A448-92B8-EF89F27D4FAD}" type="datetimeFigureOut">
               <a:rPr kumimoji="1" lang="zh-CN" altLang="en-US" smtClean="0"/>
-              <a:t>2020/11/7</a:t>
+              <a:t>2020/11/13</a:t>
             </a:fld>
             <a:endParaRPr kumimoji="1" lang="zh-CN" altLang="en-US"/>
           </a:p>
@@ -2821,7 +2823,7 @@
           <a:p>
             <a:fld id="{DE31F557-D3ED-A448-92B8-EF89F27D4FAD}" type="datetimeFigureOut">
               <a:rPr kumimoji="1" lang="zh-CN" altLang="en-US" smtClean="0"/>
-              <a:t>2020/11/7</a:t>
+              <a:t>2020/11/13</a:t>
             </a:fld>
             <a:endParaRPr kumimoji="1" lang="zh-CN" altLang="en-US"/>
           </a:p>
@@ -3004,7 +3006,7 @@
           <a:p>
             <a:fld id="{DE31F557-D3ED-A448-92B8-EF89F27D4FAD}" type="datetimeFigureOut">
               <a:rPr kumimoji="1" lang="zh-CN" altLang="en-US" smtClean="0"/>
-              <a:t>2020/11/7</a:t>
+              <a:t>2020/11/13</a:t>
             </a:fld>
             <a:endParaRPr kumimoji="1" lang="zh-CN" altLang="en-US"/>
           </a:p>
@@ -3094,7 +3096,7 @@
           <a:p>
             <a:fld id="{DE31F557-D3ED-A448-92B8-EF89F27D4FAD}" type="datetimeFigureOut">
               <a:rPr kumimoji="1" lang="zh-CN" altLang="en-US" smtClean="0"/>
-              <a:t>2020/11/7</a:t>
+              <a:t>2020/11/13</a:t>
             </a:fld>
             <a:endParaRPr kumimoji="1" lang="zh-CN" altLang="en-US"/>
           </a:p>
@@ -3373,7 +3375,7 @@
           <a:p>
             <a:fld id="{DE31F557-D3ED-A448-92B8-EF89F27D4FAD}" type="datetimeFigureOut">
               <a:rPr kumimoji="1" lang="zh-CN" altLang="en-US" smtClean="0"/>
-              <a:t>2020/11/7</a:t>
+              <a:t>2020/11/13</a:t>
             </a:fld>
             <a:endParaRPr kumimoji="1" lang="zh-CN" altLang="en-US"/>
           </a:p>
@@ -3612,7 +3614,7 @@
           <a:p>
             <a:fld id="{DE31F557-D3ED-A448-92B8-EF89F27D4FAD}" type="datetimeFigureOut">
               <a:rPr kumimoji="1" lang="zh-CN" altLang="en-US" smtClean="0"/>
-              <a:t>2020/11/7</a:t>
+              <a:t>2020/11/13</a:t>
             </a:fld>
             <a:endParaRPr kumimoji="1" lang="zh-CN" altLang="en-US"/>
           </a:p>
@@ -4336,6 +4338,3303 @@
       </p:grpSpPr>
       <p:sp>
         <p:nvSpPr>
+          <p:cNvPr id="5" name="内容占位符 4"/>
+          <p:cNvSpPr>
+            <a:spLocks noGrp="1"/>
+          </p:cNvSpPr>
+          <p:nvPr>
+            <p:ph idx="1"/>
+          </p:nvPr>
+        </p:nvSpPr>
+        <p:spPr>
+          <a:xfrm>
+            <a:off x="201490" y="1430349"/>
+            <a:ext cx="8479523" cy="1204642"/>
+          </a:xfrm>
+        </p:spPr>
+        <p:txBody>
+          <a:bodyPr>
+            <a:normAutofit fontScale="92500"/>
+          </a:bodyPr>
+          <a:lstStyle/>
+          <a:p>
+            <a:pPr marL="0" indent="0">
+              <a:buNone/>
+            </a:pPr>
+            <a:r>
+              <a:rPr kumimoji="1" lang="en-US" altLang="zh-CN" dirty="0">
+                <a:solidFill>
+                  <a:schemeClr val="tx1"/>
+                </a:solidFill>
+              </a:rPr>
+              <a:t>﻿Suppose we have two random variables, X and Y, such that Y = g(X)</a:t>
+            </a:r>
+          </a:p>
+          <a:p>
+            <a:pPr marL="0" indent="0">
+              <a:buNone/>
+            </a:pPr>
+            <a:r>
+              <a:rPr kumimoji="1" lang="en-US" altLang="zh-CN" dirty="0">
+                <a:solidFill>
+                  <a:schemeClr val="tx1"/>
+                </a:solidFill>
+              </a:rPr>
+              <a:t>The </a:t>
+            </a:r>
+            <a:r>
+              <a:rPr kumimoji="1" lang="en-US" altLang="zh-CN" dirty="0" err="1">
+                <a:solidFill>
+                  <a:schemeClr val="tx1"/>
+                </a:solidFill>
+              </a:rPr>
+              <a:t>p.d.f</a:t>
+            </a:r>
+            <a:r>
+              <a:rPr kumimoji="1" lang="en-US" altLang="zh-CN" dirty="0">
+                <a:solidFill>
+                  <a:schemeClr val="tx1"/>
+                </a:solidFill>
+              </a:rPr>
+              <a:t> of X is p</a:t>
+            </a:r>
+            <a:r>
+              <a:rPr kumimoji="1" lang="en-US" altLang="zh-CN" baseline="-25000" dirty="0">
+                <a:solidFill>
+                  <a:schemeClr val="tx1"/>
+                </a:solidFill>
+              </a:rPr>
+              <a:t>x</a:t>
+            </a:r>
+            <a:r>
+              <a:rPr kumimoji="1" lang="en-US" altLang="zh-CN" dirty="0">
+                <a:solidFill>
+                  <a:schemeClr val="tx1"/>
+                </a:solidFill>
+              </a:rPr>
+              <a:t>(x), what is </a:t>
+            </a:r>
+            <a:r>
+              <a:rPr kumimoji="1" lang="en-US" altLang="zh-CN" dirty="0" err="1">
+                <a:solidFill>
+                  <a:schemeClr val="tx1"/>
+                </a:solidFill>
+              </a:rPr>
+              <a:t>p</a:t>
+            </a:r>
+            <a:r>
+              <a:rPr kumimoji="1" lang="en-US" altLang="zh-CN" baseline="-25000" dirty="0" err="1">
+                <a:solidFill>
+                  <a:schemeClr val="tx1"/>
+                </a:solidFill>
+              </a:rPr>
+              <a:t>y</a:t>
+            </a:r>
+            <a:r>
+              <a:rPr kumimoji="1" lang="en-US" altLang="zh-CN" dirty="0">
+                <a:solidFill>
+                  <a:schemeClr val="tx1"/>
+                </a:solidFill>
+              </a:rPr>
+              <a:t>(y)?</a:t>
+            </a:r>
+          </a:p>
+        </p:txBody>
+      </p:sp>
+      <p:sp>
+        <p:nvSpPr>
+          <p:cNvPr id="7" name="标题 1"/>
+          <p:cNvSpPr>
+            <a:spLocks noGrp="1"/>
+          </p:cNvSpPr>
+          <p:nvPr>
+            <p:ph type="title"/>
+          </p:nvPr>
+        </p:nvSpPr>
+        <p:spPr>
+          <a:xfrm>
+            <a:off x="473363" y="577276"/>
+            <a:ext cx="8561579" cy="750455"/>
+          </a:xfrm>
+        </p:spPr>
+        <p:txBody>
+          <a:bodyPr/>
+          <a:lstStyle/>
+          <a:p>
+            <a:pPr algn="l"/>
+            <a:r>
+              <a:rPr lang="en-US" altLang="ja-JP" sz="4000" baseline="30000" dirty="0">
+                <a:solidFill>
+                  <a:schemeClr val="bg1"/>
+                </a:solidFill>
+                <a:latin typeface="黑体"/>
+                <a:ea typeface="黑体"/>
+                <a:cs typeface="黑体"/>
+              </a:rPr>
+              <a:t>1.</a:t>
+            </a:r>
+            <a:r>
+              <a:rPr lang="en-US" altLang="zh-CN" sz="4000" baseline="30000" dirty="0">
+                <a:solidFill>
+                  <a:schemeClr val="bg1"/>
+                </a:solidFill>
+                <a:latin typeface="黑体"/>
+                <a:ea typeface="黑体"/>
+                <a:cs typeface="黑体"/>
+              </a:rPr>
+              <a:t>7</a:t>
+            </a:r>
+            <a:r>
+              <a:rPr lang="en-US" altLang="ja-JP" sz="4000" baseline="30000" dirty="0">
+                <a:solidFill>
+                  <a:schemeClr val="bg1"/>
+                </a:solidFill>
+                <a:latin typeface="黑体"/>
+                <a:ea typeface="黑体"/>
+                <a:cs typeface="黑体"/>
+              </a:rPr>
+              <a:t> Application</a:t>
+            </a:r>
+            <a:endParaRPr lang="ja-JP" altLang="en-US" sz="4000" baseline="30000" dirty="0">
+              <a:solidFill>
+                <a:schemeClr val="bg1"/>
+              </a:solidFill>
+              <a:latin typeface="黑体"/>
+              <a:ea typeface="黑体"/>
+              <a:cs typeface="黑体"/>
+            </a:endParaRPr>
+          </a:p>
+        </p:txBody>
+      </p:sp>
+      <p:sp>
+        <p:nvSpPr>
+          <p:cNvPr id="4" name="内容占位符 4">
+            <a:extLst>
+              <a:ext uri="{FF2B5EF4-FFF2-40B4-BE49-F238E27FC236}">
+                <a16:creationId xmlns:a16="http://schemas.microsoft.com/office/drawing/2014/main" id="{3B94F9EC-7C4C-B444-95FC-71A44260A272}"/>
+              </a:ext>
+            </a:extLst>
+          </p:cNvPr>
+          <p:cNvSpPr txBox="1">
+            <a:spLocks/>
+          </p:cNvSpPr>
+          <p:nvPr/>
+        </p:nvSpPr>
+        <p:spPr>
+          <a:xfrm>
+            <a:off x="290660" y="2845354"/>
+            <a:ext cx="8301181" cy="684924"/>
+          </a:xfrm>
+          <a:prstGeom prst="rect">
+            <a:avLst/>
+          </a:prstGeom>
+        </p:spPr>
+        <p:txBody>
+          <a:bodyPr vert="horz" lIns="91440" tIns="45720" rIns="91440" bIns="45720" rtlCol="0">
+            <a:normAutofit/>
+          </a:bodyPr>
+          <a:lstStyle>
+            <a:lvl1pPr marL="457200" indent="-457200" algn="l" defTabSz="914400" rtl="0" eaLnBrk="1" latinLnBrk="0" hangingPunct="1">
+              <a:spcBef>
+                <a:spcPts val="2000"/>
+              </a:spcBef>
+              <a:buClr>
+                <a:schemeClr val="tx1">
+                  <a:lumMod val="75000"/>
+                  <a:lumOff val="25000"/>
+                </a:schemeClr>
+              </a:buClr>
+              <a:buSzPct val="75000"/>
+              <a:buFont typeface="Wingdings 2" pitchFamily="18" charset="2"/>
+              <a:buChar char=""/>
+              <a:defRPr sz="2200" kern="1200">
+                <a:solidFill>
+                  <a:schemeClr val="tx1">
+                    <a:lumMod val="75000"/>
+                    <a:lumOff val="25000"/>
+                  </a:schemeClr>
+                </a:solidFill>
+                <a:latin typeface="+mn-lt"/>
+                <a:ea typeface="+mn-ea"/>
+                <a:cs typeface="+mn-cs"/>
+              </a:defRPr>
+            </a:lvl1pPr>
+            <a:lvl2pPr marL="914400" indent="-457200" algn="l" defTabSz="914400" rtl="0" eaLnBrk="1" latinLnBrk="0" hangingPunct="1">
+              <a:spcBef>
+                <a:spcPts val="600"/>
+              </a:spcBef>
+              <a:buClr>
+                <a:schemeClr val="tx1">
+                  <a:lumMod val="50000"/>
+                  <a:lumOff val="50000"/>
+                </a:schemeClr>
+              </a:buClr>
+              <a:buSzPct val="75000"/>
+              <a:buFont typeface="Wingdings 2" pitchFamily="18" charset="2"/>
+              <a:buChar char=""/>
+              <a:defRPr sz="2000" kern="1200">
+                <a:solidFill>
+                  <a:schemeClr val="tx1">
+                    <a:lumMod val="75000"/>
+                    <a:lumOff val="25000"/>
+                  </a:schemeClr>
+                </a:solidFill>
+                <a:latin typeface="+mn-lt"/>
+                <a:ea typeface="+mn-ea"/>
+                <a:cs typeface="+mn-cs"/>
+              </a:defRPr>
+            </a:lvl2pPr>
+            <a:lvl3pPr marL="1371600" indent="-457200" algn="l" defTabSz="914400" rtl="0" eaLnBrk="1" latinLnBrk="0" hangingPunct="1">
+              <a:spcBef>
+                <a:spcPts val="600"/>
+              </a:spcBef>
+              <a:buClr>
+                <a:schemeClr val="tx1">
+                  <a:lumMod val="75000"/>
+                  <a:lumOff val="25000"/>
+                </a:schemeClr>
+              </a:buClr>
+              <a:buSzPct val="75000"/>
+              <a:buFont typeface="Wingdings 2" pitchFamily="18" charset="2"/>
+              <a:buChar char=""/>
+              <a:defRPr sz="1800" kern="1200">
+                <a:solidFill>
+                  <a:schemeClr val="tx1">
+                    <a:lumMod val="75000"/>
+                    <a:lumOff val="25000"/>
+                  </a:schemeClr>
+                </a:solidFill>
+                <a:latin typeface="+mn-lt"/>
+                <a:ea typeface="+mn-ea"/>
+                <a:cs typeface="+mn-cs"/>
+              </a:defRPr>
+            </a:lvl3pPr>
+            <a:lvl4pPr marL="1828800" indent="-457200" algn="l" defTabSz="914400" rtl="0" eaLnBrk="1" latinLnBrk="0" hangingPunct="1">
+              <a:spcBef>
+                <a:spcPts val="600"/>
+              </a:spcBef>
+              <a:buClr>
+                <a:schemeClr val="tx1">
+                  <a:lumMod val="50000"/>
+                  <a:lumOff val="50000"/>
+                </a:schemeClr>
+              </a:buClr>
+              <a:buSzPct val="75000"/>
+              <a:buFont typeface="Wingdings 2" pitchFamily="18" charset="2"/>
+              <a:buChar char=""/>
+              <a:defRPr sz="1800" kern="1200">
+                <a:solidFill>
+                  <a:schemeClr val="tx1">
+                    <a:lumMod val="75000"/>
+                    <a:lumOff val="25000"/>
+                  </a:schemeClr>
+                </a:solidFill>
+                <a:latin typeface="+mn-lt"/>
+                <a:ea typeface="+mn-ea"/>
+                <a:cs typeface="+mn-cs"/>
+              </a:defRPr>
+            </a:lvl4pPr>
+            <a:lvl5pPr marL="2286000" indent="-457200" algn="l" defTabSz="914400" rtl="0" eaLnBrk="1" latinLnBrk="0" hangingPunct="1">
+              <a:spcBef>
+                <a:spcPts val="600"/>
+              </a:spcBef>
+              <a:buClr>
+                <a:schemeClr val="tx1">
+                  <a:lumMod val="75000"/>
+                  <a:lumOff val="25000"/>
+                </a:schemeClr>
+              </a:buClr>
+              <a:buSzPct val="75000"/>
+              <a:buFont typeface="Wingdings 2" pitchFamily="18" charset="2"/>
+              <a:buChar char=""/>
+              <a:defRPr sz="1800" kern="1200">
+                <a:solidFill>
+                  <a:schemeClr val="tx1">
+                    <a:lumMod val="75000"/>
+                    <a:lumOff val="25000"/>
+                  </a:schemeClr>
+                </a:solidFill>
+                <a:latin typeface="+mn-lt"/>
+                <a:ea typeface="+mn-ea"/>
+                <a:cs typeface="+mn-cs"/>
+              </a:defRPr>
+            </a:lvl5pPr>
+            <a:lvl6pPr marL="2743200" indent="-461963" algn="l" defTabSz="914400" rtl="0" eaLnBrk="1" latinLnBrk="0" hangingPunct="1">
+              <a:spcBef>
+                <a:spcPct val="20000"/>
+              </a:spcBef>
+              <a:buClr>
+                <a:schemeClr val="tx1">
+                  <a:lumMod val="50000"/>
+                  <a:lumOff val="50000"/>
+                </a:schemeClr>
+              </a:buClr>
+              <a:buSzPct val="75000"/>
+              <a:buFont typeface="Wingdings 2" pitchFamily="18" charset="2"/>
+              <a:buChar char=""/>
+              <a:defRPr lang="en-US" sz="1800" kern="1200" dirty="0" smtClean="0">
+                <a:solidFill>
+                  <a:schemeClr val="tx1">
+                    <a:lumMod val="75000"/>
+                    <a:lumOff val="25000"/>
+                  </a:schemeClr>
+                </a:solidFill>
+                <a:latin typeface="+mn-lt"/>
+                <a:ea typeface="+mn-ea"/>
+                <a:cs typeface="+mn-cs"/>
+              </a:defRPr>
+            </a:lvl6pPr>
+            <a:lvl7pPr marL="3205163" indent="-461963" algn="l" defTabSz="914400" rtl="0" eaLnBrk="1" latinLnBrk="0" hangingPunct="1">
+              <a:spcBef>
+                <a:spcPct val="20000"/>
+              </a:spcBef>
+              <a:buClr>
+                <a:schemeClr val="tx1">
+                  <a:lumMod val="75000"/>
+                  <a:lumOff val="25000"/>
+                </a:schemeClr>
+              </a:buClr>
+              <a:buSzPct val="75000"/>
+              <a:buFont typeface="Wingdings 2" pitchFamily="18" charset="2"/>
+              <a:buChar char=""/>
+              <a:defRPr lang="en-US" sz="1800" kern="1200" dirty="0" smtClean="0">
+                <a:solidFill>
+                  <a:schemeClr val="tx1">
+                    <a:lumMod val="75000"/>
+                    <a:lumOff val="25000"/>
+                  </a:schemeClr>
+                </a:solidFill>
+                <a:latin typeface="+mn-lt"/>
+                <a:ea typeface="+mn-ea"/>
+                <a:cs typeface="+mn-cs"/>
+              </a:defRPr>
+            </a:lvl7pPr>
+            <a:lvl8pPr marL="3657600" indent="-461963" algn="l" defTabSz="914400" rtl="0" eaLnBrk="1" latinLnBrk="0" hangingPunct="1">
+              <a:spcBef>
+                <a:spcPct val="20000"/>
+              </a:spcBef>
+              <a:buClr>
+                <a:schemeClr val="tx1">
+                  <a:lumMod val="50000"/>
+                  <a:lumOff val="50000"/>
+                </a:schemeClr>
+              </a:buClr>
+              <a:buSzPct val="75000"/>
+              <a:buFont typeface="Wingdings 2" pitchFamily="18" charset="2"/>
+              <a:buChar char=""/>
+              <a:defRPr lang="en-US" sz="1800" kern="1200" dirty="0" smtClean="0">
+                <a:solidFill>
+                  <a:schemeClr val="tx1">
+                    <a:lumMod val="75000"/>
+                    <a:lumOff val="25000"/>
+                  </a:schemeClr>
+                </a:solidFill>
+                <a:latin typeface="+mn-lt"/>
+                <a:ea typeface="+mn-ea"/>
+                <a:cs typeface="+mn-cs"/>
+              </a:defRPr>
+            </a:lvl8pPr>
+            <a:lvl9pPr marL="4119563" indent="-461963" algn="l" defTabSz="914400" rtl="0" eaLnBrk="1" latinLnBrk="0" hangingPunct="1">
+              <a:spcBef>
+                <a:spcPct val="20000"/>
+              </a:spcBef>
+              <a:buClr>
+                <a:schemeClr val="tx1">
+                  <a:lumMod val="75000"/>
+                  <a:lumOff val="25000"/>
+                </a:schemeClr>
+              </a:buClr>
+              <a:buSzPct val="75000"/>
+              <a:buFont typeface="Wingdings 2" pitchFamily="18" charset="2"/>
+              <a:buChar char=""/>
+              <a:defRPr lang="en-US" sz="1800" kern="1200" dirty="0">
+                <a:solidFill>
+                  <a:schemeClr val="tx1">
+                    <a:lumMod val="75000"/>
+                    <a:lumOff val="25000"/>
+                  </a:schemeClr>
+                </a:solidFill>
+                <a:latin typeface="+mn-lt"/>
+                <a:ea typeface="+mn-ea"/>
+                <a:cs typeface="+mn-cs"/>
+              </a:defRPr>
+            </a:lvl9pPr>
+          </a:lstStyle>
+          <a:p>
+            <a:pPr marL="0" indent="0">
+              <a:buFont typeface="Wingdings 2" pitchFamily="18" charset="2"/>
+              <a:buNone/>
+            </a:pPr>
+            <a:r>
+              <a:rPr kumimoji="1" lang="en-US" altLang="zh-CN" dirty="0" err="1">
+                <a:solidFill>
+                  <a:schemeClr val="tx1"/>
+                </a:solidFill>
+              </a:rPr>
+              <a:t>p</a:t>
+            </a:r>
+            <a:r>
+              <a:rPr kumimoji="1" lang="en-US" altLang="zh-CN" baseline="-25000" dirty="0" err="1">
+                <a:solidFill>
+                  <a:schemeClr val="tx1"/>
+                </a:solidFill>
+              </a:rPr>
+              <a:t>y</a:t>
+            </a:r>
+            <a:r>
+              <a:rPr kumimoji="1" lang="en-US" altLang="zh-CN" dirty="0">
+                <a:solidFill>
+                  <a:schemeClr val="tx1"/>
+                </a:solidFill>
+              </a:rPr>
+              <a:t>(y) = px(g</a:t>
+            </a:r>
+            <a:r>
+              <a:rPr kumimoji="1" lang="en-US" altLang="zh-CN" baseline="30000" dirty="0">
+                <a:solidFill>
+                  <a:schemeClr val="tx1"/>
+                </a:solidFill>
+              </a:rPr>
+              <a:t>-1</a:t>
+            </a:r>
+            <a:r>
+              <a:rPr kumimoji="1" lang="en-US" altLang="zh-CN" dirty="0">
+                <a:solidFill>
+                  <a:schemeClr val="tx1"/>
+                </a:solidFill>
+              </a:rPr>
+              <a:t>(y)) ?</a:t>
+            </a:r>
+          </a:p>
+          <a:p>
+            <a:pPr marL="0" indent="0">
+              <a:buFont typeface="Wingdings 2" pitchFamily="18" charset="2"/>
+              <a:buNone/>
+            </a:pPr>
+            <a:endParaRPr kumimoji="1" lang="en-US" altLang="zh-CN" dirty="0">
+              <a:solidFill>
+                <a:schemeClr val="tx1"/>
+              </a:solidFill>
+            </a:endParaRPr>
+          </a:p>
+        </p:txBody>
+      </p:sp>
+      <mc:AlternateContent xmlns:mc="http://schemas.openxmlformats.org/markup-compatibility/2006">
+        <mc:Choice xmlns:a14="http://schemas.microsoft.com/office/drawing/2010/main" Requires="a14">
+          <p:sp>
+            <p:nvSpPr>
+              <p:cNvPr id="6" name="内容占位符 4">
+                <a:extLst>
+                  <a:ext uri="{FF2B5EF4-FFF2-40B4-BE49-F238E27FC236}">
+                    <a16:creationId xmlns:a16="http://schemas.microsoft.com/office/drawing/2014/main" id="{E5B440BE-0A23-EF4B-9429-B33CD6E02952}"/>
+                  </a:ext>
+                </a:extLst>
+              </p:cNvPr>
+              <p:cNvSpPr txBox="1">
+                <a:spLocks/>
+              </p:cNvSpPr>
+              <p:nvPr/>
+            </p:nvSpPr>
+            <p:spPr>
+              <a:xfrm>
+                <a:off x="155274" y="3639363"/>
+                <a:ext cx="8833452" cy="2541518"/>
+              </a:xfrm>
+              <a:prstGeom prst="rect">
+                <a:avLst/>
+              </a:prstGeom>
+            </p:spPr>
+            <p:txBody>
+              <a:bodyPr vert="horz" lIns="91440" tIns="45720" rIns="91440" bIns="45720" rtlCol="0">
+                <a:normAutofit/>
+              </a:bodyPr>
+              <a:lstStyle>
+                <a:lvl1pPr marL="457200" indent="-457200" algn="l" defTabSz="914400" rtl="0" eaLnBrk="1" latinLnBrk="0" hangingPunct="1">
+                  <a:spcBef>
+                    <a:spcPts val="2000"/>
+                  </a:spcBef>
+                  <a:buClr>
+                    <a:schemeClr val="tx1">
+                      <a:lumMod val="75000"/>
+                      <a:lumOff val="25000"/>
+                    </a:schemeClr>
+                  </a:buClr>
+                  <a:buSzPct val="75000"/>
+                  <a:buFont typeface="Wingdings 2" pitchFamily="18" charset="2"/>
+                  <a:buChar char=""/>
+                  <a:defRPr sz="2200" kern="1200">
+                    <a:solidFill>
+                      <a:schemeClr val="tx1">
+                        <a:lumMod val="75000"/>
+                        <a:lumOff val="25000"/>
+                      </a:schemeClr>
+                    </a:solidFill>
+                    <a:latin typeface="+mn-lt"/>
+                    <a:ea typeface="+mn-ea"/>
+                    <a:cs typeface="+mn-cs"/>
+                  </a:defRPr>
+                </a:lvl1pPr>
+                <a:lvl2pPr marL="914400" indent="-457200" algn="l" defTabSz="914400" rtl="0" eaLnBrk="1" latinLnBrk="0" hangingPunct="1">
+                  <a:spcBef>
+                    <a:spcPts val="600"/>
+                  </a:spcBef>
+                  <a:buClr>
+                    <a:schemeClr val="tx1">
+                      <a:lumMod val="50000"/>
+                      <a:lumOff val="50000"/>
+                    </a:schemeClr>
+                  </a:buClr>
+                  <a:buSzPct val="75000"/>
+                  <a:buFont typeface="Wingdings 2" pitchFamily="18" charset="2"/>
+                  <a:buChar char=""/>
+                  <a:defRPr sz="2000" kern="1200">
+                    <a:solidFill>
+                      <a:schemeClr val="tx1">
+                        <a:lumMod val="75000"/>
+                        <a:lumOff val="25000"/>
+                      </a:schemeClr>
+                    </a:solidFill>
+                    <a:latin typeface="+mn-lt"/>
+                    <a:ea typeface="+mn-ea"/>
+                    <a:cs typeface="+mn-cs"/>
+                  </a:defRPr>
+                </a:lvl2pPr>
+                <a:lvl3pPr marL="1371600" indent="-457200" algn="l" defTabSz="914400" rtl="0" eaLnBrk="1" latinLnBrk="0" hangingPunct="1">
+                  <a:spcBef>
+                    <a:spcPts val="600"/>
+                  </a:spcBef>
+                  <a:buClr>
+                    <a:schemeClr val="tx1">
+                      <a:lumMod val="75000"/>
+                      <a:lumOff val="25000"/>
+                    </a:schemeClr>
+                  </a:buClr>
+                  <a:buSzPct val="75000"/>
+                  <a:buFont typeface="Wingdings 2" pitchFamily="18" charset="2"/>
+                  <a:buChar char=""/>
+                  <a:defRPr sz="1800" kern="1200">
+                    <a:solidFill>
+                      <a:schemeClr val="tx1">
+                        <a:lumMod val="75000"/>
+                        <a:lumOff val="25000"/>
+                      </a:schemeClr>
+                    </a:solidFill>
+                    <a:latin typeface="+mn-lt"/>
+                    <a:ea typeface="+mn-ea"/>
+                    <a:cs typeface="+mn-cs"/>
+                  </a:defRPr>
+                </a:lvl3pPr>
+                <a:lvl4pPr marL="1828800" indent="-457200" algn="l" defTabSz="914400" rtl="0" eaLnBrk="1" latinLnBrk="0" hangingPunct="1">
+                  <a:spcBef>
+                    <a:spcPts val="600"/>
+                  </a:spcBef>
+                  <a:buClr>
+                    <a:schemeClr val="tx1">
+                      <a:lumMod val="50000"/>
+                      <a:lumOff val="50000"/>
+                    </a:schemeClr>
+                  </a:buClr>
+                  <a:buSzPct val="75000"/>
+                  <a:buFont typeface="Wingdings 2" pitchFamily="18" charset="2"/>
+                  <a:buChar char=""/>
+                  <a:defRPr sz="1800" kern="1200">
+                    <a:solidFill>
+                      <a:schemeClr val="tx1">
+                        <a:lumMod val="75000"/>
+                        <a:lumOff val="25000"/>
+                      </a:schemeClr>
+                    </a:solidFill>
+                    <a:latin typeface="+mn-lt"/>
+                    <a:ea typeface="+mn-ea"/>
+                    <a:cs typeface="+mn-cs"/>
+                  </a:defRPr>
+                </a:lvl4pPr>
+                <a:lvl5pPr marL="2286000" indent="-457200" algn="l" defTabSz="914400" rtl="0" eaLnBrk="1" latinLnBrk="0" hangingPunct="1">
+                  <a:spcBef>
+                    <a:spcPts val="600"/>
+                  </a:spcBef>
+                  <a:buClr>
+                    <a:schemeClr val="tx1">
+                      <a:lumMod val="75000"/>
+                      <a:lumOff val="25000"/>
+                    </a:schemeClr>
+                  </a:buClr>
+                  <a:buSzPct val="75000"/>
+                  <a:buFont typeface="Wingdings 2" pitchFamily="18" charset="2"/>
+                  <a:buChar char=""/>
+                  <a:defRPr sz="1800" kern="1200">
+                    <a:solidFill>
+                      <a:schemeClr val="tx1">
+                        <a:lumMod val="75000"/>
+                        <a:lumOff val="25000"/>
+                      </a:schemeClr>
+                    </a:solidFill>
+                    <a:latin typeface="+mn-lt"/>
+                    <a:ea typeface="+mn-ea"/>
+                    <a:cs typeface="+mn-cs"/>
+                  </a:defRPr>
+                </a:lvl5pPr>
+                <a:lvl6pPr marL="2743200" indent="-461963" algn="l" defTabSz="914400" rtl="0" eaLnBrk="1" latinLnBrk="0" hangingPunct="1">
+                  <a:spcBef>
+                    <a:spcPct val="20000"/>
+                  </a:spcBef>
+                  <a:buClr>
+                    <a:schemeClr val="tx1">
+                      <a:lumMod val="50000"/>
+                      <a:lumOff val="50000"/>
+                    </a:schemeClr>
+                  </a:buClr>
+                  <a:buSzPct val="75000"/>
+                  <a:buFont typeface="Wingdings 2" pitchFamily="18" charset="2"/>
+                  <a:buChar char=""/>
+                  <a:defRPr lang="en-US" sz="1800" kern="1200" dirty="0" smtClean="0">
+                    <a:solidFill>
+                      <a:schemeClr val="tx1">
+                        <a:lumMod val="75000"/>
+                        <a:lumOff val="25000"/>
+                      </a:schemeClr>
+                    </a:solidFill>
+                    <a:latin typeface="+mn-lt"/>
+                    <a:ea typeface="+mn-ea"/>
+                    <a:cs typeface="+mn-cs"/>
+                  </a:defRPr>
+                </a:lvl6pPr>
+                <a:lvl7pPr marL="3205163" indent="-461963" algn="l" defTabSz="914400" rtl="0" eaLnBrk="1" latinLnBrk="0" hangingPunct="1">
+                  <a:spcBef>
+                    <a:spcPct val="20000"/>
+                  </a:spcBef>
+                  <a:buClr>
+                    <a:schemeClr val="tx1">
+                      <a:lumMod val="75000"/>
+                      <a:lumOff val="25000"/>
+                    </a:schemeClr>
+                  </a:buClr>
+                  <a:buSzPct val="75000"/>
+                  <a:buFont typeface="Wingdings 2" pitchFamily="18" charset="2"/>
+                  <a:buChar char=""/>
+                  <a:defRPr lang="en-US" sz="1800" kern="1200" dirty="0" smtClean="0">
+                    <a:solidFill>
+                      <a:schemeClr val="tx1">
+                        <a:lumMod val="75000"/>
+                        <a:lumOff val="25000"/>
+                      </a:schemeClr>
+                    </a:solidFill>
+                    <a:latin typeface="+mn-lt"/>
+                    <a:ea typeface="+mn-ea"/>
+                    <a:cs typeface="+mn-cs"/>
+                  </a:defRPr>
+                </a:lvl7pPr>
+                <a:lvl8pPr marL="3657600" indent="-461963" algn="l" defTabSz="914400" rtl="0" eaLnBrk="1" latinLnBrk="0" hangingPunct="1">
+                  <a:spcBef>
+                    <a:spcPct val="20000"/>
+                  </a:spcBef>
+                  <a:buClr>
+                    <a:schemeClr val="tx1">
+                      <a:lumMod val="50000"/>
+                      <a:lumOff val="50000"/>
+                    </a:schemeClr>
+                  </a:buClr>
+                  <a:buSzPct val="75000"/>
+                  <a:buFont typeface="Wingdings 2" pitchFamily="18" charset="2"/>
+                  <a:buChar char=""/>
+                  <a:defRPr lang="en-US" sz="1800" kern="1200" dirty="0" smtClean="0">
+                    <a:solidFill>
+                      <a:schemeClr val="tx1">
+                        <a:lumMod val="75000"/>
+                        <a:lumOff val="25000"/>
+                      </a:schemeClr>
+                    </a:solidFill>
+                    <a:latin typeface="+mn-lt"/>
+                    <a:ea typeface="+mn-ea"/>
+                    <a:cs typeface="+mn-cs"/>
+                  </a:defRPr>
+                </a:lvl8pPr>
+                <a:lvl9pPr marL="4119563" indent="-461963" algn="l" defTabSz="914400" rtl="0" eaLnBrk="1" latinLnBrk="0" hangingPunct="1">
+                  <a:spcBef>
+                    <a:spcPct val="20000"/>
+                  </a:spcBef>
+                  <a:buClr>
+                    <a:schemeClr val="tx1">
+                      <a:lumMod val="75000"/>
+                      <a:lumOff val="25000"/>
+                    </a:schemeClr>
+                  </a:buClr>
+                  <a:buSzPct val="75000"/>
+                  <a:buFont typeface="Wingdings 2" pitchFamily="18" charset="2"/>
+                  <a:buChar char=""/>
+                  <a:defRPr lang="en-US" sz="1800" kern="1200" dirty="0">
+                    <a:solidFill>
+                      <a:schemeClr val="tx1">
+                        <a:lumMod val="75000"/>
+                        <a:lumOff val="25000"/>
+                      </a:schemeClr>
+                    </a:solidFill>
+                    <a:latin typeface="+mn-lt"/>
+                    <a:ea typeface="+mn-ea"/>
+                    <a:cs typeface="+mn-cs"/>
+                  </a:defRPr>
+                </a:lvl9pPr>
+              </a:lstStyle>
+              <a:p>
+                <a:pPr marL="0" indent="0">
+                  <a:buFont typeface="Wingdings 2" pitchFamily="18" charset="2"/>
+                  <a:buNone/>
+                </a:pPr>
+                <a:r>
+                  <a:rPr kumimoji="1" lang="en-US" altLang="zh-CN" dirty="0">
+                    <a:solidFill>
+                      <a:schemeClr val="tx1"/>
+                    </a:solidFill>
+                  </a:rPr>
+                  <a:t>Suppose y=x/2 and x ~ U(0,1).</a:t>
+                </a:r>
+              </a:p>
+              <a:p>
+                <a:pPr marL="0" indent="0">
+                  <a:buNone/>
+                </a:pPr>
+                <a:r>
+                  <a:rPr kumimoji="1" lang="en-US" altLang="zh-CN" dirty="0" err="1">
+                    <a:solidFill>
+                      <a:schemeClr val="tx1"/>
+                    </a:solidFill>
+                  </a:rPr>
+                  <a:t>I﻿f</a:t>
+                </a:r>
+                <a:r>
+                  <a:rPr kumimoji="1" lang="en-US" altLang="zh-CN" dirty="0">
+                    <a:solidFill>
+                      <a:schemeClr val="tx1"/>
+                    </a:solidFill>
+                  </a:rPr>
+                  <a:t> we use the rule </a:t>
+                </a:r>
+                <a:r>
+                  <a:rPr kumimoji="1" lang="en-US" altLang="zh-CN" dirty="0" err="1">
+                    <a:solidFill>
+                      <a:schemeClr val="tx1"/>
+                    </a:solidFill>
+                  </a:rPr>
+                  <a:t>p</a:t>
+                </a:r>
+                <a:r>
+                  <a:rPr kumimoji="1" lang="en-US" altLang="zh-CN" baseline="-25000" dirty="0" err="1">
+                    <a:solidFill>
+                      <a:schemeClr val="tx1"/>
+                    </a:solidFill>
+                  </a:rPr>
+                  <a:t>y</a:t>
+                </a:r>
+                <a:r>
+                  <a:rPr kumimoji="1" lang="en-US" altLang="zh-CN" dirty="0">
+                    <a:solidFill>
+                      <a:schemeClr val="tx1"/>
+                    </a:solidFill>
+                  </a:rPr>
+                  <a:t>(y) = p</a:t>
+                </a:r>
+                <a:r>
+                  <a:rPr kumimoji="1" lang="en-US" altLang="zh-CN" baseline="-25000" dirty="0">
+                    <a:solidFill>
+                      <a:schemeClr val="tx1"/>
+                    </a:solidFill>
+                  </a:rPr>
+                  <a:t>x</a:t>
+                </a:r>
+                <a:r>
+                  <a:rPr kumimoji="1" lang="en-US" altLang="zh-CN" dirty="0">
+                    <a:solidFill>
+                      <a:schemeClr val="tx1"/>
+                    </a:solidFill>
+                  </a:rPr>
+                  <a:t>(2y) then </a:t>
+                </a:r>
+                <a:r>
+                  <a:rPr kumimoji="1" lang="en-US" altLang="zh-CN" dirty="0" err="1">
+                    <a:solidFill>
+                      <a:schemeClr val="tx1"/>
+                    </a:solidFill>
+                  </a:rPr>
+                  <a:t>p</a:t>
+                </a:r>
+                <a:r>
+                  <a:rPr kumimoji="1" lang="en-US" altLang="zh-CN" baseline="-25000" dirty="0" err="1">
+                    <a:solidFill>
+                      <a:schemeClr val="tx1"/>
+                    </a:solidFill>
+                  </a:rPr>
+                  <a:t>y</a:t>
+                </a:r>
+                <a:r>
+                  <a:rPr kumimoji="1" lang="en-US" altLang="zh-CN" baseline="-25000" dirty="0">
+                    <a:solidFill>
+                      <a:schemeClr val="tx1"/>
+                    </a:solidFill>
+                  </a:rPr>
+                  <a:t> </a:t>
+                </a:r>
+                <a:r>
+                  <a:rPr kumimoji="1" lang="en-US" altLang="zh-CN" dirty="0">
+                    <a:solidFill>
+                      <a:schemeClr val="tx1"/>
+                    </a:solidFill>
+                  </a:rPr>
+                  <a:t>will be 0 everywhere except the interval [0, 1/2], and it will be 1 on this interval.</a:t>
+                </a:r>
+              </a:p>
+              <a:p>
+                <a:pPr marL="0" indent="0">
+                  <a:buNone/>
+                </a:pPr>
+                <a14:m>
+                  <m:oMathPara xmlns:m="http://schemas.openxmlformats.org/officeDocument/2006/math">
+                    <m:oMathParaPr>
+                      <m:jc m:val="centerGroup"/>
+                    </m:oMathParaPr>
+                    <m:oMath xmlns:m="http://schemas.openxmlformats.org/officeDocument/2006/math">
+                      <m:nary>
+                        <m:naryPr>
+                          <m:limLoc m:val="undOvr"/>
+                          <m:subHide m:val="on"/>
+                          <m:supHide m:val="on"/>
+                          <m:ctrlPr>
+                            <a:rPr kumimoji="1" lang="en-US" altLang="zh-CN" i="1" smtClean="0">
+                              <a:solidFill>
+                                <a:schemeClr val="tx1"/>
+                              </a:solidFill>
+                              <a:latin typeface="Cambria Math" panose="02040503050406030204" pitchFamily="18" charset="0"/>
+                            </a:rPr>
+                          </m:ctrlPr>
+                        </m:naryPr>
+                        <m:sub/>
+                        <m:sup/>
+                        <m:e>
+                          <m:sSub>
+                            <m:sSubPr>
+                              <m:ctrlPr>
+                                <a:rPr kumimoji="1" lang="en-US" altLang="zh-CN" i="1" smtClean="0">
+                                  <a:solidFill>
+                                    <a:schemeClr val="tx1"/>
+                                  </a:solidFill>
+                                  <a:latin typeface="Cambria Math" panose="02040503050406030204" pitchFamily="18" charset="0"/>
+                                </a:rPr>
+                              </m:ctrlPr>
+                            </m:sSubPr>
+                            <m:e>
+                              <m:r>
+                                <a:rPr kumimoji="1" lang="en-US" altLang="zh-CN" b="0" i="1" smtClean="0">
+                                  <a:solidFill>
+                                    <a:schemeClr val="tx1"/>
+                                  </a:solidFill>
+                                  <a:latin typeface="Cambria Math" panose="02040503050406030204" pitchFamily="18" charset="0"/>
+                                </a:rPr>
+                                <m:t>𝑝</m:t>
+                              </m:r>
+                            </m:e>
+                            <m:sub>
+                              <m:r>
+                                <a:rPr kumimoji="1" lang="en-US" altLang="zh-CN" b="0" i="1" smtClean="0">
+                                  <a:solidFill>
+                                    <a:schemeClr val="tx1"/>
+                                  </a:solidFill>
+                                  <a:latin typeface="Cambria Math" panose="02040503050406030204" pitchFamily="18" charset="0"/>
+                                </a:rPr>
+                                <m:t>𝑦</m:t>
+                              </m:r>
+                            </m:sub>
+                          </m:sSub>
+                          <m:d>
+                            <m:dPr>
+                              <m:ctrlPr>
+                                <a:rPr kumimoji="1" lang="en-US" altLang="zh-CN" b="0" i="1" smtClean="0">
+                                  <a:solidFill>
+                                    <a:schemeClr val="tx1"/>
+                                  </a:solidFill>
+                                  <a:latin typeface="Cambria Math" panose="02040503050406030204" pitchFamily="18" charset="0"/>
+                                </a:rPr>
+                              </m:ctrlPr>
+                            </m:dPr>
+                            <m:e>
+                              <m:r>
+                                <a:rPr kumimoji="1" lang="en-US" altLang="zh-CN" b="0" i="1" smtClean="0">
+                                  <a:solidFill>
+                                    <a:schemeClr val="tx1"/>
+                                  </a:solidFill>
+                                  <a:latin typeface="Cambria Math" panose="02040503050406030204" pitchFamily="18" charset="0"/>
+                                </a:rPr>
+                                <m:t>𝑦</m:t>
+                              </m:r>
+                            </m:e>
+                          </m:d>
+                          <m:r>
+                            <a:rPr kumimoji="1" lang="en-US" altLang="zh-CN" b="0" i="1" smtClean="0">
+                              <a:solidFill>
+                                <a:schemeClr val="tx1"/>
+                              </a:solidFill>
+                              <a:latin typeface="Cambria Math" panose="02040503050406030204" pitchFamily="18" charset="0"/>
+                            </a:rPr>
+                            <m:t>𝑑𝑦</m:t>
+                          </m:r>
+                        </m:e>
+                      </m:nary>
+                      <m:r>
+                        <a:rPr kumimoji="1" lang="en-US" altLang="zh-CN" b="0" i="1" smtClean="0">
+                          <a:solidFill>
+                            <a:schemeClr val="tx1"/>
+                          </a:solidFill>
+                          <a:latin typeface="Cambria Math" panose="02040503050406030204" pitchFamily="18" charset="0"/>
+                        </a:rPr>
+                        <m:t>=</m:t>
+                      </m:r>
+                      <m:f>
+                        <m:fPr>
+                          <m:ctrlPr>
+                            <a:rPr kumimoji="1" lang="en-US" altLang="zh-CN" b="0" i="1" smtClean="0">
+                              <a:solidFill>
+                                <a:schemeClr val="tx1"/>
+                              </a:solidFill>
+                              <a:latin typeface="Cambria Math" panose="02040503050406030204" pitchFamily="18" charset="0"/>
+                            </a:rPr>
+                          </m:ctrlPr>
+                        </m:fPr>
+                        <m:num>
+                          <m:r>
+                            <a:rPr kumimoji="1" lang="en-US" altLang="zh-CN" b="0" i="1" smtClean="0">
+                              <a:solidFill>
+                                <a:schemeClr val="tx1"/>
+                              </a:solidFill>
+                              <a:latin typeface="Cambria Math" panose="02040503050406030204" pitchFamily="18" charset="0"/>
+                            </a:rPr>
+                            <m:t>1</m:t>
+                          </m:r>
+                        </m:num>
+                        <m:den>
+                          <m:r>
+                            <a:rPr kumimoji="1" lang="en-US" altLang="zh-CN" b="0" i="1" smtClean="0">
+                              <a:solidFill>
+                                <a:schemeClr val="tx1"/>
+                              </a:solidFill>
+                              <a:latin typeface="Cambria Math" panose="02040503050406030204" pitchFamily="18" charset="0"/>
+                            </a:rPr>
+                            <m:t>2</m:t>
+                          </m:r>
+                        </m:den>
+                      </m:f>
+                    </m:oMath>
+                  </m:oMathPara>
+                </a14:m>
+                <a:endParaRPr kumimoji="1" lang="en-US" altLang="zh-CN" dirty="0">
+                  <a:solidFill>
+                    <a:schemeClr val="tx1"/>
+                  </a:solidFill>
+                </a:endParaRPr>
+              </a:p>
+              <a:p>
+                <a:pPr marL="0" indent="0">
+                  <a:buNone/>
+                </a:pPr>
+                <a:endParaRPr kumimoji="1" lang="en-US" altLang="zh-CN" dirty="0">
+                  <a:solidFill>
+                    <a:schemeClr val="tx1"/>
+                  </a:solidFill>
+                </a:endParaRPr>
+              </a:p>
+            </p:txBody>
+          </p:sp>
+        </mc:Choice>
+        <mc:Fallback>
+          <p:sp>
+            <p:nvSpPr>
+              <p:cNvPr id="6" name="内容占位符 4">
+                <a:extLst>
+                  <a:ext uri="{FF2B5EF4-FFF2-40B4-BE49-F238E27FC236}">
+                    <a16:creationId xmlns:a16="http://schemas.microsoft.com/office/drawing/2014/main" id="{E5B440BE-0A23-EF4B-9429-B33CD6E02952}"/>
+                  </a:ext>
+                </a:extLst>
+              </p:cNvPr>
+              <p:cNvSpPr txBox="1">
+                <a:spLocks noRot="1" noChangeAspect="1" noMove="1" noResize="1" noEditPoints="1" noAdjustHandles="1" noChangeArrowheads="1" noChangeShapeType="1" noTextEdit="1"/>
+              </p:cNvSpPr>
+              <p:nvPr/>
+            </p:nvSpPr>
+            <p:spPr>
+              <a:xfrm>
+                <a:off x="155274" y="3639363"/>
+                <a:ext cx="8833452" cy="2541518"/>
+              </a:xfrm>
+              <a:prstGeom prst="rect">
+                <a:avLst/>
+              </a:prstGeom>
+              <a:blipFill>
+                <a:blip r:embed="rId2"/>
+                <a:stretch>
+                  <a:fillRect l="-862" t="-2985" b="-61692"/>
+                </a:stretch>
+              </a:blipFill>
+            </p:spPr>
+            <p:txBody>
+              <a:bodyPr/>
+              <a:lstStyle/>
+              <a:p>
+                <a:r>
+                  <a:rPr lang="en-CN">
+                    <a:noFill/>
+                  </a:rPr>
+                  <a:t> </a:t>
+                </a:r>
+              </a:p>
+            </p:txBody>
+          </p:sp>
+        </mc:Fallback>
+      </mc:AlternateContent>
+    </p:spTree>
+    <p:extLst>
+      <p:ext uri="{BB962C8B-B14F-4D97-AF65-F5344CB8AC3E}">
+        <p14:creationId xmlns:p14="http://schemas.microsoft.com/office/powerpoint/2010/main" val="3755253384"/>
+      </p:ext>
+    </p:extLst>
+  </p:cSld>
+  <p:clrMapOvr>
+    <a:masterClrMapping/>
+  </p:clrMapOvr>
+</p:sld>
+</file>
+
+<file path=ppt/slides/slide11.xml><?xml version="1.0" encoding="utf-8"?>
+<p:sld xmlns:a="http://schemas.openxmlformats.org/drawingml/2006/main" xmlns:r="http://schemas.openxmlformats.org/officeDocument/2006/relationships" xmlns:p="http://schemas.openxmlformats.org/presentationml/2006/main">
+  <p:cSld>
+    <p:spTree>
+      <p:nvGrpSpPr>
+        <p:cNvPr id="1" name=""/>
+        <p:cNvGrpSpPr/>
+        <p:nvPr/>
+      </p:nvGrpSpPr>
+      <p:grpSpPr>
+        <a:xfrm>
+          <a:off x="0" y="0"/>
+          <a:ext cx="0" cy="0"/>
+          <a:chOff x="0" y="0"/>
+          <a:chExt cx="0" cy="0"/>
+        </a:xfrm>
+      </p:grpSpPr>
+      <p:pic>
+        <p:nvPicPr>
+          <p:cNvPr id="19" name="Picture 18" descr="A picture containing diagram&#10;&#10;Description automatically generated">
+            <a:extLst>
+              <a:ext uri="{FF2B5EF4-FFF2-40B4-BE49-F238E27FC236}">
+                <a16:creationId xmlns:a16="http://schemas.microsoft.com/office/drawing/2014/main" id="{0A5478F6-F4F0-F24F-AD38-C1D580796D76}"/>
+              </a:ext>
+            </a:extLst>
+          </p:cNvPr>
+          <p:cNvPicPr>
+            <a:picLocks noChangeAspect="1"/>
+          </p:cNvPicPr>
+          <p:nvPr/>
+        </p:nvPicPr>
+        <p:blipFill rotWithShape="1">
+          <a:blip r:embed="rId2"/>
+          <a:srcRect l="10506" t="22022" r="12026" b="3230"/>
+          <a:stretch/>
+        </p:blipFill>
+        <p:spPr>
+          <a:xfrm>
+            <a:off x="748925" y="3717627"/>
+            <a:ext cx="7083706" cy="2296095"/>
+          </a:xfrm>
+          <a:prstGeom prst="rect">
+            <a:avLst/>
+          </a:prstGeom>
+        </p:spPr>
+      </p:pic>
+      <p:sp>
+        <p:nvSpPr>
+          <p:cNvPr id="5" name="内容占位符 4"/>
+          <p:cNvSpPr>
+            <a:spLocks noGrp="1"/>
+          </p:cNvSpPr>
+          <p:nvPr>
+            <p:ph idx="1"/>
+          </p:nvPr>
+        </p:nvSpPr>
+        <p:spPr>
+          <a:xfrm>
+            <a:off x="247787" y="1428449"/>
+            <a:ext cx="8479523" cy="750455"/>
+          </a:xfrm>
+        </p:spPr>
+        <p:txBody>
+          <a:bodyPr>
+            <a:normAutofit/>
+          </a:bodyPr>
+          <a:lstStyle/>
+          <a:p>
+            <a:pPr marL="0" indent="0">
+              <a:buNone/>
+            </a:pPr>
+            <a:r>
+              <a:rPr kumimoji="1" lang="en-US" altLang="zh-CN" dirty="0">
+                <a:solidFill>
+                  <a:schemeClr val="tx1"/>
+                </a:solidFill>
+              </a:rPr>
+              <a:t>What’s wrong?</a:t>
+            </a:r>
+          </a:p>
+          <a:p>
+            <a:pPr marL="0" indent="0">
+              <a:buNone/>
+            </a:pPr>
+            <a:endParaRPr kumimoji="1" lang="en-US" altLang="zh-CN" dirty="0">
+              <a:solidFill>
+                <a:schemeClr val="tx1"/>
+              </a:solidFill>
+            </a:endParaRPr>
+          </a:p>
+        </p:txBody>
+      </p:sp>
+      <p:sp>
+        <p:nvSpPr>
+          <p:cNvPr id="7" name="标题 1"/>
+          <p:cNvSpPr>
+            <a:spLocks noGrp="1"/>
+          </p:cNvSpPr>
+          <p:nvPr>
+            <p:ph type="title"/>
+          </p:nvPr>
+        </p:nvSpPr>
+        <p:spPr>
+          <a:xfrm>
+            <a:off x="473363" y="577276"/>
+            <a:ext cx="8561579" cy="750455"/>
+          </a:xfrm>
+        </p:spPr>
+        <p:txBody>
+          <a:bodyPr/>
+          <a:lstStyle/>
+          <a:p>
+            <a:pPr algn="l"/>
+            <a:r>
+              <a:rPr lang="en-US" altLang="ja-JP" sz="4000" baseline="30000" dirty="0">
+                <a:solidFill>
+                  <a:schemeClr val="bg1"/>
+                </a:solidFill>
+                <a:latin typeface="黑体"/>
+                <a:ea typeface="黑体"/>
+                <a:cs typeface="黑体"/>
+              </a:rPr>
+              <a:t>1.</a:t>
+            </a:r>
+            <a:r>
+              <a:rPr lang="en-US" altLang="zh-CN" sz="4000" baseline="30000" dirty="0">
+                <a:solidFill>
+                  <a:schemeClr val="bg1"/>
+                </a:solidFill>
+                <a:latin typeface="黑体"/>
+                <a:ea typeface="黑体"/>
+                <a:cs typeface="黑体"/>
+              </a:rPr>
+              <a:t>7</a:t>
+            </a:r>
+            <a:r>
+              <a:rPr lang="en-US" altLang="ja-JP" sz="4000" baseline="30000" dirty="0">
+                <a:solidFill>
+                  <a:schemeClr val="bg1"/>
+                </a:solidFill>
+                <a:latin typeface="黑体"/>
+                <a:ea typeface="黑体"/>
+                <a:cs typeface="黑体"/>
+              </a:rPr>
+              <a:t> Application</a:t>
+            </a:r>
+            <a:endParaRPr lang="ja-JP" altLang="en-US" sz="4000" baseline="30000" dirty="0">
+              <a:solidFill>
+                <a:schemeClr val="bg1"/>
+              </a:solidFill>
+              <a:latin typeface="黑体"/>
+              <a:ea typeface="黑体"/>
+              <a:cs typeface="黑体"/>
+            </a:endParaRPr>
+          </a:p>
+        </p:txBody>
+      </p:sp>
+      <mc:AlternateContent xmlns:mc="http://schemas.openxmlformats.org/markup-compatibility/2006">
+        <mc:Choice xmlns:a14="http://schemas.microsoft.com/office/drawing/2010/main" Requires="a14">
+          <p:sp>
+            <p:nvSpPr>
+              <p:cNvPr id="13" name="内容占位符 4">
+                <a:extLst>
+                  <a:ext uri="{FF2B5EF4-FFF2-40B4-BE49-F238E27FC236}">
+                    <a16:creationId xmlns:a16="http://schemas.microsoft.com/office/drawing/2014/main" id="{68F09DC1-626B-DF42-9BBE-C8C84CD60782}"/>
+                  </a:ext>
+                </a:extLst>
+              </p:cNvPr>
+              <p:cNvSpPr txBox="1">
+                <a:spLocks/>
+              </p:cNvSpPr>
+              <p:nvPr/>
+            </p:nvSpPr>
+            <p:spPr>
+              <a:xfrm>
+                <a:off x="247788" y="3951730"/>
+                <a:ext cx="8479523" cy="913945"/>
+              </a:xfrm>
+              <a:prstGeom prst="rect">
+                <a:avLst/>
+              </a:prstGeom>
+            </p:spPr>
+            <p:txBody>
+              <a:bodyPr vert="horz" lIns="91440" tIns="45720" rIns="91440" bIns="45720" rtlCol="0">
+                <a:normAutofit fontScale="92500"/>
+              </a:bodyPr>
+              <a:lstStyle>
+                <a:lvl1pPr marL="457200" indent="-457200" algn="l" defTabSz="914400" rtl="0" eaLnBrk="1" latinLnBrk="0" hangingPunct="1">
+                  <a:spcBef>
+                    <a:spcPts val="2000"/>
+                  </a:spcBef>
+                  <a:buClr>
+                    <a:schemeClr val="tx1">
+                      <a:lumMod val="75000"/>
+                      <a:lumOff val="25000"/>
+                    </a:schemeClr>
+                  </a:buClr>
+                  <a:buSzPct val="75000"/>
+                  <a:buFont typeface="Wingdings 2" pitchFamily="18" charset="2"/>
+                  <a:buChar char=""/>
+                  <a:defRPr sz="2200" kern="1200">
+                    <a:solidFill>
+                      <a:schemeClr val="tx1">
+                        <a:lumMod val="75000"/>
+                        <a:lumOff val="25000"/>
+                      </a:schemeClr>
+                    </a:solidFill>
+                    <a:latin typeface="+mn-lt"/>
+                    <a:ea typeface="+mn-ea"/>
+                    <a:cs typeface="+mn-cs"/>
+                  </a:defRPr>
+                </a:lvl1pPr>
+                <a:lvl2pPr marL="914400" indent="-457200" algn="l" defTabSz="914400" rtl="0" eaLnBrk="1" latinLnBrk="0" hangingPunct="1">
+                  <a:spcBef>
+                    <a:spcPts val="600"/>
+                  </a:spcBef>
+                  <a:buClr>
+                    <a:schemeClr val="tx1">
+                      <a:lumMod val="50000"/>
+                      <a:lumOff val="50000"/>
+                    </a:schemeClr>
+                  </a:buClr>
+                  <a:buSzPct val="75000"/>
+                  <a:buFont typeface="Wingdings 2" pitchFamily="18" charset="2"/>
+                  <a:buChar char=""/>
+                  <a:defRPr sz="2000" kern="1200">
+                    <a:solidFill>
+                      <a:schemeClr val="tx1">
+                        <a:lumMod val="75000"/>
+                        <a:lumOff val="25000"/>
+                      </a:schemeClr>
+                    </a:solidFill>
+                    <a:latin typeface="+mn-lt"/>
+                    <a:ea typeface="+mn-ea"/>
+                    <a:cs typeface="+mn-cs"/>
+                  </a:defRPr>
+                </a:lvl2pPr>
+                <a:lvl3pPr marL="1371600" indent="-457200" algn="l" defTabSz="914400" rtl="0" eaLnBrk="1" latinLnBrk="0" hangingPunct="1">
+                  <a:spcBef>
+                    <a:spcPts val="600"/>
+                  </a:spcBef>
+                  <a:buClr>
+                    <a:schemeClr val="tx1">
+                      <a:lumMod val="75000"/>
+                      <a:lumOff val="25000"/>
+                    </a:schemeClr>
+                  </a:buClr>
+                  <a:buSzPct val="75000"/>
+                  <a:buFont typeface="Wingdings 2" pitchFamily="18" charset="2"/>
+                  <a:buChar char=""/>
+                  <a:defRPr sz="1800" kern="1200">
+                    <a:solidFill>
+                      <a:schemeClr val="tx1">
+                        <a:lumMod val="75000"/>
+                        <a:lumOff val="25000"/>
+                      </a:schemeClr>
+                    </a:solidFill>
+                    <a:latin typeface="+mn-lt"/>
+                    <a:ea typeface="+mn-ea"/>
+                    <a:cs typeface="+mn-cs"/>
+                  </a:defRPr>
+                </a:lvl3pPr>
+                <a:lvl4pPr marL="1828800" indent="-457200" algn="l" defTabSz="914400" rtl="0" eaLnBrk="1" latinLnBrk="0" hangingPunct="1">
+                  <a:spcBef>
+                    <a:spcPts val="600"/>
+                  </a:spcBef>
+                  <a:buClr>
+                    <a:schemeClr val="tx1">
+                      <a:lumMod val="50000"/>
+                      <a:lumOff val="50000"/>
+                    </a:schemeClr>
+                  </a:buClr>
+                  <a:buSzPct val="75000"/>
+                  <a:buFont typeface="Wingdings 2" pitchFamily="18" charset="2"/>
+                  <a:buChar char=""/>
+                  <a:defRPr sz="1800" kern="1200">
+                    <a:solidFill>
+                      <a:schemeClr val="tx1">
+                        <a:lumMod val="75000"/>
+                        <a:lumOff val="25000"/>
+                      </a:schemeClr>
+                    </a:solidFill>
+                    <a:latin typeface="+mn-lt"/>
+                    <a:ea typeface="+mn-ea"/>
+                    <a:cs typeface="+mn-cs"/>
+                  </a:defRPr>
+                </a:lvl4pPr>
+                <a:lvl5pPr marL="2286000" indent="-457200" algn="l" defTabSz="914400" rtl="0" eaLnBrk="1" latinLnBrk="0" hangingPunct="1">
+                  <a:spcBef>
+                    <a:spcPts val="600"/>
+                  </a:spcBef>
+                  <a:buClr>
+                    <a:schemeClr val="tx1">
+                      <a:lumMod val="75000"/>
+                      <a:lumOff val="25000"/>
+                    </a:schemeClr>
+                  </a:buClr>
+                  <a:buSzPct val="75000"/>
+                  <a:buFont typeface="Wingdings 2" pitchFamily="18" charset="2"/>
+                  <a:buChar char=""/>
+                  <a:defRPr sz="1800" kern="1200">
+                    <a:solidFill>
+                      <a:schemeClr val="tx1">
+                        <a:lumMod val="75000"/>
+                        <a:lumOff val="25000"/>
+                      </a:schemeClr>
+                    </a:solidFill>
+                    <a:latin typeface="+mn-lt"/>
+                    <a:ea typeface="+mn-ea"/>
+                    <a:cs typeface="+mn-cs"/>
+                  </a:defRPr>
+                </a:lvl5pPr>
+                <a:lvl6pPr marL="2743200" indent="-461963" algn="l" defTabSz="914400" rtl="0" eaLnBrk="1" latinLnBrk="0" hangingPunct="1">
+                  <a:spcBef>
+                    <a:spcPct val="20000"/>
+                  </a:spcBef>
+                  <a:buClr>
+                    <a:schemeClr val="tx1">
+                      <a:lumMod val="50000"/>
+                      <a:lumOff val="50000"/>
+                    </a:schemeClr>
+                  </a:buClr>
+                  <a:buSzPct val="75000"/>
+                  <a:buFont typeface="Wingdings 2" pitchFamily="18" charset="2"/>
+                  <a:buChar char=""/>
+                  <a:defRPr lang="en-US" sz="1800" kern="1200" dirty="0" smtClean="0">
+                    <a:solidFill>
+                      <a:schemeClr val="tx1">
+                        <a:lumMod val="75000"/>
+                        <a:lumOff val="25000"/>
+                      </a:schemeClr>
+                    </a:solidFill>
+                    <a:latin typeface="+mn-lt"/>
+                    <a:ea typeface="+mn-ea"/>
+                    <a:cs typeface="+mn-cs"/>
+                  </a:defRPr>
+                </a:lvl6pPr>
+                <a:lvl7pPr marL="3205163" indent="-461963" algn="l" defTabSz="914400" rtl="0" eaLnBrk="1" latinLnBrk="0" hangingPunct="1">
+                  <a:spcBef>
+                    <a:spcPct val="20000"/>
+                  </a:spcBef>
+                  <a:buClr>
+                    <a:schemeClr val="tx1">
+                      <a:lumMod val="75000"/>
+                      <a:lumOff val="25000"/>
+                    </a:schemeClr>
+                  </a:buClr>
+                  <a:buSzPct val="75000"/>
+                  <a:buFont typeface="Wingdings 2" pitchFamily="18" charset="2"/>
+                  <a:buChar char=""/>
+                  <a:defRPr lang="en-US" sz="1800" kern="1200" dirty="0" smtClean="0">
+                    <a:solidFill>
+                      <a:schemeClr val="tx1">
+                        <a:lumMod val="75000"/>
+                        <a:lumOff val="25000"/>
+                      </a:schemeClr>
+                    </a:solidFill>
+                    <a:latin typeface="+mn-lt"/>
+                    <a:ea typeface="+mn-ea"/>
+                    <a:cs typeface="+mn-cs"/>
+                  </a:defRPr>
+                </a:lvl7pPr>
+                <a:lvl8pPr marL="3657600" indent="-461963" algn="l" defTabSz="914400" rtl="0" eaLnBrk="1" latinLnBrk="0" hangingPunct="1">
+                  <a:spcBef>
+                    <a:spcPct val="20000"/>
+                  </a:spcBef>
+                  <a:buClr>
+                    <a:schemeClr val="tx1">
+                      <a:lumMod val="50000"/>
+                      <a:lumOff val="50000"/>
+                    </a:schemeClr>
+                  </a:buClr>
+                  <a:buSzPct val="75000"/>
+                  <a:buFont typeface="Wingdings 2" pitchFamily="18" charset="2"/>
+                  <a:buChar char=""/>
+                  <a:defRPr lang="en-US" sz="1800" kern="1200" dirty="0" smtClean="0">
+                    <a:solidFill>
+                      <a:schemeClr val="tx1">
+                        <a:lumMod val="75000"/>
+                        <a:lumOff val="25000"/>
+                      </a:schemeClr>
+                    </a:solidFill>
+                    <a:latin typeface="+mn-lt"/>
+                    <a:ea typeface="+mn-ea"/>
+                    <a:cs typeface="+mn-cs"/>
+                  </a:defRPr>
+                </a:lvl8pPr>
+                <a:lvl9pPr marL="4119563" indent="-461963" algn="l" defTabSz="914400" rtl="0" eaLnBrk="1" latinLnBrk="0" hangingPunct="1">
+                  <a:spcBef>
+                    <a:spcPct val="20000"/>
+                  </a:spcBef>
+                  <a:buClr>
+                    <a:schemeClr val="tx1">
+                      <a:lumMod val="75000"/>
+                      <a:lumOff val="25000"/>
+                    </a:schemeClr>
+                  </a:buClr>
+                  <a:buSzPct val="75000"/>
+                  <a:buFont typeface="Wingdings 2" pitchFamily="18" charset="2"/>
+                  <a:buChar char=""/>
+                  <a:defRPr lang="en-US" sz="1800" kern="1200" dirty="0">
+                    <a:solidFill>
+                      <a:schemeClr val="tx1">
+                        <a:lumMod val="75000"/>
+                        <a:lumOff val="25000"/>
+                      </a:schemeClr>
+                    </a:solidFill>
+                    <a:latin typeface="+mn-lt"/>
+                    <a:ea typeface="+mn-ea"/>
+                    <a:cs typeface="+mn-cs"/>
+                  </a:defRPr>
+                </a:lvl9pPr>
+              </a:lstStyle>
+              <a:p>
+                <a:pPr marL="0" indent="0">
+                  <a:buNone/>
+                </a:pPr>
+                <a14:m>
+                  <m:oMathPara xmlns:m="http://schemas.openxmlformats.org/officeDocument/2006/math">
+                    <m:oMathParaPr>
+                      <m:jc m:val="centerGroup"/>
+                    </m:oMathParaPr>
+                    <m:oMath xmlns:m="http://schemas.openxmlformats.org/officeDocument/2006/math">
+                      <m:r>
+                        <a:rPr kumimoji="1" lang="en-US" altLang="zh-CN" b="0" i="1" smtClean="0">
+                          <a:solidFill>
+                            <a:schemeClr val="tx1"/>
+                          </a:solidFill>
+                          <a:latin typeface="Cambria Math" panose="02040503050406030204" pitchFamily="18" charset="0"/>
+                        </a:rPr>
+                        <m:t>1=</m:t>
+                      </m:r>
+                      <m:nary>
+                        <m:naryPr>
+                          <m:ctrlPr>
+                            <a:rPr kumimoji="1" lang="en-US" altLang="zh-CN" i="1" smtClean="0">
+                              <a:solidFill>
+                                <a:schemeClr val="tx1"/>
+                              </a:solidFill>
+                              <a:latin typeface="Cambria Math" panose="02040503050406030204" pitchFamily="18" charset="0"/>
+                            </a:rPr>
+                          </m:ctrlPr>
+                        </m:naryPr>
+                        <m:sub>
+                          <m:r>
+                            <m:rPr>
+                              <m:brk m:alnAt="23"/>
+                            </m:rPr>
+                            <a:rPr kumimoji="1" lang="en-US" altLang="zh-CN" b="0" i="1" smtClean="0">
+                              <a:solidFill>
+                                <a:schemeClr val="tx1"/>
+                              </a:solidFill>
+                              <a:latin typeface="Cambria Math" panose="02040503050406030204" pitchFamily="18" charset="0"/>
+                            </a:rPr>
+                            <m:t>0</m:t>
+                          </m:r>
+                        </m:sub>
+                        <m:sup>
+                          <m:r>
+                            <a:rPr kumimoji="1" lang="en-US" altLang="zh-CN" b="0" i="1" smtClean="0">
+                              <a:solidFill>
+                                <a:schemeClr val="tx1"/>
+                              </a:solidFill>
+                              <a:latin typeface="Cambria Math" panose="02040503050406030204" pitchFamily="18" charset="0"/>
+                            </a:rPr>
+                            <m:t>𝑎</m:t>
+                          </m:r>
+                        </m:sup>
+                        <m:e>
+                          <m:r>
+                            <a:rPr kumimoji="1" lang="en-US" altLang="zh-CN" b="0" i="1" smtClean="0">
+                              <a:solidFill>
+                                <a:schemeClr val="tx1"/>
+                              </a:solidFill>
+                              <a:latin typeface="Cambria Math" panose="02040503050406030204" pitchFamily="18" charset="0"/>
+                            </a:rPr>
+                            <m:t>𝑝</m:t>
+                          </m:r>
+                          <m:r>
+                            <a:rPr kumimoji="1" lang="en-US" altLang="zh-CN" b="0" i="1" baseline="-25000" smtClean="0">
+                              <a:solidFill>
+                                <a:schemeClr val="tx1"/>
+                              </a:solidFill>
+                              <a:latin typeface="Cambria Math" panose="02040503050406030204" pitchFamily="18" charset="0"/>
+                            </a:rPr>
+                            <m:t>𝑋</m:t>
+                          </m:r>
+                          <m:d>
+                            <m:dPr>
+                              <m:ctrlPr>
+                                <a:rPr kumimoji="1" lang="en-US" altLang="zh-CN" b="0" i="1" smtClean="0">
+                                  <a:solidFill>
+                                    <a:schemeClr val="tx1"/>
+                                  </a:solidFill>
+                                  <a:latin typeface="Cambria Math" panose="02040503050406030204" pitchFamily="18" charset="0"/>
+                                </a:rPr>
+                              </m:ctrlPr>
+                            </m:dPr>
+                            <m:e>
+                              <m:r>
+                                <a:rPr kumimoji="1" lang="en-US" altLang="zh-CN" b="0" i="1" smtClean="0">
+                                  <a:solidFill>
+                                    <a:schemeClr val="tx1"/>
+                                  </a:solidFill>
+                                  <a:latin typeface="Cambria Math" panose="02040503050406030204" pitchFamily="18" charset="0"/>
+                                </a:rPr>
+                                <m:t>𝑥</m:t>
+                              </m:r>
+                            </m:e>
+                          </m:d>
+                          <m:r>
+                            <a:rPr kumimoji="1" lang="en-US" altLang="zh-CN" b="0" i="1" smtClean="0">
+                              <a:solidFill>
+                                <a:schemeClr val="tx1"/>
+                              </a:solidFill>
+                              <a:latin typeface="Cambria Math" panose="02040503050406030204" pitchFamily="18" charset="0"/>
+                            </a:rPr>
+                            <m:t>𝑑𝑥</m:t>
+                          </m:r>
+                        </m:e>
+                      </m:nary>
+                      <m:r>
+                        <a:rPr kumimoji="1" lang="en-US" altLang="zh-CN" b="0" i="1" smtClean="0">
+                          <a:solidFill>
+                            <a:schemeClr val="tx1"/>
+                          </a:solidFill>
+                          <a:latin typeface="Cambria Math" panose="02040503050406030204" pitchFamily="18" charset="0"/>
+                        </a:rPr>
+                        <m:t>=</m:t>
+                      </m:r>
+                      <m:nary>
+                        <m:naryPr>
+                          <m:ctrlPr>
+                            <a:rPr kumimoji="1" lang="en-US" altLang="zh-CN" b="0" i="1" smtClean="0">
+                              <a:solidFill>
+                                <a:schemeClr val="tx1"/>
+                              </a:solidFill>
+                              <a:latin typeface="Cambria Math" panose="02040503050406030204" pitchFamily="18" charset="0"/>
+                            </a:rPr>
+                          </m:ctrlPr>
+                        </m:naryPr>
+                        <m:sub>
+                          <m:r>
+                            <m:rPr>
+                              <m:brk m:alnAt="23"/>
+                            </m:rPr>
+                            <a:rPr kumimoji="1" lang="en-US" altLang="zh-CN" b="0" i="1" smtClean="0">
+                              <a:solidFill>
+                                <a:schemeClr val="tx1"/>
+                              </a:solidFill>
+                              <a:latin typeface="Cambria Math" panose="02040503050406030204" pitchFamily="18" charset="0"/>
+                            </a:rPr>
+                            <m:t>0</m:t>
+                          </m:r>
+                        </m:sub>
+                        <m:sup>
+                          <m:f>
+                            <m:fPr>
+                              <m:ctrlPr>
+                                <a:rPr kumimoji="1" lang="en-US" altLang="zh-CN" b="0" i="1" smtClean="0">
+                                  <a:solidFill>
+                                    <a:schemeClr val="tx1"/>
+                                  </a:solidFill>
+                                  <a:latin typeface="Cambria Math" panose="02040503050406030204" pitchFamily="18" charset="0"/>
+                                </a:rPr>
+                              </m:ctrlPr>
+                            </m:fPr>
+                            <m:num>
+                              <m:r>
+                                <a:rPr kumimoji="1" lang="en-US" altLang="zh-CN" b="0" i="1" smtClean="0">
+                                  <a:solidFill>
+                                    <a:schemeClr val="tx1"/>
+                                  </a:solidFill>
+                                  <a:latin typeface="Cambria Math" panose="02040503050406030204" pitchFamily="18" charset="0"/>
+                                </a:rPr>
+                                <m:t>𝑎</m:t>
+                              </m:r>
+                            </m:num>
+                            <m:den>
+                              <m:r>
+                                <a:rPr kumimoji="1" lang="en-US" altLang="zh-CN" b="0" i="1" smtClean="0">
+                                  <a:solidFill>
+                                    <a:schemeClr val="tx1"/>
+                                  </a:solidFill>
+                                  <a:latin typeface="Cambria Math" panose="02040503050406030204" pitchFamily="18" charset="0"/>
+                                </a:rPr>
+                                <m:t>2</m:t>
+                              </m:r>
+                            </m:den>
+                          </m:f>
+                        </m:sup>
+                        <m:e>
+                          <m:r>
+                            <a:rPr kumimoji="1" lang="en-US" altLang="zh-CN" b="0" i="1" smtClean="0">
+                              <a:solidFill>
+                                <a:schemeClr val="tx1"/>
+                              </a:solidFill>
+                              <a:latin typeface="Cambria Math" panose="02040503050406030204" pitchFamily="18" charset="0"/>
+                            </a:rPr>
+                            <m:t>𝑝</m:t>
+                          </m:r>
+                          <m:r>
+                            <a:rPr kumimoji="1" lang="en-US" altLang="zh-CN" b="0" i="1" baseline="-25000" smtClean="0">
+                              <a:solidFill>
+                                <a:schemeClr val="tx1"/>
+                              </a:solidFill>
+                              <a:latin typeface="Cambria Math" panose="02040503050406030204" pitchFamily="18" charset="0"/>
+                            </a:rPr>
+                            <m:t>𝑌</m:t>
+                          </m:r>
+                          <m:d>
+                            <m:dPr>
+                              <m:ctrlPr>
+                                <a:rPr kumimoji="1" lang="en-US" altLang="zh-CN" b="0" i="1" smtClean="0">
+                                  <a:solidFill>
+                                    <a:schemeClr val="tx1"/>
+                                  </a:solidFill>
+                                  <a:latin typeface="Cambria Math" panose="02040503050406030204" pitchFamily="18" charset="0"/>
+                                </a:rPr>
+                              </m:ctrlPr>
+                            </m:dPr>
+                            <m:e>
+                              <m:r>
+                                <a:rPr kumimoji="1" lang="en-US" altLang="zh-CN" b="0" i="1" smtClean="0">
+                                  <a:solidFill>
+                                    <a:schemeClr val="tx1"/>
+                                  </a:solidFill>
+                                  <a:latin typeface="Cambria Math" panose="02040503050406030204" pitchFamily="18" charset="0"/>
+                                </a:rPr>
+                                <m:t>𝑦</m:t>
+                              </m:r>
+                            </m:e>
+                          </m:d>
+                          <m:r>
+                            <a:rPr kumimoji="1" lang="en-US" altLang="zh-CN" b="0" i="1" smtClean="0">
+                              <a:solidFill>
+                                <a:schemeClr val="tx1"/>
+                              </a:solidFill>
+                              <a:latin typeface="Cambria Math" panose="02040503050406030204" pitchFamily="18" charset="0"/>
+                            </a:rPr>
+                            <m:t>𝑑𝑦</m:t>
+                          </m:r>
+                        </m:e>
+                      </m:nary>
+                      <m:r>
+                        <a:rPr kumimoji="1" lang="en-US" altLang="zh-CN" b="0" i="1" smtClean="0">
+                          <a:solidFill>
+                            <a:schemeClr val="tx1"/>
+                          </a:solidFill>
+                          <a:latin typeface="Cambria Math" panose="02040503050406030204" pitchFamily="18" charset="0"/>
+                        </a:rPr>
+                        <m:t>=</m:t>
+                      </m:r>
+                      <m:nary>
+                        <m:naryPr>
+                          <m:ctrlPr>
+                            <a:rPr kumimoji="1" lang="en-US" altLang="zh-CN" i="1">
+                              <a:solidFill>
+                                <a:schemeClr val="tx1"/>
+                              </a:solidFill>
+                              <a:latin typeface="Cambria Math" panose="02040503050406030204" pitchFamily="18" charset="0"/>
+                            </a:rPr>
+                          </m:ctrlPr>
+                        </m:naryPr>
+                        <m:sub>
+                          <m:r>
+                            <m:rPr>
+                              <m:brk m:alnAt="23"/>
+                            </m:rPr>
+                            <a:rPr kumimoji="1" lang="en-US" altLang="zh-CN" i="1">
+                              <a:solidFill>
+                                <a:schemeClr val="tx1"/>
+                              </a:solidFill>
+                              <a:latin typeface="Cambria Math" panose="02040503050406030204" pitchFamily="18" charset="0"/>
+                            </a:rPr>
+                            <m:t>0</m:t>
+                          </m:r>
+                        </m:sub>
+                        <m:sup>
+                          <m:r>
+                            <a:rPr kumimoji="1" lang="en-US" altLang="zh-CN" b="0" i="1" smtClean="0">
+                              <a:solidFill>
+                                <a:schemeClr val="tx1"/>
+                              </a:solidFill>
+                              <a:latin typeface="Cambria Math" panose="02040503050406030204" pitchFamily="18" charset="0"/>
+                            </a:rPr>
+                            <m:t>𝑎</m:t>
+                          </m:r>
+                        </m:sup>
+                        <m:e>
+                          <m:r>
+                            <a:rPr kumimoji="1" lang="en-US" altLang="zh-CN" i="1">
+                              <a:solidFill>
+                                <a:schemeClr val="tx1"/>
+                              </a:solidFill>
+                              <a:latin typeface="Cambria Math" panose="02040503050406030204" pitchFamily="18" charset="0"/>
+                            </a:rPr>
+                            <m:t>𝑝</m:t>
+                          </m:r>
+                          <m:r>
+                            <a:rPr kumimoji="1" lang="en-US" altLang="zh-CN" i="1" baseline="-25000">
+                              <a:solidFill>
+                                <a:schemeClr val="tx1"/>
+                              </a:solidFill>
+                              <a:latin typeface="Cambria Math" panose="02040503050406030204" pitchFamily="18" charset="0"/>
+                            </a:rPr>
+                            <m:t>𝑌</m:t>
+                          </m:r>
+                          <m:d>
+                            <m:dPr>
+                              <m:ctrlPr>
+                                <a:rPr kumimoji="1" lang="en-US" altLang="zh-CN" i="1">
+                                  <a:solidFill>
+                                    <a:schemeClr val="tx1"/>
+                                  </a:solidFill>
+                                  <a:latin typeface="Cambria Math" panose="02040503050406030204" pitchFamily="18" charset="0"/>
+                                </a:rPr>
+                              </m:ctrlPr>
+                            </m:dPr>
+                            <m:e>
+                              <m:r>
+                                <a:rPr kumimoji="1" lang="en-US" altLang="zh-CN" i="1">
+                                  <a:solidFill>
+                                    <a:schemeClr val="tx1"/>
+                                  </a:solidFill>
+                                  <a:latin typeface="Cambria Math" panose="02040503050406030204" pitchFamily="18" charset="0"/>
+                                </a:rPr>
+                                <m:t>𝑦</m:t>
+                              </m:r>
+                            </m:e>
+                          </m:d>
+                          <m:r>
+                            <a:rPr kumimoji="1" lang="en-US" altLang="zh-CN" i="1">
+                              <a:solidFill>
+                                <a:schemeClr val="tx1"/>
+                              </a:solidFill>
+                              <a:latin typeface="Cambria Math" panose="02040503050406030204" pitchFamily="18" charset="0"/>
+                            </a:rPr>
+                            <m:t>𝑑𝑦</m:t>
+                          </m:r>
+                        </m:e>
+                      </m:nary>
+                    </m:oMath>
+                  </m:oMathPara>
+                </a14:m>
+                <a:endParaRPr kumimoji="1" lang="en-US" altLang="zh-CN" dirty="0">
+                  <a:solidFill>
+                    <a:schemeClr val="tx1"/>
+                  </a:solidFill>
+                </a:endParaRPr>
+              </a:p>
+            </p:txBody>
+          </p:sp>
+        </mc:Choice>
+        <mc:Fallback>
+          <p:sp>
+            <p:nvSpPr>
+              <p:cNvPr id="13" name="内容占位符 4">
+                <a:extLst>
+                  <a:ext uri="{FF2B5EF4-FFF2-40B4-BE49-F238E27FC236}">
+                    <a16:creationId xmlns:a16="http://schemas.microsoft.com/office/drawing/2014/main" id="{68F09DC1-626B-DF42-9BBE-C8C84CD60782}"/>
+                  </a:ext>
+                </a:extLst>
+              </p:cNvPr>
+              <p:cNvSpPr txBox="1">
+                <a:spLocks noRot="1" noChangeAspect="1" noMove="1" noResize="1" noEditPoints="1" noAdjustHandles="1" noChangeArrowheads="1" noChangeShapeType="1" noTextEdit="1"/>
+              </p:cNvSpPr>
+              <p:nvPr/>
+            </p:nvSpPr>
+            <p:spPr>
+              <a:xfrm>
+                <a:off x="247788" y="3951730"/>
+                <a:ext cx="8479523" cy="913945"/>
+              </a:xfrm>
+              <a:prstGeom prst="rect">
+                <a:avLst/>
+              </a:prstGeom>
+              <a:blipFill>
+                <a:blip r:embed="rId3"/>
+                <a:stretch>
+                  <a:fillRect t="-121918" b="-193151"/>
+                </a:stretch>
+              </a:blipFill>
+            </p:spPr>
+            <p:txBody>
+              <a:bodyPr/>
+              <a:lstStyle/>
+              <a:p>
+                <a:r>
+                  <a:rPr lang="en-CN">
+                    <a:noFill/>
+                  </a:rPr>
+                  <a:t> </a:t>
+                </a:r>
+              </a:p>
+            </p:txBody>
+          </p:sp>
+        </mc:Fallback>
+      </mc:AlternateContent>
+      <mc:AlternateContent xmlns:mc="http://schemas.openxmlformats.org/markup-compatibility/2006">
+        <mc:Choice xmlns:a14="http://schemas.microsoft.com/office/drawing/2010/main" Requires="a14">
+          <p:sp>
+            <p:nvSpPr>
+              <p:cNvPr id="15" name="内容占位符 4">
+                <a:extLst>
+                  <a:ext uri="{FF2B5EF4-FFF2-40B4-BE49-F238E27FC236}">
+                    <a16:creationId xmlns:a16="http://schemas.microsoft.com/office/drawing/2014/main" id="{D546B250-1177-CF41-AED5-8423F53472D5}"/>
+                  </a:ext>
+                </a:extLst>
+              </p:cNvPr>
+              <p:cNvSpPr txBox="1">
+                <a:spLocks/>
+              </p:cNvSpPr>
+              <p:nvPr/>
+            </p:nvSpPr>
+            <p:spPr>
+              <a:xfrm>
+                <a:off x="473363" y="4995242"/>
+                <a:ext cx="6291909" cy="693097"/>
+              </a:xfrm>
+              <a:prstGeom prst="rect">
+                <a:avLst/>
+              </a:prstGeom>
+            </p:spPr>
+            <p:txBody>
+              <a:bodyPr vert="horz" lIns="91440" tIns="45720" rIns="91440" bIns="45720" rtlCol="0">
+                <a:normAutofit/>
+              </a:bodyPr>
+              <a:lstStyle>
+                <a:lvl1pPr marL="457200" indent="-457200" algn="l" defTabSz="914400" rtl="0" eaLnBrk="1" latinLnBrk="0" hangingPunct="1">
+                  <a:spcBef>
+                    <a:spcPts val="2000"/>
+                  </a:spcBef>
+                  <a:buClr>
+                    <a:schemeClr val="tx1">
+                      <a:lumMod val="75000"/>
+                      <a:lumOff val="25000"/>
+                    </a:schemeClr>
+                  </a:buClr>
+                  <a:buSzPct val="75000"/>
+                  <a:buFont typeface="Wingdings 2" pitchFamily="18" charset="2"/>
+                  <a:buChar char=""/>
+                  <a:defRPr sz="2200" kern="1200">
+                    <a:solidFill>
+                      <a:schemeClr val="tx1">
+                        <a:lumMod val="75000"/>
+                        <a:lumOff val="25000"/>
+                      </a:schemeClr>
+                    </a:solidFill>
+                    <a:latin typeface="+mn-lt"/>
+                    <a:ea typeface="+mn-ea"/>
+                    <a:cs typeface="+mn-cs"/>
+                  </a:defRPr>
+                </a:lvl1pPr>
+                <a:lvl2pPr marL="914400" indent="-457200" algn="l" defTabSz="914400" rtl="0" eaLnBrk="1" latinLnBrk="0" hangingPunct="1">
+                  <a:spcBef>
+                    <a:spcPts val="600"/>
+                  </a:spcBef>
+                  <a:buClr>
+                    <a:schemeClr val="tx1">
+                      <a:lumMod val="50000"/>
+                      <a:lumOff val="50000"/>
+                    </a:schemeClr>
+                  </a:buClr>
+                  <a:buSzPct val="75000"/>
+                  <a:buFont typeface="Wingdings 2" pitchFamily="18" charset="2"/>
+                  <a:buChar char=""/>
+                  <a:defRPr sz="2000" kern="1200">
+                    <a:solidFill>
+                      <a:schemeClr val="tx1">
+                        <a:lumMod val="75000"/>
+                        <a:lumOff val="25000"/>
+                      </a:schemeClr>
+                    </a:solidFill>
+                    <a:latin typeface="+mn-lt"/>
+                    <a:ea typeface="+mn-ea"/>
+                    <a:cs typeface="+mn-cs"/>
+                  </a:defRPr>
+                </a:lvl2pPr>
+                <a:lvl3pPr marL="1371600" indent="-457200" algn="l" defTabSz="914400" rtl="0" eaLnBrk="1" latinLnBrk="0" hangingPunct="1">
+                  <a:spcBef>
+                    <a:spcPts val="600"/>
+                  </a:spcBef>
+                  <a:buClr>
+                    <a:schemeClr val="tx1">
+                      <a:lumMod val="75000"/>
+                      <a:lumOff val="25000"/>
+                    </a:schemeClr>
+                  </a:buClr>
+                  <a:buSzPct val="75000"/>
+                  <a:buFont typeface="Wingdings 2" pitchFamily="18" charset="2"/>
+                  <a:buChar char=""/>
+                  <a:defRPr sz="1800" kern="1200">
+                    <a:solidFill>
+                      <a:schemeClr val="tx1">
+                        <a:lumMod val="75000"/>
+                        <a:lumOff val="25000"/>
+                      </a:schemeClr>
+                    </a:solidFill>
+                    <a:latin typeface="+mn-lt"/>
+                    <a:ea typeface="+mn-ea"/>
+                    <a:cs typeface="+mn-cs"/>
+                  </a:defRPr>
+                </a:lvl3pPr>
+                <a:lvl4pPr marL="1828800" indent="-457200" algn="l" defTabSz="914400" rtl="0" eaLnBrk="1" latinLnBrk="0" hangingPunct="1">
+                  <a:spcBef>
+                    <a:spcPts val="600"/>
+                  </a:spcBef>
+                  <a:buClr>
+                    <a:schemeClr val="tx1">
+                      <a:lumMod val="50000"/>
+                      <a:lumOff val="50000"/>
+                    </a:schemeClr>
+                  </a:buClr>
+                  <a:buSzPct val="75000"/>
+                  <a:buFont typeface="Wingdings 2" pitchFamily="18" charset="2"/>
+                  <a:buChar char=""/>
+                  <a:defRPr sz="1800" kern="1200">
+                    <a:solidFill>
+                      <a:schemeClr val="tx1">
+                        <a:lumMod val="75000"/>
+                        <a:lumOff val="25000"/>
+                      </a:schemeClr>
+                    </a:solidFill>
+                    <a:latin typeface="+mn-lt"/>
+                    <a:ea typeface="+mn-ea"/>
+                    <a:cs typeface="+mn-cs"/>
+                  </a:defRPr>
+                </a:lvl4pPr>
+                <a:lvl5pPr marL="2286000" indent="-457200" algn="l" defTabSz="914400" rtl="0" eaLnBrk="1" latinLnBrk="0" hangingPunct="1">
+                  <a:spcBef>
+                    <a:spcPts val="600"/>
+                  </a:spcBef>
+                  <a:buClr>
+                    <a:schemeClr val="tx1">
+                      <a:lumMod val="75000"/>
+                      <a:lumOff val="25000"/>
+                    </a:schemeClr>
+                  </a:buClr>
+                  <a:buSzPct val="75000"/>
+                  <a:buFont typeface="Wingdings 2" pitchFamily="18" charset="2"/>
+                  <a:buChar char=""/>
+                  <a:defRPr sz="1800" kern="1200">
+                    <a:solidFill>
+                      <a:schemeClr val="tx1">
+                        <a:lumMod val="75000"/>
+                        <a:lumOff val="25000"/>
+                      </a:schemeClr>
+                    </a:solidFill>
+                    <a:latin typeface="+mn-lt"/>
+                    <a:ea typeface="+mn-ea"/>
+                    <a:cs typeface="+mn-cs"/>
+                  </a:defRPr>
+                </a:lvl5pPr>
+                <a:lvl6pPr marL="2743200" indent="-461963" algn="l" defTabSz="914400" rtl="0" eaLnBrk="1" latinLnBrk="0" hangingPunct="1">
+                  <a:spcBef>
+                    <a:spcPct val="20000"/>
+                  </a:spcBef>
+                  <a:buClr>
+                    <a:schemeClr val="tx1">
+                      <a:lumMod val="50000"/>
+                      <a:lumOff val="50000"/>
+                    </a:schemeClr>
+                  </a:buClr>
+                  <a:buSzPct val="75000"/>
+                  <a:buFont typeface="Wingdings 2" pitchFamily="18" charset="2"/>
+                  <a:buChar char=""/>
+                  <a:defRPr lang="en-US" sz="1800" kern="1200" dirty="0" smtClean="0">
+                    <a:solidFill>
+                      <a:schemeClr val="tx1">
+                        <a:lumMod val="75000"/>
+                        <a:lumOff val="25000"/>
+                      </a:schemeClr>
+                    </a:solidFill>
+                    <a:latin typeface="+mn-lt"/>
+                    <a:ea typeface="+mn-ea"/>
+                    <a:cs typeface="+mn-cs"/>
+                  </a:defRPr>
+                </a:lvl6pPr>
+                <a:lvl7pPr marL="3205163" indent="-461963" algn="l" defTabSz="914400" rtl="0" eaLnBrk="1" latinLnBrk="0" hangingPunct="1">
+                  <a:spcBef>
+                    <a:spcPct val="20000"/>
+                  </a:spcBef>
+                  <a:buClr>
+                    <a:schemeClr val="tx1">
+                      <a:lumMod val="75000"/>
+                      <a:lumOff val="25000"/>
+                    </a:schemeClr>
+                  </a:buClr>
+                  <a:buSzPct val="75000"/>
+                  <a:buFont typeface="Wingdings 2" pitchFamily="18" charset="2"/>
+                  <a:buChar char=""/>
+                  <a:defRPr lang="en-US" sz="1800" kern="1200" dirty="0" smtClean="0">
+                    <a:solidFill>
+                      <a:schemeClr val="tx1">
+                        <a:lumMod val="75000"/>
+                        <a:lumOff val="25000"/>
+                      </a:schemeClr>
+                    </a:solidFill>
+                    <a:latin typeface="+mn-lt"/>
+                    <a:ea typeface="+mn-ea"/>
+                    <a:cs typeface="+mn-cs"/>
+                  </a:defRPr>
+                </a:lvl7pPr>
+                <a:lvl8pPr marL="3657600" indent="-461963" algn="l" defTabSz="914400" rtl="0" eaLnBrk="1" latinLnBrk="0" hangingPunct="1">
+                  <a:spcBef>
+                    <a:spcPct val="20000"/>
+                  </a:spcBef>
+                  <a:buClr>
+                    <a:schemeClr val="tx1">
+                      <a:lumMod val="50000"/>
+                      <a:lumOff val="50000"/>
+                    </a:schemeClr>
+                  </a:buClr>
+                  <a:buSzPct val="75000"/>
+                  <a:buFont typeface="Wingdings 2" pitchFamily="18" charset="2"/>
+                  <a:buChar char=""/>
+                  <a:defRPr lang="en-US" sz="1800" kern="1200" dirty="0" smtClean="0">
+                    <a:solidFill>
+                      <a:schemeClr val="tx1">
+                        <a:lumMod val="75000"/>
+                        <a:lumOff val="25000"/>
+                      </a:schemeClr>
+                    </a:solidFill>
+                    <a:latin typeface="+mn-lt"/>
+                    <a:ea typeface="+mn-ea"/>
+                    <a:cs typeface="+mn-cs"/>
+                  </a:defRPr>
+                </a:lvl8pPr>
+                <a:lvl9pPr marL="4119563" indent="-461963" algn="l" defTabSz="914400" rtl="0" eaLnBrk="1" latinLnBrk="0" hangingPunct="1">
+                  <a:spcBef>
+                    <a:spcPct val="20000"/>
+                  </a:spcBef>
+                  <a:buClr>
+                    <a:schemeClr val="tx1">
+                      <a:lumMod val="75000"/>
+                      <a:lumOff val="25000"/>
+                    </a:schemeClr>
+                  </a:buClr>
+                  <a:buSzPct val="75000"/>
+                  <a:buFont typeface="Wingdings 2" pitchFamily="18" charset="2"/>
+                  <a:buChar char=""/>
+                  <a:defRPr lang="en-US" sz="1800" kern="1200" dirty="0">
+                    <a:solidFill>
+                      <a:schemeClr val="tx1">
+                        <a:lumMod val="75000"/>
+                        <a:lumOff val="25000"/>
+                      </a:schemeClr>
+                    </a:solidFill>
+                    <a:latin typeface="+mn-lt"/>
+                    <a:ea typeface="+mn-ea"/>
+                    <a:cs typeface="+mn-cs"/>
+                  </a:defRPr>
+                </a:lvl9pPr>
+              </a:lstStyle>
+              <a:p>
+                <a:pPr marL="0" indent="0">
+                  <a:buNone/>
+                </a:pPr>
+                <a14:m>
+                  <m:oMathPara xmlns:m="http://schemas.openxmlformats.org/officeDocument/2006/math">
+                    <m:oMathParaPr>
+                      <m:jc m:val="centerGroup"/>
+                    </m:oMathParaPr>
+                    <m:oMath xmlns:m="http://schemas.openxmlformats.org/officeDocument/2006/math">
+                      <m:r>
+                        <a:rPr kumimoji="1" lang="en-US" altLang="zh-CN" b="0" i="1" smtClean="0">
+                          <a:solidFill>
+                            <a:schemeClr val="tx1"/>
+                          </a:solidFill>
+                          <a:latin typeface="Cambria Math" panose="02040503050406030204" pitchFamily="18" charset="0"/>
+                        </a:rPr>
+                        <m:t>|</m:t>
+                      </m:r>
+                      <m:r>
+                        <a:rPr kumimoji="1" lang="en-US" altLang="zh-CN" b="0" i="1" smtClean="0">
+                          <a:solidFill>
+                            <a:schemeClr val="tx1"/>
+                          </a:solidFill>
+                          <a:latin typeface="Cambria Math" panose="02040503050406030204" pitchFamily="18" charset="0"/>
+                        </a:rPr>
+                        <m:t>𝑝𝑋</m:t>
+                      </m:r>
+                      <m:d>
+                        <m:dPr>
+                          <m:ctrlPr>
+                            <a:rPr kumimoji="1" lang="en-US" altLang="zh-CN" b="0" i="1" smtClean="0">
+                              <a:solidFill>
+                                <a:schemeClr val="tx1"/>
+                              </a:solidFill>
+                              <a:latin typeface="Cambria Math" panose="02040503050406030204" pitchFamily="18" charset="0"/>
+                            </a:rPr>
+                          </m:ctrlPr>
+                        </m:dPr>
+                        <m:e>
+                          <m:r>
+                            <a:rPr kumimoji="1" lang="en-US" altLang="zh-CN" b="0" i="1" smtClean="0">
+                              <a:solidFill>
+                                <a:schemeClr val="tx1"/>
+                              </a:solidFill>
+                              <a:latin typeface="Cambria Math" panose="02040503050406030204" pitchFamily="18" charset="0"/>
+                            </a:rPr>
+                            <m:t>𝑥</m:t>
+                          </m:r>
+                        </m:e>
+                      </m:d>
+                      <m:r>
+                        <a:rPr kumimoji="1" lang="en-US" altLang="zh-CN" b="0" i="1" smtClean="0">
+                          <a:solidFill>
+                            <a:schemeClr val="tx1"/>
+                          </a:solidFill>
+                          <a:latin typeface="Cambria Math" panose="02040503050406030204" pitchFamily="18" charset="0"/>
+                        </a:rPr>
+                        <m:t>𝑑𝑥</m:t>
+                      </m:r>
+                      <m:r>
+                        <a:rPr kumimoji="1" lang="en-US" altLang="zh-CN" b="0" i="1" smtClean="0">
+                          <a:solidFill>
+                            <a:schemeClr val="tx1"/>
+                          </a:solidFill>
+                          <a:latin typeface="Cambria Math" panose="02040503050406030204" pitchFamily="18" charset="0"/>
+                        </a:rPr>
+                        <m:t>|=|</m:t>
+                      </m:r>
+                      <m:r>
+                        <a:rPr kumimoji="1" lang="en-US" altLang="zh-CN" i="1">
+                          <a:solidFill>
+                            <a:schemeClr val="tx1"/>
+                          </a:solidFill>
+                          <a:latin typeface="Cambria Math" panose="02040503050406030204" pitchFamily="18" charset="0"/>
+                        </a:rPr>
+                        <m:t>𝑝</m:t>
+                      </m:r>
+                      <m:r>
+                        <a:rPr kumimoji="1" lang="en-US" altLang="zh-CN" i="1" baseline="-25000">
+                          <a:solidFill>
+                            <a:schemeClr val="tx1"/>
+                          </a:solidFill>
+                          <a:latin typeface="Cambria Math" panose="02040503050406030204" pitchFamily="18" charset="0"/>
+                        </a:rPr>
+                        <m:t>𝑌</m:t>
+                      </m:r>
+                      <m:d>
+                        <m:dPr>
+                          <m:ctrlPr>
+                            <a:rPr kumimoji="1" lang="en-US" altLang="zh-CN" i="1">
+                              <a:solidFill>
+                                <a:schemeClr val="tx1"/>
+                              </a:solidFill>
+                              <a:latin typeface="Cambria Math" panose="02040503050406030204" pitchFamily="18" charset="0"/>
+                            </a:rPr>
+                          </m:ctrlPr>
+                        </m:dPr>
+                        <m:e>
+                          <m:r>
+                            <a:rPr kumimoji="1" lang="en-US" altLang="zh-CN" b="0" i="1" smtClean="0">
+                              <a:solidFill>
+                                <a:schemeClr val="tx1"/>
+                              </a:solidFill>
+                              <a:latin typeface="Cambria Math" panose="02040503050406030204" pitchFamily="18" charset="0"/>
+                            </a:rPr>
+                            <m:t>𝑔</m:t>
+                          </m:r>
+                          <m:r>
+                            <a:rPr kumimoji="1" lang="en-US" altLang="zh-CN" b="0" i="1" smtClean="0">
+                              <a:solidFill>
+                                <a:schemeClr val="tx1"/>
+                              </a:solidFill>
+                              <a:latin typeface="Cambria Math" panose="02040503050406030204" pitchFamily="18" charset="0"/>
+                            </a:rPr>
+                            <m:t>(</m:t>
+                          </m:r>
+                          <m:r>
+                            <a:rPr kumimoji="1" lang="en-US" altLang="zh-CN" b="0" i="1" smtClean="0">
+                              <a:solidFill>
+                                <a:schemeClr val="tx1"/>
+                              </a:solidFill>
+                              <a:latin typeface="Cambria Math" panose="02040503050406030204" pitchFamily="18" charset="0"/>
+                            </a:rPr>
+                            <m:t>𝑥</m:t>
+                          </m:r>
+                          <m:r>
+                            <a:rPr kumimoji="1" lang="en-US" altLang="zh-CN" b="0" i="1" smtClean="0">
+                              <a:solidFill>
+                                <a:schemeClr val="tx1"/>
+                              </a:solidFill>
+                              <a:latin typeface="Cambria Math" panose="02040503050406030204" pitchFamily="18" charset="0"/>
+                            </a:rPr>
+                            <m:t>)</m:t>
+                          </m:r>
+                        </m:e>
+                      </m:d>
+                      <m:r>
+                        <a:rPr kumimoji="1" lang="en-US" altLang="zh-CN" i="1">
+                          <a:solidFill>
+                            <a:schemeClr val="tx1"/>
+                          </a:solidFill>
+                          <a:latin typeface="Cambria Math" panose="02040503050406030204" pitchFamily="18" charset="0"/>
+                        </a:rPr>
+                        <m:t>𝑑𝑦</m:t>
+                      </m:r>
+                      <m:r>
+                        <a:rPr kumimoji="1" lang="en-US" altLang="zh-CN" b="0" i="1" smtClean="0">
+                          <a:solidFill>
+                            <a:schemeClr val="tx1"/>
+                          </a:solidFill>
+                          <a:latin typeface="Cambria Math" panose="02040503050406030204" pitchFamily="18" charset="0"/>
+                        </a:rPr>
+                        <m:t>|</m:t>
+                      </m:r>
+                    </m:oMath>
+                  </m:oMathPara>
+                </a14:m>
+                <a:endParaRPr kumimoji="1" lang="en-US" altLang="zh-CN" dirty="0">
+                  <a:solidFill>
+                    <a:schemeClr val="tx1"/>
+                  </a:solidFill>
+                </a:endParaRPr>
+              </a:p>
+            </p:txBody>
+          </p:sp>
+        </mc:Choice>
+        <mc:Fallback>
+          <p:sp>
+            <p:nvSpPr>
+              <p:cNvPr id="15" name="内容占位符 4">
+                <a:extLst>
+                  <a:ext uri="{FF2B5EF4-FFF2-40B4-BE49-F238E27FC236}">
+                    <a16:creationId xmlns:a16="http://schemas.microsoft.com/office/drawing/2014/main" id="{D546B250-1177-CF41-AED5-8423F53472D5}"/>
+                  </a:ext>
+                </a:extLst>
+              </p:cNvPr>
+              <p:cNvSpPr txBox="1">
+                <a:spLocks noRot="1" noChangeAspect="1" noMove="1" noResize="1" noEditPoints="1" noAdjustHandles="1" noChangeArrowheads="1" noChangeShapeType="1" noTextEdit="1"/>
+              </p:cNvSpPr>
+              <p:nvPr/>
+            </p:nvSpPr>
+            <p:spPr>
+              <a:xfrm>
+                <a:off x="473363" y="4995242"/>
+                <a:ext cx="6291909" cy="693097"/>
+              </a:xfrm>
+              <a:prstGeom prst="rect">
+                <a:avLst/>
+              </a:prstGeom>
+              <a:blipFill>
+                <a:blip r:embed="rId4"/>
+                <a:stretch>
+                  <a:fillRect/>
+                </a:stretch>
+              </a:blipFill>
+            </p:spPr>
+            <p:txBody>
+              <a:bodyPr/>
+              <a:lstStyle/>
+              <a:p>
+                <a:r>
+                  <a:rPr lang="en-CN">
+                    <a:noFill/>
+                  </a:rPr>
+                  <a:t> </a:t>
+                </a:r>
+              </a:p>
+            </p:txBody>
+          </p:sp>
+        </mc:Fallback>
+      </mc:AlternateContent>
+      <mc:AlternateContent xmlns:mc="http://schemas.openxmlformats.org/markup-compatibility/2006">
+        <mc:Choice xmlns:a14="http://schemas.microsoft.com/office/drawing/2010/main" Requires="a14">
+          <p:sp>
+            <p:nvSpPr>
+              <p:cNvPr id="16" name="内容占位符 4">
+                <a:extLst>
+                  <a:ext uri="{FF2B5EF4-FFF2-40B4-BE49-F238E27FC236}">
+                    <a16:creationId xmlns:a16="http://schemas.microsoft.com/office/drawing/2014/main" id="{DAA9C465-DBF0-0142-A370-D18AC7F15280}"/>
+                  </a:ext>
+                </a:extLst>
+              </p:cNvPr>
+              <p:cNvSpPr txBox="1">
+                <a:spLocks/>
+              </p:cNvSpPr>
+              <p:nvPr/>
+            </p:nvSpPr>
+            <p:spPr>
+              <a:xfrm>
+                <a:off x="589111" y="5537793"/>
+                <a:ext cx="5846414" cy="693097"/>
+              </a:xfrm>
+              <a:prstGeom prst="rect">
+                <a:avLst/>
+              </a:prstGeom>
+            </p:spPr>
+            <p:txBody>
+              <a:bodyPr vert="horz" lIns="91440" tIns="45720" rIns="91440" bIns="45720" rtlCol="0">
+                <a:normAutofit fontScale="85000" lnSpcReduction="10000"/>
+              </a:bodyPr>
+              <a:lstStyle>
+                <a:lvl1pPr marL="457200" indent="-457200" algn="l" defTabSz="914400" rtl="0" eaLnBrk="1" latinLnBrk="0" hangingPunct="1">
+                  <a:spcBef>
+                    <a:spcPts val="2000"/>
+                  </a:spcBef>
+                  <a:buClr>
+                    <a:schemeClr val="tx1">
+                      <a:lumMod val="75000"/>
+                      <a:lumOff val="25000"/>
+                    </a:schemeClr>
+                  </a:buClr>
+                  <a:buSzPct val="75000"/>
+                  <a:buFont typeface="Wingdings 2" pitchFamily="18" charset="2"/>
+                  <a:buChar char=""/>
+                  <a:defRPr sz="2200" kern="1200">
+                    <a:solidFill>
+                      <a:schemeClr val="tx1">
+                        <a:lumMod val="75000"/>
+                        <a:lumOff val="25000"/>
+                      </a:schemeClr>
+                    </a:solidFill>
+                    <a:latin typeface="+mn-lt"/>
+                    <a:ea typeface="+mn-ea"/>
+                    <a:cs typeface="+mn-cs"/>
+                  </a:defRPr>
+                </a:lvl1pPr>
+                <a:lvl2pPr marL="914400" indent="-457200" algn="l" defTabSz="914400" rtl="0" eaLnBrk="1" latinLnBrk="0" hangingPunct="1">
+                  <a:spcBef>
+                    <a:spcPts val="600"/>
+                  </a:spcBef>
+                  <a:buClr>
+                    <a:schemeClr val="tx1">
+                      <a:lumMod val="50000"/>
+                      <a:lumOff val="50000"/>
+                    </a:schemeClr>
+                  </a:buClr>
+                  <a:buSzPct val="75000"/>
+                  <a:buFont typeface="Wingdings 2" pitchFamily="18" charset="2"/>
+                  <a:buChar char=""/>
+                  <a:defRPr sz="2000" kern="1200">
+                    <a:solidFill>
+                      <a:schemeClr val="tx1">
+                        <a:lumMod val="75000"/>
+                        <a:lumOff val="25000"/>
+                      </a:schemeClr>
+                    </a:solidFill>
+                    <a:latin typeface="+mn-lt"/>
+                    <a:ea typeface="+mn-ea"/>
+                    <a:cs typeface="+mn-cs"/>
+                  </a:defRPr>
+                </a:lvl2pPr>
+                <a:lvl3pPr marL="1371600" indent="-457200" algn="l" defTabSz="914400" rtl="0" eaLnBrk="1" latinLnBrk="0" hangingPunct="1">
+                  <a:spcBef>
+                    <a:spcPts val="600"/>
+                  </a:spcBef>
+                  <a:buClr>
+                    <a:schemeClr val="tx1">
+                      <a:lumMod val="75000"/>
+                      <a:lumOff val="25000"/>
+                    </a:schemeClr>
+                  </a:buClr>
+                  <a:buSzPct val="75000"/>
+                  <a:buFont typeface="Wingdings 2" pitchFamily="18" charset="2"/>
+                  <a:buChar char=""/>
+                  <a:defRPr sz="1800" kern="1200">
+                    <a:solidFill>
+                      <a:schemeClr val="tx1">
+                        <a:lumMod val="75000"/>
+                        <a:lumOff val="25000"/>
+                      </a:schemeClr>
+                    </a:solidFill>
+                    <a:latin typeface="+mn-lt"/>
+                    <a:ea typeface="+mn-ea"/>
+                    <a:cs typeface="+mn-cs"/>
+                  </a:defRPr>
+                </a:lvl3pPr>
+                <a:lvl4pPr marL="1828800" indent="-457200" algn="l" defTabSz="914400" rtl="0" eaLnBrk="1" latinLnBrk="0" hangingPunct="1">
+                  <a:spcBef>
+                    <a:spcPts val="600"/>
+                  </a:spcBef>
+                  <a:buClr>
+                    <a:schemeClr val="tx1">
+                      <a:lumMod val="50000"/>
+                      <a:lumOff val="50000"/>
+                    </a:schemeClr>
+                  </a:buClr>
+                  <a:buSzPct val="75000"/>
+                  <a:buFont typeface="Wingdings 2" pitchFamily="18" charset="2"/>
+                  <a:buChar char=""/>
+                  <a:defRPr sz="1800" kern="1200">
+                    <a:solidFill>
+                      <a:schemeClr val="tx1">
+                        <a:lumMod val="75000"/>
+                        <a:lumOff val="25000"/>
+                      </a:schemeClr>
+                    </a:solidFill>
+                    <a:latin typeface="+mn-lt"/>
+                    <a:ea typeface="+mn-ea"/>
+                    <a:cs typeface="+mn-cs"/>
+                  </a:defRPr>
+                </a:lvl4pPr>
+                <a:lvl5pPr marL="2286000" indent="-457200" algn="l" defTabSz="914400" rtl="0" eaLnBrk="1" latinLnBrk="0" hangingPunct="1">
+                  <a:spcBef>
+                    <a:spcPts val="600"/>
+                  </a:spcBef>
+                  <a:buClr>
+                    <a:schemeClr val="tx1">
+                      <a:lumMod val="75000"/>
+                      <a:lumOff val="25000"/>
+                    </a:schemeClr>
+                  </a:buClr>
+                  <a:buSzPct val="75000"/>
+                  <a:buFont typeface="Wingdings 2" pitchFamily="18" charset="2"/>
+                  <a:buChar char=""/>
+                  <a:defRPr sz="1800" kern="1200">
+                    <a:solidFill>
+                      <a:schemeClr val="tx1">
+                        <a:lumMod val="75000"/>
+                        <a:lumOff val="25000"/>
+                      </a:schemeClr>
+                    </a:solidFill>
+                    <a:latin typeface="+mn-lt"/>
+                    <a:ea typeface="+mn-ea"/>
+                    <a:cs typeface="+mn-cs"/>
+                  </a:defRPr>
+                </a:lvl5pPr>
+                <a:lvl6pPr marL="2743200" indent="-461963" algn="l" defTabSz="914400" rtl="0" eaLnBrk="1" latinLnBrk="0" hangingPunct="1">
+                  <a:spcBef>
+                    <a:spcPct val="20000"/>
+                  </a:spcBef>
+                  <a:buClr>
+                    <a:schemeClr val="tx1">
+                      <a:lumMod val="50000"/>
+                      <a:lumOff val="50000"/>
+                    </a:schemeClr>
+                  </a:buClr>
+                  <a:buSzPct val="75000"/>
+                  <a:buFont typeface="Wingdings 2" pitchFamily="18" charset="2"/>
+                  <a:buChar char=""/>
+                  <a:defRPr lang="en-US" sz="1800" kern="1200" dirty="0" smtClean="0">
+                    <a:solidFill>
+                      <a:schemeClr val="tx1">
+                        <a:lumMod val="75000"/>
+                        <a:lumOff val="25000"/>
+                      </a:schemeClr>
+                    </a:solidFill>
+                    <a:latin typeface="+mn-lt"/>
+                    <a:ea typeface="+mn-ea"/>
+                    <a:cs typeface="+mn-cs"/>
+                  </a:defRPr>
+                </a:lvl6pPr>
+                <a:lvl7pPr marL="3205163" indent="-461963" algn="l" defTabSz="914400" rtl="0" eaLnBrk="1" latinLnBrk="0" hangingPunct="1">
+                  <a:spcBef>
+                    <a:spcPct val="20000"/>
+                  </a:spcBef>
+                  <a:buClr>
+                    <a:schemeClr val="tx1">
+                      <a:lumMod val="75000"/>
+                      <a:lumOff val="25000"/>
+                    </a:schemeClr>
+                  </a:buClr>
+                  <a:buSzPct val="75000"/>
+                  <a:buFont typeface="Wingdings 2" pitchFamily="18" charset="2"/>
+                  <a:buChar char=""/>
+                  <a:defRPr lang="en-US" sz="1800" kern="1200" dirty="0" smtClean="0">
+                    <a:solidFill>
+                      <a:schemeClr val="tx1">
+                        <a:lumMod val="75000"/>
+                        <a:lumOff val="25000"/>
+                      </a:schemeClr>
+                    </a:solidFill>
+                    <a:latin typeface="+mn-lt"/>
+                    <a:ea typeface="+mn-ea"/>
+                    <a:cs typeface="+mn-cs"/>
+                  </a:defRPr>
+                </a:lvl7pPr>
+                <a:lvl8pPr marL="3657600" indent="-461963" algn="l" defTabSz="914400" rtl="0" eaLnBrk="1" latinLnBrk="0" hangingPunct="1">
+                  <a:spcBef>
+                    <a:spcPct val="20000"/>
+                  </a:spcBef>
+                  <a:buClr>
+                    <a:schemeClr val="tx1">
+                      <a:lumMod val="50000"/>
+                      <a:lumOff val="50000"/>
+                    </a:schemeClr>
+                  </a:buClr>
+                  <a:buSzPct val="75000"/>
+                  <a:buFont typeface="Wingdings 2" pitchFamily="18" charset="2"/>
+                  <a:buChar char=""/>
+                  <a:defRPr lang="en-US" sz="1800" kern="1200" dirty="0" smtClean="0">
+                    <a:solidFill>
+                      <a:schemeClr val="tx1">
+                        <a:lumMod val="75000"/>
+                        <a:lumOff val="25000"/>
+                      </a:schemeClr>
+                    </a:solidFill>
+                    <a:latin typeface="+mn-lt"/>
+                    <a:ea typeface="+mn-ea"/>
+                    <a:cs typeface="+mn-cs"/>
+                  </a:defRPr>
+                </a:lvl8pPr>
+                <a:lvl9pPr marL="4119563" indent="-461963" algn="l" defTabSz="914400" rtl="0" eaLnBrk="1" latinLnBrk="0" hangingPunct="1">
+                  <a:spcBef>
+                    <a:spcPct val="20000"/>
+                  </a:spcBef>
+                  <a:buClr>
+                    <a:schemeClr val="tx1">
+                      <a:lumMod val="75000"/>
+                      <a:lumOff val="25000"/>
+                    </a:schemeClr>
+                  </a:buClr>
+                  <a:buSzPct val="75000"/>
+                  <a:buFont typeface="Wingdings 2" pitchFamily="18" charset="2"/>
+                  <a:buChar char=""/>
+                  <a:defRPr lang="en-US" sz="1800" kern="1200" dirty="0">
+                    <a:solidFill>
+                      <a:schemeClr val="tx1">
+                        <a:lumMod val="75000"/>
+                        <a:lumOff val="25000"/>
+                      </a:schemeClr>
+                    </a:solidFill>
+                    <a:latin typeface="+mn-lt"/>
+                    <a:ea typeface="+mn-ea"/>
+                    <a:cs typeface="+mn-cs"/>
+                  </a:defRPr>
+                </a:lvl9pPr>
+              </a:lstStyle>
+              <a:p>
+                <a:pPr marL="0" indent="0">
+                  <a:buNone/>
+                </a:pPr>
+                <a14:m>
+                  <m:oMathPara xmlns:m="http://schemas.openxmlformats.org/officeDocument/2006/math">
+                    <m:oMathParaPr>
+                      <m:jc m:val="centerGroup"/>
+                    </m:oMathParaPr>
+                    <m:oMath xmlns:m="http://schemas.openxmlformats.org/officeDocument/2006/math">
+                      <m:r>
+                        <a:rPr kumimoji="1" lang="en-US" altLang="zh-CN" i="1" smtClean="0">
+                          <a:solidFill>
+                            <a:schemeClr val="tx1"/>
+                          </a:solidFill>
+                          <a:latin typeface="Cambria Math" panose="02040503050406030204" pitchFamily="18" charset="0"/>
+                        </a:rPr>
+                        <m:t>𝑝</m:t>
+                      </m:r>
+                      <m:r>
+                        <a:rPr kumimoji="1" lang="en-US" altLang="zh-CN" i="1" baseline="-25000">
+                          <a:solidFill>
+                            <a:schemeClr val="tx1"/>
+                          </a:solidFill>
+                          <a:latin typeface="Cambria Math" panose="02040503050406030204" pitchFamily="18" charset="0"/>
+                        </a:rPr>
+                        <m:t>𝑌</m:t>
+                      </m:r>
+                      <m:d>
+                        <m:dPr>
+                          <m:ctrlPr>
+                            <a:rPr kumimoji="1" lang="en-US" altLang="zh-CN" i="1">
+                              <a:solidFill>
+                                <a:schemeClr val="tx1"/>
+                              </a:solidFill>
+                              <a:latin typeface="Cambria Math" panose="02040503050406030204" pitchFamily="18" charset="0"/>
+                            </a:rPr>
+                          </m:ctrlPr>
+                        </m:dPr>
+                        <m:e>
+                          <m:r>
+                            <a:rPr kumimoji="1" lang="en-US" altLang="zh-CN" b="0" i="1" smtClean="0">
+                              <a:solidFill>
+                                <a:schemeClr val="tx1"/>
+                              </a:solidFill>
+                              <a:latin typeface="Cambria Math" panose="02040503050406030204" pitchFamily="18" charset="0"/>
+                            </a:rPr>
+                            <m:t>𝑦</m:t>
+                          </m:r>
+                        </m:e>
+                      </m:d>
+                      <m:r>
+                        <a:rPr kumimoji="1" lang="en-US" altLang="zh-CN" i="1">
+                          <a:solidFill>
+                            <a:schemeClr val="tx1"/>
+                          </a:solidFill>
+                          <a:latin typeface="Cambria Math" panose="02040503050406030204" pitchFamily="18" charset="0"/>
+                        </a:rPr>
+                        <m:t>𝑑𝑦</m:t>
+                      </m:r>
+                      <m:r>
+                        <a:rPr kumimoji="1" lang="en-US" altLang="zh-CN" b="0" i="1" smtClean="0">
+                          <a:solidFill>
+                            <a:schemeClr val="tx1"/>
+                          </a:solidFill>
+                          <a:latin typeface="Cambria Math" panose="02040503050406030204" pitchFamily="18" charset="0"/>
+                        </a:rPr>
+                        <m:t>=</m:t>
+                      </m:r>
+                      <m:r>
+                        <a:rPr kumimoji="1" lang="en-US" altLang="zh-CN" b="0" i="1" smtClean="0">
+                          <a:solidFill>
+                            <a:schemeClr val="tx1"/>
+                          </a:solidFill>
+                          <a:latin typeface="Cambria Math" panose="02040503050406030204" pitchFamily="18" charset="0"/>
+                        </a:rPr>
+                        <m:t>𝑝𝑥</m:t>
+                      </m:r>
+                      <m:d>
+                        <m:dPr>
+                          <m:ctrlPr>
+                            <a:rPr kumimoji="1" lang="en-US" altLang="zh-CN" b="0" i="1" smtClean="0">
+                              <a:solidFill>
+                                <a:schemeClr val="tx1"/>
+                              </a:solidFill>
+                              <a:latin typeface="Cambria Math" panose="02040503050406030204" pitchFamily="18" charset="0"/>
+                            </a:rPr>
+                          </m:ctrlPr>
+                        </m:dPr>
+                        <m:e>
+                          <m:sSup>
+                            <m:sSupPr>
+                              <m:ctrlPr>
+                                <a:rPr kumimoji="1" lang="en-US" altLang="zh-CN" i="1" dirty="0" smtClean="0">
+                                  <a:solidFill>
+                                    <a:schemeClr val="tx1"/>
+                                  </a:solidFill>
+                                  <a:latin typeface="Cambria Math" panose="02040503050406030204" pitchFamily="18" charset="0"/>
+                                </a:rPr>
+                              </m:ctrlPr>
+                            </m:sSupPr>
+                            <m:e>
+                              <m:r>
+                                <a:rPr kumimoji="1" lang="en-US" altLang="zh-CN" b="0" i="1" dirty="0" smtClean="0">
+                                  <a:solidFill>
+                                    <a:schemeClr val="tx1"/>
+                                  </a:solidFill>
+                                  <a:latin typeface="Cambria Math" panose="02040503050406030204" pitchFamily="18" charset="0"/>
+                                </a:rPr>
+                                <m:t>𝑔</m:t>
+                              </m:r>
+                            </m:e>
+                            <m:sup>
+                              <m:r>
+                                <a:rPr kumimoji="1" lang="en-US" altLang="zh-CN" b="0" i="1" dirty="0" smtClean="0">
+                                  <a:solidFill>
+                                    <a:schemeClr val="tx1"/>
+                                  </a:solidFill>
+                                  <a:latin typeface="Cambria Math" panose="02040503050406030204" pitchFamily="18" charset="0"/>
+                                </a:rPr>
+                                <m:t>−1</m:t>
+                              </m:r>
+                            </m:sup>
+                          </m:sSup>
+                          <m:d>
+                            <m:dPr>
+                              <m:ctrlPr>
+                                <a:rPr kumimoji="1" lang="en-US" altLang="zh-CN" b="0" i="1" dirty="0" smtClean="0">
+                                  <a:solidFill>
+                                    <a:schemeClr val="tx1"/>
+                                  </a:solidFill>
+                                  <a:latin typeface="Cambria Math" panose="02040503050406030204" pitchFamily="18" charset="0"/>
+                                </a:rPr>
+                              </m:ctrlPr>
+                            </m:dPr>
+                            <m:e>
+                              <m:r>
+                                <a:rPr kumimoji="1" lang="en-US" altLang="zh-CN" b="0" i="1" dirty="0" smtClean="0">
+                                  <a:solidFill>
+                                    <a:schemeClr val="tx1"/>
+                                  </a:solidFill>
+                                  <a:latin typeface="Cambria Math" panose="02040503050406030204" pitchFamily="18" charset="0"/>
+                                </a:rPr>
+                                <m:t>𝑦</m:t>
+                              </m:r>
+                            </m:e>
+                          </m:d>
+                        </m:e>
+                      </m:d>
+                      <m:r>
+                        <a:rPr kumimoji="1" lang="en-US" altLang="zh-CN" b="0" i="1" smtClean="0">
+                          <a:solidFill>
+                            <a:schemeClr val="tx1"/>
+                          </a:solidFill>
+                          <a:latin typeface="Cambria Math" panose="02040503050406030204" pitchFamily="18" charset="0"/>
+                        </a:rPr>
+                        <m:t>|</m:t>
+                      </m:r>
+                      <m:f>
+                        <m:fPr>
+                          <m:ctrlPr>
+                            <a:rPr kumimoji="1" lang="en-US" altLang="zh-CN" b="0" i="1" dirty="0" smtClean="0">
+                              <a:solidFill>
+                                <a:schemeClr val="tx1"/>
+                              </a:solidFill>
+                              <a:latin typeface="Cambria Math" panose="02040503050406030204" pitchFamily="18" charset="0"/>
+                              <a:ea typeface="Cambria Math" panose="02040503050406030204" pitchFamily="18" charset="0"/>
+                            </a:rPr>
+                          </m:ctrlPr>
+                        </m:fPr>
+                        <m:num>
+                          <m:r>
+                            <a:rPr kumimoji="1" lang="en-US" altLang="zh-CN" b="0" i="1" smtClean="0">
+                              <a:solidFill>
+                                <a:schemeClr val="tx1"/>
+                              </a:solidFill>
+                              <a:latin typeface="Cambria Math" panose="02040503050406030204" pitchFamily="18" charset="0"/>
+                              <a:ea typeface="Cambria Math" panose="02040503050406030204" pitchFamily="18" charset="0"/>
+                            </a:rPr>
+                            <m:t>𝜕</m:t>
+                          </m:r>
+                          <m:r>
+                            <m:rPr>
+                              <m:sty m:val="p"/>
+                            </m:rPr>
+                            <a:rPr kumimoji="1" lang="en-US" altLang="zh-CN" i="1" dirty="0">
+                              <a:solidFill>
+                                <a:schemeClr val="tx1"/>
+                              </a:solidFill>
+                              <a:latin typeface="Cambria Math" panose="02040503050406030204" pitchFamily="18" charset="0"/>
+                              <a:ea typeface="Cambria Math" panose="02040503050406030204" pitchFamily="18" charset="0"/>
+                            </a:rPr>
+                            <m:t>x</m:t>
+                          </m:r>
+                        </m:num>
+                        <m:den>
+                          <m:r>
+                            <a:rPr kumimoji="1" lang="en-US" altLang="zh-CN" i="1">
+                              <a:solidFill>
+                                <a:schemeClr val="tx1"/>
+                              </a:solidFill>
+                              <a:latin typeface="Cambria Math" panose="02040503050406030204" pitchFamily="18" charset="0"/>
+                              <a:ea typeface="Cambria Math" panose="02040503050406030204" pitchFamily="18" charset="0"/>
+                            </a:rPr>
+                            <m:t>𝜕</m:t>
+                          </m:r>
+                          <m:r>
+                            <a:rPr kumimoji="1" lang="en-US" altLang="zh-CN" b="0" i="1" smtClean="0">
+                              <a:solidFill>
+                                <a:schemeClr val="tx1"/>
+                              </a:solidFill>
+                              <a:latin typeface="Cambria Math" panose="02040503050406030204" pitchFamily="18" charset="0"/>
+                              <a:ea typeface="Cambria Math" panose="02040503050406030204" pitchFamily="18" charset="0"/>
+                            </a:rPr>
+                            <m:t>𝑦</m:t>
+                          </m:r>
+                        </m:den>
+                      </m:f>
+                      <m:r>
+                        <a:rPr kumimoji="1" lang="en-US" altLang="zh-CN" b="0" i="1" smtClean="0">
+                          <a:solidFill>
+                            <a:schemeClr val="tx1"/>
+                          </a:solidFill>
+                          <a:latin typeface="Cambria Math" panose="02040503050406030204" pitchFamily="18" charset="0"/>
+                        </a:rPr>
+                        <m:t>|</m:t>
+                      </m:r>
+                    </m:oMath>
+                  </m:oMathPara>
+                </a14:m>
+                <a:endParaRPr kumimoji="1" lang="en-US" altLang="zh-CN" dirty="0">
+                  <a:solidFill>
+                    <a:schemeClr val="tx1"/>
+                  </a:solidFill>
+                </a:endParaRPr>
+              </a:p>
+            </p:txBody>
+          </p:sp>
+        </mc:Choice>
+        <mc:Fallback>
+          <p:sp>
+            <p:nvSpPr>
+              <p:cNvPr id="16" name="内容占位符 4">
+                <a:extLst>
+                  <a:ext uri="{FF2B5EF4-FFF2-40B4-BE49-F238E27FC236}">
+                    <a16:creationId xmlns:a16="http://schemas.microsoft.com/office/drawing/2014/main" id="{DAA9C465-DBF0-0142-A370-D18AC7F15280}"/>
+                  </a:ext>
+                </a:extLst>
+              </p:cNvPr>
+              <p:cNvSpPr txBox="1">
+                <a:spLocks noRot="1" noChangeAspect="1" noMove="1" noResize="1" noEditPoints="1" noAdjustHandles="1" noChangeArrowheads="1" noChangeShapeType="1" noTextEdit="1"/>
+              </p:cNvSpPr>
+              <p:nvPr/>
+            </p:nvSpPr>
+            <p:spPr>
+              <a:xfrm>
+                <a:off x="589111" y="5537793"/>
+                <a:ext cx="5846414" cy="693097"/>
+              </a:xfrm>
+              <a:prstGeom prst="rect">
+                <a:avLst/>
+              </a:prstGeom>
+              <a:blipFill>
+                <a:blip r:embed="rId5"/>
+                <a:stretch>
+                  <a:fillRect b="-3571"/>
+                </a:stretch>
+              </a:blipFill>
+            </p:spPr>
+            <p:txBody>
+              <a:bodyPr/>
+              <a:lstStyle/>
+              <a:p>
+                <a:r>
+                  <a:rPr lang="en-CN">
+                    <a:noFill/>
+                  </a:rPr>
+                  <a:t> </a:t>
+                </a:r>
+              </a:p>
+            </p:txBody>
+          </p:sp>
+        </mc:Fallback>
+      </mc:AlternateContent>
+      <p:sp>
+        <p:nvSpPr>
+          <p:cNvPr id="17" name="TextBox 16">
+            <a:extLst>
+              <a:ext uri="{FF2B5EF4-FFF2-40B4-BE49-F238E27FC236}">
+                <a16:creationId xmlns:a16="http://schemas.microsoft.com/office/drawing/2014/main" id="{6CBEB65E-C728-2840-AE26-FCA807C14261}"/>
+              </a:ext>
+            </a:extLst>
+          </p:cNvPr>
+          <p:cNvSpPr txBox="1"/>
+          <p:nvPr/>
+        </p:nvSpPr>
+        <p:spPr>
+          <a:xfrm>
+            <a:off x="247789" y="1962831"/>
+            <a:ext cx="8694722" cy="1323439"/>
+          </a:xfrm>
+          <a:prstGeom prst="rect">
+            <a:avLst/>
+          </a:prstGeom>
+          <a:noFill/>
+        </p:spPr>
+        <p:txBody>
+          <a:bodyPr wrap="square" rtlCol="0">
+            <a:spAutoFit/>
+          </a:bodyPr>
+          <a:lstStyle/>
+          <a:p>
+            <a:r>
+              <a:rPr lang="en-US" dirty="0"/>
+              <a:t>﻿Recall that the probability of x lying in an infinitesimally small region with volume </a:t>
+            </a:r>
+            <a:r>
+              <a:rPr lang="el-GR" dirty="0"/>
+              <a:t>δ</a:t>
+            </a:r>
+            <a:r>
+              <a:rPr lang="en-US" dirty="0"/>
+              <a:t>x is given by p(x)</a:t>
+            </a:r>
+            <a:r>
+              <a:rPr lang="el-GR" dirty="0"/>
+              <a:t>δ</a:t>
+            </a:r>
+            <a:r>
+              <a:rPr lang="en-US" dirty="0"/>
+              <a:t>x. </a:t>
+            </a:r>
+          </a:p>
+          <a:p>
+            <a:r>
+              <a:rPr lang="en-US" dirty="0"/>
+              <a:t>Since g can expand or contract space, the infinitesimal volume surrounding x in x space may have different volume in y space. </a:t>
+            </a:r>
+            <a:endParaRPr lang="en-CN" dirty="0"/>
+          </a:p>
+        </p:txBody>
+      </p:sp>
+    </p:spTree>
+    <p:extLst>
+      <p:ext uri="{BB962C8B-B14F-4D97-AF65-F5344CB8AC3E}">
+        <p14:creationId xmlns:p14="http://schemas.microsoft.com/office/powerpoint/2010/main" val="807269427"/>
+      </p:ext>
+    </p:extLst>
+  </p:cSld>
+  <p:clrMapOvr>
+    <a:masterClrMapping/>
+  </p:clrMapOvr>
+  <p:timing>
+    <p:tnLst>
+      <p:par>
+        <p:cTn id="1" dur="indefinite" restart="never" nodeType="tmRoot">
+          <p:childTnLst>
+            <p:seq concurrent="1" nextAc="seek">
+              <p:cTn id="2" dur="indefinite" nodeType="mainSeq">
+                <p:childTnLst>
+                  <p:par>
+                    <p:cTn id="3" fill="hold">
+                      <p:stCondLst>
+                        <p:cond delay="indefinite"/>
+                      </p:stCondLst>
+                      <p:childTnLst>
+                        <p:par>
+                          <p:cTn id="4" fill="hold">
+                            <p:stCondLst>
+                              <p:cond delay="0"/>
+                            </p:stCondLst>
+                            <p:childTnLst>
+                              <p:par>
+                                <p:cTn id="5" presetID="1" presetClass="entr" presetSubtype="0" fill="hold" grpId="0" nodeType="clickEffect">
+                                  <p:stCondLst>
+                                    <p:cond delay="0"/>
+                                  </p:stCondLst>
+                                  <p:childTnLst>
+                                    <p:set>
+                                      <p:cBhvr>
+                                        <p:cTn id="6" dur="1" fill="hold">
+                                          <p:stCondLst>
+                                            <p:cond delay="0"/>
+                                          </p:stCondLst>
+                                        </p:cTn>
+                                        <p:tgtEl>
+                                          <p:spTgt spid="5">
+                                            <p:txEl>
+                                              <p:pRg st="0" end="0"/>
+                                            </p:txEl>
+                                          </p:spTgt>
+                                        </p:tgtEl>
+                                        <p:attrNameLst>
+                                          <p:attrName>style.visibility</p:attrName>
+                                        </p:attrNameLst>
+                                      </p:cBhvr>
+                                      <p:to>
+                                        <p:strVal val="visible"/>
+                                      </p:to>
+                                    </p:set>
+                                  </p:childTnLst>
+                                </p:cTn>
+                              </p:par>
+                            </p:childTnLst>
+                          </p:cTn>
+                        </p:par>
+                      </p:childTnLst>
+                    </p:cTn>
+                  </p:par>
+                  <p:par>
+                    <p:cTn id="7" fill="hold">
+                      <p:stCondLst>
+                        <p:cond delay="indefinite"/>
+                      </p:stCondLst>
+                      <p:childTnLst>
+                        <p:par>
+                          <p:cTn id="8" fill="hold">
+                            <p:stCondLst>
+                              <p:cond delay="0"/>
+                            </p:stCondLst>
+                            <p:childTnLst>
+                              <p:par>
+                                <p:cTn id="9" presetID="1" presetClass="entr" presetSubtype="0" fill="hold" grpId="0" nodeType="clickEffect">
+                                  <p:stCondLst>
+                                    <p:cond delay="0"/>
+                                  </p:stCondLst>
+                                  <p:childTnLst>
+                                    <p:set>
+                                      <p:cBhvr>
+                                        <p:cTn id="10" dur="1" fill="hold">
+                                          <p:stCondLst>
+                                            <p:cond delay="0"/>
+                                          </p:stCondLst>
+                                        </p:cTn>
+                                        <p:tgtEl>
+                                          <p:spTgt spid="17"/>
+                                        </p:tgtEl>
+                                        <p:attrNameLst>
+                                          <p:attrName>style.visibility</p:attrName>
+                                        </p:attrNameLst>
+                                      </p:cBhvr>
+                                      <p:to>
+                                        <p:strVal val="visible"/>
+                                      </p:to>
+                                    </p:set>
+                                  </p:childTnLst>
+                                </p:cTn>
+                              </p:par>
+                            </p:childTnLst>
+                          </p:cTn>
+                        </p:par>
+                      </p:childTnLst>
+                    </p:cTn>
+                  </p:par>
+                  <p:par>
+                    <p:cTn id="11" fill="hold">
+                      <p:stCondLst>
+                        <p:cond delay="indefinite"/>
+                      </p:stCondLst>
+                      <p:childTnLst>
+                        <p:par>
+                          <p:cTn id="12" fill="hold">
+                            <p:stCondLst>
+                              <p:cond delay="0"/>
+                            </p:stCondLst>
+                            <p:childTnLst>
+                              <p:par>
+                                <p:cTn id="13" presetID="1" presetClass="entr" presetSubtype="0" fill="hold" nodeType="clickEffect">
+                                  <p:stCondLst>
+                                    <p:cond delay="0"/>
+                                  </p:stCondLst>
+                                  <p:childTnLst>
+                                    <p:set>
+                                      <p:cBhvr>
+                                        <p:cTn id="14" dur="1" fill="hold">
+                                          <p:stCondLst>
+                                            <p:cond delay="0"/>
+                                          </p:stCondLst>
+                                        </p:cTn>
+                                        <p:tgtEl>
+                                          <p:spTgt spid="19"/>
+                                        </p:tgtEl>
+                                        <p:attrNameLst>
+                                          <p:attrName>style.visibility</p:attrName>
+                                        </p:attrNameLst>
+                                      </p:cBhvr>
+                                      <p:to>
+                                        <p:strVal val="visible"/>
+                                      </p:to>
+                                    </p:set>
+                                  </p:childTnLst>
+                                </p:cTn>
+                              </p:par>
+                            </p:childTnLst>
+                          </p:cTn>
+                        </p:par>
+                      </p:childTnLst>
+                    </p:cTn>
+                  </p:par>
+                  <p:par>
+                    <p:cTn id="15" fill="hold">
+                      <p:stCondLst>
+                        <p:cond delay="indefinite"/>
+                      </p:stCondLst>
+                      <p:childTnLst>
+                        <p:par>
+                          <p:cTn id="16" fill="hold">
+                            <p:stCondLst>
+                              <p:cond delay="0"/>
+                            </p:stCondLst>
+                            <p:childTnLst>
+                              <p:par>
+                                <p:cTn id="17" presetID="1" presetClass="exit" presetSubtype="0" fill="hold" nodeType="clickEffect">
+                                  <p:stCondLst>
+                                    <p:cond delay="0"/>
+                                  </p:stCondLst>
+                                  <p:childTnLst>
+                                    <p:set>
+                                      <p:cBhvr>
+                                        <p:cTn id="18" dur="1" fill="hold">
+                                          <p:stCondLst>
+                                            <p:cond delay="0"/>
+                                          </p:stCondLst>
+                                        </p:cTn>
+                                        <p:tgtEl>
+                                          <p:spTgt spid="19"/>
+                                        </p:tgtEl>
+                                        <p:attrNameLst>
+                                          <p:attrName>style.visibility</p:attrName>
+                                        </p:attrNameLst>
+                                      </p:cBhvr>
+                                      <p:to>
+                                        <p:strVal val="hidden"/>
+                                      </p:to>
+                                    </p:set>
+                                  </p:childTnLst>
+                                </p:cTn>
+                              </p:par>
+                              <p:par>
+                                <p:cTn id="19" presetID="1" presetClass="entr" presetSubtype="0" fill="hold" grpId="0" nodeType="withEffect">
+                                  <p:stCondLst>
+                                    <p:cond delay="0"/>
+                                  </p:stCondLst>
+                                  <p:childTnLst>
+                                    <p:set>
+                                      <p:cBhvr>
+                                        <p:cTn id="20" dur="1" fill="hold">
+                                          <p:stCondLst>
+                                            <p:cond delay="0"/>
+                                          </p:stCondLst>
+                                        </p:cTn>
+                                        <p:tgtEl>
+                                          <p:spTgt spid="13"/>
+                                        </p:tgtEl>
+                                        <p:attrNameLst>
+                                          <p:attrName>style.visibility</p:attrName>
+                                        </p:attrNameLst>
+                                      </p:cBhvr>
+                                      <p:to>
+                                        <p:strVal val="visible"/>
+                                      </p:to>
+                                    </p:set>
+                                  </p:childTnLst>
+                                </p:cTn>
+                              </p:par>
+                            </p:childTnLst>
+                          </p:cTn>
+                        </p:par>
+                      </p:childTnLst>
+                    </p:cTn>
+                  </p:par>
+                  <p:par>
+                    <p:cTn id="21" fill="hold">
+                      <p:stCondLst>
+                        <p:cond delay="indefinite"/>
+                      </p:stCondLst>
+                      <p:childTnLst>
+                        <p:par>
+                          <p:cTn id="22" fill="hold">
+                            <p:stCondLst>
+                              <p:cond delay="0"/>
+                            </p:stCondLst>
+                            <p:childTnLst>
+                              <p:par>
+                                <p:cTn id="23" presetID="1" presetClass="entr" presetSubtype="0" fill="hold" grpId="0" nodeType="clickEffect">
+                                  <p:stCondLst>
+                                    <p:cond delay="0"/>
+                                  </p:stCondLst>
+                                  <p:childTnLst>
+                                    <p:set>
+                                      <p:cBhvr>
+                                        <p:cTn id="24" dur="1" fill="hold">
+                                          <p:stCondLst>
+                                            <p:cond delay="0"/>
+                                          </p:stCondLst>
+                                        </p:cTn>
+                                        <p:tgtEl>
+                                          <p:spTgt spid="15"/>
+                                        </p:tgtEl>
+                                        <p:attrNameLst>
+                                          <p:attrName>style.visibility</p:attrName>
+                                        </p:attrNameLst>
+                                      </p:cBhvr>
+                                      <p:to>
+                                        <p:strVal val="visible"/>
+                                      </p:to>
+                                    </p:set>
+                                  </p:childTnLst>
+                                </p:cTn>
+                              </p:par>
+                            </p:childTnLst>
+                          </p:cTn>
+                        </p:par>
+                      </p:childTnLst>
+                    </p:cTn>
+                  </p:par>
+                  <p:par>
+                    <p:cTn id="25" fill="hold">
+                      <p:stCondLst>
+                        <p:cond delay="indefinite"/>
+                      </p:stCondLst>
+                      <p:childTnLst>
+                        <p:par>
+                          <p:cTn id="26" fill="hold">
+                            <p:stCondLst>
+                              <p:cond delay="0"/>
+                            </p:stCondLst>
+                            <p:childTnLst>
+                              <p:par>
+                                <p:cTn id="27" presetID="1" presetClass="entr" presetSubtype="0" fill="hold" grpId="0" nodeType="clickEffect">
+                                  <p:stCondLst>
+                                    <p:cond delay="0"/>
+                                  </p:stCondLst>
+                                  <p:childTnLst>
+                                    <p:set>
+                                      <p:cBhvr>
+                                        <p:cTn id="28" dur="1" fill="hold">
+                                          <p:stCondLst>
+                                            <p:cond delay="0"/>
+                                          </p:stCondLst>
+                                        </p:cTn>
+                                        <p:tgtEl>
+                                          <p:spTgt spid="16"/>
+                                        </p:tgtEl>
+                                        <p:attrNameLst>
+                                          <p:attrName>style.visibility</p:attrName>
+                                        </p:attrNameLst>
+                                      </p:cBhvr>
+                                      <p:to>
+                                        <p:strVal val="visible"/>
+                                      </p:to>
+                                    </p:set>
+                                  </p:childTnLst>
+                                </p:cTn>
+                              </p:par>
+                            </p:childTnLst>
+                          </p:cTn>
+                        </p:par>
+                      </p:childTnLst>
+                    </p:cTn>
+                  </p:par>
+                </p:childTnLst>
+              </p:cTn>
+              <p:prevCondLst>
+                <p:cond evt="onPrev" delay="0">
+                  <p:tgtEl>
+                    <p:sldTgt/>
+                  </p:tgtEl>
+                </p:cond>
+              </p:prevCondLst>
+              <p:nextCondLst>
+                <p:cond evt="onNext" delay="0">
+                  <p:tgtEl>
+                    <p:sldTgt/>
+                  </p:tgtEl>
+                </p:cond>
+              </p:nextCondLst>
+            </p:seq>
+          </p:childTnLst>
+        </p:cTn>
+      </p:par>
+    </p:tnLst>
+    <p:bldLst>
+      <p:bldP spid="5" grpId="0" build="p"/>
+      <p:bldP spid="13" grpId="0"/>
+      <p:bldP spid="15" grpId="0"/>
+      <p:bldP spid="16" grpId="0"/>
+      <p:bldP spid="17" grpId="0"/>
+    </p:bldLst>
+  </p:timing>
+</p:sld>
+</file>
+
+<file path=ppt/slides/slide12.xml><?xml version="1.0" encoding="utf-8"?>
+<p:sld xmlns:a="http://schemas.openxmlformats.org/drawingml/2006/main" xmlns:r="http://schemas.openxmlformats.org/officeDocument/2006/relationships" xmlns:p="http://schemas.openxmlformats.org/presentationml/2006/main">
+  <p:cSld>
+    <p:spTree>
+      <p:nvGrpSpPr>
+        <p:cNvPr id="1" name=""/>
+        <p:cNvGrpSpPr/>
+        <p:nvPr/>
+      </p:nvGrpSpPr>
+      <p:grpSpPr>
+        <a:xfrm>
+          <a:off x="0" y="0"/>
+          <a:ext cx="0" cy="0"/>
+          <a:chOff x="0" y="0"/>
+          <a:chExt cx="0" cy="0"/>
+        </a:xfrm>
+      </p:grpSpPr>
+      <p:sp>
+        <p:nvSpPr>
           <p:cNvPr id="5" name="标题 1">
             <a:extLst>
               <a:ext uri="{FF2B5EF4-FFF2-40B4-BE49-F238E27FC236}">
@@ -4725,7 +8024,7 @@
 </p:sld>
 </file>
 
-<file path=ppt/slides/slide11.xml><?xml version="1.0" encoding="utf-8"?>
+<file path=ppt/slides/slide13.xml><?xml version="1.0" encoding="utf-8"?>
 <p:sld xmlns:a="http://schemas.openxmlformats.org/drawingml/2006/main" xmlns:r="http://schemas.openxmlformats.org/officeDocument/2006/relationships" xmlns:p="http://schemas.openxmlformats.org/presentationml/2006/main">
   <p:cSld>
     <p:spTree>
@@ -5566,7 +8865,7 @@
 </p:sld>
 </file>
 
-<file path=ppt/slides/slide12.xml><?xml version="1.0" encoding="utf-8"?>
+<file path=ppt/slides/slide14.xml><?xml version="1.0" encoding="utf-8"?>
 <p:sld xmlns:a="http://schemas.openxmlformats.org/drawingml/2006/main" xmlns:r="http://schemas.openxmlformats.org/officeDocument/2006/relationships" xmlns:p="http://schemas.openxmlformats.org/presentationml/2006/main">
   <p:cSld>
     <p:spTree>
@@ -6494,7 +9793,7 @@
 </p:sld>
 </file>
 
-<file path=ppt/slides/slide13.xml><?xml version="1.0" encoding="utf-8"?>
+<file path=ppt/slides/slide15.xml><?xml version="1.0" encoding="utf-8"?>
 <p:sld xmlns:a="http://schemas.openxmlformats.org/drawingml/2006/main" xmlns:r="http://schemas.openxmlformats.org/officeDocument/2006/relationships" xmlns:p="http://schemas.openxmlformats.org/presentationml/2006/main">
   <p:cSld>
     <p:spTree>
@@ -7652,7 +10951,7 @@
 </p:sld>
 </file>
 
-<file path=ppt/slides/slide14.xml><?xml version="1.0" encoding="utf-8"?>
+<file path=ppt/slides/slide16.xml><?xml version="1.0" encoding="utf-8"?>
 <p:sld xmlns:a="http://schemas.openxmlformats.org/drawingml/2006/main" xmlns:r="http://schemas.openxmlformats.org/officeDocument/2006/relationships" xmlns:p="http://schemas.openxmlformats.org/presentationml/2006/main">
   <p:cSld>
     <p:spTree>
@@ -9101,7 +12400,7 @@
 </p:sld>
 </file>
 
-<file path=ppt/slides/slide15.xml><?xml version="1.0" encoding="utf-8"?>
+<file path=ppt/slides/slide17.xml><?xml version="1.0" encoding="utf-8"?>
 <p:sld xmlns:a="http://schemas.openxmlformats.org/drawingml/2006/main" xmlns:r="http://schemas.openxmlformats.org/officeDocument/2006/relationships" xmlns:p="http://schemas.openxmlformats.org/presentationml/2006/main">
   <p:cSld>
     <p:spTree>
@@ -10635,7 +13934,7 @@
 </p:sld>
 </file>
 
-<file path=ppt/slides/slide16.xml><?xml version="1.0" encoding="utf-8"?>
+<file path=ppt/slides/slide18.xml><?xml version="1.0" encoding="utf-8"?>
 <p:sld xmlns:a="http://schemas.openxmlformats.org/drawingml/2006/main" xmlns:r="http://schemas.openxmlformats.org/officeDocument/2006/relationships" xmlns:p="http://schemas.openxmlformats.org/presentationml/2006/main">
   <p:cSld>
     <p:spTree>
@@ -12552,7 +15851,7 @@
 </p:sld>
 </file>
 
-<file path=ppt/slides/slide17.xml><?xml version="1.0" encoding="utf-8"?>
+<file path=ppt/slides/slide19.xml><?xml version="1.0" encoding="utf-8"?>
 <p:sld xmlns:a="http://schemas.openxmlformats.org/drawingml/2006/main" xmlns:r="http://schemas.openxmlformats.org/officeDocument/2006/relationships" xmlns:p="http://schemas.openxmlformats.org/presentationml/2006/main">
   <p:cSld>
     <p:spTree>
@@ -14022,7 +17321,398 @@
 </p:sld>
 </file>
 
-<file path=ppt/slides/slide18.xml><?xml version="1.0" encoding="utf-8"?>
+<file path=ppt/slides/slide2.xml><?xml version="1.0" encoding="utf-8"?>
+<p:sld xmlns:a="http://schemas.openxmlformats.org/drawingml/2006/main" xmlns:r="http://schemas.openxmlformats.org/officeDocument/2006/relationships" xmlns:p="http://schemas.openxmlformats.org/presentationml/2006/main">
+  <p:cSld>
+    <p:spTree>
+      <p:nvGrpSpPr>
+        <p:cNvPr id="1" name=""/>
+        <p:cNvGrpSpPr/>
+        <p:nvPr/>
+      </p:nvGrpSpPr>
+      <p:grpSpPr>
+        <a:xfrm>
+          <a:off x="0" y="0"/>
+          <a:ext cx="0" cy="0"/>
+          <a:chOff x="0" y="0"/>
+          <a:chExt cx="0" cy="0"/>
+        </a:xfrm>
+      </p:grpSpPr>
+      <p:pic>
+        <p:nvPicPr>
+          <p:cNvPr id="4" name="图片 3" descr="PPT.jpg"/>
+          <p:cNvPicPr>
+            <a:picLocks noChangeAspect="1"/>
+          </p:cNvPicPr>
+          <p:nvPr/>
+        </p:nvPicPr>
+        <p:blipFill>
+          <a:blip r:embed="rId2">
+            <a:extLst>
+              <a:ext uri="{28A0092B-C50C-407E-A947-70E740481C1C}">
+                <a14:useLocalDpi xmlns:a14="http://schemas.microsoft.com/office/drawing/2010/main" val="0"/>
+              </a:ext>
+            </a:extLst>
+          </a:blip>
+          <a:stretch>
+            <a:fillRect/>
+          </a:stretch>
+        </p:blipFill>
+        <p:spPr>
+          <a:xfrm>
+            <a:off x="0" y="7620"/>
+            <a:ext cx="9144000" cy="6858000"/>
+          </a:xfrm>
+          <a:prstGeom prst="rect">
+            <a:avLst/>
+          </a:prstGeom>
+        </p:spPr>
+      </p:pic>
+      <p:sp>
+        <p:nvSpPr>
+          <p:cNvPr id="5" name="标题 1"/>
+          <p:cNvSpPr>
+            <a:spLocks noGrp="1"/>
+          </p:cNvSpPr>
+          <p:nvPr>
+            <p:ph type="title"/>
+          </p:nvPr>
+        </p:nvSpPr>
+        <p:spPr>
+          <a:xfrm>
+            <a:off x="762000" y="1246905"/>
+            <a:ext cx="4618181" cy="750455"/>
+          </a:xfrm>
+        </p:spPr>
+        <p:txBody>
+          <a:bodyPr/>
+          <a:lstStyle/>
+          <a:p>
+            <a:pPr algn="l"/>
+            <a:r>
+              <a:rPr lang="en-US" altLang="ja-JP" baseline="30000" dirty="0">
+                <a:solidFill>
+                  <a:srgbClr val="64109F"/>
+                </a:solidFill>
+                <a:latin typeface="方正兰亭特黑_SC"/>
+                <a:ea typeface="方正兰亭特黑_SC"/>
+                <a:cs typeface="方正兰亭特黑_SC"/>
+              </a:rPr>
+              <a:t>Contents</a:t>
+            </a:r>
+            <a:endParaRPr lang="ja-JP" altLang="en-US" baseline="30000" dirty="0">
+              <a:solidFill>
+                <a:srgbClr val="64109F"/>
+              </a:solidFill>
+              <a:latin typeface="方正兰亭特黑_SC"/>
+              <a:ea typeface="方正兰亭特黑_SC"/>
+              <a:cs typeface="方正兰亭特黑_SC"/>
+            </a:endParaRPr>
+          </a:p>
+        </p:txBody>
+      </p:sp>
+      <p:sp>
+        <p:nvSpPr>
+          <p:cNvPr id="6" name="标题 1"/>
+          <p:cNvSpPr txBox="1">
+            <a:spLocks/>
+          </p:cNvSpPr>
+          <p:nvPr/>
+        </p:nvSpPr>
+        <p:spPr>
+          <a:xfrm>
+            <a:off x="1758835" y="2766753"/>
+            <a:ext cx="5922817" cy="473363"/>
+          </a:xfrm>
+          <a:prstGeom prst="rect">
+            <a:avLst/>
+          </a:prstGeom>
+        </p:spPr>
+        <p:txBody>
+          <a:bodyPr vert="horz" lIns="91440" tIns="45720" rIns="91440" bIns="45720" rtlCol="0" anchor="b" anchorCtr="0">
+            <a:noAutofit/>
+          </a:bodyPr>
+          <a:lstStyle>
+            <a:lvl1pPr algn="ctr" defTabSz="914400" rtl="0" eaLnBrk="1" latinLnBrk="0" hangingPunct="1">
+              <a:spcBef>
+                <a:spcPct val="0"/>
+              </a:spcBef>
+              <a:buNone/>
+              <a:defRPr sz="5000" kern="1200">
+                <a:solidFill>
+                  <a:schemeClr val="tx1"/>
+                </a:solidFill>
+                <a:latin typeface="+mj-lt"/>
+                <a:ea typeface="+mj-ea"/>
+                <a:cs typeface="+mj-cs"/>
+              </a:defRPr>
+            </a:lvl1pPr>
+          </a:lstStyle>
+          <a:p>
+            <a:pPr algn="l"/>
+            <a:r>
+              <a:rPr lang="en-US" altLang="ja-JP" sz="2800" baseline="30000" dirty="0">
+                <a:solidFill>
+                  <a:srgbClr val="64109F"/>
+                </a:solidFill>
+                <a:latin typeface="Microsoft YaHei"/>
+                <a:ea typeface="微软雅黑"/>
+                <a:cs typeface="Microsoft YaHei"/>
+              </a:rPr>
+              <a:t>1. </a:t>
+            </a:r>
+            <a:r>
+              <a:rPr lang="en-US" altLang="zh-CN" sz="2800" baseline="30000" dirty="0">
+                <a:solidFill>
+                  <a:srgbClr val="64109F"/>
+                </a:solidFill>
+                <a:latin typeface="Microsoft YaHei"/>
+                <a:ea typeface="微软雅黑"/>
+                <a:cs typeface="Microsoft YaHei"/>
+              </a:rPr>
+              <a:t>Technical Details of Continuous Variables</a:t>
+            </a:r>
+            <a:endParaRPr lang="ja-JP" altLang="en-US" sz="2800" baseline="30000" dirty="0">
+              <a:solidFill>
+                <a:srgbClr val="64109F"/>
+              </a:solidFill>
+              <a:latin typeface="Microsoft YaHei"/>
+              <a:ea typeface="微软雅黑"/>
+              <a:cs typeface="Microsoft YaHei"/>
+            </a:endParaRPr>
+          </a:p>
+        </p:txBody>
+      </p:sp>
+      <p:sp>
+        <p:nvSpPr>
+          <p:cNvPr id="7" name="标题 1"/>
+          <p:cNvSpPr txBox="1">
+            <a:spLocks/>
+          </p:cNvSpPr>
+          <p:nvPr/>
+        </p:nvSpPr>
+        <p:spPr>
+          <a:xfrm>
+            <a:off x="1758835" y="3240116"/>
+            <a:ext cx="5922817" cy="473363"/>
+          </a:xfrm>
+          <a:prstGeom prst="rect">
+            <a:avLst/>
+          </a:prstGeom>
+        </p:spPr>
+        <p:txBody>
+          <a:bodyPr vert="horz" lIns="91440" tIns="45720" rIns="91440" bIns="45720" rtlCol="0" anchor="b" anchorCtr="0">
+            <a:noAutofit/>
+          </a:bodyPr>
+          <a:lstStyle>
+            <a:lvl1pPr algn="ctr" defTabSz="914400" rtl="0" eaLnBrk="1" latinLnBrk="0" hangingPunct="1">
+              <a:spcBef>
+                <a:spcPct val="0"/>
+              </a:spcBef>
+              <a:buNone/>
+              <a:defRPr sz="5000" kern="1200">
+                <a:solidFill>
+                  <a:schemeClr val="tx1"/>
+                </a:solidFill>
+                <a:latin typeface="+mj-lt"/>
+                <a:ea typeface="+mj-ea"/>
+                <a:cs typeface="+mj-cs"/>
+              </a:defRPr>
+            </a:lvl1pPr>
+          </a:lstStyle>
+          <a:p>
+            <a:pPr algn="l"/>
+            <a:r>
+              <a:rPr lang="en-US" altLang="ja-JP" sz="2800" baseline="30000" dirty="0">
+                <a:solidFill>
+                  <a:srgbClr val="64109F"/>
+                </a:solidFill>
+                <a:latin typeface="Microsoft YaHei"/>
+                <a:ea typeface="微软雅黑"/>
+                <a:cs typeface="Microsoft YaHei"/>
+              </a:rPr>
+              <a:t>2. </a:t>
+            </a:r>
+            <a:r>
+              <a:rPr lang="en-US" altLang="zh-CN" sz="2800" baseline="30000" dirty="0">
+                <a:solidFill>
+                  <a:srgbClr val="64109F"/>
+                </a:solidFill>
+                <a:latin typeface="Microsoft YaHei"/>
+                <a:ea typeface="微软雅黑"/>
+                <a:cs typeface="Microsoft YaHei"/>
+              </a:rPr>
+              <a:t>Information Theory</a:t>
+            </a:r>
+            <a:endParaRPr lang="ja-JP" altLang="en-US" sz="2800" baseline="30000" dirty="0">
+              <a:solidFill>
+                <a:srgbClr val="64109F"/>
+              </a:solidFill>
+              <a:latin typeface="Microsoft YaHei"/>
+              <a:ea typeface="微软雅黑"/>
+              <a:cs typeface="Microsoft YaHei"/>
+            </a:endParaRPr>
+          </a:p>
+        </p:txBody>
+      </p:sp>
+      <p:sp>
+        <p:nvSpPr>
+          <p:cNvPr id="8" name="标题 1"/>
+          <p:cNvSpPr txBox="1">
+            <a:spLocks/>
+          </p:cNvSpPr>
+          <p:nvPr/>
+        </p:nvSpPr>
+        <p:spPr>
+          <a:xfrm>
+            <a:off x="1766455" y="3713479"/>
+            <a:ext cx="5922817" cy="473363"/>
+          </a:xfrm>
+          <a:prstGeom prst="rect">
+            <a:avLst/>
+          </a:prstGeom>
+        </p:spPr>
+        <p:txBody>
+          <a:bodyPr vert="horz" lIns="91440" tIns="45720" rIns="91440" bIns="45720" rtlCol="0" anchor="b" anchorCtr="0">
+            <a:noAutofit/>
+          </a:bodyPr>
+          <a:lstStyle>
+            <a:lvl1pPr algn="ctr" defTabSz="914400" rtl="0" eaLnBrk="1" latinLnBrk="0" hangingPunct="1">
+              <a:spcBef>
+                <a:spcPct val="0"/>
+              </a:spcBef>
+              <a:buNone/>
+              <a:defRPr sz="5000" kern="1200">
+                <a:solidFill>
+                  <a:schemeClr val="tx1"/>
+                </a:solidFill>
+                <a:latin typeface="+mj-lt"/>
+                <a:ea typeface="+mj-ea"/>
+                <a:cs typeface="+mj-cs"/>
+              </a:defRPr>
+            </a:lvl1pPr>
+          </a:lstStyle>
+          <a:p>
+            <a:pPr algn="l"/>
+            <a:r>
+              <a:rPr lang="en-US" altLang="ja-JP" sz="2800" baseline="30000" dirty="0">
+                <a:solidFill>
+                  <a:srgbClr val="64109F"/>
+                </a:solidFill>
+                <a:latin typeface="Microsoft YaHei"/>
+                <a:ea typeface="微软雅黑"/>
+                <a:cs typeface="Microsoft YaHei"/>
+              </a:rPr>
+              <a:t>3. </a:t>
+            </a:r>
+            <a:r>
+              <a:rPr lang="en-US" altLang="zh-CN" sz="2800" baseline="30000" dirty="0">
+                <a:solidFill>
+                  <a:srgbClr val="64109F"/>
+                </a:solidFill>
+                <a:latin typeface="Microsoft YaHei"/>
+                <a:ea typeface="微软雅黑"/>
+                <a:cs typeface="Microsoft YaHei"/>
+              </a:rPr>
+              <a:t>Structured Probabilistic Models </a:t>
+            </a:r>
+            <a:endParaRPr lang="ja-JP" altLang="en-US" sz="2800" baseline="30000" dirty="0">
+              <a:solidFill>
+                <a:srgbClr val="64109F"/>
+              </a:solidFill>
+              <a:latin typeface="Microsoft YaHei"/>
+              <a:ea typeface="微软雅黑"/>
+              <a:cs typeface="Microsoft YaHei"/>
+            </a:endParaRPr>
+          </a:p>
+        </p:txBody>
+      </p:sp>
+      <p:pic>
+        <p:nvPicPr>
+          <p:cNvPr id="15" name="图片 14"/>
+          <p:cNvPicPr>
+            <a:picLocks noChangeAspect="1"/>
+          </p:cNvPicPr>
+          <p:nvPr/>
+        </p:nvPicPr>
+        <p:blipFill>
+          <a:blip r:embed="rId3"/>
+          <a:stretch>
+            <a:fillRect/>
+          </a:stretch>
+        </p:blipFill>
+        <p:spPr>
+          <a:xfrm>
+            <a:off x="1207655" y="2646219"/>
+            <a:ext cx="558800" cy="444500"/>
+          </a:xfrm>
+          <a:prstGeom prst="rect">
+            <a:avLst/>
+          </a:prstGeom>
+        </p:spPr>
+      </p:pic>
+      <p:pic>
+        <p:nvPicPr>
+          <p:cNvPr id="16" name="图片 15"/>
+          <p:cNvPicPr>
+            <a:picLocks noChangeAspect="1"/>
+          </p:cNvPicPr>
+          <p:nvPr/>
+        </p:nvPicPr>
+        <p:blipFill>
+          <a:blip r:embed="rId3"/>
+          <a:stretch>
+            <a:fillRect/>
+          </a:stretch>
+        </p:blipFill>
+        <p:spPr>
+          <a:xfrm>
+            <a:off x="1207655" y="3128821"/>
+            <a:ext cx="558800" cy="444500"/>
+          </a:xfrm>
+          <a:prstGeom prst="rect">
+            <a:avLst/>
+          </a:prstGeom>
+        </p:spPr>
+      </p:pic>
+      <p:pic>
+        <p:nvPicPr>
+          <p:cNvPr id="17" name="图片 16"/>
+          <p:cNvPicPr>
+            <a:picLocks noChangeAspect="1"/>
+          </p:cNvPicPr>
+          <p:nvPr/>
+        </p:nvPicPr>
+        <p:blipFill>
+          <a:blip r:embed="rId3"/>
+          <a:stretch>
+            <a:fillRect/>
+          </a:stretch>
+        </p:blipFill>
+        <p:spPr>
+          <a:xfrm>
+            <a:off x="1207655" y="3626661"/>
+            <a:ext cx="558800" cy="444500"/>
+          </a:xfrm>
+          <a:prstGeom prst="rect">
+            <a:avLst/>
+          </a:prstGeom>
+        </p:spPr>
+      </p:pic>
+    </p:spTree>
+    <p:extLst>
+      <p:ext uri="{BB962C8B-B14F-4D97-AF65-F5344CB8AC3E}">
+        <p14:creationId xmlns:p14="http://schemas.microsoft.com/office/powerpoint/2010/main" val="2337425598"/>
+      </p:ext>
+    </p:extLst>
+  </p:cSld>
+  <p:clrMapOvr>
+    <a:masterClrMapping/>
+  </p:clrMapOvr>
+</p:sld>
+</file>
+
+<file path=ppt/slides/slide20.xml><?xml version="1.0" encoding="utf-8"?>
 <p:sld xmlns:a="http://schemas.openxmlformats.org/drawingml/2006/main" xmlns:r="http://schemas.openxmlformats.org/officeDocument/2006/relationships" xmlns:p="http://schemas.openxmlformats.org/presentationml/2006/main">
   <p:cSld>
     <p:spTree>
@@ -14850,7 +18540,7 @@
 </p:sld>
 </file>
 
-<file path=ppt/slides/slide19.xml><?xml version="1.0" encoding="utf-8"?>
+<file path=ppt/slides/slide21.xml><?xml version="1.0" encoding="utf-8"?>
 <p:sld xmlns:a="http://schemas.openxmlformats.org/drawingml/2006/main" xmlns:r="http://schemas.openxmlformats.org/officeDocument/2006/relationships" xmlns:p="http://schemas.openxmlformats.org/presentationml/2006/main">
   <p:cSld>
     <p:spTree>
@@ -15689,398 +19379,7 @@
 </p:sld>
 </file>
 
-<file path=ppt/slides/slide2.xml><?xml version="1.0" encoding="utf-8"?>
-<p:sld xmlns:a="http://schemas.openxmlformats.org/drawingml/2006/main" xmlns:r="http://schemas.openxmlformats.org/officeDocument/2006/relationships" xmlns:p="http://schemas.openxmlformats.org/presentationml/2006/main">
-  <p:cSld>
-    <p:spTree>
-      <p:nvGrpSpPr>
-        <p:cNvPr id="1" name=""/>
-        <p:cNvGrpSpPr/>
-        <p:nvPr/>
-      </p:nvGrpSpPr>
-      <p:grpSpPr>
-        <a:xfrm>
-          <a:off x="0" y="0"/>
-          <a:ext cx="0" cy="0"/>
-          <a:chOff x="0" y="0"/>
-          <a:chExt cx="0" cy="0"/>
-        </a:xfrm>
-      </p:grpSpPr>
-      <p:pic>
-        <p:nvPicPr>
-          <p:cNvPr id="4" name="图片 3" descr="PPT.jpg"/>
-          <p:cNvPicPr>
-            <a:picLocks noChangeAspect="1"/>
-          </p:cNvPicPr>
-          <p:nvPr/>
-        </p:nvPicPr>
-        <p:blipFill>
-          <a:blip r:embed="rId2">
-            <a:extLst>
-              <a:ext uri="{28A0092B-C50C-407E-A947-70E740481C1C}">
-                <a14:useLocalDpi xmlns:a14="http://schemas.microsoft.com/office/drawing/2010/main" val="0"/>
-              </a:ext>
-            </a:extLst>
-          </a:blip>
-          <a:stretch>
-            <a:fillRect/>
-          </a:stretch>
-        </p:blipFill>
-        <p:spPr>
-          <a:xfrm>
-            <a:off x="0" y="7620"/>
-            <a:ext cx="9144000" cy="6858000"/>
-          </a:xfrm>
-          <a:prstGeom prst="rect">
-            <a:avLst/>
-          </a:prstGeom>
-        </p:spPr>
-      </p:pic>
-      <p:sp>
-        <p:nvSpPr>
-          <p:cNvPr id="5" name="标题 1"/>
-          <p:cNvSpPr>
-            <a:spLocks noGrp="1"/>
-          </p:cNvSpPr>
-          <p:nvPr>
-            <p:ph type="title"/>
-          </p:nvPr>
-        </p:nvSpPr>
-        <p:spPr>
-          <a:xfrm>
-            <a:off x="762000" y="1246905"/>
-            <a:ext cx="4618181" cy="750455"/>
-          </a:xfrm>
-        </p:spPr>
-        <p:txBody>
-          <a:bodyPr/>
-          <a:lstStyle/>
-          <a:p>
-            <a:pPr algn="l"/>
-            <a:r>
-              <a:rPr lang="en-US" altLang="ja-JP" baseline="30000" dirty="0">
-                <a:solidFill>
-                  <a:srgbClr val="64109F"/>
-                </a:solidFill>
-                <a:latin typeface="方正兰亭特黑_SC"/>
-                <a:ea typeface="方正兰亭特黑_SC"/>
-                <a:cs typeface="方正兰亭特黑_SC"/>
-              </a:rPr>
-              <a:t>Contents</a:t>
-            </a:r>
-            <a:endParaRPr lang="ja-JP" altLang="en-US" baseline="30000" dirty="0">
-              <a:solidFill>
-                <a:srgbClr val="64109F"/>
-              </a:solidFill>
-              <a:latin typeface="方正兰亭特黑_SC"/>
-              <a:ea typeface="方正兰亭特黑_SC"/>
-              <a:cs typeface="方正兰亭特黑_SC"/>
-            </a:endParaRPr>
-          </a:p>
-        </p:txBody>
-      </p:sp>
-      <p:sp>
-        <p:nvSpPr>
-          <p:cNvPr id="6" name="标题 1"/>
-          <p:cNvSpPr txBox="1">
-            <a:spLocks/>
-          </p:cNvSpPr>
-          <p:nvPr/>
-        </p:nvSpPr>
-        <p:spPr>
-          <a:xfrm>
-            <a:off x="1758835" y="2766753"/>
-            <a:ext cx="5922817" cy="473363"/>
-          </a:xfrm>
-          <a:prstGeom prst="rect">
-            <a:avLst/>
-          </a:prstGeom>
-        </p:spPr>
-        <p:txBody>
-          <a:bodyPr vert="horz" lIns="91440" tIns="45720" rIns="91440" bIns="45720" rtlCol="0" anchor="b" anchorCtr="0">
-            <a:noAutofit/>
-          </a:bodyPr>
-          <a:lstStyle>
-            <a:lvl1pPr algn="ctr" defTabSz="914400" rtl="0" eaLnBrk="1" latinLnBrk="0" hangingPunct="1">
-              <a:spcBef>
-                <a:spcPct val="0"/>
-              </a:spcBef>
-              <a:buNone/>
-              <a:defRPr sz="5000" kern="1200">
-                <a:solidFill>
-                  <a:schemeClr val="tx1"/>
-                </a:solidFill>
-                <a:latin typeface="+mj-lt"/>
-                <a:ea typeface="+mj-ea"/>
-                <a:cs typeface="+mj-cs"/>
-              </a:defRPr>
-            </a:lvl1pPr>
-          </a:lstStyle>
-          <a:p>
-            <a:pPr algn="l"/>
-            <a:r>
-              <a:rPr lang="en-US" altLang="ja-JP" sz="2800" baseline="30000" dirty="0">
-                <a:solidFill>
-                  <a:srgbClr val="64109F"/>
-                </a:solidFill>
-                <a:latin typeface="Microsoft YaHei"/>
-                <a:ea typeface="微软雅黑"/>
-                <a:cs typeface="Microsoft YaHei"/>
-              </a:rPr>
-              <a:t>1. </a:t>
-            </a:r>
-            <a:r>
-              <a:rPr lang="en-US" altLang="zh-CN" sz="2800" baseline="30000" dirty="0">
-                <a:solidFill>
-                  <a:srgbClr val="64109F"/>
-                </a:solidFill>
-                <a:latin typeface="Microsoft YaHei"/>
-                <a:ea typeface="微软雅黑"/>
-                <a:cs typeface="Microsoft YaHei"/>
-              </a:rPr>
-              <a:t>Technical Details of Continuous Variables</a:t>
-            </a:r>
-            <a:endParaRPr lang="ja-JP" altLang="en-US" sz="2800" baseline="30000" dirty="0">
-              <a:solidFill>
-                <a:srgbClr val="64109F"/>
-              </a:solidFill>
-              <a:latin typeface="Microsoft YaHei"/>
-              <a:ea typeface="微软雅黑"/>
-              <a:cs typeface="Microsoft YaHei"/>
-            </a:endParaRPr>
-          </a:p>
-        </p:txBody>
-      </p:sp>
-      <p:sp>
-        <p:nvSpPr>
-          <p:cNvPr id="7" name="标题 1"/>
-          <p:cNvSpPr txBox="1">
-            <a:spLocks/>
-          </p:cNvSpPr>
-          <p:nvPr/>
-        </p:nvSpPr>
-        <p:spPr>
-          <a:xfrm>
-            <a:off x="1758835" y="3240116"/>
-            <a:ext cx="5922817" cy="473363"/>
-          </a:xfrm>
-          <a:prstGeom prst="rect">
-            <a:avLst/>
-          </a:prstGeom>
-        </p:spPr>
-        <p:txBody>
-          <a:bodyPr vert="horz" lIns="91440" tIns="45720" rIns="91440" bIns="45720" rtlCol="0" anchor="b" anchorCtr="0">
-            <a:noAutofit/>
-          </a:bodyPr>
-          <a:lstStyle>
-            <a:lvl1pPr algn="ctr" defTabSz="914400" rtl="0" eaLnBrk="1" latinLnBrk="0" hangingPunct="1">
-              <a:spcBef>
-                <a:spcPct val="0"/>
-              </a:spcBef>
-              <a:buNone/>
-              <a:defRPr sz="5000" kern="1200">
-                <a:solidFill>
-                  <a:schemeClr val="tx1"/>
-                </a:solidFill>
-                <a:latin typeface="+mj-lt"/>
-                <a:ea typeface="+mj-ea"/>
-                <a:cs typeface="+mj-cs"/>
-              </a:defRPr>
-            </a:lvl1pPr>
-          </a:lstStyle>
-          <a:p>
-            <a:pPr algn="l"/>
-            <a:r>
-              <a:rPr lang="en-US" altLang="ja-JP" sz="2800" baseline="30000" dirty="0">
-                <a:solidFill>
-                  <a:srgbClr val="64109F"/>
-                </a:solidFill>
-                <a:latin typeface="Microsoft YaHei"/>
-                <a:ea typeface="微软雅黑"/>
-                <a:cs typeface="Microsoft YaHei"/>
-              </a:rPr>
-              <a:t>2. </a:t>
-            </a:r>
-            <a:r>
-              <a:rPr lang="en-US" altLang="zh-CN" sz="2800" baseline="30000" dirty="0">
-                <a:solidFill>
-                  <a:srgbClr val="64109F"/>
-                </a:solidFill>
-                <a:latin typeface="Microsoft YaHei"/>
-                <a:ea typeface="微软雅黑"/>
-                <a:cs typeface="Microsoft YaHei"/>
-              </a:rPr>
-              <a:t>Information Theory</a:t>
-            </a:r>
-            <a:endParaRPr lang="ja-JP" altLang="en-US" sz="2800" baseline="30000" dirty="0">
-              <a:solidFill>
-                <a:srgbClr val="64109F"/>
-              </a:solidFill>
-              <a:latin typeface="Microsoft YaHei"/>
-              <a:ea typeface="微软雅黑"/>
-              <a:cs typeface="Microsoft YaHei"/>
-            </a:endParaRPr>
-          </a:p>
-        </p:txBody>
-      </p:sp>
-      <p:sp>
-        <p:nvSpPr>
-          <p:cNvPr id="8" name="标题 1"/>
-          <p:cNvSpPr txBox="1">
-            <a:spLocks/>
-          </p:cNvSpPr>
-          <p:nvPr/>
-        </p:nvSpPr>
-        <p:spPr>
-          <a:xfrm>
-            <a:off x="1766455" y="3713479"/>
-            <a:ext cx="5922817" cy="473363"/>
-          </a:xfrm>
-          <a:prstGeom prst="rect">
-            <a:avLst/>
-          </a:prstGeom>
-        </p:spPr>
-        <p:txBody>
-          <a:bodyPr vert="horz" lIns="91440" tIns="45720" rIns="91440" bIns="45720" rtlCol="0" anchor="b" anchorCtr="0">
-            <a:noAutofit/>
-          </a:bodyPr>
-          <a:lstStyle>
-            <a:lvl1pPr algn="ctr" defTabSz="914400" rtl="0" eaLnBrk="1" latinLnBrk="0" hangingPunct="1">
-              <a:spcBef>
-                <a:spcPct val="0"/>
-              </a:spcBef>
-              <a:buNone/>
-              <a:defRPr sz="5000" kern="1200">
-                <a:solidFill>
-                  <a:schemeClr val="tx1"/>
-                </a:solidFill>
-                <a:latin typeface="+mj-lt"/>
-                <a:ea typeface="+mj-ea"/>
-                <a:cs typeface="+mj-cs"/>
-              </a:defRPr>
-            </a:lvl1pPr>
-          </a:lstStyle>
-          <a:p>
-            <a:pPr algn="l"/>
-            <a:r>
-              <a:rPr lang="en-US" altLang="ja-JP" sz="2800" baseline="30000" dirty="0">
-                <a:solidFill>
-                  <a:srgbClr val="64109F"/>
-                </a:solidFill>
-                <a:latin typeface="Microsoft YaHei"/>
-                <a:ea typeface="微软雅黑"/>
-                <a:cs typeface="Microsoft YaHei"/>
-              </a:rPr>
-              <a:t>3. </a:t>
-            </a:r>
-            <a:r>
-              <a:rPr lang="en-US" altLang="zh-CN" sz="2800" baseline="30000" dirty="0">
-                <a:solidFill>
-                  <a:srgbClr val="64109F"/>
-                </a:solidFill>
-                <a:latin typeface="Microsoft YaHei"/>
-                <a:ea typeface="微软雅黑"/>
-                <a:cs typeface="Microsoft YaHei"/>
-              </a:rPr>
-              <a:t>Structured Probabilistic Models </a:t>
-            </a:r>
-            <a:endParaRPr lang="ja-JP" altLang="en-US" sz="2800" baseline="30000" dirty="0">
-              <a:solidFill>
-                <a:srgbClr val="64109F"/>
-              </a:solidFill>
-              <a:latin typeface="Microsoft YaHei"/>
-              <a:ea typeface="微软雅黑"/>
-              <a:cs typeface="Microsoft YaHei"/>
-            </a:endParaRPr>
-          </a:p>
-        </p:txBody>
-      </p:sp>
-      <p:pic>
-        <p:nvPicPr>
-          <p:cNvPr id="15" name="图片 14"/>
-          <p:cNvPicPr>
-            <a:picLocks noChangeAspect="1"/>
-          </p:cNvPicPr>
-          <p:nvPr/>
-        </p:nvPicPr>
-        <p:blipFill>
-          <a:blip r:embed="rId3"/>
-          <a:stretch>
-            <a:fillRect/>
-          </a:stretch>
-        </p:blipFill>
-        <p:spPr>
-          <a:xfrm>
-            <a:off x="1207655" y="2646219"/>
-            <a:ext cx="558800" cy="444500"/>
-          </a:xfrm>
-          <a:prstGeom prst="rect">
-            <a:avLst/>
-          </a:prstGeom>
-        </p:spPr>
-      </p:pic>
-      <p:pic>
-        <p:nvPicPr>
-          <p:cNvPr id="16" name="图片 15"/>
-          <p:cNvPicPr>
-            <a:picLocks noChangeAspect="1"/>
-          </p:cNvPicPr>
-          <p:nvPr/>
-        </p:nvPicPr>
-        <p:blipFill>
-          <a:blip r:embed="rId3"/>
-          <a:stretch>
-            <a:fillRect/>
-          </a:stretch>
-        </p:blipFill>
-        <p:spPr>
-          <a:xfrm>
-            <a:off x="1207655" y="3128821"/>
-            <a:ext cx="558800" cy="444500"/>
-          </a:xfrm>
-          <a:prstGeom prst="rect">
-            <a:avLst/>
-          </a:prstGeom>
-        </p:spPr>
-      </p:pic>
-      <p:pic>
-        <p:nvPicPr>
-          <p:cNvPr id="17" name="图片 16"/>
-          <p:cNvPicPr>
-            <a:picLocks noChangeAspect="1"/>
-          </p:cNvPicPr>
-          <p:nvPr/>
-        </p:nvPicPr>
-        <p:blipFill>
-          <a:blip r:embed="rId3"/>
-          <a:stretch>
-            <a:fillRect/>
-          </a:stretch>
-        </p:blipFill>
-        <p:spPr>
-          <a:xfrm>
-            <a:off x="1207655" y="3626661"/>
-            <a:ext cx="558800" cy="444500"/>
-          </a:xfrm>
-          <a:prstGeom prst="rect">
-            <a:avLst/>
-          </a:prstGeom>
-        </p:spPr>
-      </p:pic>
-    </p:spTree>
-    <p:extLst>
-      <p:ext uri="{BB962C8B-B14F-4D97-AF65-F5344CB8AC3E}">
-        <p14:creationId xmlns:p14="http://schemas.microsoft.com/office/powerpoint/2010/main" val="2337425598"/>
-      </p:ext>
-    </p:extLst>
-  </p:cSld>
-  <p:clrMapOvr>
-    <a:masterClrMapping/>
-  </p:clrMapOvr>
-</p:sld>
-</file>
-
-<file path=ppt/slides/slide20.xml><?xml version="1.0" encoding="utf-8"?>
+<file path=ppt/slides/slide22.xml><?xml version="1.0" encoding="utf-8"?>
 <p:sld xmlns:a="http://schemas.openxmlformats.org/drawingml/2006/main" xmlns:r="http://schemas.openxmlformats.org/officeDocument/2006/relationships" xmlns:p="http://schemas.openxmlformats.org/presentationml/2006/main">
   <p:cSld>
     <p:spTree>
@@ -17536,7 +20835,7 @@
 </p:sld>
 </file>
 
-<file path=ppt/slides/slide21.xml><?xml version="1.0" encoding="utf-8"?>
+<file path=ppt/slides/slide23.xml><?xml version="1.0" encoding="utf-8"?>
 <p:sld xmlns:a="http://schemas.openxmlformats.org/drawingml/2006/main" xmlns:r="http://schemas.openxmlformats.org/officeDocument/2006/relationships" xmlns:p="http://schemas.openxmlformats.org/presentationml/2006/main">
   <p:cSld>
     <p:spTree>
@@ -18408,7 +21707,7 @@
 </p:sld>
 </file>
 
-<file path=ppt/slides/slide22.xml><?xml version="1.0" encoding="utf-8"?>
+<file path=ppt/slides/slide24.xml><?xml version="1.0" encoding="utf-8"?>
 <p:sld xmlns:a="http://schemas.openxmlformats.org/drawingml/2006/main" xmlns:r="http://schemas.openxmlformats.org/officeDocument/2006/relationships" xmlns:p="http://schemas.openxmlformats.org/presentationml/2006/main">
   <p:cSld>
     <p:spTree>
@@ -19262,10 +22561,10 @@
       </p:sp>
       <p:pic>
         <p:nvPicPr>
-          <p:cNvPr id="6" name="图片 5">
+          <p:cNvPr id="3" name="Picture 2" descr="Diagram&#10;&#10;Description automatically generated">
             <a:extLst>
               <a:ext uri="{FF2B5EF4-FFF2-40B4-BE49-F238E27FC236}">
-                <a16:creationId xmlns:a16="http://schemas.microsoft.com/office/drawing/2014/main" id="{2D1143D8-8BBD-43C0-8506-86607F84B2D8}"/>
+                <a16:creationId xmlns:a16="http://schemas.microsoft.com/office/drawing/2014/main" id="{E4C688B2-1A5A-C141-A8FF-08F66A5D4A85}"/>
               </a:ext>
             </a:extLst>
           </p:cNvPr>
@@ -19282,8 +22581,8 @@
         </p:blipFill>
         <p:spPr>
           <a:xfrm>
-            <a:off x="1233487" y="1771650"/>
-            <a:ext cx="6677025" cy="3314700"/>
+            <a:off x="786183" y="2000009"/>
+            <a:ext cx="7571634" cy="3764184"/>
           </a:xfrm>
           <a:prstGeom prst="rect">
             <a:avLst/>

--- a/Deep Learning-3.12-3.14.pptx
+++ b/Deep Learning-3.12-3.14.pptx
@@ -24,11 +24,12 @@
     <p:sldId id="271" r:id="rId18"/>
     <p:sldId id="272" r:id="rId19"/>
     <p:sldId id="273" r:id="rId20"/>
-    <p:sldId id="274" r:id="rId21"/>
-    <p:sldId id="277" r:id="rId22"/>
-    <p:sldId id="276" r:id="rId23"/>
-    <p:sldId id="278" r:id="rId24"/>
-    <p:sldId id="258" r:id="rId25"/>
+    <p:sldId id="284" r:id="rId21"/>
+    <p:sldId id="274" r:id="rId22"/>
+    <p:sldId id="277" r:id="rId23"/>
+    <p:sldId id="276" r:id="rId24"/>
+    <p:sldId id="278" r:id="rId25"/>
+    <p:sldId id="258" r:id="rId26"/>
   </p:sldIdLst>
   <p:sldSz cx="9144000" cy="6858000" type="screen4x3"/>
   <p:notesSz cx="6858000" cy="9144000"/>
@@ -414,7 +415,7 @@
           <a:p>
             <a:fld id="{DE31F557-D3ED-A448-92B8-EF89F27D4FAD}" type="datetimeFigureOut">
               <a:rPr kumimoji="1" lang="zh-CN" altLang="en-US" smtClean="0"/>
-              <a:t>2020/11/13</a:t>
+              <a:t>2020/11/15</a:t>
             </a:fld>
             <a:endParaRPr kumimoji="1" lang="zh-CN" altLang="en-US"/>
           </a:p>
@@ -648,7 +649,7 @@
           <a:p>
             <a:fld id="{DE31F557-D3ED-A448-92B8-EF89F27D4FAD}" type="datetimeFigureOut">
               <a:rPr kumimoji="1" lang="zh-CN" altLang="en-US" smtClean="0"/>
-              <a:t>2020/11/13</a:t>
+              <a:t>2020/11/15</a:t>
             </a:fld>
             <a:endParaRPr kumimoji="1" lang="zh-CN" altLang="en-US"/>
           </a:p>
@@ -944,7 +945,7 @@
           <a:p>
             <a:fld id="{DE31F557-D3ED-A448-92B8-EF89F27D4FAD}" type="datetimeFigureOut">
               <a:rPr kumimoji="1" lang="zh-CN" altLang="en-US" smtClean="0"/>
-              <a:t>2020/11/13</a:t>
+              <a:t>2020/11/15</a:t>
             </a:fld>
             <a:endParaRPr kumimoji="1" lang="zh-CN" altLang="en-US"/>
           </a:p>
@@ -1123,7 +1124,7 @@
           <a:p>
             <a:fld id="{DE31F557-D3ED-A448-92B8-EF89F27D4FAD}" type="datetimeFigureOut">
               <a:rPr kumimoji="1" lang="zh-CN" altLang="en-US" smtClean="0"/>
-              <a:t>2020/11/13</a:t>
+              <a:t>2020/11/15</a:t>
             </a:fld>
             <a:endParaRPr kumimoji="1" lang="zh-CN" altLang="en-US"/>
           </a:p>
@@ -1234,7 +1235,7 @@
           <a:p>
             <a:fld id="{DE31F557-D3ED-A448-92B8-EF89F27D4FAD}" type="datetimeFigureOut">
               <a:rPr kumimoji="1" lang="zh-CN" altLang="en-US" smtClean="0"/>
-              <a:t>2020/11/13</a:t>
+              <a:t>2020/11/15</a:t>
             </a:fld>
             <a:endParaRPr kumimoji="1" lang="zh-CN" altLang="en-US"/>
           </a:p>
@@ -1445,7 +1446,7 @@
           <a:p>
             <a:fld id="{DE31F557-D3ED-A448-92B8-EF89F27D4FAD}" type="datetimeFigureOut">
               <a:rPr kumimoji="1" lang="zh-CN" altLang="en-US" smtClean="0"/>
-              <a:t>2020/11/13</a:t>
+              <a:t>2020/11/15</a:t>
             </a:fld>
             <a:endParaRPr kumimoji="1" lang="zh-CN" altLang="en-US"/>
           </a:p>
@@ -1747,7 +1748,7 @@
           <a:p>
             <a:fld id="{DE31F557-D3ED-A448-92B8-EF89F27D4FAD}" type="datetimeFigureOut">
               <a:rPr kumimoji="1" lang="zh-CN" altLang="en-US" smtClean="0"/>
-              <a:t>2020/11/13</a:t>
+              <a:t>2020/11/15</a:t>
             </a:fld>
             <a:endParaRPr kumimoji="1" lang="zh-CN" altLang="en-US"/>
           </a:p>
@@ -2099,7 +2100,7 @@
           <a:p>
             <a:fld id="{DE31F557-D3ED-A448-92B8-EF89F27D4FAD}" type="datetimeFigureOut">
               <a:rPr kumimoji="1" lang="zh-CN" altLang="en-US" smtClean="0"/>
-              <a:t>2020/11/13</a:t>
+              <a:t>2020/11/15</a:t>
             </a:fld>
             <a:endParaRPr kumimoji="1" lang="zh-CN" altLang="en-US"/>
           </a:p>
@@ -2391,7 +2392,7 @@
           <a:p>
             <a:fld id="{DE31F557-D3ED-A448-92B8-EF89F27D4FAD}" type="datetimeFigureOut">
               <a:rPr kumimoji="1" lang="zh-CN" altLang="en-US" smtClean="0"/>
-              <a:t>2020/11/13</a:t>
+              <a:t>2020/11/15</a:t>
             </a:fld>
             <a:endParaRPr kumimoji="1" lang="zh-CN" altLang="en-US"/>
           </a:p>
@@ -2823,7 +2824,7 @@
           <a:p>
             <a:fld id="{DE31F557-D3ED-A448-92B8-EF89F27D4FAD}" type="datetimeFigureOut">
               <a:rPr kumimoji="1" lang="zh-CN" altLang="en-US" smtClean="0"/>
-              <a:t>2020/11/13</a:t>
+              <a:t>2020/11/15</a:t>
             </a:fld>
             <a:endParaRPr kumimoji="1" lang="zh-CN" altLang="en-US"/>
           </a:p>
@@ -3006,7 +3007,7 @@
           <a:p>
             <a:fld id="{DE31F557-D3ED-A448-92B8-EF89F27D4FAD}" type="datetimeFigureOut">
               <a:rPr kumimoji="1" lang="zh-CN" altLang="en-US" smtClean="0"/>
-              <a:t>2020/11/13</a:t>
+              <a:t>2020/11/15</a:t>
             </a:fld>
             <a:endParaRPr kumimoji="1" lang="zh-CN" altLang="en-US"/>
           </a:p>
@@ -3096,7 +3097,7 @@
           <a:p>
             <a:fld id="{DE31F557-D3ED-A448-92B8-EF89F27D4FAD}" type="datetimeFigureOut">
               <a:rPr kumimoji="1" lang="zh-CN" altLang="en-US" smtClean="0"/>
-              <a:t>2020/11/13</a:t>
+              <a:t>2020/11/15</a:t>
             </a:fld>
             <a:endParaRPr kumimoji="1" lang="zh-CN" altLang="en-US"/>
           </a:p>
@@ -3375,7 +3376,7 @@
           <a:p>
             <a:fld id="{DE31F557-D3ED-A448-92B8-EF89F27D4FAD}" type="datetimeFigureOut">
               <a:rPr kumimoji="1" lang="zh-CN" altLang="en-US" smtClean="0"/>
-              <a:t>2020/11/13</a:t>
+              <a:t>2020/11/15</a:t>
             </a:fld>
             <a:endParaRPr kumimoji="1" lang="zh-CN" altLang="en-US"/>
           </a:p>
@@ -3614,7 +3615,7 @@
           <a:p>
             <a:fld id="{DE31F557-D3ED-A448-92B8-EF89F27D4FAD}" type="datetimeFigureOut">
               <a:rPr kumimoji="1" lang="zh-CN" altLang="en-US" smtClean="0"/>
-              <a:t>2020/11/13</a:t>
+              <a:t>2020/11/15</a:t>
             </a:fld>
             <a:endParaRPr kumimoji="1" lang="zh-CN" altLang="en-US"/>
           </a:p>
@@ -4354,7 +4355,7 @@
         </p:spPr>
         <p:txBody>
           <a:bodyPr>
-            <a:normAutofit fontScale="92500"/>
+            <a:normAutofit/>
           </a:bodyPr>
           <a:lstStyle/>
           <a:p>
@@ -4367,28 +4368,31 @@
                   <a:schemeClr val="tx1"/>
                 </a:solidFill>
               </a:rPr>
-              <a:t>﻿Suppose we have two random variables, X and Y, such that Y = g(X)</a:t>
-            </a:r>
-          </a:p>
-          <a:p>
-            <a:pPr marL="0" indent="0">
-              <a:buNone/>
-            </a:pPr>
+              <a:t>﻿</a:t>
+            </a:r>
+            <a:r>
+              <a:rPr kumimoji="1" lang="zh-CN" altLang="en-US" dirty="0">
+                <a:solidFill>
+                  <a:schemeClr val="tx1"/>
+                </a:solidFill>
+              </a:rPr>
+              <a:t>假设有两个随机变量</a:t>
+            </a:r>
             <a:r>
               <a:rPr kumimoji="1" lang="en-US" altLang="zh-CN" dirty="0">
                 <a:solidFill>
                   <a:schemeClr val="tx1"/>
                 </a:solidFill>
               </a:rPr>
-              <a:t>The </a:t>
-            </a:r>
-            <a:r>
-              <a:rPr kumimoji="1" lang="en-US" altLang="zh-CN" dirty="0" err="1">
+              <a:t>X </a:t>
+            </a:r>
+            <a:r>
+              <a:rPr kumimoji="1" lang="zh-CN" altLang="en-US" dirty="0">
                 <a:solidFill>
                   <a:schemeClr val="tx1"/>
                 </a:solidFill>
               </a:rPr>
-              <a:t>p.d.f</a:t>
+              <a:t>和</a:t>
             </a:r>
             <a:r>
               <a:rPr kumimoji="1" lang="en-US" altLang="zh-CN" dirty="0">
@@ -4396,7 +4400,39 @@
                   <a:schemeClr val="tx1"/>
                 </a:solidFill>
               </a:rPr>
-              <a:t> of X is p</a:t>
+              <a:t> Y, Y = g(X)</a:t>
+            </a:r>
+            <a:r>
+              <a:rPr kumimoji="1" lang="zh-CN" altLang="en-US" dirty="0">
+                <a:solidFill>
+                  <a:schemeClr val="tx1"/>
+                </a:solidFill>
+              </a:rPr>
+              <a:t>，</a:t>
+            </a:r>
+            <a:r>
+              <a:rPr kumimoji="1" lang="en-US" altLang="zh-CN" dirty="0">
+                <a:solidFill>
+                  <a:schemeClr val="tx1"/>
+                </a:solidFill>
+              </a:rPr>
+              <a:t>X </a:t>
+            </a:r>
+            <a:r>
+              <a:rPr kumimoji="1" lang="zh-CN" altLang="en-US" dirty="0">
+                <a:solidFill>
+                  <a:schemeClr val="tx1"/>
+                </a:solidFill>
+              </a:rPr>
+              <a:t>的概率密度函数为</a:t>
+            </a:r>
+            <a:r>
+              <a:rPr kumimoji="1" lang="en-US" altLang="zh-CN" dirty="0">
+                <a:solidFill>
+                  <a:schemeClr val="tx1"/>
+                </a:solidFill>
+              </a:rPr>
+              <a:t> p</a:t>
             </a:r>
             <a:r>
               <a:rPr kumimoji="1" lang="en-US" altLang="zh-CN" baseline="-25000" dirty="0">
@@ -4412,7 +4448,31 @@
                   <a:schemeClr val="tx1"/>
                 </a:solidFill>
               </a:rPr>
-              <a:t>(x), what is </a:t>
+              <a:t>(x), </a:t>
+            </a:r>
+            <a:r>
+              <a:rPr kumimoji="1" lang="zh-CN" altLang="en-US" dirty="0">
+                <a:solidFill>
+                  <a:schemeClr val="tx1"/>
+                </a:solidFill>
+              </a:rPr>
+              <a:t>求</a:t>
+            </a:r>
+            <a:r>
+              <a:rPr kumimoji="1" lang="en-US" altLang="zh-CN" dirty="0">
+                <a:solidFill>
+                  <a:schemeClr val="tx1"/>
+                </a:solidFill>
+              </a:rPr>
+              <a:t>Y</a:t>
+            </a:r>
+            <a:r>
+              <a:rPr kumimoji="1" lang="zh-CN" altLang="en-US" dirty="0">
+                <a:solidFill>
+                  <a:schemeClr val="tx1"/>
+                </a:solidFill>
+              </a:rPr>
+              <a:t>的概率密度函数</a:t>
             </a:r>
             <a:r>
               <a:rPr kumimoji="1" lang="en-US" altLang="zh-CN" dirty="0" err="1">
@@ -4493,7 +4553,18 @@
                 <a:ea typeface="黑体"/>
                 <a:cs typeface="黑体"/>
               </a:rPr>
-              <a:t> Application</a:t>
+              <a:t> </a:t>
+            </a:r>
+            <a:r>
+              <a:rPr lang="zh-CN" altLang="en-US" sz="4000" baseline="30000" dirty="0">
+                <a:solidFill>
+                  <a:schemeClr val="bg1"/>
+                </a:solidFill>
+                <a:latin typeface="黑体"/>
+                <a:ea typeface="黑体"/>
+                <a:cs typeface="黑体"/>
+              </a:rPr>
+              <a:t>随机变量的函数的概率密度</a:t>
             </a:r>
             <a:endParaRPr lang="ja-JP" altLang="en-US" sz="4000" baseline="30000" dirty="0">
               <a:solidFill>
@@ -4522,7 +4593,7 @@
         </p:nvSpPr>
         <p:spPr>
           <a:xfrm>
-            <a:off x="290660" y="2845354"/>
+            <a:off x="290660" y="2502892"/>
             <a:ext cx="8301181" cy="684924"/>
           </a:xfrm>
           <a:prstGeom prst="rect">
@@ -5081,12 +5152,36 @@
                   <a:buNone/>
                 </a:pPr>
                 <a:r>
+                  <a:rPr kumimoji="1" lang="zh-CN" altLang="en-US" dirty="0">
+                    <a:solidFill>
+                      <a:schemeClr val="tx1"/>
+                    </a:solidFill>
+                  </a:rPr>
+                  <a:t>假设</a:t>
+                </a:r>
+                <a:r>
                   <a:rPr kumimoji="1" lang="en-US" altLang="zh-CN" dirty="0">
                     <a:solidFill>
                       <a:schemeClr val="tx1"/>
                     </a:solidFill>
                   </a:rPr>
-                  <a:t>Suppose y=x/2 and x ~ U(0,1).</a:t>
+                  <a:t> Y=X/2 </a:t>
+                </a:r>
+                <a:r>
+                  <a:rPr kumimoji="1" lang="zh-CN" altLang="en-US" dirty="0">
+                    <a:solidFill>
+                      <a:schemeClr val="tx1"/>
+                    </a:solidFill>
+                  </a:rPr>
+                  <a:t>，并且</a:t>
+                </a:r>
+                <a:r>
+                  <a:rPr kumimoji="1" lang="en-US" altLang="zh-CN" dirty="0">
+                    <a:solidFill>
+                      <a:schemeClr val="tx1"/>
+                    </a:solidFill>
+                  </a:rPr>
+                  <a:t>X ~ U(0,1).</a:t>
                 </a:r>
               </a:p>
               <a:p>
@@ -5094,20 +5189,12 @@
                   <a:buNone/>
                 </a:pPr>
                 <a:r>
-                  <a:rPr kumimoji="1" lang="en-US" altLang="zh-CN" dirty="0" err="1">
+                  <a:rPr kumimoji="1" lang="zh-CN" altLang="en-US" dirty="0">
                     <a:solidFill>
                       <a:schemeClr val="tx1"/>
                     </a:solidFill>
                   </a:rPr>
-                  <a:t>I﻿f</a:t>
-                </a:r>
-                <a:r>
-                  <a:rPr kumimoji="1" lang="en-US" altLang="zh-CN" dirty="0">
-                    <a:solidFill>
-                      <a:schemeClr val="tx1"/>
-                    </a:solidFill>
-                  </a:rPr>
-                  <a:t> we use the rule </a:t>
+                  <a:t>如果我们使用这个规则</a:t>
                 </a:r>
                 <a:r>
                   <a:rPr kumimoji="1" lang="en-US" altLang="zh-CN" dirty="0" err="1">
@@ -5147,7 +5234,15 @@
                       <a:schemeClr val="tx1"/>
                     </a:solidFill>
                   </a:rPr>
-                  <a:t>(2y) then </a:t>
+                  <a:t>(2y)=1</a:t>
+                </a:r>
+                <a:r>
+                  <a:rPr kumimoji="1" lang="zh-CN" altLang="en-US" dirty="0">
+                    <a:solidFill>
+                      <a:schemeClr val="tx1"/>
+                    </a:solidFill>
+                  </a:rPr>
+                  <a:t>，</a:t>
                 </a:r>
                 <a:r>
                   <a:rPr kumimoji="1" lang="en-US" altLang="zh-CN" dirty="0" err="1">
@@ -5174,12 +5269,52 @@
                   <a:t> </a:t>
                 </a:r>
                 <a:r>
+                  <a:rPr kumimoji="1" lang="zh-CN" altLang="en-US" dirty="0">
+                    <a:solidFill>
+                      <a:schemeClr val="tx1"/>
+                    </a:solidFill>
+                  </a:rPr>
+                  <a:t>除了在区间</a:t>
+                </a:r>
+                <a:r>
                   <a:rPr kumimoji="1" lang="en-US" altLang="zh-CN" dirty="0">
                     <a:solidFill>
                       <a:schemeClr val="tx1"/>
                     </a:solidFill>
                   </a:rPr>
-                  <a:t>will be 0 everywhere except the interval [0, 1/2], and it will be 1 on this interval.</a:t>
+                  <a:t>[0, 1/2]</a:t>
+                </a:r>
+                <a:r>
+                  <a:rPr kumimoji="1" lang="zh-CN" altLang="en-US" dirty="0">
+                    <a:solidFill>
+                      <a:schemeClr val="tx1"/>
+                    </a:solidFill>
+                  </a:rPr>
+                  <a:t>取</a:t>
+                </a:r>
+                <a:r>
+                  <a:rPr kumimoji="1" lang="en-US" altLang="zh-CN" dirty="0">
+                    <a:solidFill>
+                      <a:schemeClr val="tx1"/>
+                    </a:solidFill>
+                  </a:rPr>
+                  <a:t>1</a:t>
+                </a:r>
+                <a:r>
+                  <a:rPr kumimoji="1" lang="zh-CN" altLang="en-US" dirty="0">
+                    <a:solidFill>
+                      <a:schemeClr val="tx1"/>
+                    </a:solidFill>
+                  </a:rPr>
+                  <a:t>，其他地方都取</a:t>
+                </a:r>
+                <a:r>
+                  <a:rPr kumimoji="1" lang="en-US" altLang="zh-CN" dirty="0">
+                    <a:solidFill>
+                      <a:schemeClr val="tx1"/>
+                    </a:solidFill>
+                  </a:rPr>
+                  <a:t>0.</a:t>
                 </a:r>
               </a:p>
               <a:p>
@@ -5368,7 +5503,7 @@
               <a:blipFill>
                 <a:blip r:embed="rId2"/>
                 <a:stretch>
-                  <a:fillRect l="-862" t="-2985" b="-61692"/>
+                  <a:fillRect l="-897" t="-2638"/>
                 </a:stretch>
               </a:blipFill>
             </p:spPr>
@@ -5377,7 +5512,7 @@
               <a:lstStyle/>
               <a:p>
                 <a:r>
-                  <a:rPr lang="en-CN">
+                  <a:rPr lang="en-US">
                     <a:noFill/>
                   </a:rPr>
                   <a:t> </a:t>
@@ -5438,8 +5573,8 @@
         </p:blipFill>
         <p:spPr>
           <a:xfrm>
-            <a:off x="748925" y="3717627"/>
-            <a:ext cx="7083706" cy="2296095"/>
+            <a:off x="1535186" y="2649907"/>
+            <a:ext cx="5385732" cy="1745718"/>
           </a:xfrm>
           <a:prstGeom prst="rect">
             <a:avLst/>
@@ -5458,8 +5593,8 @@
         </p:nvSpPr>
         <p:spPr>
           <a:xfrm>
-            <a:off x="247787" y="1428449"/>
-            <a:ext cx="8479523" cy="750455"/>
+            <a:off x="247787" y="1428450"/>
+            <a:ext cx="8479523" cy="564742"/>
           </a:xfrm>
         </p:spPr>
         <p:txBody>
@@ -5472,12 +5607,20 @@
               <a:buNone/>
             </a:pPr>
             <a:r>
+              <a:rPr kumimoji="1" lang="zh-CN" altLang="en-US" dirty="0">
+                <a:solidFill>
+                  <a:schemeClr val="tx1"/>
+                </a:solidFill>
+              </a:rPr>
+              <a:t>哪里出错了</a:t>
+            </a:r>
+            <a:r>
               <a:rPr kumimoji="1" lang="en-US" altLang="zh-CN" dirty="0">
                 <a:solidFill>
                   <a:schemeClr val="tx1"/>
                 </a:solidFill>
               </a:rPr>
-              <a:t>What’s wrong?</a:t>
+              <a:t>?</a:t>
             </a:r>
           </a:p>
           <a:p>
@@ -5533,7 +5676,7 @@
                 <a:ea typeface="黑体"/>
                 <a:cs typeface="黑体"/>
               </a:rPr>
-              <a:t>7</a:t>
+              <a:t>8</a:t>
             </a:r>
             <a:r>
               <a:rPr lang="en-US" altLang="ja-JP" sz="4000" baseline="30000" dirty="0">
@@ -5544,7 +5687,18 @@
                 <a:ea typeface="黑体"/>
                 <a:cs typeface="黑体"/>
               </a:rPr>
-              <a:t> Application</a:t>
+              <a:t> </a:t>
+            </a:r>
+            <a:r>
+              <a:rPr lang="zh-CN" altLang="en-US" sz="4000" baseline="30000" dirty="0">
+                <a:solidFill>
+                  <a:schemeClr val="bg1"/>
+                </a:solidFill>
+                <a:latin typeface="黑体"/>
+                <a:ea typeface="黑体"/>
+                <a:cs typeface="黑体"/>
+              </a:rPr>
+              <a:t>分析</a:t>
             </a:r>
             <a:endParaRPr lang="ja-JP" altLang="en-US" sz="4000" baseline="30000" dirty="0">
               <a:solidFill>
@@ -5575,7 +5729,7 @@
             </p:nvSpPr>
             <p:spPr>
               <a:xfrm>
-                <a:off x="247788" y="3951730"/>
+                <a:off x="-96161" y="4244329"/>
                 <a:ext cx="8479523" cy="913945"/>
               </a:xfrm>
               <a:prstGeom prst="rect">
@@ -6171,7 +6325,7 @@
             </p:nvSpPr>
             <p:spPr>
               <a:xfrm>
-                <a:off x="247788" y="3951730"/>
+                <a:off x="-96161" y="4244329"/>
                 <a:ext cx="8479523" cy="913945"/>
               </a:xfrm>
               <a:prstGeom prst="rect">
@@ -6180,7 +6334,7 @@
               <a:blipFill>
                 <a:blip r:embed="rId3"/>
                 <a:stretch>
-                  <a:fillRect t="-121918" b="-193151"/>
+                  <a:fillRect/>
                 </a:stretch>
               </a:blipFill>
             </p:spPr>
@@ -6189,7 +6343,7 @@
               <a:lstStyle/>
               <a:p>
                 <a:r>
-                  <a:rPr lang="en-CN">
+                  <a:rPr lang="en-US">
                     <a:noFill/>
                   </a:rPr>
                   <a:t> </a:t>
@@ -6217,8 +6371,8 @@
             </p:nvSpPr>
             <p:spPr>
               <a:xfrm>
-                <a:off x="473363" y="4995242"/>
-                <a:ext cx="6291909" cy="693097"/>
+                <a:off x="473363" y="5158274"/>
+                <a:ext cx="6291909" cy="542551"/>
               </a:xfrm>
               <a:prstGeom prst="rect">
                 <a:avLst/>
@@ -6481,7 +6635,16 @@
                           </a:solidFill>
                           <a:latin typeface="Cambria Math" panose="02040503050406030204" pitchFamily="18" charset="0"/>
                         </a:rPr>
-                        <m:t>𝑝𝑋</m:t>
+                        <m:t>𝑝</m:t>
+                      </m:r>
+                      <m:r>
+                        <a:rPr kumimoji="1" lang="en-US" altLang="zh-CN" b="0" i="1" baseline="-25000" smtClean="0">
+                          <a:solidFill>
+                            <a:schemeClr val="tx1"/>
+                          </a:solidFill>
+                          <a:latin typeface="Cambria Math" panose="02040503050406030204" pitchFamily="18" charset="0"/>
+                        </a:rPr>
+                        <m:t>𝑋</m:t>
                       </m:r>
                       <m:d>
                         <m:dPr>
@@ -6522,7 +6685,25 @@
                           </a:solidFill>
                           <a:latin typeface="Cambria Math" panose="02040503050406030204" pitchFamily="18" charset="0"/>
                         </a:rPr>
-                        <m:t>|=|</m:t>
+                        <m:t>|</m:t>
+                      </m:r>
+                      <m:r>
+                        <a:rPr kumimoji="1" lang="en-US" altLang="zh-CN" b="0" i="1" smtClean="0">
+                          <a:solidFill>
+                            <a:schemeClr val="tx1"/>
+                          </a:solidFill>
+                          <a:latin typeface="Cambria Math" panose="02040503050406030204" pitchFamily="18" charset="0"/>
+                        </a:rPr>
+                        <m:t>=</m:t>
+                      </m:r>
+                      <m:r>
+                        <a:rPr kumimoji="1" lang="en-US" altLang="zh-CN" b="0" i="1" smtClean="0">
+                          <a:solidFill>
+                            <a:schemeClr val="tx1"/>
+                          </a:solidFill>
+                          <a:latin typeface="Cambria Math" panose="02040503050406030204" pitchFamily="18" charset="0"/>
+                        </a:rPr>
+                        <m:t>|</m:t>
                       </m:r>
                       <m:r>
                         <a:rPr kumimoji="1" lang="en-US" altLang="zh-CN" i="1">
@@ -6639,8 +6820,8 @@
             </p:nvSpPr>
             <p:spPr>
               <a:xfrm>
-                <a:off x="473363" y="4995242"/>
-                <a:ext cx="6291909" cy="693097"/>
+                <a:off x="473363" y="5158274"/>
+                <a:ext cx="6291909" cy="542551"/>
               </a:xfrm>
               <a:prstGeom prst="rect">
                 <a:avLst/>
@@ -6657,7 +6838,7 @@
               <a:lstStyle/>
               <a:p>
                 <a:r>
-                  <a:rPr lang="en-CN">
+                  <a:rPr lang="en-US">
                     <a:noFill/>
                   </a:rPr>
                   <a:t> </a:t>
@@ -6975,15 +7156,6 @@
                         </m:e>
                       </m:d>
                       <m:r>
-                        <a:rPr kumimoji="1" lang="en-US" altLang="zh-CN" i="1">
-                          <a:solidFill>
-                            <a:schemeClr val="tx1"/>
-                          </a:solidFill>
-                          <a:latin typeface="Cambria Math" panose="02040503050406030204" pitchFamily="18" charset="0"/>
-                        </a:rPr>
-                        <m:t>𝑑𝑦</m:t>
-                      </m:r>
-                      <m:r>
                         <a:rPr kumimoji="1" lang="en-US" altLang="zh-CN" b="0" i="1" smtClean="0">
                           <a:solidFill>
                             <a:schemeClr val="tx1"/>
@@ -6999,7 +7171,7 @@
                           </a:solidFill>
                           <a:latin typeface="Cambria Math" panose="02040503050406030204" pitchFamily="18" charset="0"/>
                         </a:rPr>
-                        <m:t>𝑝𝑥</m:t>
+                        <m:t>𝑝𝑋</m:t>
                       </m:r>
                       <m:d>
                         <m:dPr>
@@ -7188,7 +7360,7 @@
               <a:blipFill>
                 <a:blip r:embed="rId5"/>
                 <a:stretch>
-                  <a:fillRect b="-3571"/>
+                  <a:fillRect/>
                 </a:stretch>
               </a:blipFill>
             </p:spPr>
@@ -7197,7 +7369,7 @@
               <a:lstStyle/>
               <a:p>
                 <a:r>
-                  <a:rPr lang="en-CN">
+                  <a:rPr lang="en-US">
                     <a:noFill/>
                   </a:rPr>
                   <a:t> </a:t>
@@ -7222,7 +7394,7 @@
         <p:spPr>
           <a:xfrm>
             <a:off x="247789" y="1962831"/>
-            <a:ext cx="8694722" cy="1323439"/>
+            <a:ext cx="8694722" cy="707886"/>
           </a:xfrm>
           <a:prstGeom prst="rect">
             <a:avLst/>
@@ -7236,32 +7408,42 @@
           <a:lstStyle/>
           <a:p>
             <a:r>
-              <a:rPr lang="en-US" dirty="0"/>
-              <a:t>﻿Recall that the probability of x lying in an infinitesimally small region with volume </a:t>
-            </a:r>
-            <a:r>
-              <a:rPr lang="el-GR" dirty="0"/>
-              <a:t>δ</a:t>
-            </a:r>
-            <a:r>
-              <a:rPr lang="en-US" dirty="0"/>
-              <a:t>x is given by p(x)</a:t>
-            </a:r>
-            <a:r>
-              <a:rPr lang="el-GR" dirty="0"/>
-              <a:t>δ</a:t>
-            </a:r>
-            <a:r>
-              <a:rPr lang="en-US" dirty="0"/>
-              <a:t>x. </a:t>
-            </a:r>
-          </a:p>
-          <a:p>
-            <a:r>
-              <a:rPr lang="en-US" dirty="0"/>
-              <a:t>Since g can expand or contract space, the infinitesimal volume surrounding x in x space may have different volume in y space. </a:t>
-            </a:r>
-            <a:endParaRPr lang="en-CN" dirty="0"/>
+              <a:rPr lang="zh-CN" altLang="en-US" dirty="0"/>
+              <a:t>因为</a:t>
+            </a:r>
+            <a:r>
+              <a:rPr lang="en-US" altLang="zh-CN" dirty="0"/>
+              <a:t>g</a:t>
+            </a:r>
+            <a:r>
+              <a:rPr lang="zh-CN" altLang="en-US" dirty="0"/>
+              <a:t>可能会扩展或压缩空间，在</a:t>
+            </a:r>
+            <a:r>
+              <a:rPr lang="en-US" altLang="zh-CN" dirty="0"/>
+              <a:t>x</a:t>
+            </a:r>
+            <a:r>
+              <a:rPr lang="zh-CN" altLang="en-US" dirty="0"/>
+              <a:t>空间内的包围着</a:t>
+            </a:r>
+            <a:r>
+              <a:rPr lang="en-US" altLang="zh-CN" dirty="0"/>
+              <a:t>x</a:t>
+            </a:r>
+            <a:r>
+              <a:rPr lang="zh-CN" altLang="en-US" dirty="0"/>
+              <a:t>的无穷小体积在</a:t>
+            </a:r>
+            <a:r>
+              <a:rPr lang="en-US" altLang="zh-CN" dirty="0"/>
+              <a:t>y</a:t>
+            </a:r>
+            <a:r>
+              <a:rPr lang="zh-CN" altLang="en-US" dirty="0"/>
+              <a:t>空间中可能有不同的体积。</a:t>
+            </a:r>
+            <a:endParaRPr lang="en-US" altLang="zh-CN" dirty="0"/>
           </a:p>
         </p:txBody>
       </p:sp>
@@ -7435,7 +7617,7 @@
                             </p:stCondLst>
                             <p:childTnLst>
                               <p:par>
-                                <p:cTn id="17" presetID="1" presetClass="exit" presetSubtype="0" fill="hold" nodeType="clickEffect">
+                                <p:cTn id="17" presetID="1" presetClass="entr" presetSubtype="0" fill="hold" grpId="0" nodeType="clickEffect">
                                   <p:stCondLst>
                                     <p:cond delay="0"/>
                                   </p:stCondLst>
@@ -7443,33 +7625,6 @@
                                     <p:set>
                                       <p:cBhvr>
                                         <p:cTn id="18" dur="1" fill="hold">
-                                          <p:stCondLst>
-                                            <p:cond delay="0"/>
-                                          </p:stCondLst>
-                                        </p:cTn>
-                                        <p:tgtEl>
-                                          <p:spTgt spid="19"/>
-                                        </p:tgtEl>
-                                        <p:attrNameLst>
-                                          <p:attrName>style.visibility</p:attrName>
-                                        </p:attrNameLst>
-                                      </p:cBhvr>
-                                      <p:to>
-                                        <p:strVal val="hidden"/>
-                                      </p:to>
-                                    </p:set>
-                                  </p:childTnLst>
-                                </p:cTn>
-                              </p:par>
-                              <p:par>
-                                <p:cTn id="19" presetID="1" presetClass="entr" presetSubtype="0" fill="hold" grpId="0" nodeType="withEffect">
-                                  <p:stCondLst>
-                                    <p:cond delay="0"/>
-                                  </p:stCondLst>
-                                  <p:childTnLst>
-                                    <p:set>
-                                      <p:cBhvr>
-                                        <p:cTn id="20" dur="1" fill="hold">
                                           <p:stCondLst>
                                             <p:cond delay="0"/>
                                           </p:stCondLst>
@@ -7495,26 +7650,26 @@
                     </p:cTn>
                   </p:par>
                   <p:par>
-                    <p:cTn id="21" fill="hold">
+                    <p:cTn id="19" fill="hold">
                       <p:stCondLst>
                         <p:cond delay="indefinite"/>
                       </p:stCondLst>
                       <p:childTnLst>
                         <p:par>
-                          <p:cTn id="22" fill="hold">
+                          <p:cTn id="20" fill="hold">
                             <p:stCondLst>
                               <p:cond delay="0"/>
                             </p:stCondLst>
                             <p:childTnLst>
                               <p:par>
-                                <p:cTn id="23" presetID="1" presetClass="entr" presetSubtype="0" fill="hold" grpId="0" nodeType="clickEffect">
+                                <p:cTn id="21" presetID="1" presetClass="entr" presetSubtype="0" fill="hold" grpId="0" nodeType="clickEffect">
                                   <p:stCondLst>
                                     <p:cond delay="0"/>
                                   </p:stCondLst>
                                   <p:childTnLst>
                                     <p:set>
                                       <p:cBhvr>
-                                        <p:cTn id="24" dur="1" fill="hold">
+                                        <p:cTn id="22" dur="1" fill="hold">
                                           <p:stCondLst>
                                             <p:cond delay="0"/>
                                           </p:stCondLst>
@@ -7540,26 +7695,26 @@
                     </p:cTn>
                   </p:par>
                   <p:par>
-                    <p:cTn id="25" fill="hold">
+                    <p:cTn id="23" fill="hold">
                       <p:stCondLst>
                         <p:cond delay="indefinite"/>
                       </p:stCondLst>
                       <p:childTnLst>
                         <p:par>
-                          <p:cTn id="26" fill="hold">
+                          <p:cTn id="24" fill="hold">
                             <p:stCondLst>
                               <p:cond delay="0"/>
                             </p:stCondLst>
                             <p:childTnLst>
                               <p:par>
-                                <p:cTn id="27" presetID="1" presetClass="entr" presetSubtype="0" fill="hold" grpId="0" nodeType="clickEffect">
+                                <p:cTn id="25" presetID="1" presetClass="entr" presetSubtype="0" fill="hold" grpId="0" nodeType="clickEffect">
                                   <p:stCondLst>
                                     <p:cond delay="0"/>
                                   </p:stCondLst>
                                   <p:childTnLst>
                                     <p:set>
                                       <p:cBhvr>
-                                        <p:cTn id="28" dur="1" fill="hold">
+                                        <p:cTn id="26" dur="1" fill="hold">
                                           <p:stCondLst>
                                             <p:cond delay="0"/>
                                           </p:stCondLst>
@@ -7669,7 +7824,18 @@
                 <a:ea typeface="黑体"/>
                 <a:cs typeface="黑体"/>
               </a:rPr>
-              <a:t>2.Information Theory</a:t>
+              <a:t>2.</a:t>
+            </a:r>
+            <a:r>
+              <a:rPr lang="zh-CN" altLang="en-US" sz="4000" baseline="30000" dirty="0">
+                <a:solidFill>
+                  <a:schemeClr val="bg1"/>
+                </a:solidFill>
+                <a:latin typeface="黑体"/>
+                <a:ea typeface="黑体"/>
+                <a:cs typeface="黑体"/>
+              </a:rPr>
+              <a:t>信息论</a:t>
             </a:r>
             <a:endParaRPr lang="ja-JP" altLang="en-US" sz="4000" baseline="30000" dirty="0">
               <a:solidFill>
@@ -7976,38 +8142,70 @@
         </p:spPr>
         <p:txBody>
           <a:bodyPr>
-            <a:normAutofit lnSpcReduction="10000"/>
+            <a:normAutofit/>
           </a:bodyPr>
           <a:lstStyle/>
           <a:p>
             <a:r>
-              <a:rPr kumimoji="1" lang="en-US" altLang="zh-CN" dirty="0">
+              <a:rPr kumimoji="1" lang="zh-CN" altLang="en-US" dirty="0">
                 <a:solidFill>
                   <a:schemeClr val="tx1"/>
                 </a:solidFill>
               </a:rPr>
-              <a:t>Information theory studies the quantification, storage, and communication of information. </a:t>
-            </a:r>
+              <a:t>信息论是研究信息的量化、存储和通信的学科。</a:t>
+            </a:r>
+            <a:endParaRPr kumimoji="1" lang="en-US" altLang="zh-CN" dirty="0">
+              <a:solidFill>
+                <a:schemeClr val="tx1"/>
+              </a:solidFill>
+            </a:endParaRPr>
           </a:p>
           <a:p>
             <a:r>
+              <a:rPr kumimoji="1" lang="zh-CN" altLang="en-US" dirty="0">
+                <a:solidFill>
+                  <a:schemeClr val="tx1"/>
+                </a:solidFill>
+              </a:rPr>
+              <a:t>它最初是由</a:t>
+            </a:r>
+            <a:r>
               <a:rPr kumimoji="1" lang="en-US" altLang="zh-CN" dirty="0">
                 <a:solidFill>
                   <a:schemeClr val="tx1"/>
                 </a:solidFill>
               </a:rPr>
-              <a:t>It was originally proposed by Claude Shannon in 1948 to find fundamental limits on signal processing and communication operations such as data compression, in a landmark paper titled "A Mathematical Theory of Communication".</a:t>
-            </a:r>
-          </a:p>
-          <a:p>
+              <a:t>Claude Shannon</a:t>
+            </a:r>
+            <a:r>
+              <a:rPr kumimoji="1" lang="zh-CN" altLang="en-US" dirty="0">
+                <a:solidFill>
+                  <a:schemeClr val="tx1"/>
+                </a:solidFill>
+              </a:rPr>
+              <a:t>于</a:t>
+            </a:r>
             <a:r>
               <a:rPr kumimoji="1" lang="en-US" altLang="zh-CN" dirty="0">
                 <a:solidFill>
                   <a:schemeClr val="tx1"/>
                 </a:solidFill>
               </a:rPr>
-              <a:t>Abstractly, information can be thought of as the resolution of uncertainty.</a:t>
-            </a:r>
+              <a:t>1948</a:t>
+            </a:r>
+            <a:r>
+              <a:rPr kumimoji="1" lang="zh-CN" altLang="en-US" dirty="0">
+                <a:solidFill>
+                  <a:schemeClr val="tx1"/>
+                </a:solidFill>
+              </a:rPr>
+              <a:t>年在一篇题为“通信的数学理论”的论文提出的，目的是找到信号处理和通信操作（如数据压缩）的基本限制。</a:t>
+            </a:r>
+            <a:endParaRPr kumimoji="1" lang="en-US" altLang="zh-CN" dirty="0">
+              <a:solidFill>
+                <a:schemeClr val="tx1"/>
+              </a:solidFill>
+            </a:endParaRPr>
           </a:p>
         </p:txBody>
       </p:sp>
@@ -8077,7 +8275,18 @@
                 <a:ea typeface="黑体"/>
                 <a:cs typeface="黑体"/>
               </a:rPr>
-              <a:t>2.1 Information</a:t>
+              <a:t>2.1 </a:t>
+            </a:r>
+            <a:r>
+              <a:rPr lang="zh-CN" altLang="en-US" sz="4000" baseline="30000" dirty="0">
+                <a:solidFill>
+                  <a:schemeClr val="bg1"/>
+                </a:solidFill>
+                <a:latin typeface="黑体"/>
+                <a:ea typeface="黑体"/>
+                <a:cs typeface="黑体"/>
+              </a:rPr>
+              <a:t>信息</a:t>
             </a:r>
             <a:endParaRPr lang="ja-JP" altLang="en-US" sz="4000" baseline="30000" dirty="0">
               <a:solidFill>
@@ -8106,8 +8315,8 @@
         </p:nvSpPr>
         <p:spPr>
           <a:xfrm>
-            <a:off x="207819" y="1381587"/>
-            <a:ext cx="8827124" cy="3861745"/>
+            <a:off x="207819" y="1381588"/>
+            <a:ext cx="8827124" cy="3794420"/>
           </a:xfrm>
           <a:prstGeom prst="rect">
             <a:avLst/>
@@ -8115,7 +8324,7 @@
         </p:spPr>
         <p:txBody>
           <a:bodyPr vert="horz" lIns="91440" tIns="45720" rIns="91440" bIns="45720" rtlCol="0">
-            <a:normAutofit lnSpcReduction="10000"/>
+            <a:normAutofit/>
           </a:bodyPr>
           <a:lstStyle>
             <a:lvl1pPr marL="457200" indent="-457200" algn="l" defTabSz="914400" rtl="0" eaLnBrk="1" latinLnBrk="0" hangingPunct="1">
@@ -8349,70 +8558,117 @@
               <a:buNone/>
             </a:pPr>
             <a:r>
-              <a:rPr kumimoji="1" lang="en-US" altLang="zh-CN" dirty="0">
+              <a:rPr kumimoji="1" lang="zh-CN" altLang="en-US" dirty="0">
                 <a:solidFill>
                   <a:schemeClr val="tx1"/>
                 </a:solidFill>
               </a:rPr>
-              <a:t>Consider the following thought experiment. We have a friend with a deck of cards. He will shuffle the deck, flip over some cards, and tell us statements about the cards. </a:t>
-            </a:r>
+              <a:t>考虑下面的场景。 我们有一个朋友带着一副牌。 他进行洗牌后，翻开一些牌，然后告诉我们关于牌的描述。</a:t>
+            </a:r>
+            <a:endParaRPr kumimoji="1" lang="en-US" altLang="zh-CN" dirty="0">
+              <a:solidFill>
+                <a:schemeClr val="tx1"/>
+              </a:solidFill>
+            </a:endParaRPr>
           </a:p>
           <a:p>
             <a:pPr marL="0" indent="0">
               <a:buNone/>
             </a:pPr>
             <a:r>
-              <a:rPr kumimoji="1" lang="en-US" altLang="zh-CN" dirty="0">
+              <a:rPr kumimoji="1" lang="zh-CN" altLang="en-US" dirty="0">
                 <a:solidFill>
                   <a:schemeClr val="tx1"/>
                 </a:solidFill>
               </a:rPr>
-              <a:t>First, he flip over a card and tell us, “I see a card.” </a:t>
-            </a:r>
+              <a:t>首先，他翻了一张牌，告诉我们说：“我看到一张牌”。</a:t>
+            </a:r>
+            <a:endParaRPr kumimoji="1" lang="en-US" altLang="zh-CN" dirty="0">
+              <a:solidFill>
+                <a:schemeClr val="tx1"/>
+              </a:solidFill>
+            </a:endParaRPr>
           </a:p>
           <a:p>
             <a:pPr marL="0" indent="0">
               <a:buNone/>
             </a:pPr>
             <a:r>
-              <a:rPr kumimoji="1" lang="en-US" altLang="zh-CN" dirty="0">
+              <a:rPr kumimoji="1" lang="zh-CN" altLang="en-US" dirty="0">
                 <a:solidFill>
                   <a:schemeClr val="tx1"/>
                 </a:solidFill>
               </a:rPr>
-              <a:t>Next, he flip over a card and say, “I see a heart.”</a:t>
-            </a:r>
+              <a:t>接下来，他翻开了另一张牌，说：“我看到一张红桃”</a:t>
+            </a:r>
+            <a:endParaRPr kumimoji="1" lang="en-US" altLang="zh-CN" dirty="0">
+              <a:solidFill>
+                <a:schemeClr val="tx1"/>
+              </a:solidFill>
+            </a:endParaRPr>
           </a:p>
           <a:p>
             <a:pPr marL="0" indent="0">
               <a:buNone/>
             </a:pPr>
             <a:r>
+              <a:rPr kumimoji="1" lang="zh-CN" altLang="en-US" dirty="0">
+                <a:solidFill>
+                  <a:schemeClr val="tx1"/>
+                </a:solidFill>
+              </a:rPr>
+              <a:t>接下来，他翻了一张牌，说：“这是一张黑桃</a:t>
+            </a:r>
+            <a:r>
               <a:rPr kumimoji="1" lang="en-US" altLang="zh-CN" dirty="0">
                 <a:solidFill>
                   <a:schemeClr val="tx1"/>
                 </a:solidFill>
               </a:rPr>
-              <a:t>Next, he flip over a card and say, “This is the 33 of spades.”</a:t>
-            </a:r>
+              <a:t>3</a:t>
+            </a:r>
+            <a:r>
+              <a:rPr kumimoji="1" lang="zh-CN" altLang="en-US" dirty="0">
+                <a:solidFill>
+                  <a:schemeClr val="tx1"/>
+                </a:solidFill>
+              </a:rPr>
+              <a:t>”</a:t>
+            </a:r>
+            <a:endParaRPr kumimoji="1" lang="en-US" altLang="zh-CN" dirty="0">
+              <a:solidFill>
+                <a:schemeClr val="tx1"/>
+              </a:solidFill>
+            </a:endParaRPr>
           </a:p>
           <a:p>
             <a:pPr marL="0" indent="0">
               <a:buNone/>
             </a:pPr>
             <a:r>
+              <a:rPr kumimoji="1" lang="zh-CN" altLang="en-US" dirty="0">
+                <a:solidFill>
+                  <a:schemeClr val="tx1"/>
+                </a:solidFill>
+              </a:rPr>
+              <a:t>假设他最终翻开这副牌中的每一张并读出这副牌的整个排列。一副牌总共有</a:t>
+            </a:r>
+            <a:r>
               <a:rPr kumimoji="1" lang="en-US" altLang="zh-CN" dirty="0">
                 <a:solidFill>
                   <a:schemeClr val="tx1"/>
                 </a:solidFill>
               </a:rPr>
-              <a:t> Suppose that finally he flip over every card from the deck and read off the entire sequence of the shuffled deck. There are 52! different orders to the deck.</a:t>
-            </a:r>
-            <a:endParaRPr kumimoji="1" lang="zh-CN" altLang="en-US" dirty="0">
-              <a:solidFill>
-                <a:schemeClr val="tx1"/>
-              </a:solidFill>
-            </a:endParaRPr>
+              <a:t>52</a:t>
+            </a:r>
+            <a:r>
+              <a:rPr kumimoji="1" lang="zh-CN" altLang="en-US" dirty="0">
+                <a:solidFill>
+                  <a:schemeClr val="tx1"/>
+                </a:solidFill>
+              </a:rPr>
+              <a:t>！种不同的顺序。</a:t>
+            </a:r>
           </a:p>
         </p:txBody>
       </p:sp>
@@ -8672,13 +8928,18 @@
           </a:lstStyle>
           <a:p>
             <a:r>
-              <a:rPr kumimoji="1" lang="en-US" altLang="zh-CN" dirty="0">
+              <a:rPr kumimoji="1" lang="zh-CN" altLang="en-US" dirty="0">
                 <a:solidFill>
                   <a:schemeClr val="tx1"/>
                 </a:solidFill>
               </a:rPr>
-              <a:t>we may build off the idea that information represents the degree of surprise or the abstract possibility of the event.</a:t>
-            </a:r>
+              <a:t>我们可以建立这样的观点，即信息代表事件的惊讶程度或抽象可能性</a:t>
+            </a:r>
+            <a:endParaRPr kumimoji="1" lang="en-US" altLang="zh-CN" dirty="0">
+              <a:solidFill>
+                <a:schemeClr val="tx1"/>
+              </a:solidFill>
+            </a:endParaRPr>
           </a:p>
         </p:txBody>
       </p:sp>
@@ -8918,7 +9179,29 @@
                 <a:ea typeface="黑体"/>
                 <a:cs typeface="黑体"/>
               </a:rPr>
-              <a:t>2.2 Self-Information</a:t>
+              <a:t>2.2 </a:t>
+            </a:r>
+            <a:r>
+              <a:rPr lang="zh-CN" altLang="en-US" sz="4000" baseline="30000" dirty="0">
+                <a:solidFill>
+                  <a:schemeClr val="bg1"/>
+                </a:solidFill>
+                <a:latin typeface="黑体"/>
+                <a:ea typeface="黑体"/>
+                <a:cs typeface="黑体"/>
+              </a:rPr>
+              <a:t>自信息</a:t>
+            </a:r>
+            <a:r>
+              <a:rPr lang="en-US" altLang="zh-CN" sz="4000" baseline="30000" dirty="0">
+                <a:solidFill>
+                  <a:schemeClr val="bg1"/>
+                </a:solidFill>
+                <a:latin typeface="黑体"/>
+                <a:ea typeface="黑体"/>
+                <a:cs typeface="黑体"/>
+              </a:rPr>
+              <a:t>(Self-Information)</a:t>
             </a:r>
             <a:endParaRPr lang="ja-JP" altLang="en-US" sz="4000" baseline="30000" dirty="0">
               <a:solidFill>
@@ -9187,12 +9470,20 @@
           </a:lstStyle>
           <a:p>
             <a:r>
+              <a:rPr kumimoji="1" lang="zh-CN" altLang="en-US" dirty="0">
+                <a:solidFill>
+                  <a:schemeClr val="tx1"/>
+                </a:solidFill>
+              </a:rPr>
+              <a:t>公理</a:t>
+            </a:r>
+            <a:r>
               <a:rPr kumimoji="1" lang="en-US" altLang="zh-CN" dirty="0">
                 <a:solidFill>
                   <a:schemeClr val="tx1"/>
                 </a:solidFill>
               </a:rPr>
-              <a:t>Axioms:</a:t>
+              <a:t>:</a:t>
             </a:r>
           </a:p>
           <a:p>
@@ -9206,13 +9497,34 @@
               <a:buAutoNum type="alphaLcPeriod"/>
             </a:pPr>
             <a:r>
+              <a:rPr kumimoji="1" lang="zh-CN" altLang="en-US" sz="1800" dirty="0">
+                <a:solidFill>
+                  <a:schemeClr val="tx1"/>
+                </a:solidFill>
+              </a:rPr>
+              <a:t>概率为</a:t>
+            </a:r>
+            <a:r>
               <a:rPr kumimoji="1" lang="en-US" altLang="zh-CN" sz="1800" dirty="0">
                 <a:solidFill>
                   <a:schemeClr val="tx1"/>
                 </a:solidFill>
               </a:rPr>
-              <a:t>An event with probability 100% is perfectly unsurprising and yields no information.</a:t>
-            </a:r>
+              <a:t>100%</a:t>
+            </a:r>
+            <a:r>
+              <a:rPr kumimoji="1" lang="zh-CN" altLang="en-US" sz="1800" dirty="0">
+                <a:solidFill>
+                  <a:schemeClr val="tx1"/>
+                </a:solidFill>
+              </a:rPr>
+              <a:t>的事件完全不令人惊讶，也不会产生任何信息。 </a:t>
+            </a:r>
+            <a:endParaRPr kumimoji="1" lang="en-US" altLang="zh-CN" sz="1800" dirty="0">
+              <a:solidFill>
+                <a:schemeClr val="tx1"/>
+              </a:solidFill>
+            </a:endParaRPr>
           </a:p>
           <a:p>
             <a:pPr indent="-274320">
@@ -9225,13 +9537,18 @@
               <a:buAutoNum type="alphaLcPeriod"/>
             </a:pPr>
             <a:r>
-              <a:rPr kumimoji="1" lang="en-US" altLang="zh-CN" sz="1800" dirty="0">
+              <a:rPr kumimoji="1" lang="zh-CN" altLang="en-US" sz="1800" dirty="0">
                 <a:solidFill>
                   <a:schemeClr val="tx1"/>
                 </a:solidFill>
               </a:rPr>
-              <a:t>The less probable an event is, the more surprising it is and the more information it yields.</a:t>
-            </a:r>
+              <a:t>一个事件的可能性越小，它就越令人惊讶，它产生的信息也越多。</a:t>
+            </a:r>
+            <a:endParaRPr kumimoji="1" lang="en-US" altLang="zh-CN" sz="1800" dirty="0">
+              <a:solidFill>
+                <a:schemeClr val="tx1"/>
+              </a:solidFill>
+            </a:endParaRPr>
           </a:p>
           <a:p>
             <a:pPr indent="-274320">
@@ -9244,29 +9561,18 @@
               <a:buAutoNum type="alphaLcPeriod"/>
             </a:pPr>
             <a:r>
-              <a:rPr kumimoji="1" lang="en-US" altLang="zh-CN" sz="1800" dirty="0">
+              <a:rPr kumimoji="1" lang="zh-CN" altLang="en-US" sz="1800" dirty="0">
                 <a:solidFill>
                   <a:schemeClr val="tx1"/>
                 </a:solidFill>
               </a:rPr>
-              <a:t>If two independent events are measured separately, the total amount of information is the sum of the self-</a:t>
-            </a:r>
-            <a:r>
-              <a:rPr kumimoji="1" lang="en-US" altLang="zh-CN" sz="1800" dirty="0" err="1">
-                <a:solidFill>
-                  <a:schemeClr val="tx1"/>
-                </a:solidFill>
-              </a:rPr>
-              <a:t>informations</a:t>
-            </a:r>
-            <a:r>
-              <a:rPr kumimoji="1" lang="en-US" altLang="zh-CN" sz="1800" dirty="0">
-                <a:solidFill>
-                  <a:schemeClr val="tx1"/>
-                </a:solidFill>
-              </a:rPr>
-              <a:t> of the individual events.</a:t>
-            </a:r>
+              <a:t>如果分别测量两个独立事件，则总信息量是单个事件的自信息之和。</a:t>
+            </a:r>
+            <a:endParaRPr kumimoji="1" lang="en-US" altLang="zh-CN" sz="1800" dirty="0">
+              <a:solidFill>
+                <a:schemeClr val="tx1"/>
+              </a:solidFill>
+            </a:endParaRPr>
           </a:p>
           <a:p>
             <a:endParaRPr kumimoji="1" lang="zh-CN" altLang="en-US" dirty="0">
@@ -9293,7 +9599,7 @@
         </p:nvSpPr>
         <p:spPr>
           <a:xfrm>
-            <a:off x="207819" y="4152227"/>
+            <a:off x="109057" y="3564998"/>
             <a:ext cx="8827124" cy="2307295"/>
           </a:xfrm>
           <a:prstGeom prst="rect">
@@ -9533,13 +9839,50 @@
           </a:lstStyle>
           <a:p>
             <a:r>
+              <a:rPr kumimoji="1" lang="zh-CN" altLang="en-US" dirty="0">
+                <a:solidFill>
+                  <a:schemeClr val="tx1"/>
+                </a:solidFill>
+              </a:rPr>
+              <a:t>给定一个概率为</a:t>
+            </a:r>
+            <a:r>
               <a:rPr kumimoji="1" lang="en-US" altLang="zh-CN" dirty="0">
                 <a:solidFill>
                   <a:schemeClr val="tx1"/>
                 </a:solidFill>
               </a:rPr>
-              <a:t>Broadly given an event x with probability P(x), the information content is defined as follows:</a:t>
-            </a:r>
+              <a:t>P(x)</a:t>
+            </a:r>
+            <a:r>
+              <a:rPr kumimoji="1" lang="zh-CN" altLang="en-US" dirty="0">
+                <a:solidFill>
+                  <a:schemeClr val="tx1"/>
+                </a:solidFill>
+              </a:rPr>
+              <a:t>的事件</a:t>
+            </a:r>
+            <a:r>
+              <a:rPr kumimoji="1" lang="en-US" altLang="zh-CN" dirty="0">
+                <a:solidFill>
+                  <a:schemeClr val="tx1"/>
+                </a:solidFill>
+              </a:rPr>
+              <a:t>X=x</a:t>
+            </a:r>
+            <a:r>
+              <a:rPr kumimoji="1" lang="zh-CN" altLang="en-US" dirty="0">
+                <a:solidFill>
+                  <a:schemeClr val="tx1"/>
+                </a:solidFill>
+              </a:rPr>
+              <a:t>，信息量定义如下：</a:t>
+            </a:r>
+            <a:endParaRPr kumimoji="1" lang="en-US" altLang="zh-CN" dirty="0">
+              <a:solidFill>
+                <a:schemeClr val="tx1"/>
+              </a:solidFill>
+            </a:endParaRPr>
           </a:p>
           <a:p>
             <a:pPr marL="914400">
@@ -9591,12 +9934,28 @@
               <a:buNone/>
             </a:pPr>
             <a:r>
+              <a:rPr kumimoji="1" lang="zh-CN" altLang="en-US" dirty="0">
+                <a:solidFill>
+                  <a:schemeClr val="tx1"/>
+                </a:solidFill>
+              </a:rPr>
+              <a:t>当</a:t>
+            </a:r>
+            <a:r>
               <a:rPr kumimoji="1" lang="en-US" altLang="zh-CN" dirty="0">
                 <a:solidFill>
                   <a:schemeClr val="tx1"/>
                 </a:solidFill>
               </a:rPr>
-              <a:t>When b=2, units called </a:t>
+              <a:t>b=2, </a:t>
+            </a:r>
+            <a:r>
+              <a:rPr kumimoji="1" lang="zh-CN" altLang="en-US" dirty="0">
+                <a:solidFill>
+                  <a:schemeClr val="tx1"/>
+                </a:solidFill>
+              </a:rPr>
+              <a:t>单位为</a:t>
             </a:r>
             <a:r>
               <a:rPr kumimoji="1" lang="en-US" altLang="zh-CN" b="1" dirty="0">
@@ -9628,7 +9987,15 @@
                   <a:schemeClr val="tx1"/>
                 </a:solidFill>
               </a:rPr>
-              <a:t>; b = e, units called </a:t>
+              <a:t>; b = e, </a:t>
+            </a:r>
+            <a:r>
+              <a:rPr kumimoji="1" lang="zh-CN" altLang="en-US" dirty="0">
+                <a:solidFill>
+                  <a:schemeClr val="tx1"/>
+                </a:solidFill>
+              </a:rPr>
+              <a:t>单位为</a:t>
             </a:r>
             <a:r>
               <a:rPr kumimoji="1" lang="en-US" altLang="zh-CN" dirty="0" err="1">
@@ -9846,7 +10213,51 @@
                 <a:ea typeface="黑体"/>
                 <a:cs typeface="黑体"/>
               </a:rPr>
-              <a:t>2.3 Shannon Entropy(Information Entropy)</a:t>
+              <a:t>2.3 </a:t>
+            </a:r>
+            <a:r>
+              <a:rPr lang="zh-CN" altLang="en-US" sz="4000" baseline="30000" dirty="0">
+                <a:solidFill>
+                  <a:schemeClr val="bg1"/>
+                </a:solidFill>
+                <a:latin typeface="黑体"/>
+                <a:ea typeface="黑体"/>
+                <a:cs typeface="黑体"/>
+              </a:rPr>
+              <a:t>香农熵</a:t>
+            </a:r>
+            <a:r>
+              <a:rPr lang="en-US" altLang="ja-JP" sz="4000" baseline="30000" dirty="0">
+                <a:solidFill>
+                  <a:schemeClr val="bg1"/>
+                </a:solidFill>
+                <a:latin typeface="黑体"/>
+                <a:ea typeface="黑体"/>
+                <a:cs typeface="黑体"/>
+              </a:rPr>
+              <a:t>(</a:t>
+            </a:r>
+            <a:r>
+              <a:rPr lang="zh-CN" altLang="en-US" sz="4000" baseline="30000" dirty="0">
+                <a:solidFill>
+                  <a:schemeClr val="bg1"/>
+                </a:solidFill>
+                <a:latin typeface="黑体"/>
+                <a:ea typeface="黑体"/>
+                <a:cs typeface="黑体"/>
+              </a:rPr>
+              <a:t>信息熵</a:t>
+            </a:r>
+            <a:r>
+              <a:rPr lang="en-US" altLang="ja-JP" sz="4000" baseline="30000" dirty="0">
+                <a:solidFill>
+                  <a:schemeClr val="bg1"/>
+                </a:solidFill>
+                <a:latin typeface="黑体"/>
+                <a:ea typeface="黑体"/>
+                <a:cs typeface="黑体"/>
+              </a:rPr>
+              <a:t>)</a:t>
             </a:r>
             <a:endParaRPr lang="ja-JP" altLang="en-US" sz="4000" baseline="30000" dirty="0">
               <a:solidFill>
@@ -10115,18 +10526,23 @@
           </a:lstStyle>
           <a:p>
             <a:r>
-              <a:rPr kumimoji="1" lang="en-US" altLang="zh-CN" dirty="0">
+              <a:rPr kumimoji="1" lang="zh-CN" altLang="en-US" dirty="0">
                 <a:solidFill>
                   <a:schemeClr val="tx1"/>
                 </a:solidFill>
               </a:rPr>
-              <a:t>In information theory, the entropy of a random variable is the average level of "information", "surprise", or "uncertainty" inherent in the variable's possible outcomes. </a:t>
-            </a:r>
+              <a:t>在信息论中，随机变量的熵是蕴含在随机变量的可能结果中的 “不确定性”的平均水平。</a:t>
+            </a:r>
+            <a:endParaRPr kumimoji="1" lang="en-US" altLang="zh-CN" dirty="0">
+              <a:solidFill>
+                <a:schemeClr val="tx1"/>
+              </a:solidFill>
+            </a:endParaRPr>
           </a:p>
         </p:txBody>
       </p:sp>
-      <mc:AlternateContent xmlns:mc="http://schemas.openxmlformats.org/markup-compatibility/2006" xmlns:a14="http://schemas.microsoft.com/office/drawing/2010/main">
-        <mc:Choice Requires="a14">
+      <mc:AlternateContent xmlns:mc="http://schemas.openxmlformats.org/markup-compatibility/2006">
+        <mc:Choice xmlns:a14="http://schemas.microsoft.com/office/drawing/2010/main" Requires="a14">
           <p:sp>
             <p:nvSpPr>
               <p:cNvPr id="4" name="内容占位符 4">
@@ -10143,7 +10559,7 @@
             </p:nvSpPr>
             <p:spPr>
               <a:xfrm>
-                <a:off x="132318" y="2864681"/>
+                <a:off x="132318" y="2730457"/>
                 <a:ext cx="9011682" cy="2493443"/>
               </a:xfrm>
               <a:prstGeom prst="rect">
@@ -10152,7 +10568,7 @@
             </p:spPr>
             <p:txBody>
               <a:bodyPr vert="horz" lIns="91440" tIns="45720" rIns="91440" bIns="45720" rtlCol="0">
-                <a:normAutofit lnSpcReduction="10000"/>
+                <a:normAutofit/>
               </a:bodyPr>
               <a:lstStyle>
                 <a:lvl1pPr marL="457200" indent="-457200" algn="l" defTabSz="914400" rtl="0" eaLnBrk="1" latinLnBrk="0" hangingPunct="1">
@@ -10383,12 +10799,20 @@
               </a:lstStyle>
               <a:p>
                 <a:r>
+                  <a:rPr kumimoji="1" lang="zh-CN" altLang="en-US" dirty="0">
+                    <a:solidFill>
+                      <a:schemeClr val="tx1"/>
+                    </a:solidFill>
+                  </a:rPr>
+                  <a:t>自信息只涉及一个单一的结果。 我们可以用香农熵来量化整个概率分布中的不确定性 </a:t>
+                </a:r>
+                <a:r>
                   <a:rPr kumimoji="1" lang="en-US" altLang="zh-CN" dirty="0">
                     <a:solidFill>
                       <a:schemeClr val="tx1"/>
                     </a:solidFill>
                   </a:rPr>
-                  <a:t>Self-information deals only with a single outcome. We can quantify the amount of uncertainty in an entire probability distribution using the Shannon entropy: </a:t>
+                  <a:t>: </a:t>
                 </a:r>
               </a:p>
               <a:p>
@@ -10735,12 +11159,20 @@
                   <a:buNone/>
                 </a:pPr>
                 <a:r>
+                  <a:rPr kumimoji="1" lang="zh-CN" altLang="en-US" dirty="0">
+                    <a:solidFill>
+                      <a:schemeClr val="tx1"/>
+                    </a:solidFill>
+                  </a:rPr>
+                  <a:t>其中</a:t>
+                </a:r>
+                <a:r>
                   <a:rPr kumimoji="1" lang="en-US" altLang="zh-CN" dirty="0">
                     <a:solidFill>
                       <a:schemeClr val="tx1"/>
                     </a:solidFill>
                   </a:rPr>
-                  <a:t>where x</a:t>
+                  <a:t> x</a:t>
                 </a:r>
                 <a:r>
                   <a:rPr kumimoji="1" lang="en-US" altLang="zh-CN" baseline="-25000" dirty="0">
@@ -10751,12 +11183,36 @@
                   <a:t>i </a:t>
                 </a:r>
                 <a:r>
+                  <a:rPr kumimoji="1" lang="zh-CN" altLang="en-US" dirty="0">
+                    <a:solidFill>
+                      <a:schemeClr val="tx1"/>
+                    </a:solidFill>
+                  </a:rPr>
+                  <a:t>随机变量</a:t>
+                </a:r>
+                <a:r>
                   <a:rPr kumimoji="1" lang="en-US" altLang="zh-CN" dirty="0">
                     <a:solidFill>
                       <a:schemeClr val="tx1"/>
                     </a:solidFill>
                   </a:rPr>
-                  <a:t>is the possible outcome of a random variable X and b is the base.</a:t>
+                  <a:t>X</a:t>
+                </a:r>
+                <a:r>
+                  <a:rPr kumimoji="1" lang="zh-CN" altLang="en-US" dirty="0">
+                    <a:solidFill>
+                      <a:schemeClr val="tx1"/>
+                    </a:solidFill>
+                  </a:rPr>
+                  <a:t>的一个可能的取值</a:t>
+                </a:r>
+                <a:r>
+                  <a:rPr kumimoji="1" lang="en-US" altLang="zh-CN" dirty="0">
+                    <a:solidFill>
+                      <a:schemeClr val="tx1"/>
+                    </a:solidFill>
+                  </a:rPr>
+                  <a:t>.</a:t>
                 </a:r>
               </a:p>
               <a:p>
@@ -10769,7 +11225,7 @@
             </p:txBody>
           </p:sp>
         </mc:Choice>
-        <mc:Fallback xmlns="">
+        <mc:Fallback>
           <p:sp>
             <p:nvSpPr>
               <p:cNvPr id="4" name="内容占位符 4">
@@ -10786,7 +11242,7 @@
             </p:nvSpPr>
             <p:spPr>
               <a:xfrm>
-                <a:off x="132318" y="2864681"/>
+                <a:off x="132318" y="2730457"/>
                 <a:ext cx="9011682" cy="2493443"/>
               </a:xfrm>
               <a:prstGeom prst="rect">
@@ -10795,7 +11251,7 @@
               <a:blipFill>
                 <a:blip r:embed="rId2"/>
                 <a:stretch>
-                  <a:fillRect l="-282" t="-2538" r="-1549" b="-2030"/>
+                  <a:fillRect l="-271" t="-2689"/>
                 </a:stretch>
               </a:blipFill>
             </p:spPr>
@@ -10804,7 +11260,7 @@
               <a:lstStyle/>
               <a:p>
                 <a:r>
-                  <a:rPr lang="en-CN">
+                  <a:rPr lang="en-US">
                     <a:noFill/>
                   </a:rPr>
                   <a:t> </a:t>
@@ -11004,7 +11460,29 @@
                 <a:ea typeface="黑体"/>
                 <a:cs typeface="黑体"/>
               </a:rPr>
-              <a:t>2.4 Practice-A</a:t>
+              <a:t>2.4 </a:t>
+            </a:r>
+            <a:r>
+              <a:rPr lang="zh-CN" altLang="en-US" sz="4000" baseline="30000" dirty="0">
+                <a:solidFill>
+                  <a:schemeClr val="bg1"/>
+                </a:solidFill>
+                <a:latin typeface="黑体"/>
+                <a:ea typeface="黑体"/>
+                <a:cs typeface="黑体"/>
+              </a:rPr>
+              <a:t>练习</a:t>
+            </a:r>
+            <a:r>
+              <a:rPr lang="en-US" altLang="zh-CN" sz="4000" baseline="30000" dirty="0">
+                <a:solidFill>
+                  <a:schemeClr val="bg1"/>
+                </a:solidFill>
+                <a:latin typeface="黑体"/>
+                <a:ea typeface="黑体"/>
+                <a:cs typeface="黑体"/>
+              </a:rPr>
+              <a:t>1</a:t>
             </a:r>
             <a:endParaRPr lang="ja-JP" altLang="en-US" sz="4000" baseline="30000" dirty="0">
               <a:solidFill>
@@ -11034,7 +11512,7 @@
         <p:spPr>
           <a:xfrm>
             <a:off x="207819" y="1381588"/>
-            <a:ext cx="8827124" cy="1135110"/>
+            <a:ext cx="8827124" cy="750455"/>
           </a:xfrm>
           <a:prstGeom prst="rect">
             <a:avLst/>
@@ -11273,41 +11751,34 @@
           </a:lstStyle>
           <a:p>
             <a:r>
+              <a:rPr kumimoji="1" lang="zh-CN" altLang="en-US" dirty="0">
+                <a:solidFill>
+                  <a:schemeClr val="tx1"/>
+                </a:solidFill>
+              </a:rPr>
+              <a:t>考虑投掷硬币的实验，正反面的概率都为</a:t>
+            </a:r>
+            <a:r>
               <a:rPr kumimoji="1" lang="en-US" altLang="zh-CN" dirty="0">
                 <a:solidFill>
                   <a:schemeClr val="tx1"/>
                 </a:solidFill>
               </a:rPr>
-              <a:t>Consider the example of a coin toss. The probability of heads is the same as the probability of tails, which is </a:t>
-            </a:r>
-            <a:r>
-              <a:rPr kumimoji="1" lang="en-US" altLang="zh-CN" dirty="0">
-                <a:solidFill>
-                  <a:srgbClr val="FF0000"/>
-                </a:solidFill>
-              </a:rPr>
               <a:t>1/2</a:t>
             </a:r>
             <a:r>
-              <a:rPr kumimoji="1" lang="en-US" altLang="zh-CN" dirty="0">
+              <a:rPr kumimoji="1" lang="zh-CN" altLang="en-US" dirty="0">
                 <a:solidFill>
                   <a:schemeClr val="tx1"/>
                 </a:solidFill>
               </a:rPr>
-              <a:t>. Calculate the entropy of the coin toss.</a:t>
-            </a:r>
-          </a:p>
-          <a:p>
-            <a:endParaRPr kumimoji="1" lang="zh-CN" altLang="en-US" dirty="0">
-              <a:solidFill>
-                <a:schemeClr val="tx1"/>
-              </a:solidFill>
-            </a:endParaRPr>
+              <a:t>，计算硬币投掷的熵。 </a:t>
+            </a:r>
           </a:p>
         </p:txBody>
       </p:sp>
-      <mc:AlternateContent xmlns:mc="http://schemas.openxmlformats.org/markup-compatibility/2006" xmlns:a14="http://schemas.microsoft.com/office/drawing/2010/main">
-        <mc:Choice Requires="a14">
+      <mc:AlternateContent xmlns:mc="http://schemas.openxmlformats.org/markup-compatibility/2006">
+        <mc:Choice xmlns:a14="http://schemas.microsoft.com/office/drawing/2010/main" Requires="a14">
           <p:sp>
             <p:nvSpPr>
               <p:cNvPr id="6" name="内容占位符 4">
@@ -11324,7 +11795,7 @@
             </p:nvSpPr>
             <p:spPr>
               <a:xfrm>
-                <a:off x="207819" y="2533477"/>
+                <a:off x="207819" y="2132043"/>
                 <a:ext cx="8827124" cy="3179426"/>
               </a:xfrm>
               <a:prstGeom prst="rect">
@@ -11333,7 +11804,7 @@
             </p:spPr>
             <p:txBody>
               <a:bodyPr vert="horz" lIns="91440" tIns="45720" rIns="91440" bIns="45720" rtlCol="0">
-                <a:normAutofit lnSpcReduction="10000"/>
+                <a:normAutofit/>
               </a:bodyPr>
               <a:lstStyle>
                 <a:lvl1pPr marL="457200" indent="-457200" algn="l" defTabSz="914400" rtl="0" eaLnBrk="1" latinLnBrk="0" hangingPunct="1">
@@ -11564,26 +12035,66 @@
               </a:lstStyle>
               <a:p>
                 <a:r>
-                  <a:rPr kumimoji="1" lang="en-US" altLang="zh-CN" dirty="0">
+                  <a:rPr kumimoji="1" lang="zh-CN" altLang="en-US" dirty="0">
                     <a:solidFill>
                       <a:schemeClr val="tx1"/>
                     </a:solidFill>
                   </a:rPr>
-                  <a:t>Let X represents the coin faces, which X=1 means the head of the coin faces up and X=0 means the tail of the coin faces up. </a:t>
+                  <a:t>假设</a:t>
                 </a:r>
-              </a:p>
-              <a:p>
-                <a:pPr marL="540000" indent="0">
-                  <a:buNone/>
-                </a:pPr>
                 <a:r>
                   <a:rPr kumimoji="1" lang="en-US" altLang="zh-CN" dirty="0">
                     <a:solidFill>
                       <a:schemeClr val="tx1"/>
                     </a:solidFill>
                   </a:rPr>
-                  <a:t>We obtain that</a:t>
+                  <a:t>X</a:t>
                 </a:r>
+                <a:r>
+                  <a:rPr kumimoji="1" lang="zh-CN" altLang="en-US" dirty="0">
+                    <a:solidFill>
+                      <a:schemeClr val="tx1"/>
+                    </a:solidFill>
+                  </a:rPr>
+                  <a:t>表示</a:t>
+                </a:r>
+                <a:r>
+                  <a:rPr kumimoji="1" lang="en-US" altLang="zh-CN" dirty="0">
+                    <a:solidFill>
+                      <a:schemeClr val="tx1"/>
+                    </a:solidFill>
+                  </a:rPr>
+                  <a:t>X</a:t>
+                </a:r>
+                <a:r>
+                  <a:rPr kumimoji="1" lang="zh-CN" altLang="en-US" dirty="0">
+                    <a:solidFill>
+                      <a:schemeClr val="tx1"/>
+                    </a:solidFill>
+                  </a:rPr>
+                  <a:t>的朝向，</a:t>
+                </a:r>
+                <a:r>
+                  <a:rPr kumimoji="1" lang="en-US" altLang="zh-CN" dirty="0">
+                    <a:solidFill>
+                      <a:schemeClr val="tx1"/>
+                    </a:solidFill>
+                  </a:rPr>
+                  <a:t>X=1</a:t>
+                </a:r>
+                <a:r>
+                  <a:rPr kumimoji="1" lang="zh-CN" altLang="en-US" dirty="0">
+                    <a:solidFill>
+                      <a:schemeClr val="tx1"/>
+                    </a:solidFill>
+                  </a:rPr>
+                  <a:t>表示硬币正面朝上。因此有：</a:t>
+                </a:r>
+                <a:endParaRPr kumimoji="1" lang="en-US" altLang="zh-CN" dirty="0">
+                  <a:solidFill>
+                    <a:schemeClr val="tx1"/>
+                  </a:solidFill>
+                </a:endParaRPr>
               </a:p>
               <a:p>
                 <a:pPr marL="540000" indent="0">
@@ -12218,7 +12729,7 @@
             </p:txBody>
           </p:sp>
         </mc:Choice>
-        <mc:Fallback xmlns="">
+        <mc:Fallback>
           <p:sp>
             <p:nvSpPr>
               <p:cNvPr id="6" name="内容占位符 4">
@@ -12235,7 +12746,7 @@
             </p:nvSpPr>
             <p:spPr>
               <a:xfrm>
-                <a:off x="207819" y="2533477"/>
+                <a:off x="207819" y="2132043"/>
                 <a:ext cx="8827124" cy="3179426"/>
               </a:xfrm>
               <a:prstGeom prst="rect">
@@ -12244,7 +12755,7 @@
               <a:blipFill>
                 <a:blip r:embed="rId2"/>
                 <a:stretch>
-                  <a:fillRect l="-287" t="-1992" b="-797"/>
+                  <a:fillRect l="-207" t="-2111"/>
                 </a:stretch>
               </a:blipFill>
             </p:spPr>
@@ -12253,7 +12764,7 @@
               <a:lstStyle/>
               <a:p>
                 <a:r>
-                  <a:rPr lang="en-CN">
+                  <a:rPr lang="en-US">
                     <a:noFill/>
                   </a:rPr>
                   <a:t> </a:t>
@@ -12453,7 +12964,29 @@
                 <a:ea typeface="黑体"/>
                 <a:cs typeface="黑体"/>
               </a:rPr>
-              <a:t>2.4 Practice-B</a:t>
+              <a:t>2.4 </a:t>
+            </a:r>
+            <a:r>
+              <a:rPr lang="zh-CN" altLang="en-US" sz="4000" baseline="30000" dirty="0">
+                <a:solidFill>
+                  <a:schemeClr val="bg1"/>
+                </a:solidFill>
+                <a:latin typeface="黑体"/>
+                <a:ea typeface="黑体"/>
+                <a:cs typeface="黑体"/>
+              </a:rPr>
+              <a:t>练习</a:t>
+            </a:r>
+            <a:r>
+              <a:rPr lang="en-US" altLang="zh-CN" sz="4000" baseline="30000" dirty="0">
+                <a:solidFill>
+                  <a:schemeClr val="bg1"/>
+                </a:solidFill>
+                <a:latin typeface="黑体"/>
+                <a:ea typeface="黑体"/>
+                <a:cs typeface="黑体"/>
+              </a:rPr>
+              <a:t>2</a:t>
             </a:r>
             <a:endParaRPr lang="ja-JP" altLang="en-US" sz="4000" baseline="30000" dirty="0">
               <a:solidFill>
@@ -12722,12 +13255,20 @@
           </a:lstStyle>
           <a:p>
             <a:r>
+              <a:rPr kumimoji="1" lang="zh-CN" altLang="en-US" dirty="0">
+                <a:solidFill>
+                  <a:schemeClr val="tx1"/>
+                </a:solidFill>
+              </a:rPr>
+              <a:t>如果正反面出现的概率不相等会怎样</a:t>
+            </a:r>
+            <a:r>
               <a:rPr kumimoji="1" lang="en-US" altLang="zh-CN" dirty="0">
                 <a:solidFill>
                   <a:schemeClr val="tx1"/>
                 </a:solidFill>
               </a:rPr>
-              <a:t>What if the probability of heads is not same as the probability of tails? </a:t>
+              <a:t>? </a:t>
             </a:r>
           </a:p>
           <a:p>
@@ -12735,12 +13276,20 @@
               <a:buNone/>
             </a:pPr>
             <a:r>
+              <a:rPr kumimoji="1" lang="zh-CN" altLang="en-US" dirty="0">
+                <a:solidFill>
+                  <a:schemeClr val="tx1"/>
+                </a:solidFill>
+              </a:rPr>
+              <a:t>例如：</a:t>
+            </a:r>
+            <a:r>
               <a:rPr kumimoji="1" lang="en-US" altLang="zh-CN" dirty="0">
                 <a:solidFill>
                   <a:schemeClr val="tx1"/>
                 </a:solidFill>
               </a:rPr>
-              <a:t>Such as P(X=0) = 1/4 , and P(X=1)=3/4.</a:t>
+              <a:t>P(X=0) = 1/4 , P(X=1)=3/4.</a:t>
             </a:r>
             <a:endParaRPr kumimoji="1" lang="zh-CN" altLang="en-US" dirty="0">
               <a:solidFill>
@@ -13688,7 +14237,7 @@
         </p:blipFill>
         <p:spPr>
           <a:xfrm>
-            <a:off x="1585730" y="1381587"/>
+            <a:off x="1157151" y="1221712"/>
             <a:ext cx="6458675" cy="4810950"/>
           </a:xfrm>
           <a:prstGeom prst="rect">
@@ -14009,7 +14558,18 @@
                 <a:ea typeface="黑体"/>
                 <a:cs typeface="黑体"/>
               </a:rPr>
-              <a:t> (KL) divergence</a:t>
+              <a:t> (KL) </a:t>
+            </a:r>
+            <a:r>
+              <a:rPr lang="zh-CN" altLang="en-US" sz="4000" baseline="30000" dirty="0">
+                <a:solidFill>
+                  <a:schemeClr val="bg1"/>
+                </a:solidFill>
+                <a:latin typeface="黑体"/>
+                <a:ea typeface="黑体"/>
+                <a:cs typeface="黑体"/>
+              </a:rPr>
+              <a:t>散度</a:t>
             </a:r>
             <a:endParaRPr lang="ja-JP" altLang="en-US" sz="4000" baseline="30000" dirty="0">
               <a:solidFill>
@@ -14039,7 +14599,7 @@
         <p:spPr>
           <a:xfrm>
             <a:off x="207819" y="1450358"/>
-            <a:ext cx="8827124" cy="1489612"/>
+            <a:ext cx="8827124" cy="1309620"/>
           </a:xfrm>
           <a:prstGeom prst="rect">
             <a:avLst/>
@@ -14278,12 +14838,60 @@
           </a:lstStyle>
           <a:p>
             <a:r>
+              <a:rPr kumimoji="1" lang="zh-CN" altLang="en-US" dirty="0">
+                <a:solidFill>
+                  <a:schemeClr val="tx1"/>
+                </a:solidFill>
+              </a:rPr>
+              <a:t>如果我们在同一个随机变量</a:t>
+            </a:r>
+            <a:r>
               <a:rPr kumimoji="1" lang="en-US" altLang="zh-CN" dirty="0">
                 <a:solidFill>
                   <a:schemeClr val="tx1"/>
                 </a:solidFill>
               </a:rPr>
-              <a:t>If we have two separate probability distributions P (X) and Q(X) over the same random variable X, we can measure how different these two distributions are using the </a:t>
+              <a:t>X</a:t>
+            </a:r>
+            <a:r>
+              <a:rPr kumimoji="1" lang="zh-CN" altLang="en-US" dirty="0">
+                <a:solidFill>
+                  <a:schemeClr val="tx1"/>
+                </a:solidFill>
+              </a:rPr>
+              <a:t>上有两个独立的概率分布</a:t>
+            </a:r>
+            <a:r>
+              <a:rPr kumimoji="1" lang="en-US" altLang="zh-CN" dirty="0">
+                <a:solidFill>
+                  <a:schemeClr val="tx1"/>
+                </a:solidFill>
+              </a:rPr>
+              <a:t>p(X)</a:t>
+            </a:r>
+            <a:r>
+              <a:rPr kumimoji="1" lang="zh-CN" altLang="en-US" dirty="0">
+                <a:solidFill>
+                  <a:schemeClr val="tx1"/>
+                </a:solidFill>
+              </a:rPr>
+              <a:t>和</a:t>
+            </a:r>
+            <a:r>
+              <a:rPr kumimoji="1" lang="en-US" altLang="zh-CN" dirty="0">
+                <a:solidFill>
+                  <a:schemeClr val="tx1"/>
+                </a:solidFill>
+              </a:rPr>
+              <a:t>q(X)</a:t>
+            </a:r>
+            <a:r>
+              <a:rPr kumimoji="1" lang="zh-CN" altLang="en-US" dirty="0">
+                <a:solidFill>
+                  <a:schemeClr val="tx1"/>
+                </a:solidFill>
+              </a:rPr>
+              <a:t>，我们可以用</a:t>
             </a:r>
             <a:r>
               <a:rPr kumimoji="1" lang="en-US" altLang="zh-CN" dirty="0" err="1">
@@ -14291,7 +14899,7 @@
                   <a:schemeClr val="tx1"/>
                 </a:solidFill>
               </a:rPr>
-              <a:t>Kullback-Leibler</a:t>
+              <a:t>kullback-Leibler</a:t>
             </a:r>
             <a:r>
               <a:rPr kumimoji="1" lang="en-US" altLang="zh-CN" dirty="0">
@@ -14299,13 +14907,42 @@
                   <a:schemeClr val="tx1"/>
                 </a:solidFill>
               </a:rPr>
-              <a:t> (KL) divergence (also called relative entropy).</a:t>
-            </a:r>
+              <a:t>(KL)</a:t>
+            </a:r>
+            <a:r>
+              <a:rPr kumimoji="1" lang="zh-CN" altLang="en-US" dirty="0">
+                <a:solidFill>
+                  <a:schemeClr val="tx1"/>
+                </a:solidFill>
+              </a:rPr>
+              <a:t>散度（也称为相对熵</a:t>
+            </a:r>
+            <a:r>
+              <a:rPr kumimoji="1" lang="en-US" altLang="zh-CN" dirty="0">
+                <a:solidFill>
+                  <a:schemeClr val="tx1"/>
+                </a:solidFill>
+              </a:rPr>
+              <a:t>)</a:t>
+            </a:r>
+            <a:r>
+              <a:rPr kumimoji="1" lang="zh-CN" altLang="en-US" dirty="0">
+                <a:solidFill>
+                  <a:schemeClr val="tx1"/>
+                </a:solidFill>
+              </a:rPr>
+              <a:t>来度量这两个分布的不同程度）</a:t>
+            </a:r>
+            <a:endParaRPr kumimoji="1" lang="en-US" altLang="zh-CN" dirty="0">
+              <a:solidFill>
+                <a:schemeClr val="tx1"/>
+              </a:solidFill>
+            </a:endParaRPr>
           </a:p>
         </p:txBody>
       </p:sp>
-      <mc:AlternateContent xmlns:mc="http://schemas.openxmlformats.org/markup-compatibility/2006" xmlns:a14="http://schemas.microsoft.com/office/drawing/2010/main">
-        <mc:Choice Requires="a14">
+      <mc:AlternateContent xmlns:mc="http://schemas.openxmlformats.org/markup-compatibility/2006">
+        <mc:Choice xmlns:a14="http://schemas.microsoft.com/office/drawing/2010/main" Requires="a14">
           <p:sp>
             <p:nvSpPr>
               <p:cNvPr id="8" name="内容占位符 4">
@@ -14562,12 +15199,36 @@
               </a:lstStyle>
               <a:p>
                 <a:r>
+                  <a:rPr kumimoji="1" lang="zh-CN" altLang="en-US" dirty="0">
+                    <a:solidFill>
+                      <a:schemeClr val="tx1"/>
+                    </a:solidFill>
+                  </a:rPr>
+                  <a:t>换句话来说，</a:t>
+                </a:r>
+                <a:r>
                   <a:rPr kumimoji="1" lang="en-US" altLang="zh-CN" dirty="0">
                     <a:solidFill>
                       <a:schemeClr val="tx1"/>
                     </a:solidFill>
                   </a:rPr>
-                  <a:t>In a word, K-L divergence measures the information loss.</a:t>
+                  <a:t>KL</a:t>
+                </a:r>
+                <a:r>
+                  <a:rPr kumimoji="1" lang="zh-CN" altLang="en-US" dirty="0">
+                    <a:solidFill>
+                      <a:schemeClr val="tx1"/>
+                    </a:solidFill>
+                  </a:rPr>
+                  <a:t>散度度量信息的损失</a:t>
+                </a:r>
+                <a:r>
+                  <a:rPr kumimoji="1" lang="en-US" altLang="zh-CN" dirty="0">
+                    <a:solidFill>
+                      <a:schemeClr val="tx1"/>
+                    </a:solidFill>
+                  </a:rPr>
+                  <a:t>.</a:t>
                 </a:r>
               </a:p>
               <a:p>
@@ -14929,7 +15590,7 @@
             </p:txBody>
           </p:sp>
         </mc:Choice>
-        <mc:Fallback xmlns="">
+        <mc:Fallback>
           <p:sp>
             <p:nvSpPr>
               <p:cNvPr id="8" name="内容占位符 4">
@@ -14953,9 +15614,9 @@
                 <a:avLst/>
               </a:prstGeom>
               <a:blipFill>
-                <a:blip r:embed="rId3"/>
+                <a:blip r:embed="rId2"/>
                 <a:stretch>
-                  <a:fillRect l="-207" t="-2155" b="-30172"/>
+                  <a:fillRect l="-207" t="-4310" b="-30172"/>
                 </a:stretch>
               </a:blipFill>
             </p:spPr>
@@ -15904,7 +16565,18 @@
                 <a:ea typeface="黑体"/>
                 <a:cs typeface="黑体"/>
               </a:rPr>
-              <a:t>2.6 Cross-Entropy</a:t>
+              <a:t>2.6 </a:t>
+            </a:r>
+            <a:r>
+              <a:rPr lang="zh-CN" altLang="en-US" sz="4000" baseline="30000" dirty="0">
+                <a:solidFill>
+                  <a:schemeClr val="bg1"/>
+                </a:solidFill>
+                <a:latin typeface="黑体"/>
+                <a:ea typeface="黑体"/>
+                <a:cs typeface="黑体"/>
+              </a:rPr>
+              <a:t>交叉熵</a:t>
             </a:r>
             <a:endParaRPr lang="ja-JP" altLang="en-US" sz="4000" baseline="30000" dirty="0">
               <a:solidFill>
@@ -17462,7 +18134,7 @@
               <a:t>1. </a:t>
             </a:r>
             <a:r>
-              <a:rPr lang="en-US" altLang="zh-CN" sz="2800" baseline="30000" dirty="0">
+              <a:rPr lang="zh-CN" altLang="en-US" sz="2800" baseline="30000" dirty="0">
                 <a:solidFill>
                   <a:srgbClr val="64109F"/>
                 </a:solidFill>
@@ -17470,7 +18142,7 @@
                 <a:ea typeface="微软雅黑"/>
                 <a:cs typeface="Microsoft YaHei"/>
               </a:rPr>
-              <a:t>Technical Details of Continuous Variables</a:t>
+              <a:t>连续型变量的技术细节</a:t>
             </a:r>
             <a:endParaRPr lang="ja-JP" altLang="en-US" sz="2800" baseline="30000" dirty="0">
               <a:solidFill>
@@ -17534,7 +18206,7 @@
               <a:t>2. </a:t>
             </a:r>
             <a:r>
-              <a:rPr lang="en-US" altLang="zh-CN" sz="2800" baseline="30000" dirty="0">
+              <a:rPr lang="zh-CN" altLang="en-US" sz="2800" baseline="30000" dirty="0">
                 <a:solidFill>
                   <a:srgbClr val="64109F"/>
                 </a:solidFill>
@@ -17542,7 +18214,7 @@
                 <a:ea typeface="微软雅黑"/>
                 <a:cs typeface="Microsoft YaHei"/>
               </a:rPr>
-              <a:t>Information Theory</a:t>
+              <a:t>信息论</a:t>
             </a:r>
             <a:endParaRPr lang="ja-JP" altLang="en-US" sz="2800" baseline="30000" dirty="0">
               <a:solidFill>
@@ -17606,7 +18278,7 @@
               <a:t>3. </a:t>
             </a:r>
             <a:r>
-              <a:rPr lang="en-US" altLang="zh-CN" sz="2800" baseline="30000" dirty="0">
+              <a:rPr lang="zh-CN" altLang="en-US" sz="2800" baseline="30000" dirty="0">
                 <a:solidFill>
                   <a:srgbClr val="64109F"/>
                 </a:solidFill>
@@ -17614,7 +18286,7 @@
                 <a:ea typeface="微软雅黑"/>
                 <a:cs typeface="Microsoft YaHei"/>
               </a:rPr>
-              <a:t>Structured Probabilistic Models </a:t>
+              <a:t>结构化概率模型</a:t>
             </a:r>
             <a:endParaRPr lang="ja-JP" altLang="en-US" sz="2800" baseline="30000" dirty="0">
               <a:solidFill>
@@ -17765,7 +18437,1858 @@
                 <a:ea typeface="黑体"/>
                 <a:cs typeface="黑体"/>
               </a:rPr>
-              <a:t>3.1 The Challenge Of Unstructured Models </a:t>
+              <a:t>2.6 </a:t>
+            </a:r>
+            <a:r>
+              <a:rPr lang="zh-CN" altLang="en-US" sz="4000" baseline="30000" dirty="0">
+                <a:solidFill>
+                  <a:schemeClr val="bg1"/>
+                </a:solidFill>
+                <a:latin typeface="黑体"/>
+                <a:ea typeface="黑体"/>
+                <a:cs typeface="黑体"/>
+              </a:rPr>
+              <a:t>应用</a:t>
+            </a:r>
+            <a:endParaRPr lang="ja-JP" altLang="en-US" sz="4000" baseline="30000" dirty="0">
+              <a:solidFill>
+                <a:schemeClr val="bg1"/>
+              </a:solidFill>
+              <a:latin typeface="黑体"/>
+              <a:ea typeface="黑体"/>
+              <a:cs typeface="黑体"/>
+            </a:endParaRPr>
+          </a:p>
+        </p:txBody>
+      </p:sp>
+      <mc:AlternateContent xmlns:mc="http://schemas.openxmlformats.org/markup-compatibility/2006">
+        <mc:Choice xmlns:a14="http://schemas.microsoft.com/office/drawing/2010/main" Requires="a14">
+          <p:sp>
+            <p:nvSpPr>
+              <p:cNvPr id="6" name="内容占位符 4">
+                <a:extLst>
+                  <a:ext uri="{FF2B5EF4-FFF2-40B4-BE49-F238E27FC236}">
+                    <a16:creationId xmlns:a16="http://schemas.microsoft.com/office/drawing/2014/main" id="{8DC5CDD8-CA32-4DF3-99A6-5B8B0A997725}"/>
+                  </a:ext>
+                </a:extLst>
+              </p:cNvPr>
+              <p:cNvSpPr txBox="1">
+                <a:spLocks/>
+              </p:cNvSpPr>
+              <p:nvPr/>
+            </p:nvSpPr>
+            <p:spPr>
+              <a:xfrm>
+                <a:off x="207819" y="1561490"/>
+                <a:ext cx="8827124" cy="4503750"/>
+              </a:xfrm>
+              <a:prstGeom prst="rect">
+                <a:avLst/>
+              </a:prstGeom>
+            </p:spPr>
+            <p:txBody>
+              <a:bodyPr vert="horz" lIns="91440" tIns="45720" rIns="91440" bIns="45720" rtlCol="0">
+                <a:normAutofit fontScale="92500" lnSpcReduction="10000"/>
+              </a:bodyPr>
+              <a:lstStyle>
+                <a:lvl1pPr marL="457200" indent="-457200" algn="l" defTabSz="914400" rtl="0" eaLnBrk="1" latinLnBrk="0" hangingPunct="1">
+                  <a:spcBef>
+                    <a:spcPts val="2000"/>
+                  </a:spcBef>
+                  <a:buClr>
+                    <a:schemeClr val="tx1">
+                      <a:lumMod val="75000"/>
+                      <a:lumOff val="25000"/>
+                    </a:schemeClr>
+                  </a:buClr>
+                  <a:buSzPct val="75000"/>
+                  <a:buFont typeface="Wingdings 2" pitchFamily="18" charset="2"/>
+                  <a:buChar char=""/>
+                  <a:defRPr sz="2200" kern="1200">
+                    <a:solidFill>
+                      <a:schemeClr val="tx1">
+                        <a:lumMod val="75000"/>
+                        <a:lumOff val="25000"/>
+                      </a:schemeClr>
+                    </a:solidFill>
+                    <a:latin typeface="+mn-lt"/>
+                    <a:ea typeface="+mn-ea"/>
+                    <a:cs typeface="+mn-cs"/>
+                  </a:defRPr>
+                </a:lvl1pPr>
+                <a:lvl2pPr marL="914400" indent="-457200" algn="l" defTabSz="914400" rtl="0" eaLnBrk="1" latinLnBrk="0" hangingPunct="1">
+                  <a:spcBef>
+                    <a:spcPts val="600"/>
+                  </a:spcBef>
+                  <a:buClr>
+                    <a:schemeClr val="tx1">
+                      <a:lumMod val="50000"/>
+                      <a:lumOff val="50000"/>
+                    </a:schemeClr>
+                  </a:buClr>
+                  <a:buSzPct val="75000"/>
+                  <a:buFont typeface="Wingdings 2" pitchFamily="18" charset="2"/>
+                  <a:buChar char=""/>
+                  <a:defRPr sz="2000" kern="1200">
+                    <a:solidFill>
+                      <a:schemeClr val="tx1">
+                        <a:lumMod val="75000"/>
+                        <a:lumOff val="25000"/>
+                      </a:schemeClr>
+                    </a:solidFill>
+                    <a:latin typeface="+mn-lt"/>
+                    <a:ea typeface="+mn-ea"/>
+                    <a:cs typeface="+mn-cs"/>
+                  </a:defRPr>
+                </a:lvl2pPr>
+                <a:lvl3pPr marL="1371600" indent="-457200" algn="l" defTabSz="914400" rtl="0" eaLnBrk="1" latinLnBrk="0" hangingPunct="1">
+                  <a:spcBef>
+                    <a:spcPts val="600"/>
+                  </a:spcBef>
+                  <a:buClr>
+                    <a:schemeClr val="tx1">
+                      <a:lumMod val="75000"/>
+                      <a:lumOff val="25000"/>
+                    </a:schemeClr>
+                  </a:buClr>
+                  <a:buSzPct val="75000"/>
+                  <a:buFont typeface="Wingdings 2" pitchFamily="18" charset="2"/>
+                  <a:buChar char=""/>
+                  <a:defRPr sz="1800" kern="1200">
+                    <a:solidFill>
+                      <a:schemeClr val="tx1">
+                        <a:lumMod val="75000"/>
+                        <a:lumOff val="25000"/>
+                      </a:schemeClr>
+                    </a:solidFill>
+                    <a:latin typeface="+mn-lt"/>
+                    <a:ea typeface="+mn-ea"/>
+                    <a:cs typeface="+mn-cs"/>
+                  </a:defRPr>
+                </a:lvl3pPr>
+                <a:lvl4pPr marL="1828800" indent="-457200" algn="l" defTabSz="914400" rtl="0" eaLnBrk="1" latinLnBrk="0" hangingPunct="1">
+                  <a:spcBef>
+                    <a:spcPts val="600"/>
+                  </a:spcBef>
+                  <a:buClr>
+                    <a:schemeClr val="tx1">
+                      <a:lumMod val="50000"/>
+                      <a:lumOff val="50000"/>
+                    </a:schemeClr>
+                  </a:buClr>
+                  <a:buSzPct val="75000"/>
+                  <a:buFont typeface="Wingdings 2" pitchFamily="18" charset="2"/>
+                  <a:buChar char=""/>
+                  <a:defRPr sz="1800" kern="1200">
+                    <a:solidFill>
+                      <a:schemeClr val="tx1">
+                        <a:lumMod val="75000"/>
+                        <a:lumOff val="25000"/>
+                      </a:schemeClr>
+                    </a:solidFill>
+                    <a:latin typeface="+mn-lt"/>
+                    <a:ea typeface="+mn-ea"/>
+                    <a:cs typeface="+mn-cs"/>
+                  </a:defRPr>
+                </a:lvl4pPr>
+                <a:lvl5pPr marL="2286000" indent="-457200" algn="l" defTabSz="914400" rtl="0" eaLnBrk="1" latinLnBrk="0" hangingPunct="1">
+                  <a:spcBef>
+                    <a:spcPts val="600"/>
+                  </a:spcBef>
+                  <a:buClr>
+                    <a:schemeClr val="tx1">
+                      <a:lumMod val="75000"/>
+                      <a:lumOff val="25000"/>
+                    </a:schemeClr>
+                  </a:buClr>
+                  <a:buSzPct val="75000"/>
+                  <a:buFont typeface="Wingdings 2" pitchFamily="18" charset="2"/>
+                  <a:buChar char=""/>
+                  <a:defRPr sz="1800" kern="1200">
+                    <a:solidFill>
+                      <a:schemeClr val="tx1">
+                        <a:lumMod val="75000"/>
+                        <a:lumOff val="25000"/>
+                      </a:schemeClr>
+                    </a:solidFill>
+                    <a:latin typeface="+mn-lt"/>
+                    <a:ea typeface="+mn-ea"/>
+                    <a:cs typeface="+mn-cs"/>
+                  </a:defRPr>
+                </a:lvl5pPr>
+                <a:lvl6pPr marL="2743200" indent="-461963" algn="l" defTabSz="914400" rtl="0" eaLnBrk="1" latinLnBrk="0" hangingPunct="1">
+                  <a:spcBef>
+                    <a:spcPct val="20000"/>
+                  </a:spcBef>
+                  <a:buClr>
+                    <a:schemeClr val="tx1">
+                      <a:lumMod val="50000"/>
+                      <a:lumOff val="50000"/>
+                    </a:schemeClr>
+                  </a:buClr>
+                  <a:buSzPct val="75000"/>
+                  <a:buFont typeface="Wingdings 2" pitchFamily="18" charset="2"/>
+                  <a:buChar char=""/>
+                  <a:defRPr lang="en-US" sz="1800" kern="1200" dirty="0" smtClean="0">
+                    <a:solidFill>
+                      <a:schemeClr val="tx1">
+                        <a:lumMod val="75000"/>
+                        <a:lumOff val="25000"/>
+                      </a:schemeClr>
+                    </a:solidFill>
+                    <a:latin typeface="+mn-lt"/>
+                    <a:ea typeface="+mn-ea"/>
+                    <a:cs typeface="+mn-cs"/>
+                  </a:defRPr>
+                </a:lvl6pPr>
+                <a:lvl7pPr marL="3205163" indent="-461963" algn="l" defTabSz="914400" rtl="0" eaLnBrk="1" latinLnBrk="0" hangingPunct="1">
+                  <a:spcBef>
+                    <a:spcPct val="20000"/>
+                  </a:spcBef>
+                  <a:buClr>
+                    <a:schemeClr val="tx1">
+                      <a:lumMod val="75000"/>
+                      <a:lumOff val="25000"/>
+                    </a:schemeClr>
+                  </a:buClr>
+                  <a:buSzPct val="75000"/>
+                  <a:buFont typeface="Wingdings 2" pitchFamily="18" charset="2"/>
+                  <a:buChar char=""/>
+                  <a:defRPr lang="en-US" sz="1800" kern="1200" dirty="0" smtClean="0">
+                    <a:solidFill>
+                      <a:schemeClr val="tx1">
+                        <a:lumMod val="75000"/>
+                        <a:lumOff val="25000"/>
+                      </a:schemeClr>
+                    </a:solidFill>
+                    <a:latin typeface="+mn-lt"/>
+                    <a:ea typeface="+mn-ea"/>
+                    <a:cs typeface="+mn-cs"/>
+                  </a:defRPr>
+                </a:lvl7pPr>
+                <a:lvl8pPr marL="3657600" indent="-461963" algn="l" defTabSz="914400" rtl="0" eaLnBrk="1" latinLnBrk="0" hangingPunct="1">
+                  <a:spcBef>
+                    <a:spcPct val="20000"/>
+                  </a:spcBef>
+                  <a:buClr>
+                    <a:schemeClr val="tx1">
+                      <a:lumMod val="50000"/>
+                      <a:lumOff val="50000"/>
+                    </a:schemeClr>
+                  </a:buClr>
+                  <a:buSzPct val="75000"/>
+                  <a:buFont typeface="Wingdings 2" pitchFamily="18" charset="2"/>
+                  <a:buChar char=""/>
+                  <a:defRPr lang="en-US" sz="1800" kern="1200" dirty="0" smtClean="0">
+                    <a:solidFill>
+                      <a:schemeClr val="tx1">
+                        <a:lumMod val="75000"/>
+                        <a:lumOff val="25000"/>
+                      </a:schemeClr>
+                    </a:solidFill>
+                    <a:latin typeface="+mn-lt"/>
+                    <a:ea typeface="+mn-ea"/>
+                    <a:cs typeface="+mn-cs"/>
+                  </a:defRPr>
+                </a:lvl8pPr>
+                <a:lvl9pPr marL="4119563" indent="-461963" algn="l" defTabSz="914400" rtl="0" eaLnBrk="1" latinLnBrk="0" hangingPunct="1">
+                  <a:spcBef>
+                    <a:spcPct val="20000"/>
+                  </a:spcBef>
+                  <a:buClr>
+                    <a:schemeClr val="tx1">
+                      <a:lumMod val="75000"/>
+                      <a:lumOff val="25000"/>
+                    </a:schemeClr>
+                  </a:buClr>
+                  <a:buSzPct val="75000"/>
+                  <a:buFont typeface="Wingdings 2" pitchFamily="18" charset="2"/>
+                  <a:buChar char=""/>
+                  <a:defRPr lang="en-US" sz="1800" kern="1200" dirty="0">
+                    <a:solidFill>
+                      <a:schemeClr val="tx1">
+                        <a:lumMod val="75000"/>
+                        <a:lumOff val="25000"/>
+                      </a:schemeClr>
+                    </a:solidFill>
+                    <a:latin typeface="+mn-lt"/>
+                    <a:ea typeface="+mn-ea"/>
+                    <a:cs typeface="+mn-cs"/>
+                  </a:defRPr>
+                </a:lvl9pPr>
+              </a:lstStyle>
+              <a:p>
+                <a:pPr indent="0">
+                  <a:buNone/>
+                </a:pPr>
+                <a:r>
+                  <a:rPr kumimoji="1" lang="zh-CN" altLang="en-US" dirty="0">
+                    <a:solidFill>
+                      <a:schemeClr val="tx1"/>
+                    </a:solidFill>
+                  </a:rPr>
+                  <a:t>二分类问题：输入为</a:t>
+                </a:r>
+                <a:r>
+                  <a:rPr kumimoji="1" lang="en-US" altLang="zh-CN" dirty="0">
+                    <a:solidFill>
+                      <a:schemeClr val="tx1"/>
+                    </a:solidFill>
+                  </a:rPr>
+                  <a:t>x</a:t>
+                </a:r>
+                <a:r>
+                  <a:rPr kumimoji="1" lang="zh-CN" altLang="en-US" dirty="0">
+                    <a:solidFill>
+                      <a:schemeClr val="tx1"/>
+                    </a:solidFill>
+                  </a:rPr>
+                  <a:t>，标签为</a:t>
+                </a:r>
+                <a:r>
+                  <a:rPr kumimoji="1" lang="en-US" altLang="zh-CN" dirty="0">
+                    <a:solidFill>
+                      <a:schemeClr val="tx1"/>
+                    </a:solidFill>
+                  </a:rPr>
+                  <a:t>y</a:t>
+                </a:r>
+                <a:r>
+                  <a:rPr kumimoji="1" lang="zh-CN" altLang="en-US" dirty="0">
+                    <a:solidFill>
+                      <a:schemeClr val="tx1"/>
+                    </a:solidFill>
+                  </a:rPr>
+                  <a:t>，估计为</a:t>
+                </a:r>
+                <a14:m>
+                  <m:oMath xmlns:m="http://schemas.openxmlformats.org/officeDocument/2006/math">
+                    <m:acc>
+                      <m:accPr>
+                        <m:chr m:val="̂"/>
+                        <m:ctrlPr>
+                          <a:rPr kumimoji="1" lang="zh-CN" altLang="en-US" i="1" smtClean="0">
+                            <a:solidFill>
+                              <a:schemeClr val="tx1"/>
+                            </a:solidFill>
+                            <a:latin typeface="Cambria Math" panose="02040503050406030204" pitchFamily="18" charset="0"/>
+                          </a:rPr>
+                        </m:ctrlPr>
+                      </m:accPr>
+                      <m:e>
+                        <m:r>
+                          <m:rPr>
+                            <m:sty m:val="p"/>
+                          </m:rPr>
+                          <a:rPr kumimoji="1" lang="en-US" altLang="zh-CN" i="1">
+                            <a:solidFill>
+                              <a:schemeClr val="tx1"/>
+                            </a:solidFill>
+                            <a:latin typeface="Cambria Math" panose="02040503050406030204" pitchFamily="18" charset="0"/>
+                          </a:rPr>
+                          <m:t>y</m:t>
+                        </m:r>
+                      </m:e>
+                    </m:acc>
+                  </m:oMath>
+                </a14:m>
+                <a:endParaRPr kumimoji="1" lang="en-US" altLang="zh-CN" dirty="0">
+                  <a:solidFill>
+                    <a:schemeClr val="tx1"/>
+                  </a:solidFill>
+                </a:endParaRPr>
+              </a:p>
+              <a:p>
+                <a:pPr indent="0">
+                  <a:buNone/>
+                </a:pPr>
+                <a:r>
+                  <a:rPr kumimoji="1" lang="zh-CN" altLang="en-US" dirty="0">
+                    <a:solidFill>
+                      <a:schemeClr val="tx1"/>
+                    </a:solidFill>
+                  </a:rPr>
+                  <a:t>样本</a:t>
+                </a:r>
+                <a14:m>
+                  <m:oMath xmlns:m="http://schemas.openxmlformats.org/officeDocument/2006/math">
+                    <m:r>
+                      <a:rPr kumimoji="1" lang="zh-CN" altLang="en-US" i="1">
+                        <a:solidFill>
+                          <a:schemeClr val="tx1"/>
+                        </a:solidFill>
+                        <a:latin typeface="Cambria Math" panose="02040503050406030204" pitchFamily="18" charset="0"/>
+                      </a:rPr>
+                      <m:t>标签</m:t>
+                    </m:r>
+                    <m:r>
+                      <a:rPr kumimoji="1" lang="zh-CN" altLang="en-US" i="1">
+                        <a:solidFill>
+                          <a:schemeClr val="tx1"/>
+                        </a:solidFill>
+                        <a:latin typeface="Cambria Math" panose="02040503050406030204" pitchFamily="18" charset="0"/>
+                      </a:rPr>
+                      <m:t>为</m:t>
+                    </m:r>
+                    <m:r>
+                      <a:rPr kumimoji="1" lang="en-US" altLang="zh-CN" i="1">
+                        <a:solidFill>
+                          <a:schemeClr val="tx1"/>
+                        </a:solidFill>
+                        <a:latin typeface="Cambria Math" panose="02040503050406030204" pitchFamily="18" charset="0"/>
+                      </a:rPr>
+                      <m:t>1</m:t>
+                    </m:r>
+                    <m:r>
+                      <a:rPr kumimoji="1" lang="zh-CN" altLang="en-US" i="1">
+                        <a:solidFill>
+                          <a:schemeClr val="tx1"/>
+                        </a:solidFill>
+                        <a:latin typeface="Cambria Math" panose="02040503050406030204" pitchFamily="18" charset="0"/>
+                      </a:rPr>
+                      <m:t>的</m:t>
+                    </m:r>
+                    <m:r>
+                      <a:rPr kumimoji="1" lang="zh-CN" altLang="en-US" i="1">
+                        <a:solidFill>
+                          <a:schemeClr val="tx1"/>
+                        </a:solidFill>
+                        <a:latin typeface="Cambria Math" panose="02040503050406030204" pitchFamily="18" charset="0"/>
+                      </a:rPr>
+                      <m:t>概率</m:t>
+                    </m:r>
+                    <m:r>
+                      <a:rPr kumimoji="1" lang="zh-CN" altLang="en-US" i="1" smtClean="0">
+                        <a:solidFill>
+                          <a:schemeClr val="tx1"/>
+                        </a:solidFill>
+                        <a:latin typeface="Cambria Math" panose="02040503050406030204" pitchFamily="18" charset="0"/>
+                      </a:rPr>
+                      <m:t>为</m:t>
+                    </m:r>
+                  </m:oMath>
+                </a14:m>
+                <a:r>
+                  <a:rPr kumimoji="1" lang="zh-CN" altLang="en-US" dirty="0">
+                    <a:solidFill>
+                      <a:schemeClr val="tx1"/>
+                    </a:solidFill>
+                  </a:rPr>
+                  <a:t>：</a:t>
+                </a:r>
+                <a14:m>
+                  <m:oMath xmlns:m="http://schemas.openxmlformats.org/officeDocument/2006/math">
+                    <m:acc>
+                      <m:accPr>
+                        <m:chr m:val="̂"/>
+                        <m:ctrlPr>
+                          <a:rPr kumimoji="1" lang="zh-CN" altLang="en-US" i="1" smtClean="0">
+                            <a:solidFill>
+                              <a:schemeClr val="tx1"/>
+                            </a:solidFill>
+                            <a:latin typeface="Cambria Math" panose="02040503050406030204" pitchFamily="18" charset="0"/>
+                          </a:rPr>
+                        </m:ctrlPr>
+                      </m:accPr>
+                      <m:e>
+                        <m:r>
+                          <m:rPr>
+                            <m:sty m:val="p"/>
+                          </m:rPr>
+                          <a:rPr kumimoji="1" lang="en-US" altLang="zh-CN" i="1">
+                            <a:solidFill>
+                              <a:schemeClr val="tx1"/>
+                            </a:solidFill>
+                            <a:latin typeface="Cambria Math" panose="02040503050406030204" pitchFamily="18" charset="0"/>
+                          </a:rPr>
+                          <m:t>y</m:t>
+                        </m:r>
+                      </m:e>
+                    </m:acc>
+                    <m:r>
+                      <a:rPr kumimoji="1" lang="en-US" altLang="zh-CN" b="0" i="1" smtClean="0">
+                        <a:solidFill>
+                          <a:schemeClr val="tx1"/>
+                        </a:solidFill>
+                        <a:latin typeface="Cambria Math" panose="02040503050406030204" pitchFamily="18" charset="0"/>
+                      </a:rPr>
+                      <m:t>=</m:t>
+                    </m:r>
+                    <m:r>
+                      <a:rPr kumimoji="1" lang="en-US" altLang="zh-CN" b="0" i="1" smtClean="0">
+                        <a:solidFill>
+                          <a:schemeClr val="tx1"/>
+                        </a:solidFill>
+                        <a:latin typeface="Cambria Math" panose="02040503050406030204" pitchFamily="18" charset="0"/>
+                      </a:rPr>
+                      <m:t>𝑃</m:t>
+                    </m:r>
+                    <m:r>
+                      <a:rPr kumimoji="1" lang="en-US" altLang="zh-CN" b="0" i="1" smtClean="0">
+                        <a:solidFill>
+                          <a:schemeClr val="tx1"/>
+                        </a:solidFill>
+                        <a:latin typeface="Cambria Math" panose="02040503050406030204" pitchFamily="18" charset="0"/>
+                      </a:rPr>
+                      <m:t>(</m:t>
+                    </m:r>
+                    <m:r>
+                      <a:rPr kumimoji="1" lang="en-US" altLang="zh-CN" b="0" i="1" smtClean="0">
+                        <a:solidFill>
+                          <a:schemeClr val="tx1"/>
+                        </a:solidFill>
+                        <a:latin typeface="Cambria Math" panose="02040503050406030204" pitchFamily="18" charset="0"/>
+                      </a:rPr>
+                      <m:t>𝑦</m:t>
+                    </m:r>
+                    <m:r>
+                      <a:rPr kumimoji="1" lang="en-US" altLang="zh-CN" b="0" i="1" smtClean="0">
+                        <a:solidFill>
+                          <a:schemeClr val="tx1"/>
+                        </a:solidFill>
+                        <a:latin typeface="Cambria Math" panose="02040503050406030204" pitchFamily="18" charset="0"/>
+                      </a:rPr>
+                      <m:t>=1|</m:t>
+                    </m:r>
+                    <m:r>
+                      <a:rPr kumimoji="1" lang="en-US" altLang="zh-CN" b="0" i="1" smtClean="0">
+                        <a:solidFill>
+                          <a:schemeClr val="tx1"/>
+                        </a:solidFill>
+                        <a:latin typeface="Cambria Math" panose="02040503050406030204" pitchFamily="18" charset="0"/>
+                      </a:rPr>
+                      <m:t>𝑥</m:t>
+                    </m:r>
+                    <m:r>
+                      <a:rPr kumimoji="1" lang="en-US" altLang="zh-CN" b="0" i="1" smtClean="0">
+                        <a:solidFill>
+                          <a:schemeClr val="tx1"/>
+                        </a:solidFill>
+                        <a:latin typeface="Cambria Math" panose="02040503050406030204" pitchFamily="18" charset="0"/>
+                      </a:rPr>
+                      <m:t>)</m:t>
+                    </m:r>
+                  </m:oMath>
+                </a14:m>
+                <a:endParaRPr kumimoji="1" lang="en-US" altLang="zh-CN" dirty="0">
+                  <a:solidFill>
+                    <a:schemeClr val="tx1"/>
+                  </a:solidFill>
+                </a:endParaRPr>
+              </a:p>
+              <a:p>
+                <a:pPr indent="0">
+                  <a:buNone/>
+                </a:pPr>
+                <a:r>
+                  <a:rPr kumimoji="1" lang="zh-CN" altLang="en-US" dirty="0">
+                    <a:solidFill>
+                      <a:schemeClr val="tx1"/>
+                    </a:solidFill>
+                  </a:rPr>
+                  <a:t>样本</a:t>
+                </a:r>
+                <a14:m>
+                  <m:oMath xmlns:m="http://schemas.openxmlformats.org/officeDocument/2006/math">
+                    <m:r>
+                      <a:rPr kumimoji="1" lang="zh-CN" altLang="en-US" i="1">
+                        <a:solidFill>
+                          <a:schemeClr val="tx1"/>
+                        </a:solidFill>
+                        <a:latin typeface="Cambria Math" panose="02040503050406030204" pitchFamily="18" charset="0"/>
+                      </a:rPr>
+                      <m:t>标签为</m:t>
+                    </m:r>
+                    <m:r>
+                      <a:rPr kumimoji="1" lang="en-US" altLang="zh-CN" b="0" i="1" smtClean="0">
+                        <a:solidFill>
+                          <a:schemeClr val="tx1"/>
+                        </a:solidFill>
+                        <a:latin typeface="Cambria Math" panose="02040503050406030204" pitchFamily="18" charset="0"/>
+                      </a:rPr>
+                      <m:t>0</m:t>
+                    </m:r>
+                    <m:r>
+                      <a:rPr kumimoji="1" lang="zh-CN" altLang="en-US" i="1">
+                        <a:solidFill>
+                          <a:schemeClr val="tx1"/>
+                        </a:solidFill>
+                        <a:latin typeface="Cambria Math" panose="02040503050406030204" pitchFamily="18" charset="0"/>
+                      </a:rPr>
+                      <m:t>的概率</m:t>
+                    </m:r>
+                    <m:r>
+                      <a:rPr kumimoji="1" lang="zh-CN" altLang="en-US" i="1" smtClean="0">
+                        <a:solidFill>
+                          <a:schemeClr val="tx1"/>
+                        </a:solidFill>
+                        <a:latin typeface="Cambria Math" panose="02040503050406030204" pitchFamily="18" charset="0"/>
+                      </a:rPr>
+                      <m:t>为</m:t>
+                    </m:r>
+                  </m:oMath>
+                </a14:m>
+                <a:r>
+                  <a:rPr kumimoji="1" lang="zh-CN" altLang="en-US" dirty="0">
+                    <a:solidFill>
+                      <a:schemeClr val="tx1"/>
+                    </a:solidFill>
+                  </a:rPr>
+                  <a:t>：</a:t>
+                </a:r>
+                <a14:m>
+                  <m:oMath xmlns:m="http://schemas.openxmlformats.org/officeDocument/2006/math">
+                    <m:r>
+                      <a:rPr kumimoji="1" lang="en-US" altLang="zh-CN" b="0" i="0" smtClean="0">
+                        <a:solidFill>
+                          <a:schemeClr val="tx1"/>
+                        </a:solidFill>
+                        <a:latin typeface="Cambria Math" panose="02040503050406030204" pitchFamily="18" charset="0"/>
+                      </a:rPr>
+                      <m:t>1</m:t>
+                    </m:r>
+                    <m:r>
+                      <a:rPr kumimoji="1" lang="en-US" altLang="zh-CN" b="0" i="1" smtClean="0">
+                        <a:solidFill>
+                          <a:schemeClr val="tx1"/>
+                        </a:solidFill>
+                        <a:latin typeface="Cambria Math" panose="02040503050406030204" pitchFamily="18" charset="0"/>
+                      </a:rPr>
+                      <m:t> </m:t>
+                    </m:r>
+                    <m:r>
+                      <a:rPr kumimoji="1" lang="en-US" altLang="zh-CN" i="1">
+                        <a:solidFill>
+                          <a:schemeClr val="tx1"/>
+                        </a:solidFill>
+                        <a:latin typeface="Cambria Math" panose="02040503050406030204" pitchFamily="18" charset="0"/>
+                      </a:rPr>
+                      <m:t>-</m:t>
+                    </m:r>
+                    <m:r>
+                      <a:rPr kumimoji="1" lang="en-US" altLang="zh-CN" b="0" i="1" smtClean="0">
+                        <a:solidFill>
+                          <a:schemeClr val="tx1"/>
+                        </a:solidFill>
+                        <a:latin typeface="Cambria Math" panose="02040503050406030204" pitchFamily="18" charset="0"/>
+                      </a:rPr>
+                      <m:t> </m:t>
+                    </m:r>
+                    <m:acc>
+                      <m:accPr>
+                        <m:chr m:val="̂"/>
+                        <m:ctrlPr>
+                          <a:rPr kumimoji="1" lang="zh-CN" altLang="en-US" i="1" smtClean="0">
+                            <a:solidFill>
+                              <a:schemeClr val="tx1"/>
+                            </a:solidFill>
+                            <a:latin typeface="Cambria Math" panose="02040503050406030204" pitchFamily="18" charset="0"/>
+                          </a:rPr>
+                        </m:ctrlPr>
+                      </m:accPr>
+                      <m:e>
+                        <m:r>
+                          <m:rPr>
+                            <m:sty m:val="p"/>
+                          </m:rPr>
+                          <a:rPr kumimoji="1" lang="en-US" altLang="zh-CN" i="1">
+                            <a:solidFill>
+                              <a:schemeClr val="tx1"/>
+                            </a:solidFill>
+                            <a:latin typeface="Cambria Math" panose="02040503050406030204" pitchFamily="18" charset="0"/>
+                          </a:rPr>
+                          <m:t>y</m:t>
+                        </m:r>
+                      </m:e>
+                    </m:acc>
+                    <m:r>
+                      <a:rPr kumimoji="1" lang="en-US" altLang="zh-CN" b="0" i="1" smtClean="0">
+                        <a:solidFill>
+                          <a:schemeClr val="tx1"/>
+                        </a:solidFill>
+                        <a:latin typeface="Cambria Math" panose="02040503050406030204" pitchFamily="18" charset="0"/>
+                      </a:rPr>
+                      <m:t>=</m:t>
+                    </m:r>
+                    <m:r>
+                      <a:rPr kumimoji="1" lang="en-US" altLang="zh-CN" b="0" i="1" smtClean="0">
+                        <a:solidFill>
+                          <a:schemeClr val="tx1"/>
+                        </a:solidFill>
+                        <a:latin typeface="Cambria Math" panose="02040503050406030204" pitchFamily="18" charset="0"/>
+                      </a:rPr>
+                      <m:t>𝑃</m:t>
+                    </m:r>
+                    <m:r>
+                      <a:rPr kumimoji="1" lang="en-US" altLang="zh-CN" b="0" i="1" smtClean="0">
+                        <a:solidFill>
+                          <a:schemeClr val="tx1"/>
+                        </a:solidFill>
+                        <a:latin typeface="Cambria Math" panose="02040503050406030204" pitchFamily="18" charset="0"/>
+                      </a:rPr>
+                      <m:t>(</m:t>
+                    </m:r>
+                    <m:r>
+                      <a:rPr kumimoji="1" lang="en-US" altLang="zh-CN" b="0" i="1" smtClean="0">
+                        <a:solidFill>
+                          <a:schemeClr val="tx1"/>
+                        </a:solidFill>
+                        <a:latin typeface="Cambria Math" panose="02040503050406030204" pitchFamily="18" charset="0"/>
+                      </a:rPr>
+                      <m:t>𝑦</m:t>
+                    </m:r>
+                    <m:r>
+                      <a:rPr kumimoji="1" lang="en-US" altLang="zh-CN" b="0" i="1" smtClean="0">
+                        <a:solidFill>
+                          <a:schemeClr val="tx1"/>
+                        </a:solidFill>
+                        <a:latin typeface="Cambria Math" panose="02040503050406030204" pitchFamily="18" charset="0"/>
+                      </a:rPr>
+                      <m:t>=0|</m:t>
+                    </m:r>
+                    <m:r>
+                      <a:rPr kumimoji="1" lang="en-US" altLang="zh-CN" b="0" i="1" smtClean="0">
+                        <a:solidFill>
+                          <a:schemeClr val="tx1"/>
+                        </a:solidFill>
+                        <a:latin typeface="Cambria Math" panose="02040503050406030204" pitchFamily="18" charset="0"/>
+                      </a:rPr>
+                      <m:t>𝑥</m:t>
+                    </m:r>
+                    <m:r>
+                      <a:rPr kumimoji="1" lang="en-US" altLang="zh-CN" b="0" i="1" smtClean="0">
+                        <a:solidFill>
+                          <a:schemeClr val="tx1"/>
+                        </a:solidFill>
+                        <a:latin typeface="Cambria Math" panose="02040503050406030204" pitchFamily="18" charset="0"/>
+                      </a:rPr>
+                      <m:t>)</m:t>
+                    </m:r>
+                  </m:oMath>
+                </a14:m>
+                <a:endParaRPr kumimoji="1" lang="zh-CN" altLang="en-US" dirty="0">
+                  <a:solidFill>
+                    <a:schemeClr val="tx1"/>
+                  </a:solidFill>
+                </a:endParaRPr>
+              </a:p>
+              <a:p>
+                <a:pPr indent="0">
+                  <a:buNone/>
+                </a:pPr>
+                <a:r>
+                  <a:rPr kumimoji="1" lang="zh-CN" altLang="en-US" dirty="0">
+                    <a:solidFill>
+                      <a:schemeClr val="tx1"/>
+                    </a:solidFill>
+                  </a:rPr>
+                  <a:t>将上述两种情况整合到一起：</a:t>
+                </a:r>
+                <a:endParaRPr kumimoji="1" lang="en-US" altLang="zh-CN" dirty="0">
+                  <a:solidFill>
+                    <a:schemeClr val="tx1"/>
+                  </a:solidFill>
+                </a:endParaRPr>
+              </a:p>
+              <a:p>
+                <a:pPr indent="0">
+                  <a:buNone/>
+                </a:pPr>
+                <a14:m>
+                  <m:oMathPara xmlns:m="http://schemas.openxmlformats.org/officeDocument/2006/math">
+                    <m:oMathParaPr>
+                      <m:jc m:val="centerGroup"/>
+                    </m:oMathParaPr>
+                    <m:oMath xmlns:m="http://schemas.openxmlformats.org/officeDocument/2006/math">
+                      <m:r>
+                        <a:rPr kumimoji="1" lang="en-US" altLang="zh-CN" b="0" i="1" smtClean="0">
+                          <a:solidFill>
+                            <a:schemeClr val="tx1"/>
+                          </a:solidFill>
+                          <a:latin typeface="Cambria Math" panose="02040503050406030204" pitchFamily="18" charset="0"/>
+                        </a:rPr>
+                        <m:t>𝑃</m:t>
+                      </m:r>
+                      <m:d>
+                        <m:dPr>
+                          <m:ctrlPr>
+                            <a:rPr kumimoji="1" lang="en-US" altLang="zh-CN" b="0" i="1" smtClean="0">
+                              <a:solidFill>
+                                <a:schemeClr val="tx1"/>
+                              </a:solidFill>
+                              <a:latin typeface="Cambria Math" panose="02040503050406030204" pitchFamily="18" charset="0"/>
+                            </a:rPr>
+                          </m:ctrlPr>
+                        </m:dPr>
+                        <m:e>
+                          <m:r>
+                            <a:rPr kumimoji="1" lang="en-US" altLang="zh-CN" b="0" i="1" smtClean="0">
+                              <a:solidFill>
+                                <a:schemeClr val="tx1"/>
+                              </a:solidFill>
+                              <a:latin typeface="Cambria Math" panose="02040503050406030204" pitchFamily="18" charset="0"/>
+                            </a:rPr>
+                            <m:t>𝑦</m:t>
+                          </m:r>
+                          <m:r>
+                            <a:rPr kumimoji="1" lang="en-US" altLang="zh-CN" b="0" i="1" smtClean="0">
+                              <a:solidFill>
+                                <a:schemeClr val="tx1"/>
+                              </a:solidFill>
+                              <a:latin typeface="Cambria Math" panose="02040503050406030204" pitchFamily="18" charset="0"/>
+                            </a:rPr>
+                            <m:t>|</m:t>
+                          </m:r>
+                          <m:r>
+                            <a:rPr kumimoji="1" lang="en-US" altLang="zh-CN" b="0" i="1" smtClean="0">
+                              <a:solidFill>
+                                <a:schemeClr val="tx1"/>
+                              </a:solidFill>
+                              <a:latin typeface="Cambria Math" panose="02040503050406030204" pitchFamily="18" charset="0"/>
+                            </a:rPr>
+                            <m:t>𝑥</m:t>
+                          </m:r>
+                        </m:e>
+                      </m:d>
+                      <m:r>
+                        <a:rPr kumimoji="1" lang="en-US" altLang="zh-CN" b="0" i="1" smtClean="0">
+                          <a:solidFill>
+                            <a:schemeClr val="tx1"/>
+                          </a:solidFill>
+                          <a:latin typeface="Cambria Math" panose="02040503050406030204" pitchFamily="18" charset="0"/>
+                        </a:rPr>
+                        <m:t>=</m:t>
+                      </m:r>
+                      <m:sSup>
+                        <m:sSupPr>
+                          <m:ctrlPr>
+                            <a:rPr kumimoji="1" lang="en-US" altLang="zh-CN" b="0" i="1" smtClean="0">
+                              <a:solidFill>
+                                <a:schemeClr val="tx1"/>
+                              </a:solidFill>
+                              <a:latin typeface="Cambria Math" panose="02040503050406030204" pitchFamily="18" charset="0"/>
+                            </a:rPr>
+                          </m:ctrlPr>
+                        </m:sSupPr>
+                        <m:e>
+                          <m:acc>
+                            <m:accPr>
+                              <m:chr m:val="̂"/>
+                              <m:ctrlPr>
+                                <a:rPr kumimoji="1" lang="zh-CN" altLang="en-US" i="1">
+                                  <a:solidFill>
+                                    <a:schemeClr val="tx1"/>
+                                  </a:solidFill>
+                                  <a:latin typeface="Cambria Math" panose="02040503050406030204" pitchFamily="18" charset="0"/>
+                                </a:rPr>
+                              </m:ctrlPr>
+                            </m:accPr>
+                            <m:e>
+                              <m:r>
+                                <m:rPr>
+                                  <m:sty m:val="p"/>
+                                </m:rPr>
+                                <a:rPr kumimoji="1" lang="en-US" altLang="zh-CN" i="1">
+                                  <a:solidFill>
+                                    <a:schemeClr val="tx1"/>
+                                  </a:solidFill>
+                                  <a:latin typeface="Cambria Math" panose="02040503050406030204" pitchFamily="18" charset="0"/>
+                                </a:rPr>
+                                <m:t>y</m:t>
+                              </m:r>
+                            </m:e>
+                          </m:acc>
+                        </m:e>
+                        <m:sup>
+                          <m:r>
+                            <a:rPr kumimoji="1" lang="en-US" altLang="zh-CN" b="0" i="1" smtClean="0">
+                              <a:solidFill>
+                                <a:schemeClr val="tx1"/>
+                              </a:solidFill>
+                              <a:latin typeface="Cambria Math" panose="02040503050406030204" pitchFamily="18" charset="0"/>
+                            </a:rPr>
+                            <m:t>𝑦</m:t>
+                          </m:r>
+                        </m:sup>
+                      </m:sSup>
+                      <m:sSup>
+                        <m:sSupPr>
+                          <m:ctrlPr>
+                            <a:rPr kumimoji="1" lang="en-US" altLang="zh-CN" i="1">
+                              <a:solidFill>
+                                <a:schemeClr val="tx1"/>
+                              </a:solidFill>
+                              <a:latin typeface="Cambria Math" panose="02040503050406030204" pitchFamily="18" charset="0"/>
+                            </a:rPr>
+                          </m:ctrlPr>
+                        </m:sSupPr>
+                        <m:e>
+                          <m:r>
+                            <a:rPr kumimoji="1" lang="en-US" altLang="zh-CN" b="0" i="1" smtClean="0">
+                              <a:solidFill>
+                                <a:schemeClr val="tx1"/>
+                              </a:solidFill>
+                              <a:latin typeface="Cambria Math" panose="02040503050406030204" pitchFamily="18" charset="0"/>
+                            </a:rPr>
+                            <m:t>(</m:t>
+                          </m:r>
+                          <m:r>
+                            <a:rPr kumimoji="1" lang="en-US" altLang="zh-CN" i="1">
+                              <a:solidFill>
+                                <a:schemeClr val="tx1"/>
+                              </a:solidFill>
+                              <a:latin typeface="Cambria Math" panose="02040503050406030204" pitchFamily="18" charset="0"/>
+                            </a:rPr>
+                            <m:t>1−</m:t>
+                          </m:r>
+                          <m:acc>
+                            <m:accPr>
+                              <m:chr m:val="̂"/>
+                              <m:ctrlPr>
+                                <a:rPr kumimoji="1" lang="zh-CN" altLang="en-US" i="1">
+                                  <a:solidFill>
+                                    <a:schemeClr val="tx1"/>
+                                  </a:solidFill>
+                                  <a:latin typeface="Cambria Math" panose="02040503050406030204" pitchFamily="18" charset="0"/>
+                                </a:rPr>
+                              </m:ctrlPr>
+                            </m:accPr>
+                            <m:e>
+                              <m:r>
+                                <m:rPr>
+                                  <m:sty m:val="p"/>
+                                </m:rPr>
+                                <a:rPr kumimoji="1" lang="en-US" altLang="zh-CN" i="1">
+                                  <a:solidFill>
+                                    <a:schemeClr val="tx1"/>
+                                  </a:solidFill>
+                                  <a:latin typeface="Cambria Math" panose="02040503050406030204" pitchFamily="18" charset="0"/>
+                                </a:rPr>
+                                <m:t>y</m:t>
+                              </m:r>
+                            </m:e>
+                          </m:acc>
+                          <m:r>
+                            <a:rPr kumimoji="1" lang="en-US" altLang="zh-CN" b="0" i="1" smtClean="0">
+                              <a:solidFill>
+                                <a:schemeClr val="tx1"/>
+                              </a:solidFill>
+                              <a:latin typeface="Cambria Math" panose="02040503050406030204" pitchFamily="18" charset="0"/>
+                            </a:rPr>
+                            <m:t>)</m:t>
+                          </m:r>
+                        </m:e>
+                        <m:sup>
+                          <m:r>
+                            <a:rPr kumimoji="1" lang="en-US" altLang="zh-CN" b="0" i="1" smtClean="0">
+                              <a:solidFill>
+                                <a:schemeClr val="tx1"/>
+                              </a:solidFill>
+                              <a:latin typeface="Cambria Math" panose="02040503050406030204" pitchFamily="18" charset="0"/>
+                            </a:rPr>
+                            <m:t>1−</m:t>
+                          </m:r>
+                          <m:r>
+                            <a:rPr kumimoji="1" lang="en-US" altLang="zh-CN" i="1">
+                              <a:solidFill>
+                                <a:schemeClr val="tx1"/>
+                              </a:solidFill>
+                              <a:latin typeface="Cambria Math" panose="02040503050406030204" pitchFamily="18" charset="0"/>
+                            </a:rPr>
+                            <m:t>𝑦</m:t>
+                          </m:r>
+                        </m:sup>
+                      </m:sSup>
+                    </m:oMath>
+                  </m:oMathPara>
+                </a14:m>
+                <a:endParaRPr kumimoji="1" lang="en-US" altLang="zh-CN" dirty="0">
+                  <a:solidFill>
+                    <a:schemeClr val="tx1"/>
+                  </a:solidFill>
+                </a:endParaRPr>
+              </a:p>
+              <a:p>
+                <a:pPr indent="0">
+                  <a:buNone/>
+                </a:pPr>
+                <a:r>
+                  <a:rPr kumimoji="1" lang="zh-CN" altLang="en-US" dirty="0">
+                    <a:solidFill>
+                      <a:schemeClr val="tx1"/>
+                    </a:solidFill>
+                  </a:rPr>
+                  <a:t>两边取对数，再取相反数，得损失函数为：</a:t>
+                </a:r>
+                <a:endParaRPr kumimoji="1" lang="en-US" altLang="zh-CN" dirty="0">
+                  <a:solidFill>
+                    <a:schemeClr val="tx1"/>
+                  </a:solidFill>
+                </a:endParaRPr>
+              </a:p>
+              <a:p>
+                <a:pPr indent="0">
+                  <a:buNone/>
+                </a:pPr>
+                <a14:m>
+                  <m:oMathPara xmlns:m="http://schemas.openxmlformats.org/officeDocument/2006/math">
+                    <m:oMathParaPr>
+                      <m:jc m:val="centerGroup"/>
+                    </m:oMathParaPr>
+                    <m:oMath xmlns:m="http://schemas.openxmlformats.org/officeDocument/2006/math">
+                      <m:r>
+                        <a:rPr kumimoji="1" lang="en-US" altLang="zh-CN" b="0" i="1" dirty="0" smtClean="0">
+                          <a:solidFill>
+                            <a:schemeClr val="tx1"/>
+                          </a:solidFill>
+                          <a:latin typeface="Cambria Math" panose="02040503050406030204" pitchFamily="18" charset="0"/>
+                        </a:rPr>
+                        <m:t>𝐿</m:t>
+                      </m:r>
+                      <m:r>
+                        <a:rPr kumimoji="1" lang="en-US" altLang="zh-CN" b="0" i="1" dirty="0" smtClean="0">
+                          <a:solidFill>
+                            <a:schemeClr val="tx1"/>
+                          </a:solidFill>
+                          <a:latin typeface="Cambria Math" panose="02040503050406030204" pitchFamily="18" charset="0"/>
+                        </a:rPr>
+                        <m:t>=−</m:t>
+                      </m:r>
+                      <m:r>
+                        <a:rPr kumimoji="1" lang="en-US" altLang="zh-CN" b="0" i="1" smtClean="0">
+                          <a:solidFill>
+                            <a:schemeClr val="tx1"/>
+                          </a:solidFill>
+                          <a:latin typeface="Cambria Math" panose="02040503050406030204" pitchFamily="18" charset="0"/>
+                        </a:rPr>
+                        <m:t>𝑙𝑜𝑔𝑃</m:t>
+                      </m:r>
+                      <m:d>
+                        <m:dPr>
+                          <m:ctrlPr>
+                            <a:rPr kumimoji="1" lang="en-US" altLang="zh-CN" b="0" i="1" smtClean="0">
+                              <a:solidFill>
+                                <a:schemeClr val="tx1"/>
+                              </a:solidFill>
+                              <a:latin typeface="Cambria Math" panose="02040503050406030204" pitchFamily="18" charset="0"/>
+                            </a:rPr>
+                          </m:ctrlPr>
+                        </m:dPr>
+                        <m:e>
+                          <m:r>
+                            <a:rPr kumimoji="1" lang="en-US" altLang="zh-CN" b="0" i="1" smtClean="0">
+                              <a:solidFill>
+                                <a:schemeClr val="tx1"/>
+                              </a:solidFill>
+                              <a:latin typeface="Cambria Math" panose="02040503050406030204" pitchFamily="18" charset="0"/>
+                            </a:rPr>
+                            <m:t>𝑦</m:t>
+                          </m:r>
+                          <m:r>
+                            <a:rPr kumimoji="1" lang="en-US" altLang="zh-CN" b="0" i="1" smtClean="0">
+                              <a:solidFill>
+                                <a:schemeClr val="tx1"/>
+                              </a:solidFill>
+                              <a:latin typeface="Cambria Math" panose="02040503050406030204" pitchFamily="18" charset="0"/>
+                            </a:rPr>
+                            <m:t>|</m:t>
+                          </m:r>
+                          <m:r>
+                            <a:rPr kumimoji="1" lang="en-US" altLang="zh-CN" b="0" i="1" smtClean="0">
+                              <a:solidFill>
+                                <a:schemeClr val="tx1"/>
+                              </a:solidFill>
+                              <a:latin typeface="Cambria Math" panose="02040503050406030204" pitchFamily="18" charset="0"/>
+                            </a:rPr>
+                            <m:t>𝑥</m:t>
+                          </m:r>
+                        </m:e>
+                      </m:d>
+                      <m:r>
+                        <a:rPr kumimoji="1" lang="en-US" altLang="zh-CN" b="0" i="1" smtClean="0">
+                          <a:solidFill>
+                            <a:schemeClr val="tx1"/>
+                          </a:solidFill>
+                          <a:latin typeface="Cambria Math" panose="02040503050406030204" pitchFamily="18" charset="0"/>
+                        </a:rPr>
+                        <m:t>=</m:t>
+                      </m:r>
+                      <m:r>
+                        <a:rPr kumimoji="1" lang="en-US" altLang="zh-CN" b="0" i="1" smtClean="0">
+                          <a:solidFill>
+                            <a:schemeClr val="tx1"/>
+                          </a:solidFill>
+                          <a:latin typeface="Cambria Math" panose="02040503050406030204" pitchFamily="18" charset="0"/>
+                        </a:rPr>
+                        <m:t>−</m:t>
+                      </m:r>
+                      <m:r>
+                        <a:rPr kumimoji="1" lang="en-US" altLang="zh-CN" b="0" i="1" smtClean="0">
+                          <a:solidFill>
+                            <a:schemeClr val="tx1"/>
+                          </a:solidFill>
+                          <a:latin typeface="Cambria Math" panose="02040503050406030204" pitchFamily="18" charset="0"/>
+                        </a:rPr>
+                        <m:t>[</m:t>
+                      </m:r>
+                      <m:r>
+                        <a:rPr kumimoji="1" lang="en-US" altLang="zh-CN" b="0" i="1" smtClean="0">
+                          <a:solidFill>
+                            <a:schemeClr val="tx1"/>
+                          </a:solidFill>
+                          <a:latin typeface="Cambria Math" panose="02040503050406030204" pitchFamily="18" charset="0"/>
+                        </a:rPr>
+                        <m:t>𝑦𝑙𝑜𝑔</m:t>
+                      </m:r>
+                      <m:acc>
+                        <m:accPr>
+                          <m:chr m:val="̂"/>
+                          <m:ctrlPr>
+                            <a:rPr kumimoji="1" lang="zh-CN" altLang="en-US" i="1">
+                              <a:solidFill>
+                                <a:schemeClr val="tx1"/>
+                              </a:solidFill>
+                              <a:latin typeface="Cambria Math" panose="02040503050406030204" pitchFamily="18" charset="0"/>
+                            </a:rPr>
+                          </m:ctrlPr>
+                        </m:accPr>
+                        <m:e>
+                          <m:r>
+                            <m:rPr>
+                              <m:sty m:val="p"/>
+                            </m:rPr>
+                            <a:rPr kumimoji="1" lang="en-US" altLang="zh-CN" i="1">
+                              <a:solidFill>
+                                <a:schemeClr val="tx1"/>
+                              </a:solidFill>
+                              <a:latin typeface="Cambria Math" panose="02040503050406030204" pitchFamily="18" charset="0"/>
+                            </a:rPr>
+                            <m:t>y</m:t>
+                          </m:r>
+                        </m:e>
+                      </m:acc>
+                      <m:r>
+                        <a:rPr kumimoji="1" lang="en-US" altLang="zh-CN" b="0" i="1" smtClean="0">
+                          <a:solidFill>
+                            <a:schemeClr val="tx1"/>
+                          </a:solidFill>
+                          <a:latin typeface="Cambria Math" panose="02040503050406030204" pitchFamily="18" charset="0"/>
+                        </a:rPr>
+                        <m:t>+</m:t>
+                      </m:r>
+                      <m:d>
+                        <m:dPr>
+                          <m:ctrlPr>
+                            <a:rPr kumimoji="1" lang="en-US" altLang="zh-CN" b="0" i="1" smtClean="0">
+                              <a:solidFill>
+                                <a:schemeClr val="tx1"/>
+                              </a:solidFill>
+                              <a:latin typeface="Cambria Math" panose="02040503050406030204" pitchFamily="18" charset="0"/>
+                            </a:rPr>
+                          </m:ctrlPr>
+                        </m:dPr>
+                        <m:e>
+                          <m:r>
+                            <a:rPr kumimoji="1" lang="en-US" altLang="zh-CN" b="0" i="1" smtClean="0">
+                              <a:solidFill>
+                                <a:schemeClr val="tx1"/>
+                              </a:solidFill>
+                              <a:latin typeface="Cambria Math" panose="02040503050406030204" pitchFamily="18" charset="0"/>
+                            </a:rPr>
+                            <m:t>1−</m:t>
+                          </m:r>
+                          <m:r>
+                            <a:rPr kumimoji="1" lang="en-US" altLang="zh-CN" b="0" i="1" smtClean="0">
+                              <a:solidFill>
+                                <a:schemeClr val="tx1"/>
+                              </a:solidFill>
+                              <a:latin typeface="Cambria Math" panose="02040503050406030204" pitchFamily="18" charset="0"/>
+                            </a:rPr>
+                            <m:t>𝑦</m:t>
+                          </m:r>
+                        </m:e>
+                      </m:d>
+                      <m:func>
+                        <m:funcPr>
+                          <m:ctrlPr>
+                            <a:rPr kumimoji="1" lang="en-US" altLang="zh-CN" b="0" i="1" smtClean="0">
+                              <a:solidFill>
+                                <a:schemeClr val="tx1"/>
+                              </a:solidFill>
+                              <a:latin typeface="Cambria Math" panose="02040503050406030204" pitchFamily="18" charset="0"/>
+                            </a:rPr>
+                          </m:ctrlPr>
+                        </m:funcPr>
+                        <m:fName>
+                          <m:r>
+                            <m:rPr>
+                              <m:sty m:val="p"/>
+                            </m:rPr>
+                            <a:rPr kumimoji="1" lang="en-US" altLang="zh-CN" b="0" i="0" smtClean="0">
+                              <a:solidFill>
+                                <a:schemeClr val="tx1"/>
+                              </a:solidFill>
+                              <a:latin typeface="Cambria Math" panose="02040503050406030204" pitchFamily="18" charset="0"/>
+                            </a:rPr>
+                            <m:t>log</m:t>
+                          </m:r>
+                        </m:fName>
+                        <m:e>
+                          <m:d>
+                            <m:dPr>
+                              <m:ctrlPr>
+                                <a:rPr kumimoji="1" lang="en-US" altLang="zh-CN" b="0" i="1" smtClean="0">
+                                  <a:solidFill>
+                                    <a:schemeClr val="tx1"/>
+                                  </a:solidFill>
+                                  <a:latin typeface="Cambria Math" panose="02040503050406030204" pitchFamily="18" charset="0"/>
+                                </a:rPr>
+                              </m:ctrlPr>
+                            </m:dPr>
+                            <m:e>
+                              <m:r>
+                                <a:rPr kumimoji="1" lang="en-US" altLang="zh-CN" i="1">
+                                  <a:solidFill>
+                                    <a:schemeClr val="tx1"/>
+                                  </a:solidFill>
+                                  <a:latin typeface="Cambria Math" panose="02040503050406030204" pitchFamily="18" charset="0"/>
+                                </a:rPr>
+                                <m:t>1−</m:t>
+                              </m:r>
+                              <m:acc>
+                                <m:accPr>
+                                  <m:chr m:val="̂"/>
+                                  <m:ctrlPr>
+                                    <a:rPr kumimoji="1" lang="zh-CN" altLang="en-US" i="1">
+                                      <a:solidFill>
+                                        <a:schemeClr val="tx1"/>
+                                      </a:solidFill>
+                                      <a:latin typeface="Cambria Math" panose="02040503050406030204" pitchFamily="18" charset="0"/>
+                                    </a:rPr>
+                                  </m:ctrlPr>
+                                </m:accPr>
+                                <m:e>
+                                  <m:r>
+                                    <m:rPr>
+                                      <m:sty m:val="p"/>
+                                    </m:rPr>
+                                    <a:rPr kumimoji="1" lang="en-US" altLang="zh-CN" i="1">
+                                      <a:solidFill>
+                                        <a:schemeClr val="tx1"/>
+                                      </a:solidFill>
+                                      <a:latin typeface="Cambria Math" panose="02040503050406030204" pitchFamily="18" charset="0"/>
+                                    </a:rPr>
+                                    <m:t>y</m:t>
+                                  </m:r>
+                                </m:e>
+                              </m:acc>
+                            </m:e>
+                          </m:d>
+                        </m:e>
+                      </m:func>
+                      <m:r>
+                        <a:rPr kumimoji="1" lang="en-US" altLang="zh-CN" b="0" i="1" smtClean="0">
+                          <a:solidFill>
+                            <a:schemeClr val="tx1"/>
+                          </a:solidFill>
+                          <a:latin typeface="Cambria Math" panose="02040503050406030204" pitchFamily="18" charset="0"/>
+                        </a:rPr>
+                        <m:t>]</m:t>
+                      </m:r>
+                    </m:oMath>
+                  </m:oMathPara>
+                </a14:m>
+                <a:endParaRPr kumimoji="1" lang="en-US" altLang="zh-CN" dirty="0">
+                  <a:solidFill>
+                    <a:schemeClr val="tx1"/>
+                  </a:solidFill>
+                </a:endParaRPr>
+              </a:p>
+              <a:p>
+                <a:pPr indent="0">
+                  <a:buNone/>
+                </a:pPr>
+                <a:r>
+                  <a:rPr kumimoji="1" lang="en-US" altLang="zh-CN" dirty="0">
+                    <a:solidFill>
+                      <a:schemeClr val="tx1"/>
+                    </a:solidFill>
+                  </a:rPr>
+                  <a:t>N</a:t>
+                </a:r>
+                <a:r>
+                  <a:rPr kumimoji="1" lang="zh-CN" altLang="en-US" dirty="0">
+                    <a:solidFill>
+                      <a:schemeClr val="tx1"/>
+                    </a:solidFill>
+                  </a:rPr>
+                  <a:t>个样本的总的损失函数：</a:t>
+                </a:r>
+                <a:endParaRPr kumimoji="1" lang="en-US" altLang="zh-CN" dirty="0">
+                  <a:solidFill>
+                    <a:schemeClr val="tx1"/>
+                  </a:solidFill>
+                </a:endParaRPr>
+              </a:p>
+              <a:p>
+                <a:pPr indent="0">
+                  <a:buNone/>
+                </a:pPr>
+                <a14:m>
+                  <m:oMathPara xmlns:m="http://schemas.openxmlformats.org/officeDocument/2006/math">
+                    <m:oMathParaPr>
+                      <m:jc m:val="centerGroup"/>
+                    </m:oMathParaPr>
+                    <m:oMath xmlns:m="http://schemas.openxmlformats.org/officeDocument/2006/math">
+                      <m:r>
+                        <m:rPr>
+                          <m:sty m:val="p"/>
+                        </m:rPr>
+                        <a:rPr kumimoji="1" lang="en-US" altLang="zh-CN" b="0" i="1" dirty="0">
+                          <a:solidFill>
+                            <a:schemeClr val="tx1"/>
+                          </a:solidFill>
+                          <a:latin typeface="Cambria Math" panose="02040503050406030204" pitchFamily="18" charset="0"/>
+                        </a:rPr>
+                        <m:t>L</m:t>
+                      </m:r>
+                      <m:r>
+                        <a:rPr kumimoji="1" lang="en-US" altLang="zh-CN" b="0" i="1" smtClean="0">
+                          <a:solidFill>
+                            <a:schemeClr val="tx1"/>
+                          </a:solidFill>
+                          <a:latin typeface="Cambria Math" panose="02040503050406030204" pitchFamily="18" charset="0"/>
+                        </a:rPr>
+                        <m:t>=</m:t>
+                      </m:r>
+                      <m:r>
+                        <a:rPr kumimoji="1" lang="en-US" altLang="zh-CN" b="0" i="1" smtClean="0">
+                          <a:solidFill>
+                            <a:schemeClr val="tx1"/>
+                          </a:solidFill>
+                          <a:latin typeface="Cambria Math" panose="02040503050406030204" pitchFamily="18" charset="0"/>
+                        </a:rPr>
+                        <m:t>−</m:t>
+                      </m:r>
+                      <m:nary>
+                        <m:naryPr>
+                          <m:chr m:val="∑"/>
+                          <m:ctrlPr>
+                            <a:rPr kumimoji="1" lang="en-US" altLang="zh-CN" b="0" i="1" smtClean="0">
+                              <a:solidFill>
+                                <a:schemeClr val="tx1"/>
+                              </a:solidFill>
+                              <a:latin typeface="Cambria Math" panose="02040503050406030204" pitchFamily="18" charset="0"/>
+                            </a:rPr>
+                          </m:ctrlPr>
+                        </m:naryPr>
+                        <m:sub>
+                          <m:r>
+                            <m:rPr>
+                              <m:sty m:val="p"/>
+                              <m:brk m:alnAt="23"/>
+                            </m:rPr>
+                            <a:rPr kumimoji="1" lang="en-US" altLang="zh-CN" i="1">
+                              <a:solidFill>
+                                <a:schemeClr val="tx1"/>
+                              </a:solidFill>
+                              <a:latin typeface="Cambria Math" panose="02040503050406030204" pitchFamily="18" charset="0"/>
+                            </a:rPr>
+                            <m:t>i</m:t>
+                          </m:r>
+                          <m:r>
+                            <a:rPr kumimoji="1" lang="en-US" altLang="zh-CN" b="0" i="1" smtClean="0">
+                              <a:solidFill>
+                                <a:schemeClr val="tx1"/>
+                              </a:solidFill>
+                              <a:latin typeface="Cambria Math" panose="02040503050406030204" pitchFamily="18" charset="0"/>
+                            </a:rPr>
+                            <m:t>=1</m:t>
+                          </m:r>
+                        </m:sub>
+                        <m:sup>
+                          <m:r>
+                            <a:rPr kumimoji="1" lang="en-US" altLang="zh-CN" b="0" i="1" smtClean="0">
+                              <a:solidFill>
+                                <a:schemeClr val="tx1"/>
+                              </a:solidFill>
+                              <a:latin typeface="Cambria Math" panose="02040503050406030204" pitchFamily="18" charset="0"/>
+                            </a:rPr>
+                            <m:t>𝑁</m:t>
+                          </m:r>
+                        </m:sup>
+                        <m:e>
+                          <m:sSup>
+                            <m:sSupPr>
+                              <m:ctrlPr>
+                                <a:rPr kumimoji="1" lang="en-US" altLang="zh-CN" b="0" i="1" smtClean="0">
+                                  <a:solidFill>
+                                    <a:schemeClr val="tx1"/>
+                                  </a:solidFill>
+                                  <a:latin typeface="Cambria Math" panose="02040503050406030204" pitchFamily="18" charset="0"/>
+                                </a:rPr>
+                              </m:ctrlPr>
+                            </m:sSupPr>
+                            <m:e>
+                              <m:r>
+                                <a:rPr kumimoji="1" lang="en-US" altLang="zh-CN" b="0" i="1" smtClean="0">
+                                  <a:solidFill>
+                                    <a:schemeClr val="tx1"/>
+                                  </a:solidFill>
+                                  <a:latin typeface="Cambria Math" panose="02040503050406030204" pitchFamily="18" charset="0"/>
+                                </a:rPr>
+                                <m:t>𝑦</m:t>
+                              </m:r>
+                            </m:e>
+                            <m:sup>
+                              <m:r>
+                                <a:rPr kumimoji="1" lang="en-US" altLang="zh-CN" b="0" i="1" smtClean="0">
+                                  <a:solidFill>
+                                    <a:schemeClr val="tx1"/>
+                                  </a:solidFill>
+                                  <a:latin typeface="Cambria Math" panose="02040503050406030204" pitchFamily="18" charset="0"/>
+                                </a:rPr>
+                                <m:t>(</m:t>
+                              </m:r>
+                              <m:r>
+                                <a:rPr kumimoji="1" lang="en-US" altLang="zh-CN" b="0" i="1" smtClean="0">
+                                  <a:solidFill>
+                                    <a:schemeClr val="tx1"/>
+                                  </a:solidFill>
+                                  <a:latin typeface="Cambria Math" panose="02040503050406030204" pitchFamily="18" charset="0"/>
+                                </a:rPr>
+                                <m:t>𝑖</m:t>
+                              </m:r>
+                              <m:r>
+                                <a:rPr kumimoji="1" lang="en-US" altLang="zh-CN" b="0" i="1" smtClean="0">
+                                  <a:solidFill>
+                                    <a:schemeClr val="tx1"/>
+                                  </a:solidFill>
+                                  <a:latin typeface="Cambria Math" panose="02040503050406030204" pitchFamily="18" charset="0"/>
+                                </a:rPr>
+                                <m:t>)</m:t>
+                              </m:r>
+                            </m:sup>
+                          </m:sSup>
+                        </m:e>
+                      </m:nary>
+                      <m:r>
+                        <a:rPr kumimoji="1" lang="en-US" altLang="zh-CN" b="0" i="1" smtClean="0">
+                          <a:solidFill>
+                            <a:schemeClr val="tx1"/>
+                          </a:solidFill>
+                          <a:latin typeface="Cambria Math" panose="02040503050406030204" pitchFamily="18" charset="0"/>
+                        </a:rPr>
+                        <m:t>𝑙𝑜𝑔</m:t>
+                      </m:r>
+                      <m:sSup>
+                        <m:sSupPr>
+                          <m:ctrlPr>
+                            <a:rPr kumimoji="1" lang="en-US" altLang="zh-CN" b="0" i="1" smtClean="0">
+                              <a:solidFill>
+                                <a:schemeClr val="tx1"/>
+                              </a:solidFill>
+                              <a:latin typeface="Cambria Math" panose="02040503050406030204" pitchFamily="18" charset="0"/>
+                            </a:rPr>
+                          </m:ctrlPr>
+                        </m:sSupPr>
+                        <m:e>
+                          <m:acc>
+                            <m:accPr>
+                              <m:chr m:val="̂"/>
+                              <m:ctrlPr>
+                                <a:rPr kumimoji="1" lang="zh-CN" altLang="en-US" i="1">
+                                  <a:solidFill>
+                                    <a:schemeClr val="tx1"/>
+                                  </a:solidFill>
+                                  <a:latin typeface="Cambria Math" panose="02040503050406030204" pitchFamily="18" charset="0"/>
+                                </a:rPr>
+                              </m:ctrlPr>
+                            </m:accPr>
+                            <m:e>
+                              <m:r>
+                                <m:rPr>
+                                  <m:sty m:val="p"/>
+                                </m:rPr>
+                                <a:rPr kumimoji="1" lang="en-US" altLang="zh-CN" i="1">
+                                  <a:solidFill>
+                                    <a:schemeClr val="tx1"/>
+                                  </a:solidFill>
+                                  <a:latin typeface="Cambria Math" panose="02040503050406030204" pitchFamily="18" charset="0"/>
+                                </a:rPr>
+                                <m:t>y</m:t>
+                              </m:r>
+                            </m:e>
+                          </m:acc>
+                        </m:e>
+                        <m:sup>
+                          <m:r>
+                            <a:rPr kumimoji="1" lang="en-US" altLang="zh-CN" b="0" i="1" smtClean="0">
+                              <a:solidFill>
+                                <a:schemeClr val="tx1"/>
+                              </a:solidFill>
+                              <a:latin typeface="Cambria Math" panose="02040503050406030204" pitchFamily="18" charset="0"/>
+                            </a:rPr>
+                            <m:t>(</m:t>
+                          </m:r>
+                          <m:r>
+                            <a:rPr kumimoji="1" lang="en-US" altLang="zh-CN" b="0" i="1" smtClean="0">
+                              <a:solidFill>
+                                <a:schemeClr val="tx1"/>
+                              </a:solidFill>
+                              <a:latin typeface="Cambria Math" panose="02040503050406030204" pitchFamily="18" charset="0"/>
+                            </a:rPr>
+                            <m:t>𝑖</m:t>
+                          </m:r>
+                          <m:r>
+                            <a:rPr kumimoji="1" lang="en-US" altLang="zh-CN" b="0" i="1" smtClean="0">
+                              <a:solidFill>
+                                <a:schemeClr val="tx1"/>
+                              </a:solidFill>
+                              <a:latin typeface="Cambria Math" panose="02040503050406030204" pitchFamily="18" charset="0"/>
+                            </a:rPr>
+                            <m:t>)</m:t>
+                          </m:r>
+                        </m:sup>
+                      </m:sSup>
+                      <m:r>
+                        <a:rPr kumimoji="1" lang="en-US" altLang="zh-CN" b="0" i="1" smtClean="0">
+                          <a:solidFill>
+                            <a:schemeClr val="tx1"/>
+                          </a:solidFill>
+                          <a:latin typeface="Cambria Math" panose="02040503050406030204" pitchFamily="18" charset="0"/>
+                        </a:rPr>
+                        <m:t>+</m:t>
+                      </m:r>
+                      <m:d>
+                        <m:dPr>
+                          <m:ctrlPr>
+                            <a:rPr kumimoji="1" lang="en-US" altLang="zh-CN" b="0" i="1" smtClean="0">
+                              <a:solidFill>
+                                <a:schemeClr val="tx1"/>
+                              </a:solidFill>
+                              <a:latin typeface="Cambria Math" panose="02040503050406030204" pitchFamily="18" charset="0"/>
+                            </a:rPr>
+                          </m:ctrlPr>
+                        </m:dPr>
+                        <m:e>
+                          <m:r>
+                            <a:rPr kumimoji="1" lang="en-US" altLang="zh-CN" b="0" i="1" smtClean="0">
+                              <a:solidFill>
+                                <a:schemeClr val="tx1"/>
+                              </a:solidFill>
+                              <a:latin typeface="Cambria Math" panose="02040503050406030204" pitchFamily="18" charset="0"/>
+                            </a:rPr>
+                            <m:t>1−</m:t>
+                          </m:r>
+                          <m:sSup>
+                            <m:sSupPr>
+                              <m:ctrlPr>
+                                <a:rPr kumimoji="1" lang="en-US" altLang="zh-CN" i="1">
+                                  <a:solidFill>
+                                    <a:schemeClr val="tx1"/>
+                                  </a:solidFill>
+                                  <a:latin typeface="Cambria Math" panose="02040503050406030204" pitchFamily="18" charset="0"/>
+                                </a:rPr>
+                              </m:ctrlPr>
+                            </m:sSupPr>
+                            <m:e>
+                              <m:r>
+                                <a:rPr kumimoji="1" lang="en-US" altLang="zh-CN" i="1">
+                                  <a:solidFill>
+                                    <a:schemeClr val="tx1"/>
+                                  </a:solidFill>
+                                  <a:latin typeface="Cambria Math" panose="02040503050406030204" pitchFamily="18" charset="0"/>
+                                </a:rPr>
+                                <m:t>𝑦</m:t>
+                              </m:r>
+                            </m:e>
+                            <m:sup>
+                              <m:r>
+                                <a:rPr kumimoji="1" lang="en-US" altLang="zh-CN" i="1">
+                                  <a:solidFill>
+                                    <a:schemeClr val="tx1"/>
+                                  </a:solidFill>
+                                  <a:latin typeface="Cambria Math" panose="02040503050406030204" pitchFamily="18" charset="0"/>
+                                </a:rPr>
+                                <m:t>(</m:t>
+                              </m:r>
+                              <m:r>
+                                <a:rPr kumimoji="1" lang="en-US" altLang="zh-CN" i="1">
+                                  <a:solidFill>
+                                    <a:schemeClr val="tx1"/>
+                                  </a:solidFill>
+                                  <a:latin typeface="Cambria Math" panose="02040503050406030204" pitchFamily="18" charset="0"/>
+                                </a:rPr>
+                                <m:t>𝑖</m:t>
+                              </m:r>
+                              <m:r>
+                                <a:rPr kumimoji="1" lang="en-US" altLang="zh-CN" i="1">
+                                  <a:solidFill>
+                                    <a:schemeClr val="tx1"/>
+                                  </a:solidFill>
+                                  <a:latin typeface="Cambria Math" panose="02040503050406030204" pitchFamily="18" charset="0"/>
+                                </a:rPr>
+                                <m:t>)</m:t>
+                              </m:r>
+                            </m:sup>
+                          </m:sSup>
+                        </m:e>
+                      </m:d>
+                      <m:r>
+                        <m:rPr>
+                          <m:sty m:val="p"/>
+                        </m:rPr>
+                        <a:rPr kumimoji="1" lang="en-US" altLang="zh-CN" b="0" i="0" smtClean="0">
+                          <a:solidFill>
+                            <a:schemeClr val="tx1"/>
+                          </a:solidFill>
+                          <a:latin typeface="Cambria Math" panose="02040503050406030204" pitchFamily="18" charset="0"/>
+                        </a:rPr>
+                        <m:t>log</m:t>
+                      </m:r>
+                      <m:r>
+                        <a:rPr kumimoji="1" lang="en-US" altLang="zh-CN" b="0" i="1" smtClean="0">
+                          <a:solidFill>
+                            <a:schemeClr val="tx1"/>
+                          </a:solidFill>
+                          <a:latin typeface="Cambria Math" panose="02040503050406030204" pitchFamily="18" charset="0"/>
+                        </a:rPr>
+                        <m:t>⁡(</m:t>
+                      </m:r>
+                      <m:r>
+                        <a:rPr kumimoji="1" lang="en-US" altLang="zh-CN" i="1">
+                          <a:solidFill>
+                            <a:schemeClr val="tx1"/>
+                          </a:solidFill>
+                          <a:latin typeface="Cambria Math" panose="02040503050406030204" pitchFamily="18" charset="0"/>
+                        </a:rPr>
+                        <m:t>1−</m:t>
+                      </m:r>
+                      <m:sSup>
+                        <m:sSupPr>
+                          <m:ctrlPr>
+                            <a:rPr kumimoji="1" lang="en-US" altLang="zh-CN" i="1">
+                              <a:solidFill>
+                                <a:schemeClr val="tx1"/>
+                              </a:solidFill>
+                              <a:latin typeface="Cambria Math" panose="02040503050406030204" pitchFamily="18" charset="0"/>
+                            </a:rPr>
+                          </m:ctrlPr>
+                        </m:sSupPr>
+                        <m:e>
+                          <m:acc>
+                            <m:accPr>
+                              <m:chr m:val="̂"/>
+                              <m:ctrlPr>
+                                <a:rPr kumimoji="1" lang="zh-CN" altLang="en-US" i="1">
+                                  <a:solidFill>
+                                    <a:schemeClr val="tx1"/>
+                                  </a:solidFill>
+                                  <a:latin typeface="Cambria Math" panose="02040503050406030204" pitchFamily="18" charset="0"/>
+                                </a:rPr>
+                              </m:ctrlPr>
+                            </m:accPr>
+                            <m:e>
+                              <m:r>
+                                <m:rPr>
+                                  <m:sty m:val="p"/>
+                                </m:rPr>
+                                <a:rPr kumimoji="1" lang="en-US" altLang="zh-CN" i="1">
+                                  <a:solidFill>
+                                    <a:schemeClr val="tx1"/>
+                                  </a:solidFill>
+                                  <a:latin typeface="Cambria Math" panose="02040503050406030204" pitchFamily="18" charset="0"/>
+                                </a:rPr>
+                                <m:t>y</m:t>
+                              </m:r>
+                            </m:e>
+                          </m:acc>
+                        </m:e>
+                        <m:sup>
+                          <m:r>
+                            <a:rPr kumimoji="1" lang="en-US" altLang="zh-CN" i="1">
+                              <a:solidFill>
+                                <a:schemeClr val="tx1"/>
+                              </a:solidFill>
+                              <a:latin typeface="Cambria Math" panose="02040503050406030204" pitchFamily="18" charset="0"/>
+                            </a:rPr>
+                            <m:t>(</m:t>
+                          </m:r>
+                          <m:r>
+                            <a:rPr kumimoji="1" lang="en-US" altLang="zh-CN" i="1">
+                              <a:solidFill>
+                                <a:schemeClr val="tx1"/>
+                              </a:solidFill>
+                              <a:latin typeface="Cambria Math" panose="02040503050406030204" pitchFamily="18" charset="0"/>
+                            </a:rPr>
+                            <m:t>𝑖</m:t>
+                          </m:r>
+                          <m:r>
+                            <a:rPr kumimoji="1" lang="en-US" altLang="zh-CN" i="1">
+                              <a:solidFill>
+                                <a:schemeClr val="tx1"/>
+                              </a:solidFill>
+                              <a:latin typeface="Cambria Math" panose="02040503050406030204" pitchFamily="18" charset="0"/>
+                            </a:rPr>
+                            <m:t>)</m:t>
+                          </m:r>
+                        </m:sup>
+                      </m:sSup>
+                      <m:r>
+                        <a:rPr kumimoji="1" lang="en-US" altLang="zh-CN" b="0" i="1" smtClean="0">
+                          <a:solidFill>
+                            <a:schemeClr val="tx1"/>
+                          </a:solidFill>
+                          <a:latin typeface="Cambria Math" panose="02040503050406030204" pitchFamily="18" charset="0"/>
+                        </a:rPr>
+                        <m:t>)</m:t>
+                      </m:r>
+                    </m:oMath>
+                  </m:oMathPara>
+                </a14:m>
+                <a:endParaRPr kumimoji="1" lang="en-US" altLang="zh-CN" dirty="0">
+                  <a:solidFill>
+                    <a:schemeClr val="tx1"/>
+                  </a:solidFill>
+                </a:endParaRPr>
+              </a:p>
+              <a:p>
+                <a:pPr indent="0">
+                  <a:buNone/>
+                </a:pPr>
+                <a:endParaRPr kumimoji="1" lang="zh-CN" altLang="en-US" dirty="0">
+                  <a:solidFill>
+                    <a:schemeClr val="tx1"/>
+                  </a:solidFill>
+                </a:endParaRPr>
+              </a:p>
+            </p:txBody>
+          </p:sp>
+        </mc:Choice>
+        <mc:Fallback>
+          <p:sp>
+            <p:nvSpPr>
+              <p:cNvPr id="6" name="内容占位符 4">
+                <a:extLst>
+                  <a:ext uri="{FF2B5EF4-FFF2-40B4-BE49-F238E27FC236}">
+                    <a16:creationId xmlns:a16="http://schemas.microsoft.com/office/drawing/2014/main" id="{8DC5CDD8-CA32-4DF3-99A6-5B8B0A997725}"/>
+                  </a:ext>
+                </a:extLst>
+              </p:cNvPr>
+              <p:cNvSpPr txBox="1">
+                <a:spLocks noRot="1" noChangeAspect="1" noMove="1" noResize="1" noEditPoints="1" noAdjustHandles="1" noChangeArrowheads="1" noChangeShapeType="1" noTextEdit="1"/>
+              </p:cNvSpPr>
+              <p:nvPr/>
+            </p:nvSpPr>
+            <p:spPr>
+              <a:xfrm>
+                <a:off x="207819" y="1561490"/>
+                <a:ext cx="8827124" cy="4503750"/>
+              </a:xfrm>
+              <a:prstGeom prst="rect">
+                <a:avLst/>
+              </a:prstGeom>
+              <a:blipFill>
+                <a:blip r:embed="rId2"/>
+                <a:stretch>
+                  <a:fillRect t="-1759"/>
+                </a:stretch>
+              </a:blipFill>
+            </p:spPr>
+            <p:txBody>
+              <a:bodyPr/>
+              <a:lstStyle/>
+              <a:p>
+                <a:r>
+                  <a:rPr lang="en-US">
+                    <a:noFill/>
+                  </a:rPr>
+                  <a:t> </a:t>
+                </a:r>
+              </a:p>
+            </p:txBody>
+          </p:sp>
+        </mc:Fallback>
+      </mc:AlternateContent>
+    </p:spTree>
+    <p:extLst>
+      <p:ext uri="{BB962C8B-B14F-4D97-AF65-F5344CB8AC3E}">
+        <p14:creationId xmlns:p14="http://schemas.microsoft.com/office/powerpoint/2010/main" val="1972531919"/>
+      </p:ext>
+    </p:extLst>
+  </p:cSld>
+  <p:clrMapOvr>
+    <a:masterClrMapping/>
+  </p:clrMapOvr>
+</p:sld>
+</file>
+
+<file path=ppt/slides/slide21.xml><?xml version="1.0" encoding="utf-8"?>
+<p:sld xmlns:a="http://schemas.openxmlformats.org/drawingml/2006/main" xmlns:r="http://schemas.openxmlformats.org/officeDocument/2006/relationships" xmlns:p="http://schemas.openxmlformats.org/presentationml/2006/main">
+  <p:cSld>
+    <p:spTree>
+      <p:nvGrpSpPr>
+        <p:cNvPr id="1" name=""/>
+        <p:cNvGrpSpPr/>
+        <p:nvPr/>
+      </p:nvGrpSpPr>
+      <p:grpSpPr>
+        <a:xfrm>
+          <a:off x="0" y="0"/>
+          <a:ext cx="0" cy="0"/>
+          <a:chOff x="0" y="0"/>
+          <a:chExt cx="0" cy="0"/>
+        </a:xfrm>
+      </p:grpSpPr>
+      <p:sp>
+        <p:nvSpPr>
+          <p:cNvPr id="5" name="标题 1">
+            <a:extLst>
+              <a:ext uri="{FF2B5EF4-FFF2-40B4-BE49-F238E27FC236}">
+                <a16:creationId xmlns:a16="http://schemas.microsoft.com/office/drawing/2014/main" id="{F0511409-B9AF-4D30-B635-901BDDA9EAD1}"/>
+              </a:ext>
+            </a:extLst>
+          </p:cNvPr>
+          <p:cNvSpPr>
+            <a:spLocks noGrp="1"/>
+          </p:cNvSpPr>
+          <p:nvPr>
+            <p:ph type="title"/>
+          </p:nvPr>
+        </p:nvSpPr>
+        <p:spPr>
+          <a:xfrm>
+            <a:off x="460664" y="539176"/>
+            <a:ext cx="8048336" cy="750455"/>
+          </a:xfrm>
+        </p:spPr>
+        <p:txBody>
+          <a:bodyPr/>
+          <a:lstStyle/>
+          <a:p>
+            <a:pPr algn="l"/>
+            <a:r>
+              <a:rPr lang="en-US" altLang="ja-JP" sz="4000" baseline="30000" dirty="0">
+                <a:solidFill>
+                  <a:schemeClr val="bg1"/>
+                </a:solidFill>
+                <a:latin typeface="黑体"/>
+                <a:ea typeface="黑体"/>
+                <a:cs typeface="黑体"/>
+              </a:rPr>
+              <a:t>3.1 </a:t>
+            </a:r>
+            <a:r>
+              <a:rPr lang="zh-CN" altLang="en-US" sz="4000" baseline="30000" dirty="0">
+                <a:solidFill>
+                  <a:schemeClr val="bg1"/>
+                </a:solidFill>
+                <a:latin typeface="黑体"/>
+                <a:ea typeface="黑体"/>
+                <a:cs typeface="黑体"/>
+              </a:rPr>
+              <a:t>无结构化模型的挑战</a:t>
             </a:r>
             <a:endParaRPr lang="ja-JP" altLang="en-US" sz="4000" baseline="30000" dirty="0">
               <a:solidFill>
@@ -17803,7 +20326,7 @@
         </p:spPr>
         <p:txBody>
           <a:bodyPr vert="horz" lIns="91440" tIns="45720" rIns="91440" bIns="45720" rtlCol="0">
-            <a:normAutofit fontScale="92500" lnSpcReduction="10000"/>
+            <a:normAutofit/>
           </a:bodyPr>
           <a:lstStyle>
             <a:lvl1pPr marL="457200" indent="-457200" algn="l" defTabSz="914400" rtl="0" eaLnBrk="1" latinLnBrk="0" hangingPunct="1">
@@ -18037,26 +20560,36 @@
               <a:buNone/>
             </a:pPr>
             <a:r>
-              <a:rPr kumimoji="1" lang="en-US" altLang="zh-CN" dirty="0">
+              <a:rPr kumimoji="1" lang="zh-CN" altLang="en-US" dirty="0">
                 <a:solidFill>
                   <a:schemeClr val="tx1"/>
                 </a:solidFill>
               </a:rPr>
-              <a:t>The goal of deep learning is to predict the input by training a probability model. </a:t>
-            </a:r>
+              <a:t>深度学习的目标是使得机器学习能够解决许多人工智能中需要解决的挑战。这也意味着能够理解具有丰富结构的高维数据。</a:t>
+            </a:r>
+            <a:endParaRPr kumimoji="1" lang="en-US" altLang="zh-CN" dirty="0">
+              <a:solidFill>
+                <a:schemeClr val="tx1"/>
+              </a:solidFill>
+            </a:endParaRPr>
           </a:p>
           <a:p>
             <a:pPr indent="0">
               <a:buNone/>
             </a:pPr>
             <a:r>
-              <a:rPr kumimoji="1" lang="en-US" altLang="zh-CN" dirty="0">
+              <a:rPr kumimoji="1" lang="zh-CN" altLang="en-US" dirty="0">
                 <a:solidFill>
                   <a:schemeClr val="tx1"/>
                 </a:solidFill>
               </a:rPr>
-              <a:t>However, Modeling a rich distribution over thousands or millions of random variables is a challenging task, both computationally and statistically. </a:t>
-            </a:r>
+              <a:t>然而，对上千甚至是上百万随机变量的分布建模，无论从计算上还是从统计意义上说，都是一个具有挑战性的任务。</a:t>
+            </a:r>
+            <a:endParaRPr kumimoji="1" lang="en-US" altLang="zh-CN" dirty="0">
+              <a:solidFill>
+                <a:schemeClr val="tx1"/>
+              </a:solidFill>
+            </a:endParaRPr>
           </a:p>
         </p:txBody>
       </p:sp>
@@ -18085,7 +20618,7 @@
         </p:spPr>
         <p:txBody>
           <a:bodyPr vert="horz" lIns="91440" tIns="45720" rIns="91440" bIns="45720" rtlCol="0">
-            <a:normAutofit fontScale="92500"/>
+            <a:normAutofit/>
           </a:bodyPr>
           <a:lstStyle>
             <a:lvl1pPr marL="457200" indent="-457200" algn="l" defTabSz="914400" rtl="0" eaLnBrk="1" latinLnBrk="0" hangingPunct="1">
@@ -18319,12 +20852,52 @@
               <a:buNone/>
             </a:pPr>
             <a:r>
+              <a:rPr kumimoji="1" lang="zh-CN" altLang="en-US" dirty="0">
+                <a:solidFill>
+                  <a:schemeClr val="tx1"/>
+                </a:solidFill>
+              </a:rPr>
+              <a:t>假设我们只想对二值的随机变量建模。例如，对一个</a:t>
+            </a:r>
+            <a:r>
               <a:rPr kumimoji="1" lang="en-US" altLang="zh-CN" dirty="0">
                 <a:solidFill>
                   <a:schemeClr val="tx1"/>
                 </a:solidFill>
               </a:rPr>
-              <a:t>For a small, 32 × 32 pixel color (RGB) image, there are 2</a:t>
+              <a:t>32 × 32 </a:t>
+            </a:r>
+            <a:r>
+              <a:rPr kumimoji="1" lang="zh-CN" altLang="en-US" dirty="0">
+                <a:solidFill>
+                  <a:schemeClr val="tx1"/>
+                </a:solidFill>
+              </a:rPr>
+              <a:t>像素的彩色（</a:t>
+            </a:r>
+            <a:r>
+              <a:rPr kumimoji="1" lang="en-US" altLang="zh-CN" dirty="0">
+                <a:solidFill>
+                  <a:schemeClr val="tx1"/>
+                </a:solidFill>
+              </a:rPr>
+              <a:t>RGB</a:t>
+            </a:r>
+            <a:r>
+              <a:rPr kumimoji="1" lang="zh-CN" altLang="en-US" dirty="0">
+                <a:solidFill>
+                  <a:schemeClr val="tx1"/>
+                </a:solidFill>
+              </a:rPr>
+              <a:t>）图片来说， 存在</a:t>
+            </a:r>
+            <a:r>
+              <a:rPr kumimoji="1" lang="en-US" altLang="zh-CN" dirty="0">
+                <a:solidFill>
+                  <a:schemeClr val="tx1"/>
+                </a:solidFill>
+              </a:rPr>
+              <a:t>2</a:t>
             </a:r>
             <a:r>
               <a:rPr kumimoji="1" lang="en-US" altLang="zh-CN" baseline="30000" dirty="0">
@@ -18340,36 +20913,97 @@
                   <a:schemeClr val="tx1"/>
                 </a:solidFill>
               </a:rPr>
-              <a:t> possible binary images of this form. This number is over 10</a:t>
-            </a:r>
-            <a:r>
-              <a:rPr kumimoji="1" lang="en-US" altLang="zh-CN" baseline="30000" dirty="0">
+              <a:t> </a:t>
+            </a:r>
+            <a:r>
+              <a:rPr kumimoji="1" lang="zh-CN" altLang="en-US" dirty="0">
                 <a:solidFill>
                   <a:schemeClr val="tx1"/>
                 </a:solidFill>
               </a:rPr>
-              <a:t>800</a:t>
-            </a:r>
-            <a:r>
-              <a:rPr kumimoji="1" lang="en-US" altLang="zh-CN" dirty="0">
-                <a:solidFill>
-                  <a:schemeClr val="tx1"/>
-                </a:solidFill>
-              </a:rPr>
-              <a:t> times larger than the estimated number of atoms in the universe.</a:t>
-            </a:r>
+              <a:t>种可能的二值图片。</a:t>
+            </a:r>
+            <a:endParaRPr kumimoji="1" lang="en-US" altLang="zh-CN" dirty="0">
+              <a:solidFill>
+                <a:schemeClr val="tx1"/>
+              </a:solidFill>
+            </a:endParaRPr>
           </a:p>
           <a:p>
             <a:pPr indent="0">
               <a:buNone/>
             </a:pPr>
             <a:r>
+              <a:rPr kumimoji="1" lang="zh-CN" altLang="en-US" dirty="0">
+                <a:solidFill>
+                  <a:schemeClr val="tx1"/>
+                </a:solidFill>
+              </a:rPr>
+              <a:t>通常意义上讲，如果我们希望对一个包含 </a:t>
+            </a:r>
+            <a:r>
               <a:rPr kumimoji="1" lang="en-US" altLang="zh-CN" dirty="0">
                 <a:solidFill>
                   <a:schemeClr val="tx1"/>
                 </a:solidFill>
               </a:rPr>
-              <a:t>In general, if we wish to model a distribution over a random vector x containing n discrete variables capable of taking on k values each, then the naive approach of representing P(x) by storing a lookup table with one probability value per possible outcome requires </a:t>
+              <a:t>n </a:t>
+            </a:r>
+            <a:r>
+              <a:rPr kumimoji="1" lang="zh-CN" altLang="en-US" dirty="0">
+                <a:solidFill>
+                  <a:schemeClr val="tx1"/>
+                </a:solidFill>
+              </a:rPr>
+              <a:t>个离散变量并且每个变量都能取 </a:t>
+            </a:r>
+            <a:r>
+              <a:rPr kumimoji="1" lang="en-US" altLang="zh-CN" dirty="0">
+                <a:solidFill>
+                  <a:schemeClr val="tx1"/>
+                </a:solidFill>
+              </a:rPr>
+              <a:t>k</a:t>
+            </a:r>
+            <a:r>
+              <a:rPr kumimoji="1" lang="zh-CN" altLang="en-US" dirty="0">
+                <a:solidFill>
+                  <a:schemeClr val="tx1"/>
+                </a:solidFill>
+              </a:rPr>
+              <a:t>个值的 </a:t>
+            </a:r>
+            <a:r>
+              <a:rPr kumimoji="1" lang="en-US" altLang="zh-CN" dirty="0">
+                <a:solidFill>
+                  <a:schemeClr val="tx1"/>
+                </a:solidFill>
+              </a:rPr>
+              <a:t>X </a:t>
+            </a:r>
+            <a:r>
+              <a:rPr kumimoji="1" lang="zh-CN" altLang="en-US" dirty="0">
+                <a:solidFill>
+                  <a:schemeClr val="tx1"/>
+                </a:solidFill>
+              </a:rPr>
+              <a:t>的分布建模，那么最简单的表示 </a:t>
+            </a:r>
+            <a:r>
+              <a:rPr kumimoji="1" lang="en-US" altLang="zh-CN" dirty="0">
+                <a:solidFill>
+                  <a:schemeClr val="tx1"/>
+                </a:solidFill>
+              </a:rPr>
+              <a:t>P (x) </a:t>
+            </a:r>
+            <a:r>
+              <a:rPr kumimoji="1" lang="zh-CN" altLang="en-US" dirty="0">
+                <a:solidFill>
+                  <a:schemeClr val="tx1"/>
+                </a:solidFill>
+              </a:rPr>
+              <a:t>的方法需要存储一个可以查询的表格。这个表格记录了每一种可能的值的概率，需要记录</a:t>
             </a:r>
             <a:r>
               <a:rPr kumimoji="1" lang="en-US" altLang="zh-CN" dirty="0" err="1">
@@ -18388,12 +21022,20 @@
               <a:t>n</a:t>
             </a:r>
             <a:r>
+              <a:rPr kumimoji="1" lang="zh-CN" altLang="en-US" dirty="0">
+                <a:solidFill>
+                  <a:schemeClr val="tx1"/>
+                </a:solidFill>
+              </a:rPr>
+              <a:t>个参数</a:t>
+            </a:r>
+            <a:r>
               <a:rPr kumimoji="1" lang="en-US" altLang="zh-CN" dirty="0">
                 <a:solidFill>
                   <a:schemeClr val="tx1"/>
                 </a:solidFill>
               </a:rPr>
-              <a:t> parameters!</a:t>
+              <a:t>!</a:t>
             </a:r>
             <a:endParaRPr kumimoji="1" lang="zh-CN" altLang="en-US" dirty="0">
               <a:solidFill>
@@ -18540,7 +21182,7 @@
 </p:sld>
 </file>
 
-<file path=ppt/slides/slide21.xml><?xml version="1.0" encoding="utf-8"?>
+<file path=ppt/slides/slide22.xml><?xml version="1.0" encoding="utf-8"?>
 <p:sld xmlns:a="http://schemas.openxmlformats.org/drawingml/2006/main" xmlns:r="http://schemas.openxmlformats.org/officeDocument/2006/relationships" xmlns:p="http://schemas.openxmlformats.org/presentationml/2006/main">
   <p:cSld>
     <p:spTree>
@@ -18593,7 +21235,18 @@
                 <a:ea typeface="黑体"/>
                 <a:cs typeface="黑体"/>
               </a:rPr>
-              <a:t>3.2 Structured Probabilistic Models </a:t>
+              <a:t>3.2 </a:t>
+            </a:r>
+            <a:r>
+              <a:rPr lang="zh-CN" altLang="en-US" sz="4000" baseline="30000" dirty="0">
+                <a:solidFill>
+                  <a:schemeClr val="bg1"/>
+                </a:solidFill>
+                <a:latin typeface="黑体"/>
+                <a:ea typeface="黑体"/>
+                <a:cs typeface="黑体"/>
+              </a:rPr>
+              <a:t>结构化概率模型</a:t>
             </a:r>
             <a:endParaRPr lang="ja-JP" altLang="en-US" sz="4000" baseline="30000" dirty="0">
               <a:solidFill>
@@ -18623,7 +21276,7 @@
         <p:spPr>
           <a:xfrm>
             <a:off x="0" y="1459684"/>
-            <a:ext cx="8827124" cy="2281806"/>
+            <a:ext cx="8827124" cy="2181138"/>
           </a:xfrm>
           <a:prstGeom prst="rect">
             <a:avLst/>
@@ -18631,7 +21284,7 @@
         </p:spPr>
         <p:txBody>
           <a:bodyPr vert="horz" lIns="91440" tIns="45720" rIns="91440" bIns="45720" rtlCol="0">
-            <a:normAutofit fontScale="92500" lnSpcReduction="10000"/>
+            <a:normAutofit/>
           </a:bodyPr>
           <a:lstStyle>
             <a:lvl1pPr marL="457200" indent="-457200" algn="l" defTabSz="914400" rtl="0" eaLnBrk="1" latinLnBrk="0" hangingPunct="1">
@@ -18865,44 +21518,49 @@
               <a:buNone/>
             </a:pPr>
             <a:r>
-              <a:rPr kumimoji="1" lang="en-US" altLang="zh-CN" dirty="0">
+              <a:rPr kumimoji="1" lang="zh-CN" altLang="en-US" dirty="0">
                 <a:solidFill>
                   <a:schemeClr val="tx1"/>
                 </a:solidFill>
               </a:rPr>
-              <a:t>The problem with the table-based approach is that we are explicitly modeling every possible kind of interaction between every possible subset of variables. </a:t>
-            </a:r>
+              <a:t>基于表格操作的方法的主要问题是我们显式地对每一种可能的变量子集所产生的每一种可能类型的相互作用建模。</a:t>
+            </a:r>
+            <a:endParaRPr kumimoji="1" lang="en-US" altLang="zh-CN" dirty="0">
+              <a:solidFill>
+                <a:schemeClr val="tx1"/>
+              </a:solidFill>
+            </a:endParaRPr>
           </a:p>
           <a:p>
             <a:pPr indent="0">
               <a:buNone/>
             </a:pPr>
             <a:r>
-              <a:rPr kumimoji="1" lang="en-US" altLang="zh-CN" dirty="0">
+              <a:rPr kumimoji="1" lang="zh-CN" altLang="en-US" dirty="0">
                 <a:solidFill>
                   <a:schemeClr val="tx1"/>
                 </a:solidFill>
               </a:rPr>
-              <a:t>The probability distributions we encounter in real tasks are much simpler than this. </a:t>
-            </a:r>
+              <a:t>在实际问题中我们遇到的概率分布远比这个简单。</a:t>
+            </a:r>
+            <a:endParaRPr kumimoji="1" lang="en-US" altLang="zh-CN" dirty="0">
+              <a:solidFill>
+                <a:schemeClr val="tx1"/>
+              </a:solidFill>
+            </a:endParaRPr>
           </a:p>
           <a:p>
             <a:pPr indent="0">
               <a:buNone/>
             </a:pPr>
             <a:r>
-              <a:rPr kumimoji="1" lang="en-US" altLang="zh-CN" dirty="0">
+              <a:rPr kumimoji="1" lang="zh-CN" altLang="en-US" dirty="0">
                 <a:solidFill>
                   <a:schemeClr val="tx1"/>
                 </a:solidFill>
               </a:rPr>
-              <a:t>Usually, most variables influence each other only indirectly.</a:t>
-            </a:r>
-            <a:endParaRPr kumimoji="1" lang="zh-CN" altLang="en-US" dirty="0">
-              <a:solidFill>
-                <a:schemeClr val="tx1"/>
-              </a:solidFill>
-            </a:endParaRPr>
+              <a:t>通常，许多变量只是间接的相互作用。</a:t>
+            </a:r>
           </a:p>
         </p:txBody>
       </p:sp>
@@ -18922,8 +21580,8 @@
         </p:nvSpPr>
         <p:spPr>
           <a:xfrm>
-            <a:off x="0" y="3779069"/>
-            <a:ext cx="8827124" cy="935544"/>
+            <a:off x="0" y="3779068"/>
+            <a:ext cx="8827124" cy="1858333"/>
           </a:xfrm>
           <a:prstGeom prst="rect">
             <a:avLst/>
@@ -18931,7 +21589,7 @@
         </p:spPr>
         <p:txBody>
           <a:bodyPr vert="horz" lIns="91440" tIns="45720" rIns="91440" bIns="45720" rtlCol="0">
-            <a:normAutofit fontScale="92500"/>
+            <a:normAutofit/>
           </a:bodyPr>
           <a:lstStyle>
             <a:lvl1pPr marL="457200" indent="-457200" algn="l" defTabSz="914400" rtl="0" eaLnBrk="1" latinLnBrk="0" hangingPunct="1">
@@ -19165,56 +21823,146 @@
               <a:buNone/>
             </a:pPr>
             <a:r>
+              <a:rPr kumimoji="1" lang="zh-CN" altLang="en-US" dirty="0">
+                <a:solidFill>
+                  <a:schemeClr val="tx1"/>
+                </a:solidFill>
+              </a:rPr>
+              <a:t>例如，我们想要对接力跑步比赛中一个队伍完成比赛的时间进行建模。</a:t>
+            </a:r>
+            <a:r>
               <a:rPr kumimoji="1" lang="en-US" altLang="zh-CN" dirty="0">
                 <a:solidFill>
                   <a:schemeClr val="tx1"/>
                 </a:solidFill>
               </a:rPr>
-              <a:t>For example, consider modeling the finishing times of a team in a relay race. Suppose the team consists of three runners, Alice, Bob, and Carol.</a:t>
-            </a:r>
+              <a:t> </a:t>
+            </a:r>
+            <a:r>
+              <a:rPr kumimoji="1" lang="zh-CN" altLang="en-US" dirty="0">
+                <a:solidFill>
+                  <a:schemeClr val="tx1"/>
+                </a:solidFill>
+              </a:rPr>
+              <a:t>假设这个队伍有三名成员： </a:t>
+            </a:r>
+            <a:r>
+              <a:rPr kumimoji="1" lang="en-US" altLang="zh-CN" dirty="0">
+                <a:solidFill>
+                  <a:schemeClr val="tx1"/>
+                </a:solidFill>
+              </a:rPr>
+              <a:t>Alice</a:t>
+            </a:r>
+            <a:r>
+              <a:rPr kumimoji="1" lang="zh-CN" altLang="en-US" dirty="0">
+                <a:solidFill>
+                  <a:schemeClr val="tx1"/>
+                </a:solidFill>
+              </a:rPr>
+              <a:t>， </a:t>
+            </a:r>
+            <a:r>
+              <a:rPr kumimoji="1" lang="en-US" altLang="zh-CN" dirty="0">
+                <a:solidFill>
+                  <a:schemeClr val="tx1"/>
+                </a:solidFill>
+              </a:rPr>
+              <a:t>Bob </a:t>
+            </a:r>
+            <a:r>
+              <a:rPr kumimoji="1" lang="zh-CN" altLang="en-US" dirty="0">
+                <a:solidFill>
+                  <a:schemeClr val="tx1"/>
+                </a:solidFill>
+              </a:rPr>
+              <a:t>和 </a:t>
+            </a:r>
+            <a:r>
+              <a:rPr kumimoji="1" lang="en-US" altLang="zh-CN" dirty="0">
+                <a:solidFill>
+                  <a:schemeClr val="tx1"/>
+                </a:solidFill>
+              </a:rPr>
+              <a:t>Carol</a:t>
+            </a:r>
+            <a:r>
+              <a:rPr kumimoji="1" lang="zh-CN" altLang="en-US" dirty="0">
+                <a:solidFill>
+                  <a:schemeClr val="tx1"/>
+                </a:solidFill>
+              </a:rPr>
+              <a:t>。</a:t>
+            </a:r>
+            <a:endParaRPr kumimoji="1" lang="en-US" altLang="zh-CN" dirty="0">
+              <a:solidFill>
+                <a:schemeClr val="tx1"/>
+              </a:solidFill>
+            </a:endParaRPr>
           </a:p>
           <a:p>
             <a:pPr indent="0">
               <a:buNone/>
             </a:pPr>
-            <a:endParaRPr kumimoji="1" lang="zh-CN" altLang="en-US" dirty="0">
-              <a:solidFill>
-                <a:schemeClr val="tx1"/>
-              </a:solidFill>
-            </a:endParaRPr>
+            <a:r>
+              <a:rPr kumimoji="1" lang="zh-CN" altLang="en-US" dirty="0">
+                <a:solidFill>
+                  <a:schemeClr val="tx1"/>
+                </a:solidFill>
+              </a:rPr>
+              <a:t>如果我们已经知道了</a:t>
+            </a:r>
+            <a:r>
+              <a:rPr kumimoji="1" lang="en-US" altLang="zh-CN" dirty="0">
+                <a:solidFill>
+                  <a:schemeClr val="tx1"/>
+                </a:solidFill>
+              </a:rPr>
+              <a:t>Bob</a:t>
+            </a:r>
+            <a:r>
+              <a:rPr kumimoji="1" lang="zh-CN" altLang="en-US" dirty="0">
+                <a:solidFill>
+                  <a:schemeClr val="tx1"/>
+                </a:solidFill>
+              </a:rPr>
+              <a:t>的完成时间，知道</a:t>
+            </a:r>
+            <a:r>
+              <a:rPr kumimoji="1" lang="en-US" altLang="zh-CN" dirty="0">
+                <a:solidFill>
+                  <a:schemeClr val="tx1"/>
+                </a:solidFill>
+              </a:rPr>
+              <a:t>Alice</a:t>
+            </a:r>
+            <a:r>
+              <a:rPr kumimoji="1" lang="zh-CN" altLang="en-US" dirty="0">
+                <a:solidFill>
+                  <a:schemeClr val="tx1"/>
+                </a:solidFill>
+              </a:rPr>
+              <a:t>的完成时间，对估计</a:t>
+            </a:r>
+            <a:r>
+              <a:rPr kumimoji="1" lang="en-US" altLang="zh-CN" dirty="0">
+                <a:solidFill>
+                  <a:schemeClr val="tx1"/>
+                </a:solidFill>
+              </a:rPr>
+              <a:t>Carol</a:t>
+            </a:r>
+            <a:r>
+              <a:rPr kumimoji="1" lang="zh-CN" altLang="en-US" dirty="0">
+                <a:solidFill>
+                  <a:schemeClr val="tx1"/>
+                </a:solidFill>
+              </a:rPr>
+              <a:t>的完成时间并没有任何帮助。</a:t>
+            </a:r>
           </a:p>
         </p:txBody>
       </p:sp>
-      <p:pic>
-        <p:nvPicPr>
-          <p:cNvPr id="2" name="图片 1">
-            <a:extLst>
-              <a:ext uri="{FF2B5EF4-FFF2-40B4-BE49-F238E27FC236}">
-                <a16:creationId xmlns:a16="http://schemas.microsoft.com/office/drawing/2014/main" id="{114F5BFE-3D31-403C-87D0-BB86382696AA}"/>
-              </a:ext>
-            </a:extLst>
-          </p:cNvPr>
-          <p:cNvPicPr>
-            <a:picLocks noChangeAspect="1"/>
-          </p:cNvPicPr>
-          <p:nvPr/>
-        </p:nvPicPr>
-        <p:blipFill>
-          <a:blip r:embed="rId2"/>
-          <a:stretch>
-            <a:fillRect/>
-          </a:stretch>
-        </p:blipFill>
-        <p:spPr>
-          <a:xfrm>
-            <a:off x="2012627" y="4714613"/>
-            <a:ext cx="3771900" cy="1152525"/>
-          </a:xfrm>
-          <a:prstGeom prst="rect">
-            <a:avLst/>
-          </a:prstGeom>
-        </p:spPr>
-      </p:pic>
     </p:spTree>
     <p:extLst>
       <p:ext uri="{BB962C8B-B14F-4D97-AF65-F5344CB8AC3E}">
@@ -19317,33 +22065,6 @@
                                   </p:childTnLst>
                                 </p:cTn>
                               </p:par>
-                              <p:par>
-                                <p:cTn id="11" presetID="1" presetClass="entr" presetSubtype="0" fill="hold" nodeType="withEffect">
-                                  <p:stCondLst>
-                                    <p:cond delay="0"/>
-                                  </p:stCondLst>
-                                  <p:childTnLst>
-                                    <p:set>
-                                      <p:cBhvr>
-                                        <p:cTn id="12" dur="1" fill="hold">
-                                          <p:stCondLst>
-                                            <p:cond delay="0"/>
-                                          </p:stCondLst>
-                                        </p:cTn>
-                                        <p:tgtEl>
-                                          <p:spTgt spid="2"/>
-                                        </p:tgtEl>
-                                        <p:attrNameLst>
-                                          <p:attrName>style.visibility</p:attrName>
-                                        </p:attrNameLst>
-                                      </p:cBhvr>
-                                      <p:to>
-                                        <p:strVal val="visible"/>
-                                      </p:to>
-                                    </p:set>
-                                  </p:childTnLst>
-                                </p:cTn>
-                              </p:par>
                             </p:childTnLst>
                           </p:cTn>
                         </p:par>
@@ -19379,7 +22100,7 @@
 </p:sld>
 </file>
 
-<file path=ppt/slides/slide22.xml><?xml version="1.0" encoding="utf-8"?>
+<file path=ppt/slides/slide23.xml><?xml version="1.0" encoding="utf-8"?>
 <p:sld xmlns:a="http://schemas.openxmlformats.org/drawingml/2006/main" xmlns:r="http://schemas.openxmlformats.org/officeDocument/2006/relationships" xmlns:p="http://schemas.openxmlformats.org/presentationml/2006/main">
   <p:cSld>
     <p:spTree>
@@ -19432,7 +22153,18 @@
                 <a:ea typeface="黑体"/>
                 <a:cs typeface="黑体"/>
               </a:rPr>
-              <a:t>3.3 Directed Models</a:t>
+              <a:t>3.3 </a:t>
+            </a:r>
+            <a:r>
+              <a:rPr lang="zh-CN" altLang="en-US" sz="4000" baseline="30000" dirty="0">
+                <a:solidFill>
+                  <a:schemeClr val="bg1"/>
+                </a:solidFill>
+                <a:latin typeface="黑体"/>
+                <a:ea typeface="黑体"/>
+                <a:cs typeface="黑体"/>
+              </a:rPr>
+              <a:t>有向模型</a:t>
             </a:r>
             <a:endParaRPr lang="ja-JP" altLang="en-US" sz="4000" baseline="30000" dirty="0">
               <a:solidFill>
@@ -19467,7 +22199,7 @@
         </p:blipFill>
         <p:spPr>
           <a:xfrm>
-            <a:off x="460664" y="1541393"/>
+            <a:off x="1842331" y="2431639"/>
             <a:ext cx="3771900" cy="1152525"/>
           </a:xfrm>
           <a:prstGeom prst="rect">
@@ -19491,8 +22223,8 @@
         </p:nvSpPr>
         <p:spPr>
           <a:xfrm>
-            <a:off x="0" y="2938936"/>
-            <a:ext cx="8827124" cy="1487425"/>
+            <a:off x="75501" y="5622812"/>
+            <a:ext cx="8718456" cy="750455"/>
           </a:xfrm>
           <a:prstGeom prst="rect">
             <a:avLst/>
@@ -19730,97 +22462,6 @@
             </a:lvl9pPr>
           </a:lstStyle>
           <a:p>
-            <a:pPr marL="540000" indent="-342900"/>
-            <a:r>
-              <a:rPr kumimoji="1" lang="en-US" altLang="zh-CN" dirty="0">
-                <a:solidFill>
-                  <a:schemeClr val="tx1"/>
-                </a:solidFill>
-              </a:rPr>
-              <a:t>﻿In general, our estimate of t</a:t>
-            </a:r>
-            <a:r>
-              <a:rPr kumimoji="1" lang="en-US" altLang="zh-CN" baseline="-25000" dirty="0">
-                <a:solidFill>
-                  <a:schemeClr val="tx1"/>
-                </a:solidFill>
-              </a:rPr>
-              <a:t>1</a:t>
-            </a:r>
-            <a:r>
-              <a:rPr kumimoji="1" lang="en-US" altLang="zh-CN" dirty="0">
-                <a:solidFill>
-                  <a:schemeClr val="tx1"/>
-                </a:solidFill>
-              </a:rPr>
-              <a:t> depends on t</a:t>
-            </a:r>
-            <a:r>
-              <a:rPr kumimoji="1" lang="en-US" altLang="zh-CN" baseline="-25000" dirty="0">
-                <a:solidFill>
-                  <a:schemeClr val="tx1"/>
-                </a:solidFill>
-              </a:rPr>
-              <a:t>0</a:t>
-            </a:r>
-            <a:r>
-              <a:rPr kumimoji="1" lang="en-US" altLang="zh-CN" dirty="0">
-                <a:solidFill>
-                  <a:schemeClr val="tx1"/>
-                </a:solidFill>
-              </a:rPr>
-              <a:t>. Our estimate of t</a:t>
-            </a:r>
-            <a:r>
-              <a:rPr kumimoji="1" lang="en-US" altLang="zh-CN" baseline="-25000" dirty="0">
-                <a:solidFill>
-                  <a:schemeClr val="tx1"/>
-                </a:solidFill>
-              </a:rPr>
-              <a:t>2</a:t>
-            </a:r>
-            <a:r>
-              <a:rPr kumimoji="1" lang="en-US" altLang="zh-CN" dirty="0">
-                <a:solidFill>
-                  <a:schemeClr val="tx1"/>
-                </a:solidFill>
-              </a:rPr>
-              <a:t> depends directly on t</a:t>
-            </a:r>
-            <a:r>
-              <a:rPr kumimoji="1" lang="en-US" altLang="zh-CN" baseline="-25000" dirty="0">
-                <a:solidFill>
-                  <a:schemeClr val="tx1"/>
-                </a:solidFill>
-              </a:rPr>
-              <a:t>1</a:t>
-            </a:r>
-            <a:r>
-              <a:rPr kumimoji="1" lang="en-US" altLang="zh-CN" dirty="0">
-                <a:solidFill>
-                  <a:schemeClr val="tx1"/>
-                </a:solidFill>
-              </a:rPr>
-              <a:t> but only indirectly on t</a:t>
-            </a:r>
-            <a:r>
-              <a:rPr kumimoji="1" lang="en-US" altLang="zh-CN" baseline="-25000" dirty="0">
-                <a:solidFill>
-                  <a:schemeClr val="tx1"/>
-                </a:solidFill>
-              </a:rPr>
-              <a:t>0</a:t>
-            </a:r>
-            <a:r>
-              <a:rPr kumimoji="1" lang="en-US" altLang="zh-CN" dirty="0">
-                <a:solidFill>
-                  <a:schemeClr val="tx1"/>
-                </a:solidFill>
-              </a:rPr>
-              <a:t>.</a:t>
-            </a:r>
-          </a:p>
-          <a:p>
             <a:pPr marL="540000" indent="0">
               <a:buNone/>
             </a:pPr>
@@ -20069,8 +22710,8 @@
           </a:p>
         </p:txBody>
       </p:sp>
-      <mc:AlternateContent xmlns:mc="http://schemas.openxmlformats.org/markup-compatibility/2006" xmlns:a14="http://schemas.microsoft.com/office/drawing/2010/main">
-        <mc:Choice Requires="a14">
+      <mc:AlternateContent xmlns:mc="http://schemas.openxmlformats.org/markup-compatibility/2006">
+        <mc:Choice xmlns:a14="http://schemas.microsoft.com/office/drawing/2010/main" Requires="a14">
           <p:sp>
             <p:nvSpPr>
               <p:cNvPr id="2" name="TextBox 1">
@@ -20085,7 +22726,7 @@
             </p:nvSpPr>
             <p:spPr>
               <a:xfrm>
-                <a:off x="657433" y="5348755"/>
+                <a:off x="741323" y="5067156"/>
                 <a:ext cx="2705356" cy="339708"/>
               </a:xfrm>
               <a:prstGeom prst="rect">
@@ -20273,7 +22914,7 @@
             </p:txBody>
           </p:sp>
         </mc:Choice>
-        <mc:Fallback xmlns="">
+        <mc:Fallback>
           <p:sp>
             <p:nvSpPr>
               <p:cNvPr id="2" name="TextBox 1">
@@ -20290,7 +22931,7 @@
             </p:nvSpPr>
             <p:spPr>
               <a:xfrm>
-                <a:off x="657433" y="5348755"/>
+                <a:off x="741323" y="5067156"/>
                 <a:ext cx="2705356" cy="339708"/>
               </a:xfrm>
               <a:prstGeom prst="rect">
@@ -20299,7 +22940,7 @@
               <a:blipFill>
                 <a:blip r:embed="rId3"/>
                 <a:stretch>
-                  <a:fillRect l="-5607" t="-142857" r="-3738" b="-210714"/>
+                  <a:fillRect l="-5869" t="-155357" r="-3837" b="-221429"/>
                 </a:stretch>
               </a:blipFill>
             </p:spPr>
@@ -20308,7 +22949,7 @@
               <a:lstStyle/>
               <a:p>
                 <a:r>
-                  <a:rPr lang="en-CN">
+                  <a:rPr lang="en-US">
                     <a:noFill/>
                   </a:rPr>
                   <a:t> </a:t>
@@ -20334,8 +22975,8 @@
         </p:nvSpPr>
         <p:spPr>
           <a:xfrm>
-            <a:off x="0" y="4446794"/>
-            <a:ext cx="8827124" cy="888534"/>
+            <a:off x="158438" y="3653817"/>
+            <a:ext cx="8827124" cy="1325641"/>
           </a:xfrm>
           <a:prstGeom prst="rect">
             <a:avLst/>
@@ -20343,7 +22984,7 @@
         </p:spPr>
         <p:txBody>
           <a:bodyPr vert="horz" lIns="91440" tIns="45720" rIns="91440" bIns="45720" rtlCol="0">
-            <a:normAutofit/>
+            <a:normAutofit fontScale="92500"/>
           </a:bodyPr>
           <a:lstStyle>
             <a:lvl1pPr marL="457200" indent="-457200" algn="l" defTabSz="914400" rtl="0" eaLnBrk="1" latinLnBrk="0" hangingPunct="1">
@@ -20580,7 +23221,103 @@
                   <a:schemeClr val="tx1"/>
                 </a:solidFill>
               </a:rPr>
-              <a:t>﻿In general, ﻿gives the parents of x</a:t>
+              <a:t>﻿</a:t>
+            </a:r>
+            <a:r>
+              <a:rPr kumimoji="1" lang="zh-CN" altLang="en-US" dirty="0">
+                <a:solidFill>
+                  <a:schemeClr val="tx1"/>
+                </a:solidFill>
+              </a:rPr>
+              <a:t>通常意义上讲</a:t>
+            </a:r>
+            <a:r>
+              <a:rPr kumimoji="1" lang="en-US" altLang="zh-CN" dirty="0">
+                <a:solidFill>
+                  <a:schemeClr val="tx1"/>
+                </a:solidFill>
+              </a:rPr>
+              <a:t>, ﻿X</a:t>
+            </a:r>
+            <a:r>
+              <a:rPr kumimoji="1" lang="zh-CN" altLang="en-US" dirty="0">
+                <a:solidFill>
+                  <a:schemeClr val="tx1"/>
+                </a:solidFill>
+              </a:rPr>
+              <a:t>的有向概率模型是通过有向无环图</a:t>
+            </a:r>
+            <a:r>
+              <a:rPr kumimoji="1" lang="en-US" altLang="zh-CN" dirty="0">
+                <a:solidFill>
+                  <a:schemeClr val="tx1"/>
+                </a:solidFill>
+              </a:rPr>
+              <a:t>G</a:t>
+            </a:r>
+            <a:r>
+              <a:rPr kumimoji="1" lang="zh-CN" altLang="en-US" dirty="0">
+                <a:solidFill>
+                  <a:schemeClr val="tx1"/>
+                </a:solidFill>
+              </a:rPr>
+              <a:t>和一系列局部条件概率分布</a:t>
+            </a:r>
+            <a:r>
+              <a:rPr kumimoji="1" lang="en-US" altLang="zh-CN" dirty="0">
+                <a:solidFill>
+                  <a:schemeClr val="tx1"/>
+                </a:solidFill>
+              </a:rPr>
+              <a:t>p(</a:t>
+            </a:r>
+            <a:r>
+              <a:rPr kumimoji="1" lang="en-US" altLang="zh-CN" dirty="0" err="1">
+                <a:solidFill>
+                  <a:schemeClr val="tx1"/>
+                </a:solidFill>
+              </a:rPr>
+              <a:t>x</a:t>
+            </a:r>
+            <a:r>
+              <a:rPr kumimoji="1" lang="en-US" altLang="zh-CN" baseline="-25000" dirty="0" err="1">
+                <a:solidFill>
+                  <a:schemeClr val="tx1"/>
+                </a:solidFill>
+              </a:rPr>
+              <a:t>i</a:t>
+            </a:r>
+            <a:r>
+              <a:rPr kumimoji="1" lang="en-US" altLang="zh-CN" dirty="0" err="1">
+                <a:solidFill>
+                  <a:schemeClr val="tx1"/>
+                </a:solidFill>
+              </a:rPr>
+              <a:t>|P</a:t>
+            </a:r>
+            <a:r>
+              <a:rPr kumimoji="1" lang="en-US" altLang="zh-CN" baseline="-25000" dirty="0" err="1">
+                <a:solidFill>
+                  <a:schemeClr val="tx1"/>
+                </a:solidFill>
+              </a:rPr>
+              <a:t>a</a:t>
+            </a:r>
+            <a:r>
+              <a:rPr kumimoji="1" lang="en-US" altLang="zh-CN" dirty="0" err="1">
+                <a:solidFill>
+                  <a:schemeClr val="tx1"/>
+                </a:solidFill>
+              </a:rPr>
+              <a:t>g</a:t>
+            </a:r>
+            <a:r>
+              <a:rPr kumimoji="1" lang="en-US" altLang="zh-CN" dirty="0">
+                <a:solidFill>
+                  <a:schemeClr val="tx1"/>
+                </a:solidFill>
+              </a:rPr>
+              <a:t>(x</a:t>
             </a:r>
             <a:r>
               <a:rPr kumimoji="1" lang="en-US" altLang="zh-CN" baseline="-25000" dirty="0">
@@ -20596,8 +23333,133 @@
                   <a:schemeClr val="tx1"/>
                 </a:solidFill>
               </a:rPr>
-              <a:t> in G. The probability distribution over x is given by</a:t>
-            </a:r>
+              <a:t>))</a:t>
+            </a:r>
+            <a:r>
+              <a:rPr kumimoji="1" lang="zh-CN" altLang="en-US" dirty="0">
+                <a:solidFill>
+                  <a:schemeClr val="tx1"/>
+                </a:solidFill>
+              </a:rPr>
+              <a:t>来定义的</a:t>
+            </a:r>
+            <a:r>
+              <a:rPr kumimoji="1" lang="en-US" altLang="zh-CN" dirty="0">
+                <a:solidFill>
+                  <a:schemeClr val="tx1"/>
+                </a:solidFill>
+              </a:rPr>
+              <a:t>. </a:t>
+            </a:r>
+            <a:r>
+              <a:rPr kumimoji="1" lang="zh-CN" altLang="en-US" dirty="0">
+                <a:solidFill>
+                  <a:schemeClr val="tx1"/>
+                </a:solidFill>
+              </a:rPr>
+              <a:t>其中，</a:t>
+            </a:r>
+            <a:r>
+              <a:rPr kumimoji="1" lang="en-US" altLang="zh-CN" dirty="0">
+                <a:solidFill>
+                  <a:schemeClr val="tx1"/>
+                </a:solidFill>
+              </a:rPr>
+              <a:t>P</a:t>
+            </a:r>
+            <a:r>
+              <a:rPr kumimoji="1" lang="en-US" altLang="zh-CN" baseline="-25000" dirty="0">
+                <a:solidFill>
+                  <a:schemeClr val="tx1"/>
+                </a:solidFill>
+              </a:rPr>
+              <a:t>a</a:t>
+            </a:r>
+            <a:r>
+              <a:rPr kumimoji="1" lang="en-US" altLang="zh-CN" dirty="0">
+                <a:solidFill>
+                  <a:schemeClr val="tx1"/>
+                </a:solidFill>
+              </a:rPr>
+              <a:t>g(x</a:t>
+            </a:r>
+            <a:r>
+              <a:rPr kumimoji="1" lang="en-US" altLang="zh-CN" baseline="-25000" dirty="0">
+                <a:solidFill>
+                  <a:schemeClr val="tx1"/>
+                </a:solidFill>
+              </a:rPr>
+              <a:t>i</a:t>
+            </a:r>
+            <a:r>
+              <a:rPr kumimoji="1" lang="en-US" altLang="zh-CN" dirty="0">
+                <a:solidFill>
+                  <a:schemeClr val="tx1"/>
+                </a:solidFill>
+              </a:rPr>
+              <a:t>)</a:t>
+            </a:r>
+            <a:r>
+              <a:rPr kumimoji="1" lang="zh-CN" altLang="en-US" dirty="0">
+                <a:solidFill>
+                  <a:schemeClr val="tx1"/>
+                </a:solidFill>
+              </a:rPr>
+              <a:t>表示</a:t>
+            </a:r>
+            <a:r>
+              <a:rPr kumimoji="1" lang="en-US" altLang="zh-CN" dirty="0">
+                <a:solidFill>
+                  <a:schemeClr val="tx1"/>
+                </a:solidFill>
+              </a:rPr>
+              <a:t>x</a:t>
+            </a:r>
+            <a:r>
+              <a:rPr kumimoji="1" lang="en-US" altLang="zh-CN" baseline="-25000" dirty="0">
+                <a:solidFill>
+                  <a:schemeClr val="tx1"/>
+                </a:solidFill>
+              </a:rPr>
+              <a:t>i</a:t>
+            </a:r>
+            <a:r>
+              <a:rPr kumimoji="1" lang="zh-CN" altLang="en-US" dirty="0">
+                <a:solidFill>
+                  <a:schemeClr val="tx1"/>
+                </a:solidFill>
+              </a:rPr>
+              <a:t>的所有父节点。</a:t>
+            </a:r>
+            <a:endParaRPr kumimoji="1" lang="en-US" altLang="zh-CN" dirty="0">
+              <a:solidFill>
+                <a:schemeClr val="tx1"/>
+              </a:solidFill>
+            </a:endParaRPr>
+          </a:p>
+          <a:p>
+            <a:pPr marL="540000" indent="-342900"/>
+            <a:r>
+              <a:rPr kumimoji="1" lang="en-US" altLang="zh-CN" dirty="0">
+                <a:solidFill>
+                  <a:schemeClr val="tx1"/>
+                </a:solidFill>
+              </a:rPr>
+              <a:t>X</a:t>
+            </a:r>
+            <a:r>
+              <a:rPr kumimoji="1" lang="zh-CN" altLang="en-US" dirty="0">
+                <a:solidFill>
+                  <a:schemeClr val="tx1"/>
+                </a:solidFill>
+              </a:rPr>
+              <a:t>的概率分布可以表示为</a:t>
+            </a:r>
+            <a:endParaRPr kumimoji="1" lang="en-US" altLang="zh-CN" dirty="0">
+              <a:solidFill>
+                <a:schemeClr val="tx1"/>
+              </a:solidFill>
+            </a:endParaRPr>
           </a:p>
           <a:p>
             <a:pPr indent="0">
@@ -20643,6 +23505,489 @@
           </a:p>
         </p:txBody>
       </p:sp>
+      <p:sp>
+        <p:nvSpPr>
+          <p:cNvPr id="8" name="内容占位符 4">
+            <a:extLst>
+              <a:ext uri="{FF2B5EF4-FFF2-40B4-BE49-F238E27FC236}">
+                <a16:creationId xmlns:a16="http://schemas.microsoft.com/office/drawing/2014/main" id="{A66F52B6-F701-431C-96E9-E4EC052C3E48}"/>
+              </a:ext>
+            </a:extLst>
+          </p:cNvPr>
+          <p:cNvSpPr txBox="1">
+            <a:spLocks/>
+          </p:cNvSpPr>
+          <p:nvPr/>
+        </p:nvSpPr>
+        <p:spPr>
+          <a:xfrm>
+            <a:off x="-33167" y="1381749"/>
+            <a:ext cx="8827124" cy="1029457"/>
+          </a:xfrm>
+          <a:prstGeom prst="rect">
+            <a:avLst/>
+          </a:prstGeom>
+        </p:spPr>
+        <p:txBody>
+          <a:bodyPr vert="horz" lIns="91440" tIns="45720" rIns="91440" bIns="45720" rtlCol="0">
+            <a:normAutofit fontScale="85000" lnSpcReduction="10000"/>
+          </a:bodyPr>
+          <a:lstStyle>
+            <a:lvl1pPr marL="457200" indent="-457200" algn="l" defTabSz="914400" rtl="0" eaLnBrk="1" latinLnBrk="0" hangingPunct="1">
+              <a:spcBef>
+                <a:spcPts val="2000"/>
+              </a:spcBef>
+              <a:buClr>
+                <a:schemeClr val="tx1">
+                  <a:lumMod val="75000"/>
+                  <a:lumOff val="25000"/>
+                </a:schemeClr>
+              </a:buClr>
+              <a:buSzPct val="75000"/>
+              <a:buFont typeface="Wingdings 2" pitchFamily="18" charset="2"/>
+              <a:buChar char=""/>
+              <a:defRPr sz="2200" kern="1200">
+                <a:solidFill>
+                  <a:schemeClr val="tx1">
+                    <a:lumMod val="75000"/>
+                    <a:lumOff val="25000"/>
+                  </a:schemeClr>
+                </a:solidFill>
+                <a:latin typeface="+mn-lt"/>
+                <a:ea typeface="+mn-ea"/>
+                <a:cs typeface="+mn-cs"/>
+              </a:defRPr>
+            </a:lvl1pPr>
+            <a:lvl2pPr marL="914400" indent="-457200" algn="l" defTabSz="914400" rtl="0" eaLnBrk="1" latinLnBrk="0" hangingPunct="1">
+              <a:spcBef>
+                <a:spcPts val="600"/>
+              </a:spcBef>
+              <a:buClr>
+                <a:schemeClr val="tx1">
+                  <a:lumMod val="50000"/>
+                  <a:lumOff val="50000"/>
+                </a:schemeClr>
+              </a:buClr>
+              <a:buSzPct val="75000"/>
+              <a:buFont typeface="Wingdings 2" pitchFamily="18" charset="2"/>
+              <a:buChar char=""/>
+              <a:defRPr sz="2000" kern="1200">
+                <a:solidFill>
+                  <a:schemeClr val="tx1">
+                    <a:lumMod val="75000"/>
+                    <a:lumOff val="25000"/>
+                  </a:schemeClr>
+                </a:solidFill>
+                <a:latin typeface="+mn-lt"/>
+                <a:ea typeface="+mn-ea"/>
+                <a:cs typeface="+mn-cs"/>
+              </a:defRPr>
+            </a:lvl2pPr>
+            <a:lvl3pPr marL="1371600" indent="-457200" algn="l" defTabSz="914400" rtl="0" eaLnBrk="1" latinLnBrk="0" hangingPunct="1">
+              <a:spcBef>
+                <a:spcPts val="600"/>
+              </a:spcBef>
+              <a:buClr>
+                <a:schemeClr val="tx1">
+                  <a:lumMod val="75000"/>
+                  <a:lumOff val="25000"/>
+                </a:schemeClr>
+              </a:buClr>
+              <a:buSzPct val="75000"/>
+              <a:buFont typeface="Wingdings 2" pitchFamily="18" charset="2"/>
+              <a:buChar char=""/>
+              <a:defRPr sz="1800" kern="1200">
+                <a:solidFill>
+                  <a:schemeClr val="tx1">
+                    <a:lumMod val="75000"/>
+                    <a:lumOff val="25000"/>
+                  </a:schemeClr>
+                </a:solidFill>
+                <a:latin typeface="+mn-lt"/>
+                <a:ea typeface="+mn-ea"/>
+                <a:cs typeface="+mn-cs"/>
+              </a:defRPr>
+            </a:lvl3pPr>
+            <a:lvl4pPr marL="1828800" indent="-457200" algn="l" defTabSz="914400" rtl="0" eaLnBrk="1" latinLnBrk="0" hangingPunct="1">
+              <a:spcBef>
+                <a:spcPts val="600"/>
+              </a:spcBef>
+              <a:buClr>
+                <a:schemeClr val="tx1">
+                  <a:lumMod val="50000"/>
+                  <a:lumOff val="50000"/>
+                </a:schemeClr>
+              </a:buClr>
+              <a:buSzPct val="75000"/>
+              <a:buFont typeface="Wingdings 2" pitchFamily="18" charset="2"/>
+              <a:buChar char=""/>
+              <a:defRPr sz="1800" kern="1200">
+                <a:solidFill>
+                  <a:schemeClr val="tx1">
+                    <a:lumMod val="75000"/>
+                    <a:lumOff val="25000"/>
+                  </a:schemeClr>
+                </a:solidFill>
+                <a:latin typeface="+mn-lt"/>
+                <a:ea typeface="+mn-ea"/>
+                <a:cs typeface="+mn-cs"/>
+              </a:defRPr>
+            </a:lvl4pPr>
+            <a:lvl5pPr marL="2286000" indent="-457200" algn="l" defTabSz="914400" rtl="0" eaLnBrk="1" latinLnBrk="0" hangingPunct="1">
+              <a:spcBef>
+                <a:spcPts val="600"/>
+              </a:spcBef>
+              <a:buClr>
+                <a:schemeClr val="tx1">
+                  <a:lumMod val="75000"/>
+                  <a:lumOff val="25000"/>
+                </a:schemeClr>
+              </a:buClr>
+              <a:buSzPct val="75000"/>
+              <a:buFont typeface="Wingdings 2" pitchFamily="18" charset="2"/>
+              <a:buChar char=""/>
+              <a:defRPr sz="1800" kern="1200">
+                <a:solidFill>
+                  <a:schemeClr val="tx1">
+                    <a:lumMod val="75000"/>
+                    <a:lumOff val="25000"/>
+                  </a:schemeClr>
+                </a:solidFill>
+                <a:latin typeface="+mn-lt"/>
+                <a:ea typeface="+mn-ea"/>
+                <a:cs typeface="+mn-cs"/>
+              </a:defRPr>
+            </a:lvl5pPr>
+            <a:lvl6pPr marL="2743200" indent="-461963" algn="l" defTabSz="914400" rtl="0" eaLnBrk="1" latinLnBrk="0" hangingPunct="1">
+              <a:spcBef>
+                <a:spcPct val="20000"/>
+              </a:spcBef>
+              <a:buClr>
+                <a:schemeClr val="tx1">
+                  <a:lumMod val="50000"/>
+                  <a:lumOff val="50000"/>
+                </a:schemeClr>
+              </a:buClr>
+              <a:buSzPct val="75000"/>
+              <a:buFont typeface="Wingdings 2" pitchFamily="18" charset="2"/>
+              <a:buChar char=""/>
+              <a:defRPr lang="en-US" sz="1800" kern="1200" dirty="0" smtClean="0">
+                <a:solidFill>
+                  <a:schemeClr val="tx1">
+                    <a:lumMod val="75000"/>
+                    <a:lumOff val="25000"/>
+                  </a:schemeClr>
+                </a:solidFill>
+                <a:latin typeface="+mn-lt"/>
+                <a:ea typeface="+mn-ea"/>
+                <a:cs typeface="+mn-cs"/>
+              </a:defRPr>
+            </a:lvl6pPr>
+            <a:lvl7pPr marL="3205163" indent="-461963" algn="l" defTabSz="914400" rtl="0" eaLnBrk="1" latinLnBrk="0" hangingPunct="1">
+              <a:spcBef>
+                <a:spcPct val="20000"/>
+              </a:spcBef>
+              <a:buClr>
+                <a:schemeClr val="tx1">
+                  <a:lumMod val="75000"/>
+                  <a:lumOff val="25000"/>
+                </a:schemeClr>
+              </a:buClr>
+              <a:buSzPct val="75000"/>
+              <a:buFont typeface="Wingdings 2" pitchFamily="18" charset="2"/>
+              <a:buChar char=""/>
+              <a:defRPr lang="en-US" sz="1800" kern="1200" dirty="0" smtClean="0">
+                <a:solidFill>
+                  <a:schemeClr val="tx1">
+                    <a:lumMod val="75000"/>
+                    <a:lumOff val="25000"/>
+                  </a:schemeClr>
+                </a:solidFill>
+                <a:latin typeface="+mn-lt"/>
+                <a:ea typeface="+mn-ea"/>
+                <a:cs typeface="+mn-cs"/>
+              </a:defRPr>
+            </a:lvl7pPr>
+            <a:lvl8pPr marL="3657600" indent="-461963" algn="l" defTabSz="914400" rtl="0" eaLnBrk="1" latinLnBrk="0" hangingPunct="1">
+              <a:spcBef>
+                <a:spcPct val="20000"/>
+              </a:spcBef>
+              <a:buClr>
+                <a:schemeClr val="tx1">
+                  <a:lumMod val="50000"/>
+                  <a:lumOff val="50000"/>
+                </a:schemeClr>
+              </a:buClr>
+              <a:buSzPct val="75000"/>
+              <a:buFont typeface="Wingdings 2" pitchFamily="18" charset="2"/>
+              <a:buChar char=""/>
+              <a:defRPr lang="en-US" sz="1800" kern="1200" dirty="0" smtClean="0">
+                <a:solidFill>
+                  <a:schemeClr val="tx1">
+                    <a:lumMod val="75000"/>
+                    <a:lumOff val="25000"/>
+                  </a:schemeClr>
+                </a:solidFill>
+                <a:latin typeface="+mn-lt"/>
+                <a:ea typeface="+mn-ea"/>
+                <a:cs typeface="+mn-cs"/>
+              </a:defRPr>
+            </a:lvl8pPr>
+            <a:lvl9pPr marL="4119563" indent="-461963" algn="l" defTabSz="914400" rtl="0" eaLnBrk="1" latinLnBrk="0" hangingPunct="1">
+              <a:spcBef>
+                <a:spcPct val="20000"/>
+              </a:spcBef>
+              <a:buClr>
+                <a:schemeClr val="tx1">
+                  <a:lumMod val="75000"/>
+                  <a:lumOff val="25000"/>
+                </a:schemeClr>
+              </a:buClr>
+              <a:buSzPct val="75000"/>
+              <a:buFont typeface="Wingdings 2" pitchFamily="18" charset="2"/>
+              <a:buChar char=""/>
+              <a:defRPr lang="en-US" sz="1800" kern="1200" dirty="0">
+                <a:solidFill>
+                  <a:schemeClr val="tx1">
+                    <a:lumMod val="75000"/>
+                    <a:lumOff val="25000"/>
+                  </a:schemeClr>
+                </a:solidFill>
+                <a:latin typeface="+mn-lt"/>
+                <a:ea typeface="+mn-ea"/>
+                <a:cs typeface="+mn-cs"/>
+              </a:defRPr>
+            </a:lvl9pPr>
+          </a:lstStyle>
+          <a:p>
+            <a:pPr marL="540000" indent="-342900"/>
+            <a:r>
+              <a:rPr kumimoji="1" lang="zh-CN" altLang="en-US" dirty="0">
+                <a:solidFill>
+                  <a:schemeClr val="tx1"/>
+                </a:solidFill>
+              </a:rPr>
+              <a:t>假设三者的完成时间分别为：</a:t>
+            </a:r>
+            <a:r>
+              <a:rPr kumimoji="1" lang="en-US" altLang="zh-CN" dirty="0">
+                <a:solidFill>
+                  <a:schemeClr val="tx1"/>
+                </a:solidFill>
+              </a:rPr>
+              <a:t> t</a:t>
+            </a:r>
+            <a:r>
+              <a:rPr kumimoji="1" lang="en-US" altLang="zh-CN" baseline="-25000" dirty="0">
+                <a:solidFill>
+                  <a:schemeClr val="tx1"/>
+                </a:solidFill>
+              </a:rPr>
+              <a:t>0</a:t>
+            </a:r>
+            <a:r>
+              <a:rPr kumimoji="1" lang="en-US" altLang="zh-CN" dirty="0">
+                <a:solidFill>
+                  <a:schemeClr val="tx1"/>
+                </a:solidFill>
+              </a:rPr>
+              <a:t>, t</a:t>
+            </a:r>
+            <a:r>
+              <a:rPr kumimoji="1" lang="en-US" altLang="zh-CN" baseline="-25000" dirty="0">
+                <a:solidFill>
+                  <a:schemeClr val="tx1"/>
+                </a:solidFill>
+              </a:rPr>
+              <a:t>1</a:t>
+            </a:r>
+            <a:r>
+              <a:rPr kumimoji="1" lang="en-US" altLang="zh-CN" dirty="0">
+                <a:solidFill>
+                  <a:schemeClr val="tx1"/>
+                </a:solidFill>
+              </a:rPr>
+              <a:t> , t</a:t>
+            </a:r>
+            <a:r>
+              <a:rPr kumimoji="1" lang="en-US" altLang="zh-CN" baseline="-25000" dirty="0">
+                <a:solidFill>
+                  <a:schemeClr val="tx1"/>
+                </a:solidFill>
+              </a:rPr>
+              <a:t>2</a:t>
+            </a:r>
+            <a:r>
+              <a:rPr kumimoji="1" lang="en-US" altLang="zh-CN" dirty="0">
+                <a:solidFill>
+                  <a:schemeClr val="tx1"/>
+                </a:solidFill>
+              </a:rPr>
+              <a:t> </a:t>
+            </a:r>
+            <a:r>
+              <a:rPr kumimoji="1" lang="zh-CN" altLang="en-US" dirty="0">
+                <a:solidFill>
+                  <a:schemeClr val="tx1"/>
+                </a:solidFill>
+              </a:rPr>
+              <a:t>。</a:t>
+            </a:r>
+            <a:endParaRPr kumimoji="1" lang="en-US" altLang="zh-CN" dirty="0">
+              <a:solidFill>
+                <a:schemeClr val="tx1"/>
+              </a:solidFill>
+            </a:endParaRPr>
+          </a:p>
+          <a:p>
+            <a:pPr marL="540000" indent="-342900"/>
+            <a:r>
+              <a:rPr kumimoji="1" lang="zh-CN" altLang="en-US" dirty="0">
+                <a:solidFill>
+                  <a:schemeClr val="tx1"/>
+                </a:solidFill>
+              </a:rPr>
+              <a:t>显然</a:t>
+            </a:r>
+            <a:r>
+              <a:rPr kumimoji="1" lang="en-US" altLang="zh-CN" dirty="0">
+                <a:solidFill>
+                  <a:schemeClr val="tx1"/>
+                </a:solidFill>
+              </a:rPr>
+              <a:t>, t</a:t>
+            </a:r>
+            <a:r>
+              <a:rPr kumimoji="1" lang="en-US" altLang="zh-CN" baseline="-25000" dirty="0">
+                <a:solidFill>
+                  <a:schemeClr val="tx1"/>
+                </a:solidFill>
+              </a:rPr>
+              <a:t>1</a:t>
+            </a:r>
+            <a:r>
+              <a:rPr kumimoji="1" lang="en-US" altLang="zh-CN" dirty="0">
+                <a:solidFill>
+                  <a:schemeClr val="tx1"/>
+                </a:solidFill>
+              </a:rPr>
+              <a:t> </a:t>
+            </a:r>
+            <a:r>
+              <a:rPr kumimoji="1" lang="zh-CN" altLang="en-US" dirty="0">
+                <a:solidFill>
+                  <a:schemeClr val="tx1"/>
+                </a:solidFill>
+              </a:rPr>
+              <a:t>的估计依赖于</a:t>
+            </a:r>
+            <a:r>
+              <a:rPr kumimoji="1" lang="en-US" altLang="zh-CN" dirty="0">
+                <a:solidFill>
+                  <a:schemeClr val="tx1"/>
+                </a:solidFill>
+              </a:rPr>
+              <a:t> t</a:t>
+            </a:r>
+            <a:r>
+              <a:rPr kumimoji="1" lang="en-US" altLang="zh-CN" baseline="-25000" dirty="0">
+                <a:solidFill>
+                  <a:schemeClr val="tx1"/>
+                </a:solidFill>
+              </a:rPr>
+              <a:t>0</a:t>
+            </a:r>
+            <a:r>
+              <a:rPr kumimoji="1" lang="en-US" altLang="zh-CN" dirty="0">
+                <a:solidFill>
+                  <a:schemeClr val="tx1"/>
+                </a:solidFill>
+              </a:rPr>
+              <a:t>. t</a:t>
+            </a:r>
+            <a:r>
+              <a:rPr kumimoji="1" lang="en-US" altLang="zh-CN" baseline="-25000" dirty="0">
+                <a:solidFill>
+                  <a:schemeClr val="tx1"/>
+                </a:solidFill>
+              </a:rPr>
+              <a:t>2</a:t>
+            </a:r>
+            <a:r>
+              <a:rPr kumimoji="1" lang="en-US" altLang="zh-CN" dirty="0">
+                <a:solidFill>
+                  <a:schemeClr val="tx1"/>
+                </a:solidFill>
+              </a:rPr>
+              <a:t> </a:t>
+            </a:r>
+            <a:r>
+              <a:rPr kumimoji="1" lang="zh-CN" altLang="en-US" dirty="0">
+                <a:solidFill>
+                  <a:schemeClr val="tx1"/>
+                </a:solidFill>
+              </a:rPr>
+              <a:t>的估计直接依赖于</a:t>
+            </a:r>
+            <a:r>
+              <a:rPr kumimoji="1" lang="en-US" altLang="zh-CN" dirty="0">
+                <a:solidFill>
+                  <a:schemeClr val="tx1"/>
+                </a:solidFill>
+              </a:rPr>
+              <a:t> t</a:t>
+            </a:r>
+            <a:r>
+              <a:rPr kumimoji="1" lang="en-US" altLang="zh-CN" baseline="-25000" dirty="0">
+                <a:solidFill>
+                  <a:schemeClr val="tx1"/>
+                </a:solidFill>
+              </a:rPr>
+              <a:t>1</a:t>
+            </a:r>
+            <a:r>
+              <a:rPr kumimoji="1" lang="en-US" altLang="zh-CN" dirty="0">
+                <a:solidFill>
+                  <a:schemeClr val="tx1"/>
+                </a:solidFill>
+              </a:rPr>
+              <a:t> </a:t>
+            </a:r>
+            <a:r>
+              <a:rPr kumimoji="1" lang="zh-CN" altLang="en-US" dirty="0">
+                <a:solidFill>
+                  <a:schemeClr val="tx1"/>
+                </a:solidFill>
+              </a:rPr>
+              <a:t>，但是仅仅间接的依赖于</a:t>
+            </a:r>
+            <a:r>
+              <a:rPr kumimoji="1" lang="en-US" altLang="zh-CN" dirty="0">
+                <a:solidFill>
+                  <a:schemeClr val="tx1"/>
+                </a:solidFill>
+              </a:rPr>
+              <a:t> t</a:t>
+            </a:r>
+            <a:r>
+              <a:rPr kumimoji="1" lang="en-US" altLang="zh-CN" baseline="-25000" dirty="0">
+                <a:solidFill>
+                  <a:schemeClr val="tx1"/>
+                </a:solidFill>
+              </a:rPr>
+              <a:t>0</a:t>
+            </a:r>
+            <a:r>
+              <a:rPr kumimoji="1" lang="en-US" altLang="zh-CN" dirty="0">
+                <a:solidFill>
+                  <a:schemeClr val="tx1"/>
+                </a:solidFill>
+              </a:rPr>
+              <a:t>.</a:t>
+            </a:r>
+          </a:p>
+        </p:txBody>
+      </p:sp>
     </p:spTree>
     <p:extLst>
       <p:ext uri="{BB962C8B-B14F-4D97-AF65-F5344CB8AC3E}">
@@ -20665,6 +24010,9 @@
                     <p:cTn id="3" fill="hold">
                       <p:stCondLst>
                         <p:cond delay="indefinite"/>
+                        <p:cond evt="onBegin" delay="0">
+                          <p:tn val="2"/>
+                        </p:cond>
                       </p:stCondLst>
                       <p:childTnLst>
                         <p:par>
@@ -20674,7 +24022,7 @@
                             </p:stCondLst>
                             <p:childTnLst>
                               <p:par>
-                                <p:cTn id="5" presetID="1" presetClass="entr" presetSubtype="0" fill="hold" nodeType="clickEffect">
+                                <p:cTn id="5" presetID="1" presetClass="entr" presetSubtype="0" fill="hold" grpId="0" nodeType="withEffect">
                                   <p:stCondLst>
                                     <p:cond delay="0"/>
                                   </p:stCondLst>
@@ -20682,33 +24030,6 @@
                                     <p:set>
                                       <p:cBhvr>
                                         <p:cTn id="6" dur="1" fill="hold">
-                                          <p:stCondLst>
-                                            <p:cond delay="0"/>
-                                          </p:stCondLst>
-                                        </p:cTn>
-                                        <p:tgtEl>
-                                          <p:spTgt spid="6"/>
-                                        </p:tgtEl>
-                                        <p:attrNameLst>
-                                          <p:attrName>style.visibility</p:attrName>
-                                        </p:attrNameLst>
-                                      </p:cBhvr>
-                                      <p:to>
-                                        <p:strVal val="visible"/>
-                                      </p:to>
-                                    </p:set>
-                                  </p:childTnLst>
-                                </p:cTn>
-                              </p:par>
-                              <p:par>
-                                <p:cTn id="7" presetID="1" presetClass="entr" presetSubtype="0" fill="hold" grpId="0" nodeType="withEffect">
-                                  <p:stCondLst>
-                                    <p:cond delay="0"/>
-                                  </p:stCondLst>
-                                  <p:childTnLst>
-                                    <p:set>
-                                      <p:cBhvr>
-                                        <p:cTn id="8" dur="1" fill="hold">
                                           <p:stCondLst>
                                             <p:cond delay="0"/>
                                           </p:stCondLst>
@@ -20734,19 +24055,46 @@
                     </p:cTn>
                   </p:par>
                   <p:par>
-                    <p:cTn id="9" fill="hold">
+                    <p:cTn id="7" fill="hold">
                       <p:stCondLst>
                         <p:cond delay="indefinite"/>
                       </p:stCondLst>
                       <p:childTnLst>
                         <p:par>
-                          <p:cTn id="10" fill="hold">
+                          <p:cTn id="8" fill="hold">
                             <p:stCondLst>
                               <p:cond delay="0"/>
                             </p:stCondLst>
                             <p:childTnLst>
                               <p:par>
-                                <p:cTn id="11" presetID="1" presetClass="entr" presetSubtype="0" fill="hold" grpId="0" nodeType="clickEffect">
+                                <p:cTn id="9" presetID="1" presetClass="entr" presetSubtype="0" fill="hold" nodeType="clickEffect">
+                                  <p:stCondLst>
+                                    <p:cond delay="0"/>
+                                  </p:stCondLst>
+                                  <p:childTnLst>
+                                    <p:set>
+                                      <p:cBhvr>
+                                        <p:cTn id="10" dur="1" fill="hold">
+                                          <p:stCondLst>
+                                            <p:cond delay="0"/>
+                                          </p:stCondLst>
+                                        </p:cTn>
+                                        <p:tgtEl>
+                                          <p:spTgt spid="6"/>
+                                        </p:tgtEl>
+                                        <p:attrNameLst>
+                                          <p:attrName>style.visibility</p:attrName>
+                                        </p:attrNameLst>
+                                      </p:cBhvr>
+                                      <p:to>
+                                        <p:strVal val="visible"/>
+                                      </p:to>
+                                    </p:set>
+                                  </p:childTnLst>
+                                </p:cTn>
+                              </p:par>
+                              <p:par>
+                                <p:cTn id="11" presetID="1" presetClass="entr" presetSubtype="0" fill="hold" grpId="0" nodeType="withEffect">
                                   <p:stCondLst>
                                     <p:cond delay="0"/>
                                   </p:stCondLst>
@@ -20754,6 +24102,51 @@
                                     <p:set>
                                       <p:cBhvr>
                                         <p:cTn id="12" dur="1" fill="hold">
+                                          <p:stCondLst>
+                                            <p:cond delay="0"/>
+                                          </p:stCondLst>
+                                        </p:cTn>
+                                        <p:tgtEl>
+                                          <p:spTgt spid="8"/>
+                                        </p:tgtEl>
+                                        <p:attrNameLst>
+                                          <p:attrName>style.visibility</p:attrName>
+                                        </p:attrNameLst>
+                                      </p:cBhvr>
+                                      <p:to>
+                                        <p:strVal val="visible"/>
+                                      </p:to>
+                                    </p:set>
+                                  </p:childTnLst>
+                                </p:cTn>
+                              </p:par>
+                            </p:childTnLst>
+                          </p:cTn>
+                        </p:par>
+                      </p:childTnLst>
+                    </p:cTn>
+                  </p:par>
+                  <p:par>
+                    <p:cTn id="13" fill="hold">
+                      <p:stCondLst>
+                        <p:cond delay="indefinite"/>
+                      </p:stCondLst>
+                      <p:childTnLst>
+                        <p:par>
+                          <p:cTn id="14" fill="hold">
+                            <p:stCondLst>
+                              <p:cond delay="0"/>
+                            </p:stCondLst>
+                            <p:childTnLst>
+                              <p:par>
+                                <p:cTn id="15" presetID="1" presetClass="entr" presetSubtype="0" fill="hold" grpId="0" nodeType="clickEffect">
+                                  <p:stCondLst>
+                                    <p:cond delay="0"/>
+                                  </p:stCondLst>
+                                  <p:childTnLst>
+                                    <p:set>
+                                      <p:cBhvr>
+                                        <p:cTn id="16" dur="1" fill="hold">
                                           <p:stCondLst>
                                             <p:cond delay="0"/>
                                           </p:stCondLst>
@@ -20773,14 +24166,14 @@
                                 </p:cTn>
                               </p:par>
                               <p:par>
-                                <p:cTn id="13" presetID="1" presetClass="entr" presetSubtype="0" fill="hold" grpId="1" nodeType="withEffect">
+                                <p:cTn id="17" presetID="1" presetClass="entr" presetSubtype="0" fill="hold" grpId="1" nodeType="withEffect">
                                   <p:stCondLst>
                                     <p:cond delay="0"/>
                                   </p:stCondLst>
                                   <p:childTnLst>
                                     <p:set>
                                       <p:cBhvr>
-                                        <p:cTn id="14" dur="1" fill="hold">
+                                        <p:cTn id="18" dur="1" fill="hold">
                                           <p:stCondLst>
                                             <p:cond delay="0"/>
                                           </p:stCondLst>
@@ -20830,12 +24223,13 @@
       <p:bldP spid="7" grpId="0"/>
       <p:bldP spid="2" grpId="0"/>
       <p:bldP spid="9" grpId="1"/>
+      <p:bldP spid="8" grpId="0"/>
     </p:bldLst>
   </p:timing>
 </p:sld>
 </file>
 
-<file path=ppt/slides/slide23.xml><?xml version="1.0" encoding="utf-8"?>
+<file path=ppt/slides/slide24.xml><?xml version="1.0" encoding="utf-8"?>
 <p:sld xmlns:a="http://schemas.openxmlformats.org/drawingml/2006/main" xmlns:r="http://schemas.openxmlformats.org/officeDocument/2006/relationships" xmlns:p="http://schemas.openxmlformats.org/presentationml/2006/main">
   <p:cSld>
     <p:spTree>
@@ -20888,7 +24282,18 @@
                 <a:ea typeface="黑体"/>
                 <a:cs typeface="黑体"/>
               </a:rPr>
-              <a:t>3.4 Directed Models</a:t>
+              <a:t>3.4 </a:t>
+            </a:r>
+            <a:r>
+              <a:rPr lang="zh-CN" altLang="en-US" sz="4000" baseline="30000" dirty="0">
+                <a:solidFill>
+                  <a:schemeClr val="bg1"/>
+                </a:solidFill>
+                <a:latin typeface="黑体"/>
+                <a:ea typeface="黑体"/>
+                <a:cs typeface="黑体"/>
+              </a:rPr>
+              <a:t>有向模型</a:t>
             </a:r>
             <a:endParaRPr lang="ja-JP" altLang="en-US" sz="4000" baseline="30000" dirty="0">
               <a:solidFill>
@@ -21158,12 +24563,20 @@
           <a:p>
             <a:pPr marL="540000" indent="-342900"/>
             <a:r>
+              <a:rPr kumimoji="1" lang="zh-CN" altLang="en-US" dirty="0">
+                <a:solidFill>
+                  <a:schemeClr val="tx1"/>
+                </a:solidFill>
+              </a:rPr>
+              <a:t>这个模型有用吗</a:t>
+            </a:r>
+            <a:r>
               <a:rPr kumimoji="1" lang="en-US" altLang="zh-CN" dirty="0">
                 <a:solidFill>
                   <a:schemeClr val="tx1"/>
                 </a:solidFill>
               </a:rPr>
-              <a:t>Does this model work?</a:t>
+              <a:t>?</a:t>
             </a:r>
           </a:p>
           <a:p>
@@ -21203,7 +24616,7 @@
         </p:spPr>
         <p:txBody>
           <a:bodyPr vert="horz" lIns="91440" tIns="45720" rIns="91440" bIns="45720" rtlCol="0">
-            <a:normAutofit fontScale="92500"/>
+            <a:normAutofit/>
           </a:bodyPr>
           <a:lstStyle>
             <a:lvl1pPr marL="457200" indent="-457200" algn="l" defTabSz="914400" rtl="0" eaLnBrk="1" latinLnBrk="0" hangingPunct="1">
@@ -21440,29 +24853,205 @@
                   <a:schemeClr val="tx1"/>
                 </a:solidFill>
               </a:rPr>
-              <a:t>﻿Suppose we represented time by discretizing time ranging from minute 0 to minute 10 into 6 second chunks. ﻿This would make t0, t1, and t2 each be discrete variables with 100 possible values. </a:t>
+              <a:t>﻿</a:t>
+            </a:r>
+            <a:r>
+              <a:rPr kumimoji="1" lang="zh-CN" altLang="en-US" sz="2400" dirty="0">
+                <a:solidFill>
+                  <a:schemeClr val="tx1"/>
+                </a:solidFill>
+              </a:rPr>
+              <a:t>假设我们采用从第 </a:t>
+            </a:r>
+            <a:r>
+              <a:rPr kumimoji="1" lang="en-US" altLang="zh-CN" sz="2400" dirty="0">
+                <a:solidFill>
+                  <a:schemeClr val="tx1"/>
+                </a:solidFill>
+              </a:rPr>
+              <a:t>0 </a:t>
+            </a:r>
+            <a:r>
+              <a:rPr kumimoji="1" lang="zh-CN" altLang="en-US" sz="2400" dirty="0">
+                <a:solidFill>
+                  <a:schemeClr val="tx1"/>
+                </a:solidFill>
+              </a:rPr>
+              <a:t>分钟到第 </a:t>
+            </a:r>
+            <a:r>
+              <a:rPr kumimoji="1" lang="en-US" altLang="zh-CN" sz="2400" dirty="0">
+                <a:solidFill>
+                  <a:schemeClr val="tx1"/>
+                </a:solidFill>
+              </a:rPr>
+              <a:t>10 </a:t>
+            </a:r>
+            <a:r>
+              <a:rPr kumimoji="1" lang="zh-CN" altLang="en-US" sz="2400" dirty="0">
+                <a:solidFill>
+                  <a:schemeClr val="tx1"/>
+                </a:solidFill>
+              </a:rPr>
+              <a:t>分钟每 </a:t>
+            </a:r>
+            <a:r>
+              <a:rPr kumimoji="1" lang="en-US" altLang="zh-CN" sz="2400" dirty="0">
+                <a:solidFill>
+                  <a:schemeClr val="tx1"/>
+                </a:solidFill>
+              </a:rPr>
+              <a:t>6 </a:t>
+            </a:r>
+            <a:r>
+              <a:rPr kumimoji="1" lang="zh-CN" altLang="en-US" sz="2400" dirty="0">
+                <a:solidFill>
+                  <a:schemeClr val="tx1"/>
+                </a:solidFill>
+              </a:rPr>
+              <a:t>秒一块的方式离散化地表示时间。这使得</a:t>
+            </a:r>
+            <a:r>
+              <a:rPr kumimoji="1" lang="en-US" altLang="zh-CN" sz="2400" dirty="0">
+                <a:solidFill>
+                  <a:schemeClr val="tx1"/>
+                </a:solidFill>
+              </a:rPr>
+              <a:t> t</a:t>
+            </a:r>
+            <a:r>
+              <a:rPr kumimoji="1" lang="en-US" altLang="zh-CN" sz="2400" baseline="-25000" dirty="0">
+                <a:solidFill>
+                  <a:schemeClr val="tx1"/>
+                </a:solidFill>
+              </a:rPr>
+              <a:t>0</a:t>
+            </a:r>
+            <a:r>
+              <a:rPr kumimoji="1" lang="en-US" altLang="zh-CN" sz="2400" dirty="0">
+                <a:solidFill>
+                  <a:schemeClr val="tx1"/>
+                </a:solidFill>
+              </a:rPr>
+              <a:t>, t</a:t>
+            </a:r>
+            <a:r>
+              <a:rPr kumimoji="1" lang="en-US" altLang="zh-CN" sz="2400" baseline="-25000" dirty="0">
+                <a:solidFill>
+                  <a:schemeClr val="tx1"/>
+                </a:solidFill>
+              </a:rPr>
+              <a:t>1</a:t>
+            </a:r>
+            <a:r>
+              <a:rPr kumimoji="1" lang="en-US" altLang="zh-CN" sz="2400" dirty="0">
+                <a:solidFill>
+                  <a:schemeClr val="tx1"/>
+                </a:solidFill>
+              </a:rPr>
+              <a:t>, </a:t>
+            </a:r>
+            <a:r>
+              <a:rPr kumimoji="1" lang="zh-CN" altLang="en-US" sz="2400" dirty="0">
+                <a:solidFill>
+                  <a:schemeClr val="tx1"/>
+                </a:solidFill>
+              </a:rPr>
+              <a:t>和</a:t>
+            </a:r>
+            <a:r>
+              <a:rPr kumimoji="1" lang="en-US" altLang="zh-CN" sz="2400" dirty="0">
+                <a:solidFill>
+                  <a:schemeClr val="tx1"/>
+                </a:solidFill>
+              </a:rPr>
+              <a:t> t</a:t>
+            </a:r>
+            <a:r>
+              <a:rPr kumimoji="1" lang="en-US" altLang="zh-CN" sz="2400" baseline="-25000" dirty="0">
+                <a:solidFill>
+                  <a:schemeClr val="tx1"/>
+                </a:solidFill>
+              </a:rPr>
+              <a:t>2</a:t>
+            </a:r>
+            <a:r>
+              <a:rPr kumimoji="1" lang="en-US" altLang="zh-CN" sz="2400" dirty="0">
+                <a:solidFill>
+                  <a:schemeClr val="tx1"/>
+                </a:solidFill>
+              </a:rPr>
+              <a:t> </a:t>
+            </a:r>
+            <a:r>
+              <a:rPr kumimoji="1" lang="zh-CN" altLang="en-US" sz="2400" dirty="0">
+                <a:solidFill>
+                  <a:schemeClr val="tx1"/>
+                </a:solidFill>
+              </a:rPr>
+              <a:t>都是一个有</a:t>
+            </a:r>
+            <a:r>
+              <a:rPr kumimoji="1" lang="en-US" altLang="zh-CN" sz="2400" dirty="0">
+                <a:solidFill>
+                  <a:schemeClr val="tx1"/>
+                </a:solidFill>
+              </a:rPr>
+              <a:t>100</a:t>
+            </a:r>
+            <a:r>
+              <a:rPr kumimoji="1" lang="zh-CN" altLang="en-US" sz="2400" dirty="0">
+                <a:solidFill>
+                  <a:schemeClr val="tx1"/>
+                </a:solidFill>
+              </a:rPr>
+              <a:t>种可能取值的离散变量</a:t>
+            </a:r>
+            <a:r>
+              <a:rPr kumimoji="1" lang="en-US" altLang="zh-CN" sz="2400" dirty="0">
+                <a:solidFill>
+                  <a:schemeClr val="tx1"/>
+                </a:solidFill>
+              </a:rPr>
+              <a:t>. </a:t>
             </a:r>
           </a:p>
           <a:p>
             <a:pPr marL="540000" indent="-342900"/>
             <a:r>
+              <a:rPr kumimoji="1" lang="zh-CN" altLang="en-US" sz="2400" dirty="0">
+                <a:solidFill>
+                  <a:schemeClr val="tx1"/>
+                </a:solidFill>
+              </a:rPr>
+              <a:t>无结构化模型</a:t>
+            </a:r>
+            <a:r>
               <a:rPr kumimoji="1" lang="en-US" altLang="zh-CN" sz="2400" dirty="0">
                 <a:solidFill>
                   <a:schemeClr val="tx1"/>
                 </a:solidFill>
               </a:rPr>
-              <a:t>Unstructured model: ﻿ 999,999 values</a:t>
+              <a:t>: ﻿ 999,999 values</a:t>
             </a:r>
           </a:p>
           <a:p>
             <a:pPr marL="540000" indent="-342900"/>
             <a:r>
+              <a:rPr kumimoji="1" lang="zh-CN" altLang="en-US" sz="2400" dirty="0">
+                <a:solidFill>
+                  <a:schemeClr val="tx1"/>
+                </a:solidFill>
+              </a:rPr>
+              <a:t>结构化模型</a:t>
+            </a:r>
+            <a:r>
               <a:rPr kumimoji="1" lang="en-US" altLang="zh-CN" sz="2400" dirty="0">
                 <a:solidFill>
                   <a:schemeClr val="tx1"/>
                 </a:solidFill>
               </a:rPr>
-              <a:t>Structured model: ﻿ ﻿19,899 values</a:t>
+              <a:t>: ﻿ ﻿19,899 values</a:t>
             </a:r>
           </a:p>
           <a:p>
@@ -21470,12 +25059,20 @@
               <a:buNone/>
             </a:pPr>
             <a:r>
+              <a:rPr kumimoji="1" lang="zh-CN" altLang="en-US" dirty="0">
+                <a:solidFill>
+                  <a:schemeClr val="tx1"/>
+                </a:solidFill>
+              </a:rPr>
+              <a:t>因为</a:t>
+            </a:r>
+            <a:r>
               <a:rPr kumimoji="1" lang="en-US" altLang="zh-CN" dirty="0">
                 <a:solidFill>
                   <a:schemeClr val="tx1"/>
                 </a:solidFill>
               </a:rPr>
-              <a:t>Since t</a:t>
+              <a:t> t</a:t>
             </a:r>
             <a:r>
               <a:rPr kumimoji="1" lang="en-US" altLang="zh-CN" baseline="-25000" dirty="0">
@@ -21491,7 +25088,55 @@
                   <a:schemeClr val="tx1"/>
                 </a:solidFill>
               </a:rPr>
-              <a:t> requires 99 values, ﻿t</a:t>
+              <a:t> </a:t>
+            </a:r>
+            <a:r>
+              <a:rPr kumimoji="1" lang="zh-CN" altLang="en-US" dirty="0">
+                <a:solidFill>
+                  <a:schemeClr val="tx1"/>
+                </a:solidFill>
+              </a:rPr>
+              <a:t>需要</a:t>
+            </a:r>
+            <a:r>
+              <a:rPr kumimoji="1" lang="en-US" altLang="zh-CN" dirty="0">
+                <a:solidFill>
+                  <a:schemeClr val="tx1"/>
+                </a:solidFill>
+              </a:rPr>
+              <a:t> 99 </a:t>
+            </a:r>
+            <a:r>
+              <a:rPr kumimoji="1" lang="zh-CN" altLang="en-US" dirty="0">
+                <a:solidFill>
+                  <a:schemeClr val="tx1"/>
+                </a:solidFill>
+              </a:rPr>
+              <a:t>个值</a:t>
+            </a:r>
+            <a:r>
+              <a:rPr kumimoji="1" lang="en-US" altLang="zh-CN" dirty="0">
+                <a:solidFill>
+                  <a:schemeClr val="tx1"/>
+                </a:solidFill>
+              </a:rPr>
+              <a:t>, </a:t>
+            </a:r>
+            <a:r>
+              <a:rPr kumimoji="1" lang="zh-CN" altLang="en-US" dirty="0">
+                <a:solidFill>
+                  <a:schemeClr val="tx1"/>
+                </a:solidFill>
+              </a:rPr>
+              <a:t>给定</a:t>
+            </a:r>
+            <a:r>
+              <a:rPr kumimoji="1" lang="en-US" altLang="zh-CN" dirty="0">
+                <a:solidFill>
+                  <a:schemeClr val="tx1"/>
+                </a:solidFill>
+              </a:rPr>
+              <a:t> t</a:t>
             </a:r>
             <a:r>
               <a:rPr kumimoji="1" lang="en-US" altLang="zh-CN" baseline="-25000" dirty="0">
@@ -21499,6 +25144,38 @@
                   <a:schemeClr val="tx1"/>
                 </a:solidFill>
               </a:rPr>
+              <a:t>0</a:t>
+            </a:r>
+            <a:r>
+              <a:rPr kumimoji="1" lang="en-US" altLang="zh-CN" dirty="0">
+                <a:solidFill>
+                  <a:schemeClr val="tx1"/>
+                </a:solidFill>
+              </a:rPr>
+              <a:t> </a:t>
+            </a:r>
+            <a:r>
+              <a:rPr kumimoji="1" lang="zh-CN" altLang="en-US" dirty="0">
+                <a:solidFill>
+                  <a:schemeClr val="tx1"/>
+                </a:solidFill>
+              </a:rPr>
+              <a:t>的情况下</a:t>
+            </a:r>
+            <a:r>
+              <a:rPr kumimoji="1" lang="en-US" altLang="zh-CN" dirty="0">
+                <a:solidFill>
+                  <a:schemeClr val="tx1"/>
+                </a:solidFill>
+              </a:rPr>
+              <a:t>﻿t</a:t>
+            </a:r>
+            <a:r>
+              <a:rPr kumimoji="1" lang="en-US" altLang="zh-CN" baseline="-25000" dirty="0">
+                <a:solidFill>
+                  <a:schemeClr val="tx1"/>
+                </a:solidFill>
+              </a:rPr>
               <a:t>1</a:t>
             </a:r>
             <a:r>
@@ -21507,15 +25184,15 @@
                   <a:schemeClr val="tx1"/>
                 </a:solidFill>
               </a:rPr>
-              <a:t> given t</a:t>
-            </a:r>
-            <a:r>
-              <a:rPr kumimoji="1" lang="en-US" altLang="zh-CN" baseline="-25000" dirty="0">
+              <a:t> </a:t>
+            </a:r>
+            <a:r>
+              <a:rPr kumimoji="1" lang="zh-CN" altLang="en-US" dirty="0">
                 <a:solidFill>
                   <a:schemeClr val="tx1"/>
                 </a:solidFill>
               </a:rPr>
-              <a:t>0</a:t>
+              <a:t>需要</a:t>
             </a:r>
             <a:r>
               <a:rPr kumimoji="1" lang="en-US" altLang="zh-CN" dirty="0">
@@ -21523,39 +25200,63 @@
                   <a:schemeClr val="tx1"/>
                 </a:solidFill>
               </a:rPr>
-              <a:t> requires 9900 values, ﻿and so does the table defining t</a:t>
-            </a:r>
-            <a:r>
-              <a:rPr kumimoji="1" lang="en-US" altLang="zh-CN" baseline="-25000" dirty="0">
+              <a:t>9900</a:t>
+            </a:r>
+            <a:r>
+              <a:rPr kumimoji="1" lang="zh-CN" altLang="en-US" dirty="0">
                 <a:solidFill>
                   <a:schemeClr val="tx1"/>
                 </a:solidFill>
               </a:rPr>
+              <a:t>个值</a:t>
+            </a:r>
+            <a:r>
+              <a:rPr kumimoji="1" lang="en-US" altLang="zh-CN" dirty="0">
+                <a:solidFill>
+                  <a:schemeClr val="tx1"/>
+                </a:solidFill>
+              </a:rPr>
+              <a:t>, </a:t>
+            </a:r>
+            <a:r>
+              <a:rPr kumimoji="1" lang="en-US" altLang="zh-CN" sz="2000" dirty="0">
+                <a:solidFill>
+                  <a:schemeClr val="tx1"/>
+                </a:solidFill>
+              </a:rPr>
+              <a:t>t</a:t>
+            </a:r>
+            <a:r>
+              <a:rPr kumimoji="1" lang="en-US" altLang="zh-CN" sz="2000" baseline="-25000" dirty="0">
+                <a:solidFill>
+                  <a:schemeClr val="tx1"/>
+                </a:solidFill>
+              </a:rPr>
               <a:t>2</a:t>
             </a:r>
             <a:r>
+              <a:rPr kumimoji="1" lang="en-US" altLang="zh-CN" sz="2000" dirty="0">
+                <a:solidFill>
+                  <a:schemeClr val="tx1"/>
+                </a:solidFill>
+              </a:rPr>
+              <a:t> </a:t>
+            </a:r>
+            <a:r>
+              <a:rPr kumimoji="1" lang="zh-CN" altLang="en-US" sz="2000" dirty="0">
+                <a:solidFill>
+                  <a:schemeClr val="tx1"/>
+                </a:solidFill>
+              </a:rPr>
+              <a:t>也是如此</a:t>
+            </a:r>
+            <a:r>
               <a:rPr kumimoji="1" lang="en-US" altLang="zh-CN" dirty="0">
                 <a:solidFill>
                   <a:schemeClr val="tx1"/>
                 </a:solidFill>
               </a:rPr>
-              <a:t> and t</a:t>
-            </a:r>
-            <a:r>
-              <a:rPr kumimoji="1" lang="en-US" altLang="zh-CN" baseline="-25000" dirty="0">
-                <a:solidFill>
-                  <a:schemeClr val="tx1"/>
-                </a:solidFill>
-              </a:rPr>
-              <a:t>1</a:t>
-            </a:r>
-            <a:r>
-              <a:rPr kumimoji="1" lang="en-US" altLang="zh-CN" dirty="0">
-                <a:solidFill>
-                  <a:schemeClr val="tx1"/>
-                </a:solidFill>
-              </a:rPr>
-              <a:t>.</a:t>
+              <a:t>﻿.</a:t>
             </a:r>
           </a:p>
           <a:p>
@@ -21707,7 +25408,7 @@
 </p:sld>
 </file>
 
-<file path=ppt/slides/slide24.xml><?xml version="1.0" encoding="utf-8"?>
+<file path=ppt/slides/slide25.xml><?xml version="1.0" encoding="utf-8"?>
 <p:sld xmlns:a="http://schemas.openxmlformats.org/drawingml/2006/main" xmlns:r="http://schemas.openxmlformats.org/officeDocument/2006/relationships" xmlns:p="http://schemas.openxmlformats.org/presentationml/2006/main">
   <p:cSld>
     <p:spTree>
@@ -21810,7 +25511,39 @@
                   <a:schemeClr val="tx1"/>
                 </a:solidFill>
               </a:rPr>
-              <a:t>Q : What is the probability of randomly selecting a rational number from the interval [0,1]?</a:t>
+              <a:t>Q : </a:t>
+            </a:r>
+            <a:r>
+              <a:rPr kumimoji="1" lang="zh-CN" altLang="en-US" dirty="0">
+                <a:solidFill>
+                  <a:schemeClr val="tx1"/>
+                </a:solidFill>
+              </a:rPr>
+              <a:t>在区间</a:t>
+            </a:r>
+            <a:r>
+              <a:rPr kumimoji="1" lang="en-US" altLang="zh-CN" dirty="0">
+                <a:solidFill>
+                  <a:schemeClr val="tx1"/>
+                </a:solidFill>
+              </a:rPr>
+              <a:t>[0,1]</a:t>
+            </a:r>
+            <a:r>
+              <a:rPr kumimoji="1" lang="zh-CN" altLang="en-US" dirty="0">
+                <a:solidFill>
+                  <a:schemeClr val="tx1"/>
+                </a:solidFill>
+              </a:rPr>
+              <a:t>上随机的取出一个数字，这个数字是有理数的概率是多少</a:t>
+            </a:r>
+            <a:r>
+              <a:rPr kumimoji="1" lang="en-US" altLang="zh-CN" dirty="0">
+                <a:solidFill>
+                  <a:schemeClr val="tx1"/>
+                </a:solidFill>
+              </a:rPr>
+              <a:t>?</a:t>
             </a:r>
           </a:p>
         </p:txBody>
@@ -21848,7 +25581,7 @@
               <a:t>1.</a:t>
             </a:r>
             <a:r>
-              <a:rPr lang="en-US" altLang="zh-CN" sz="4000" baseline="30000" dirty="0">
+              <a:rPr lang="zh-CN" altLang="en-US" sz="4000" baseline="30000" dirty="0">
                 <a:solidFill>
                   <a:schemeClr val="bg1"/>
                 </a:solidFill>
@@ -21856,7 +25589,7 @@
                 <a:ea typeface="黑体"/>
                 <a:cs typeface="黑体"/>
               </a:rPr>
-              <a:t>Technical Details of Continuous Variables</a:t>
+              <a:t>连续型随机变量的技术细节</a:t>
             </a:r>
             <a:endParaRPr lang="ja-JP" altLang="en-US" sz="4000" baseline="30000" dirty="0">
               <a:solidFill>
@@ -21912,65 +25645,43 @@
         <p:spPr>
           <a:xfrm>
             <a:off x="421409" y="1481560"/>
-            <a:ext cx="8301181" cy="1947440"/>
+            <a:ext cx="8301181" cy="1755511"/>
           </a:xfrm>
         </p:spPr>
         <p:txBody>
           <a:bodyPr>
-            <a:normAutofit lnSpcReduction="10000"/>
+            <a:normAutofit/>
           </a:bodyPr>
           <a:lstStyle/>
           <a:p>
             <a:r>
-              <a:rPr kumimoji="1" lang="en-US" altLang="zh-CN" dirty="0">
+              <a:rPr kumimoji="1" lang="zh-CN" altLang="en-US" dirty="0">
                 <a:solidFill>
                   <a:schemeClr val="tx1"/>
                 </a:solidFill>
               </a:rPr>
-              <a:t>In mathematical analysis, a measure on a </a:t>
-            </a:r>
-            <a:r>
-              <a:rPr kumimoji="1" lang="en-US" altLang="zh-CN" b="1" dirty="0">
-                <a:solidFill>
-                  <a:schemeClr val="tx1"/>
-                </a:solidFill>
-              </a:rPr>
-              <a:t>set</a:t>
-            </a:r>
-            <a:r>
-              <a:rPr kumimoji="1" lang="en-US" altLang="zh-CN" dirty="0">
-                <a:solidFill>
-                  <a:schemeClr val="tx1"/>
-                </a:solidFill>
-              </a:rPr>
-              <a:t> is a systematic way to assign a number to each suitable </a:t>
-            </a:r>
-            <a:r>
-              <a:rPr kumimoji="1" lang="en-US" altLang="zh-CN" b="1" dirty="0">
-                <a:solidFill>
-                  <a:schemeClr val="tx1"/>
-                </a:solidFill>
-              </a:rPr>
-              <a:t>subset</a:t>
-            </a:r>
-            <a:r>
-              <a:rPr kumimoji="1" lang="en-US" altLang="zh-CN" dirty="0">
-                <a:solidFill>
-                  <a:schemeClr val="tx1"/>
-                </a:solidFill>
-              </a:rPr>
-              <a:t> of that set, intuitively interpreted as its size. </a:t>
-            </a:r>
+              <a:t>在数学分析中，一个集合上的测度是一种映射，将该集合的每个子集映射到一个数字上，直观地解释为它的大小。</a:t>
+            </a:r>
+            <a:endParaRPr kumimoji="1" lang="en-US" altLang="zh-CN" dirty="0">
+              <a:solidFill>
+                <a:schemeClr val="tx1"/>
+              </a:solidFill>
+            </a:endParaRPr>
           </a:p>
           <a:p>
             <a:r>
-              <a:rPr kumimoji="1" lang="en-US" altLang="zh-CN" dirty="0">
+              <a:rPr kumimoji="1" lang="zh-CN" altLang="en-US" dirty="0">
                 <a:solidFill>
                   <a:schemeClr val="tx1"/>
                 </a:solidFill>
               </a:rPr>
-              <a:t>In this sense, a measure is a generalization of the concepts of length, area, and volume. </a:t>
-            </a:r>
+              <a:t>测度是长度、面积和体积概念的推广。 </a:t>
+            </a:r>
+            <a:endParaRPr kumimoji="1" lang="en-US" altLang="zh-CN" dirty="0">
+              <a:solidFill>
+                <a:schemeClr val="tx1"/>
+              </a:solidFill>
+            </a:endParaRPr>
           </a:p>
         </p:txBody>
       </p:sp>
@@ -21987,7 +25698,7 @@
         <p:spPr>
           <a:xfrm>
             <a:off x="562264" y="539176"/>
-            <a:ext cx="4618181" cy="750455"/>
+            <a:ext cx="5796591" cy="803063"/>
           </a:xfrm>
         </p:spPr>
         <p:txBody>
@@ -21996,7 +25707,7 @@
           <a:p>
             <a:pPr algn="l"/>
             <a:r>
-              <a:rPr lang="en-US" altLang="ja-JP" baseline="30000" dirty="0">
+              <a:rPr lang="en-US" altLang="ja-JP" sz="4000" baseline="30000" dirty="0">
                 <a:solidFill>
                   <a:schemeClr val="bg1"/>
                 </a:solidFill>
@@ -22004,9 +25715,20 @@
                 <a:ea typeface="黑体"/>
                 <a:cs typeface="黑体"/>
               </a:rPr>
-              <a:t>1.1 Measure</a:t>
-            </a:r>
-            <a:endParaRPr lang="ja-JP" altLang="en-US" baseline="30000" dirty="0">
+              <a:t>1.1 </a:t>
+            </a:r>
+            <a:r>
+              <a:rPr lang="zh-CN" altLang="en-US" sz="4000" baseline="30000" dirty="0">
+                <a:solidFill>
+                  <a:schemeClr val="bg1"/>
+                </a:solidFill>
+                <a:latin typeface="黑体"/>
+                <a:ea typeface="黑体"/>
+                <a:cs typeface="黑体"/>
+              </a:rPr>
+              <a:t>测度</a:t>
+            </a:r>
+            <a:endParaRPr lang="ja-JP" altLang="en-US" sz="4000" baseline="30000" dirty="0">
               <a:solidFill>
                 <a:schemeClr val="bg1"/>
               </a:solidFill>
@@ -22034,7 +25756,7 @@
         <p:spPr>
           <a:xfrm>
             <a:off x="421409" y="3620929"/>
-            <a:ext cx="8301181" cy="2697895"/>
+            <a:ext cx="8301181" cy="1580245"/>
           </a:xfrm>
           <a:prstGeom prst="rect">
             <a:avLst/>
@@ -22273,12 +25995,52 @@
           </a:lstStyle>
           <a:p>
             <a:r>
+              <a:rPr kumimoji="1" lang="zh-CN" altLang="en-US" dirty="0">
+                <a:solidFill>
+                  <a:schemeClr val="tx1"/>
+                </a:solidFill>
+              </a:rPr>
+              <a:t>一个特别重要的例子是欧氏空间上的</a:t>
+            </a:r>
+            <a:r>
               <a:rPr kumimoji="1" lang="en-US" altLang="zh-CN" dirty="0">
                 <a:solidFill>
                   <a:schemeClr val="tx1"/>
                 </a:solidFill>
               </a:rPr>
-              <a:t>A particularly important example is the Lebesgue measure on a Euclidean space, which assigns the conventional length, area, and volume of Euclidean geometry to suitable subsets of the n-dimensional Euclidean space R</a:t>
+              <a:t>Lebesgue</a:t>
+            </a:r>
+            <a:r>
+              <a:rPr kumimoji="1" lang="zh-CN" altLang="en-US" dirty="0">
+                <a:solidFill>
+                  <a:schemeClr val="tx1"/>
+                </a:solidFill>
+              </a:rPr>
+              <a:t>测度，它给</a:t>
+            </a:r>
+            <a:r>
+              <a:rPr kumimoji="1" lang="en-US" altLang="zh-CN" dirty="0">
+                <a:solidFill>
+                  <a:schemeClr val="tx1"/>
+                </a:solidFill>
+              </a:rPr>
+              <a:t>n</a:t>
+            </a:r>
+            <a:r>
+              <a:rPr kumimoji="1" lang="zh-CN" altLang="en-US" dirty="0">
+                <a:solidFill>
+                  <a:schemeClr val="tx1"/>
+                </a:solidFill>
+              </a:rPr>
+              <a:t>维欧氏空间</a:t>
+            </a:r>
+            <a:r>
+              <a:rPr kumimoji="1" lang="en-US" altLang="zh-CN" dirty="0">
+                <a:solidFill>
+                  <a:schemeClr val="tx1"/>
+                </a:solidFill>
+              </a:rPr>
+              <a:t>R</a:t>
             </a:r>
             <a:r>
               <a:rPr kumimoji="1" lang="en-US" altLang="zh-CN" baseline="30000" dirty="0">
@@ -22287,6 +26049,14 @@
                 </a:solidFill>
               </a:rPr>
               <a:t>n</a:t>
+            </a:r>
+            <a:r>
+              <a:rPr kumimoji="1" lang="zh-CN" altLang="en-US" dirty="0">
+                <a:solidFill>
+                  <a:schemeClr val="tx1"/>
+                </a:solidFill>
+              </a:rPr>
+              <a:t>的子集赋予了欧氏几何的长度、面积和体积</a:t>
             </a:r>
             <a:r>
               <a:rPr kumimoji="1" lang="en-US" altLang="zh-CN" dirty="0">
@@ -22299,13 +26069,66 @@
           </a:p>
           <a:p>
             <a:r>
+              <a:rPr kumimoji="1" lang="zh-CN" altLang="en-US" dirty="0">
+                <a:solidFill>
+                  <a:schemeClr val="tx1"/>
+                </a:solidFill>
+              </a:rPr>
+              <a:t>例如，区间</a:t>
+            </a:r>
+            <a:r>
               <a:rPr kumimoji="1" lang="en-US" altLang="zh-CN" dirty="0">
                 <a:solidFill>
                   <a:schemeClr val="tx1"/>
                 </a:solidFill>
               </a:rPr>
-              <a:t>For instance, the Lebesgue measure of the interval [0, 1] in the real numbers is its length in the everyday sense of the word, specifically, 1.</a:t>
-            </a:r>
+              <a:t>[0,1]</a:t>
+            </a:r>
+            <a:r>
+              <a:rPr kumimoji="1" lang="zh-CN" altLang="en-US" dirty="0">
+                <a:solidFill>
+                  <a:schemeClr val="tx1"/>
+                </a:solidFill>
+              </a:rPr>
+              <a:t> 的</a:t>
+            </a:r>
+            <a:r>
+              <a:rPr kumimoji="1" lang="en-US" altLang="zh-CN" dirty="0">
+                <a:solidFill>
+                  <a:schemeClr val="tx1"/>
+                </a:solidFill>
+              </a:rPr>
+              <a:t>Lebesgue</a:t>
+            </a:r>
+            <a:r>
+              <a:rPr kumimoji="1" lang="zh-CN" altLang="en-US" dirty="0">
+                <a:solidFill>
+                  <a:schemeClr val="tx1"/>
+                </a:solidFill>
+              </a:rPr>
+              <a:t>测度也就是它的长度，</a:t>
+            </a:r>
+            <a:r>
+              <a:rPr kumimoji="1" lang="en-US" altLang="zh-CN" dirty="0">
+                <a:solidFill>
+                  <a:schemeClr val="tx1"/>
+                </a:solidFill>
+              </a:rPr>
+              <a:t>1</a:t>
+            </a:r>
+            <a:r>
+              <a:rPr kumimoji="1" lang="zh-CN" altLang="en-US" dirty="0">
+                <a:solidFill>
+                  <a:schemeClr val="tx1"/>
+                </a:solidFill>
+              </a:rPr>
+              <a:t>。</a:t>
+            </a:r>
+            <a:endParaRPr kumimoji="1" lang="en-US" altLang="zh-CN" dirty="0">
+              <a:solidFill>
+                <a:schemeClr val="tx1"/>
+              </a:solidFill>
+            </a:endParaRPr>
           </a:p>
         </p:txBody>
       </p:sp>
@@ -22546,7 +26369,18 @@
                 <a:ea typeface="黑体"/>
                 <a:cs typeface="黑体"/>
               </a:rPr>
-              <a:t>1.2 Relationship between probability and measure </a:t>
+              <a:t>1.2 </a:t>
+            </a:r>
+            <a:r>
+              <a:rPr lang="zh-CN" altLang="en-US" sz="4000" baseline="30000" dirty="0">
+                <a:solidFill>
+                  <a:schemeClr val="bg1"/>
+                </a:solidFill>
+                <a:latin typeface="黑体"/>
+                <a:ea typeface="黑体"/>
+                <a:cs typeface="黑体"/>
+              </a:rPr>
+              <a:t>概率与测度的联系</a:t>
             </a:r>
             <a:endParaRPr lang="ja-JP" altLang="en-US" sz="4000" baseline="30000" dirty="0">
               <a:solidFill>
@@ -22649,7 +26483,18 @@
                 <a:ea typeface="黑体"/>
                 <a:cs typeface="黑体"/>
               </a:rPr>
-              <a:t>1.3 Countable Set</a:t>
+              <a:t>1.3 </a:t>
+            </a:r>
+            <a:r>
+              <a:rPr lang="zh-CN" altLang="en-US" sz="4000" baseline="30000" dirty="0">
+                <a:solidFill>
+                  <a:schemeClr val="bg1"/>
+                </a:solidFill>
+                <a:latin typeface="黑体"/>
+                <a:ea typeface="黑体"/>
+                <a:cs typeface="黑体"/>
+              </a:rPr>
+              <a:t>可数集</a:t>
             </a:r>
             <a:endParaRPr lang="ja-JP" altLang="en-US" sz="4000" baseline="30000" dirty="0">
               <a:solidFill>
@@ -22691,23 +26536,49 @@
           <a:lstStyle/>
           <a:p>
             <a:r>
-              <a:rPr lang="en-US" sz="2000" dirty="0">
+              <a:rPr lang="zh-CN" altLang="en-US" sz="2000" dirty="0">
                 <a:solidFill>
                   <a:schemeClr val="tx1"/>
                 </a:solidFill>
               </a:rPr>
-              <a:t>A set is countable if it is finite, or if it is infinite but you can give a map that matches up all of the natural numbers with all of the elements of this set. </a:t>
-            </a:r>
+              <a:t>一个集合是可数的，要么它是有限的；要么它是无限的但是能够给出一个映射，将所有自然数与这个集合的元素匹配起来。</a:t>
+            </a:r>
+            <a:endParaRPr lang="en-US" sz="2000" dirty="0">
+              <a:solidFill>
+                <a:schemeClr val="tx1"/>
+              </a:solidFill>
+            </a:endParaRPr>
           </a:p>
           <a:p>
             <a:r>
-              <a:rPr lang="en-US" sz="2000" dirty="0">
+              <a:rPr lang="zh-CN" altLang="en-US" sz="2000" dirty="0">
                 <a:solidFill>
                   <a:schemeClr val="tx1"/>
                 </a:solidFill>
               </a:rPr>
-              <a:t>That is, you can choose some element of your set to be 1st, and then some other element to be 2nd, etc., and eventually list everything in this fashion. </a:t>
-            </a:r>
+              <a:t>也就是说，你可以选择集合中的某个元素为第一个，然后选择其他元素为第二个</a:t>
+            </a:r>
+            <a:r>
+              <a:rPr lang="en-US" altLang="zh-CN" sz="2000" dirty="0">
+                <a:solidFill>
+                  <a:schemeClr val="tx1"/>
+                </a:solidFill>
+              </a:rPr>
+              <a:t>…, </a:t>
+            </a:r>
+            <a:r>
+              <a:rPr lang="zh-CN" altLang="en-US" sz="2000" dirty="0">
+                <a:solidFill>
+                  <a:schemeClr val="tx1"/>
+                </a:solidFill>
+              </a:rPr>
+              <a:t>并最终以这种方式列出所有元素。 </a:t>
+            </a:r>
+            <a:endParaRPr lang="en-US" sz="2000" dirty="0">
+              <a:solidFill>
+                <a:schemeClr val="tx1"/>
+              </a:solidFill>
+            </a:endParaRPr>
           </a:p>
           <a:p>
             <a:endParaRPr lang="en-US" sz="2000" dirty="0">
@@ -22762,8 +26633,8 @@
         </p:nvSpPr>
         <p:spPr>
           <a:xfrm>
-            <a:off x="460664" y="1588046"/>
-            <a:ext cx="8381332" cy="1015663"/>
+            <a:off x="377505" y="1588046"/>
+            <a:ext cx="8464491" cy="400110"/>
           </a:xfrm>
           <a:prstGeom prst="rect">
             <a:avLst/>
@@ -22777,9 +26648,26 @@
           <a:lstStyle/>
           <a:p>
             <a:r>
-              <a:rPr lang="en-US" dirty="0"/>
-              <a:t>In mathematics, a rational number is a number that can be expressed as the quotient or fraction p/q of two integers, a numerator p and a non-zero denominator q.</a:t>
-            </a:r>
+              <a:rPr lang="zh-CN" altLang="en-US" dirty="0"/>
+              <a:t>在数学中，有理数是一个可以表示为两个整数的商或分数</a:t>
+            </a:r>
+            <a:r>
+              <a:rPr lang="en-US" altLang="zh-CN" dirty="0"/>
+              <a:t>p/q</a:t>
+            </a:r>
+            <a:r>
+              <a:rPr lang="zh-CN" altLang="en-US" dirty="0"/>
+              <a:t>的数（</a:t>
+            </a:r>
+            <a:r>
+              <a:rPr lang="en-US" altLang="zh-CN" dirty="0"/>
+              <a:t>q≠0</a:t>
+            </a:r>
+            <a:r>
+              <a:rPr lang="zh-CN" altLang="en-US" dirty="0"/>
+              <a:t>）。</a:t>
+            </a:r>
+            <a:endParaRPr lang="en-US" dirty="0"/>
           </a:p>
         </p:txBody>
       </p:sp>
@@ -22819,7 +26707,18 @@
                 <a:ea typeface="黑体"/>
                 <a:cs typeface="黑体"/>
               </a:rPr>
-              <a:t>1.4 Rational number</a:t>
+              <a:t>1.4 </a:t>
+            </a:r>
+            <a:r>
+              <a:rPr lang="zh-CN" altLang="en-US" sz="4000" baseline="30000" dirty="0">
+                <a:solidFill>
+                  <a:schemeClr val="bg1"/>
+                </a:solidFill>
+                <a:latin typeface="黑体"/>
+                <a:ea typeface="黑体"/>
+                <a:cs typeface="黑体"/>
+              </a:rPr>
+              <a:t>有理数</a:t>
             </a:r>
             <a:endParaRPr lang="ja-JP" altLang="en-US" sz="4000" baseline="30000" dirty="0">
               <a:solidFill>
@@ -22846,7 +26745,7 @@
         </p:nvSpPr>
         <p:spPr>
           <a:xfrm>
-            <a:off x="460664" y="2902124"/>
+            <a:off x="377505" y="2264435"/>
             <a:ext cx="5473700" cy="400110"/>
           </a:xfrm>
           <a:prstGeom prst="rect">
@@ -22861,9 +26760,10 @@
           <a:lstStyle/>
           <a:p>
             <a:r>
-              <a:rPr lang="en-US" dirty="0"/>
-              <a:t>How to list all the rational numbers?</a:t>
-            </a:r>
+              <a:rPr lang="zh-CN" altLang="en-US" dirty="0"/>
+              <a:t>如何列举所有的有理数呢？</a:t>
+            </a:r>
+            <a:endParaRPr lang="en-US" dirty="0"/>
           </a:p>
         </p:txBody>
       </p:sp>
@@ -22881,7 +26781,7 @@
         </p:nvSpPr>
         <p:spPr>
           <a:xfrm>
-            <a:off x="460664" y="4998781"/>
+            <a:off x="377505" y="4310883"/>
             <a:ext cx="5473700" cy="400110"/>
           </a:xfrm>
           <a:prstGeom prst="rect">
@@ -22896,9 +26796,10 @@
           <a:lstStyle/>
           <a:p>
             <a:r>
-              <a:rPr lang="en-US" dirty="0"/>
-              <a:t>Are all rational numbers listed?</a:t>
-            </a:r>
+              <a:rPr lang="zh-CN" altLang="en-US" dirty="0"/>
+              <a:t>所有有理数都列举完了吗？</a:t>
+            </a:r>
+            <a:endParaRPr lang="en-US" dirty="0"/>
           </a:p>
         </p:txBody>
       </p:sp>
@@ -22916,7 +26817,7 @@
         </p:nvSpPr>
         <p:spPr>
           <a:xfrm>
-            <a:off x="460664" y="3702109"/>
+            <a:off x="377505" y="2951777"/>
             <a:ext cx="5473700" cy="964367"/>
           </a:xfrm>
           <a:prstGeom prst="rect">
@@ -22936,8 +26837,12 @@
               </a:spcBef>
             </a:pPr>
             <a:r>
+              <a:rPr lang="zh-CN" altLang="en-US" dirty="0"/>
+              <a:t>考虑</a:t>
+            </a:r>
+            <a:r>
               <a:rPr lang="en-US" dirty="0"/>
-              <a:t>Consider p + q = 2, 3, 4 …</a:t>
+              <a:t> p + q = 2, 3, 4 …</a:t>
             </a:r>
           </a:p>
           <a:p>
@@ -23235,7 +27140,18 @@
                 <a:ea typeface="黑体"/>
                 <a:cs typeface="黑体"/>
               </a:rPr>
-              <a:t>1.5 Measure of Countable Set</a:t>
+              <a:t>1.5 </a:t>
+            </a:r>
+            <a:r>
+              <a:rPr lang="zh-CN" altLang="en-US" sz="4000" baseline="30000" dirty="0">
+                <a:solidFill>
+                  <a:schemeClr val="bg1"/>
+                </a:solidFill>
+                <a:latin typeface="黑体"/>
+                <a:ea typeface="黑体"/>
+                <a:cs typeface="黑体"/>
+              </a:rPr>
+              <a:t>可数集的测度</a:t>
             </a:r>
             <a:endParaRPr lang="ja-JP" altLang="en-US" sz="4000" baseline="30000" dirty="0">
               <a:solidFill>
@@ -23263,7 +27179,7 @@
         <p:spPr>
           <a:xfrm>
             <a:off x="460664" y="1435845"/>
-            <a:ext cx="4767652" cy="400110"/>
+            <a:ext cx="4269117" cy="400110"/>
           </a:xfrm>
           <a:prstGeom prst="rect">
             <a:avLst/>
@@ -23277,8 +27193,20 @@
           <a:lstStyle/>
           <a:p>
             <a:r>
+              <a:rPr lang="zh-CN" altLang="en-US" dirty="0"/>
+              <a:t>设</a:t>
+            </a:r>
+            <a:r>
               <a:rPr lang="en-US" dirty="0"/>
-              <a:t>Let C is a countable set, C = {a</a:t>
+              <a:t> C </a:t>
+            </a:r>
+            <a:r>
+              <a:rPr lang="zh-CN" altLang="en-US" dirty="0"/>
+              <a:t>是一个可数集</a:t>
+            </a:r>
+            <a:r>
+              <a:rPr lang="en-US" dirty="0"/>
+              <a:t>, C = {a</a:t>
             </a:r>
             <a:r>
               <a:rPr lang="en-US" baseline="-25000" dirty="0"/>
@@ -23322,7 +27250,7 @@
         <p:spPr>
           <a:xfrm>
             <a:off x="498238" y="2976866"/>
-            <a:ext cx="8310202" cy="1015663"/>
+            <a:ext cx="8310202" cy="707886"/>
           </a:xfrm>
           <a:prstGeom prst="rect">
             <a:avLst/>
@@ -23336,8 +27264,12 @@
           <a:lstStyle/>
           <a:p>
             <a:r>
+              <a:rPr lang="zh-CN" altLang="en-US" dirty="0"/>
+              <a:t>在每个端点</a:t>
+            </a:r>
+            <a:r>
               <a:rPr lang="en-US" dirty="0"/>
-              <a:t>Now, at each point a</a:t>
+              <a:t>a</a:t>
             </a:r>
             <a:r>
               <a:rPr lang="en-US" baseline="-25000" dirty="0"/>
@@ -23345,7 +27277,11 @@
             </a:r>
             <a:r>
               <a:rPr lang="en-US" dirty="0"/>
-              <a:t> “glue” on an interval of length </a:t>
+              <a:t> </a:t>
+            </a:r>
+            <a:r>
+              <a:rPr lang="zh-CN" altLang="en-US" dirty="0"/>
+              <a:t>粘连一个长度为</a:t>
             </a:r>
             <a:r>
               <a:rPr lang="el-GR" b="0" i="0" dirty="0">
@@ -23378,71 +27314,85 @@
               <a:t>2</a:t>
             </a:r>
             <a:r>
-              <a:rPr lang="en-US" b="0" i="0" dirty="0">
+              <a:rPr lang="zh-CN" altLang="en-US" b="0" i="0" dirty="0">
                 <a:solidFill>
                   <a:srgbClr val="222222"/>
                 </a:solidFill>
                 <a:effectLst/>
                 <a:latin typeface="arial" panose="020B0604020202020204" pitchFamily="34" charset="0"/>
               </a:rPr>
-              <a:t>, </a:t>
-            </a:r>
-            <a:r>
-              <a:rPr lang="en-US" dirty="0"/>
-              <a:t>which is </a:t>
-            </a:r>
-            <a:r>
-              <a:rPr lang="el-GR" b="0" i="0" dirty="0">
+              <a:t>的</a:t>
+            </a:r>
+            <a:r>
+              <a:rPr lang="zh-CN" altLang="en-US" dirty="0"/>
+              <a:t>区间，</a:t>
+            </a:r>
+            <a:r>
+              <a:rPr lang="zh-CN" altLang="en-US" b="0" i="0" dirty="0">
                 <a:solidFill>
                   <a:srgbClr val="222222"/>
                 </a:solidFill>
                 <a:effectLst/>
                 <a:latin typeface="arial" panose="020B0604020202020204" pitchFamily="34" charset="0"/>
               </a:rPr>
-              <a:t>ε </a:t>
-            </a:r>
-            <a:r>
-              <a:rPr lang="en-US" dirty="0"/>
-              <a:t>&gt; 0 and </a:t>
-            </a:r>
-            <a:r>
-              <a:rPr lang="el-GR" b="0" i="0" dirty="0">
+              <a:t>其中</a:t>
+            </a:r>
+            <a:r>
+              <a:rPr lang="el-GR" dirty="0">
+                <a:solidFill>
+                  <a:srgbClr val="222222"/>
+                </a:solidFill>
+                <a:latin typeface="arial" panose="020B0604020202020204" pitchFamily="34" charset="0"/>
+              </a:rPr>
+              <a:t>ε</a:t>
+            </a:r>
+            <a:r>
+              <a:rPr lang="zh-CN" altLang="en-US" dirty="0"/>
+              <a:t>是</a:t>
+            </a:r>
+            <a:r>
+              <a:rPr lang="zh-CN" altLang="en-US" b="0" i="0" dirty="0">
                 <a:solidFill>
                   <a:srgbClr val="222222"/>
                 </a:solidFill>
                 <a:effectLst/>
                 <a:latin typeface="arial" panose="020B0604020202020204" pitchFamily="34" charset="0"/>
               </a:rPr>
-              <a:t>ε</a:t>
-            </a:r>
-            <a:r>
-              <a:rPr lang="en-US" b="0" i="0" dirty="0">
+              <a:t>任意正实数。</a:t>
+            </a:r>
+            <a:endParaRPr lang="en-US" dirty="0">
+              <a:solidFill>
+                <a:srgbClr val="222222"/>
+              </a:solidFill>
+              <a:latin typeface="arial" panose="020B0604020202020204" pitchFamily="34" charset="0"/>
+            </a:endParaRPr>
+          </a:p>
+          <a:p>
+            <a:r>
+              <a:rPr lang="zh-CN" altLang="en-US" dirty="0"/>
+              <a:t>得到区间</a:t>
+            </a:r>
+            <a:r>
+              <a:rPr lang="en-US" dirty="0"/>
+              <a:t>(a</a:t>
+            </a:r>
+            <a:r>
+              <a:rPr lang="en-US" baseline="-25000" dirty="0"/>
+              <a:t>n</a:t>
+            </a:r>
+            <a:r>
+              <a:rPr lang="en-US" dirty="0"/>
+              <a:t>-</a:t>
+            </a:r>
+            <a:r>
+              <a:rPr lang="el-GR" b="0" i="0" dirty="0">
                 <a:solidFill>
                   <a:srgbClr val="222222"/>
                 </a:solidFill>
                 <a:effectLst/>
                 <a:latin typeface="arial" panose="020B0604020202020204" pitchFamily="34" charset="0"/>
               </a:rPr>
-              <a:t> </a:t>
-            </a:r>
-            <a:r>
-              <a:rPr lang="en-US" dirty="0"/>
-              <a:t>is an arbitrary real number</a:t>
-            </a:r>
-            <a:r>
-              <a:rPr lang="en-US" dirty="0">
-                <a:solidFill>
-                  <a:srgbClr val="222222"/>
-                </a:solidFill>
-                <a:latin typeface="arial" panose="020B0604020202020204" pitchFamily="34" charset="0"/>
-              </a:rPr>
-              <a:t>. </a:t>
-            </a:r>
-          </a:p>
-          <a:p>
-            <a:r>
-              <a:rPr lang="en-US" dirty="0"/>
-              <a:t>That</a:t>
+              <a:t> ε</a:t>
             </a:r>
             <a:r>
               <a:rPr lang="en-US" b="0" i="0" dirty="0">
@@ -23452,29 +27402,17 @@
                 <a:effectLst/>
                 <a:latin typeface="arial" panose="020B0604020202020204" pitchFamily="34" charset="0"/>
               </a:rPr>
-              <a:t> </a:t>
-            </a:r>
-            <a:r>
-              <a:rPr lang="en-US" dirty="0"/>
-              <a:t> is something like that (a</a:t>
-            </a:r>
-            <a:r>
-              <a:rPr lang="en-US" baseline="-25000" dirty="0"/>
-              <a:t>n</a:t>
-            </a:r>
-            <a:r>
-              <a:rPr lang="en-US" dirty="0"/>
-              <a:t>-</a:t>
-            </a:r>
-            <a:r>
-              <a:rPr lang="el-GR" b="0" i="0" dirty="0">
+              <a:t>/2n</a:t>
+            </a:r>
+            <a:r>
+              <a:rPr lang="en-US" b="0" i="0" baseline="30000" dirty="0">
                 <a:solidFill>
                   <a:srgbClr val="222222"/>
                 </a:solidFill>
                 <a:effectLst/>
                 <a:latin typeface="arial" panose="020B0604020202020204" pitchFamily="34" charset="0"/>
               </a:rPr>
-              <a:t> ε</a:t>
+              <a:t>2</a:t>
             </a:r>
             <a:r>
               <a:rPr lang="en-US" b="0" i="0" dirty="0">
@@ -23484,17 +27422,17 @@
                 <a:effectLst/>
                 <a:latin typeface="arial" panose="020B0604020202020204" pitchFamily="34" charset="0"/>
               </a:rPr>
-              <a:t>/2n</a:t>
-            </a:r>
-            <a:r>
-              <a:rPr lang="en-US" b="0" i="0" baseline="30000" dirty="0">
+              <a:t>,</a:t>
+            </a:r>
+            <a:r>
+              <a:rPr lang="el-GR" b="0" i="0" dirty="0">
                 <a:solidFill>
                   <a:srgbClr val="222222"/>
                 </a:solidFill>
                 <a:effectLst/>
                 <a:latin typeface="arial" panose="020B0604020202020204" pitchFamily="34" charset="0"/>
               </a:rPr>
-              <a:t>2</a:t>
+              <a:t> </a:t>
             </a:r>
             <a:r>
               <a:rPr lang="en-US" b="0" i="0" dirty="0">
@@ -23504,17 +27442,17 @@
                 <a:effectLst/>
                 <a:latin typeface="arial" panose="020B0604020202020204" pitchFamily="34" charset="0"/>
               </a:rPr>
-              <a:t>,</a:t>
-            </a:r>
-            <a:r>
-              <a:rPr lang="el-GR" b="0" i="0" dirty="0">
+              <a:t>a</a:t>
+            </a:r>
+            <a:r>
+              <a:rPr lang="en-US" b="0" i="0" baseline="-25000" dirty="0">
                 <a:solidFill>
                   <a:srgbClr val="222222"/>
                 </a:solidFill>
                 <a:effectLst/>
                 <a:latin typeface="arial" panose="020B0604020202020204" pitchFamily="34" charset="0"/>
               </a:rPr>
-              <a:t> </a:t>
+              <a:t>n</a:t>
             </a:r>
             <a:r>
               <a:rPr lang="en-US" b="0" i="0" dirty="0">
@@ -23524,17 +27462,17 @@
                 <a:effectLst/>
                 <a:latin typeface="arial" panose="020B0604020202020204" pitchFamily="34" charset="0"/>
               </a:rPr>
-              <a:t>a</a:t>
-            </a:r>
-            <a:r>
-              <a:rPr lang="en-US" b="0" i="0" baseline="-25000" dirty="0">
+              <a:t>+</a:t>
+            </a:r>
+            <a:r>
+              <a:rPr lang="el-GR" b="0" i="0" dirty="0">
                 <a:solidFill>
                   <a:srgbClr val="222222"/>
                 </a:solidFill>
                 <a:effectLst/>
                 <a:latin typeface="arial" panose="020B0604020202020204" pitchFamily="34" charset="0"/>
               </a:rPr>
-              <a:t>n</a:t>
+              <a:t>ε</a:t>
             </a:r>
             <a:r>
               <a:rPr lang="en-US" b="0" i="0" dirty="0">
@@ -23544,42 +27482,35 @@
                 <a:effectLst/>
                 <a:latin typeface="arial" panose="020B0604020202020204" pitchFamily="34" charset="0"/>
               </a:rPr>
-              <a:t>+</a:t>
-            </a:r>
-            <a:r>
-              <a:rPr lang="el-GR" b="0" i="0" dirty="0">
+              <a:t>/2n</a:t>
+            </a:r>
+            <a:r>
+              <a:rPr lang="en-US" b="0" i="0" baseline="30000" dirty="0">
                 <a:solidFill>
                   <a:srgbClr val="222222"/>
                 </a:solidFill>
                 <a:effectLst/>
                 <a:latin typeface="arial" panose="020B0604020202020204" pitchFamily="34" charset="0"/>
               </a:rPr>
-              <a:t>ε</a:t>
-            </a:r>
-            <a:r>
-              <a:rPr lang="en-US" b="0" i="0" dirty="0">
-                <a:solidFill>
-                  <a:srgbClr val="222222"/>
-                </a:solidFill>
-                <a:effectLst/>
-                <a:latin typeface="arial" panose="020B0604020202020204" pitchFamily="34" charset="0"/>
-              </a:rPr>
-              <a:t>/2n</a:t>
-            </a:r>
-            <a:r>
-              <a:rPr lang="en-US" b="0" i="0" baseline="30000" dirty="0">
-                <a:solidFill>
-                  <a:srgbClr val="222222"/>
-                </a:solidFill>
-                <a:effectLst/>
-                <a:latin typeface="arial" panose="020B0604020202020204" pitchFamily="34" charset="0"/>
-              </a:rPr>
               <a:t>2</a:t>
             </a:r>
             <a:r>
               <a:rPr lang="en-US" dirty="0"/>
-              <a:t>).  Call the result set S.</a:t>
-            </a:r>
+              <a:t>) </a:t>
+            </a:r>
+            <a:r>
+              <a:rPr lang="zh-CN" altLang="en-US" dirty="0"/>
+              <a:t>，将所有区间组成的集合记为</a:t>
+            </a:r>
+            <a:r>
+              <a:rPr lang="en-US" altLang="zh-CN" dirty="0"/>
+              <a:t>S</a:t>
+            </a:r>
+            <a:r>
+              <a:rPr lang="zh-CN" altLang="en-US" dirty="0"/>
+              <a:t>。</a:t>
+            </a:r>
+            <a:endParaRPr lang="en-US" dirty="0"/>
           </a:p>
         </p:txBody>
       </p:sp>
@@ -24542,8 +28473,8 @@
           </a:p>
         </p:txBody>
       </p:sp>
-      <mc:AlternateContent xmlns:mc="http://schemas.openxmlformats.org/markup-compatibility/2006" xmlns:a14="http://schemas.microsoft.com/office/drawing/2010/main">
-        <mc:Choice Requires="a14">
+      <mc:AlternateContent xmlns:mc="http://schemas.openxmlformats.org/markup-compatibility/2006">
+        <mc:Choice xmlns:a14="http://schemas.microsoft.com/office/drawing/2010/main" Requires="a14">
           <p:sp>
             <p:nvSpPr>
               <p:cNvPr id="47" name="文本框 46">
@@ -25013,7 +28944,7 @@
             </p:txBody>
           </p:sp>
         </mc:Choice>
-        <mc:Fallback xmlns="">
+        <mc:Fallback>
           <p:sp>
             <p:nvSpPr>
               <p:cNvPr id="47" name="文本框 46">
@@ -25039,7 +28970,7 @@
               <a:blipFill>
                 <a:blip r:embed="rId2"/>
                 <a:stretch>
-                  <a:fillRect l="-1504" t="-80000" b="-142857"/>
+                  <a:fillRect l="-121" b="-21127"/>
                 </a:stretch>
               </a:blipFill>
             </p:spPr>
@@ -25048,7 +28979,7 @@
               <a:lstStyle/>
               <a:p>
                 <a:r>
-                  <a:rPr lang="en-CN">
+                  <a:rPr lang="en-US">
                     <a:noFill/>
                   </a:rPr>
                   <a:t> </a:t>
@@ -25259,8 +29190,8 @@
           </p:sp>
         </mc:Fallback>
       </mc:AlternateContent>
-      <mc:AlternateContent xmlns:mc="http://schemas.openxmlformats.org/markup-compatibility/2006" xmlns:a14="http://schemas.microsoft.com/office/drawing/2010/main">
-        <mc:Choice Requires="a14">
+      <mc:AlternateContent xmlns:mc="http://schemas.openxmlformats.org/markup-compatibility/2006">
+        <mc:Choice xmlns:a14="http://schemas.microsoft.com/office/drawing/2010/main" Requires="a14">
           <p:sp>
             <p:nvSpPr>
               <p:cNvPr id="50" name="文本框 49">
@@ -25276,7 +29207,7 @@
             <p:spPr>
               <a:xfrm>
                 <a:off x="514168" y="5599265"/>
-                <a:ext cx="2927789" cy="276999"/>
+                <a:ext cx="2906950" cy="276999"/>
               </a:xfrm>
               <a:prstGeom prst="rect">
                 <a:avLst/>
@@ -25386,10 +29317,16 @@
                         </m:e>
                       </m:d>
                       <m:r>
+                        <a:rPr lang="en-US" altLang="zh-CN" sz="1800" i="1">
+                          <a:latin typeface="Cambria Math" panose="02040503050406030204" pitchFamily="18" charset="0"/>
+                        </a:rPr>
+                        <m:t>=</m:t>
+                      </m:r>
+                      <m:r>
                         <a:rPr lang="en-US" sz="1800" i="1">
                           <a:latin typeface="Cambria Math" panose="02040503050406030204" pitchFamily="18" charset="0"/>
                         </a:rPr>
-                        <m:t>→0</m:t>
+                        <m:t>0</m:t>
                       </m:r>
                     </m:oMath>
                   </m:oMathPara>
@@ -25399,7 +29336,7 @@
             </p:txBody>
           </p:sp>
         </mc:Choice>
-        <mc:Fallback xmlns="">
+        <mc:Fallback>
           <p:sp>
             <p:nvSpPr>
               <p:cNvPr id="50" name="文本框 49">
@@ -25417,7 +29354,7 @@
             <p:spPr>
               <a:xfrm>
                 <a:off x="514168" y="5599265"/>
-                <a:ext cx="2927789" cy="276999"/>
+                <a:ext cx="2906950" cy="276999"/>
               </a:xfrm>
               <a:prstGeom prst="rect">
                 <a:avLst/>
@@ -25425,7 +29362,7 @@
               <a:blipFill>
                 <a:blip r:embed="rId4"/>
                 <a:stretch>
-                  <a:fillRect l="-1247" r="-1247" b="-22222"/>
+                  <a:fillRect l="-1258" r="-1468" b="-22222"/>
                 </a:stretch>
               </a:blipFill>
             </p:spPr>
@@ -26743,7 +30680,39 @@
                   <a:schemeClr val="tx1"/>
                 </a:solidFill>
               </a:rPr>
-              <a:t>Q : What is the probability of randomly selecting a rational number from the interval [0,1]?</a:t>
+              <a:t>Q :</a:t>
+            </a:r>
+            <a:r>
+              <a:rPr kumimoji="1" lang="zh-CN" altLang="en-US" dirty="0">
+                <a:solidFill>
+                  <a:schemeClr val="tx1"/>
+                </a:solidFill>
+              </a:rPr>
+              <a:t>在区间</a:t>
+            </a:r>
+            <a:r>
+              <a:rPr kumimoji="1" lang="en-US" altLang="zh-CN" dirty="0">
+                <a:solidFill>
+                  <a:schemeClr val="tx1"/>
+                </a:solidFill>
+              </a:rPr>
+              <a:t>[0,1]</a:t>
+            </a:r>
+            <a:r>
+              <a:rPr kumimoji="1" lang="zh-CN" altLang="en-US" dirty="0">
+                <a:solidFill>
+                  <a:schemeClr val="tx1"/>
+                </a:solidFill>
+              </a:rPr>
+              <a:t>上随机的取出一个数字，这个数字是有理数的概率是多少</a:t>
+            </a:r>
+            <a:r>
+              <a:rPr kumimoji="1" lang="en-US" altLang="zh-CN" dirty="0">
+                <a:solidFill>
+                  <a:schemeClr val="tx1"/>
+                </a:solidFill>
+              </a:rPr>
+              <a:t>?</a:t>
             </a:r>
           </a:p>
           <a:p>
@@ -26788,7 +30757,18 @@
                 <a:ea typeface="黑体"/>
                 <a:cs typeface="黑体"/>
               </a:rPr>
-              <a:t>1.6 Answer</a:t>
+              <a:t>1.6 </a:t>
+            </a:r>
+            <a:r>
+              <a:rPr lang="zh-CN" altLang="en-US" sz="4000" baseline="30000" dirty="0">
+                <a:solidFill>
+                  <a:schemeClr val="bg1"/>
+                </a:solidFill>
+                <a:latin typeface="黑体"/>
+                <a:ea typeface="黑体"/>
+                <a:cs typeface="黑体"/>
+              </a:rPr>
+              <a:t>答案</a:t>
             </a:r>
             <a:endParaRPr lang="ja-JP" altLang="en-US" sz="4000" baseline="30000" dirty="0">
               <a:solidFill>

--- a/Deep Learning-3.12-3.14.pptx
+++ b/Deep Learning-3.12-3.14.pptx
@@ -10,26 +10,24 @@
     <p:sldId id="259" r:id="rId4"/>
     <p:sldId id="262" r:id="rId5"/>
     <p:sldId id="264" r:id="rId6"/>
-    <p:sldId id="265" r:id="rId7"/>
-    <p:sldId id="263" r:id="rId8"/>
-    <p:sldId id="266" r:id="rId9"/>
-    <p:sldId id="280" r:id="rId10"/>
-    <p:sldId id="282" r:id="rId11"/>
-    <p:sldId id="283" r:id="rId12"/>
-    <p:sldId id="279" r:id="rId13"/>
-    <p:sldId id="268" r:id="rId14"/>
-    <p:sldId id="281" r:id="rId15"/>
-    <p:sldId id="269" r:id="rId16"/>
-    <p:sldId id="270" r:id="rId17"/>
-    <p:sldId id="271" r:id="rId18"/>
-    <p:sldId id="272" r:id="rId19"/>
-    <p:sldId id="273" r:id="rId20"/>
-    <p:sldId id="284" r:id="rId21"/>
-    <p:sldId id="274" r:id="rId22"/>
-    <p:sldId id="277" r:id="rId23"/>
-    <p:sldId id="276" r:id="rId24"/>
-    <p:sldId id="278" r:id="rId25"/>
-    <p:sldId id="258" r:id="rId26"/>
+    <p:sldId id="266" r:id="rId7"/>
+    <p:sldId id="280" r:id="rId8"/>
+    <p:sldId id="282" r:id="rId9"/>
+    <p:sldId id="283" r:id="rId10"/>
+    <p:sldId id="279" r:id="rId11"/>
+    <p:sldId id="268" r:id="rId12"/>
+    <p:sldId id="281" r:id="rId13"/>
+    <p:sldId id="269" r:id="rId14"/>
+    <p:sldId id="270" r:id="rId15"/>
+    <p:sldId id="271" r:id="rId16"/>
+    <p:sldId id="272" r:id="rId17"/>
+    <p:sldId id="273" r:id="rId18"/>
+    <p:sldId id="284" r:id="rId19"/>
+    <p:sldId id="274" r:id="rId20"/>
+    <p:sldId id="277" r:id="rId21"/>
+    <p:sldId id="276" r:id="rId22"/>
+    <p:sldId id="278" r:id="rId23"/>
+    <p:sldId id="258" r:id="rId24"/>
   </p:sldIdLst>
   <p:sldSz cx="9144000" cy="6858000" type="screen4x3"/>
   <p:notesSz cx="6858000" cy="9144000"/>
@@ -4339,3457 +4337,6 @@
       </p:grpSpPr>
       <p:sp>
         <p:nvSpPr>
-          <p:cNvPr id="5" name="内容占位符 4"/>
-          <p:cNvSpPr>
-            <a:spLocks noGrp="1"/>
-          </p:cNvSpPr>
-          <p:nvPr>
-            <p:ph idx="1"/>
-          </p:nvPr>
-        </p:nvSpPr>
-        <p:spPr>
-          <a:xfrm>
-            <a:off x="201490" y="1430349"/>
-            <a:ext cx="8479523" cy="1204642"/>
-          </a:xfrm>
-        </p:spPr>
-        <p:txBody>
-          <a:bodyPr>
-            <a:normAutofit/>
-          </a:bodyPr>
-          <a:lstStyle/>
-          <a:p>
-            <a:pPr marL="0" indent="0">
-              <a:buNone/>
-            </a:pPr>
-            <a:r>
-              <a:rPr kumimoji="1" lang="en-US" altLang="zh-CN" dirty="0">
-                <a:solidFill>
-                  <a:schemeClr val="tx1"/>
-                </a:solidFill>
-              </a:rPr>
-              <a:t>﻿</a:t>
-            </a:r>
-            <a:r>
-              <a:rPr kumimoji="1" lang="zh-CN" altLang="en-US" dirty="0">
-                <a:solidFill>
-                  <a:schemeClr val="tx1"/>
-                </a:solidFill>
-              </a:rPr>
-              <a:t>假设有两个随机变量</a:t>
-            </a:r>
-            <a:r>
-              <a:rPr kumimoji="1" lang="en-US" altLang="zh-CN" dirty="0">
-                <a:solidFill>
-                  <a:schemeClr val="tx1"/>
-                </a:solidFill>
-              </a:rPr>
-              <a:t>X </a:t>
-            </a:r>
-            <a:r>
-              <a:rPr kumimoji="1" lang="zh-CN" altLang="en-US" dirty="0">
-                <a:solidFill>
-                  <a:schemeClr val="tx1"/>
-                </a:solidFill>
-              </a:rPr>
-              <a:t>和</a:t>
-            </a:r>
-            <a:r>
-              <a:rPr kumimoji="1" lang="en-US" altLang="zh-CN" dirty="0">
-                <a:solidFill>
-                  <a:schemeClr val="tx1"/>
-                </a:solidFill>
-              </a:rPr>
-              <a:t> Y, Y = g(X)</a:t>
-            </a:r>
-            <a:r>
-              <a:rPr kumimoji="1" lang="zh-CN" altLang="en-US" dirty="0">
-                <a:solidFill>
-                  <a:schemeClr val="tx1"/>
-                </a:solidFill>
-              </a:rPr>
-              <a:t>，</a:t>
-            </a:r>
-            <a:r>
-              <a:rPr kumimoji="1" lang="en-US" altLang="zh-CN" dirty="0">
-                <a:solidFill>
-                  <a:schemeClr val="tx1"/>
-                </a:solidFill>
-              </a:rPr>
-              <a:t>X </a:t>
-            </a:r>
-            <a:r>
-              <a:rPr kumimoji="1" lang="zh-CN" altLang="en-US" dirty="0">
-                <a:solidFill>
-                  <a:schemeClr val="tx1"/>
-                </a:solidFill>
-              </a:rPr>
-              <a:t>的概率密度函数为</a:t>
-            </a:r>
-            <a:r>
-              <a:rPr kumimoji="1" lang="en-US" altLang="zh-CN" dirty="0">
-                <a:solidFill>
-                  <a:schemeClr val="tx1"/>
-                </a:solidFill>
-              </a:rPr>
-              <a:t> p</a:t>
-            </a:r>
-            <a:r>
-              <a:rPr kumimoji="1" lang="en-US" altLang="zh-CN" baseline="-25000" dirty="0">
-                <a:solidFill>
-                  <a:schemeClr val="tx1"/>
-                </a:solidFill>
-              </a:rPr>
-              <a:t>x</a:t>
-            </a:r>
-            <a:r>
-              <a:rPr kumimoji="1" lang="en-US" altLang="zh-CN" dirty="0">
-                <a:solidFill>
-                  <a:schemeClr val="tx1"/>
-                </a:solidFill>
-              </a:rPr>
-              <a:t>(x), </a:t>
-            </a:r>
-            <a:r>
-              <a:rPr kumimoji="1" lang="zh-CN" altLang="en-US" dirty="0">
-                <a:solidFill>
-                  <a:schemeClr val="tx1"/>
-                </a:solidFill>
-              </a:rPr>
-              <a:t>求</a:t>
-            </a:r>
-            <a:r>
-              <a:rPr kumimoji="1" lang="en-US" altLang="zh-CN" dirty="0">
-                <a:solidFill>
-                  <a:schemeClr val="tx1"/>
-                </a:solidFill>
-              </a:rPr>
-              <a:t>Y</a:t>
-            </a:r>
-            <a:r>
-              <a:rPr kumimoji="1" lang="zh-CN" altLang="en-US" dirty="0">
-                <a:solidFill>
-                  <a:schemeClr val="tx1"/>
-                </a:solidFill>
-              </a:rPr>
-              <a:t>的概率密度函数</a:t>
-            </a:r>
-            <a:r>
-              <a:rPr kumimoji="1" lang="en-US" altLang="zh-CN" dirty="0" err="1">
-                <a:solidFill>
-                  <a:schemeClr val="tx1"/>
-                </a:solidFill>
-              </a:rPr>
-              <a:t>p</a:t>
-            </a:r>
-            <a:r>
-              <a:rPr kumimoji="1" lang="en-US" altLang="zh-CN" baseline="-25000" dirty="0" err="1">
-                <a:solidFill>
-                  <a:schemeClr val="tx1"/>
-                </a:solidFill>
-              </a:rPr>
-              <a:t>y</a:t>
-            </a:r>
-            <a:r>
-              <a:rPr kumimoji="1" lang="en-US" altLang="zh-CN" dirty="0">
-                <a:solidFill>
-                  <a:schemeClr val="tx1"/>
-                </a:solidFill>
-              </a:rPr>
-              <a:t>(y)?</a:t>
-            </a:r>
-          </a:p>
-        </p:txBody>
-      </p:sp>
-      <p:sp>
-        <p:nvSpPr>
-          <p:cNvPr id="7" name="标题 1"/>
-          <p:cNvSpPr>
-            <a:spLocks noGrp="1"/>
-          </p:cNvSpPr>
-          <p:nvPr>
-            <p:ph type="title"/>
-          </p:nvPr>
-        </p:nvSpPr>
-        <p:spPr>
-          <a:xfrm>
-            <a:off x="473363" y="577276"/>
-            <a:ext cx="8561579" cy="750455"/>
-          </a:xfrm>
-        </p:spPr>
-        <p:txBody>
-          <a:bodyPr/>
-          <a:lstStyle/>
-          <a:p>
-            <a:pPr algn="l"/>
-            <a:r>
-              <a:rPr lang="en-US" altLang="ja-JP" sz="4000" baseline="30000" dirty="0">
-                <a:solidFill>
-                  <a:schemeClr val="bg1"/>
-                </a:solidFill>
-                <a:latin typeface="黑体"/>
-                <a:ea typeface="黑体"/>
-                <a:cs typeface="黑体"/>
-              </a:rPr>
-              <a:t>1.</a:t>
-            </a:r>
-            <a:r>
-              <a:rPr lang="en-US" altLang="zh-CN" sz="4000" baseline="30000" dirty="0">
-                <a:solidFill>
-                  <a:schemeClr val="bg1"/>
-                </a:solidFill>
-                <a:latin typeface="黑体"/>
-                <a:ea typeface="黑体"/>
-                <a:cs typeface="黑体"/>
-              </a:rPr>
-              <a:t>7</a:t>
-            </a:r>
-            <a:r>
-              <a:rPr lang="en-US" altLang="ja-JP" sz="4000" baseline="30000" dirty="0">
-                <a:solidFill>
-                  <a:schemeClr val="bg1"/>
-                </a:solidFill>
-                <a:latin typeface="黑体"/>
-                <a:ea typeface="黑体"/>
-                <a:cs typeface="黑体"/>
-              </a:rPr>
-              <a:t> </a:t>
-            </a:r>
-            <a:r>
-              <a:rPr lang="zh-CN" altLang="en-US" sz="4000" baseline="30000" dirty="0">
-                <a:solidFill>
-                  <a:schemeClr val="bg1"/>
-                </a:solidFill>
-                <a:latin typeface="黑体"/>
-                <a:ea typeface="黑体"/>
-                <a:cs typeface="黑体"/>
-              </a:rPr>
-              <a:t>随机变量的函数的概率密度</a:t>
-            </a:r>
-            <a:endParaRPr lang="ja-JP" altLang="en-US" sz="4000" baseline="30000" dirty="0">
-              <a:solidFill>
-                <a:schemeClr val="bg1"/>
-              </a:solidFill>
-              <a:latin typeface="黑体"/>
-              <a:ea typeface="黑体"/>
-              <a:cs typeface="黑体"/>
-            </a:endParaRPr>
-          </a:p>
-        </p:txBody>
-      </p:sp>
-      <p:sp>
-        <p:nvSpPr>
-          <p:cNvPr id="4" name="内容占位符 4">
-            <a:extLst>
-              <a:ext uri="{FF2B5EF4-FFF2-40B4-BE49-F238E27FC236}">
-                <a16:creationId xmlns:a16="http://schemas.microsoft.com/office/drawing/2014/main" id="{3B94F9EC-7C4C-B444-95FC-71A44260A272}"/>
-              </a:ext>
-            </a:extLst>
-          </p:cNvPr>
-          <p:cNvSpPr txBox="1">
-            <a:spLocks/>
-          </p:cNvSpPr>
-          <p:nvPr/>
-        </p:nvSpPr>
-        <p:spPr>
-          <a:xfrm>
-            <a:off x="290660" y="2502892"/>
-            <a:ext cx="8301181" cy="684924"/>
-          </a:xfrm>
-          <a:prstGeom prst="rect">
-            <a:avLst/>
-          </a:prstGeom>
-        </p:spPr>
-        <p:txBody>
-          <a:bodyPr vert="horz" lIns="91440" tIns="45720" rIns="91440" bIns="45720" rtlCol="0">
-            <a:normAutofit/>
-          </a:bodyPr>
-          <a:lstStyle>
-            <a:lvl1pPr marL="457200" indent="-457200" algn="l" defTabSz="914400" rtl="0" eaLnBrk="1" latinLnBrk="0" hangingPunct="1">
-              <a:spcBef>
-                <a:spcPts val="2000"/>
-              </a:spcBef>
-              <a:buClr>
-                <a:schemeClr val="tx1">
-                  <a:lumMod val="75000"/>
-                  <a:lumOff val="25000"/>
-                </a:schemeClr>
-              </a:buClr>
-              <a:buSzPct val="75000"/>
-              <a:buFont typeface="Wingdings 2" pitchFamily="18" charset="2"/>
-              <a:buChar char=""/>
-              <a:defRPr sz="2200" kern="1200">
-                <a:solidFill>
-                  <a:schemeClr val="tx1">
-                    <a:lumMod val="75000"/>
-                    <a:lumOff val="25000"/>
-                  </a:schemeClr>
-                </a:solidFill>
-                <a:latin typeface="+mn-lt"/>
-                <a:ea typeface="+mn-ea"/>
-                <a:cs typeface="+mn-cs"/>
-              </a:defRPr>
-            </a:lvl1pPr>
-            <a:lvl2pPr marL="914400" indent="-457200" algn="l" defTabSz="914400" rtl="0" eaLnBrk="1" latinLnBrk="0" hangingPunct="1">
-              <a:spcBef>
-                <a:spcPts val="600"/>
-              </a:spcBef>
-              <a:buClr>
-                <a:schemeClr val="tx1">
-                  <a:lumMod val="50000"/>
-                  <a:lumOff val="50000"/>
-                </a:schemeClr>
-              </a:buClr>
-              <a:buSzPct val="75000"/>
-              <a:buFont typeface="Wingdings 2" pitchFamily="18" charset="2"/>
-              <a:buChar char=""/>
-              <a:defRPr sz="2000" kern="1200">
-                <a:solidFill>
-                  <a:schemeClr val="tx1">
-                    <a:lumMod val="75000"/>
-                    <a:lumOff val="25000"/>
-                  </a:schemeClr>
-                </a:solidFill>
-                <a:latin typeface="+mn-lt"/>
-                <a:ea typeface="+mn-ea"/>
-                <a:cs typeface="+mn-cs"/>
-              </a:defRPr>
-            </a:lvl2pPr>
-            <a:lvl3pPr marL="1371600" indent="-457200" algn="l" defTabSz="914400" rtl="0" eaLnBrk="1" latinLnBrk="0" hangingPunct="1">
-              <a:spcBef>
-                <a:spcPts val="600"/>
-              </a:spcBef>
-              <a:buClr>
-                <a:schemeClr val="tx1">
-                  <a:lumMod val="75000"/>
-                  <a:lumOff val="25000"/>
-                </a:schemeClr>
-              </a:buClr>
-              <a:buSzPct val="75000"/>
-              <a:buFont typeface="Wingdings 2" pitchFamily="18" charset="2"/>
-              <a:buChar char=""/>
-              <a:defRPr sz="1800" kern="1200">
-                <a:solidFill>
-                  <a:schemeClr val="tx1">
-                    <a:lumMod val="75000"/>
-                    <a:lumOff val="25000"/>
-                  </a:schemeClr>
-                </a:solidFill>
-                <a:latin typeface="+mn-lt"/>
-                <a:ea typeface="+mn-ea"/>
-                <a:cs typeface="+mn-cs"/>
-              </a:defRPr>
-            </a:lvl3pPr>
-            <a:lvl4pPr marL="1828800" indent="-457200" algn="l" defTabSz="914400" rtl="0" eaLnBrk="1" latinLnBrk="0" hangingPunct="1">
-              <a:spcBef>
-                <a:spcPts val="600"/>
-              </a:spcBef>
-              <a:buClr>
-                <a:schemeClr val="tx1">
-                  <a:lumMod val="50000"/>
-                  <a:lumOff val="50000"/>
-                </a:schemeClr>
-              </a:buClr>
-              <a:buSzPct val="75000"/>
-              <a:buFont typeface="Wingdings 2" pitchFamily="18" charset="2"/>
-              <a:buChar char=""/>
-              <a:defRPr sz="1800" kern="1200">
-                <a:solidFill>
-                  <a:schemeClr val="tx1">
-                    <a:lumMod val="75000"/>
-                    <a:lumOff val="25000"/>
-                  </a:schemeClr>
-                </a:solidFill>
-                <a:latin typeface="+mn-lt"/>
-                <a:ea typeface="+mn-ea"/>
-                <a:cs typeface="+mn-cs"/>
-              </a:defRPr>
-            </a:lvl4pPr>
-            <a:lvl5pPr marL="2286000" indent="-457200" algn="l" defTabSz="914400" rtl="0" eaLnBrk="1" latinLnBrk="0" hangingPunct="1">
-              <a:spcBef>
-                <a:spcPts val="600"/>
-              </a:spcBef>
-              <a:buClr>
-                <a:schemeClr val="tx1">
-                  <a:lumMod val="75000"/>
-                  <a:lumOff val="25000"/>
-                </a:schemeClr>
-              </a:buClr>
-              <a:buSzPct val="75000"/>
-              <a:buFont typeface="Wingdings 2" pitchFamily="18" charset="2"/>
-              <a:buChar char=""/>
-              <a:defRPr sz="1800" kern="1200">
-                <a:solidFill>
-                  <a:schemeClr val="tx1">
-                    <a:lumMod val="75000"/>
-                    <a:lumOff val="25000"/>
-                  </a:schemeClr>
-                </a:solidFill>
-                <a:latin typeface="+mn-lt"/>
-                <a:ea typeface="+mn-ea"/>
-                <a:cs typeface="+mn-cs"/>
-              </a:defRPr>
-            </a:lvl5pPr>
-            <a:lvl6pPr marL="2743200" indent="-461963" algn="l" defTabSz="914400" rtl="0" eaLnBrk="1" latinLnBrk="0" hangingPunct="1">
-              <a:spcBef>
-                <a:spcPct val="20000"/>
-              </a:spcBef>
-              <a:buClr>
-                <a:schemeClr val="tx1">
-                  <a:lumMod val="50000"/>
-                  <a:lumOff val="50000"/>
-                </a:schemeClr>
-              </a:buClr>
-              <a:buSzPct val="75000"/>
-              <a:buFont typeface="Wingdings 2" pitchFamily="18" charset="2"/>
-              <a:buChar char=""/>
-              <a:defRPr lang="en-US" sz="1800" kern="1200" dirty="0" smtClean="0">
-                <a:solidFill>
-                  <a:schemeClr val="tx1">
-                    <a:lumMod val="75000"/>
-                    <a:lumOff val="25000"/>
-                  </a:schemeClr>
-                </a:solidFill>
-                <a:latin typeface="+mn-lt"/>
-                <a:ea typeface="+mn-ea"/>
-                <a:cs typeface="+mn-cs"/>
-              </a:defRPr>
-            </a:lvl6pPr>
-            <a:lvl7pPr marL="3205163" indent="-461963" algn="l" defTabSz="914400" rtl="0" eaLnBrk="1" latinLnBrk="0" hangingPunct="1">
-              <a:spcBef>
-                <a:spcPct val="20000"/>
-              </a:spcBef>
-              <a:buClr>
-                <a:schemeClr val="tx1">
-                  <a:lumMod val="75000"/>
-                  <a:lumOff val="25000"/>
-                </a:schemeClr>
-              </a:buClr>
-              <a:buSzPct val="75000"/>
-              <a:buFont typeface="Wingdings 2" pitchFamily="18" charset="2"/>
-              <a:buChar char=""/>
-              <a:defRPr lang="en-US" sz="1800" kern="1200" dirty="0" smtClean="0">
-                <a:solidFill>
-                  <a:schemeClr val="tx1">
-                    <a:lumMod val="75000"/>
-                    <a:lumOff val="25000"/>
-                  </a:schemeClr>
-                </a:solidFill>
-                <a:latin typeface="+mn-lt"/>
-                <a:ea typeface="+mn-ea"/>
-                <a:cs typeface="+mn-cs"/>
-              </a:defRPr>
-            </a:lvl7pPr>
-            <a:lvl8pPr marL="3657600" indent="-461963" algn="l" defTabSz="914400" rtl="0" eaLnBrk="1" latinLnBrk="0" hangingPunct="1">
-              <a:spcBef>
-                <a:spcPct val="20000"/>
-              </a:spcBef>
-              <a:buClr>
-                <a:schemeClr val="tx1">
-                  <a:lumMod val="50000"/>
-                  <a:lumOff val="50000"/>
-                </a:schemeClr>
-              </a:buClr>
-              <a:buSzPct val="75000"/>
-              <a:buFont typeface="Wingdings 2" pitchFamily="18" charset="2"/>
-              <a:buChar char=""/>
-              <a:defRPr lang="en-US" sz="1800" kern="1200" dirty="0" smtClean="0">
-                <a:solidFill>
-                  <a:schemeClr val="tx1">
-                    <a:lumMod val="75000"/>
-                    <a:lumOff val="25000"/>
-                  </a:schemeClr>
-                </a:solidFill>
-                <a:latin typeface="+mn-lt"/>
-                <a:ea typeface="+mn-ea"/>
-                <a:cs typeface="+mn-cs"/>
-              </a:defRPr>
-            </a:lvl8pPr>
-            <a:lvl9pPr marL="4119563" indent="-461963" algn="l" defTabSz="914400" rtl="0" eaLnBrk="1" latinLnBrk="0" hangingPunct="1">
-              <a:spcBef>
-                <a:spcPct val="20000"/>
-              </a:spcBef>
-              <a:buClr>
-                <a:schemeClr val="tx1">
-                  <a:lumMod val="75000"/>
-                  <a:lumOff val="25000"/>
-                </a:schemeClr>
-              </a:buClr>
-              <a:buSzPct val="75000"/>
-              <a:buFont typeface="Wingdings 2" pitchFamily="18" charset="2"/>
-              <a:buChar char=""/>
-              <a:defRPr lang="en-US" sz="1800" kern="1200" dirty="0">
-                <a:solidFill>
-                  <a:schemeClr val="tx1">
-                    <a:lumMod val="75000"/>
-                    <a:lumOff val="25000"/>
-                  </a:schemeClr>
-                </a:solidFill>
-                <a:latin typeface="+mn-lt"/>
-                <a:ea typeface="+mn-ea"/>
-                <a:cs typeface="+mn-cs"/>
-              </a:defRPr>
-            </a:lvl9pPr>
-          </a:lstStyle>
-          <a:p>
-            <a:pPr marL="0" indent="0">
-              <a:buFont typeface="Wingdings 2" pitchFamily="18" charset="2"/>
-              <a:buNone/>
-            </a:pPr>
-            <a:r>
-              <a:rPr kumimoji="1" lang="en-US" altLang="zh-CN" dirty="0" err="1">
-                <a:solidFill>
-                  <a:schemeClr val="tx1"/>
-                </a:solidFill>
-              </a:rPr>
-              <a:t>p</a:t>
-            </a:r>
-            <a:r>
-              <a:rPr kumimoji="1" lang="en-US" altLang="zh-CN" baseline="-25000" dirty="0" err="1">
-                <a:solidFill>
-                  <a:schemeClr val="tx1"/>
-                </a:solidFill>
-              </a:rPr>
-              <a:t>y</a:t>
-            </a:r>
-            <a:r>
-              <a:rPr kumimoji="1" lang="en-US" altLang="zh-CN" dirty="0">
-                <a:solidFill>
-                  <a:schemeClr val="tx1"/>
-                </a:solidFill>
-              </a:rPr>
-              <a:t>(y) = px(g</a:t>
-            </a:r>
-            <a:r>
-              <a:rPr kumimoji="1" lang="en-US" altLang="zh-CN" baseline="30000" dirty="0">
-                <a:solidFill>
-                  <a:schemeClr val="tx1"/>
-                </a:solidFill>
-              </a:rPr>
-              <a:t>-1</a:t>
-            </a:r>
-            <a:r>
-              <a:rPr kumimoji="1" lang="en-US" altLang="zh-CN" dirty="0">
-                <a:solidFill>
-                  <a:schemeClr val="tx1"/>
-                </a:solidFill>
-              </a:rPr>
-              <a:t>(y)) ?</a:t>
-            </a:r>
-          </a:p>
-          <a:p>
-            <a:pPr marL="0" indent="0">
-              <a:buFont typeface="Wingdings 2" pitchFamily="18" charset="2"/>
-              <a:buNone/>
-            </a:pPr>
-            <a:endParaRPr kumimoji="1" lang="en-US" altLang="zh-CN" dirty="0">
-              <a:solidFill>
-                <a:schemeClr val="tx1"/>
-              </a:solidFill>
-            </a:endParaRPr>
-          </a:p>
-        </p:txBody>
-      </p:sp>
-      <mc:AlternateContent xmlns:mc="http://schemas.openxmlformats.org/markup-compatibility/2006">
-        <mc:Choice xmlns:a14="http://schemas.microsoft.com/office/drawing/2010/main" Requires="a14">
-          <p:sp>
-            <p:nvSpPr>
-              <p:cNvPr id="6" name="内容占位符 4">
-                <a:extLst>
-                  <a:ext uri="{FF2B5EF4-FFF2-40B4-BE49-F238E27FC236}">
-                    <a16:creationId xmlns:a16="http://schemas.microsoft.com/office/drawing/2014/main" id="{E5B440BE-0A23-EF4B-9429-B33CD6E02952}"/>
-                  </a:ext>
-                </a:extLst>
-              </p:cNvPr>
-              <p:cNvSpPr txBox="1">
-                <a:spLocks/>
-              </p:cNvSpPr>
-              <p:nvPr/>
-            </p:nvSpPr>
-            <p:spPr>
-              <a:xfrm>
-                <a:off x="155274" y="3639363"/>
-                <a:ext cx="8833452" cy="2541518"/>
-              </a:xfrm>
-              <a:prstGeom prst="rect">
-                <a:avLst/>
-              </a:prstGeom>
-            </p:spPr>
-            <p:txBody>
-              <a:bodyPr vert="horz" lIns="91440" tIns="45720" rIns="91440" bIns="45720" rtlCol="0">
-                <a:normAutofit/>
-              </a:bodyPr>
-              <a:lstStyle>
-                <a:lvl1pPr marL="457200" indent="-457200" algn="l" defTabSz="914400" rtl="0" eaLnBrk="1" latinLnBrk="0" hangingPunct="1">
-                  <a:spcBef>
-                    <a:spcPts val="2000"/>
-                  </a:spcBef>
-                  <a:buClr>
-                    <a:schemeClr val="tx1">
-                      <a:lumMod val="75000"/>
-                      <a:lumOff val="25000"/>
-                    </a:schemeClr>
-                  </a:buClr>
-                  <a:buSzPct val="75000"/>
-                  <a:buFont typeface="Wingdings 2" pitchFamily="18" charset="2"/>
-                  <a:buChar char=""/>
-                  <a:defRPr sz="2200" kern="1200">
-                    <a:solidFill>
-                      <a:schemeClr val="tx1">
-                        <a:lumMod val="75000"/>
-                        <a:lumOff val="25000"/>
-                      </a:schemeClr>
-                    </a:solidFill>
-                    <a:latin typeface="+mn-lt"/>
-                    <a:ea typeface="+mn-ea"/>
-                    <a:cs typeface="+mn-cs"/>
-                  </a:defRPr>
-                </a:lvl1pPr>
-                <a:lvl2pPr marL="914400" indent="-457200" algn="l" defTabSz="914400" rtl="0" eaLnBrk="1" latinLnBrk="0" hangingPunct="1">
-                  <a:spcBef>
-                    <a:spcPts val="600"/>
-                  </a:spcBef>
-                  <a:buClr>
-                    <a:schemeClr val="tx1">
-                      <a:lumMod val="50000"/>
-                      <a:lumOff val="50000"/>
-                    </a:schemeClr>
-                  </a:buClr>
-                  <a:buSzPct val="75000"/>
-                  <a:buFont typeface="Wingdings 2" pitchFamily="18" charset="2"/>
-                  <a:buChar char=""/>
-                  <a:defRPr sz="2000" kern="1200">
-                    <a:solidFill>
-                      <a:schemeClr val="tx1">
-                        <a:lumMod val="75000"/>
-                        <a:lumOff val="25000"/>
-                      </a:schemeClr>
-                    </a:solidFill>
-                    <a:latin typeface="+mn-lt"/>
-                    <a:ea typeface="+mn-ea"/>
-                    <a:cs typeface="+mn-cs"/>
-                  </a:defRPr>
-                </a:lvl2pPr>
-                <a:lvl3pPr marL="1371600" indent="-457200" algn="l" defTabSz="914400" rtl="0" eaLnBrk="1" latinLnBrk="0" hangingPunct="1">
-                  <a:spcBef>
-                    <a:spcPts val="600"/>
-                  </a:spcBef>
-                  <a:buClr>
-                    <a:schemeClr val="tx1">
-                      <a:lumMod val="75000"/>
-                      <a:lumOff val="25000"/>
-                    </a:schemeClr>
-                  </a:buClr>
-                  <a:buSzPct val="75000"/>
-                  <a:buFont typeface="Wingdings 2" pitchFamily="18" charset="2"/>
-                  <a:buChar char=""/>
-                  <a:defRPr sz="1800" kern="1200">
-                    <a:solidFill>
-                      <a:schemeClr val="tx1">
-                        <a:lumMod val="75000"/>
-                        <a:lumOff val="25000"/>
-                      </a:schemeClr>
-                    </a:solidFill>
-                    <a:latin typeface="+mn-lt"/>
-                    <a:ea typeface="+mn-ea"/>
-                    <a:cs typeface="+mn-cs"/>
-                  </a:defRPr>
-                </a:lvl3pPr>
-                <a:lvl4pPr marL="1828800" indent="-457200" algn="l" defTabSz="914400" rtl="0" eaLnBrk="1" latinLnBrk="0" hangingPunct="1">
-                  <a:spcBef>
-                    <a:spcPts val="600"/>
-                  </a:spcBef>
-                  <a:buClr>
-                    <a:schemeClr val="tx1">
-                      <a:lumMod val="50000"/>
-                      <a:lumOff val="50000"/>
-                    </a:schemeClr>
-                  </a:buClr>
-                  <a:buSzPct val="75000"/>
-                  <a:buFont typeface="Wingdings 2" pitchFamily="18" charset="2"/>
-                  <a:buChar char=""/>
-                  <a:defRPr sz="1800" kern="1200">
-                    <a:solidFill>
-                      <a:schemeClr val="tx1">
-                        <a:lumMod val="75000"/>
-                        <a:lumOff val="25000"/>
-                      </a:schemeClr>
-                    </a:solidFill>
-                    <a:latin typeface="+mn-lt"/>
-                    <a:ea typeface="+mn-ea"/>
-                    <a:cs typeface="+mn-cs"/>
-                  </a:defRPr>
-                </a:lvl4pPr>
-                <a:lvl5pPr marL="2286000" indent="-457200" algn="l" defTabSz="914400" rtl="0" eaLnBrk="1" latinLnBrk="0" hangingPunct="1">
-                  <a:spcBef>
-                    <a:spcPts val="600"/>
-                  </a:spcBef>
-                  <a:buClr>
-                    <a:schemeClr val="tx1">
-                      <a:lumMod val="75000"/>
-                      <a:lumOff val="25000"/>
-                    </a:schemeClr>
-                  </a:buClr>
-                  <a:buSzPct val="75000"/>
-                  <a:buFont typeface="Wingdings 2" pitchFamily="18" charset="2"/>
-                  <a:buChar char=""/>
-                  <a:defRPr sz="1800" kern="1200">
-                    <a:solidFill>
-                      <a:schemeClr val="tx1">
-                        <a:lumMod val="75000"/>
-                        <a:lumOff val="25000"/>
-                      </a:schemeClr>
-                    </a:solidFill>
-                    <a:latin typeface="+mn-lt"/>
-                    <a:ea typeface="+mn-ea"/>
-                    <a:cs typeface="+mn-cs"/>
-                  </a:defRPr>
-                </a:lvl5pPr>
-                <a:lvl6pPr marL="2743200" indent="-461963" algn="l" defTabSz="914400" rtl="0" eaLnBrk="1" latinLnBrk="0" hangingPunct="1">
-                  <a:spcBef>
-                    <a:spcPct val="20000"/>
-                  </a:spcBef>
-                  <a:buClr>
-                    <a:schemeClr val="tx1">
-                      <a:lumMod val="50000"/>
-                      <a:lumOff val="50000"/>
-                    </a:schemeClr>
-                  </a:buClr>
-                  <a:buSzPct val="75000"/>
-                  <a:buFont typeface="Wingdings 2" pitchFamily="18" charset="2"/>
-                  <a:buChar char=""/>
-                  <a:defRPr lang="en-US" sz="1800" kern="1200" dirty="0" smtClean="0">
-                    <a:solidFill>
-                      <a:schemeClr val="tx1">
-                        <a:lumMod val="75000"/>
-                        <a:lumOff val="25000"/>
-                      </a:schemeClr>
-                    </a:solidFill>
-                    <a:latin typeface="+mn-lt"/>
-                    <a:ea typeface="+mn-ea"/>
-                    <a:cs typeface="+mn-cs"/>
-                  </a:defRPr>
-                </a:lvl6pPr>
-                <a:lvl7pPr marL="3205163" indent="-461963" algn="l" defTabSz="914400" rtl="0" eaLnBrk="1" latinLnBrk="0" hangingPunct="1">
-                  <a:spcBef>
-                    <a:spcPct val="20000"/>
-                  </a:spcBef>
-                  <a:buClr>
-                    <a:schemeClr val="tx1">
-                      <a:lumMod val="75000"/>
-                      <a:lumOff val="25000"/>
-                    </a:schemeClr>
-                  </a:buClr>
-                  <a:buSzPct val="75000"/>
-                  <a:buFont typeface="Wingdings 2" pitchFamily="18" charset="2"/>
-                  <a:buChar char=""/>
-                  <a:defRPr lang="en-US" sz="1800" kern="1200" dirty="0" smtClean="0">
-                    <a:solidFill>
-                      <a:schemeClr val="tx1">
-                        <a:lumMod val="75000"/>
-                        <a:lumOff val="25000"/>
-                      </a:schemeClr>
-                    </a:solidFill>
-                    <a:latin typeface="+mn-lt"/>
-                    <a:ea typeface="+mn-ea"/>
-                    <a:cs typeface="+mn-cs"/>
-                  </a:defRPr>
-                </a:lvl7pPr>
-                <a:lvl8pPr marL="3657600" indent="-461963" algn="l" defTabSz="914400" rtl="0" eaLnBrk="1" latinLnBrk="0" hangingPunct="1">
-                  <a:spcBef>
-                    <a:spcPct val="20000"/>
-                  </a:spcBef>
-                  <a:buClr>
-                    <a:schemeClr val="tx1">
-                      <a:lumMod val="50000"/>
-                      <a:lumOff val="50000"/>
-                    </a:schemeClr>
-                  </a:buClr>
-                  <a:buSzPct val="75000"/>
-                  <a:buFont typeface="Wingdings 2" pitchFamily="18" charset="2"/>
-                  <a:buChar char=""/>
-                  <a:defRPr lang="en-US" sz="1800" kern="1200" dirty="0" smtClean="0">
-                    <a:solidFill>
-                      <a:schemeClr val="tx1">
-                        <a:lumMod val="75000"/>
-                        <a:lumOff val="25000"/>
-                      </a:schemeClr>
-                    </a:solidFill>
-                    <a:latin typeface="+mn-lt"/>
-                    <a:ea typeface="+mn-ea"/>
-                    <a:cs typeface="+mn-cs"/>
-                  </a:defRPr>
-                </a:lvl8pPr>
-                <a:lvl9pPr marL="4119563" indent="-461963" algn="l" defTabSz="914400" rtl="0" eaLnBrk="1" latinLnBrk="0" hangingPunct="1">
-                  <a:spcBef>
-                    <a:spcPct val="20000"/>
-                  </a:spcBef>
-                  <a:buClr>
-                    <a:schemeClr val="tx1">
-                      <a:lumMod val="75000"/>
-                      <a:lumOff val="25000"/>
-                    </a:schemeClr>
-                  </a:buClr>
-                  <a:buSzPct val="75000"/>
-                  <a:buFont typeface="Wingdings 2" pitchFamily="18" charset="2"/>
-                  <a:buChar char=""/>
-                  <a:defRPr lang="en-US" sz="1800" kern="1200" dirty="0">
-                    <a:solidFill>
-                      <a:schemeClr val="tx1">
-                        <a:lumMod val="75000"/>
-                        <a:lumOff val="25000"/>
-                      </a:schemeClr>
-                    </a:solidFill>
-                    <a:latin typeface="+mn-lt"/>
-                    <a:ea typeface="+mn-ea"/>
-                    <a:cs typeface="+mn-cs"/>
-                  </a:defRPr>
-                </a:lvl9pPr>
-              </a:lstStyle>
-              <a:p>
-                <a:pPr marL="0" indent="0">
-                  <a:buFont typeface="Wingdings 2" pitchFamily="18" charset="2"/>
-                  <a:buNone/>
-                </a:pPr>
-                <a:r>
-                  <a:rPr kumimoji="1" lang="zh-CN" altLang="en-US" dirty="0">
-                    <a:solidFill>
-                      <a:schemeClr val="tx1"/>
-                    </a:solidFill>
-                  </a:rPr>
-                  <a:t>假设</a:t>
-                </a:r>
-                <a:r>
-                  <a:rPr kumimoji="1" lang="en-US" altLang="zh-CN" dirty="0">
-                    <a:solidFill>
-                      <a:schemeClr val="tx1"/>
-                    </a:solidFill>
-                  </a:rPr>
-                  <a:t> Y=X/2 </a:t>
-                </a:r>
-                <a:r>
-                  <a:rPr kumimoji="1" lang="zh-CN" altLang="en-US" dirty="0">
-                    <a:solidFill>
-                      <a:schemeClr val="tx1"/>
-                    </a:solidFill>
-                  </a:rPr>
-                  <a:t>，并且</a:t>
-                </a:r>
-                <a:r>
-                  <a:rPr kumimoji="1" lang="en-US" altLang="zh-CN" dirty="0">
-                    <a:solidFill>
-                      <a:schemeClr val="tx1"/>
-                    </a:solidFill>
-                  </a:rPr>
-                  <a:t>X ~ U(0,1).</a:t>
-                </a:r>
-              </a:p>
-              <a:p>
-                <a:pPr marL="0" indent="0">
-                  <a:buNone/>
-                </a:pPr>
-                <a:r>
-                  <a:rPr kumimoji="1" lang="zh-CN" altLang="en-US" dirty="0">
-                    <a:solidFill>
-                      <a:schemeClr val="tx1"/>
-                    </a:solidFill>
-                  </a:rPr>
-                  <a:t>如果我们使用这个规则</a:t>
-                </a:r>
-                <a:r>
-                  <a:rPr kumimoji="1" lang="en-US" altLang="zh-CN" dirty="0" err="1">
-                    <a:solidFill>
-                      <a:schemeClr val="tx1"/>
-                    </a:solidFill>
-                  </a:rPr>
-                  <a:t>p</a:t>
-                </a:r>
-                <a:r>
-                  <a:rPr kumimoji="1" lang="en-US" altLang="zh-CN" baseline="-25000" dirty="0" err="1">
-                    <a:solidFill>
-                      <a:schemeClr val="tx1"/>
-                    </a:solidFill>
-                  </a:rPr>
-                  <a:t>y</a:t>
-                </a:r>
-                <a:r>
-                  <a:rPr kumimoji="1" lang="en-US" altLang="zh-CN" dirty="0">
-                    <a:solidFill>
-                      <a:schemeClr val="tx1"/>
-                    </a:solidFill>
-                  </a:rPr>
-                  <a:t>(y) = p</a:t>
-                </a:r>
-                <a:r>
-                  <a:rPr kumimoji="1" lang="en-US" altLang="zh-CN" baseline="-25000" dirty="0">
-                    <a:solidFill>
-                      <a:schemeClr val="tx1"/>
-                    </a:solidFill>
-                  </a:rPr>
-                  <a:t>x</a:t>
-                </a:r>
-                <a:r>
-                  <a:rPr kumimoji="1" lang="en-US" altLang="zh-CN" dirty="0">
-                    <a:solidFill>
-                      <a:schemeClr val="tx1"/>
-                    </a:solidFill>
-                  </a:rPr>
-                  <a:t>(2y)=1</a:t>
-                </a:r>
-                <a:r>
-                  <a:rPr kumimoji="1" lang="zh-CN" altLang="en-US" dirty="0">
-                    <a:solidFill>
-                      <a:schemeClr val="tx1"/>
-                    </a:solidFill>
-                  </a:rPr>
-                  <a:t>，</a:t>
-                </a:r>
-                <a:r>
-                  <a:rPr kumimoji="1" lang="en-US" altLang="zh-CN" dirty="0" err="1">
-                    <a:solidFill>
-                      <a:schemeClr val="tx1"/>
-                    </a:solidFill>
-                  </a:rPr>
-                  <a:t>p</a:t>
-                </a:r>
-                <a:r>
-                  <a:rPr kumimoji="1" lang="en-US" altLang="zh-CN" baseline="-25000" dirty="0" err="1">
-                    <a:solidFill>
-                      <a:schemeClr val="tx1"/>
-                    </a:solidFill>
-                  </a:rPr>
-                  <a:t>y</a:t>
-                </a:r>
-                <a:r>
-                  <a:rPr kumimoji="1" lang="en-US" altLang="zh-CN" baseline="-25000" dirty="0">
-                    <a:solidFill>
-                      <a:schemeClr val="tx1"/>
-                    </a:solidFill>
-                  </a:rPr>
-                  <a:t> </a:t>
-                </a:r>
-                <a:r>
-                  <a:rPr kumimoji="1" lang="zh-CN" altLang="en-US" dirty="0">
-                    <a:solidFill>
-                      <a:schemeClr val="tx1"/>
-                    </a:solidFill>
-                  </a:rPr>
-                  <a:t>除了在区间</a:t>
-                </a:r>
-                <a:r>
-                  <a:rPr kumimoji="1" lang="en-US" altLang="zh-CN" dirty="0">
-                    <a:solidFill>
-                      <a:schemeClr val="tx1"/>
-                    </a:solidFill>
-                  </a:rPr>
-                  <a:t>[0, 1/2]</a:t>
-                </a:r>
-                <a:r>
-                  <a:rPr kumimoji="1" lang="zh-CN" altLang="en-US" dirty="0">
-                    <a:solidFill>
-                      <a:schemeClr val="tx1"/>
-                    </a:solidFill>
-                  </a:rPr>
-                  <a:t>取</a:t>
-                </a:r>
-                <a:r>
-                  <a:rPr kumimoji="1" lang="en-US" altLang="zh-CN" dirty="0">
-                    <a:solidFill>
-                      <a:schemeClr val="tx1"/>
-                    </a:solidFill>
-                  </a:rPr>
-                  <a:t>1</a:t>
-                </a:r>
-                <a:r>
-                  <a:rPr kumimoji="1" lang="zh-CN" altLang="en-US" dirty="0">
-                    <a:solidFill>
-                      <a:schemeClr val="tx1"/>
-                    </a:solidFill>
-                  </a:rPr>
-                  <a:t>，其他地方都取</a:t>
-                </a:r>
-                <a:r>
-                  <a:rPr kumimoji="1" lang="en-US" altLang="zh-CN" dirty="0">
-                    <a:solidFill>
-                      <a:schemeClr val="tx1"/>
-                    </a:solidFill>
-                  </a:rPr>
-                  <a:t>0.</a:t>
-                </a:r>
-              </a:p>
-              <a:p>
-                <a:pPr marL="0" indent="0">
-                  <a:buNone/>
-                </a:pPr>
-                <a14:m>
-                  <m:oMathPara xmlns:m="http://schemas.openxmlformats.org/officeDocument/2006/math">
-                    <m:oMathParaPr>
-                      <m:jc m:val="centerGroup"/>
-                    </m:oMathParaPr>
-                    <m:oMath xmlns:m="http://schemas.openxmlformats.org/officeDocument/2006/math">
-                      <m:nary>
-                        <m:naryPr>
-                          <m:limLoc m:val="undOvr"/>
-                          <m:subHide m:val="on"/>
-                          <m:supHide m:val="on"/>
-                          <m:ctrlPr>
-                            <a:rPr kumimoji="1" lang="en-US" altLang="zh-CN" i="1" smtClean="0">
-                              <a:solidFill>
-                                <a:schemeClr val="tx1"/>
-                              </a:solidFill>
-                              <a:latin typeface="Cambria Math" panose="02040503050406030204" pitchFamily="18" charset="0"/>
-                            </a:rPr>
-                          </m:ctrlPr>
-                        </m:naryPr>
-                        <m:sub/>
-                        <m:sup/>
-                        <m:e>
-                          <m:sSub>
-                            <m:sSubPr>
-                              <m:ctrlPr>
-                                <a:rPr kumimoji="1" lang="en-US" altLang="zh-CN" i="1" smtClean="0">
-                                  <a:solidFill>
-                                    <a:schemeClr val="tx1"/>
-                                  </a:solidFill>
-                                  <a:latin typeface="Cambria Math" panose="02040503050406030204" pitchFamily="18" charset="0"/>
-                                </a:rPr>
-                              </m:ctrlPr>
-                            </m:sSubPr>
-                            <m:e>
-                              <m:r>
-                                <a:rPr kumimoji="1" lang="en-US" altLang="zh-CN" b="0" i="1" smtClean="0">
-                                  <a:solidFill>
-                                    <a:schemeClr val="tx1"/>
-                                  </a:solidFill>
-                                  <a:latin typeface="Cambria Math" panose="02040503050406030204" pitchFamily="18" charset="0"/>
-                                </a:rPr>
-                                <m:t>𝑝</m:t>
-                              </m:r>
-                            </m:e>
-                            <m:sub>
-                              <m:r>
-                                <a:rPr kumimoji="1" lang="en-US" altLang="zh-CN" b="0" i="1" smtClean="0">
-                                  <a:solidFill>
-                                    <a:schemeClr val="tx1"/>
-                                  </a:solidFill>
-                                  <a:latin typeface="Cambria Math" panose="02040503050406030204" pitchFamily="18" charset="0"/>
-                                </a:rPr>
-                                <m:t>𝑦</m:t>
-                              </m:r>
-                            </m:sub>
-                          </m:sSub>
-                          <m:d>
-                            <m:dPr>
-                              <m:ctrlPr>
-                                <a:rPr kumimoji="1" lang="en-US" altLang="zh-CN" b="0" i="1" smtClean="0">
-                                  <a:solidFill>
-                                    <a:schemeClr val="tx1"/>
-                                  </a:solidFill>
-                                  <a:latin typeface="Cambria Math" panose="02040503050406030204" pitchFamily="18" charset="0"/>
-                                </a:rPr>
-                              </m:ctrlPr>
-                            </m:dPr>
-                            <m:e>
-                              <m:r>
-                                <a:rPr kumimoji="1" lang="en-US" altLang="zh-CN" b="0" i="1" smtClean="0">
-                                  <a:solidFill>
-                                    <a:schemeClr val="tx1"/>
-                                  </a:solidFill>
-                                  <a:latin typeface="Cambria Math" panose="02040503050406030204" pitchFamily="18" charset="0"/>
-                                </a:rPr>
-                                <m:t>𝑦</m:t>
-                              </m:r>
-                            </m:e>
-                          </m:d>
-                          <m:r>
-                            <a:rPr kumimoji="1" lang="en-US" altLang="zh-CN" b="0" i="1" smtClean="0">
-                              <a:solidFill>
-                                <a:schemeClr val="tx1"/>
-                              </a:solidFill>
-                              <a:latin typeface="Cambria Math" panose="02040503050406030204" pitchFamily="18" charset="0"/>
-                            </a:rPr>
-                            <m:t>𝑑𝑦</m:t>
-                          </m:r>
-                        </m:e>
-                      </m:nary>
-                      <m:r>
-                        <a:rPr kumimoji="1" lang="en-US" altLang="zh-CN" b="0" i="1" smtClean="0">
-                          <a:solidFill>
-                            <a:schemeClr val="tx1"/>
-                          </a:solidFill>
-                          <a:latin typeface="Cambria Math" panose="02040503050406030204" pitchFamily="18" charset="0"/>
-                        </a:rPr>
-                        <m:t>=</m:t>
-                      </m:r>
-                      <m:f>
-                        <m:fPr>
-                          <m:ctrlPr>
-                            <a:rPr kumimoji="1" lang="en-US" altLang="zh-CN" b="0" i="1" smtClean="0">
-                              <a:solidFill>
-                                <a:schemeClr val="tx1"/>
-                              </a:solidFill>
-                              <a:latin typeface="Cambria Math" panose="02040503050406030204" pitchFamily="18" charset="0"/>
-                            </a:rPr>
-                          </m:ctrlPr>
-                        </m:fPr>
-                        <m:num>
-                          <m:r>
-                            <a:rPr kumimoji="1" lang="en-US" altLang="zh-CN" b="0" i="1" smtClean="0">
-                              <a:solidFill>
-                                <a:schemeClr val="tx1"/>
-                              </a:solidFill>
-                              <a:latin typeface="Cambria Math" panose="02040503050406030204" pitchFamily="18" charset="0"/>
-                            </a:rPr>
-                            <m:t>1</m:t>
-                          </m:r>
-                        </m:num>
-                        <m:den>
-                          <m:r>
-                            <a:rPr kumimoji="1" lang="en-US" altLang="zh-CN" b="0" i="1" smtClean="0">
-                              <a:solidFill>
-                                <a:schemeClr val="tx1"/>
-                              </a:solidFill>
-                              <a:latin typeface="Cambria Math" panose="02040503050406030204" pitchFamily="18" charset="0"/>
-                            </a:rPr>
-                            <m:t>2</m:t>
-                          </m:r>
-                        </m:den>
-                      </m:f>
-                    </m:oMath>
-                  </m:oMathPara>
-                </a14:m>
-                <a:endParaRPr kumimoji="1" lang="en-US" altLang="zh-CN" dirty="0">
-                  <a:solidFill>
-                    <a:schemeClr val="tx1"/>
-                  </a:solidFill>
-                </a:endParaRPr>
-              </a:p>
-              <a:p>
-                <a:pPr marL="0" indent="0">
-                  <a:buNone/>
-                </a:pPr>
-                <a:endParaRPr kumimoji="1" lang="en-US" altLang="zh-CN" dirty="0">
-                  <a:solidFill>
-                    <a:schemeClr val="tx1"/>
-                  </a:solidFill>
-                </a:endParaRPr>
-              </a:p>
-            </p:txBody>
-          </p:sp>
-        </mc:Choice>
-        <mc:Fallback>
-          <p:sp>
-            <p:nvSpPr>
-              <p:cNvPr id="6" name="内容占位符 4">
-                <a:extLst>
-                  <a:ext uri="{FF2B5EF4-FFF2-40B4-BE49-F238E27FC236}">
-                    <a16:creationId xmlns:a16="http://schemas.microsoft.com/office/drawing/2014/main" id="{E5B440BE-0A23-EF4B-9429-B33CD6E02952}"/>
-                  </a:ext>
-                </a:extLst>
-              </p:cNvPr>
-              <p:cNvSpPr txBox="1">
-                <a:spLocks noRot="1" noChangeAspect="1" noMove="1" noResize="1" noEditPoints="1" noAdjustHandles="1" noChangeArrowheads="1" noChangeShapeType="1" noTextEdit="1"/>
-              </p:cNvSpPr>
-              <p:nvPr/>
-            </p:nvSpPr>
-            <p:spPr>
-              <a:xfrm>
-                <a:off x="155274" y="3639363"/>
-                <a:ext cx="8833452" cy="2541518"/>
-              </a:xfrm>
-              <a:prstGeom prst="rect">
-                <a:avLst/>
-              </a:prstGeom>
-              <a:blipFill>
-                <a:blip r:embed="rId2"/>
-                <a:stretch>
-                  <a:fillRect l="-897" t="-2638"/>
-                </a:stretch>
-              </a:blipFill>
-            </p:spPr>
-            <p:txBody>
-              <a:bodyPr/>
-              <a:lstStyle/>
-              <a:p>
-                <a:r>
-                  <a:rPr lang="en-US">
-                    <a:noFill/>
-                  </a:rPr>
-                  <a:t> </a:t>
-                </a:r>
-              </a:p>
-            </p:txBody>
-          </p:sp>
-        </mc:Fallback>
-      </mc:AlternateContent>
-    </p:spTree>
-    <p:extLst>
-      <p:ext uri="{BB962C8B-B14F-4D97-AF65-F5344CB8AC3E}">
-        <p14:creationId xmlns:p14="http://schemas.microsoft.com/office/powerpoint/2010/main" val="3755253384"/>
-      </p:ext>
-    </p:extLst>
-  </p:cSld>
-  <p:clrMapOvr>
-    <a:masterClrMapping/>
-  </p:clrMapOvr>
-</p:sld>
-</file>
-
-<file path=ppt/slides/slide11.xml><?xml version="1.0" encoding="utf-8"?>
-<p:sld xmlns:a="http://schemas.openxmlformats.org/drawingml/2006/main" xmlns:r="http://schemas.openxmlformats.org/officeDocument/2006/relationships" xmlns:p="http://schemas.openxmlformats.org/presentationml/2006/main">
-  <p:cSld>
-    <p:spTree>
-      <p:nvGrpSpPr>
-        <p:cNvPr id="1" name=""/>
-        <p:cNvGrpSpPr/>
-        <p:nvPr/>
-      </p:nvGrpSpPr>
-      <p:grpSpPr>
-        <a:xfrm>
-          <a:off x="0" y="0"/>
-          <a:ext cx="0" cy="0"/>
-          <a:chOff x="0" y="0"/>
-          <a:chExt cx="0" cy="0"/>
-        </a:xfrm>
-      </p:grpSpPr>
-      <p:pic>
-        <p:nvPicPr>
-          <p:cNvPr id="19" name="Picture 18" descr="A picture containing diagram&#10;&#10;Description automatically generated">
-            <a:extLst>
-              <a:ext uri="{FF2B5EF4-FFF2-40B4-BE49-F238E27FC236}">
-                <a16:creationId xmlns:a16="http://schemas.microsoft.com/office/drawing/2014/main" id="{0A5478F6-F4F0-F24F-AD38-C1D580796D76}"/>
-              </a:ext>
-            </a:extLst>
-          </p:cNvPr>
-          <p:cNvPicPr>
-            <a:picLocks noChangeAspect="1"/>
-          </p:cNvPicPr>
-          <p:nvPr/>
-        </p:nvPicPr>
-        <p:blipFill rotWithShape="1">
-          <a:blip r:embed="rId2"/>
-          <a:srcRect l="10506" t="22022" r="12026" b="3230"/>
-          <a:stretch/>
-        </p:blipFill>
-        <p:spPr>
-          <a:xfrm>
-            <a:off x="1535186" y="2649907"/>
-            <a:ext cx="5385732" cy="1745718"/>
-          </a:xfrm>
-          <a:prstGeom prst="rect">
-            <a:avLst/>
-          </a:prstGeom>
-        </p:spPr>
-      </p:pic>
-      <p:sp>
-        <p:nvSpPr>
-          <p:cNvPr id="5" name="内容占位符 4"/>
-          <p:cNvSpPr>
-            <a:spLocks noGrp="1"/>
-          </p:cNvSpPr>
-          <p:nvPr>
-            <p:ph idx="1"/>
-          </p:nvPr>
-        </p:nvSpPr>
-        <p:spPr>
-          <a:xfrm>
-            <a:off x="247787" y="1428450"/>
-            <a:ext cx="8479523" cy="564742"/>
-          </a:xfrm>
-        </p:spPr>
-        <p:txBody>
-          <a:bodyPr>
-            <a:normAutofit/>
-          </a:bodyPr>
-          <a:lstStyle/>
-          <a:p>
-            <a:pPr marL="0" indent="0">
-              <a:buNone/>
-            </a:pPr>
-            <a:r>
-              <a:rPr kumimoji="1" lang="zh-CN" altLang="en-US" dirty="0">
-                <a:solidFill>
-                  <a:schemeClr val="tx1"/>
-                </a:solidFill>
-              </a:rPr>
-              <a:t>哪里出错了</a:t>
-            </a:r>
-            <a:r>
-              <a:rPr kumimoji="1" lang="en-US" altLang="zh-CN" dirty="0">
-                <a:solidFill>
-                  <a:schemeClr val="tx1"/>
-                </a:solidFill>
-              </a:rPr>
-              <a:t>?</a:t>
-            </a:r>
-          </a:p>
-          <a:p>
-            <a:pPr marL="0" indent="0">
-              <a:buNone/>
-            </a:pPr>
-            <a:endParaRPr kumimoji="1" lang="en-US" altLang="zh-CN" dirty="0">
-              <a:solidFill>
-                <a:schemeClr val="tx1"/>
-              </a:solidFill>
-            </a:endParaRPr>
-          </a:p>
-        </p:txBody>
-      </p:sp>
-      <p:sp>
-        <p:nvSpPr>
-          <p:cNvPr id="7" name="标题 1"/>
-          <p:cNvSpPr>
-            <a:spLocks noGrp="1"/>
-          </p:cNvSpPr>
-          <p:nvPr>
-            <p:ph type="title"/>
-          </p:nvPr>
-        </p:nvSpPr>
-        <p:spPr>
-          <a:xfrm>
-            <a:off x="473363" y="577276"/>
-            <a:ext cx="8561579" cy="750455"/>
-          </a:xfrm>
-        </p:spPr>
-        <p:txBody>
-          <a:bodyPr/>
-          <a:lstStyle/>
-          <a:p>
-            <a:pPr algn="l"/>
-            <a:r>
-              <a:rPr lang="en-US" altLang="ja-JP" sz="4000" baseline="30000" dirty="0">
-                <a:solidFill>
-                  <a:schemeClr val="bg1"/>
-                </a:solidFill>
-                <a:latin typeface="黑体"/>
-                <a:ea typeface="黑体"/>
-                <a:cs typeface="黑体"/>
-              </a:rPr>
-              <a:t>1.</a:t>
-            </a:r>
-            <a:r>
-              <a:rPr lang="en-US" altLang="zh-CN" sz="4000" baseline="30000" dirty="0">
-                <a:solidFill>
-                  <a:schemeClr val="bg1"/>
-                </a:solidFill>
-                <a:latin typeface="黑体"/>
-                <a:ea typeface="黑体"/>
-                <a:cs typeface="黑体"/>
-              </a:rPr>
-              <a:t>8</a:t>
-            </a:r>
-            <a:r>
-              <a:rPr lang="en-US" altLang="ja-JP" sz="4000" baseline="30000" dirty="0">
-                <a:solidFill>
-                  <a:schemeClr val="bg1"/>
-                </a:solidFill>
-                <a:latin typeface="黑体"/>
-                <a:ea typeface="黑体"/>
-                <a:cs typeface="黑体"/>
-              </a:rPr>
-              <a:t> </a:t>
-            </a:r>
-            <a:r>
-              <a:rPr lang="zh-CN" altLang="en-US" sz="4000" baseline="30000" dirty="0">
-                <a:solidFill>
-                  <a:schemeClr val="bg1"/>
-                </a:solidFill>
-                <a:latin typeface="黑体"/>
-                <a:ea typeface="黑体"/>
-                <a:cs typeface="黑体"/>
-              </a:rPr>
-              <a:t>分析</a:t>
-            </a:r>
-            <a:endParaRPr lang="ja-JP" altLang="en-US" sz="4000" baseline="30000" dirty="0">
-              <a:solidFill>
-                <a:schemeClr val="bg1"/>
-              </a:solidFill>
-              <a:latin typeface="黑体"/>
-              <a:ea typeface="黑体"/>
-              <a:cs typeface="黑体"/>
-            </a:endParaRPr>
-          </a:p>
-        </p:txBody>
-      </p:sp>
-      <mc:AlternateContent xmlns:mc="http://schemas.openxmlformats.org/markup-compatibility/2006">
-        <mc:Choice xmlns:a14="http://schemas.microsoft.com/office/drawing/2010/main" Requires="a14">
-          <p:sp>
-            <p:nvSpPr>
-              <p:cNvPr id="13" name="内容占位符 4">
-                <a:extLst>
-                  <a:ext uri="{FF2B5EF4-FFF2-40B4-BE49-F238E27FC236}">
-                    <a16:creationId xmlns:a16="http://schemas.microsoft.com/office/drawing/2014/main" id="{68F09DC1-626B-DF42-9BBE-C8C84CD60782}"/>
-                  </a:ext>
-                </a:extLst>
-              </p:cNvPr>
-              <p:cNvSpPr txBox="1">
-                <a:spLocks/>
-              </p:cNvSpPr>
-              <p:nvPr/>
-            </p:nvSpPr>
-            <p:spPr>
-              <a:xfrm>
-                <a:off x="-96161" y="4244329"/>
-                <a:ext cx="8479523" cy="913945"/>
-              </a:xfrm>
-              <a:prstGeom prst="rect">
-                <a:avLst/>
-              </a:prstGeom>
-            </p:spPr>
-            <p:txBody>
-              <a:bodyPr vert="horz" lIns="91440" tIns="45720" rIns="91440" bIns="45720" rtlCol="0">
-                <a:normAutofit fontScale="92500"/>
-              </a:bodyPr>
-              <a:lstStyle>
-                <a:lvl1pPr marL="457200" indent="-457200" algn="l" defTabSz="914400" rtl="0" eaLnBrk="1" latinLnBrk="0" hangingPunct="1">
-                  <a:spcBef>
-                    <a:spcPts val="2000"/>
-                  </a:spcBef>
-                  <a:buClr>
-                    <a:schemeClr val="tx1">
-                      <a:lumMod val="75000"/>
-                      <a:lumOff val="25000"/>
-                    </a:schemeClr>
-                  </a:buClr>
-                  <a:buSzPct val="75000"/>
-                  <a:buFont typeface="Wingdings 2" pitchFamily="18" charset="2"/>
-                  <a:buChar char=""/>
-                  <a:defRPr sz="2200" kern="1200">
-                    <a:solidFill>
-                      <a:schemeClr val="tx1">
-                        <a:lumMod val="75000"/>
-                        <a:lumOff val="25000"/>
-                      </a:schemeClr>
-                    </a:solidFill>
-                    <a:latin typeface="+mn-lt"/>
-                    <a:ea typeface="+mn-ea"/>
-                    <a:cs typeface="+mn-cs"/>
-                  </a:defRPr>
-                </a:lvl1pPr>
-                <a:lvl2pPr marL="914400" indent="-457200" algn="l" defTabSz="914400" rtl="0" eaLnBrk="1" latinLnBrk="0" hangingPunct="1">
-                  <a:spcBef>
-                    <a:spcPts val="600"/>
-                  </a:spcBef>
-                  <a:buClr>
-                    <a:schemeClr val="tx1">
-                      <a:lumMod val="50000"/>
-                      <a:lumOff val="50000"/>
-                    </a:schemeClr>
-                  </a:buClr>
-                  <a:buSzPct val="75000"/>
-                  <a:buFont typeface="Wingdings 2" pitchFamily="18" charset="2"/>
-                  <a:buChar char=""/>
-                  <a:defRPr sz="2000" kern="1200">
-                    <a:solidFill>
-                      <a:schemeClr val="tx1">
-                        <a:lumMod val="75000"/>
-                        <a:lumOff val="25000"/>
-                      </a:schemeClr>
-                    </a:solidFill>
-                    <a:latin typeface="+mn-lt"/>
-                    <a:ea typeface="+mn-ea"/>
-                    <a:cs typeface="+mn-cs"/>
-                  </a:defRPr>
-                </a:lvl2pPr>
-                <a:lvl3pPr marL="1371600" indent="-457200" algn="l" defTabSz="914400" rtl="0" eaLnBrk="1" latinLnBrk="0" hangingPunct="1">
-                  <a:spcBef>
-                    <a:spcPts val="600"/>
-                  </a:spcBef>
-                  <a:buClr>
-                    <a:schemeClr val="tx1">
-                      <a:lumMod val="75000"/>
-                      <a:lumOff val="25000"/>
-                    </a:schemeClr>
-                  </a:buClr>
-                  <a:buSzPct val="75000"/>
-                  <a:buFont typeface="Wingdings 2" pitchFamily="18" charset="2"/>
-                  <a:buChar char=""/>
-                  <a:defRPr sz="1800" kern="1200">
-                    <a:solidFill>
-                      <a:schemeClr val="tx1">
-                        <a:lumMod val="75000"/>
-                        <a:lumOff val="25000"/>
-                      </a:schemeClr>
-                    </a:solidFill>
-                    <a:latin typeface="+mn-lt"/>
-                    <a:ea typeface="+mn-ea"/>
-                    <a:cs typeface="+mn-cs"/>
-                  </a:defRPr>
-                </a:lvl3pPr>
-                <a:lvl4pPr marL="1828800" indent="-457200" algn="l" defTabSz="914400" rtl="0" eaLnBrk="1" latinLnBrk="0" hangingPunct="1">
-                  <a:spcBef>
-                    <a:spcPts val="600"/>
-                  </a:spcBef>
-                  <a:buClr>
-                    <a:schemeClr val="tx1">
-                      <a:lumMod val="50000"/>
-                      <a:lumOff val="50000"/>
-                    </a:schemeClr>
-                  </a:buClr>
-                  <a:buSzPct val="75000"/>
-                  <a:buFont typeface="Wingdings 2" pitchFamily="18" charset="2"/>
-                  <a:buChar char=""/>
-                  <a:defRPr sz="1800" kern="1200">
-                    <a:solidFill>
-                      <a:schemeClr val="tx1">
-                        <a:lumMod val="75000"/>
-                        <a:lumOff val="25000"/>
-                      </a:schemeClr>
-                    </a:solidFill>
-                    <a:latin typeface="+mn-lt"/>
-                    <a:ea typeface="+mn-ea"/>
-                    <a:cs typeface="+mn-cs"/>
-                  </a:defRPr>
-                </a:lvl4pPr>
-                <a:lvl5pPr marL="2286000" indent="-457200" algn="l" defTabSz="914400" rtl="0" eaLnBrk="1" latinLnBrk="0" hangingPunct="1">
-                  <a:spcBef>
-                    <a:spcPts val="600"/>
-                  </a:spcBef>
-                  <a:buClr>
-                    <a:schemeClr val="tx1">
-                      <a:lumMod val="75000"/>
-                      <a:lumOff val="25000"/>
-                    </a:schemeClr>
-                  </a:buClr>
-                  <a:buSzPct val="75000"/>
-                  <a:buFont typeface="Wingdings 2" pitchFamily="18" charset="2"/>
-                  <a:buChar char=""/>
-                  <a:defRPr sz="1800" kern="1200">
-                    <a:solidFill>
-                      <a:schemeClr val="tx1">
-                        <a:lumMod val="75000"/>
-                        <a:lumOff val="25000"/>
-                      </a:schemeClr>
-                    </a:solidFill>
-                    <a:latin typeface="+mn-lt"/>
-                    <a:ea typeface="+mn-ea"/>
-                    <a:cs typeface="+mn-cs"/>
-                  </a:defRPr>
-                </a:lvl5pPr>
-                <a:lvl6pPr marL="2743200" indent="-461963" algn="l" defTabSz="914400" rtl="0" eaLnBrk="1" latinLnBrk="0" hangingPunct="1">
-                  <a:spcBef>
-                    <a:spcPct val="20000"/>
-                  </a:spcBef>
-                  <a:buClr>
-                    <a:schemeClr val="tx1">
-                      <a:lumMod val="50000"/>
-                      <a:lumOff val="50000"/>
-                    </a:schemeClr>
-                  </a:buClr>
-                  <a:buSzPct val="75000"/>
-                  <a:buFont typeface="Wingdings 2" pitchFamily="18" charset="2"/>
-                  <a:buChar char=""/>
-                  <a:defRPr lang="en-US" sz="1800" kern="1200" dirty="0" smtClean="0">
-                    <a:solidFill>
-                      <a:schemeClr val="tx1">
-                        <a:lumMod val="75000"/>
-                        <a:lumOff val="25000"/>
-                      </a:schemeClr>
-                    </a:solidFill>
-                    <a:latin typeface="+mn-lt"/>
-                    <a:ea typeface="+mn-ea"/>
-                    <a:cs typeface="+mn-cs"/>
-                  </a:defRPr>
-                </a:lvl6pPr>
-                <a:lvl7pPr marL="3205163" indent="-461963" algn="l" defTabSz="914400" rtl="0" eaLnBrk="1" latinLnBrk="0" hangingPunct="1">
-                  <a:spcBef>
-                    <a:spcPct val="20000"/>
-                  </a:spcBef>
-                  <a:buClr>
-                    <a:schemeClr val="tx1">
-                      <a:lumMod val="75000"/>
-                      <a:lumOff val="25000"/>
-                    </a:schemeClr>
-                  </a:buClr>
-                  <a:buSzPct val="75000"/>
-                  <a:buFont typeface="Wingdings 2" pitchFamily="18" charset="2"/>
-                  <a:buChar char=""/>
-                  <a:defRPr lang="en-US" sz="1800" kern="1200" dirty="0" smtClean="0">
-                    <a:solidFill>
-                      <a:schemeClr val="tx1">
-                        <a:lumMod val="75000"/>
-                        <a:lumOff val="25000"/>
-                      </a:schemeClr>
-                    </a:solidFill>
-                    <a:latin typeface="+mn-lt"/>
-                    <a:ea typeface="+mn-ea"/>
-                    <a:cs typeface="+mn-cs"/>
-                  </a:defRPr>
-                </a:lvl7pPr>
-                <a:lvl8pPr marL="3657600" indent="-461963" algn="l" defTabSz="914400" rtl="0" eaLnBrk="1" latinLnBrk="0" hangingPunct="1">
-                  <a:spcBef>
-                    <a:spcPct val="20000"/>
-                  </a:spcBef>
-                  <a:buClr>
-                    <a:schemeClr val="tx1">
-                      <a:lumMod val="50000"/>
-                      <a:lumOff val="50000"/>
-                    </a:schemeClr>
-                  </a:buClr>
-                  <a:buSzPct val="75000"/>
-                  <a:buFont typeface="Wingdings 2" pitchFamily="18" charset="2"/>
-                  <a:buChar char=""/>
-                  <a:defRPr lang="en-US" sz="1800" kern="1200" dirty="0" smtClean="0">
-                    <a:solidFill>
-                      <a:schemeClr val="tx1">
-                        <a:lumMod val="75000"/>
-                        <a:lumOff val="25000"/>
-                      </a:schemeClr>
-                    </a:solidFill>
-                    <a:latin typeface="+mn-lt"/>
-                    <a:ea typeface="+mn-ea"/>
-                    <a:cs typeface="+mn-cs"/>
-                  </a:defRPr>
-                </a:lvl8pPr>
-                <a:lvl9pPr marL="4119563" indent="-461963" algn="l" defTabSz="914400" rtl="0" eaLnBrk="1" latinLnBrk="0" hangingPunct="1">
-                  <a:spcBef>
-                    <a:spcPct val="20000"/>
-                  </a:spcBef>
-                  <a:buClr>
-                    <a:schemeClr val="tx1">
-                      <a:lumMod val="75000"/>
-                      <a:lumOff val="25000"/>
-                    </a:schemeClr>
-                  </a:buClr>
-                  <a:buSzPct val="75000"/>
-                  <a:buFont typeface="Wingdings 2" pitchFamily="18" charset="2"/>
-                  <a:buChar char=""/>
-                  <a:defRPr lang="en-US" sz="1800" kern="1200" dirty="0">
-                    <a:solidFill>
-                      <a:schemeClr val="tx1">
-                        <a:lumMod val="75000"/>
-                        <a:lumOff val="25000"/>
-                      </a:schemeClr>
-                    </a:solidFill>
-                    <a:latin typeface="+mn-lt"/>
-                    <a:ea typeface="+mn-ea"/>
-                    <a:cs typeface="+mn-cs"/>
-                  </a:defRPr>
-                </a:lvl9pPr>
-              </a:lstStyle>
-              <a:p>
-                <a:pPr marL="0" indent="0">
-                  <a:buNone/>
-                </a:pPr>
-                <a14:m>
-                  <m:oMathPara xmlns:m="http://schemas.openxmlformats.org/officeDocument/2006/math">
-                    <m:oMathParaPr>
-                      <m:jc m:val="centerGroup"/>
-                    </m:oMathParaPr>
-                    <m:oMath xmlns:m="http://schemas.openxmlformats.org/officeDocument/2006/math">
-                      <m:r>
-                        <a:rPr kumimoji="1" lang="en-US" altLang="zh-CN" b="0" i="1" smtClean="0">
-                          <a:solidFill>
-                            <a:schemeClr val="tx1"/>
-                          </a:solidFill>
-                          <a:latin typeface="Cambria Math" panose="02040503050406030204" pitchFamily="18" charset="0"/>
-                        </a:rPr>
-                        <m:t>1=</m:t>
-                      </m:r>
-                      <m:nary>
-                        <m:naryPr>
-                          <m:ctrlPr>
-                            <a:rPr kumimoji="1" lang="en-US" altLang="zh-CN" i="1" smtClean="0">
-                              <a:solidFill>
-                                <a:schemeClr val="tx1"/>
-                              </a:solidFill>
-                              <a:latin typeface="Cambria Math" panose="02040503050406030204" pitchFamily="18" charset="0"/>
-                            </a:rPr>
-                          </m:ctrlPr>
-                        </m:naryPr>
-                        <m:sub>
-                          <m:r>
-                            <m:rPr>
-                              <m:brk m:alnAt="23"/>
-                            </m:rPr>
-                            <a:rPr kumimoji="1" lang="en-US" altLang="zh-CN" b="0" i="1" smtClean="0">
-                              <a:solidFill>
-                                <a:schemeClr val="tx1"/>
-                              </a:solidFill>
-                              <a:latin typeface="Cambria Math" panose="02040503050406030204" pitchFamily="18" charset="0"/>
-                            </a:rPr>
-                            <m:t>0</m:t>
-                          </m:r>
-                        </m:sub>
-                        <m:sup>
-                          <m:r>
-                            <a:rPr kumimoji="1" lang="en-US" altLang="zh-CN" b="0" i="1" smtClean="0">
-                              <a:solidFill>
-                                <a:schemeClr val="tx1"/>
-                              </a:solidFill>
-                              <a:latin typeface="Cambria Math" panose="02040503050406030204" pitchFamily="18" charset="0"/>
-                            </a:rPr>
-                            <m:t>𝑎</m:t>
-                          </m:r>
-                        </m:sup>
-                        <m:e>
-                          <m:r>
-                            <a:rPr kumimoji="1" lang="en-US" altLang="zh-CN" b="0" i="1" smtClean="0">
-                              <a:solidFill>
-                                <a:schemeClr val="tx1"/>
-                              </a:solidFill>
-                              <a:latin typeface="Cambria Math" panose="02040503050406030204" pitchFamily="18" charset="0"/>
-                            </a:rPr>
-                            <m:t>𝑝</m:t>
-                          </m:r>
-                          <m:r>
-                            <a:rPr kumimoji="1" lang="en-US" altLang="zh-CN" b="0" i="1" baseline="-25000" smtClean="0">
-                              <a:solidFill>
-                                <a:schemeClr val="tx1"/>
-                              </a:solidFill>
-                              <a:latin typeface="Cambria Math" panose="02040503050406030204" pitchFamily="18" charset="0"/>
-                            </a:rPr>
-                            <m:t>𝑋</m:t>
-                          </m:r>
-                          <m:d>
-                            <m:dPr>
-                              <m:ctrlPr>
-                                <a:rPr kumimoji="1" lang="en-US" altLang="zh-CN" b="0" i="1" smtClean="0">
-                                  <a:solidFill>
-                                    <a:schemeClr val="tx1"/>
-                                  </a:solidFill>
-                                  <a:latin typeface="Cambria Math" panose="02040503050406030204" pitchFamily="18" charset="0"/>
-                                </a:rPr>
-                              </m:ctrlPr>
-                            </m:dPr>
-                            <m:e>
-                              <m:r>
-                                <a:rPr kumimoji="1" lang="en-US" altLang="zh-CN" b="0" i="1" smtClean="0">
-                                  <a:solidFill>
-                                    <a:schemeClr val="tx1"/>
-                                  </a:solidFill>
-                                  <a:latin typeface="Cambria Math" panose="02040503050406030204" pitchFamily="18" charset="0"/>
-                                </a:rPr>
-                                <m:t>𝑥</m:t>
-                              </m:r>
-                            </m:e>
-                          </m:d>
-                          <m:r>
-                            <a:rPr kumimoji="1" lang="en-US" altLang="zh-CN" b="0" i="1" smtClean="0">
-                              <a:solidFill>
-                                <a:schemeClr val="tx1"/>
-                              </a:solidFill>
-                              <a:latin typeface="Cambria Math" panose="02040503050406030204" pitchFamily="18" charset="0"/>
-                            </a:rPr>
-                            <m:t>𝑑𝑥</m:t>
-                          </m:r>
-                        </m:e>
-                      </m:nary>
-                      <m:r>
-                        <a:rPr kumimoji="1" lang="en-US" altLang="zh-CN" b="0" i="1" smtClean="0">
-                          <a:solidFill>
-                            <a:schemeClr val="tx1"/>
-                          </a:solidFill>
-                          <a:latin typeface="Cambria Math" panose="02040503050406030204" pitchFamily="18" charset="0"/>
-                        </a:rPr>
-                        <m:t>=</m:t>
-                      </m:r>
-                      <m:nary>
-                        <m:naryPr>
-                          <m:ctrlPr>
-                            <a:rPr kumimoji="1" lang="en-US" altLang="zh-CN" b="0" i="1" smtClean="0">
-                              <a:solidFill>
-                                <a:schemeClr val="tx1"/>
-                              </a:solidFill>
-                              <a:latin typeface="Cambria Math" panose="02040503050406030204" pitchFamily="18" charset="0"/>
-                            </a:rPr>
-                          </m:ctrlPr>
-                        </m:naryPr>
-                        <m:sub>
-                          <m:r>
-                            <m:rPr>
-                              <m:brk m:alnAt="23"/>
-                            </m:rPr>
-                            <a:rPr kumimoji="1" lang="en-US" altLang="zh-CN" b="0" i="1" smtClean="0">
-                              <a:solidFill>
-                                <a:schemeClr val="tx1"/>
-                              </a:solidFill>
-                              <a:latin typeface="Cambria Math" panose="02040503050406030204" pitchFamily="18" charset="0"/>
-                            </a:rPr>
-                            <m:t>0</m:t>
-                          </m:r>
-                        </m:sub>
-                        <m:sup>
-                          <m:f>
-                            <m:fPr>
-                              <m:ctrlPr>
-                                <a:rPr kumimoji="1" lang="en-US" altLang="zh-CN" b="0" i="1" smtClean="0">
-                                  <a:solidFill>
-                                    <a:schemeClr val="tx1"/>
-                                  </a:solidFill>
-                                  <a:latin typeface="Cambria Math" panose="02040503050406030204" pitchFamily="18" charset="0"/>
-                                </a:rPr>
-                              </m:ctrlPr>
-                            </m:fPr>
-                            <m:num>
-                              <m:r>
-                                <a:rPr kumimoji="1" lang="en-US" altLang="zh-CN" b="0" i="1" smtClean="0">
-                                  <a:solidFill>
-                                    <a:schemeClr val="tx1"/>
-                                  </a:solidFill>
-                                  <a:latin typeface="Cambria Math" panose="02040503050406030204" pitchFamily="18" charset="0"/>
-                                </a:rPr>
-                                <m:t>𝑎</m:t>
-                              </m:r>
-                            </m:num>
-                            <m:den>
-                              <m:r>
-                                <a:rPr kumimoji="1" lang="en-US" altLang="zh-CN" b="0" i="1" smtClean="0">
-                                  <a:solidFill>
-                                    <a:schemeClr val="tx1"/>
-                                  </a:solidFill>
-                                  <a:latin typeface="Cambria Math" panose="02040503050406030204" pitchFamily="18" charset="0"/>
-                                </a:rPr>
-                                <m:t>2</m:t>
-                              </m:r>
-                            </m:den>
-                          </m:f>
-                        </m:sup>
-                        <m:e>
-                          <m:r>
-                            <a:rPr kumimoji="1" lang="en-US" altLang="zh-CN" b="0" i="1" smtClean="0">
-                              <a:solidFill>
-                                <a:schemeClr val="tx1"/>
-                              </a:solidFill>
-                              <a:latin typeface="Cambria Math" panose="02040503050406030204" pitchFamily="18" charset="0"/>
-                            </a:rPr>
-                            <m:t>𝑝</m:t>
-                          </m:r>
-                          <m:r>
-                            <a:rPr kumimoji="1" lang="en-US" altLang="zh-CN" b="0" i="1" baseline="-25000" smtClean="0">
-                              <a:solidFill>
-                                <a:schemeClr val="tx1"/>
-                              </a:solidFill>
-                              <a:latin typeface="Cambria Math" panose="02040503050406030204" pitchFamily="18" charset="0"/>
-                            </a:rPr>
-                            <m:t>𝑌</m:t>
-                          </m:r>
-                          <m:d>
-                            <m:dPr>
-                              <m:ctrlPr>
-                                <a:rPr kumimoji="1" lang="en-US" altLang="zh-CN" b="0" i="1" smtClean="0">
-                                  <a:solidFill>
-                                    <a:schemeClr val="tx1"/>
-                                  </a:solidFill>
-                                  <a:latin typeface="Cambria Math" panose="02040503050406030204" pitchFamily="18" charset="0"/>
-                                </a:rPr>
-                              </m:ctrlPr>
-                            </m:dPr>
-                            <m:e>
-                              <m:r>
-                                <a:rPr kumimoji="1" lang="en-US" altLang="zh-CN" b="0" i="1" smtClean="0">
-                                  <a:solidFill>
-                                    <a:schemeClr val="tx1"/>
-                                  </a:solidFill>
-                                  <a:latin typeface="Cambria Math" panose="02040503050406030204" pitchFamily="18" charset="0"/>
-                                </a:rPr>
-                                <m:t>𝑦</m:t>
-                              </m:r>
-                            </m:e>
-                          </m:d>
-                          <m:r>
-                            <a:rPr kumimoji="1" lang="en-US" altLang="zh-CN" b="0" i="1" smtClean="0">
-                              <a:solidFill>
-                                <a:schemeClr val="tx1"/>
-                              </a:solidFill>
-                              <a:latin typeface="Cambria Math" panose="02040503050406030204" pitchFamily="18" charset="0"/>
-                            </a:rPr>
-                            <m:t>𝑑𝑦</m:t>
-                          </m:r>
-                        </m:e>
-                      </m:nary>
-                      <m:r>
-                        <a:rPr kumimoji="1" lang="en-US" altLang="zh-CN" b="0" i="1" smtClean="0">
-                          <a:solidFill>
-                            <a:schemeClr val="tx1"/>
-                          </a:solidFill>
-                          <a:latin typeface="Cambria Math" panose="02040503050406030204" pitchFamily="18" charset="0"/>
-                        </a:rPr>
-                        <m:t>=</m:t>
-                      </m:r>
-                      <m:nary>
-                        <m:naryPr>
-                          <m:ctrlPr>
-                            <a:rPr kumimoji="1" lang="en-US" altLang="zh-CN" i="1">
-                              <a:solidFill>
-                                <a:schemeClr val="tx1"/>
-                              </a:solidFill>
-                              <a:latin typeface="Cambria Math" panose="02040503050406030204" pitchFamily="18" charset="0"/>
-                            </a:rPr>
-                          </m:ctrlPr>
-                        </m:naryPr>
-                        <m:sub>
-                          <m:r>
-                            <m:rPr>
-                              <m:brk m:alnAt="23"/>
-                            </m:rPr>
-                            <a:rPr kumimoji="1" lang="en-US" altLang="zh-CN" i="1">
-                              <a:solidFill>
-                                <a:schemeClr val="tx1"/>
-                              </a:solidFill>
-                              <a:latin typeface="Cambria Math" panose="02040503050406030204" pitchFamily="18" charset="0"/>
-                            </a:rPr>
-                            <m:t>0</m:t>
-                          </m:r>
-                        </m:sub>
-                        <m:sup>
-                          <m:r>
-                            <a:rPr kumimoji="1" lang="en-US" altLang="zh-CN" b="0" i="1" smtClean="0">
-                              <a:solidFill>
-                                <a:schemeClr val="tx1"/>
-                              </a:solidFill>
-                              <a:latin typeface="Cambria Math" panose="02040503050406030204" pitchFamily="18" charset="0"/>
-                            </a:rPr>
-                            <m:t>𝑎</m:t>
-                          </m:r>
-                        </m:sup>
-                        <m:e>
-                          <m:r>
-                            <a:rPr kumimoji="1" lang="en-US" altLang="zh-CN" i="1">
-                              <a:solidFill>
-                                <a:schemeClr val="tx1"/>
-                              </a:solidFill>
-                              <a:latin typeface="Cambria Math" panose="02040503050406030204" pitchFamily="18" charset="0"/>
-                            </a:rPr>
-                            <m:t>𝑝</m:t>
-                          </m:r>
-                          <m:r>
-                            <a:rPr kumimoji="1" lang="en-US" altLang="zh-CN" i="1" baseline="-25000">
-                              <a:solidFill>
-                                <a:schemeClr val="tx1"/>
-                              </a:solidFill>
-                              <a:latin typeface="Cambria Math" panose="02040503050406030204" pitchFamily="18" charset="0"/>
-                            </a:rPr>
-                            <m:t>𝑌</m:t>
-                          </m:r>
-                          <m:d>
-                            <m:dPr>
-                              <m:ctrlPr>
-                                <a:rPr kumimoji="1" lang="en-US" altLang="zh-CN" i="1">
-                                  <a:solidFill>
-                                    <a:schemeClr val="tx1"/>
-                                  </a:solidFill>
-                                  <a:latin typeface="Cambria Math" panose="02040503050406030204" pitchFamily="18" charset="0"/>
-                                </a:rPr>
-                              </m:ctrlPr>
-                            </m:dPr>
-                            <m:e>
-                              <m:r>
-                                <a:rPr kumimoji="1" lang="en-US" altLang="zh-CN" i="1">
-                                  <a:solidFill>
-                                    <a:schemeClr val="tx1"/>
-                                  </a:solidFill>
-                                  <a:latin typeface="Cambria Math" panose="02040503050406030204" pitchFamily="18" charset="0"/>
-                                </a:rPr>
-                                <m:t>𝑦</m:t>
-                              </m:r>
-                            </m:e>
-                          </m:d>
-                          <m:r>
-                            <a:rPr kumimoji="1" lang="en-US" altLang="zh-CN" i="1">
-                              <a:solidFill>
-                                <a:schemeClr val="tx1"/>
-                              </a:solidFill>
-                              <a:latin typeface="Cambria Math" panose="02040503050406030204" pitchFamily="18" charset="0"/>
-                            </a:rPr>
-                            <m:t>𝑑𝑦</m:t>
-                          </m:r>
-                        </m:e>
-                      </m:nary>
-                    </m:oMath>
-                  </m:oMathPara>
-                </a14:m>
-                <a:endParaRPr kumimoji="1" lang="en-US" altLang="zh-CN" dirty="0">
-                  <a:solidFill>
-                    <a:schemeClr val="tx1"/>
-                  </a:solidFill>
-                </a:endParaRPr>
-              </a:p>
-            </p:txBody>
-          </p:sp>
-        </mc:Choice>
-        <mc:Fallback>
-          <p:sp>
-            <p:nvSpPr>
-              <p:cNvPr id="13" name="内容占位符 4">
-                <a:extLst>
-                  <a:ext uri="{FF2B5EF4-FFF2-40B4-BE49-F238E27FC236}">
-                    <a16:creationId xmlns:a16="http://schemas.microsoft.com/office/drawing/2014/main" id="{68F09DC1-626B-DF42-9BBE-C8C84CD60782}"/>
-                  </a:ext>
-                </a:extLst>
-              </p:cNvPr>
-              <p:cNvSpPr txBox="1">
-                <a:spLocks noRot="1" noChangeAspect="1" noMove="1" noResize="1" noEditPoints="1" noAdjustHandles="1" noChangeArrowheads="1" noChangeShapeType="1" noTextEdit="1"/>
-              </p:cNvSpPr>
-              <p:nvPr/>
-            </p:nvSpPr>
-            <p:spPr>
-              <a:xfrm>
-                <a:off x="-96161" y="4244329"/>
-                <a:ext cx="8479523" cy="913945"/>
-              </a:xfrm>
-              <a:prstGeom prst="rect">
-                <a:avLst/>
-              </a:prstGeom>
-              <a:blipFill>
-                <a:blip r:embed="rId3"/>
-                <a:stretch>
-                  <a:fillRect/>
-                </a:stretch>
-              </a:blipFill>
-            </p:spPr>
-            <p:txBody>
-              <a:bodyPr/>
-              <a:lstStyle/>
-              <a:p>
-                <a:r>
-                  <a:rPr lang="en-US">
-                    <a:noFill/>
-                  </a:rPr>
-                  <a:t> </a:t>
-                </a:r>
-              </a:p>
-            </p:txBody>
-          </p:sp>
-        </mc:Fallback>
-      </mc:AlternateContent>
-      <mc:AlternateContent xmlns:mc="http://schemas.openxmlformats.org/markup-compatibility/2006">
-        <mc:Choice xmlns:a14="http://schemas.microsoft.com/office/drawing/2010/main" Requires="a14">
-          <p:sp>
-            <p:nvSpPr>
-              <p:cNvPr id="15" name="内容占位符 4">
-                <a:extLst>
-                  <a:ext uri="{FF2B5EF4-FFF2-40B4-BE49-F238E27FC236}">
-                    <a16:creationId xmlns:a16="http://schemas.microsoft.com/office/drawing/2014/main" id="{D546B250-1177-CF41-AED5-8423F53472D5}"/>
-                  </a:ext>
-                </a:extLst>
-              </p:cNvPr>
-              <p:cNvSpPr txBox="1">
-                <a:spLocks/>
-              </p:cNvSpPr>
-              <p:nvPr/>
-            </p:nvSpPr>
-            <p:spPr>
-              <a:xfrm>
-                <a:off x="473363" y="5158274"/>
-                <a:ext cx="6291909" cy="542551"/>
-              </a:xfrm>
-              <a:prstGeom prst="rect">
-                <a:avLst/>
-              </a:prstGeom>
-            </p:spPr>
-            <p:txBody>
-              <a:bodyPr vert="horz" lIns="91440" tIns="45720" rIns="91440" bIns="45720" rtlCol="0">
-                <a:normAutofit/>
-              </a:bodyPr>
-              <a:lstStyle>
-                <a:lvl1pPr marL="457200" indent="-457200" algn="l" defTabSz="914400" rtl="0" eaLnBrk="1" latinLnBrk="0" hangingPunct="1">
-                  <a:spcBef>
-                    <a:spcPts val="2000"/>
-                  </a:spcBef>
-                  <a:buClr>
-                    <a:schemeClr val="tx1">
-                      <a:lumMod val="75000"/>
-                      <a:lumOff val="25000"/>
-                    </a:schemeClr>
-                  </a:buClr>
-                  <a:buSzPct val="75000"/>
-                  <a:buFont typeface="Wingdings 2" pitchFamily="18" charset="2"/>
-                  <a:buChar char=""/>
-                  <a:defRPr sz="2200" kern="1200">
-                    <a:solidFill>
-                      <a:schemeClr val="tx1">
-                        <a:lumMod val="75000"/>
-                        <a:lumOff val="25000"/>
-                      </a:schemeClr>
-                    </a:solidFill>
-                    <a:latin typeface="+mn-lt"/>
-                    <a:ea typeface="+mn-ea"/>
-                    <a:cs typeface="+mn-cs"/>
-                  </a:defRPr>
-                </a:lvl1pPr>
-                <a:lvl2pPr marL="914400" indent="-457200" algn="l" defTabSz="914400" rtl="0" eaLnBrk="1" latinLnBrk="0" hangingPunct="1">
-                  <a:spcBef>
-                    <a:spcPts val="600"/>
-                  </a:spcBef>
-                  <a:buClr>
-                    <a:schemeClr val="tx1">
-                      <a:lumMod val="50000"/>
-                      <a:lumOff val="50000"/>
-                    </a:schemeClr>
-                  </a:buClr>
-                  <a:buSzPct val="75000"/>
-                  <a:buFont typeface="Wingdings 2" pitchFamily="18" charset="2"/>
-                  <a:buChar char=""/>
-                  <a:defRPr sz="2000" kern="1200">
-                    <a:solidFill>
-                      <a:schemeClr val="tx1">
-                        <a:lumMod val="75000"/>
-                        <a:lumOff val="25000"/>
-                      </a:schemeClr>
-                    </a:solidFill>
-                    <a:latin typeface="+mn-lt"/>
-                    <a:ea typeface="+mn-ea"/>
-                    <a:cs typeface="+mn-cs"/>
-                  </a:defRPr>
-                </a:lvl2pPr>
-                <a:lvl3pPr marL="1371600" indent="-457200" algn="l" defTabSz="914400" rtl="0" eaLnBrk="1" latinLnBrk="0" hangingPunct="1">
-                  <a:spcBef>
-                    <a:spcPts val="600"/>
-                  </a:spcBef>
-                  <a:buClr>
-                    <a:schemeClr val="tx1">
-                      <a:lumMod val="75000"/>
-                      <a:lumOff val="25000"/>
-                    </a:schemeClr>
-                  </a:buClr>
-                  <a:buSzPct val="75000"/>
-                  <a:buFont typeface="Wingdings 2" pitchFamily="18" charset="2"/>
-                  <a:buChar char=""/>
-                  <a:defRPr sz="1800" kern="1200">
-                    <a:solidFill>
-                      <a:schemeClr val="tx1">
-                        <a:lumMod val="75000"/>
-                        <a:lumOff val="25000"/>
-                      </a:schemeClr>
-                    </a:solidFill>
-                    <a:latin typeface="+mn-lt"/>
-                    <a:ea typeface="+mn-ea"/>
-                    <a:cs typeface="+mn-cs"/>
-                  </a:defRPr>
-                </a:lvl3pPr>
-                <a:lvl4pPr marL="1828800" indent="-457200" algn="l" defTabSz="914400" rtl="0" eaLnBrk="1" latinLnBrk="0" hangingPunct="1">
-                  <a:spcBef>
-                    <a:spcPts val="600"/>
-                  </a:spcBef>
-                  <a:buClr>
-                    <a:schemeClr val="tx1">
-                      <a:lumMod val="50000"/>
-                      <a:lumOff val="50000"/>
-                    </a:schemeClr>
-                  </a:buClr>
-                  <a:buSzPct val="75000"/>
-                  <a:buFont typeface="Wingdings 2" pitchFamily="18" charset="2"/>
-                  <a:buChar char=""/>
-                  <a:defRPr sz="1800" kern="1200">
-                    <a:solidFill>
-                      <a:schemeClr val="tx1">
-                        <a:lumMod val="75000"/>
-                        <a:lumOff val="25000"/>
-                      </a:schemeClr>
-                    </a:solidFill>
-                    <a:latin typeface="+mn-lt"/>
-                    <a:ea typeface="+mn-ea"/>
-                    <a:cs typeface="+mn-cs"/>
-                  </a:defRPr>
-                </a:lvl4pPr>
-                <a:lvl5pPr marL="2286000" indent="-457200" algn="l" defTabSz="914400" rtl="0" eaLnBrk="1" latinLnBrk="0" hangingPunct="1">
-                  <a:spcBef>
-                    <a:spcPts val="600"/>
-                  </a:spcBef>
-                  <a:buClr>
-                    <a:schemeClr val="tx1">
-                      <a:lumMod val="75000"/>
-                      <a:lumOff val="25000"/>
-                    </a:schemeClr>
-                  </a:buClr>
-                  <a:buSzPct val="75000"/>
-                  <a:buFont typeface="Wingdings 2" pitchFamily="18" charset="2"/>
-                  <a:buChar char=""/>
-                  <a:defRPr sz="1800" kern="1200">
-                    <a:solidFill>
-                      <a:schemeClr val="tx1">
-                        <a:lumMod val="75000"/>
-                        <a:lumOff val="25000"/>
-                      </a:schemeClr>
-                    </a:solidFill>
-                    <a:latin typeface="+mn-lt"/>
-                    <a:ea typeface="+mn-ea"/>
-                    <a:cs typeface="+mn-cs"/>
-                  </a:defRPr>
-                </a:lvl5pPr>
-                <a:lvl6pPr marL="2743200" indent="-461963" algn="l" defTabSz="914400" rtl="0" eaLnBrk="1" latinLnBrk="0" hangingPunct="1">
-                  <a:spcBef>
-                    <a:spcPct val="20000"/>
-                  </a:spcBef>
-                  <a:buClr>
-                    <a:schemeClr val="tx1">
-                      <a:lumMod val="50000"/>
-                      <a:lumOff val="50000"/>
-                    </a:schemeClr>
-                  </a:buClr>
-                  <a:buSzPct val="75000"/>
-                  <a:buFont typeface="Wingdings 2" pitchFamily="18" charset="2"/>
-                  <a:buChar char=""/>
-                  <a:defRPr lang="en-US" sz="1800" kern="1200" dirty="0" smtClean="0">
-                    <a:solidFill>
-                      <a:schemeClr val="tx1">
-                        <a:lumMod val="75000"/>
-                        <a:lumOff val="25000"/>
-                      </a:schemeClr>
-                    </a:solidFill>
-                    <a:latin typeface="+mn-lt"/>
-                    <a:ea typeface="+mn-ea"/>
-                    <a:cs typeface="+mn-cs"/>
-                  </a:defRPr>
-                </a:lvl6pPr>
-                <a:lvl7pPr marL="3205163" indent="-461963" algn="l" defTabSz="914400" rtl="0" eaLnBrk="1" latinLnBrk="0" hangingPunct="1">
-                  <a:spcBef>
-                    <a:spcPct val="20000"/>
-                  </a:spcBef>
-                  <a:buClr>
-                    <a:schemeClr val="tx1">
-                      <a:lumMod val="75000"/>
-                      <a:lumOff val="25000"/>
-                    </a:schemeClr>
-                  </a:buClr>
-                  <a:buSzPct val="75000"/>
-                  <a:buFont typeface="Wingdings 2" pitchFamily="18" charset="2"/>
-                  <a:buChar char=""/>
-                  <a:defRPr lang="en-US" sz="1800" kern="1200" dirty="0" smtClean="0">
-                    <a:solidFill>
-                      <a:schemeClr val="tx1">
-                        <a:lumMod val="75000"/>
-                        <a:lumOff val="25000"/>
-                      </a:schemeClr>
-                    </a:solidFill>
-                    <a:latin typeface="+mn-lt"/>
-                    <a:ea typeface="+mn-ea"/>
-                    <a:cs typeface="+mn-cs"/>
-                  </a:defRPr>
-                </a:lvl7pPr>
-                <a:lvl8pPr marL="3657600" indent="-461963" algn="l" defTabSz="914400" rtl="0" eaLnBrk="1" latinLnBrk="0" hangingPunct="1">
-                  <a:spcBef>
-                    <a:spcPct val="20000"/>
-                  </a:spcBef>
-                  <a:buClr>
-                    <a:schemeClr val="tx1">
-                      <a:lumMod val="50000"/>
-                      <a:lumOff val="50000"/>
-                    </a:schemeClr>
-                  </a:buClr>
-                  <a:buSzPct val="75000"/>
-                  <a:buFont typeface="Wingdings 2" pitchFamily="18" charset="2"/>
-                  <a:buChar char=""/>
-                  <a:defRPr lang="en-US" sz="1800" kern="1200" dirty="0" smtClean="0">
-                    <a:solidFill>
-                      <a:schemeClr val="tx1">
-                        <a:lumMod val="75000"/>
-                        <a:lumOff val="25000"/>
-                      </a:schemeClr>
-                    </a:solidFill>
-                    <a:latin typeface="+mn-lt"/>
-                    <a:ea typeface="+mn-ea"/>
-                    <a:cs typeface="+mn-cs"/>
-                  </a:defRPr>
-                </a:lvl8pPr>
-                <a:lvl9pPr marL="4119563" indent="-461963" algn="l" defTabSz="914400" rtl="0" eaLnBrk="1" latinLnBrk="0" hangingPunct="1">
-                  <a:spcBef>
-                    <a:spcPct val="20000"/>
-                  </a:spcBef>
-                  <a:buClr>
-                    <a:schemeClr val="tx1">
-                      <a:lumMod val="75000"/>
-                      <a:lumOff val="25000"/>
-                    </a:schemeClr>
-                  </a:buClr>
-                  <a:buSzPct val="75000"/>
-                  <a:buFont typeface="Wingdings 2" pitchFamily="18" charset="2"/>
-                  <a:buChar char=""/>
-                  <a:defRPr lang="en-US" sz="1800" kern="1200" dirty="0">
-                    <a:solidFill>
-                      <a:schemeClr val="tx1">
-                        <a:lumMod val="75000"/>
-                        <a:lumOff val="25000"/>
-                      </a:schemeClr>
-                    </a:solidFill>
-                    <a:latin typeface="+mn-lt"/>
-                    <a:ea typeface="+mn-ea"/>
-                    <a:cs typeface="+mn-cs"/>
-                  </a:defRPr>
-                </a:lvl9pPr>
-              </a:lstStyle>
-              <a:p>
-                <a:pPr marL="0" indent="0">
-                  <a:buNone/>
-                </a:pPr>
-                <a14:m>
-                  <m:oMathPara xmlns:m="http://schemas.openxmlformats.org/officeDocument/2006/math">
-                    <m:oMathParaPr>
-                      <m:jc m:val="centerGroup"/>
-                    </m:oMathParaPr>
-                    <m:oMath xmlns:m="http://schemas.openxmlformats.org/officeDocument/2006/math">
-                      <m:r>
-                        <a:rPr kumimoji="1" lang="en-US" altLang="zh-CN" b="0" i="1" smtClean="0">
-                          <a:solidFill>
-                            <a:schemeClr val="tx1"/>
-                          </a:solidFill>
-                          <a:latin typeface="Cambria Math" panose="02040503050406030204" pitchFamily="18" charset="0"/>
-                        </a:rPr>
-                        <m:t>|</m:t>
-                      </m:r>
-                      <m:r>
-                        <a:rPr kumimoji="1" lang="en-US" altLang="zh-CN" b="0" i="1" smtClean="0">
-                          <a:solidFill>
-                            <a:schemeClr val="tx1"/>
-                          </a:solidFill>
-                          <a:latin typeface="Cambria Math" panose="02040503050406030204" pitchFamily="18" charset="0"/>
-                        </a:rPr>
-                        <m:t>𝑝</m:t>
-                      </m:r>
-                      <m:r>
-                        <a:rPr kumimoji="1" lang="en-US" altLang="zh-CN" b="0" i="1" baseline="-25000" smtClean="0">
-                          <a:solidFill>
-                            <a:schemeClr val="tx1"/>
-                          </a:solidFill>
-                          <a:latin typeface="Cambria Math" panose="02040503050406030204" pitchFamily="18" charset="0"/>
-                        </a:rPr>
-                        <m:t>𝑋</m:t>
-                      </m:r>
-                      <m:d>
-                        <m:dPr>
-                          <m:ctrlPr>
-                            <a:rPr kumimoji="1" lang="en-US" altLang="zh-CN" b="0" i="1" smtClean="0">
-                              <a:solidFill>
-                                <a:schemeClr val="tx1"/>
-                              </a:solidFill>
-                              <a:latin typeface="Cambria Math" panose="02040503050406030204" pitchFamily="18" charset="0"/>
-                            </a:rPr>
-                          </m:ctrlPr>
-                        </m:dPr>
-                        <m:e>
-                          <m:r>
-                            <a:rPr kumimoji="1" lang="en-US" altLang="zh-CN" b="0" i="1" smtClean="0">
-                              <a:solidFill>
-                                <a:schemeClr val="tx1"/>
-                              </a:solidFill>
-                              <a:latin typeface="Cambria Math" panose="02040503050406030204" pitchFamily="18" charset="0"/>
-                            </a:rPr>
-                            <m:t>𝑥</m:t>
-                          </m:r>
-                        </m:e>
-                      </m:d>
-                      <m:r>
-                        <a:rPr kumimoji="1" lang="en-US" altLang="zh-CN" b="0" i="1" smtClean="0">
-                          <a:solidFill>
-                            <a:schemeClr val="tx1"/>
-                          </a:solidFill>
-                          <a:latin typeface="Cambria Math" panose="02040503050406030204" pitchFamily="18" charset="0"/>
-                        </a:rPr>
-                        <m:t>𝑑𝑥</m:t>
-                      </m:r>
-                      <m:r>
-                        <a:rPr kumimoji="1" lang="en-US" altLang="zh-CN" b="0" i="1" smtClean="0">
-                          <a:solidFill>
-                            <a:schemeClr val="tx1"/>
-                          </a:solidFill>
-                          <a:latin typeface="Cambria Math" panose="02040503050406030204" pitchFamily="18" charset="0"/>
-                        </a:rPr>
-                        <m:t>|</m:t>
-                      </m:r>
-                      <m:r>
-                        <a:rPr kumimoji="1" lang="en-US" altLang="zh-CN" b="0" i="1" smtClean="0">
-                          <a:solidFill>
-                            <a:schemeClr val="tx1"/>
-                          </a:solidFill>
-                          <a:latin typeface="Cambria Math" panose="02040503050406030204" pitchFamily="18" charset="0"/>
-                        </a:rPr>
-                        <m:t>=</m:t>
-                      </m:r>
-                      <m:r>
-                        <a:rPr kumimoji="1" lang="en-US" altLang="zh-CN" b="0" i="1" smtClean="0">
-                          <a:solidFill>
-                            <a:schemeClr val="tx1"/>
-                          </a:solidFill>
-                          <a:latin typeface="Cambria Math" panose="02040503050406030204" pitchFamily="18" charset="0"/>
-                        </a:rPr>
-                        <m:t>|</m:t>
-                      </m:r>
-                      <m:r>
-                        <a:rPr kumimoji="1" lang="en-US" altLang="zh-CN" i="1">
-                          <a:solidFill>
-                            <a:schemeClr val="tx1"/>
-                          </a:solidFill>
-                          <a:latin typeface="Cambria Math" panose="02040503050406030204" pitchFamily="18" charset="0"/>
-                        </a:rPr>
-                        <m:t>𝑝</m:t>
-                      </m:r>
-                      <m:r>
-                        <a:rPr kumimoji="1" lang="en-US" altLang="zh-CN" i="1" baseline="-25000">
-                          <a:solidFill>
-                            <a:schemeClr val="tx1"/>
-                          </a:solidFill>
-                          <a:latin typeface="Cambria Math" panose="02040503050406030204" pitchFamily="18" charset="0"/>
-                        </a:rPr>
-                        <m:t>𝑌</m:t>
-                      </m:r>
-                      <m:d>
-                        <m:dPr>
-                          <m:ctrlPr>
-                            <a:rPr kumimoji="1" lang="en-US" altLang="zh-CN" i="1">
-                              <a:solidFill>
-                                <a:schemeClr val="tx1"/>
-                              </a:solidFill>
-                              <a:latin typeface="Cambria Math" panose="02040503050406030204" pitchFamily="18" charset="0"/>
-                            </a:rPr>
-                          </m:ctrlPr>
-                        </m:dPr>
-                        <m:e>
-                          <m:r>
-                            <a:rPr kumimoji="1" lang="en-US" altLang="zh-CN" b="0" i="1" smtClean="0">
-                              <a:solidFill>
-                                <a:schemeClr val="tx1"/>
-                              </a:solidFill>
-                              <a:latin typeface="Cambria Math" panose="02040503050406030204" pitchFamily="18" charset="0"/>
-                            </a:rPr>
-                            <m:t>𝑔</m:t>
-                          </m:r>
-                          <m:r>
-                            <a:rPr kumimoji="1" lang="en-US" altLang="zh-CN" b="0" i="1" smtClean="0">
-                              <a:solidFill>
-                                <a:schemeClr val="tx1"/>
-                              </a:solidFill>
-                              <a:latin typeface="Cambria Math" panose="02040503050406030204" pitchFamily="18" charset="0"/>
-                            </a:rPr>
-                            <m:t>(</m:t>
-                          </m:r>
-                          <m:r>
-                            <a:rPr kumimoji="1" lang="en-US" altLang="zh-CN" b="0" i="1" smtClean="0">
-                              <a:solidFill>
-                                <a:schemeClr val="tx1"/>
-                              </a:solidFill>
-                              <a:latin typeface="Cambria Math" panose="02040503050406030204" pitchFamily="18" charset="0"/>
-                            </a:rPr>
-                            <m:t>𝑥</m:t>
-                          </m:r>
-                          <m:r>
-                            <a:rPr kumimoji="1" lang="en-US" altLang="zh-CN" b="0" i="1" smtClean="0">
-                              <a:solidFill>
-                                <a:schemeClr val="tx1"/>
-                              </a:solidFill>
-                              <a:latin typeface="Cambria Math" panose="02040503050406030204" pitchFamily="18" charset="0"/>
-                            </a:rPr>
-                            <m:t>)</m:t>
-                          </m:r>
-                        </m:e>
-                      </m:d>
-                      <m:r>
-                        <a:rPr kumimoji="1" lang="en-US" altLang="zh-CN" i="1">
-                          <a:solidFill>
-                            <a:schemeClr val="tx1"/>
-                          </a:solidFill>
-                          <a:latin typeface="Cambria Math" panose="02040503050406030204" pitchFamily="18" charset="0"/>
-                        </a:rPr>
-                        <m:t>𝑑𝑦</m:t>
-                      </m:r>
-                      <m:r>
-                        <a:rPr kumimoji="1" lang="en-US" altLang="zh-CN" b="0" i="1" smtClean="0">
-                          <a:solidFill>
-                            <a:schemeClr val="tx1"/>
-                          </a:solidFill>
-                          <a:latin typeface="Cambria Math" panose="02040503050406030204" pitchFamily="18" charset="0"/>
-                        </a:rPr>
-                        <m:t>|</m:t>
-                      </m:r>
-                    </m:oMath>
-                  </m:oMathPara>
-                </a14:m>
-                <a:endParaRPr kumimoji="1" lang="en-US" altLang="zh-CN" dirty="0">
-                  <a:solidFill>
-                    <a:schemeClr val="tx1"/>
-                  </a:solidFill>
-                </a:endParaRPr>
-              </a:p>
-            </p:txBody>
-          </p:sp>
-        </mc:Choice>
-        <mc:Fallback>
-          <p:sp>
-            <p:nvSpPr>
-              <p:cNvPr id="15" name="内容占位符 4">
-                <a:extLst>
-                  <a:ext uri="{FF2B5EF4-FFF2-40B4-BE49-F238E27FC236}">
-                    <a16:creationId xmlns:a16="http://schemas.microsoft.com/office/drawing/2014/main" id="{D546B250-1177-CF41-AED5-8423F53472D5}"/>
-                  </a:ext>
-                </a:extLst>
-              </p:cNvPr>
-              <p:cNvSpPr txBox="1">
-                <a:spLocks noRot="1" noChangeAspect="1" noMove="1" noResize="1" noEditPoints="1" noAdjustHandles="1" noChangeArrowheads="1" noChangeShapeType="1" noTextEdit="1"/>
-              </p:cNvSpPr>
-              <p:nvPr/>
-            </p:nvSpPr>
-            <p:spPr>
-              <a:xfrm>
-                <a:off x="473363" y="5158274"/>
-                <a:ext cx="6291909" cy="542551"/>
-              </a:xfrm>
-              <a:prstGeom prst="rect">
-                <a:avLst/>
-              </a:prstGeom>
-              <a:blipFill>
-                <a:blip r:embed="rId4"/>
-                <a:stretch>
-                  <a:fillRect/>
-                </a:stretch>
-              </a:blipFill>
-            </p:spPr>
-            <p:txBody>
-              <a:bodyPr/>
-              <a:lstStyle/>
-              <a:p>
-                <a:r>
-                  <a:rPr lang="en-US">
-                    <a:noFill/>
-                  </a:rPr>
-                  <a:t> </a:t>
-                </a:r>
-              </a:p>
-            </p:txBody>
-          </p:sp>
-        </mc:Fallback>
-      </mc:AlternateContent>
-      <mc:AlternateContent xmlns:mc="http://schemas.openxmlformats.org/markup-compatibility/2006">
-        <mc:Choice xmlns:a14="http://schemas.microsoft.com/office/drawing/2010/main" Requires="a14">
-          <p:sp>
-            <p:nvSpPr>
-              <p:cNvPr id="16" name="内容占位符 4">
-                <a:extLst>
-                  <a:ext uri="{FF2B5EF4-FFF2-40B4-BE49-F238E27FC236}">
-                    <a16:creationId xmlns:a16="http://schemas.microsoft.com/office/drawing/2014/main" id="{DAA9C465-DBF0-0142-A370-D18AC7F15280}"/>
-                  </a:ext>
-                </a:extLst>
-              </p:cNvPr>
-              <p:cNvSpPr txBox="1">
-                <a:spLocks/>
-              </p:cNvSpPr>
-              <p:nvPr/>
-            </p:nvSpPr>
-            <p:spPr>
-              <a:xfrm>
-                <a:off x="589111" y="5537793"/>
-                <a:ext cx="5846414" cy="693097"/>
-              </a:xfrm>
-              <a:prstGeom prst="rect">
-                <a:avLst/>
-              </a:prstGeom>
-            </p:spPr>
-            <p:txBody>
-              <a:bodyPr vert="horz" lIns="91440" tIns="45720" rIns="91440" bIns="45720" rtlCol="0">
-                <a:normAutofit fontScale="85000" lnSpcReduction="10000"/>
-              </a:bodyPr>
-              <a:lstStyle>
-                <a:lvl1pPr marL="457200" indent="-457200" algn="l" defTabSz="914400" rtl="0" eaLnBrk="1" latinLnBrk="0" hangingPunct="1">
-                  <a:spcBef>
-                    <a:spcPts val="2000"/>
-                  </a:spcBef>
-                  <a:buClr>
-                    <a:schemeClr val="tx1">
-                      <a:lumMod val="75000"/>
-                      <a:lumOff val="25000"/>
-                    </a:schemeClr>
-                  </a:buClr>
-                  <a:buSzPct val="75000"/>
-                  <a:buFont typeface="Wingdings 2" pitchFamily="18" charset="2"/>
-                  <a:buChar char=""/>
-                  <a:defRPr sz="2200" kern="1200">
-                    <a:solidFill>
-                      <a:schemeClr val="tx1">
-                        <a:lumMod val="75000"/>
-                        <a:lumOff val="25000"/>
-                      </a:schemeClr>
-                    </a:solidFill>
-                    <a:latin typeface="+mn-lt"/>
-                    <a:ea typeface="+mn-ea"/>
-                    <a:cs typeface="+mn-cs"/>
-                  </a:defRPr>
-                </a:lvl1pPr>
-                <a:lvl2pPr marL="914400" indent="-457200" algn="l" defTabSz="914400" rtl="0" eaLnBrk="1" latinLnBrk="0" hangingPunct="1">
-                  <a:spcBef>
-                    <a:spcPts val="600"/>
-                  </a:spcBef>
-                  <a:buClr>
-                    <a:schemeClr val="tx1">
-                      <a:lumMod val="50000"/>
-                      <a:lumOff val="50000"/>
-                    </a:schemeClr>
-                  </a:buClr>
-                  <a:buSzPct val="75000"/>
-                  <a:buFont typeface="Wingdings 2" pitchFamily="18" charset="2"/>
-                  <a:buChar char=""/>
-                  <a:defRPr sz="2000" kern="1200">
-                    <a:solidFill>
-                      <a:schemeClr val="tx1">
-                        <a:lumMod val="75000"/>
-                        <a:lumOff val="25000"/>
-                      </a:schemeClr>
-                    </a:solidFill>
-                    <a:latin typeface="+mn-lt"/>
-                    <a:ea typeface="+mn-ea"/>
-                    <a:cs typeface="+mn-cs"/>
-                  </a:defRPr>
-                </a:lvl2pPr>
-                <a:lvl3pPr marL="1371600" indent="-457200" algn="l" defTabSz="914400" rtl="0" eaLnBrk="1" latinLnBrk="0" hangingPunct="1">
-                  <a:spcBef>
-                    <a:spcPts val="600"/>
-                  </a:spcBef>
-                  <a:buClr>
-                    <a:schemeClr val="tx1">
-                      <a:lumMod val="75000"/>
-                      <a:lumOff val="25000"/>
-                    </a:schemeClr>
-                  </a:buClr>
-                  <a:buSzPct val="75000"/>
-                  <a:buFont typeface="Wingdings 2" pitchFamily="18" charset="2"/>
-                  <a:buChar char=""/>
-                  <a:defRPr sz="1800" kern="1200">
-                    <a:solidFill>
-                      <a:schemeClr val="tx1">
-                        <a:lumMod val="75000"/>
-                        <a:lumOff val="25000"/>
-                      </a:schemeClr>
-                    </a:solidFill>
-                    <a:latin typeface="+mn-lt"/>
-                    <a:ea typeface="+mn-ea"/>
-                    <a:cs typeface="+mn-cs"/>
-                  </a:defRPr>
-                </a:lvl3pPr>
-                <a:lvl4pPr marL="1828800" indent="-457200" algn="l" defTabSz="914400" rtl="0" eaLnBrk="1" latinLnBrk="0" hangingPunct="1">
-                  <a:spcBef>
-                    <a:spcPts val="600"/>
-                  </a:spcBef>
-                  <a:buClr>
-                    <a:schemeClr val="tx1">
-                      <a:lumMod val="50000"/>
-                      <a:lumOff val="50000"/>
-                    </a:schemeClr>
-                  </a:buClr>
-                  <a:buSzPct val="75000"/>
-                  <a:buFont typeface="Wingdings 2" pitchFamily="18" charset="2"/>
-                  <a:buChar char=""/>
-                  <a:defRPr sz="1800" kern="1200">
-                    <a:solidFill>
-                      <a:schemeClr val="tx1">
-                        <a:lumMod val="75000"/>
-                        <a:lumOff val="25000"/>
-                      </a:schemeClr>
-                    </a:solidFill>
-                    <a:latin typeface="+mn-lt"/>
-                    <a:ea typeface="+mn-ea"/>
-                    <a:cs typeface="+mn-cs"/>
-                  </a:defRPr>
-                </a:lvl4pPr>
-                <a:lvl5pPr marL="2286000" indent="-457200" algn="l" defTabSz="914400" rtl="0" eaLnBrk="1" latinLnBrk="0" hangingPunct="1">
-                  <a:spcBef>
-                    <a:spcPts val="600"/>
-                  </a:spcBef>
-                  <a:buClr>
-                    <a:schemeClr val="tx1">
-                      <a:lumMod val="75000"/>
-                      <a:lumOff val="25000"/>
-                    </a:schemeClr>
-                  </a:buClr>
-                  <a:buSzPct val="75000"/>
-                  <a:buFont typeface="Wingdings 2" pitchFamily="18" charset="2"/>
-                  <a:buChar char=""/>
-                  <a:defRPr sz="1800" kern="1200">
-                    <a:solidFill>
-                      <a:schemeClr val="tx1">
-                        <a:lumMod val="75000"/>
-                        <a:lumOff val="25000"/>
-                      </a:schemeClr>
-                    </a:solidFill>
-                    <a:latin typeface="+mn-lt"/>
-                    <a:ea typeface="+mn-ea"/>
-                    <a:cs typeface="+mn-cs"/>
-                  </a:defRPr>
-                </a:lvl5pPr>
-                <a:lvl6pPr marL="2743200" indent="-461963" algn="l" defTabSz="914400" rtl="0" eaLnBrk="1" latinLnBrk="0" hangingPunct="1">
-                  <a:spcBef>
-                    <a:spcPct val="20000"/>
-                  </a:spcBef>
-                  <a:buClr>
-                    <a:schemeClr val="tx1">
-                      <a:lumMod val="50000"/>
-                      <a:lumOff val="50000"/>
-                    </a:schemeClr>
-                  </a:buClr>
-                  <a:buSzPct val="75000"/>
-                  <a:buFont typeface="Wingdings 2" pitchFamily="18" charset="2"/>
-                  <a:buChar char=""/>
-                  <a:defRPr lang="en-US" sz="1800" kern="1200" dirty="0" smtClean="0">
-                    <a:solidFill>
-                      <a:schemeClr val="tx1">
-                        <a:lumMod val="75000"/>
-                        <a:lumOff val="25000"/>
-                      </a:schemeClr>
-                    </a:solidFill>
-                    <a:latin typeface="+mn-lt"/>
-                    <a:ea typeface="+mn-ea"/>
-                    <a:cs typeface="+mn-cs"/>
-                  </a:defRPr>
-                </a:lvl6pPr>
-                <a:lvl7pPr marL="3205163" indent="-461963" algn="l" defTabSz="914400" rtl="0" eaLnBrk="1" latinLnBrk="0" hangingPunct="1">
-                  <a:spcBef>
-                    <a:spcPct val="20000"/>
-                  </a:spcBef>
-                  <a:buClr>
-                    <a:schemeClr val="tx1">
-                      <a:lumMod val="75000"/>
-                      <a:lumOff val="25000"/>
-                    </a:schemeClr>
-                  </a:buClr>
-                  <a:buSzPct val="75000"/>
-                  <a:buFont typeface="Wingdings 2" pitchFamily="18" charset="2"/>
-                  <a:buChar char=""/>
-                  <a:defRPr lang="en-US" sz="1800" kern="1200" dirty="0" smtClean="0">
-                    <a:solidFill>
-                      <a:schemeClr val="tx1">
-                        <a:lumMod val="75000"/>
-                        <a:lumOff val="25000"/>
-                      </a:schemeClr>
-                    </a:solidFill>
-                    <a:latin typeface="+mn-lt"/>
-                    <a:ea typeface="+mn-ea"/>
-                    <a:cs typeface="+mn-cs"/>
-                  </a:defRPr>
-                </a:lvl7pPr>
-                <a:lvl8pPr marL="3657600" indent="-461963" algn="l" defTabSz="914400" rtl="0" eaLnBrk="1" latinLnBrk="0" hangingPunct="1">
-                  <a:spcBef>
-                    <a:spcPct val="20000"/>
-                  </a:spcBef>
-                  <a:buClr>
-                    <a:schemeClr val="tx1">
-                      <a:lumMod val="50000"/>
-                      <a:lumOff val="50000"/>
-                    </a:schemeClr>
-                  </a:buClr>
-                  <a:buSzPct val="75000"/>
-                  <a:buFont typeface="Wingdings 2" pitchFamily="18" charset="2"/>
-                  <a:buChar char=""/>
-                  <a:defRPr lang="en-US" sz="1800" kern="1200" dirty="0" smtClean="0">
-                    <a:solidFill>
-                      <a:schemeClr val="tx1">
-                        <a:lumMod val="75000"/>
-                        <a:lumOff val="25000"/>
-                      </a:schemeClr>
-                    </a:solidFill>
-                    <a:latin typeface="+mn-lt"/>
-                    <a:ea typeface="+mn-ea"/>
-                    <a:cs typeface="+mn-cs"/>
-                  </a:defRPr>
-                </a:lvl8pPr>
-                <a:lvl9pPr marL="4119563" indent="-461963" algn="l" defTabSz="914400" rtl="0" eaLnBrk="1" latinLnBrk="0" hangingPunct="1">
-                  <a:spcBef>
-                    <a:spcPct val="20000"/>
-                  </a:spcBef>
-                  <a:buClr>
-                    <a:schemeClr val="tx1">
-                      <a:lumMod val="75000"/>
-                      <a:lumOff val="25000"/>
-                    </a:schemeClr>
-                  </a:buClr>
-                  <a:buSzPct val="75000"/>
-                  <a:buFont typeface="Wingdings 2" pitchFamily="18" charset="2"/>
-                  <a:buChar char=""/>
-                  <a:defRPr lang="en-US" sz="1800" kern="1200" dirty="0">
-                    <a:solidFill>
-                      <a:schemeClr val="tx1">
-                        <a:lumMod val="75000"/>
-                        <a:lumOff val="25000"/>
-                      </a:schemeClr>
-                    </a:solidFill>
-                    <a:latin typeface="+mn-lt"/>
-                    <a:ea typeface="+mn-ea"/>
-                    <a:cs typeface="+mn-cs"/>
-                  </a:defRPr>
-                </a:lvl9pPr>
-              </a:lstStyle>
-              <a:p>
-                <a:pPr marL="0" indent="0">
-                  <a:buNone/>
-                </a:pPr>
-                <a14:m>
-                  <m:oMathPara xmlns:m="http://schemas.openxmlformats.org/officeDocument/2006/math">
-                    <m:oMathParaPr>
-                      <m:jc m:val="centerGroup"/>
-                    </m:oMathParaPr>
-                    <m:oMath xmlns:m="http://schemas.openxmlformats.org/officeDocument/2006/math">
-                      <m:r>
-                        <a:rPr kumimoji="1" lang="en-US" altLang="zh-CN" i="1" smtClean="0">
-                          <a:solidFill>
-                            <a:schemeClr val="tx1"/>
-                          </a:solidFill>
-                          <a:latin typeface="Cambria Math" panose="02040503050406030204" pitchFamily="18" charset="0"/>
-                        </a:rPr>
-                        <m:t>𝑝</m:t>
-                      </m:r>
-                      <m:r>
-                        <a:rPr kumimoji="1" lang="en-US" altLang="zh-CN" i="1" baseline="-25000">
-                          <a:solidFill>
-                            <a:schemeClr val="tx1"/>
-                          </a:solidFill>
-                          <a:latin typeface="Cambria Math" panose="02040503050406030204" pitchFamily="18" charset="0"/>
-                        </a:rPr>
-                        <m:t>𝑌</m:t>
-                      </m:r>
-                      <m:d>
-                        <m:dPr>
-                          <m:ctrlPr>
-                            <a:rPr kumimoji="1" lang="en-US" altLang="zh-CN" i="1">
-                              <a:solidFill>
-                                <a:schemeClr val="tx1"/>
-                              </a:solidFill>
-                              <a:latin typeface="Cambria Math" panose="02040503050406030204" pitchFamily="18" charset="0"/>
-                            </a:rPr>
-                          </m:ctrlPr>
-                        </m:dPr>
-                        <m:e>
-                          <m:r>
-                            <a:rPr kumimoji="1" lang="en-US" altLang="zh-CN" b="0" i="1" smtClean="0">
-                              <a:solidFill>
-                                <a:schemeClr val="tx1"/>
-                              </a:solidFill>
-                              <a:latin typeface="Cambria Math" panose="02040503050406030204" pitchFamily="18" charset="0"/>
-                            </a:rPr>
-                            <m:t>𝑦</m:t>
-                          </m:r>
-                        </m:e>
-                      </m:d>
-                      <m:r>
-                        <a:rPr kumimoji="1" lang="en-US" altLang="zh-CN" b="0" i="1" smtClean="0">
-                          <a:solidFill>
-                            <a:schemeClr val="tx1"/>
-                          </a:solidFill>
-                          <a:latin typeface="Cambria Math" panose="02040503050406030204" pitchFamily="18" charset="0"/>
-                        </a:rPr>
-                        <m:t>=</m:t>
-                      </m:r>
-                      <m:r>
-                        <a:rPr kumimoji="1" lang="en-US" altLang="zh-CN" b="0" i="1" smtClean="0">
-                          <a:solidFill>
-                            <a:schemeClr val="tx1"/>
-                          </a:solidFill>
-                          <a:latin typeface="Cambria Math" panose="02040503050406030204" pitchFamily="18" charset="0"/>
-                        </a:rPr>
-                        <m:t>𝑝𝑋</m:t>
-                      </m:r>
-                      <m:d>
-                        <m:dPr>
-                          <m:ctrlPr>
-                            <a:rPr kumimoji="1" lang="en-US" altLang="zh-CN" b="0" i="1" smtClean="0">
-                              <a:solidFill>
-                                <a:schemeClr val="tx1"/>
-                              </a:solidFill>
-                              <a:latin typeface="Cambria Math" panose="02040503050406030204" pitchFamily="18" charset="0"/>
-                            </a:rPr>
-                          </m:ctrlPr>
-                        </m:dPr>
-                        <m:e>
-                          <m:sSup>
-                            <m:sSupPr>
-                              <m:ctrlPr>
-                                <a:rPr kumimoji="1" lang="en-US" altLang="zh-CN" i="1" dirty="0" smtClean="0">
-                                  <a:solidFill>
-                                    <a:schemeClr val="tx1"/>
-                                  </a:solidFill>
-                                  <a:latin typeface="Cambria Math" panose="02040503050406030204" pitchFamily="18" charset="0"/>
-                                </a:rPr>
-                              </m:ctrlPr>
-                            </m:sSupPr>
-                            <m:e>
-                              <m:r>
-                                <a:rPr kumimoji="1" lang="en-US" altLang="zh-CN" b="0" i="1" dirty="0" smtClean="0">
-                                  <a:solidFill>
-                                    <a:schemeClr val="tx1"/>
-                                  </a:solidFill>
-                                  <a:latin typeface="Cambria Math" panose="02040503050406030204" pitchFamily="18" charset="0"/>
-                                </a:rPr>
-                                <m:t>𝑔</m:t>
-                              </m:r>
-                            </m:e>
-                            <m:sup>
-                              <m:r>
-                                <a:rPr kumimoji="1" lang="en-US" altLang="zh-CN" b="0" i="1" dirty="0" smtClean="0">
-                                  <a:solidFill>
-                                    <a:schemeClr val="tx1"/>
-                                  </a:solidFill>
-                                  <a:latin typeface="Cambria Math" panose="02040503050406030204" pitchFamily="18" charset="0"/>
-                                </a:rPr>
-                                <m:t>−1</m:t>
-                              </m:r>
-                            </m:sup>
-                          </m:sSup>
-                          <m:d>
-                            <m:dPr>
-                              <m:ctrlPr>
-                                <a:rPr kumimoji="1" lang="en-US" altLang="zh-CN" b="0" i="1" dirty="0" smtClean="0">
-                                  <a:solidFill>
-                                    <a:schemeClr val="tx1"/>
-                                  </a:solidFill>
-                                  <a:latin typeface="Cambria Math" panose="02040503050406030204" pitchFamily="18" charset="0"/>
-                                </a:rPr>
-                              </m:ctrlPr>
-                            </m:dPr>
-                            <m:e>
-                              <m:r>
-                                <a:rPr kumimoji="1" lang="en-US" altLang="zh-CN" b="0" i="1" dirty="0" smtClean="0">
-                                  <a:solidFill>
-                                    <a:schemeClr val="tx1"/>
-                                  </a:solidFill>
-                                  <a:latin typeface="Cambria Math" panose="02040503050406030204" pitchFamily="18" charset="0"/>
-                                </a:rPr>
-                                <m:t>𝑦</m:t>
-                              </m:r>
-                            </m:e>
-                          </m:d>
-                        </m:e>
-                      </m:d>
-                      <m:r>
-                        <a:rPr kumimoji="1" lang="en-US" altLang="zh-CN" b="0" i="1" smtClean="0">
-                          <a:solidFill>
-                            <a:schemeClr val="tx1"/>
-                          </a:solidFill>
-                          <a:latin typeface="Cambria Math" panose="02040503050406030204" pitchFamily="18" charset="0"/>
-                        </a:rPr>
-                        <m:t>|</m:t>
-                      </m:r>
-                      <m:f>
-                        <m:fPr>
-                          <m:ctrlPr>
-                            <a:rPr kumimoji="1" lang="en-US" altLang="zh-CN" b="0" i="1" dirty="0" smtClean="0">
-                              <a:solidFill>
-                                <a:schemeClr val="tx1"/>
-                              </a:solidFill>
-                              <a:latin typeface="Cambria Math" panose="02040503050406030204" pitchFamily="18" charset="0"/>
-                              <a:ea typeface="Cambria Math" panose="02040503050406030204" pitchFamily="18" charset="0"/>
-                            </a:rPr>
-                          </m:ctrlPr>
-                        </m:fPr>
-                        <m:num>
-                          <m:r>
-                            <a:rPr kumimoji="1" lang="en-US" altLang="zh-CN" b="0" i="1" smtClean="0">
-                              <a:solidFill>
-                                <a:schemeClr val="tx1"/>
-                              </a:solidFill>
-                              <a:latin typeface="Cambria Math" panose="02040503050406030204" pitchFamily="18" charset="0"/>
-                              <a:ea typeface="Cambria Math" panose="02040503050406030204" pitchFamily="18" charset="0"/>
-                            </a:rPr>
-                            <m:t>𝜕</m:t>
-                          </m:r>
-                          <m:r>
-                            <m:rPr>
-                              <m:sty m:val="p"/>
-                            </m:rPr>
-                            <a:rPr kumimoji="1" lang="en-US" altLang="zh-CN" i="1" dirty="0">
-                              <a:solidFill>
-                                <a:schemeClr val="tx1"/>
-                              </a:solidFill>
-                              <a:latin typeface="Cambria Math" panose="02040503050406030204" pitchFamily="18" charset="0"/>
-                              <a:ea typeface="Cambria Math" panose="02040503050406030204" pitchFamily="18" charset="0"/>
-                            </a:rPr>
-                            <m:t>x</m:t>
-                          </m:r>
-                        </m:num>
-                        <m:den>
-                          <m:r>
-                            <a:rPr kumimoji="1" lang="en-US" altLang="zh-CN" i="1">
-                              <a:solidFill>
-                                <a:schemeClr val="tx1"/>
-                              </a:solidFill>
-                              <a:latin typeface="Cambria Math" panose="02040503050406030204" pitchFamily="18" charset="0"/>
-                              <a:ea typeface="Cambria Math" panose="02040503050406030204" pitchFamily="18" charset="0"/>
-                            </a:rPr>
-                            <m:t>𝜕</m:t>
-                          </m:r>
-                          <m:r>
-                            <a:rPr kumimoji="1" lang="en-US" altLang="zh-CN" b="0" i="1" smtClean="0">
-                              <a:solidFill>
-                                <a:schemeClr val="tx1"/>
-                              </a:solidFill>
-                              <a:latin typeface="Cambria Math" panose="02040503050406030204" pitchFamily="18" charset="0"/>
-                              <a:ea typeface="Cambria Math" panose="02040503050406030204" pitchFamily="18" charset="0"/>
-                            </a:rPr>
-                            <m:t>𝑦</m:t>
-                          </m:r>
-                        </m:den>
-                      </m:f>
-                      <m:r>
-                        <a:rPr kumimoji="1" lang="en-US" altLang="zh-CN" b="0" i="1" smtClean="0">
-                          <a:solidFill>
-                            <a:schemeClr val="tx1"/>
-                          </a:solidFill>
-                          <a:latin typeface="Cambria Math" panose="02040503050406030204" pitchFamily="18" charset="0"/>
-                        </a:rPr>
-                        <m:t>|</m:t>
-                      </m:r>
-                    </m:oMath>
-                  </m:oMathPara>
-                </a14:m>
-                <a:endParaRPr kumimoji="1" lang="en-US" altLang="zh-CN" dirty="0">
-                  <a:solidFill>
-                    <a:schemeClr val="tx1"/>
-                  </a:solidFill>
-                </a:endParaRPr>
-              </a:p>
-            </p:txBody>
-          </p:sp>
-        </mc:Choice>
-        <mc:Fallback>
-          <p:sp>
-            <p:nvSpPr>
-              <p:cNvPr id="16" name="内容占位符 4">
-                <a:extLst>
-                  <a:ext uri="{FF2B5EF4-FFF2-40B4-BE49-F238E27FC236}">
-                    <a16:creationId xmlns:a16="http://schemas.microsoft.com/office/drawing/2014/main" id="{DAA9C465-DBF0-0142-A370-D18AC7F15280}"/>
-                  </a:ext>
-                </a:extLst>
-              </p:cNvPr>
-              <p:cNvSpPr txBox="1">
-                <a:spLocks noRot="1" noChangeAspect="1" noMove="1" noResize="1" noEditPoints="1" noAdjustHandles="1" noChangeArrowheads="1" noChangeShapeType="1" noTextEdit="1"/>
-              </p:cNvSpPr>
-              <p:nvPr/>
-            </p:nvSpPr>
-            <p:spPr>
-              <a:xfrm>
-                <a:off x="589111" y="5537793"/>
-                <a:ext cx="5846414" cy="693097"/>
-              </a:xfrm>
-              <a:prstGeom prst="rect">
-                <a:avLst/>
-              </a:prstGeom>
-              <a:blipFill>
-                <a:blip r:embed="rId5"/>
-                <a:stretch>
-                  <a:fillRect/>
-                </a:stretch>
-              </a:blipFill>
-            </p:spPr>
-            <p:txBody>
-              <a:bodyPr/>
-              <a:lstStyle/>
-              <a:p>
-                <a:r>
-                  <a:rPr lang="en-US">
-                    <a:noFill/>
-                  </a:rPr>
-                  <a:t> </a:t>
-                </a:r>
-              </a:p>
-            </p:txBody>
-          </p:sp>
-        </mc:Fallback>
-      </mc:AlternateContent>
-      <p:sp>
-        <p:nvSpPr>
-          <p:cNvPr id="17" name="TextBox 16">
-            <a:extLst>
-              <a:ext uri="{FF2B5EF4-FFF2-40B4-BE49-F238E27FC236}">
-                <a16:creationId xmlns:a16="http://schemas.microsoft.com/office/drawing/2014/main" id="{6CBEB65E-C728-2840-AE26-FCA807C14261}"/>
-              </a:ext>
-            </a:extLst>
-          </p:cNvPr>
-          <p:cNvSpPr txBox="1"/>
-          <p:nvPr/>
-        </p:nvSpPr>
-        <p:spPr>
-          <a:xfrm>
-            <a:off x="247789" y="1962831"/>
-            <a:ext cx="8694722" cy="707886"/>
-          </a:xfrm>
-          <a:prstGeom prst="rect">
-            <a:avLst/>
-          </a:prstGeom>
-          <a:noFill/>
-        </p:spPr>
-        <p:txBody>
-          <a:bodyPr wrap="square" rtlCol="0">
-            <a:spAutoFit/>
-          </a:bodyPr>
-          <a:lstStyle/>
-          <a:p>
-            <a:r>
-              <a:rPr lang="zh-CN" altLang="en-US" dirty="0"/>
-              <a:t>因为</a:t>
-            </a:r>
-            <a:r>
-              <a:rPr lang="en-US" altLang="zh-CN" dirty="0"/>
-              <a:t>g</a:t>
-            </a:r>
-            <a:r>
-              <a:rPr lang="zh-CN" altLang="en-US" dirty="0"/>
-              <a:t>可能会扩展或压缩空间，在</a:t>
-            </a:r>
-            <a:r>
-              <a:rPr lang="en-US" altLang="zh-CN" dirty="0"/>
-              <a:t>x</a:t>
-            </a:r>
-            <a:r>
-              <a:rPr lang="zh-CN" altLang="en-US" dirty="0"/>
-              <a:t>空间内的包围着</a:t>
-            </a:r>
-            <a:r>
-              <a:rPr lang="en-US" altLang="zh-CN" dirty="0"/>
-              <a:t>x</a:t>
-            </a:r>
-            <a:r>
-              <a:rPr lang="zh-CN" altLang="en-US" dirty="0"/>
-              <a:t>的无穷小体积在</a:t>
-            </a:r>
-            <a:r>
-              <a:rPr lang="en-US" altLang="zh-CN" dirty="0"/>
-              <a:t>y</a:t>
-            </a:r>
-            <a:r>
-              <a:rPr lang="zh-CN" altLang="en-US" dirty="0"/>
-              <a:t>空间中可能有不同的体积。</a:t>
-            </a:r>
-            <a:endParaRPr lang="en-US" altLang="zh-CN" dirty="0"/>
-          </a:p>
-        </p:txBody>
-      </p:sp>
-    </p:spTree>
-    <p:extLst>
-      <p:ext uri="{BB962C8B-B14F-4D97-AF65-F5344CB8AC3E}">
-        <p14:creationId xmlns:p14="http://schemas.microsoft.com/office/powerpoint/2010/main" val="807269427"/>
-      </p:ext>
-    </p:extLst>
-  </p:cSld>
-  <p:clrMapOvr>
-    <a:masterClrMapping/>
-  </p:clrMapOvr>
-  <p:timing>
-    <p:tnLst>
-      <p:par>
-        <p:cTn id="1" dur="indefinite" restart="never" nodeType="tmRoot">
-          <p:childTnLst>
-            <p:seq concurrent="1" nextAc="seek">
-              <p:cTn id="2" dur="indefinite" nodeType="mainSeq">
-                <p:childTnLst>
-                  <p:par>
-                    <p:cTn id="3" fill="hold">
-                      <p:stCondLst>
-                        <p:cond delay="indefinite"/>
-                      </p:stCondLst>
-                      <p:childTnLst>
-                        <p:par>
-                          <p:cTn id="4" fill="hold">
-                            <p:stCondLst>
-                              <p:cond delay="0"/>
-                            </p:stCondLst>
-                            <p:childTnLst>
-                              <p:par>
-                                <p:cTn id="5" presetID="1" presetClass="entr" presetSubtype="0" fill="hold" grpId="0" nodeType="clickEffect">
-                                  <p:stCondLst>
-                                    <p:cond delay="0"/>
-                                  </p:stCondLst>
-                                  <p:childTnLst>
-                                    <p:set>
-                                      <p:cBhvr>
-                                        <p:cTn id="6" dur="1" fill="hold">
-                                          <p:stCondLst>
-                                            <p:cond delay="0"/>
-                                          </p:stCondLst>
-                                        </p:cTn>
-                                        <p:tgtEl>
-                                          <p:spTgt spid="5">
-                                            <p:txEl>
-                                              <p:pRg st="0" end="0"/>
-                                            </p:txEl>
-                                          </p:spTgt>
-                                        </p:tgtEl>
-                                        <p:attrNameLst>
-                                          <p:attrName>style.visibility</p:attrName>
-                                        </p:attrNameLst>
-                                      </p:cBhvr>
-                                      <p:to>
-                                        <p:strVal val="visible"/>
-                                      </p:to>
-                                    </p:set>
-                                  </p:childTnLst>
-                                </p:cTn>
-                              </p:par>
-                            </p:childTnLst>
-                          </p:cTn>
-                        </p:par>
-                      </p:childTnLst>
-                    </p:cTn>
-                  </p:par>
-                  <p:par>
-                    <p:cTn id="7" fill="hold">
-                      <p:stCondLst>
-                        <p:cond delay="indefinite"/>
-                      </p:stCondLst>
-                      <p:childTnLst>
-                        <p:par>
-                          <p:cTn id="8" fill="hold">
-                            <p:stCondLst>
-                              <p:cond delay="0"/>
-                            </p:stCondLst>
-                            <p:childTnLst>
-                              <p:par>
-                                <p:cTn id="9" presetID="1" presetClass="entr" presetSubtype="0" fill="hold" grpId="0" nodeType="clickEffect">
-                                  <p:stCondLst>
-                                    <p:cond delay="0"/>
-                                  </p:stCondLst>
-                                  <p:childTnLst>
-                                    <p:set>
-                                      <p:cBhvr>
-                                        <p:cTn id="10" dur="1" fill="hold">
-                                          <p:stCondLst>
-                                            <p:cond delay="0"/>
-                                          </p:stCondLst>
-                                        </p:cTn>
-                                        <p:tgtEl>
-                                          <p:spTgt spid="17"/>
-                                        </p:tgtEl>
-                                        <p:attrNameLst>
-                                          <p:attrName>style.visibility</p:attrName>
-                                        </p:attrNameLst>
-                                      </p:cBhvr>
-                                      <p:to>
-                                        <p:strVal val="visible"/>
-                                      </p:to>
-                                    </p:set>
-                                  </p:childTnLst>
-                                </p:cTn>
-                              </p:par>
-                            </p:childTnLst>
-                          </p:cTn>
-                        </p:par>
-                      </p:childTnLst>
-                    </p:cTn>
-                  </p:par>
-                  <p:par>
-                    <p:cTn id="11" fill="hold">
-                      <p:stCondLst>
-                        <p:cond delay="indefinite"/>
-                      </p:stCondLst>
-                      <p:childTnLst>
-                        <p:par>
-                          <p:cTn id="12" fill="hold">
-                            <p:stCondLst>
-                              <p:cond delay="0"/>
-                            </p:stCondLst>
-                            <p:childTnLst>
-                              <p:par>
-                                <p:cTn id="13" presetID="1" presetClass="entr" presetSubtype="0" fill="hold" nodeType="clickEffect">
-                                  <p:stCondLst>
-                                    <p:cond delay="0"/>
-                                  </p:stCondLst>
-                                  <p:childTnLst>
-                                    <p:set>
-                                      <p:cBhvr>
-                                        <p:cTn id="14" dur="1" fill="hold">
-                                          <p:stCondLst>
-                                            <p:cond delay="0"/>
-                                          </p:stCondLst>
-                                        </p:cTn>
-                                        <p:tgtEl>
-                                          <p:spTgt spid="19"/>
-                                        </p:tgtEl>
-                                        <p:attrNameLst>
-                                          <p:attrName>style.visibility</p:attrName>
-                                        </p:attrNameLst>
-                                      </p:cBhvr>
-                                      <p:to>
-                                        <p:strVal val="visible"/>
-                                      </p:to>
-                                    </p:set>
-                                  </p:childTnLst>
-                                </p:cTn>
-                              </p:par>
-                            </p:childTnLst>
-                          </p:cTn>
-                        </p:par>
-                      </p:childTnLst>
-                    </p:cTn>
-                  </p:par>
-                  <p:par>
-                    <p:cTn id="15" fill="hold">
-                      <p:stCondLst>
-                        <p:cond delay="indefinite"/>
-                      </p:stCondLst>
-                      <p:childTnLst>
-                        <p:par>
-                          <p:cTn id="16" fill="hold">
-                            <p:stCondLst>
-                              <p:cond delay="0"/>
-                            </p:stCondLst>
-                            <p:childTnLst>
-                              <p:par>
-                                <p:cTn id="17" presetID="1" presetClass="entr" presetSubtype="0" fill="hold" grpId="0" nodeType="clickEffect">
-                                  <p:stCondLst>
-                                    <p:cond delay="0"/>
-                                  </p:stCondLst>
-                                  <p:childTnLst>
-                                    <p:set>
-                                      <p:cBhvr>
-                                        <p:cTn id="18" dur="1" fill="hold">
-                                          <p:stCondLst>
-                                            <p:cond delay="0"/>
-                                          </p:stCondLst>
-                                        </p:cTn>
-                                        <p:tgtEl>
-                                          <p:spTgt spid="13"/>
-                                        </p:tgtEl>
-                                        <p:attrNameLst>
-                                          <p:attrName>style.visibility</p:attrName>
-                                        </p:attrNameLst>
-                                      </p:cBhvr>
-                                      <p:to>
-                                        <p:strVal val="visible"/>
-                                      </p:to>
-                                    </p:set>
-                                  </p:childTnLst>
-                                </p:cTn>
-                              </p:par>
-                            </p:childTnLst>
-                          </p:cTn>
-                        </p:par>
-                      </p:childTnLst>
-                    </p:cTn>
-                  </p:par>
-                  <p:par>
-                    <p:cTn id="19" fill="hold">
-                      <p:stCondLst>
-                        <p:cond delay="indefinite"/>
-                      </p:stCondLst>
-                      <p:childTnLst>
-                        <p:par>
-                          <p:cTn id="20" fill="hold">
-                            <p:stCondLst>
-                              <p:cond delay="0"/>
-                            </p:stCondLst>
-                            <p:childTnLst>
-                              <p:par>
-                                <p:cTn id="21" presetID="1" presetClass="entr" presetSubtype="0" fill="hold" grpId="0" nodeType="clickEffect">
-                                  <p:stCondLst>
-                                    <p:cond delay="0"/>
-                                  </p:stCondLst>
-                                  <p:childTnLst>
-                                    <p:set>
-                                      <p:cBhvr>
-                                        <p:cTn id="22" dur="1" fill="hold">
-                                          <p:stCondLst>
-                                            <p:cond delay="0"/>
-                                          </p:stCondLst>
-                                        </p:cTn>
-                                        <p:tgtEl>
-                                          <p:spTgt spid="15"/>
-                                        </p:tgtEl>
-                                        <p:attrNameLst>
-                                          <p:attrName>style.visibility</p:attrName>
-                                        </p:attrNameLst>
-                                      </p:cBhvr>
-                                      <p:to>
-                                        <p:strVal val="visible"/>
-                                      </p:to>
-                                    </p:set>
-                                  </p:childTnLst>
-                                </p:cTn>
-                              </p:par>
-                            </p:childTnLst>
-                          </p:cTn>
-                        </p:par>
-                      </p:childTnLst>
-                    </p:cTn>
-                  </p:par>
-                  <p:par>
-                    <p:cTn id="23" fill="hold">
-                      <p:stCondLst>
-                        <p:cond delay="indefinite"/>
-                      </p:stCondLst>
-                      <p:childTnLst>
-                        <p:par>
-                          <p:cTn id="24" fill="hold">
-                            <p:stCondLst>
-                              <p:cond delay="0"/>
-                            </p:stCondLst>
-                            <p:childTnLst>
-                              <p:par>
-                                <p:cTn id="25" presetID="1" presetClass="entr" presetSubtype="0" fill="hold" grpId="0" nodeType="clickEffect">
-                                  <p:stCondLst>
-                                    <p:cond delay="0"/>
-                                  </p:stCondLst>
-                                  <p:childTnLst>
-                                    <p:set>
-                                      <p:cBhvr>
-                                        <p:cTn id="26" dur="1" fill="hold">
-                                          <p:stCondLst>
-                                            <p:cond delay="0"/>
-                                          </p:stCondLst>
-                                        </p:cTn>
-                                        <p:tgtEl>
-                                          <p:spTgt spid="16"/>
-                                        </p:tgtEl>
-                                        <p:attrNameLst>
-                                          <p:attrName>style.visibility</p:attrName>
-                                        </p:attrNameLst>
-                                      </p:cBhvr>
-                                      <p:to>
-                                        <p:strVal val="visible"/>
-                                      </p:to>
-                                    </p:set>
-                                  </p:childTnLst>
-                                </p:cTn>
-                              </p:par>
-                            </p:childTnLst>
-                          </p:cTn>
-                        </p:par>
-                      </p:childTnLst>
-                    </p:cTn>
-                  </p:par>
-                </p:childTnLst>
-              </p:cTn>
-              <p:prevCondLst>
-                <p:cond evt="onPrev" delay="0">
-                  <p:tgtEl>
-                    <p:sldTgt/>
-                  </p:tgtEl>
-                </p:cond>
-              </p:prevCondLst>
-              <p:nextCondLst>
-                <p:cond evt="onNext" delay="0">
-                  <p:tgtEl>
-                    <p:sldTgt/>
-                  </p:tgtEl>
-                </p:cond>
-              </p:nextCondLst>
-            </p:seq>
-          </p:childTnLst>
-        </p:cTn>
-      </p:par>
-    </p:tnLst>
-    <p:bldLst>
-      <p:bldP spid="5" grpId="0" build="p"/>
-      <p:bldP spid="13" grpId="0"/>
-      <p:bldP spid="15" grpId="0"/>
-      <p:bldP spid="16" grpId="0"/>
-      <p:bldP spid="17" grpId="0"/>
-    </p:bldLst>
-  </p:timing>
-</p:sld>
-</file>
-
-<file path=ppt/slides/slide12.xml><?xml version="1.0" encoding="utf-8"?>
-<p:sld xmlns:a="http://schemas.openxmlformats.org/drawingml/2006/main" xmlns:r="http://schemas.openxmlformats.org/officeDocument/2006/relationships" xmlns:p="http://schemas.openxmlformats.org/presentationml/2006/main">
-  <p:cSld>
-    <p:spTree>
-      <p:nvGrpSpPr>
-        <p:cNvPr id="1" name=""/>
-        <p:cNvGrpSpPr/>
-        <p:nvPr/>
-      </p:nvGrpSpPr>
-      <p:grpSpPr>
-        <a:xfrm>
-          <a:off x="0" y="0"/>
-          <a:ext cx="0" cy="0"/>
-          <a:chOff x="0" y="0"/>
-          <a:chExt cx="0" cy="0"/>
-        </a:xfrm>
-      </p:grpSpPr>
-      <p:sp>
-        <p:nvSpPr>
           <p:cNvPr id="5" name="标题 1">
             <a:extLst>
               <a:ext uri="{FF2B5EF4-FFF2-40B4-BE49-F238E27FC236}">
@@ -8222,7 +4769,7 @@
 </p:sld>
 </file>
 
-<file path=ppt/slides/slide13.xml><?xml version="1.0" encoding="utf-8"?>
+<file path=ppt/slides/slide11.xml><?xml version="1.0" encoding="utf-8"?>
 <p:sld xmlns:a="http://schemas.openxmlformats.org/drawingml/2006/main" xmlns:r="http://schemas.openxmlformats.org/officeDocument/2006/relationships" xmlns:p="http://schemas.openxmlformats.org/presentationml/2006/main">
   <p:cSld>
     <p:spTree>
@@ -9126,7 +5673,7 @@
 </p:sld>
 </file>
 
-<file path=ppt/slides/slide14.xml><?xml version="1.0" encoding="utf-8"?>
+<file path=ppt/slides/slide12.xml><?xml version="1.0" encoding="utf-8"?>
 <p:sld xmlns:a="http://schemas.openxmlformats.org/drawingml/2006/main" xmlns:r="http://schemas.openxmlformats.org/officeDocument/2006/relationships" xmlns:p="http://schemas.openxmlformats.org/presentationml/2006/main">
   <p:cSld>
     <p:spTree>
@@ -10160,7 +6707,7 @@
 </p:sld>
 </file>
 
-<file path=ppt/slides/slide15.xml><?xml version="1.0" encoding="utf-8"?>
+<file path=ppt/slides/slide13.xml><?xml version="1.0" encoding="utf-8"?>
 <p:sld xmlns:a="http://schemas.openxmlformats.org/drawingml/2006/main" xmlns:r="http://schemas.openxmlformats.org/officeDocument/2006/relationships" xmlns:p="http://schemas.openxmlformats.org/presentationml/2006/main">
   <p:cSld>
     <p:spTree>
@@ -10541,8 +7088,8 @@
           </a:p>
         </p:txBody>
       </p:sp>
-      <mc:AlternateContent xmlns:mc="http://schemas.openxmlformats.org/markup-compatibility/2006">
-        <mc:Choice xmlns:a14="http://schemas.microsoft.com/office/drawing/2010/main" Requires="a14">
+      <mc:AlternateContent xmlns:mc="http://schemas.openxmlformats.org/markup-compatibility/2006" xmlns:a14="http://schemas.microsoft.com/office/drawing/2010/main">
+        <mc:Choice Requires="a14">
           <p:sp>
             <p:nvSpPr>
               <p:cNvPr id="4" name="内容占位符 4">
@@ -11225,7 +7772,7 @@
             </p:txBody>
           </p:sp>
         </mc:Choice>
-        <mc:Fallback>
+        <mc:Fallback xmlns="">
           <p:sp>
             <p:nvSpPr>
               <p:cNvPr id="4" name="内容占位符 4">
@@ -11407,7 +7954,7 @@
 </p:sld>
 </file>
 
-<file path=ppt/slides/slide16.xml><?xml version="1.0" encoding="utf-8"?>
+<file path=ppt/slides/slide14.xml><?xml version="1.0" encoding="utf-8"?>
 <p:sld xmlns:a="http://schemas.openxmlformats.org/drawingml/2006/main" xmlns:r="http://schemas.openxmlformats.org/officeDocument/2006/relationships" xmlns:p="http://schemas.openxmlformats.org/presentationml/2006/main">
   <p:cSld>
     <p:spTree>
@@ -11777,8 +8324,8 @@
           </a:p>
         </p:txBody>
       </p:sp>
-      <mc:AlternateContent xmlns:mc="http://schemas.openxmlformats.org/markup-compatibility/2006">
-        <mc:Choice xmlns:a14="http://schemas.microsoft.com/office/drawing/2010/main" Requires="a14">
+      <mc:AlternateContent xmlns:mc="http://schemas.openxmlformats.org/markup-compatibility/2006" xmlns:a14="http://schemas.microsoft.com/office/drawing/2010/main">
+        <mc:Choice Requires="a14">
           <p:sp>
             <p:nvSpPr>
               <p:cNvPr id="6" name="内容占位符 4">
@@ -12729,7 +9276,7 @@
             </p:txBody>
           </p:sp>
         </mc:Choice>
-        <mc:Fallback>
+        <mc:Fallback xmlns="">
           <p:sp>
             <p:nvSpPr>
               <p:cNvPr id="6" name="内容占位符 4">
@@ -12911,7 +9458,7 @@
 </p:sld>
 </file>
 
-<file path=ppt/slides/slide17.xml><?xml version="1.0" encoding="utf-8"?>
+<file path=ppt/slides/slide15.xml><?xml version="1.0" encoding="utf-8"?>
 <p:sld xmlns:a="http://schemas.openxmlformats.org/drawingml/2006/main" xmlns:r="http://schemas.openxmlformats.org/officeDocument/2006/relationships" xmlns:p="http://schemas.openxmlformats.org/presentationml/2006/main">
   <p:cSld>
     <p:spTree>
@@ -14483,7 +11030,7 @@
 </p:sld>
 </file>
 
-<file path=ppt/slides/slide18.xml><?xml version="1.0" encoding="utf-8"?>
+<file path=ppt/slides/slide16.xml><?xml version="1.0" encoding="utf-8"?>
 <p:sld xmlns:a="http://schemas.openxmlformats.org/drawingml/2006/main" xmlns:r="http://schemas.openxmlformats.org/officeDocument/2006/relationships" xmlns:p="http://schemas.openxmlformats.org/presentationml/2006/main">
   <p:cSld>
     <p:spTree>
@@ -14941,8 +11488,8 @@
           </a:p>
         </p:txBody>
       </p:sp>
-      <mc:AlternateContent xmlns:mc="http://schemas.openxmlformats.org/markup-compatibility/2006">
-        <mc:Choice xmlns:a14="http://schemas.microsoft.com/office/drawing/2010/main" Requires="a14">
+      <mc:AlternateContent xmlns:mc="http://schemas.openxmlformats.org/markup-compatibility/2006" xmlns:a14="http://schemas.microsoft.com/office/drawing/2010/main">
+        <mc:Choice Requires="a14">
           <p:sp>
             <p:nvSpPr>
               <p:cNvPr id="8" name="内容占位符 4">
@@ -15590,7 +12137,7 @@
             </p:txBody>
           </p:sp>
         </mc:Choice>
-        <mc:Fallback>
+        <mc:Fallback xmlns="">
           <p:sp>
             <p:nvSpPr>
               <p:cNvPr id="8" name="内容占位符 4">
@@ -16512,7 +13059,7 @@
 </p:sld>
 </file>
 
-<file path=ppt/slides/slide19.xml><?xml version="1.0" encoding="utf-8"?>
+<file path=ppt/slides/slide17.xml><?xml version="1.0" encoding="utf-8"?>
 <p:sld xmlns:a="http://schemas.openxmlformats.org/drawingml/2006/main" xmlns:r="http://schemas.openxmlformats.org/officeDocument/2006/relationships" xmlns:p="http://schemas.openxmlformats.org/presentationml/2006/main">
   <p:cSld>
     <p:spTree>
@@ -17993,398 +14540,7 @@
 </p:sld>
 </file>
 
-<file path=ppt/slides/slide2.xml><?xml version="1.0" encoding="utf-8"?>
-<p:sld xmlns:a="http://schemas.openxmlformats.org/drawingml/2006/main" xmlns:r="http://schemas.openxmlformats.org/officeDocument/2006/relationships" xmlns:p="http://schemas.openxmlformats.org/presentationml/2006/main">
-  <p:cSld>
-    <p:spTree>
-      <p:nvGrpSpPr>
-        <p:cNvPr id="1" name=""/>
-        <p:cNvGrpSpPr/>
-        <p:nvPr/>
-      </p:nvGrpSpPr>
-      <p:grpSpPr>
-        <a:xfrm>
-          <a:off x="0" y="0"/>
-          <a:ext cx="0" cy="0"/>
-          <a:chOff x="0" y="0"/>
-          <a:chExt cx="0" cy="0"/>
-        </a:xfrm>
-      </p:grpSpPr>
-      <p:pic>
-        <p:nvPicPr>
-          <p:cNvPr id="4" name="图片 3" descr="PPT.jpg"/>
-          <p:cNvPicPr>
-            <a:picLocks noChangeAspect="1"/>
-          </p:cNvPicPr>
-          <p:nvPr/>
-        </p:nvPicPr>
-        <p:blipFill>
-          <a:blip r:embed="rId2">
-            <a:extLst>
-              <a:ext uri="{28A0092B-C50C-407E-A947-70E740481C1C}">
-                <a14:useLocalDpi xmlns:a14="http://schemas.microsoft.com/office/drawing/2010/main" val="0"/>
-              </a:ext>
-            </a:extLst>
-          </a:blip>
-          <a:stretch>
-            <a:fillRect/>
-          </a:stretch>
-        </p:blipFill>
-        <p:spPr>
-          <a:xfrm>
-            <a:off x="0" y="7620"/>
-            <a:ext cx="9144000" cy="6858000"/>
-          </a:xfrm>
-          <a:prstGeom prst="rect">
-            <a:avLst/>
-          </a:prstGeom>
-        </p:spPr>
-      </p:pic>
-      <p:sp>
-        <p:nvSpPr>
-          <p:cNvPr id="5" name="标题 1"/>
-          <p:cNvSpPr>
-            <a:spLocks noGrp="1"/>
-          </p:cNvSpPr>
-          <p:nvPr>
-            <p:ph type="title"/>
-          </p:nvPr>
-        </p:nvSpPr>
-        <p:spPr>
-          <a:xfrm>
-            <a:off x="762000" y="1246905"/>
-            <a:ext cx="4618181" cy="750455"/>
-          </a:xfrm>
-        </p:spPr>
-        <p:txBody>
-          <a:bodyPr/>
-          <a:lstStyle/>
-          <a:p>
-            <a:pPr algn="l"/>
-            <a:r>
-              <a:rPr lang="en-US" altLang="ja-JP" baseline="30000" dirty="0">
-                <a:solidFill>
-                  <a:srgbClr val="64109F"/>
-                </a:solidFill>
-                <a:latin typeface="方正兰亭特黑_SC"/>
-                <a:ea typeface="方正兰亭特黑_SC"/>
-                <a:cs typeface="方正兰亭特黑_SC"/>
-              </a:rPr>
-              <a:t>Contents</a:t>
-            </a:r>
-            <a:endParaRPr lang="ja-JP" altLang="en-US" baseline="30000" dirty="0">
-              <a:solidFill>
-                <a:srgbClr val="64109F"/>
-              </a:solidFill>
-              <a:latin typeface="方正兰亭特黑_SC"/>
-              <a:ea typeface="方正兰亭特黑_SC"/>
-              <a:cs typeface="方正兰亭特黑_SC"/>
-            </a:endParaRPr>
-          </a:p>
-        </p:txBody>
-      </p:sp>
-      <p:sp>
-        <p:nvSpPr>
-          <p:cNvPr id="6" name="标题 1"/>
-          <p:cNvSpPr txBox="1">
-            <a:spLocks/>
-          </p:cNvSpPr>
-          <p:nvPr/>
-        </p:nvSpPr>
-        <p:spPr>
-          <a:xfrm>
-            <a:off x="1758835" y="2766753"/>
-            <a:ext cx="5922817" cy="473363"/>
-          </a:xfrm>
-          <a:prstGeom prst="rect">
-            <a:avLst/>
-          </a:prstGeom>
-        </p:spPr>
-        <p:txBody>
-          <a:bodyPr vert="horz" lIns="91440" tIns="45720" rIns="91440" bIns="45720" rtlCol="0" anchor="b" anchorCtr="0">
-            <a:noAutofit/>
-          </a:bodyPr>
-          <a:lstStyle>
-            <a:lvl1pPr algn="ctr" defTabSz="914400" rtl="0" eaLnBrk="1" latinLnBrk="0" hangingPunct="1">
-              <a:spcBef>
-                <a:spcPct val="0"/>
-              </a:spcBef>
-              <a:buNone/>
-              <a:defRPr sz="5000" kern="1200">
-                <a:solidFill>
-                  <a:schemeClr val="tx1"/>
-                </a:solidFill>
-                <a:latin typeface="+mj-lt"/>
-                <a:ea typeface="+mj-ea"/>
-                <a:cs typeface="+mj-cs"/>
-              </a:defRPr>
-            </a:lvl1pPr>
-          </a:lstStyle>
-          <a:p>
-            <a:pPr algn="l"/>
-            <a:r>
-              <a:rPr lang="en-US" altLang="ja-JP" sz="2800" baseline="30000" dirty="0">
-                <a:solidFill>
-                  <a:srgbClr val="64109F"/>
-                </a:solidFill>
-                <a:latin typeface="Microsoft YaHei"/>
-                <a:ea typeface="微软雅黑"/>
-                <a:cs typeface="Microsoft YaHei"/>
-              </a:rPr>
-              <a:t>1. </a:t>
-            </a:r>
-            <a:r>
-              <a:rPr lang="zh-CN" altLang="en-US" sz="2800" baseline="30000" dirty="0">
-                <a:solidFill>
-                  <a:srgbClr val="64109F"/>
-                </a:solidFill>
-                <a:latin typeface="Microsoft YaHei"/>
-                <a:ea typeface="微软雅黑"/>
-                <a:cs typeface="Microsoft YaHei"/>
-              </a:rPr>
-              <a:t>连续型变量的技术细节</a:t>
-            </a:r>
-            <a:endParaRPr lang="ja-JP" altLang="en-US" sz="2800" baseline="30000" dirty="0">
-              <a:solidFill>
-                <a:srgbClr val="64109F"/>
-              </a:solidFill>
-              <a:latin typeface="Microsoft YaHei"/>
-              <a:ea typeface="微软雅黑"/>
-              <a:cs typeface="Microsoft YaHei"/>
-            </a:endParaRPr>
-          </a:p>
-        </p:txBody>
-      </p:sp>
-      <p:sp>
-        <p:nvSpPr>
-          <p:cNvPr id="7" name="标题 1"/>
-          <p:cNvSpPr txBox="1">
-            <a:spLocks/>
-          </p:cNvSpPr>
-          <p:nvPr/>
-        </p:nvSpPr>
-        <p:spPr>
-          <a:xfrm>
-            <a:off x="1758835" y="3240116"/>
-            <a:ext cx="5922817" cy="473363"/>
-          </a:xfrm>
-          <a:prstGeom prst="rect">
-            <a:avLst/>
-          </a:prstGeom>
-        </p:spPr>
-        <p:txBody>
-          <a:bodyPr vert="horz" lIns="91440" tIns="45720" rIns="91440" bIns="45720" rtlCol="0" anchor="b" anchorCtr="0">
-            <a:noAutofit/>
-          </a:bodyPr>
-          <a:lstStyle>
-            <a:lvl1pPr algn="ctr" defTabSz="914400" rtl="0" eaLnBrk="1" latinLnBrk="0" hangingPunct="1">
-              <a:spcBef>
-                <a:spcPct val="0"/>
-              </a:spcBef>
-              <a:buNone/>
-              <a:defRPr sz="5000" kern="1200">
-                <a:solidFill>
-                  <a:schemeClr val="tx1"/>
-                </a:solidFill>
-                <a:latin typeface="+mj-lt"/>
-                <a:ea typeface="+mj-ea"/>
-                <a:cs typeface="+mj-cs"/>
-              </a:defRPr>
-            </a:lvl1pPr>
-          </a:lstStyle>
-          <a:p>
-            <a:pPr algn="l"/>
-            <a:r>
-              <a:rPr lang="en-US" altLang="ja-JP" sz="2800" baseline="30000" dirty="0">
-                <a:solidFill>
-                  <a:srgbClr val="64109F"/>
-                </a:solidFill>
-                <a:latin typeface="Microsoft YaHei"/>
-                <a:ea typeface="微软雅黑"/>
-                <a:cs typeface="Microsoft YaHei"/>
-              </a:rPr>
-              <a:t>2. </a:t>
-            </a:r>
-            <a:r>
-              <a:rPr lang="zh-CN" altLang="en-US" sz="2800" baseline="30000" dirty="0">
-                <a:solidFill>
-                  <a:srgbClr val="64109F"/>
-                </a:solidFill>
-                <a:latin typeface="Microsoft YaHei"/>
-                <a:ea typeface="微软雅黑"/>
-                <a:cs typeface="Microsoft YaHei"/>
-              </a:rPr>
-              <a:t>信息论</a:t>
-            </a:r>
-            <a:endParaRPr lang="ja-JP" altLang="en-US" sz="2800" baseline="30000" dirty="0">
-              <a:solidFill>
-                <a:srgbClr val="64109F"/>
-              </a:solidFill>
-              <a:latin typeface="Microsoft YaHei"/>
-              <a:ea typeface="微软雅黑"/>
-              <a:cs typeface="Microsoft YaHei"/>
-            </a:endParaRPr>
-          </a:p>
-        </p:txBody>
-      </p:sp>
-      <p:sp>
-        <p:nvSpPr>
-          <p:cNvPr id="8" name="标题 1"/>
-          <p:cNvSpPr txBox="1">
-            <a:spLocks/>
-          </p:cNvSpPr>
-          <p:nvPr/>
-        </p:nvSpPr>
-        <p:spPr>
-          <a:xfrm>
-            <a:off x="1766455" y="3713479"/>
-            <a:ext cx="5922817" cy="473363"/>
-          </a:xfrm>
-          <a:prstGeom prst="rect">
-            <a:avLst/>
-          </a:prstGeom>
-        </p:spPr>
-        <p:txBody>
-          <a:bodyPr vert="horz" lIns="91440" tIns="45720" rIns="91440" bIns="45720" rtlCol="0" anchor="b" anchorCtr="0">
-            <a:noAutofit/>
-          </a:bodyPr>
-          <a:lstStyle>
-            <a:lvl1pPr algn="ctr" defTabSz="914400" rtl="0" eaLnBrk="1" latinLnBrk="0" hangingPunct="1">
-              <a:spcBef>
-                <a:spcPct val="0"/>
-              </a:spcBef>
-              <a:buNone/>
-              <a:defRPr sz="5000" kern="1200">
-                <a:solidFill>
-                  <a:schemeClr val="tx1"/>
-                </a:solidFill>
-                <a:latin typeface="+mj-lt"/>
-                <a:ea typeface="+mj-ea"/>
-                <a:cs typeface="+mj-cs"/>
-              </a:defRPr>
-            </a:lvl1pPr>
-          </a:lstStyle>
-          <a:p>
-            <a:pPr algn="l"/>
-            <a:r>
-              <a:rPr lang="en-US" altLang="ja-JP" sz="2800" baseline="30000" dirty="0">
-                <a:solidFill>
-                  <a:srgbClr val="64109F"/>
-                </a:solidFill>
-                <a:latin typeface="Microsoft YaHei"/>
-                <a:ea typeface="微软雅黑"/>
-                <a:cs typeface="Microsoft YaHei"/>
-              </a:rPr>
-              <a:t>3. </a:t>
-            </a:r>
-            <a:r>
-              <a:rPr lang="zh-CN" altLang="en-US" sz="2800" baseline="30000" dirty="0">
-                <a:solidFill>
-                  <a:srgbClr val="64109F"/>
-                </a:solidFill>
-                <a:latin typeface="Microsoft YaHei"/>
-                <a:ea typeface="微软雅黑"/>
-                <a:cs typeface="Microsoft YaHei"/>
-              </a:rPr>
-              <a:t>结构化概率模型</a:t>
-            </a:r>
-            <a:endParaRPr lang="ja-JP" altLang="en-US" sz="2800" baseline="30000" dirty="0">
-              <a:solidFill>
-                <a:srgbClr val="64109F"/>
-              </a:solidFill>
-              <a:latin typeface="Microsoft YaHei"/>
-              <a:ea typeface="微软雅黑"/>
-              <a:cs typeface="Microsoft YaHei"/>
-            </a:endParaRPr>
-          </a:p>
-        </p:txBody>
-      </p:sp>
-      <p:pic>
-        <p:nvPicPr>
-          <p:cNvPr id="15" name="图片 14"/>
-          <p:cNvPicPr>
-            <a:picLocks noChangeAspect="1"/>
-          </p:cNvPicPr>
-          <p:nvPr/>
-        </p:nvPicPr>
-        <p:blipFill>
-          <a:blip r:embed="rId3"/>
-          <a:stretch>
-            <a:fillRect/>
-          </a:stretch>
-        </p:blipFill>
-        <p:spPr>
-          <a:xfrm>
-            <a:off x="1207655" y="2646219"/>
-            <a:ext cx="558800" cy="444500"/>
-          </a:xfrm>
-          <a:prstGeom prst="rect">
-            <a:avLst/>
-          </a:prstGeom>
-        </p:spPr>
-      </p:pic>
-      <p:pic>
-        <p:nvPicPr>
-          <p:cNvPr id="16" name="图片 15"/>
-          <p:cNvPicPr>
-            <a:picLocks noChangeAspect="1"/>
-          </p:cNvPicPr>
-          <p:nvPr/>
-        </p:nvPicPr>
-        <p:blipFill>
-          <a:blip r:embed="rId3"/>
-          <a:stretch>
-            <a:fillRect/>
-          </a:stretch>
-        </p:blipFill>
-        <p:spPr>
-          <a:xfrm>
-            <a:off x="1207655" y="3128821"/>
-            <a:ext cx="558800" cy="444500"/>
-          </a:xfrm>
-          <a:prstGeom prst="rect">
-            <a:avLst/>
-          </a:prstGeom>
-        </p:spPr>
-      </p:pic>
-      <p:pic>
-        <p:nvPicPr>
-          <p:cNvPr id="17" name="图片 16"/>
-          <p:cNvPicPr>
-            <a:picLocks noChangeAspect="1"/>
-          </p:cNvPicPr>
-          <p:nvPr/>
-        </p:nvPicPr>
-        <p:blipFill>
-          <a:blip r:embed="rId3"/>
-          <a:stretch>
-            <a:fillRect/>
-          </a:stretch>
-        </p:blipFill>
-        <p:spPr>
-          <a:xfrm>
-            <a:off x="1207655" y="3626661"/>
-            <a:ext cx="558800" cy="444500"/>
-          </a:xfrm>
-          <a:prstGeom prst="rect">
-            <a:avLst/>
-          </a:prstGeom>
-        </p:spPr>
-      </p:pic>
-    </p:spTree>
-    <p:extLst>
-      <p:ext uri="{BB962C8B-B14F-4D97-AF65-F5344CB8AC3E}">
-        <p14:creationId xmlns:p14="http://schemas.microsoft.com/office/powerpoint/2010/main" val="2337425598"/>
-      </p:ext>
-    </p:extLst>
-  </p:cSld>
-  <p:clrMapOvr>
-    <a:masterClrMapping/>
-  </p:clrMapOvr>
-</p:sld>
-</file>
-
-<file path=ppt/slides/slide20.xml><?xml version="1.0" encoding="utf-8"?>
+<file path=ppt/slides/slide18.xml><?xml version="1.0" encoding="utf-8"?>
 <p:sld xmlns:a="http://schemas.openxmlformats.org/drawingml/2006/main" xmlns:r="http://schemas.openxmlformats.org/officeDocument/2006/relationships" xmlns:p="http://schemas.openxmlformats.org/presentationml/2006/main">
   <p:cSld>
     <p:spTree>
@@ -18461,8 +14617,8 @@
           </a:p>
         </p:txBody>
       </p:sp>
-      <mc:AlternateContent xmlns:mc="http://schemas.openxmlformats.org/markup-compatibility/2006">
-        <mc:Choice xmlns:a14="http://schemas.microsoft.com/office/drawing/2010/main" Requires="a14">
+      <mc:AlternateContent xmlns:mc="http://schemas.openxmlformats.org/markup-compatibility/2006" xmlns:a14="http://schemas.microsoft.com/office/drawing/2010/main">
+        <mc:Choice Requires="a14">
           <p:sp>
             <p:nvSpPr>
               <p:cNvPr id="6" name="内容占位符 4">
@@ -18819,16 +14975,7 @@
                         </a:solidFill>
                         <a:latin typeface="Cambria Math" panose="02040503050406030204" pitchFamily="18" charset="0"/>
                       </a:rPr>
-                      <m:t>标签</m:t>
-                    </m:r>
-                    <m:r>
-                      <a:rPr kumimoji="1" lang="zh-CN" altLang="en-US" i="1">
-                        <a:solidFill>
-                          <a:schemeClr val="tx1"/>
-                        </a:solidFill>
-                        <a:latin typeface="Cambria Math" panose="02040503050406030204" pitchFamily="18" charset="0"/>
-                      </a:rPr>
-                      <m:t>为</m:t>
+                      <m:t>标签为</m:t>
                     </m:r>
                     <m:r>
                       <a:rPr kumimoji="1" lang="en-US" altLang="zh-CN" i="1">
@@ -18846,16 +14993,7 @@
                         </a:solidFill>
                         <a:latin typeface="Cambria Math" panose="02040503050406030204" pitchFamily="18" charset="0"/>
                       </a:rPr>
-                      <m:t>的</m:t>
-                    </m:r>
-                    <m:r>
-                      <a:rPr kumimoji="1" lang="zh-CN" altLang="en-US" i="1">
-                        <a:solidFill>
-                          <a:schemeClr val="tx1"/>
-                        </a:solidFill>
-                        <a:latin typeface="Cambria Math" panose="02040503050406030204" pitchFamily="18" charset="0"/>
-                      </a:rPr>
-                      <m:t>概率</m:t>
+                      <m:t>的概率</m:t>
                     </m:r>
                     <m:r>
                       <a:rPr kumimoji="1" lang="zh-CN" altLang="en-US" i="1" smtClean="0">
@@ -19063,7 +15201,7 @@
                         </a:solidFill>
                         <a:latin typeface="Cambria Math" panose="02040503050406030204" pitchFamily="18" charset="0"/>
                       </a:rPr>
-                      <m:t>-</m:t>
+                      <m:t>−</m:t>
                     </m:r>
                     <m:r>
                       <a:rPr kumimoji="1" lang="en-US" altLang="zh-CN" b="0" i="1" smtClean="0">
@@ -19511,25 +15649,7 @@
                           </a:solidFill>
                           <a:latin typeface="Cambria Math" panose="02040503050406030204" pitchFamily="18" charset="0"/>
                         </a:rPr>
-                        <m:t>=</m:t>
-                      </m:r>
-                      <m:r>
-                        <a:rPr kumimoji="1" lang="en-US" altLang="zh-CN" b="0" i="1" smtClean="0">
-                          <a:solidFill>
-                            <a:schemeClr val="tx1"/>
-                          </a:solidFill>
-                          <a:latin typeface="Cambria Math" panose="02040503050406030204" pitchFamily="18" charset="0"/>
-                        </a:rPr>
-                        <m:t>−</m:t>
-                      </m:r>
-                      <m:r>
-                        <a:rPr kumimoji="1" lang="en-US" altLang="zh-CN" b="0" i="1" smtClean="0">
-                          <a:solidFill>
-                            <a:schemeClr val="tx1"/>
-                          </a:solidFill>
-                          <a:latin typeface="Cambria Math" panose="02040503050406030204" pitchFamily="18" charset="0"/>
-                        </a:rPr>
-                        <m:t>[</m:t>
+                        <m:t>=−[</m:t>
                       </m:r>
                       <m:r>
                         <a:rPr kumimoji="1" lang="en-US" altLang="zh-CN" b="0" i="1" smtClean="0">
@@ -19759,16 +15879,7 @@
                           </a:solidFill>
                           <a:latin typeface="Cambria Math" panose="02040503050406030204" pitchFamily="18" charset="0"/>
                         </a:rPr>
-                        <m:t>=</m:t>
-                      </m:r>
-                      <m:r>
-                        <a:rPr kumimoji="1" lang="en-US" altLang="zh-CN" b="0" i="1" smtClean="0">
-                          <a:solidFill>
-                            <a:schemeClr val="tx1"/>
-                          </a:solidFill>
-                          <a:latin typeface="Cambria Math" panose="02040503050406030204" pitchFamily="18" charset="0"/>
-                        </a:rPr>
-                        <m:t>−</m:t>
+                        <m:t>=−</m:t>
                       </m:r>
                       <m:nary>
                         <m:naryPr>
@@ -20166,7 +16277,7 @@
             </p:txBody>
           </p:sp>
         </mc:Choice>
-        <mc:Fallback>
+        <mc:Fallback xmlns="">
           <p:sp>
             <p:nvSpPr>
               <p:cNvPr id="6" name="内容占位符 4">
@@ -20224,7 +16335,7 @@
 </p:sld>
 </file>
 
-<file path=ppt/slides/slide21.xml><?xml version="1.0" encoding="utf-8"?>
+<file path=ppt/slides/slide19.xml><?xml version="1.0" encoding="utf-8"?>
 <p:sld xmlns:a="http://schemas.openxmlformats.org/drawingml/2006/main" xmlns:r="http://schemas.openxmlformats.org/officeDocument/2006/relationships" xmlns:p="http://schemas.openxmlformats.org/presentationml/2006/main">
   <p:cSld>
     <p:spTree>
@@ -21182,7 +17293,398 @@
 </p:sld>
 </file>
 
-<file path=ppt/slides/slide22.xml><?xml version="1.0" encoding="utf-8"?>
+<file path=ppt/slides/slide2.xml><?xml version="1.0" encoding="utf-8"?>
+<p:sld xmlns:a="http://schemas.openxmlformats.org/drawingml/2006/main" xmlns:r="http://schemas.openxmlformats.org/officeDocument/2006/relationships" xmlns:p="http://schemas.openxmlformats.org/presentationml/2006/main">
+  <p:cSld>
+    <p:spTree>
+      <p:nvGrpSpPr>
+        <p:cNvPr id="1" name=""/>
+        <p:cNvGrpSpPr/>
+        <p:nvPr/>
+      </p:nvGrpSpPr>
+      <p:grpSpPr>
+        <a:xfrm>
+          <a:off x="0" y="0"/>
+          <a:ext cx="0" cy="0"/>
+          <a:chOff x="0" y="0"/>
+          <a:chExt cx="0" cy="0"/>
+        </a:xfrm>
+      </p:grpSpPr>
+      <p:pic>
+        <p:nvPicPr>
+          <p:cNvPr id="4" name="图片 3" descr="PPT.jpg"/>
+          <p:cNvPicPr>
+            <a:picLocks noChangeAspect="1"/>
+          </p:cNvPicPr>
+          <p:nvPr/>
+        </p:nvPicPr>
+        <p:blipFill>
+          <a:blip r:embed="rId2">
+            <a:extLst>
+              <a:ext uri="{28A0092B-C50C-407E-A947-70E740481C1C}">
+                <a14:useLocalDpi xmlns:a14="http://schemas.microsoft.com/office/drawing/2010/main" val="0"/>
+              </a:ext>
+            </a:extLst>
+          </a:blip>
+          <a:stretch>
+            <a:fillRect/>
+          </a:stretch>
+        </p:blipFill>
+        <p:spPr>
+          <a:xfrm>
+            <a:off x="0" y="7620"/>
+            <a:ext cx="9144000" cy="6858000"/>
+          </a:xfrm>
+          <a:prstGeom prst="rect">
+            <a:avLst/>
+          </a:prstGeom>
+        </p:spPr>
+      </p:pic>
+      <p:sp>
+        <p:nvSpPr>
+          <p:cNvPr id="5" name="标题 1"/>
+          <p:cNvSpPr>
+            <a:spLocks noGrp="1"/>
+          </p:cNvSpPr>
+          <p:nvPr>
+            <p:ph type="title"/>
+          </p:nvPr>
+        </p:nvSpPr>
+        <p:spPr>
+          <a:xfrm>
+            <a:off x="762000" y="1246905"/>
+            <a:ext cx="4618181" cy="750455"/>
+          </a:xfrm>
+        </p:spPr>
+        <p:txBody>
+          <a:bodyPr/>
+          <a:lstStyle/>
+          <a:p>
+            <a:pPr algn="l"/>
+            <a:r>
+              <a:rPr lang="en-US" altLang="ja-JP" baseline="30000" dirty="0">
+                <a:solidFill>
+                  <a:srgbClr val="64109F"/>
+                </a:solidFill>
+                <a:latin typeface="方正兰亭特黑_SC"/>
+                <a:ea typeface="方正兰亭特黑_SC"/>
+                <a:cs typeface="方正兰亭特黑_SC"/>
+              </a:rPr>
+              <a:t>Contents</a:t>
+            </a:r>
+            <a:endParaRPr lang="ja-JP" altLang="en-US" baseline="30000" dirty="0">
+              <a:solidFill>
+                <a:srgbClr val="64109F"/>
+              </a:solidFill>
+              <a:latin typeface="方正兰亭特黑_SC"/>
+              <a:ea typeface="方正兰亭特黑_SC"/>
+              <a:cs typeface="方正兰亭特黑_SC"/>
+            </a:endParaRPr>
+          </a:p>
+        </p:txBody>
+      </p:sp>
+      <p:sp>
+        <p:nvSpPr>
+          <p:cNvPr id="6" name="标题 1"/>
+          <p:cNvSpPr txBox="1">
+            <a:spLocks/>
+          </p:cNvSpPr>
+          <p:nvPr/>
+        </p:nvSpPr>
+        <p:spPr>
+          <a:xfrm>
+            <a:off x="1758835" y="2766753"/>
+            <a:ext cx="5922817" cy="473363"/>
+          </a:xfrm>
+          <a:prstGeom prst="rect">
+            <a:avLst/>
+          </a:prstGeom>
+        </p:spPr>
+        <p:txBody>
+          <a:bodyPr vert="horz" lIns="91440" tIns="45720" rIns="91440" bIns="45720" rtlCol="0" anchor="b" anchorCtr="0">
+            <a:noAutofit/>
+          </a:bodyPr>
+          <a:lstStyle>
+            <a:lvl1pPr algn="ctr" defTabSz="914400" rtl="0" eaLnBrk="1" latinLnBrk="0" hangingPunct="1">
+              <a:spcBef>
+                <a:spcPct val="0"/>
+              </a:spcBef>
+              <a:buNone/>
+              <a:defRPr sz="5000" kern="1200">
+                <a:solidFill>
+                  <a:schemeClr val="tx1"/>
+                </a:solidFill>
+                <a:latin typeface="+mj-lt"/>
+                <a:ea typeface="+mj-ea"/>
+                <a:cs typeface="+mj-cs"/>
+              </a:defRPr>
+            </a:lvl1pPr>
+          </a:lstStyle>
+          <a:p>
+            <a:pPr algn="l"/>
+            <a:r>
+              <a:rPr lang="en-US" altLang="ja-JP" sz="2800" baseline="30000" dirty="0">
+                <a:solidFill>
+                  <a:srgbClr val="64109F"/>
+                </a:solidFill>
+                <a:latin typeface="Microsoft YaHei"/>
+                <a:ea typeface="微软雅黑"/>
+                <a:cs typeface="Microsoft YaHei"/>
+              </a:rPr>
+              <a:t>1. </a:t>
+            </a:r>
+            <a:r>
+              <a:rPr lang="zh-CN" altLang="en-US" sz="2800" baseline="30000" dirty="0">
+                <a:solidFill>
+                  <a:srgbClr val="64109F"/>
+                </a:solidFill>
+                <a:latin typeface="Microsoft YaHei"/>
+                <a:ea typeface="微软雅黑"/>
+                <a:cs typeface="Microsoft YaHei"/>
+              </a:rPr>
+              <a:t>连续型变量的技术细节</a:t>
+            </a:r>
+            <a:endParaRPr lang="ja-JP" altLang="en-US" sz="2800" baseline="30000" dirty="0">
+              <a:solidFill>
+                <a:srgbClr val="64109F"/>
+              </a:solidFill>
+              <a:latin typeface="Microsoft YaHei"/>
+              <a:ea typeface="微软雅黑"/>
+              <a:cs typeface="Microsoft YaHei"/>
+            </a:endParaRPr>
+          </a:p>
+        </p:txBody>
+      </p:sp>
+      <p:sp>
+        <p:nvSpPr>
+          <p:cNvPr id="7" name="标题 1"/>
+          <p:cNvSpPr txBox="1">
+            <a:spLocks/>
+          </p:cNvSpPr>
+          <p:nvPr/>
+        </p:nvSpPr>
+        <p:spPr>
+          <a:xfrm>
+            <a:off x="1758835" y="3240116"/>
+            <a:ext cx="5922817" cy="473363"/>
+          </a:xfrm>
+          <a:prstGeom prst="rect">
+            <a:avLst/>
+          </a:prstGeom>
+        </p:spPr>
+        <p:txBody>
+          <a:bodyPr vert="horz" lIns="91440" tIns="45720" rIns="91440" bIns="45720" rtlCol="0" anchor="b" anchorCtr="0">
+            <a:noAutofit/>
+          </a:bodyPr>
+          <a:lstStyle>
+            <a:lvl1pPr algn="ctr" defTabSz="914400" rtl="0" eaLnBrk="1" latinLnBrk="0" hangingPunct="1">
+              <a:spcBef>
+                <a:spcPct val="0"/>
+              </a:spcBef>
+              <a:buNone/>
+              <a:defRPr sz="5000" kern="1200">
+                <a:solidFill>
+                  <a:schemeClr val="tx1"/>
+                </a:solidFill>
+                <a:latin typeface="+mj-lt"/>
+                <a:ea typeface="+mj-ea"/>
+                <a:cs typeface="+mj-cs"/>
+              </a:defRPr>
+            </a:lvl1pPr>
+          </a:lstStyle>
+          <a:p>
+            <a:pPr algn="l"/>
+            <a:r>
+              <a:rPr lang="en-US" altLang="ja-JP" sz="2800" baseline="30000" dirty="0">
+                <a:solidFill>
+                  <a:srgbClr val="64109F"/>
+                </a:solidFill>
+                <a:latin typeface="Microsoft YaHei"/>
+                <a:ea typeface="微软雅黑"/>
+                <a:cs typeface="Microsoft YaHei"/>
+              </a:rPr>
+              <a:t>2. </a:t>
+            </a:r>
+            <a:r>
+              <a:rPr lang="zh-CN" altLang="en-US" sz="2800" baseline="30000" dirty="0">
+                <a:solidFill>
+                  <a:srgbClr val="64109F"/>
+                </a:solidFill>
+                <a:latin typeface="Microsoft YaHei"/>
+                <a:ea typeface="微软雅黑"/>
+                <a:cs typeface="Microsoft YaHei"/>
+              </a:rPr>
+              <a:t>信息论</a:t>
+            </a:r>
+            <a:endParaRPr lang="ja-JP" altLang="en-US" sz="2800" baseline="30000" dirty="0">
+              <a:solidFill>
+                <a:srgbClr val="64109F"/>
+              </a:solidFill>
+              <a:latin typeface="Microsoft YaHei"/>
+              <a:ea typeface="微软雅黑"/>
+              <a:cs typeface="Microsoft YaHei"/>
+            </a:endParaRPr>
+          </a:p>
+        </p:txBody>
+      </p:sp>
+      <p:sp>
+        <p:nvSpPr>
+          <p:cNvPr id="8" name="标题 1"/>
+          <p:cNvSpPr txBox="1">
+            <a:spLocks/>
+          </p:cNvSpPr>
+          <p:nvPr/>
+        </p:nvSpPr>
+        <p:spPr>
+          <a:xfrm>
+            <a:off x="1766455" y="3713479"/>
+            <a:ext cx="5922817" cy="473363"/>
+          </a:xfrm>
+          <a:prstGeom prst="rect">
+            <a:avLst/>
+          </a:prstGeom>
+        </p:spPr>
+        <p:txBody>
+          <a:bodyPr vert="horz" lIns="91440" tIns="45720" rIns="91440" bIns="45720" rtlCol="0" anchor="b" anchorCtr="0">
+            <a:noAutofit/>
+          </a:bodyPr>
+          <a:lstStyle>
+            <a:lvl1pPr algn="ctr" defTabSz="914400" rtl="0" eaLnBrk="1" latinLnBrk="0" hangingPunct="1">
+              <a:spcBef>
+                <a:spcPct val="0"/>
+              </a:spcBef>
+              <a:buNone/>
+              <a:defRPr sz="5000" kern="1200">
+                <a:solidFill>
+                  <a:schemeClr val="tx1"/>
+                </a:solidFill>
+                <a:latin typeface="+mj-lt"/>
+                <a:ea typeface="+mj-ea"/>
+                <a:cs typeface="+mj-cs"/>
+              </a:defRPr>
+            </a:lvl1pPr>
+          </a:lstStyle>
+          <a:p>
+            <a:pPr algn="l"/>
+            <a:r>
+              <a:rPr lang="en-US" altLang="ja-JP" sz="2800" baseline="30000" dirty="0">
+                <a:solidFill>
+                  <a:srgbClr val="64109F"/>
+                </a:solidFill>
+                <a:latin typeface="Microsoft YaHei"/>
+                <a:ea typeface="微软雅黑"/>
+                <a:cs typeface="Microsoft YaHei"/>
+              </a:rPr>
+              <a:t>3. </a:t>
+            </a:r>
+            <a:r>
+              <a:rPr lang="zh-CN" altLang="en-US" sz="2800" baseline="30000" dirty="0">
+                <a:solidFill>
+                  <a:srgbClr val="64109F"/>
+                </a:solidFill>
+                <a:latin typeface="Microsoft YaHei"/>
+                <a:ea typeface="微软雅黑"/>
+                <a:cs typeface="Microsoft YaHei"/>
+              </a:rPr>
+              <a:t>结构化概率模型</a:t>
+            </a:r>
+            <a:endParaRPr lang="ja-JP" altLang="en-US" sz="2800" baseline="30000" dirty="0">
+              <a:solidFill>
+                <a:srgbClr val="64109F"/>
+              </a:solidFill>
+              <a:latin typeface="Microsoft YaHei"/>
+              <a:ea typeface="微软雅黑"/>
+              <a:cs typeface="Microsoft YaHei"/>
+            </a:endParaRPr>
+          </a:p>
+        </p:txBody>
+      </p:sp>
+      <p:pic>
+        <p:nvPicPr>
+          <p:cNvPr id="15" name="图片 14"/>
+          <p:cNvPicPr>
+            <a:picLocks noChangeAspect="1"/>
+          </p:cNvPicPr>
+          <p:nvPr/>
+        </p:nvPicPr>
+        <p:blipFill>
+          <a:blip r:embed="rId3"/>
+          <a:stretch>
+            <a:fillRect/>
+          </a:stretch>
+        </p:blipFill>
+        <p:spPr>
+          <a:xfrm>
+            <a:off x="1207655" y="2646219"/>
+            <a:ext cx="558800" cy="444500"/>
+          </a:xfrm>
+          <a:prstGeom prst="rect">
+            <a:avLst/>
+          </a:prstGeom>
+        </p:spPr>
+      </p:pic>
+      <p:pic>
+        <p:nvPicPr>
+          <p:cNvPr id="16" name="图片 15"/>
+          <p:cNvPicPr>
+            <a:picLocks noChangeAspect="1"/>
+          </p:cNvPicPr>
+          <p:nvPr/>
+        </p:nvPicPr>
+        <p:blipFill>
+          <a:blip r:embed="rId3"/>
+          <a:stretch>
+            <a:fillRect/>
+          </a:stretch>
+        </p:blipFill>
+        <p:spPr>
+          <a:xfrm>
+            <a:off x="1207655" y="3128821"/>
+            <a:ext cx="558800" cy="444500"/>
+          </a:xfrm>
+          <a:prstGeom prst="rect">
+            <a:avLst/>
+          </a:prstGeom>
+        </p:spPr>
+      </p:pic>
+      <p:pic>
+        <p:nvPicPr>
+          <p:cNvPr id="17" name="图片 16"/>
+          <p:cNvPicPr>
+            <a:picLocks noChangeAspect="1"/>
+          </p:cNvPicPr>
+          <p:nvPr/>
+        </p:nvPicPr>
+        <p:blipFill>
+          <a:blip r:embed="rId3"/>
+          <a:stretch>
+            <a:fillRect/>
+          </a:stretch>
+        </p:blipFill>
+        <p:spPr>
+          <a:xfrm>
+            <a:off x="1207655" y="3626661"/>
+            <a:ext cx="558800" cy="444500"/>
+          </a:xfrm>
+          <a:prstGeom prst="rect">
+            <a:avLst/>
+          </a:prstGeom>
+        </p:spPr>
+      </p:pic>
+    </p:spTree>
+    <p:extLst>
+      <p:ext uri="{BB962C8B-B14F-4D97-AF65-F5344CB8AC3E}">
+        <p14:creationId xmlns:p14="http://schemas.microsoft.com/office/powerpoint/2010/main" val="2337425598"/>
+      </p:ext>
+    </p:extLst>
+  </p:cSld>
+  <p:clrMapOvr>
+    <a:masterClrMapping/>
+  </p:clrMapOvr>
+</p:sld>
+</file>
+
+<file path=ppt/slides/slide20.xml><?xml version="1.0" encoding="utf-8"?>
 <p:sld xmlns:a="http://schemas.openxmlformats.org/drawingml/2006/main" xmlns:r="http://schemas.openxmlformats.org/officeDocument/2006/relationships" xmlns:p="http://schemas.openxmlformats.org/presentationml/2006/main">
   <p:cSld>
     <p:spTree>
@@ -22100,7 +18602,7 @@
 </p:sld>
 </file>
 
-<file path=ppt/slides/slide23.xml><?xml version="1.0" encoding="utf-8"?>
+<file path=ppt/slides/slide21.xml><?xml version="1.0" encoding="utf-8"?>
 <p:sld xmlns:a="http://schemas.openxmlformats.org/drawingml/2006/main" xmlns:r="http://schemas.openxmlformats.org/officeDocument/2006/relationships" xmlns:p="http://schemas.openxmlformats.org/presentationml/2006/main">
   <p:cSld>
     <p:spTree>
@@ -22710,8 +19212,8 @@
           </a:p>
         </p:txBody>
       </p:sp>
-      <mc:AlternateContent xmlns:mc="http://schemas.openxmlformats.org/markup-compatibility/2006">
-        <mc:Choice xmlns:a14="http://schemas.microsoft.com/office/drawing/2010/main" Requires="a14">
+      <mc:AlternateContent xmlns:mc="http://schemas.openxmlformats.org/markup-compatibility/2006" xmlns:a14="http://schemas.microsoft.com/office/drawing/2010/main">
+        <mc:Choice Requires="a14">
           <p:sp>
             <p:nvSpPr>
               <p:cNvPr id="2" name="TextBox 1">
@@ -22914,7 +19416,7 @@
             </p:txBody>
           </p:sp>
         </mc:Choice>
-        <mc:Fallback>
+        <mc:Fallback xmlns="">
           <p:sp>
             <p:nvSpPr>
               <p:cNvPr id="2" name="TextBox 1">
@@ -24229,7 +20731,7 @@
 </p:sld>
 </file>
 
-<file path=ppt/slides/slide24.xml><?xml version="1.0" encoding="utf-8"?>
+<file path=ppt/slides/slide22.xml><?xml version="1.0" encoding="utf-8"?>
 <p:sld xmlns:a="http://schemas.openxmlformats.org/drawingml/2006/main" xmlns:r="http://schemas.openxmlformats.org/officeDocument/2006/relationships" xmlns:p="http://schemas.openxmlformats.org/presentationml/2006/main">
   <p:cSld>
     <p:spTree>
@@ -25408,7 +21910,7 @@
 </p:sld>
 </file>
 
-<file path=ppt/slides/slide25.xml><?xml version="1.0" encoding="utf-8"?>
+<file path=ppt/slides/slide23.xml><?xml version="1.0" encoding="utf-8"?>
 <p:sld xmlns:a="http://schemas.openxmlformats.org/drawingml/2006/main" xmlns:r="http://schemas.openxmlformats.org/officeDocument/2006/relationships" xmlns:p="http://schemas.openxmlformats.org/presentationml/2006/main">
   <p:cSld>
     <p:spTree>
@@ -26455,224 +22957,6 @@
       </p:grpSpPr>
       <p:sp>
         <p:nvSpPr>
-          <p:cNvPr id="7" name="标题 1"/>
-          <p:cNvSpPr>
-            <a:spLocks noGrp="1"/>
-          </p:cNvSpPr>
-          <p:nvPr>
-            <p:ph type="title"/>
-          </p:nvPr>
-        </p:nvSpPr>
-        <p:spPr>
-          <a:xfrm>
-            <a:off x="460664" y="539176"/>
-            <a:ext cx="8048336" cy="750455"/>
-          </a:xfrm>
-        </p:spPr>
-        <p:txBody>
-          <a:bodyPr/>
-          <a:lstStyle/>
-          <a:p>
-            <a:pPr algn="l"/>
-            <a:r>
-              <a:rPr lang="en-US" altLang="zh-CN" sz="4000" baseline="30000" dirty="0">
-                <a:solidFill>
-                  <a:schemeClr val="bg1"/>
-                </a:solidFill>
-                <a:latin typeface="黑体"/>
-                <a:ea typeface="黑体"/>
-                <a:cs typeface="黑体"/>
-              </a:rPr>
-              <a:t>1.3 </a:t>
-            </a:r>
-            <a:r>
-              <a:rPr lang="zh-CN" altLang="en-US" sz="4000" baseline="30000" dirty="0">
-                <a:solidFill>
-                  <a:schemeClr val="bg1"/>
-                </a:solidFill>
-                <a:latin typeface="黑体"/>
-                <a:ea typeface="黑体"/>
-                <a:cs typeface="黑体"/>
-              </a:rPr>
-              <a:t>可数集</a:t>
-            </a:r>
-            <a:endParaRPr lang="ja-JP" altLang="en-US" sz="4000" baseline="30000" dirty="0">
-              <a:solidFill>
-                <a:schemeClr val="bg1"/>
-              </a:solidFill>
-              <a:latin typeface="黑体"/>
-              <a:ea typeface="黑体"/>
-              <a:cs typeface="黑体"/>
-            </a:endParaRPr>
-          </a:p>
-        </p:txBody>
-      </p:sp>
-      <p:sp>
-        <p:nvSpPr>
-          <p:cNvPr id="5" name="内容占位符 4">
-            <a:extLst>
-              <a:ext uri="{FF2B5EF4-FFF2-40B4-BE49-F238E27FC236}">
-                <a16:creationId xmlns:a16="http://schemas.microsoft.com/office/drawing/2014/main" id="{CBBE56EE-A16F-4568-A53E-33FF555324A8}"/>
-              </a:ext>
-            </a:extLst>
-          </p:cNvPr>
-          <p:cNvSpPr>
-            <a:spLocks noGrp="1"/>
-          </p:cNvSpPr>
-          <p:nvPr>
-            <p:ph idx="1"/>
-          </p:nvPr>
-        </p:nvSpPr>
-        <p:spPr>
-          <a:xfrm>
-            <a:off x="421409" y="1799935"/>
-            <a:ext cx="8301181" cy="2797465"/>
-          </a:xfrm>
-        </p:spPr>
-        <p:txBody>
-          <a:bodyPr>
-            <a:normAutofit/>
-          </a:bodyPr>
-          <a:lstStyle/>
-          <a:p>
-            <a:r>
-              <a:rPr lang="zh-CN" altLang="en-US" sz="2000" dirty="0">
-                <a:solidFill>
-                  <a:schemeClr val="tx1"/>
-                </a:solidFill>
-              </a:rPr>
-              <a:t>一个集合是可数的，要么它是有限的；要么它是无限的但是能够给出一个映射，将所有自然数与这个集合的元素匹配起来。</a:t>
-            </a:r>
-            <a:endParaRPr lang="en-US" sz="2000" dirty="0">
-              <a:solidFill>
-                <a:schemeClr val="tx1"/>
-              </a:solidFill>
-            </a:endParaRPr>
-          </a:p>
-          <a:p>
-            <a:r>
-              <a:rPr lang="zh-CN" altLang="en-US" sz="2000" dirty="0">
-                <a:solidFill>
-                  <a:schemeClr val="tx1"/>
-                </a:solidFill>
-              </a:rPr>
-              <a:t>也就是说，你可以选择集合中的某个元素为第一个，然后选择其他元素为第二个</a:t>
-            </a:r>
-            <a:r>
-              <a:rPr lang="en-US" altLang="zh-CN" sz="2000" dirty="0">
-                <a:solidFill>
-                  <a:schemeClr val="tx1"/>
-                </a:solidFill>
-              </a:rPr>
-              <a:t>…, </a:t>
-            </a:r>
-            <a:r>
-              <a:rPr lang="zh-CN" altLang="en-US" sz="2000" dirty="0">
-                <a:solidFill>
-                  <a:schemeClr val="tx1"/>
-                </a:solidFill>
-              </a:rPr>
-              <a:t>并最终以这种方式列出所有元素。 </a:t>
-            </a:r>
-            <a:endParaRPr lang="en-US" sz="2000" dirty="0">
-              <a:solidFill>
-                <a:schemeClr val="tx1"/>
-              </a:solidFill>
-            </a:endParaRPr>
-          </a:p>
-          <a:p>
-            <a:endParaRPr lang="en-US" sz="2000" dirty="0">
-              <a:solidFill>
-                <a:schemeClr val="tx1"/>
-              </a:solidFill>
-            </a:endParaRPr>
-          </a:p>
-        </p:txBody>
-      </p:sp>
-    </p:spTree>
-    <p:extLst>
-      <p:ext uri="{BB962C8B-B14F-4D97-AF65-F5344CB8AC3E}">
-        <p14:creationId xmlns:p14="http://schemas.microsoft.com/office/powerpoint/2010/main" val="2266277508"/>
-      </p:ext>
-    </p:extLst>
-  </p:cSld>
-  <p:clrMapOvr>
-    <a:masterClrMapping/>
-  </p:clrMapOvr>
-</p:sld>
-</file>
-
-<file path=ppt/slides/slide7.xml><?xml version="1.0" encoding="utf-8"?>
-<p:sld xmlns:a="http://schemas.openxmlformats.org/drawingml/2006/main" xmlns:r="http://schemas.openxmlformats.org/officeDocument/2006/relationships" xmlns:p="http://schemas.openxmlformats.org/presentationml/2006/main">
-  <p:cSld>
-    <p:spTree>
-      <p:nvGrpSpPr>
-        <p:cNvPr id="1" name=""/>
-        <p:cNvGrpSpPr/>
-        <p:nvPr/>
-      </p:nvGrpSpPr>
-      <p:grpSpPr>
-        <a:xfrm>
-          <a:off x="0" y="0"/>
-          <a:ext cx="0" cy="0"/>
-          <a:chOff x="0" y="0"/>
-          <a:chExt cx="0" cy="0"/>
-        </a:xfrm>
-      </p:grpSpPr>
-      <p:sp>
-        <p:nvSpPr>
-          <p:cNvPr id="8" name="文本框 7">
-            <a:extLst>
-              <a:ext uri="{FF2B5EF4-FFF2-40B4-BE49-F238E27FC236}">
-                <a16:creationId xmlns:a16="http://schemas.microsoft.com/office/drawing/2014/main" id="{68E6A7C0-564A-4C1E-8C8D-BDA72B4ACD56}"/>
-              </a:ext>
-            </a:extLst>
-          </p:cNvPr>
-          <p:cNvSpPr txBox="1"/>
-          <p:nvPr/>
-        </p:nvSpPr>
-        <p:spPr>
-          <a:xfrm>
-            <a:off x="377505" y="1588046"/>
-            <a:ext cx="8464491" cy="400110"/>
-          </a:xfrm>
-          <a:prstGeom prst="rect">
-            <a:avLst/>
-          </a:prstGeom>
-          <a:noFill/>
-        </p:spPr>
-        <p:txBody>
-          <a:bodyPr wrap="square" rtlCol="0">
-            <a:spAutoFit/>
-          </a:bodyPr>
-          <a:lstStyle/>
-          <a:p>
-            <a:r>
-              <a:rPr lang="zh-CN" altLang="en-US" dirty="0"/>
-              <a:t>在数学中，有理数是一个可以表示为两个整数的商或分数</a:t>
-            </a:r>
-            <a:r>
-              <a:rPr lang="en-US" altLang="zh-CN" dirty="0"/>
-              <a:t>p/q</a:t>
-            </a:r>
-            <a:r>
-              <a:rPr lang="zh-CN" altLang="en-US" dirty="0"/>
-              <a:t>的数（</a:t>
-            </a:r>
-            <a:r>
-              <a:rPr lang="en-US" altLang="zh-CN" dirty="0"/>
-              <a:t>q≠0</a:t>
-            </a:r>
-            <a:r>
-              <a:rPr lang="zh-CN" altLang="en-US" dirty="0"/>
-              <a:t>）。</a:t>
-            </a:r>
-            <a:endParaRPr lang="en-US" dirty="0"/>
-          </a:p>
-        </p:txBody>
-      </p:sp>
-      <p:sp>
-        <p:nvSpPr>
           <p:cNvPr id="5" name="标题 1">
             <a:extLst>
               <a:ext uri="{FF2B5EF4-FFF2-40B4-BE49-F238E27FC236}">
@@ -26707,7 +22991,7 @@
                 <a:ea typeface="黑体"/>
                 <a:cs typeface="黑体"/>
               </a:rPr>
-              <a:t>1.4 </a:t>
+              <a:t>1.3 </a:t>
             </a:r>
             <a:r>
               <a:rPr lang="zh-CN" altLang="en-US" sz="4000" baseline="30000" dirty="0">
@@ -26718,440 +23002,7 @@
                 <a:ea typeface="黑体"/>
                 <a:cs typeface="黑体"/>
               </a:rPr>
-              <a:t>有理数</a:t>
-            </a:r>
-            <a:endParaRPr lang="ja-JP" altLang="en-US" sz="4000" baseline="30000" dirty="0">
-              <a:solidFill>
-                <a:schemeClr val="bg1"/>
-              </a:solidFill>
-              <a:latin typeface="黑体"/>
-              <a:ea typeface="黑体"/>
-              <a:cs typeface="黑体"/>
-            </a:endParaRPr>
-          </a:p>
-        </p:txBody>
-      </p:sp>
-      <p:sp>
-        <p:nvSpPr>
-          <p:cNvPr id="6" name="文本框 5">
-            <a:extLst>
-              <a:ext uri="{FF2B5EF4-FFF2-40B4-BE49-F238E27FC236}">
-                <a16:creationId xmlns:a16="http://schemas.microsoft.com/office/drawing/2014/main" id="{8904E3F8-1591-4FC7-8499-5D349D826495}"/>
-              </a:ext>
-            </a:extLst>
-          </p:cNvPr>
-          <p:cNvSpPr txBox="1"/>
-          <p:nvPr/>
-        </p:nvSpPr>
-        <p:spPr>
-          <a:xfrm>
-            <a:off x="377505" y="2264435"/>
-            <a:ext cx="5473700" cy="400110"/>
-          </a:xfrm>
-          <a:prstGeom prst="rect">
-            <a:avLst/>
-          </a:prstGeom>
-          <a:noFill/>
-        </p:spPr>
-        <p:txBody>
-          <a:bodyPr wrap="square" rtlCol="0">
-            <a:spAutoFit/>
-          </a:bodyPr>
-          <a:lstStyle/>
-          <a:p>
-            <a:r>
-              <a:rPr lang="zh-CN" altLang="en-US" dirty="0"/>
-              <a:t>如何列举所有的有理数呢？</a:t>
-            </a:r>
-            <a:endParaRPr lang="en-US" dirty="0"/>
-          </a:p>
-        </p:txBody>
-      </p:sp>
-      <p:sp>
-        <p:nvSpPr>
-          <p:cNvPr id="9" name="文本框 5">
-            <a:extLst>
-              <a:ext uri="{FF2B5EF4-FFF2-40B4-BE49-F238E27FC236}">
-                <a16:creationId xmlns:a16="http://schemas.microsoft.com/office/drawing/2014/main" id="{7FE15DE2-D665-AB40-A3BE-30E29C053131}"/>
-              </a:ext>
-            </a:extLst>
-          </p:cNvPr>
-          <p:cNvSpPr txBox="1"/>
-          <p:nvPr/>
-        </p:nvSpPr>
-        <p:spPr>
-          <a:xfrm>
-            <a:off x="377505" y="4310883"/>
-            <a:ext cx="5473700" cy="400110"/>
-          </a:xfrm>
-          <a:prstGeom prst="rect">
-            <a:avLst/>
-          </a:prstGeom>
-          <a:noFill/>
-        </p:spPr>
-        <p:txBody>
-          <a:bodyPr wrap="square" rtlCol="0">
-            <a:spAutoFit/>
-          </a:bodyPr>
-          <a:lstStyle/>
-          <a:p>
-            <a:r>
-              <a:rPr lang="zh-CN" altLang="en-US" dirty="0"/>
-              <a:t>所有有理数都列举完了吗？</a:t>
-            </a:r>
-            <a:endParaRPr lang="en-US" dirty="0"/>
-          </a:p>
-        </p:txBody>
-      </p:sp>
-      <p:sp>
-        <p:nvSpPr>
-          <p:cNvPr id="10" name="文本框 5">
-            <a:extLst>
-              <a:ext uri="{FF2B5EF4-FFF2-40B4-BE49-F238E27FC236}">
-                <a16:creationId xmlns:a16="http://schemas.microsoft.com/office/drawing/2014/main" id="{DF38EB15-681F-5B4A-A9CE-C1966D0983BD}"/>
-              </a:ext>
-            </a:extLst>
-          </p:cNvPr>
-          <p:cNvSpPr txBox="1"/>
-          <p:nvPr/>
-        </p:nvSpPr>
-        <p:spPr>
-          <a:xfrm>
-            <a:off x="377505" y="2951777"/>
-            <a:ext cx="5473700" cy="964367"/>
-          </a:xfrm>
-          <a:prstGeom prst="rect">
-            <a:avLst/>
-          </a:prstGeom>
-          <a:noFill/>
-        </p:spPr>
-        <p:txBody>
-          <a:bodyPr wrap="square" rtlCol="0">
-            <a:spAutoFit/>
-          </a:bodyPr>
-          <a:lstStyle/>
-          <a:p>
-            <a:pPr>
-              <a:spcBef>
-                <a:spcPts val="2000"/>
-              </a:spcBef>
-            </a:pPr>
-            <a:r>
-              <a:rPr lang="zh-CN" altLang="en-US" dirty="0"/>
-              <a:t>考虑</a:t>
-            </a:r>
-            <a:r>
-              <a:rPr lang="en-US" dirty="0"/>
-              <a:t> p + q = 2, 3, 4 …</a:t>
-            </a:r>
-          </a:p>
-          <a:p>
-            <a:pPr>
-              <a:spcBef>
-                <a:spcPts val="2000"/>
-              </a:spcBef>
-            </a:pPr>
-            <a:r>
-              <a:rPr lang="en-US" dirty="0"/>
-              <a:t>[1/1], [2/1, 1/2], [2/2, 3/1, 1/3], … </a:t>
-            </a:r>
-          </a:p>
-        </p:txBody>
-      </p:sp>
-    </p:spTree>
-    <p:extLst>
-      <p:ext uri="{BB962C8B-B14F-4D97-AF65-F5344CB8AC3E}">
-        <p14:creationId xmlns:p14="http://schemas.microsoft.com/office/powerpoint/2010/main" val="1536434840"/>
-      </p:ext>
-    </p:extLst>
-  </p:cSld>
-  <p:clrMapOvr>
-    <a:masterClrMapping/>
-  </p:clrMapOvr>
-  <p:timing>
-    <p:tnLst>
-      <p:par>
-        <p:cTn id="1" dur="indefinite" restart="never" nodeType="tmRoot">
-          <p:childTnLst>
-            <p:seq concurrent="1" nextAc="seek">
-              <p:cTn id="2" dur="indefinite" nodeType="mainSeq">
-                <p:childTnLst>
-                  <p:par>
-                    <p:cTn id="3" fill="hold">
-                      <p:stCondLst>
-                        <p:cond delay="indefinite"/>
-                      </p:stCondLst>
-                      <p:childTnLst>
-                        <p:par>
-                          <p:cTn id="4" fill="hold">
-                            <p:stCondLst>
-                              <p:cond delay="0"/>
-                            </p:stCondLst>
-                            <p:childTnLst>
-                              <p:par>
-                                <p:cTn id="5" presetID="1" presetClass="entr" presetSubtype="0" fill="hold" grpId="0" nodeType="clickEffect">
-                                  <p:stCondLst>
-                                    <p:cond delay="0"/>
-                                  </p:stCondLst>
-                                  <p:childTnLst>
-                                    <p:set>
-                                      <p:cBhvr>
-                                        <p:cTn id="6" dur="1" fill="hold">
-                                          <p:stCondLst>
-                                            <p:cond delay="0"/>
-                                          </p:stCondLst>
-                                        </p:cTn>
-                                        <p:tgtEl>
-                                          <p:spTgt spid="8"/>
-                                        </p:tgtEl>
-                                        <p:attrNameLst>
-                                          <p:attrName>style.visibility</p:attrName>
-                                        </p:attrNameLst>
-                                      </p:cBhvr>
-                                      <p:to>
-                                        <p:strVal val="visible"/>
-                                      </p:to>
-                                    </p:set>
-                                  </p:childTnLst>
-                                </p:cTn>
-                              </p:par>
-                            </p:childTnLst>
-                          </p:cTn>
-                        </p:par>
-                      </p:childTnLst>
-                    </p:cTn>
-                  </p:par>
-                  <p:par>
-                    <p:cTn id="7" fill="hold">
-                      <p:stCondLst>
-                        <p:cond delay="indefinite"/>
-                      </p:stCondLst>
-                      <p:childTnLst>
-                        <p:par>
-                          <p:cTn id="8" fill="hold">
-                            <p:stCondLst>
-                              <p:cond delay="0"/>
-                            </p:stCondLst>
-                            <p:childTnLst>
-                              <p:par>
-                                <p:cTn id="9" presetID="1" presetClass="entr" presetSubtype="0" fill="hold" grpId="0" nodeType="clickEffect">
-                                  <p:stCondLst>
-                                    <p:cond delay="0"/>
-                                  </p:stCondLst>
-                                  <p:childTnLst>
-                                    <p:set>
-                                      <p:cBhvr>
-                                        <p:cTn id="10" dur="1" fill="hold">
-                                          <p:stCondLst>
-                                            <p:cond delay="0"/>
-                                          </p:stCondLst>
-                                        </p:cTn>
-                                        <p:tgtEl>
-                                          <p:spTgt spid="6"/>
-                                        </p:tgtEl>
-                                        <p:attrNameLst>
-                                          <p:attrName>style.visibility</p:attrName>
-                                        </p:attrNameLst>
-                                      </p:cBhvr>
-                                      <p:to>
-                                        <p:strVal val="visible"/>
-                                      </p:to>
-                                    </p:set>
-                                  </p:childTnLst>
-                                </p:cTn>
-                              </p:par>
-                            </p:childTnLst>
-                          </p:cTn>
-                        </p:par>
-                      </p:childTnLst>
-                    </p:cTn>
-                  </p:par>
-                  <p:par>
-                    <p:cTn id="11" fill="hold">
-                      <p:stCondLst>
-                        <p:cond delay="indefinite"/>
-                      </p:stCondLst>
-                      <p:childTnLst>
-                        <p:par>
-                          <p:cTn id="12" fill="hold">
-                            <p:stCondLst>
-                              <p:cond delay="0"/>
-                            </p:stCondLst>
-                            <p:childTnLst>
-                              <p:par>
-                                <p:cTn id="13" presetID="1" presetClass="entr" presetSubtype="0" fill="hold" grpId="0" nodeType="clickEffect">
-                                  <p:stCondLst>
-                                    <p:cond delay="0"/>
-                                  </p:stCondLst>
-                                  <p:childTnLst>
-                                    <p:set>
-                                      <p:cBhvr>
-                                        <p:cTn id="14" dur="1" fill="hold">
-                                          <p:stCondLst>
-                                            <p:cond delay="0"/>
-                                          </p:stCondLst>
-                                        </p:cTn>
-                                        <p:tgtEl>
-                                          <p:spTgt spid="10"/>
-                                        </p:tgtEl>
-                                        <p:attrNameLst>
-                                          <p:attrName>style.visibility</p:attrName>
-                                        </p:attrNameLst>
-                                      </p:cBhvr>
-                                      <p:to>
-                                        <p:strVal val="visible"/>
-                                      </p:to>
-                                    </p:set>
-                                  </p:childTnLst>
-                                </p:cTn>
-                              </p:par>
-                            </p:childTnLst>
-                          </p:cTn>
-                        </p:par>
-                      </p:childTnLst>
-                    </p:cTn>
-                  </p:par>
-                  <p:par>
-                    <p:cTn id="15" fill="hold">
-                      <p:stCondLst>
-                        <p:cond delay="indefinite"/>
-                      </p:stCondLst>
-                      <p:childTnLst>
-                        <p:par>
-                          <p:cTn id="16" fill="hold">
-                            <p:stCondLst>
-                              <p:cond delay="0"/>
-                            </p:stCondLst>
-                            <p:childTnLst>
-                              <p:par>
-                                <p:cTn id="17" presetID="1" presetClass="entr" presetSubtype="0" fill="hold" grpId="0" nodeType="clickEffect">
-                                  <p:stCondLst>
-                                    <p:cond delay="0"/>
-                                  </p:stCondLst>
-                                  <p:childTnLst>
-                                    <p:set>
-                                      <p:cBhvr>
-                                        <p:cTn id="18" dur="1" fill="hold">
-                                          <p:stCondLst>
-                                            <p:cond delay="0"/>
-                                          </p:stCondLst>
-                                        </p:cTn>
-                                        <p:tgtEl>
-                                          <p:spTgt spid="9"/>
-                                        </p:tgtEl>
-                                        <p:attrNameLst>
-                                          <p:attrName>style.visibility</p:attrName>
-                                        </p:attrNameLst>
-                                      </p:cBhvr>
-                                      <p:to>
-                                        <p:strVal val="visible"/>
-                                      </p:to>
-                                    </p:set>
-                                  </p:childTnLst>
-                                </p:cTn>
-                              </p:par>
-                            </p:childTnLst>
-                          </p:cTn>
-                        </p:par>
-                      </p:childTnLst>
-                    </p:cTn>
-                  </p:par>
-                </p:childTnLst>
-              </p:cTn>
-              <p:prevCondLst>
-                <p:cond evt="onPrev" delay="0">
-                  <p:tgtEl>
-                    <p:sldTgt/>
-                  </p:tgtEl>
-                </p:cond>
-              </p:prevCondLst>
-              <p:nextCondLst>
-                <p:cond evt="onNext" delay="0">
-                  <p:tgtEl>
-                    <p:sldTgt/>
-                  </p:tgtEl>
-                </p:cond>
-              </p:nextCondLst>
-            </p:seq>
-          </p:childTnLst>
-        </p:cTn>
-      </p:par>
-    </p:tnLst>
-    <p:bldLst>
-      <p:bldP spid="8" grpId="0"/>
-      <p:bldP spid="6" grpId="0"/>
-      <p:bldP spid="9" grpId="0"/>
-      <p:bldP spid="10" grpId="0"/>
-    </p:bldLst>
-  </p:timing>
-</p:sld>
-</file>
-
-<file path=ppt/slides/slide8.xml><?xml version="1.0" encoding="utf-8"?>
-<p:sld xmlns:a="http://schemas.openxmlformats.org/drawingml/2006/main" xmlns:r="http://schemas.openxmlformats.org/officeDocument/2006/relationships" xmlns:p="http://schemas.openxmlformats.org/presentationml/2006/main">
-  <p:cSld>
-    <p:spTree>
-      <p:nvGrpSpPr>
-        <p:cNvPr id="1" name=""/>
-        <p:cNvGrpSpPr/>
-        <p:nvPr/>
-      </p:nvGrpSpPr>
-      <p:grpSpPr>
-        <a:xfrm>
-          <a:off x="0" y="0"/>
-          <a:ext cx="0" cy="0"/>
-          <a:chOff x="0" y="0"/>
-          <a:chExt cx="0" cy="0"/>
-        </a:xfrm>
-      </p:grpSpPr>
-      <p:sp>
-        <p:nvSpPr>
-          <p:cNvPr id="5" name="标题 1">
-            <a:extLst>
-              <a:ext uri="{FF2B5EF4-FFF2-40B4-BE49-F238E27FC236}">
-                <a16:creationId xmlns:a16="http://schemas.microsoft.com/office/drawing/2014/main" id="{F0511409-B9AF-4D30-B635-901BDDA9EAD1}"/>
-              </a:ext>
-            </a:extLst>
-          </p:cNvPr>
-          <p:cNvSpPr>
-            <a:spLocks noGrp="1"/>
-          </p:cNvSpPr>
-          <p:nvPr>
-            <p:ph type="title"/>
-          </p:nvPr>
-        </p:nvSpPr>
-        <p:spPr>
-          <a:xfrm>
-            <a:off x="460664" y="539176"/>
-            <a:ext cx="8048336" cy="750455"/>
-          </a:xfrm>
-        </p:spPr>
-        <p:txBody>
-          <a:bodyPr/>
-          <a:lstStyle/>
-          <a:p>
-            <a:pPr algn="l"/>
-            <a:r>
-              <a:rPr lang="en-US" altLang="zh-CN" sz="4000" baseline="30000" dirty="0">
-                <a:solidFill>
-                  <a:schemeClr val="bg1"/>
-                </a:solidFill>
-                <a:latin typeface="黑体"/>
-                <a:ea typeface="黑体"/>
-                <a:cs typeface="黑体"/>
-              </a:rPr>
-              <a:t>1.5 </a:t>
-            </a:r>
-            <a:r>
-              <a:rPr lang="zh-CN" altLang="en-US" sz="4000" baseline="30000" dirty="0">
-                <a:solidFill>
-                  <a:schemeClr val="bg1"/>
-                </a:solidFill>
-                <a:latin typeface="黑体"/>
-                <a:ea typeface="黑体"/>
-                <a:cs typeface="黑体"/>
-              </a:rPr>
-              <a:t>可数集的测度</a:t>
+              <a:t>有理数的测度</a:t>
             </a:r>
             <a:endParaRPr lang="ja-JP" altLang="en-US" sz="4000" baseline="30000" dirty="0">
               <a:solidFill>
@@ -27179,7 +23030,7 @@
         <p:spPr>
           <a:xfrm>
             <a:off x="460664" y="1435845"/>
-            <a:ext cx="4269117" cy="400110"/>
+            <a:ext cx="3990195" cy="400110"/>
           </a:xfrm>
           <a:prstGeom prst="rect">
             <a:avLst/>
@@ -27198,15 +23049,27 @@
             </a:r>
             <a:r>
               <a:rPr lang="en-US" dirty="0"/>
-              <a:t> C </a:t>
+              <a:t> </a:t>
+            </a:r>
+            <a:r>
+              <a:rPr lang="en-US" altLang="zh-CN" dirty="0"/>
+              <a:t>Q</a:t>
             </a:r>
             <a:r>
               <a:rPr lang="zh-CN" altLang="en-US" dirty="0"/>
-              <a:t>是一个可数集</a:t>
+              <a:t>是有理数集</a:t>
             </a:r>
             <a:r>
               <a:rPr lang="en-US" dirty="0"/>
-              <a:t>, C = {a</a:t>
+              <a:t>, </a:t>
+            </a:r>
+            <a:r>
+              <a:rPr lang="en-US" altLang="zh-CN" dirty="0"/>
+              <a:t>Q</a:t>
+            </a:r>
+            <a:r>
+              <a:rPr lang="en-US" dirty="0"/>
+              <a:t> = {a</a:t>
             </a:r>
             <a:r>
               <a:rPr lang="en-US" baseline="-25000" dirty="0"/>
@@ -28473,8 +24336,8 @@
           </a:p>
         </p:txBody>
       </p:sp>
-      <mc:AlternateContent xmlns:mc="http://schemas.openxmlformats.org/markup-compatibility/2006">
-        <mc:Choice xmlns:a14="http://schemas.microsoft.com/office/drawing/2010/main" Requires="a14">
+      <mc:AlternateContent xmlns:mc="http://schemas.openxmlformats.org/markup-compatibility/2006" xmlns:a14="http://schemas.microsoft.com/office/drawing/2010/main">
+        <mc:Choice Requires="a14">
           <p:sp>
             <p:nvSpPr>
               <p:cNvPr id="47" name="文本框 46">
@@ -28944,7 +24807,7 @@
             </p:txBody>
           </p:sp>
         </mc:Choice>
-        <mc:Fallback>
+        <mc:Fallback xmlns="">
           <p:sp>
             <p:nvSpPr>
               <p:cNvPr id="47" name="文本框 46">
@@ -28989,8 +24852,8 @@
           </p:sp>
         </mc:Fallback>
       </mc:AlternateContent>
-      <mc:AlternateContent xmlns:mc="http://schemas.openxmlformats.org/markup-compatibility/2006" xmlns:a14="http://schemas.microsoft.com/office/drawing/2010/main">
-        <mc:Choice Requires="a14">
+      <mc:AlternateContent xmlns:mc="http://schemas.openxmlformats.org/markup-compatibility/2006">
+        <mc:Choice xmlns:a14="http://schemas.microsoft.com/office/drawing/2010/main" Requires="a14">
           <p:sp>
             <p:nvSpPr>
               <p:cNvPr id="49" name="文本框 48">
@@ -29040,7 +24903,7 @@
                           <a:rPr lang="en-US" sz="1800" b="0" i="1" smtClean="0">
                             <a:latin typeface="Cambria Math" panose="02040503050406030204" pitchFamily="18" charset="0"/>
                           </a:rPr>
-                          <m:t>𝐶</m:t>
+                          <m:t>𝑄</m:t>
                         </m:r>
                       </m:e>
                     </m:d>
@@ -29145,7 +25008,7 @@
             </p:txBody>
           </p:sp>
         </mc:Choice>
-        <mc:Fallback xmlns="">
+        <mc:Fallback>
           <p:sp>
             <p:nvSpPr>
               <p:cNvPr id="49" name="文本框 48">
@@ -29309,10 +25172,10 @@
                         </m:dPr>
                         <m:e>
                           <m:r>
-                            <a:rPr lang="en-US" sz="1800" i="1">
+                            <a:rPr lang="en-US" sz="1800" b="0" i="1" smtClean="0">
                               <a:latin typeface="Cambria Math" panose="02040503050406030204" pitchFamily="18" charset="0"/>
                             </a:rPr>
-                            <m:t>𝐶</m:t>
+                            <m:t>𝑄</m:t>
                           </m:r>
                         </m:e>
                       </m:d>
@@ -29362,7 +25225,7 @@
               <a:blipFill>
                 <a:blip r:embed="rId4"/>
                 <a:stretch>
-                  <a:fillRect l="-1258" r="-1468" b="-22222"/>
+                  <a:fillRect l="-1468" r="-1677" b="-31111"/>
                 </a:stretch>
               </a:blipFill>
             </p:spPr>
@@ -30635,7 +26498,7 @@
 </p:sld>
 </file>
 
-<file path=ppt/slides/slide9.xml><?xml version="1.0" encoding="utf-8"?>
+<file path=ppt/slides/slide7.xml><?xml version="1.0" encoding="utf-8"?>
 <p:sld xmlns:a="http://schemas.openxmlformats.org/drawingml/2006/main" xmlns:r="http://schemas.openxmlformats.org/officeDocument/2006/relationships" xmlns:p="http://schemas.openxmlformats.org/presentationml/2006/main">
   <p:cSld>
     <p:spTree>
@@ -30757,7 +26620,7 @@
                 <a:ea typeface="黑体"/>
                 <a:cs typeface="黑体"/>
               </a:rPr>
-              <a:t>1.6 </a:t>
+              <a:t>1.4 </a:t>
             </a:r>
             <a:r>
               <a:rPr lang="zh-CN" altLang="en-US" sz="4000" baseline="30000" dirty="0">
@@ -30791,6 +26654,3430 @@
   <p:clrMapOvr>
     <a:masterClrMapping/>
   </p:clrMapOvr>
+</p:sld>
+</file>
+
+<file path=ppt/slides/slide8.xml><?xml version="1.0" encoding="utf-8"?>
+<p:sld xmlns:a="http://schemas.openxmlformats.org/drawingml/2006/main" xmlns:r="http://schemas.openxmlformats.org/officeDocument/2006/relationships" xmlns:p="http://schemas.openxmlformats.org/presentationml/2006/main">
+  <p:cSld>
+    <p:spTree>
+      <p:nvGrpSpPr>
+        <p:cNvPr id="1" name=""/>
+        <p:cNvGrpSpPr/>
+        <p:nvPr/>
+      </p:nvGrpSpPr>
+      <p:grpSpPr>
+        <a:xfrm>
+          <a:off x="0" y="0"/>
+          <a:ext cx="0" cy="0"/>
+          <a:chOff x="0" y="0"/>
+          <a:chExt cx="0" cy="0"/>
+        </a:xfrm>
+      </p:grpSpPr>
+      <p:sp>
+        <p:nvSpPr>
+          <p:cNvPr id="5" name="内容占位符 4"/>
+          <p:cNvSpPr>
+            <a:spLocks noGrp="1"/>
+          </p:cNvSpPr>
+          <p:nvPr>
+            <p:ph idx="1"/>
+          </p:nvPr>
+        </p:nvSpPr>
+        <p:spPr>
+          <a:xfrm>
+            <a:off x="201490" y="1430349"/>
+            <a:ext cx="8479523" cy="1204642"/>
+          </a:xfrm>
+        </p:spPr>
+        <p:txBody>
+          <a:bodyPr>
+            <a:normAutofit/>
+          </a:bodyPr>
+          <a:lstStyle/>
+          <a:p>
+            <a:pPr marL="0" indent="0">
+              <a:buNone/>
+            </a:pPr>
+            <a:r>
+              <a:rPr kumimoji="1" lang="en-US" altLang="zh-CN" dirty="0">
+                <a:solidFill>
+                  <a:schemeClr val="tx1"/>
+                </a:solidFill>
+              </a:rPr>
+              <a:t>﻿</a:t>
+            </a:r>
+            <a:r>
+              <a:rPr kumimoji="1" lang="zh-CN" altLang="en-US" dirty="0">
+                <a:solidFill>
+                  <a:schemeClr val="tx1"/>
+                </a:solidFill>
+              </a:rPr>
+              <a:t>假设有两个随机变量</a:t>
+            </a:r>
+            <a:r>
+              <a:rPr kumimoji="1" lang="en-US" altLang="zh-CN" dirty="0">
+                <a:solidFill>
+                  <a:schemeClr val="tx1"/>
+                </a:solidFill>
+              </a:rPr>
+              <a:t>X </a:t>
+            </a:r>
+            <a:r>
+              <a:rPr kumimoji="1" lang="zh-CN" altLang="en-US" dirty="0">
+                <a:solidFill>
+                  <a:schemeClr val="tx1"/>
+                </a:solidFill>
+              </a:rPr>
+              <a:t>和</a:t>
+            </a:r>
+            <a:r>
+              <a:rPr kumimoji="1" lang="en-US" altLang="zh-CN" dirty="0">
+                <a:solidFill>
+                  <a:schemeClr val="tx1"/>
+                </a:solidFill>
+              </a:rPr>
+              <a:t> Y, Y = g(X)</a:t>
+            </a:r>
+            <a:r>
+              <a:rPr kumimoji="1" lang="zh-CN" altLang="en-US" dirty="0">
+                <a:solidFill>
+                  <a:schemeClr val="tx1"/>
+                </a:solidFill>
+              </a:rPr>
+              <a:t>，</a:t>
+            </a:r>
+            <a:r>
+              <a:rPr kumimoji="1" lang="en-US" altLang="zh-CN" dirty="0">
+                <a:solidFill>
+                  <a:schemeClr val="tx1"/>
+                </a:solidFill>
+              </a:rPr>
+              <a:t>X </a:t>
+            </a:r>
+            <a:r>
+              <a:rPr kumimoji="1" lang="zh-CN" altLang="en-US" dirty="0">
+                <a:solidFill>
+                  <a:schemeClr val="tx1"/>
+                </a:solidFill>
+              </a:rPr>
+              <a:t>的概率密度函数为</a:t>
+            </a:r>
+            <a:r>
+              <a:rPr kumimoji="1" lang="en-US" altLang="zh-CN" dirty="0">
+                <a:solidFill>
+                  <a:schemeClr val="tx1"/>
+                </a:solidFill>
+              </a:rPr>
+              <a:t> p</a:t>
+            </a:r>
+            <a:r>
+              <a:rPr kumimoji="1" lang="en-US" altLang="zh-CN" baseline="-25000" dirty="0">
+                <a:solidFill>
+                  <a:schemeClr val="tx1"/>
+                </a:solidFill>
+              </a:rPr>
+              <a:t>x</a:t>
+            </a:r>
+            <a:r>
+              <a:rPr kumimoji="1" lang="en-US" altLang="zh-CN" dirty="0">
+                <a:solidFill>
+                  <a:schemeClr val="tx1"/>
+                </a:solidFill>
+              </a:rPr>
+              <a:t>(x), </a:t>
+            </a:r>
+            <a:r>
+              <a:rPr kumimoji="1" lang="zh-CN" altLang="en-US" dirty="0">
+                <a:solidFill>
+                  <a:schemeClr val="tx1"/>
+                </a:solidFill>
+              </a:rPr>
+              <a:t>求</a:t>
+            </a:r>
+            <a:r>
+              <a:rPr kumimoji="1" lang="en-US" altLang="zh-CN" dirty="0">
+                <a:solidFill>
+                  <a:schemeClr val="tx1"/>
+                </a:solidFill>
+              </a:rPr>
+              <a:t>Y</a:t>
+            </a:r>
+            <a:r>
+              <a:rPr kumimoji="1" lang="zh-CN" altLang="en-US" dirty="0">
+                <a:solidFill>
+                  <a:schemeClr val="tx1"/>
+                </a:solidFill>
+              </a:rPr>
+              <a:t>的概率密度函数</a:t>
+            </a:r>
+            <a:r>
+              <a:rPr kumimoji="1" lang="en-US" altLang="zh-CN" dirty="0" err="1">
+                <a:solidFill>
+                  <a:schemeClr val="tx1"/>
+                </a:solidFill>
+              </a:rPr>
+              <a:t>p</a:t>
+            </a:r>
+            <a:r>
+              <a:rPr kumimoji="1" lang="en-US" altLang="zh-CN" baseline="-25000" dirty="0" err="1">
+                <a:solidFill>
+                  <a:schemeClr val="tx1"/>
+                </a:solidFill>
+              </a:rPr>
+              <a:t>y</a:t>
+            </a:r>
+            <a:r>
+              <a:rPr kumimoji="1" lang="en-US" altLang="zh-CN" dirty="0">
+                <a:solidFill>
+                  <a:schemeClr val="tx1"/>
+                </a:solidFill>
+              </a:rPr>
+              <a:t>(y)?</a:t>
+            </a:r>
+          </a:p>
+        </p:txBody>
+      </p:sp>
+      <p:sp>
+        <p:nvSpPr>
+          <p:cNvPr id="7" name="标题 1"/>
+          <p:cNvSpPr>
+            <a:spLocks noGrp="1"/>
+          </p:cNvSpPr>
+          <p:nvPr>
+            <p:ph type="title"/>
+          </p:nvPr>
+        </p:nvSpPr>
+        <p:spPr>
+          <a:xfrm>
+            <a:off x="473363" y="577276"/>
+            <a:ext cx="8561579" cy="750455"/>
+          </a:xfrm>
+        </p:spPr>
+        <p:txBody>
+          <a:bodyPr/>
+          <a:lstStyle/>
+          <a:p>
+            <a:pPr algn="l"/>
+            <a:r>
+              <a:rPr lang="en-US" altLang="ja-JP" sz="4000" baseline="30000" dirty="0">
+                <a:solidFill>
+                  <a:schemeClr val="bg1"/>
+                </a:solidFill>
+                <a:latin typeface="黑体"/>
+                <a:ea typeface="黑体"/>
+                <a:cs typeface="黑体"/>
+              </a:rPr>
+              <a:t>1.</a:t>
+            </a:r>
+            <a:r>
+              <a:rPr lang="en-US" altLang="zh-CN" sz="4000" baseline="30000" dirty="0">
+                <a:solidFill>
+                  <a:schemeClr val="bg1"/>
+                </a:solidFill>
+                <a:latin typeface="黑体"/>
+                <a:ea typeface="黑体"/>
+                <a:cs typeface="黑体"/>
+              </a:rPr>
+              <a:t>5</a:t>
+            </a:r>
+            <a:r>
+              <a:rPr lang="en-US" altLang="ja-JP" sz="4000" baseline="30000" dirty="0">
+                <a:solidFill>
+                  <a:schemeClr val="bg1"/>
+                </a:solidFill>
+                <a:latin typeface="黑体"/>
+                <a:ea typeface="黑体"/>
+                <a:cs typeface="黑体"/>
+              </a:rPr>
+              <a:t> </a:t>
+            </a:r>
+            <a:r>
+              <a:rPr lang="zh-CN" altLang="en-US" sz="4000" baseline="30000" dirty="0">
+                <a:solidFill>
+                  <a:schemeClr val="bg1"/>
+                </a:solidFill>
+                <a:latin typeface="黑体"/>
+                <a:ea typeface="黑体"/>
+                <a:cs typeface="黑体"/>
+              </a:rPr>
+              <a:t>随机变量的函数的概率密度</a:t>
+            </a:r>
+            <a:endParaRPr lang="ja-JP" altLang="en-US" sz="4000" baseline="30000" dirty="0">
+              <a:solidFill>
+                <a:schemeClr val="bg1"/>
+              </a:solidFill>
+              <a:latin typeface="黑体"/>
+              <a:ea typeface="黑体"/>
+              <a:cs typeface="黑体"/>
+            </a:endParaRPr>
+          </a:p>
+        </p:txBody>
+      </p:sp>
+      <p:sp>
+        <p:nvSpPr>
+          <p:cNvPr id="4" name="内容占位符 4">
+            <a:extLst>
+              <a:ext uri="{FF2B5EF4-FFF2-40B4-BE49-F238E27FC236}">
+                <a16:creationId xmlns:a16="http://schemas.microsoft.com/office/drawing/2014/main" id="{3B94F9EC-7C4C-B444-95FC-71A44260A272}"/>
+              </a:ext>
+            </a:extLst>
+          </p:cNvPr>
+          <p:cNvSpPr txBox="1">
+            <a:spLocks/>
+          </p:cNvSpPr>
+          <p:nvPr/>
+        </p:nvSpPr>
+        <p:spPr>
+          <a:xfrm>
+            <a:off x="290660" y="2502892"/>
+            <a:ext cx="8301181" cy="684924"/>
+          </a:xfrm>
+          <a:prstGeom prst="rect">
+            <a:avLst/>
+          </a:prstGeom>
+        </p:spPr>
+        <p:txBody>
+          <a:bodyPr vert="horz" lIns="91440" tIns="45720" rIns="91440" bIns="45720" rtlCol="0">
+            <a:normAutofit/>
+          </a:bodyPr>
+          <a:lstStyle>
+            <a:lvl1pPr marL="457200" indent="-457200" algn="l" defTabSz="914400" rtl="0" eaLnBrk="1" latinLnBrk="0" hangingPunct="1">
+              <a:spcBef>
+                <a:spcPts val="2000"/>
+              </a:spcBef>
+              <a:buClr>
+                <a:schemeClr val="tx1">
+                  <a:lumMod val="75000"/>
+                  <a:lumOff val="25000"/>
+                </a:schemeClr>
+              </a:buClr>
+              <a:buSzPct val="75000"/>
+              <a:buFont typeface="Wingdings 2" pitchFamily="18" charset="2"/>
+              <a:buChar char=""/>
+              <a:defRPr sz="2200" kern="1200">
+                <a:solidFill>
+                  <a:schemeClr val="tx1">
+                    <a:lumMod val="75000"/>
+                    <a:lumOff val="25000"/>
+                  </a:schemeClr>
+                </a:solidFill>
+                <a:latin typeface="+mn-lt"/>
+                <a:ea typeface="+mn-ea"/>
+                <a:cs typeface="+mn-cs"/>
+              </a:defRPr>
+            </a:lvl1pPr>
+            <a:lvl2pPr marL="914400" indent="-457200" algn="l" defTabSz="914400" rtl="0" eaLnBrk="1" latinLnBrk="0" hangingPunct="1">
+              <a:spcBef>
+                <a:spcPts val="600"/>
+              </a:spcBef>
+              <a:buClr>
+                <a:schemeClr val="tx1">
+                  <a:lumMod val="50000"/>
+                  <a:lumOff val="50000"/>
+                </a:schemeClr>
+              </a:buClr>
+              <a:buSzPct val="75000"/>
+              <a:buFont typeface="Wingdings 2" pitchFamily="18" charset="2"/>
+              <a:buChar char=""/>
+              <a:defRPr sz="2000" kern="1200">
+                <a:solidFill>
+                  <a:schemeClr val="tx1">
+                    <a:lumMod val="75000"/>
+                    <a:lumOff val="25000"/>
+                  </a:schemeClr>
+                </a:solidFill>
+                <a:latin typeface="+mn-lt"/>
+                <a:ea typeface="+mn-ea"/>
+                <a:cs typeface="+mn-cs"/>
+              </a:defRPr>
+            </a:lvl2pPr>
+            <a:lvl3pPr marL="1371600" indent="-457200" algn="l" defTabSz="914400" rtl="0" eaLnBrk="1" latinLnBrk="0" hangingPunct="1">
+              <a:spcBef>
+                <a:spcPts val="600"/>
+              </a:spcBef>
+              <a:buClr>
+                <a:schemeClr val="tx1">
+                  <a:lumMod val="75000"/>
+                  <a:lumOff val="25000"/>
+                </a:schemeClr>
+              </a:buClr>
+              <a:buSzPct val="75000"/>
+              <a:buFont typeface="Wingdings 2" pitchFamily="18" charset="2"/>
+              <a:buChar char=""/>
+              <a:defRPr sz="1800" kern="1200">
+                <a:solidFill>
+                  <a:schemeClr val="tx1">
+                    <a:lumMod val="75000"/>
+                    <a:lumOff val="25000"/>
+                  </a:schemeClr>
+                </a:solidFill>
+                <a:latin typeface="+mn-lt"/>
+                <a:ea typeface="+mn-ea"/>
+                <a:cs typeface="+mn-cs"/>
+              </a:defRPr>
+            </a:lvl3pPr>
+            <a:lvl4pPr marL="1828800" indent="-457200" algn="l" defTabSz="914400" rtl="0" eaLnBrk="1" latinLnBrk="0" hangingPunct="1">
+              <a:spcBef>
+                <a:spcPts val="600"/>
+              </a:spcBef>
+              <a:buClr>
+                <a:schemeClr val="tx1">
+                  <a:lumMod val="50000"/>
+                  <a:lumOff val="50000"/>
+                </a:schemeClr>
+              </a:buClr>
+              <a:buSzPct val="75000"/>
+              <a:buFont typeface="Wingdings 2" pitchFamily="18" charset="2"/>
+              <a:buChar char=""/>
+              <a:defRPr sz="1800" kern="1200">
+                <a:solidFill>
+                  <a:schemeClr val="tx1">
+                    <a:lumMod val="75000"/>
+                    <a:lumOff val="25000"/>
+                  </a:schemeClr>
+                </a:solidFill>
+                <a:latin typeface="+mn-lt"/>
+                <a:ea typeface="+mn-ea"/>
+                <a:cs typeface="+mn-cs"/>
+              </a:defRPr>
+            </a:lvl4pPr>
+            <a:lvl5pPr marL="2286000" indent="-457200" algn="l" defTabSz="914400" rtl="0" eaLnBrk="1" latinLnBrk="0" hangingPunct="1">
+              <a:spcBef>
+                <a:spcPts val="600"/>
+              </a:spcBef>
+              <a:buClr>
+                <a:schemeClr val="tx1">
+                  <a:lumMod val="75000"/>
+                  <a:lumOff val="25000"/>
+                </a:schemeClr>
+              </a:buClr>
+              <a:buSzPct val="75000"/>
+              <a:buFont typeface="Wingdings 2" pitchFamily="18" charset="2"/>
+              <a:buChar char=""/>
+              <a:defRPr sz="1800" kern="1200">
+                <a:solidFill>
+                  <a:schemeClr val="tx1">
+                    <a:lumMod val="75000"/>
+                    <a:lumOff val="25000"/>
+                  </a:schemeClr>
+                </a:solidFill>
+                <a:latin typeface="+mn-lt"/>
+                <a:ea typeface="+mn-ea"/>
+                <a:cs typeface="+mn-cs"/>
+              </a:defRPr>
+            </a:lvl5pPr>
+            <a:lvl6pPr marL="2743200" indent="-461963" algn="l" defTabSz="914400" rtl="0" eaLnBrk="1" latinLnBrk="0" hangingPunct="1">
+              <a:spcBef>
+                <a:spcPct val="20000"/>
+              </a:spcBef>
+              <a:buClr>
+                <a:schemeClr val="tx1">
+                  <a:lumMod val="50000"/>
+                  <a:lumOff val="50000"/>
+                </a:schemeClr>
+              </a:buClr>
+              <a:buSzPct val="75000"/>
+              <a:buFont typeface="Wingdings 2" pitchFamily="18" charset="2"/>
+              <a:buChar char=""/>
+              <a:defRPr lang="en-US" sz="1800" kern="1200" dirty="0" smtClean="0">
+                <a:solidFill>
+                  <a:schemeClr val="tx1">
+                    <a:lumMod val="75000"/>
+                    <a:lumOff val="25000"/>
+                  </a:schemeClr>
+                </a:solidFill>
+                <a:latin typeface="+mn-lt"/>
+                <a:ea typeface="+mn-ea"/>
+                <a:cs typeface="+mn-cs"/>
+              </a:defRPr>
+            </a:lvl6pPr>
+            <a:lvl7pPr marL="3205163" indent="-461963" algn="l" defTabSz="914400" rtl="0" eaLnBrk="1" latinLnBrk="0" hangingPunct="1">
+              <a:spcBef>
+                <a:spcPct val="20000"/>
+              </a:spcBef>
+              <a:buClr>
+                <a:schemeClr val="tx1">
+                  <a:lumMod val="75000"/>
+                  <a:lumOff val="25000"/>
+                </a:schemeClr>
+              </a:buClr>
+              <a:buSzPct val="75000"/>
+              <a:buFont typeface="Wingdings 2" pitchFamily="18" charset="2"/>
+              <a:buChar char=""/>
+              <a:defRPr lang="en-US" sz="1800" kern="1200" dirty="0" smtClean="0">
+                <a:solidFill>
+                  <a:schemeClr val="tx1">
+                    <a:lumMod val="75000"/>
+                    <a:lumOff val="25000"/>
+                  </a:schemeClr>
+                </a:solidFill>
+                <a:latin typeface="+mn-lt"/>
+                <a:ea typeface="+mn-ea"/>
+                <a:cs typeface="+mn-cs"/>
+              </a:defRPr>
+            </a:lvl7pPr>
+            <a:lvl8pPr marL="3657600" indent="-461963" algn="l" defTabSz="914400" rtl="0" eaLnBrk="1" latinLnBrk="0" hangingPunct="1">
+              <a:spcBef>
+                <a:spcPct val="20000"/>
+              </a:spcBef>
+              <a:buClr>
+                <a:schemeClr val="tx1">
+                  <a:lumMod val="50000"/>
+                  <a:lumOff val="50000"/>
+                </a:schemeClr>
+              </a:buClr>
+              <a:buSzPct val="75000"/>
+              <a:buFont typeface="Wingdings 2" pitchFamily="18" charset="2"/>
+              <a:buChar char=""/>
+              <a:defRPr lang="en-US" sz="1800" kern="1200" dirty="0" smtClean="0">
+                <a:solidFill>
+                  <a:schemeClr val="tx1">
+                    <a:lumMod val="75000"/>
+                    <a:lumOff val="25000"/>
+                  </a:schemeClr>
+                </a:solidFill>
+                <a:latin typeface="+mn-lt"/>
+                <a:ea typeface="+mn-ea"/>
+                <a:cs typeface="+mn-cs"/>
+              </a:defRPr>
+            </a:lvl8pPr>
+            <a:lvl9pPr marL="4119563" indent="-461963" algn="l" defTabSz="914400" rtl="0" eaLnBrk="1" latinLnBrk="0" hangingPunct="1">
+              <a:spcBef>
+                <a:spcPct val="20000"/>
+              </a:spcBef>
+              <a:buClr>
+                <a:schemeClr val="tx1">
+                  <a:lumMod val="75000"/>
+                  <a:lumOff val="25000"/>
+                </a:schemeClr>
+              </a:buClr>
+              <a:buSzPct val="75000"/>
+              <a:buFont typeface="Wingdings 2" pitchFamily="18" charset="2"/>
+              <a:buChar char=""/>
+              <a:defRPr lang="en-US" sz="1800" kern="1200" dirty="0">
+                <a:solidFill>
+                  <a:schemeClr val="tx1">
+                    <a:lumMod val="75000"/>
+                    <a:lumOff val="25000"/>
+                  </a:schemeClr>
+                </a:solidFill>
+                <a:latin typeface="+mn-lt"/>
+                <a:ea typeface="+mn-ea"/>
+                <a:cs typeface="+mn-cs"/>
+              </a:defRPr>
+            </a:lvl9pPr>
+          </a:lstStyle>
+          <a:p>
+            <a:pPr marL="0" indent="0">
+              <a:buFont typeface="Wingdings 2" pitchFamily="18" charset="2"/>
+              <a:buNone/>
+            </a:pPr>
+            <a:r>
+              <a:rPr kumimoji="1" lang="en-US" altLang="zh-CN" dirty="0" err="1">
+                <a:solidFill>
+                  <a:schemeClr val="tx1"/>
+                </a:solidFill>
+              </a:rPr>
+              <a:t>p</a:t>
+            </a:r>
+            <a:r>
+              <a:rPr kumimoji="1" lang="en-US" altLang="zh-CN" baseline="-25000" dirty="0" err="1">
+                <a:solidFill>
+                  <a:schemeClr val="tx1"/>
+                </a:solidFill>
+              </a:rPr>
+              <a:t>y</a:t>
+            </a:r>
+            <a:r>
+              <a:rPr kumimoji="1" lang="en-US" altLang="zh-CN" dirty="0">
+                <a:solidFill>
+                  <a:schemeClr val="tx1"/>
+                </a:solidFill>
+              </a:rPr>
+              <a:t>(y) = px(g</a:t>
+            </a:r>
+            <a:r>
+              <a:rPr kumimoji="1" lang="en-US" altLang="zh-CN" baseline="30000" dirty="0">
+                <a:solidFill>
+                  <a:schemeClr val="tx1"/>
+                </a:solidFill>
+              </a:rPr>
+              <a:t>-1</a:t>
+            </a:r>
+            <a:r>
+              <a:rPr kumimoji="1" lang="en-US" altLang="zh-CN" dirty="0">
+                <a:solidFill>
+                  <a:schemeClr val="tx1"/>
+                </a:solidFill>
+              </a:rPr>
+              <a:t>(y)) ?</a:t>
+            </a:r>
+          </a:p>
+          <a:p>
+            <a:pPr marL="0" indent="0">
+              <a:buFont typeface="Wingdings 2" pitchFamily="18" charset="2"/>
+              <a:buNone/>
+            </a:pPr>
+            <a:endParaRPr kumimoji="1" lang="en-US" altLang="zh-CN" dirty="0">
+              <a:solidFill>
+                <a:schemeClr val="tx1"/>
+              </a:solidFill>
+            </a:endParaRPr>
+          </a:p>
+        </p:txBody>
+      </p:sp>
+      <mc:AlternateContent xmlns:mc="http://schemas.openxmlformats.org/markup-compatibility/2006" xmlns:a14="http://schemas.microsoft.com/office/drawing/2010/main">
+        <mc:Choice Requires="a14">
+          <p:sp>
+            <p:nvSpPr>
+              <p:cNvPr id="6" name="内容占位符 4">
+                <a:extLst>
+                  <a:ext uri="{FF2B5EF4-FFF2-40B4-BE49-F238E27FC236}">
+                    <a16:creationId xmlns:a16="http://schemas.microsoft.com/office/drawing/2014/main" id="{E5B440BE-0A23-EF4B-9429-B33CD6E02952}"/>
+                  </a:ext>
+                </a:extLst>
+              </p:cNvPr>
+              <p:cNvSpPr txBox="1">
+                <a:spLocks/>
+              </p:cNvSpPr>
+              <p:nvPr/>
+            </p:nvSpPr>
+            <p:spPr>
+              <a:xfrm>
+                <a:off x="155274" y="3639363"/>
+                <a:ext cx="8833452" cy="2541518"/>
+              </a:xfrm>
+              <a:prstGeom prst="rect">
+                <a:avLst/>
+              </a:prstGeom>
+            </p:spPr>
+            <p:txBody>
+              <a:bodyPr vert="horz" lIns="91440" tIns="45720" rIns="91440" bIns="45720" rtlCol="0">
+                <a:normAutofit/>
+              </a:bodyPr>
+              <a:lstStyle>
+                <a:lvl1pPr marL="457200" indent="-457200" algn="l" defTabSz="914400" rtl="0" eaLnBrk="1" latinLnBrk="0" hangingPunct="1">
+                  <a:spcBef>
+                    <a:spcPts val="2000"/>
+                  </a:spcBef>
+                  <a:buClr>
+                    <a:schemeClr val="tx1">
+                      <a:lumMod val="75000"/>
+                      <a:lumOff val="25000"/>
+                    </a:schemeClr>
+                  </a:buClr>
+                  <a:buSzPct val="75000"/>
+                  <a:buFont typeface="Wingdings 2" pitchFamily="18" charset="2"/>
+                  <a:buChar char=""/>
+                  <a:defRPr sz="2200" kern="1200">
+                    <a:solidFill>
+                      <a:schemeClr val="tx1">
+                        <a:lumMod val="75000"/>
+                        <a:lumOff val="25000"/>
+                      </a:schemeClr>
+                    </a:solidFill>
+                    <a:latin typeface="+mn-lt"/>
+                    <a:ea typeface="+mn-ea"/>
+                    <a:cs typeface="+mn-cs"/>
+                  </a:defRPr>
+                </a:lvl1pPr>
+                <a:lvl2pPr marL="914400" indent="-457200" algn="l" defTabSz="914400" rtl="0" eaLnBrk="1" latinLnBrk="0" hangingPunct="1">
+                  <a:spcBef>
+                    <a:spcPts val="600"/>
+                  </a:spcBef>
+                  <a:buClr>
+                    <a:schemeClr val="tx1">
+                      <a:lumMod val="50000"/>
+                      <a:lumOff val="50000"/>
+                    </a:schemeClr>
+                  </a:buClr>
+                  <a:buSzPct val="75000"/>
+                  <a:buFont typeface="Wingdings 2" pitchFamily="18" charset="2"/>
+                  <a:buChar char=""/>
+                  <a:defRPr sz="2000" kern="1200">
+                    <a:solidFill>
+                      <a:schemeClr val="tx1">
+                        <a:lumMod val="75000"/>
+                        <a:lumOff val="25000"/>
+                      </a:schemeClr>
+                    </a:solidFill>
+                    <a:latin typeface="+mn-lt"/>
+                    <a:ea typeface="+mn-ea"/>
+                    <a:cs typeface="+mn-cs"/>
+                  </a:defRPr>
+                </a:lvl2pPr>
+                <a:lvl3pPr marL="1371600" indent="-457200" algn="l" defTabSz="914400" rtl="0" eaLnBrk="1" latinLnBrk="0" hangingPunct="1">
+                  <a:spcBef>
+                    <a:spcPts val="600"/>
+                  </a:spcBef>
+                  <a:buClr>
+                    <a:schemeClr val="tx1">
+                      <a:lumMod val="75000"/>
+                      <a:lumOff val="25000"/>
+                    </a:schemeClr>
+                  </a:buClr>
+                  <a:buSzPct val="75000"/>
+                  <a:buFont typeface="Wingdings 2" pitchFamily="18" charset="2"/>
+                  <a:buChar char=""/>
+                  <a:defRPr sz="1800" kern="1200">
+                    <a:solidFill>
+                      <a:schemeClr val="tx1">
+                        <a:lumMod val="75000"/>
+                        <a:lumOff val="25000"/>
+                      </a:schemeClr>
+                    </a:solidFill>
+                    <a:latin typeface="+mn-lt"/>
+                    <a:ea typeface="+mn-ea"/>
+                    <a:cs typeface="+mn-cs"/>
+                  </a:defRPr>
+                </a:lvl3pPr>
+                <a:lvl4pPr marL="1828800" indent="-457200" algn="l" defTabSz="914400" rtl="0" eaLnBrk="1" latinLnBrk="0" hangingPunct="1">
+                  <a:spcBef>
+                    <a:spcPts val="600"/>
+                  </a:spcBef>
+                  <a:buClr>
+                    <a:schemeClr val="tx1">
+                      <a:lumMod val="50000"/>
+                      <a:lumOff val="50000"/>
+                    </a:schemeClr>
+                  </a:buClr>
+                  <a:buSzPct val="75000"/>
+                  <a:buFont typeface="Wingdings 2" pitchFamily="18" charset="2"/>
+                  <a:buChar char=""/>
+                  <a:defRPr sz="1800" kern="1200">
+                    <a:solidFill>
+                      <a:schemeClr val="tx1">
+                        <a:lumMod val="75000"/>
+                        <a:lumOff val="25000"/>
+                      </a:schemeClr>
+                    </a:solidFill>
+                    <a:latin typeface="+mn-lt"/>
+                    <a:ea typeface="+mn-ea"/>
+                    <a:cs typeface="+mn-cs"/>
+                  </a:defRPr>
+                </a:lvl4pPr>
+                <a:lvl5pPr marL="2286000" indent="-457200" algn="l" defTabSz="914400" rtl="0" eaLnBrk="1" latinLnBrk="0" hangingPunct="1">
+                  <a:spcBef>
+                    <a:spcPts val="600"/>
+                  </a:spcBef>
+                  <a:buClr>
+                    <a:schemeClr val="tx1">
+                      <a:lumMod val="75000"/>
+                      <a:lumOff val="25000"/>
+                    </a:schemeClr>
+                  </a:buClr>
+                  <a:buSzPct val="75000"/>
+                  <a:buFont typeface="Wingdings 2" pitchFamily="18" charset="2"/>
+                  <a:buChar char=""/>
+                  <a:defRPr sz="1800" kern="1200">
+                    <a:solidFill>
+                      <a:schemeClr val="tx1">
+                        <a:lumMod val="75000"/>
+                        <a:lumOff val="25000"/>
+                      </a:schemeClr>
+                    </a:solidFill>
+                    <a:latin typeface="+mn-lt"/>
+                    <a:ea typeface="+mn-ea"/>
+                    <a:cs typeface="+mn-cs"/>
+                  </a:defRPr>
+                </a:lvl5pPr>
+                <a:lvl6pPr marL="2743200" indent="-461963" algn="l" defTabSz="914400" rtl="0" eaLnBrk="1" latinLnBrk="0" hangingPunct="1">
+                  <a:spcBef>
+                    <a:spcPct val="20000"/>
+                  </a:spcBef>
+                  <a:buClr>
+                    <a:schemeClr val="tx1">
+                      <a:lumMod val="50000"/>
+                      <a:lumOff val="50000"/>
+                    </a:schemeClr>
+                  </a:buClr>
+                  <a:buSzPct val="75000"/>
+                  <a:buFont typeface="Wingdings 2" pitchFamily="18" charset="2"/>
+                  <a:buChar char=""/>
+                  <a:defRPr lang="en-US" sz="1800" kern="1200" dirty="0" smtClean="0">
+                    <a:solidFill>
+                      <a:schemeClr val="tx1">
+                        <a:lumMod val="75000"/>
+                        <a:lumOff val="25000"/>
+                      </a:schemeClr>
+                    </a:solidFill>
+                    <a:latin typeface="+mn-lt"/>
+                    <a:ea typeface="+mn-ea"/>
+                    <a:cs typeface="+mn-cs"/>
+                  </a:defRPr>
+                </a:lvl6pPr>
+                <a:lvl7pPr marL="3205163" indent="-461963" algn="l" defTabSz="914400" rtl="0" eaLnBrk="1" latinLnBrk="0" hangingPunct="1">
+                  <a:spcBef>
+                    <a:spcPct val="20000"/>
+                  </a:spcBef>
+                  <a:buClr>
+                    <a:schemeClr val="tx1">
+                      <a:lumMod val="75000"/>
+                      <a:lumOff val="25000"/>
+                    </a:schemeClr>
+                  </a:buClr>
+                  <a:buSzPct val="75000"/>
+                  <a:buFont typeface="Wingdings 2" pitchFamily="18" charset="2"/>
+                  <a:buChar char=""/>
+                  <a:defRPr lang="en-US" sz="1800" kern="1200" dirty="0" smtClean="0">
+                    <a:solidFill>
+                      <a:schemeClr val="tx1">
+                        <a:lumMod val="75000"/>
+                        <a:lumOff val="25000"/>
+                      </a:schemeClr>
+                    </a:solidFill>
+                    <a:latin typeface="+mn-lt"/>
+                    <a:ea typeface="+mn-ea"/>
+                    <a:cs typeface="+mn-cs"/>
+                  </a:defRPr>
+                </a:lvl7pPr>
+                <a:lvl8pPr marL="3657600" indent="-461963" algn="l" defTabSz="914400" rtl="0" eaLnBrk="1" latinLnBrk="0" hangingPunct="1">
+                  <a:spcBef>
+                    <a:spcPct val="20000"/>
+                  </a:spcBef>
+                  <a:buClr>
+                    <a:schemeClr val="tx1">
+                      <a:lumMod val="50000"/>
+                      <a:lumOff val="50000"/>
+                    </a:schemeClr>
+                  </a:buClr>
+                  <a:buSzPct val="75000"/>
+                  <a:buFont typeface="Wingdings 2" pitchFamily="18" charset="2"/>
+                  <a:buChar char=""/>
+                  <a:defRPr lang="en-US" sz="1800" kern="1200" dirty="0" smtClean="0">
+                    <a:solidFill>
+                      <a:schemeClr val="tx1">
+                        <a:lumMod val="75000"/>
+                        <a:lumOff val="25000"/>
+                      </a:schemeClr>
+                    </a:solidFill>
+                    <a:latin typeface="+mn-lt"/>
+                    <a:ea typeface="+mn-ea"/>
+                    <a:cs typeface="+mn-cs"/>
+                  </a:defRPr>
+                </a:lvl8pPr>
+                <a:lvl9pPr marL="4119563" indent="-461963" algn="l" defTabSz="914400" rtl="0" eaLnBrk="1" latinLnBrk="0" hangingPunct="1">
+                  <a:spcBef>
+                    <a:spcPct val="20000"/>
+                  </a:spcBef>
+                  <a:buClr>
+                    <a:schemeClr val="tx1">
+                      <a:lumMod val="75000"/>
+                      <a:lumOff val="25000"/>
+                    </a:schemeClr>
+                  </a:buClr>
+                  <a:buSzPct val="75000"/>
+                  <a:buFont typeface="Wingdings 2" pitchFamily="18" charset="2"/>
+                  <a:buChar char=""/>
+                  <a:defRPr lang="en-US" sz="1800" kern="1200" dirty="0">
+                    <a:solidFill>
+                      <a:schemeClr val="tx1">
+                        <a:lumMod val="75000"/>
+                        <a:lumOff val="25000"/>
+                      </a:schemeClr>
+                    </a:solidFill>
+                    <a:latin typeface="+mn-lt"/>
+                    <a:ea typeface="+mn-ea"/>
+                    <a:cs typeface="+mn-cs"/>
+                  </a:defRPr>
+                </a:lvl9pPr>
+              </a:lstStyle>
+              <a:p>
+                <a:pPr marL="0" indent="0">
+                  <a:buFont typeface="Wingdings 2" pitchFamily="18" charset="2"/>
+                  <a:buNone/>
+                </a:pPr>
+                <a:r>
+                  <a:rPr kumimoji="1" lang="zh-CN" altLang="en-US" dirty="0">
+                    <a:solidFill>
+                      <a:schemeClr val="tx1"/>
+                    </a:solidFill>
+                  </a:rPr>
+                  <a:t>假设</a:t>
+                </a:r>
+                <a:r>
+                  <a:rPr kumimoji="1" lang="en-US" altLang="zh-CN" dirty="0">
+                    <a:solidFill>
+                      <a:schemeClr val="tx1"/>
+                    </a:solidFill>
+                  </a:rPr>
+                  <a:t> Y=X/2 </a:t>
+                </a:r>
+                <a:r>
+                  <a:rPr kumimoji="1" lang="zh-CN" altLang="en-US" dirty="0">
+                    <a:solidFill>
+                      <a:schemeClr val="tx1"/>
+                    </a:solidFill>
+                  </a:rPr>
+                  <a:t>，并且</a:t>
+                </a:r>
+                <a:r>
+                  <a:rPr kumimoji="1" lang="en-US" altLang="zh-CN" dirty="0">
+                    <a:solidFill>
+                      <a:schemeClr val="tx1"/>
+                    </a:solidFill>
+                  </a:rPr>
+                  <a:t>X ~ U(0,1).</a:t>
+                </a:r>
+              </a:p>
+              <a:p>
+                <a:pPr marL="0" indent="0">
+                  <a:buNone/>
+                </a:pPr>
+                <a:r>
+                  <a:rPr kumimoji="1" lang="zh-CN" altLang="en-US" dirty="0">
+                    <a:solidFill>
+                      <a:schemeClr val="tx1"/>
+                    </a:solidFill>
+                  </a:rPr>
+                  <a:t>如果我们使用这个规则</a:t>
+                </a:r>
+                <a:r>
+                  <a:rPr kumimoji="1" lang="en-US" altLang="zh-CN" dirty="0" err="1">
+                    <a:solidFill>
+                      <a:schemeClr val="tx1"/>
+                    </a:solidFill>
+                  </a:rPr>
+                  <a:t>p</a:t>
+                </a:r>
+                <a:r>
+                  <a:rPr kumimoji="1" lang="en-US" altLang="zh-CN" baseline="-25000" dirty="0" err="1">
+                    <a:solidFill>
+                      <a:schemeClr val="tx1"/>
+                    </a:solidFill>
+                  </a:rPr>
+                  <a:t>y</a:t>
+                </a:r>
+                <a:r>
+                  <a:rPr kumimoji="1" lang="en-US" altLang="zh-CN" dirty="0">
+                    <a:solidFill>
+                      <a:schemeClr val="tx1"/>
+                    </a:solidFill>
+                  </a:rPr>
+                  <a:t>(y) = p</a:t>
+                </a:r>
+                <a:r>
+                  <a:rPr kumimoji="1" lang="en-US" altLang="zh-CN" baseline="-25000" dirty="0">
+                    <a:solidFill>
+                      <a:schemeClr val="tx1"/>
+                    </a:solidFill>
+                  </a:rPr>
+                  <a:t>x</a:t>
+                </a:r>
+                <a:r>
+                  <a:rPr kumimoji="1" lang="en-US" altLang="zh-CN" dirty="0">
+                    <a:solidFill>
+                      <a:schemeClr val="tx1"/>
+                    </a:solidFill>
+                  </a:rPr>
+                  <a:t>(2y)=1</a:t>
+                </a:r>
+                <a:r>
+                  <a:rPr kumimoji="1" lang="zh-CN" altLang="en-US" dirty="0">
+                    <a:solidFill>
+                      <a:schemeClr val="tx1"/>
+                    </a:solidFill>
+                  </a:rPr>
+                  <a:t>，</a:t>
+                </a:r>
+                <a:r>
+                  <a:rPr kumimoji="1" lang="en-US" altLang="zh-CN" dirty="0" err="1">
+                    <a:solidFill>
+                      <a:schemeClr val="tx1"/>
+                    </a:solidFill>
+                  </a:rPr>
+                  <a:t>p</a:t>
+                </a:r>
+                <a:r>
+                  <a:rPr kumimoji="1" lang="en-US" altLang="zh-CN" baseline="-25000" dirty="0" err="1">
+                    <a:solidFill>
+                      <a:schemeClr val="tx1"/>
+                    </a:solidFill>
+                  </a:rPr>
+                  <a:t>y</a:t>
+                </a:r>
+                <a:r>
+                  <a:rPr kumimoji="1" lang="en-US" altLang="zh-CN" baseline="-25000" dirty="0">
+                    <a:solidFill>
+                      <a:schemeClr val="tx1"/>
+                    </a:solidFill>
+                  </a:rPr>
+                  <a:t> </a:t>
+                </a:r>
+                <a:r>
+                  <a:rPr kumimoji="1" lang="zh-CN" altLang="en-US" dirty="0">
+                    <a:solidFill>
+                      <a:schemeClr val="tx1"/>
+                    </a:solidFill>
+                  </a:rPr>
+                  <a:t>除了在区间</a:t>
+                </a:r>
+                <a:r>
+                  <a:rPr kumimoji="1" lang="en-US" altLang="zh-CN" dirty="0">
+                    <a:solidFill>
+                      <a:schemeClr val="tx1"/>
+                    </a:solidFill>
+                  </a:rPr>
+                  <a:t>[0, 1/2]</a:t>
+                </a:r>
+                <a:r>
+                  <a:rPr kumimoji="1" lang="zh-CN" altLang="en-US" dirty="0">
+                    <a:solidFill>
+                      <a:schemeClr val="tx1"/>
+                    </a:solidFill>
+                  </a:rPr>
+                  <a:t>取</a:t>
+                </a:r>
+                <a:r>
+                  <a:rPr kumimoji="1" lang="en-US" altLang="zh-CN" dirty="0">
+                    <a:solidFill>
+                      <a:schemeClr val="tx1"/>
+                    </a:solidFill>
+                  </a:rPr>
+                  <a:t>1</a:t>
+                </a:r>
+                <a:r>
+                  <a:rPr kumimoji="1" lang="zh-CN" altLang="en-US" dirty="0">
+                    <a:solidFill>
+                      <a:schemeClr val="tx1"/>
+                    </a:solidFill>
+                  </a:rPr>
+                  <a:t>，其他地方都取</a:t>
+                </a:r>
+                <a:r>
+                  <a:rPr kumimoji="1" lang="en-US" altLang="zh-CN" dirty="0">
+                    <a:solidFill>
+                      <a:schemeClr val="tx1"/>
+                    </a:solidFill>
+                  </a:rPr>
+                  <a:t>0.</a:t>
+                </a:r>
+              </a:p>
+              <a:p>
+                <a:pPr marL="0" indent="0">
+                  <a:buNone/>
+                </a:pPr>
+                <a14:m>
+                  <m:oMathPara xmlns:m="http://schemas.openxmlformats.org/officeDocument/2006/math">
+                    <m:oMathParaPr>
+                      <m:jc m:val="centerGroup"/>
+                    </m:oMathParaPr>
+                    <m:oMath xmlns:m="http://schemas.openxmlformats.org/officeDocument/2006/math">
+                      <m:nary>
+                        <m:naryPr>
+                          <m:limLoc m:val="undOvr"/>
+                          <m:subHide m:val="on"/>
+                          <m:supHide m:val="on"/>
+                          <m:ctrlPr>
+                            <a:rPr kumimoji="1" lang="en-US" altLang="zh-CN" i="1" smtClean="0">
+                              <a:solidFill>
+                                <a:schemeClr val="tx1"/>
+                              </a:solidFill>
+                              <a:latin typeface="Cambria Math" panose="02040503050406030204" pitchFamily="18" charset="0"/>
+                            </a:rPr>
+                          </m:ctrlPr>
+                        </m:naryPr>
+                        <m:sub/>
+                        <m:sup/>
+                        <m:e>
+                          <m:sSub>
+                            <m:sSubPr>
+                              <m:ctrlPr>
+                                <a:rPr kumimoji="1" lang="en-US" altLang="zh-CN" i="1" smtClean="0">
+                                  <a:solidFill>
+                                    <a:schemeClr val="tx1"/>
+                                  </a:solidFill>
+                                  <a:latin typeface="Cambria Math" panose="02040503050406030204" pitchFamily="18" charset="0"/>
+                                </a:rPr>
+                              </m:ctrlPr>
+                            </m:sSubPr>
+                            <m:e>
+                              <m:r>
+                                <a:rPr kumimoji="1" lang="en-US" altLang="zh-CN" b="0" i="1" smtClean="0">
+                                  <a:solidFill>
+                                    <a:schemeClr val="tx1"/>
+                                  </a:solidFill>
+                                  <a:latin typeface="Cambria Math" panose="02040503050406030204" pitchFamily="18" charset="0"/>
+                                </a:rPr>
+                                <m:t>𝑝</m:t>
+                              </m:r>
+                            </m:e>
+                            <m:sub>
+                              <m:r>
+                                <a:rPr kumimoji="1" lang="en-US" altLang="zh-CN" b="0" i="1" smtClean="0">
+                                  <a:solidFill>
+                                    <a:schemeClr val="tx1"/>
+                                  </a:solidFill>
+                                  <a:latin typeface="Cambria Math" panose="02040503050406030204" pitchFamily="18" charset="0"/>
+                                </a:rPr>
+                                <m:t>𝑦</m:t>
+                              </m:r>
+                            </m:sub>
+                          </m:sSub>
+                          <m:d>
+                            <m:dPr>
+                              <m:ctrlPr>
+                                <a:rPr kumimoji="1" lang="en-US" altLang="zh-CN" b="0" i="1" smtClean="0">
+                                  <a:solidFill>
+                                    <a:schemeClr val="tx1"/>
+                                  </a:solidFill>
+                                  <a:latin typeface="Cambria Math" panose="02040503050406030204" pitchFamily="18" charset="0"/>
+                                </a:rPr>
+                              </m:ctrlPr>
+                            </m:dPr>
+                            <m:e>
+                              <m:r>
+                                <a:rPr kumimoji="1" lang="en-US" altLang="zh-CN" b="0" i="1" smtClean="0">
+                                  <a:solidFill>
+                                    <a:schemeClr val="tx1"/>
+                                  </a:solidFill>
+                                  <a:latin typeface="Cambria Math" panose="02040503050406030204" pitchFamily="18" charset="0"/>
+                                </a:rPr>
+                                <m:t>𝑦</m:t>
+                              </m:r>
+                            </m:e>
+                          </m:d>
+                          <m:r>
+                            <a:rPr kumimoji="1" lang="en-US" altLang="zh-CN" b="0" i="1" smtClean="0">
+                              <a:solidFill>
+                                <a:schemeClr val="tx1"/>
+                              </a:solidFill>
+                              <a:latin typeface="Cambria Math" panose="02040503050406030204" pitchFamily="18" charset="0"/>
+                            </a:rPr>
+                            <m:t>𝑑𝑦</m:t>
+                          </m:r>
+                        </m:e>
+                      </m:nary>
+                      <m:r>
+                        <a:rPr kumimoji="1" lang="en-US" altLang="zh-CN" b="0" i="1" smtClean="0">
+                          <a:solidFill>
+                            <a:schemeClr val="tx1"/>
+                          </a:solidFill>
+                          <a:latin typeface="Cambria Math" panose="02040503050406030204" pitchFamily="18" charset="0"/>
+                        </a:rPr>
+                        <m:t>=</m:t>
+                      </m:r>
+                      <m:f>
+                        <m:fPr>
+                          <m:ctrlPr>
+                            <a:rPr kumimoji="1" lang="en-US" altLang="zh-CN" b="0" i="1" smtClean="0">
+                              <a:solidFill>
+                                <a:schemeClr val="tx1"/>
+                              </a:solidFill>
+                              <a:latin typeface="Cambria Math" panose="02040503050406030204" pitchFamily="18" charset="0"/>
+                            </a:rPr>
+                          </m:ctrlPr>
+                        </m:fPr>
+                        <m:num>
+                          <m:r>
+                            <a:rPr kumimoji="1" lang="en-US" altLang="zh-CN" b="0" i="1" smtClean="0">
+                              <a:solidFill>
+                                <a:schemeClr val="tx1"/>
+                              </a:solidFill>
+                              <a:latin typeface="Cambria Math" panose="02040503050406030204" pitchFamily="18" charset="0"/>
+                            </a:rPr>
+                            <m:t>1</m:t>
+                          </m:r>
+                        </m:num>
+                        <m:den>
+                          <m:r>
+                            <a:rPr kumimoji="1" lang="en-US" altLang="zh-CN" b="0" i="1" smtClean="0">
+                              <a:solidFill>
+                                <a:schemeClr val="tx1"/>
+                              </a:solidFill>
+                              <a:latin typeface="Cambria Math" panose="02040503050406030204" pitchFamily="18" charset="0"/>
+                            </a:rPr>
+                            <m:t>2</m:t>
+                          </m:r>
+                        </m:den>
+                      </m:f>
+                    </m:oMath>
+                  </m:oMathPara>
+                </a14:m>
+                <a:endParaRPr kumimoji="1" lang="en-US" altLang="zh-CN" dirty="0">
+                  <a:solidFill>
+                    <a:schemeClr val="tx1"/>
+                  </a:solidFill>
+                </a:endParaRPr>
+              </a:p>
+              <a:p>
+                <a:pPr marL="0" indent="0">
+                  <a:buNone/>
+                </a:pPr>
+                <a:endParaRPr kumimoji="1" lang="en-US" altLang="zh-CN" dirty="0">
+                  <a:solidFill>
+                    <a:schemeClr val="tx1"/>
+                  </a:solidFill>
+                </a:endParaRPr>
+              </a:p>
+            </p:txBody>
+          </p:sp>
+        </mc:Choice>
+        <mc:Fallback xmlns="">
+          <p:sp>
+            <p:nvSpPr>
+              <p:cNvPr id="6" name="内容占位符 4">
+                <a:extLst>
+                  <a:ext uri="{FF2B5EF4-FFF2-40B4-BE49-F238E27FC236}">
+                    <a16:creationId xmlns:a16="http://schemas.microsoft.com/office/drawing/2014/main" id="{E5B440BE-0A23-EF4B-9429-B33CD6E02952}"/>
+                  </a:ext>
+                </a:extLst>
+              </p:cNvPr>
+              <p:cNvSpPr txBox="1">
+                <a:spLocks noRot="1" noChangeAspect="1" noMove="1" noResize="1" noEditPoints="1" noAdjustHandles="1" noChangeArrowheads="1" noChangeShapeType="1" noTextEdit="1"/>
+              </p:cNvSpPr>
+              <p:nvPr/>
+            </p:nvSpPr>
+            <p:spPr>
+              <a:xfrm>
+                <a:off x="155274" y="3639363"/>
+                <a:ext cx="8833452" cy="2541518"/>
+              </a:xfrm>
+              <a:prstGeom prst="rect">
+                <a:avLst/>
+              </a:prstGeom>
+              <a:blipFill>
+                <a:blip r:embed="rId2"/>
+                <a:stretch>
+                  <a:fillRect l="-897" t="-2638"/>
+                </a:stretch>
+              </a:blipFill>
+            </p:spPr>
+            <p:txBody>
+              <a:bodyPr/>
+              <a:lstStyle/>
+              <a:p>
+                <a:r>
+                  <a:rPr lang="en-US">
+                    <a:noFill/>
+                  </a:rPr>
+                  <a:t> </a:t>
+                </a:r>
+              </a:p>
+            </p:txBody>
+          </p:sp>
+        </mc:Fallback>
+      </mc:AlternateContent>
+    </p:spTree>
+    <p:extLst>
+      <p:ext uri="{BB962C8B-B14F-4D97-AF65-F5344CB8AC3E}">
+        <p14:creationId xmlns:p14="http://schemas.microsoft.com/office/powerpoint/2010/main" val="3755253384"/>
+      </p:ext>
+    </p:extLst>
+  </p:cSld>
+  <p:clrMapOvr>
+    <a:masterClrMapping/>
+  </p:clrMapOvr>
+</p:sld>
+</file>
+
+<file path=ppt/slides/slide9.xml><?xml version="1.0" encoding="utf-8"?>
+<p:sld xmlns:a="http://schemas.openxmlformats.org/drawingml/2006/main" xmlns:r="http://schemas.openxmlformats.org/officeDocument/2006/relationships" xmlns:p="http://schemas.openxmlformats.org/presentationml/2006/main">
+  <p:cSld>
+    <p:spTree>
+      <p:nvGrpSpPr>
+        <p:cNvPr id="1" name=""/>
+        <p:cNvGrpSpPr/>
+        <p:nvPr/>
+      </p:nvGrpSpPr>
+      <p:grpSpPr>
+        <a:xfrm>
+          <a:off x="0" y="0"/>
+          <a:ext cx="0" cy="0"/>
+          <a:chOff x="0" y="0"/>
+          <a:chExt cx="0" cy="0"/>
+        </a:xfrm>
+      </p:grpSpPr>
+      <p:pic>
+        <p:nvPicPr>
+          <p:cNvPr id="19" name="Picture 18" descr="A picture containing diagram&#10;&#10;Description automatically generated">
+            <a:extLst>
+              <a:ext uri="{FF2B5EF4-FFF2-40B4-BE49-F238E27FC236}">
+                <a16:creationId xmlns:a16="http://schemas.microsoft.com/office/drawing/2014/main" id="{0A5478F6-F4F0-F24F-AD38-C1D580796D76}"/>
+              </a:ext>
+            </a:extLst>
+          </p:cNvPr>
+          <p:cNvPicPr>
+            <a:picLocks noChangeAspect="1"/>
+          </p:cNvPicPr>
+          <p:nvPr/>
+        </p:nvPicPr>
+        <p:blipFill rotWithShape="1">
+          <a:blip r:embed="rId2"/>
+          <a:srcRect l="10506" t="22022" r="12026" b="3230"/>
+          <a:stretch/>
+        </p:blipFill>
+        <p:spPr>
+          <a:xfrm>
+            <a:off x="1535186" y="2649907"/>
+            <a:ext cx="5385732" cy="1745718"/>
+          </a:xfrm>
+          <a:prstGeom prst="rect">
+            <a:avLst/>
+          </a:prstGeom>
+        </p:spPr>
+      </p:pic>
+      <p:sp>
+        <p:nvSpPr>
+          <p:cNvPr id="5" name="内容占位符 4"/>
+          <p:cNvSpPr>
+            <a:spLocks noGrp="1"/>
+          </p:cNvSpPr>
+          <p:nvPr>
+            <p:ph idx="1"/>
+          </p:nvPr>
+        </p:nvSpPr>
+        <p:spPr>
+          <a:xfrm>
+            <a:off x="247787" y="1428450"/>
+            <a:ext cx="8479523" cy="564742"/>
+          </a:xfrm>
+        </p:spPr>
+        <p:txBody>
+          <a:bodyPr>
+            <a:normAutofit/>
+          </a:bodyPr>
+          <a:lstStyle/>
+          <a:p>
+            <a:pPr marL="0" indent="0">
+              <a:buNone/>
+            </a:pPr>
+            <a:r>
+              <a:rPr kumimoji="1" lang="zh-CN" altLang="en-US" dirty="0">
+                <a:solidFill>
+                  <a:schemeClr val="tx1"/>
+                </a:solidFill>
+              </a:rPr>
+              <a:t>哪里出错了</a:t>
+            </a:r>
+            <a:r>
+              <a:rPr kumimoji="1" lang="en-US" altLang="zh-CN" dirty="0">
+                <a:solidFill>
+                  <a:schemeClr val="tx1"/>
+                </a:solidFill>
+              </a:rPr>
+              <a:t>?</a:t>
+            </a:r>
+          </a:p>
+          <a:p>
+            <a:pPr marL="0" indent="0">
+              <a:buNone/>
+            </a:pPr>
+            <a:endParaRPr kumimoji="1" lang="en-US" altLang="zh-CN" dirty="0">
+              <a:solidFill>
+                <a:schemeClr val="tx1"/>
+              </a:solidFill>
+            </a:endParaRPr>
+          </a:p>
+        </p:txBody>
+      </p:sp>
+      <p:sp>
+        <p:nvSpPr>
+          <p:cNvPr id="7" name="标题 1"/>
+          <p:cNvSpPr>
+            <a:spLocks noGrp="1"/>
+          </p:cNvSpPr>
+          <p:nvPr>
+            <p:ph type="title"/>
+          </p:nvPr>
+        </p:nvSpPr>
+        <p:spPr>
+          <a:xfrm>
+            <a:off x="473363" y="577276"/>
+            <a:ext cx="8561579" cy="750455"/>
+          </a:xfrm>
+        </p:spPr>
+        <p:txBody>
+          <a:bodyPr/>
+          <a:lstStyle/>
+          <a:p>
+            <a:pPr algn="l"/>
+            <a:r>
+              <a:rPr lang="en-US" altLang="ja-JP" sz="4000" baseline="30000" dirty="0">
+                <a:solidFill>
+                  <a:schemeClr val="bg1"/>
+                </a:solidFill>
+                <a:latin typeface="黑体"/>
+                <a:ea typeface="黑体"/>
+                <a:cs typeface="黑体"/>
+              </a:rPr>
+              <a:t>1.</a:t>
+            </a:r>
+            <a:r>
+              <a:rPr lang="en-US" altLang="zh-CN" sz="4000" baseline="30000" dirty="0">
+                <a:solidFill>
+                  <a:schemeClr val="bg1"/>
+                </a:solidFill>
+                <a:latin typeface="黑体"/>
+                <a:ea typeface="黑体"/>
+                <a:cs typeface="黑体"/>
+              </a:rPr>
+              <a:t>6</a:t>
+            </a:r>
+            <a:r>
+              <a:rPr lang="en-US" altLang="ja-JP" sz="4000" baseline="30000" dirty="0">
+                <a:solidFill>
+                  <a:schemeClr val="bg1"/>
+                </a:solidFill>
+                <a:latin typeface="黑体"/>
+                <a:ea typeface="黑体"/>
+                <a:cs typeface="黑体"/>
+              </a:rPr>
+              <a:t> </a:t>
+            </a:r>
+            <a:r>
+              <a:rPr lang="zh-CN" altLang="en-US" sz="4000" baseline="30000" dirty="0">
+                <a:solidFill>
+                  <a:schemeClr val="bg1"/>
+                </a:solidFill>
+                <a:latin typeface="黑体"/>
+                <a:ea typeface="黑体"/>
+                <a:cs typeface="黑体"/>
+              </a:rPr>
+              <a:t>分析</a:t>
+            </a:r>
+            <a:endParaRPr lang="ja-JP" altLang="en-US" sz="4000" baseline="30000" dirty="0">
+              <a:solidFill>
+                <a:schemeClr val="bg1"/>
+              </a:solidFill>
+              <a:latin typeface="黑体"/>
+              <a:ea typeface="黑体"/>
+              <a:cs typeface="黑体"/>
+            </a:endParaRPr>
+          </a:p>
+        </p:txBody>
+      </p:sp>
+      <mc:AlternateContent xmlns:mc="http://schemas.openxmlformats.org/markup-compatibility/2006" xmlns:a14="http://schemas.microsoft.com/office/drawing/2010/main">
+        <mc:Choice Requires="a14">
+          <p:sp>
+            <p:nvSpPr>
+              <p:cNvPr id="13" name="内容占位符 4">
+                <a:extLst>
+                  <a:ext uri="{FF2B5EF4-FFF2-40B4-BE49-F238E27FC236}">
+                    <a16:creationId xmlns:a16="http://schemas.microsoft.com/office/drawing/2014/main" id="{68F09DC1-626B-DF42-9BBE-C8C84CD60782}"/>
+                  </a:ext>
+                </a:extLst>
+              </p:cNvPr>
+              <p:cNvSpPr txBox="1">
+                <a:spLocks/>
+              </p:cNvSpPr>
+              <p:nvPr/>
+            </p:nvSpPr>
+            <p:spPr>
+              <a:xfrm>
+                <a:off x="-96161" y="4244329"/>
+                <a:ext cx="8479523" cy="913945"/>
+              </a:xfrm>
+              <a:prstGeom prst="rect">
+                <a:avLst/>
+              </a:prstGeom>
+            </p:spPr>
+            <p:txBody>
+              <a:bodyPr vert="horz" lIns="91440" tIns="45720" rIns="91440" bIns="45720" rtlCol="0">
+                <a:normAutofit fontScale="92500"/>
+              </a:bodyPr>
+              <a:lstStyle>
+                <a:lvl1pPr marL="457200" indent="-457200" algn="l" defTabSz="914400" rtl="0" eaLnBrk="1" latinLnBrk="0" hangingPunct="1">
+                  <a:spcBef>
+                    <a:spcPts val="2000"/>
+                  </a:spcBef>
+                  <a:buClr>
+                    <a:schemeClr val="tx1">
+                      <a:lumMod val="75000"/>
+                      <a:lumOff val="25000"/>
+                    </a:schemeClr>
+                  </a:buClr>
+                  <a:buSzPct val="75000"/>
+                  <a:buFont typeface="Wingdings 2" pitchFamily="18" charset="2"/>
+                  <a:buChar char=""/>
+                  <a:defRPr sz="2200" kern="1200">
+                    <a:solidFill>
+                      <a:schemeClr val="tx1">
+                        <a:lumMod val="75000"/>
+                        <a:lumOff val="25000"/>
+                      </a:schemeClr>
+                    </a:solidFill>
+                    <a:latin typeface="+mn-lt"/>
+                    <a:ea typeface="+mn-ea"/>
+                    <a:cs typeface="+mn-cs"/>
+                  </a:defRPr>
+                </a:lvl1pPr>
+                <a:lvl2pPr marL="914400" indent="-457200" algn="l" defTabSz="914400" rtl="0" eaLnBrk="1" latinLnBrk="0" hangingPunct="1">
+                  <a:spcBef>
+                    <a:spcPts val="600"/>
+                  </a:spcBef>
+                  <a:buClr>
+                    <a:schemeClr val="tx1">
+                      <a:lumMod val="50000"/>
+                      <a:lumOff val="50000"/>
+                    </a:schemeClr>
+                  </a:buClr>
+                  <a:buSzPct val="75000"/>
+                  <a:buFont typeface="Wingdings 2" pitchFamily="18" charset="2"/>
+                  <a:buChar char=""/>
+                  <a:defRPr sz="2000" kern="1200">
+                    <a:solidFill>
+                      <a:schemeClr val="tx1">
+                        <a:lumMod val="75000"/>
+                        <a:lumOff val="25000"/>
+                      </a:schemeClr>
+                    </a:solidFill>
+                    <a:latin typeface="+mn-lt"/>
+                    <a:ea typeface="+mn-ea"/>
+                    <a:cs typeface="+mn-cs"/>
+                  </a:defRPr>
+                </a:lvl2pPr>
+                <a:lvl3pPr marL="1371600" indent="-457200" algn="l" defTabSz="914400" rtl="0" eaLnBrk="1" latinLnBrk="0" hangingPunct="1">
+                  <a:spcBef>
+                    <a:spcPts val="600"/>
+                  </a:spcBef>
+                  <a:buClr>
+                    <a:schemeClr val="tx1">
+                      <a:lumMod val="75000"/>
+                      <a:lumOff val="25000"/>
+                    </a:schemeClr>
+                  </a:buClr>
+                  <a:buSzPct val="75000"/>
+                  <a:buFont typeface="Wingdings 2" pitchFamily="18" charset="2"/>
+                  <a:buChar char=""/>
+                  <a:defRPr sz="1800" kern="1200">
+                    <a:solidFill>
+                      <a:schemeClr val="tx1">
+                        <a:lumMod val="75000"/>
+                        <a:lumOff val="25000"/>
+                      </a:schemeClr>
+                    </a:solidFill>
+                    <a:latin typeface="+mn-lt"/>
+                    <a:ea typeface="+mn-ea"/>
+                    <a:cs typeface="+mn-cs"/>
+                  </a:defRPr>
+                </a:lvl3pPr>
+                <a:lvl4pPr marL="1828800" indent="-457200" algn="l" defTabSz="914400" rtl="0" eaLnBrk="1" latinLnBrk="0" hangingPunct="1">
+                  <a:spcBef>
+                    <a:spcPts val="600"/>
+                  </a:spcBef>
+                  <a:buClr>
+                    <a:schemeClr val="tx1">
+                      <a:lumMod val="50000"/>
+                      <a:lumOff val="50000"/>
+                    </a:schemeClr>
+                  </a:buClr>
+                  <a:buSzPct val="75000"/>
+                  <a:buFont typeface="Wingdings 2" pitchFamily="18" charset="2"/>
+                  <a:buChar char=""/>
+                  <a:defRPr sz="1800" kern="1200">
+                    <a:solidFill>
+                      <a:schemeClr val="tx1">
+                        <a:lumMod val="75000"/>
+                        <a:lumOff val="25000"/>
+                      </a:schemeClr>
+                    </a:solidFill>
+                    <a:latin typeface="+mn-lt"/>
+                    <a:ea typeface="+mn-ea"/>
+                    <a:cs typeface="+mn-cs"/>
+                  </a:defRPr>
+                </a:lvl4pPr>
+                <a:lvl5pPr marL="2286000" indent="-457200" algn="l" defTabSz="914400" rtl="0" eaLnBrk="1" latinLnBrk="0" hangingPunct="1">
+                  <a:spcBef>
+                    <a:spcPts val="600"/>
+                  </a:spcBef>
+                  <a:buClr>
+                    <a:schemeClr val="tx1">
+                      <a:lumMod val="75000"/>
+                      <a:lumOff val="25000"/>
+                    </a:schemeClr>
+                  </a:buClr>
+                  <a:buSzPct val="75000"/>
+                  <a:buFont typeface="Wingdings 2" pitchFamily="18" charset="2"/>
+                  <a:buChar char=""/>
+                  <a:defRPr sz="1800" kern="1200">
+                    <a:solidFill>
+                      <a:schemeClr val="tx1">
+                        <a:lumMod val="75000"/>
+                        <a:lumOff val="25000"/>
+                      </a:schemeClr>
+                    </a:solidFill>
+                    <a:latin typeface="+mn-lt"/>
+                    <a:ea typeface="+mn-ea"/>
+                    <a:cs typeface="+mn-cs"/>
+                  </a:defRPr>
+                </a:lvl5pPr>
+                <a:lvl6pPr marL="2743200" indent="-461963" algn="l" defTabSz="914400" rtl="0" eaLnBrk="1" latinLnBrk="0" hangingPunct="1">
+                  <a:spcBef>
+                    <a:spcPct val="20000"/>
+                  </a:spcBef>
+                  <a:buClr>
+                    <a:schemeClr val="tx1">
+                      <a:lumMod val="50000"/>
+                      <a:lumOff val="50000"/>
+                    </a:schemeClr>
+                  </a:buClr>
+                  <a:buSzPct val="75000"/>
+                  <a:buFont typeface="Wingdings 2" pitchFamily="18" charset="2"/>
+                  <a:buChar char=""/>
+                  <a:defRPr lang="en-US" sz="1800" kern="1200" dirty="0" smtClean="0">
+                    <a:solidFill>
+                      <a:schemeClr val="tx1">
+                        <a:lumMod val="75000"/>
+                        <a:lumOff val="25000"/>
+                      </a:schemeClr>
+                    </a:solidFill>
+                    <a:latin typeface="+mn-lt"/>
+                    <a:ea typeface="+mn-ea"/>
+                    <a:cs typeface="+mn-cs"/>
+                  </a:defRPr>
+                </a:lvl6pPr>
+                <a:lvl7pPr marL="3205163" indent="-461963" algn="l" defTabSz="914400" rtl="0" eaLnBrk="1" latinLnBrk="0" hangingPunct="1">
+                  <a:spcBef>
+                    <a:spcPct val="20000"/>
+                  </a:spcBef>
+                  <a:buClr>
+                    <a:schemeClr val="tx1">
+                      <a:lumMod val="75000"/>
+                      <a:lumOff val="25000"/>
+                    </a:schemeClr>
+                  </a:buClr>
+                  <a:buSzPct val="75000"/>
+                  <a:buFont typeface="Wingdings 2" pitchFamily="18" charset="2"/>
+                  <a:buChar char=""/>
+                  <a:defRPr lang="en-US" sz="1800" kern="1200" dirty="0" smtClean="0">
+                    <a:solidFill>
+                      <a:schemeClr val="tx1">
+                        <a:lumMod val="75000"/>
+                        <a:lumOff val="25000"/>
+                      </a:schemeClr>
+                    </a:solidFill>
+                    <a:latin typeface="+mn-lt"/>
+                    <a:ea typeface="+mn-ea"/>
+                    <a:cs typeface="+mn-cs"/>
+                  </a:defRPr>
+                </a:lvl7pPr>
+                <a:lvl8pPr marL="3657600" indent="-461963" algn="l" defTabSz="914400" rtl="0" eaLnBrk="1" latinLnBrk="0" hangingPunct="1">
+                  <a:spcBef>
+                    <a:spcPct val="20000"/>
+                  </a:spcBef>
+                  <a:buClr>
+                    <a:schemeClr val="tx1">
+                      <a:lumMod val="50000"/>
+                      <a:lumOff val="50000"/>
+                    </a:schemeClr>
+                  </a:buClr>
+                  <a:buSzPct val="75000"/>
+                  <a:buFont typeface="Wingdings 2" pitchFamily="18" charset="2"/>
+                  <a:buChar char=""/>
+                  <a:defRPr lang="en-US" sz="1800" kern="1200" dirty="0" smtClean="0">
+                    <a:solidFill>
+                      <a:schemeClr val="tx1">
+                        <a:lumMod val="75000"/>
+                        <a:lumOff val="25000"/>
+                      </a:schemeClr>
+                    </a:solidFill>
+                    <a:latin typeface="+mn-lt"/>
+                    <a:ea typeface="+mn-ea"/>
+                    <a:cs typeface="+mn-cs"/>
+                  </a:defRPr>
+                </a:lvl8pPr>
+                <a:lvl9pPr marL="4119563" indent="-461963" algn="l" defTabSz="914400" rtl="0" eaLnBrk="1" latinLnBrk="0" hangingPunct="1">
+                  <a:spcBef>
+                    <a:spcPct val="20000"/>
+                  </a:spcBef>
+                  <a:buClr>
+                    <a:schemeClr val="tx1">
+                      <a:lumMod val="75000"/>
+                      <a:lumOff val="25000"/>
+                    </a:schemeClr>
+                  </a:buClr>
+                  <a:buSzPct val="75000"/>
+                  <a:buFont typeface="Wingdings 2" pitchFamily="18" charset="2"/>
+                  <a:buChar char=""/>
+                  <a:defRPr lang="en-US" sz="1800" kern="1200" dirty="0">
+                    <a:solidFill>
+                      <a:schemeClr val="tx1">
+                        <a:lumMod val="75000"/>
+                        <a:lumOff val="25000"/>
+                      </a:schemeClr>
+                    </a:solidFill>
+                    <a:latin typeface="+mn-lt"/>
+                    <a:ea typeface="+mn-ea"/>
+                    <a:cs typeface="+mn-cs"/>
+                  </a:defRPr>
+                </a:lvl9pPr>
+              </a:lstStyle>
+              <a:p>
+                <a:pPr marL="0" indent="0">
+                  <a:buNone/>
+                </a:pPr>
+                <a14:m>
+                  <m:oMathPara xmlns:m="http://schemas.openxmlformats.org/officeDocument/2006/math">
+                    <m:oMathParaPr>
+                      <m:jc m:val="centerGroup"/>
+                    </m:oMathParaPr>
+                    <m:oMath xmlns:m="http://schemas.openxmlformats.org/officeDocument/2006/math">
+                      <m:r>
+                        <a:rPr kumimoji="1" lang="en-US" altLang="zh-CN" b="0" i="1" smtClean="0">
+                          <a:solidFill>
+                            <a:schemeClr val="tx1"/>
+                          </a:solidFill>
+                          <a:latin typeface="Cambria Math" panose="02040503050406030204" pitchFamily="18" charset="0"/>
+                        </a:rPr>
+                        <m:t>1=</m:t>
+                      </m:r>
+                      <m:nary>
+                        <m:naryPr>
+                          <m:ctrlPr>
+                            <a:rPr kumimoji="1" lang="en-US" altLang="zh-CN" i="1" smtClean="0">
+                              <a:solidFill>
+                                <a:schemeClr val="tx1"/>
+                              </a:solidFill>
+                              <a:latin typeface="Cambria Math" panose="02040503050406030204" pitchFamily="18" charset="0"/>
+                            </a:rPr>
+                          </m:ctrlPr>
+                        </m:naryPr>
+                        <m:sub>
+                          <m:r>
+                            <m:rPr>
+                              <m:brk m:alnAt="23"/>
+                            </m:rPr>
+                            <a:rPr kumimoji="1" lang="en-US" altLang="zh-CN" b="0" i="1" smtClean="0">
+                              <a:solidFill>
+                                <a:schemeClr val="tx1"/>
+                              </a:solidFill>
+                              <a:latin typeface="Cambria Math" panose="02040503050406030204" pitchFamily="18" charset="0"/>
+                            </a:rPr>
+                            <m:t>0</m:t>
+                          </m:r>
+                        </m:sub>
+                        <m:sup>
+                          <m:r>
+                            <a:rPr kumimoji="1" lang="en-US" altLang="zh-CN" b="0" i="1" smtClean="0">
+                              <a:solidFill>
+                                <a:schemeClr val="tx1"/>
+                              </a:solidFill>
+                              <a:latin typeface="Cambria Math" panose="02040503050406030204" pitchFamily="18" charset="0"/>
+                            </a:rPr>
+                            <m:t>𝑎</m:t>
+                          </m:r>
+                        </m:sup>
+                        <m:e>
+                          <m:r>
+                            <a:rPr kumimoji="1" lang="en-US" altLang="zh-CN" b="0" i="1" smtClean="0">
+                              <a:solidFill>
+                                <a:schemeClr val="tx1"/>
+                              </a:solidFill>
+                              <a:latin typeface="Cambria Math" panose="02040503050406030204" pitchFamily="18" charset="0"/>
+                            </a:rPr>
+                            <m:t>𝑝</m:t>
+                          </m:r>
+                          <m:r>
+                            <a:rPr kumimoji="1" lang="en-US" altLang="zh-CN" b="0" i="1" baseline="-25000" smtClean="0">
+                              <a:solidFill>
+                                <a:schemeClr val="tx1"/>
+                              </a:solidFill>
+                              <a:latin typeface="Cambria Math" panose="02040503050406030204" pitchFamily="18" charset="0"/>
+                            </a:rPr>
+                            <m:t>𝑋</m:t>
+                          </m:r>
+                          <m:d>
+                            <m:dPr>
+                              <m:ctrlPr>
+                                <a:rPr kumimoji="1" lang="en-US" altLang="zh-CN" b="0" i="1" smtClean="0">
+                                  <a:solidFill>
+                                    <a:schemeClr val="tx1"/>
+                                  </a:solidFill>
+                                  <a:latin typeface="Cambria Math" panose="02040503050406030204" pitchFamily="18" charset="0"/>
+                                </a:rPr>
+                              </m:ctrlPr>
+                            </m:dPr>
+                            <m:e>
+                              <m:r>
+                                <a:rPr kumimoji="1" lang="en-US" altLang="zh-CN" b="0" i="1" smtClean="0">
+                                  <a:solidFill>
+                                    <a:schemeClr val="tx1"/>
+                                  </a:solidFill>
+                                  <a:latin typeface="Cambria Math" panose="02040503050406030204" pitchFamily="18" charset="0"/>
+                                </a:rPr>
+                                <m:t>𝑥</m:t>
+                              </m:r>
+                            </m:e>
+                          </m:d>
+                          <m:r>
+                            <a:rPr kumimoji="1" lang="en-US" altLang="zh-CN" b="0" i="1" smtClean="0">
+                              <a:solidFill>
+                                <a:schemeClr val="tx1"/>
+                              </a:solidFill>
+                              <a:latin typeface="Cambria Math" panose="02040503050406030204" pitchFamily="18" charset="0"/>
+                            </a:rPr>
+                            <m:t>𝑑𝑥</m:t>
+                          </m:r>
+                        </m:e>
+                      </m:nary>
+                      <m:r>
+                        <a:rPr kumimoji="1" lang="en-US" altLang="zh-CN" b="0" i="1" smtClean="0">
+                          <a:solidFill>
+                            <a:schemeClr val="tx1"/>
+                          </a:solidFill>
+                          <a:latin typeface="Cambria Math" panose="02040503050406030204" pitchFamily="18" charset="0"/>
+                        </a:rPr>
+                        <m:t>=</m:t>
+                      </m:r>
+                      <m:nary>
+                        <m:naryPr>
+                          <m:ctrlPr>
+                            <a:rPr kumimoji="1" lang="en-US" altLang="zh-CN" b="0" i="1" smtClean="0">
+                              <a:solidFill>
+                                <a:schemeClr val="tx1"/>
+                              </a:solidFill>
+                              <a:latin typeface="Cambria Math" panose="02040503050406030204" pitchFamily="18" charset="0"/>
+                            </a:rPr>
+                          </m:ctrlPr>
+                        </m:naryPr>
+                        <m:sub>
+                          <m:r>
+                            <m:rPr>
+                              <m:brk m:alnAt="23"/>
+                            </m:rPr>
+                            <a:rPr kumimoji="1" lang="en-US" altLang="zh-CN" b="0" i="1" smtClean="0">
+                              <a:solidFill>
+                                <a:schemeClr val="tx1"/>
+                              </a:solidFill>
+                              <a:latin typeface="Cambria Math" panose="02040503050406030204" pitchFamily="18" charset="0"/>
+                            </a:rPr>
+                            <m:t>0</m:t>
+                          </m:r>
+                        </m:sub>
+                        <m:sup>
+                          <m:f>
+                            <m:fPr>
+                              <m:ctrlPr>
+                                <a:rPr kumimoji="1" lang="en-US" altLang="zh-CN" b="0" i="1" smtClean="0">
+                                  <a:solidFill>
+                                    <a:schemeClr val="tx1"/>
+                                  </a:solidFill>
+                                  <a:latin typeface="Cambria Math" panose="02040503050406030204" pitchFamily="18" charset="0"/>
+                                </a:rPr>
+                              </m:ctrlPr>
+                            </m:fPr>
+                            <m:num>
+                              <m:r>
+                                <a:rPr kumimoji="1" lang="en-US" altLang="zh-CN" b="0" i="1" smtClean="0">
+                                  <a:solidFill>
+                                    <a:schemeClr val="tx1"/>
+                                  </a:solidFill>
+                                  <a:latin typeface="Cambria Math" panose="02040503050406030204" pitchFamily="18" charset="0"/>
+                                </a:rPr>
+                                <m:t>𝑎</m:t>
+                              </m:r>
+                            </m:num>
+                            <m:den>
+                              <m:r>
+                                <a:rPr kumimoji="1" lang="en-US" altLang="zh-CN" b="0" i="1" smtClean="0">
+                                  <a:solidFill>
+                                    <a:schemeClr val="tx1"/>
+                                  </a:solidFill>
+                                  <a:latin typeface="Cambria Math" panose="02040503050406030204" pitchFamily="18" charset="0"/>
+                                </a:rPr>
+                                <m:t>2</m:t>
+                              </m:r>
+                            </m:den>
+                          </m:f>
+                        </m:sup>
+                        <m:e>
+                          <m:r>
+                            <a:rPr kumimoji="1" lang="en-US" altLang="zh-CN" b="0" i="1" smtClean="0">
+                              <a:solidFill>
+                                <a:schemeClr val="tx1"/>
+                              </a:solidFill>
+                              <a:latin typeface="Cambria Math" panose="02040503050406030204" pitchFamily="18" charset="0"/>
+                            </a:rPr>
+                            <m:t>𝑝</m:t>
+                          </m:r>
+                          <m:r>
+                            <a:rPr kumimoji="1" lang="en-US" altLang="zh-CN" b="0" i="1" baseline="-25000" smtClean="0">
+                              <a:solidFill>
+                                <a:schemeClr val="tx1"/>
+                              </a:solidFill>
+                              <a:latin typeface="Cambria Math" panose="02040503050406030204" pitchFamily="18" charset="0"/>
+                            </a:rPr>
+                            <m:t>𝑌</m:t>
+                          </m:r>
+                          <m:d>
+                            <m:dPr>
+                              <m:ctrlPr>
+                                <a:rPr kumimoji="1" lang="en-US" altLang="zh-CN" b="0" i="1" smtClean="0">
+                                  <a:solidFill>
+                                    <a:schemeClr val="tx1"/>
+                                  </a:solidFill>
+                                  <a:latin typeface="Cambria Math" panose="02040503050406030204" pitchFamily="18" charset="0"/>
+                                </a:rPr>
+                              </m:ctrlPr>
+                            </m:dPr>
+                            <m:e>
+                              <m:r>
+                                <a:rPr kumimoji="1" lang="en-US" altLang="zh-CN" b="0" i="1" smtClean="0">
+                                  <a:solidFill>
+                                    <a:schemeClr val="tx1"/>
+                                  </a:solidFill>
+                                  <a:latin typeface="Cambria Math" panose="02040503050406030204" pitchFamily="18" charset="0"/>
+                                </a:rPr>
+                                <m:t>𝑦</m:t>
+                              </m:r>
+                            </m:e>
+                          </m:d>
+                          <m:r>
+                            <a:rPr kumimoji="1" lang="en-US" altLang="zh-CN" b="0" i="1" smtClean="0">
+                              <a:solidFill>
+                                <a:schemeClr val="tx1"/>
+                              </a:solidFill>
+                              <a:latin typeface="Cambria Math" panose="02040503050406030204" pitchFamily="18" charset="0"/>
+                            </a:rPr>
+                            <m:t>𝑑𝑦</m:t>
+                          </m:r>
+                        </m:e>
+                      </m:nary>
+                      <m:r>
+                        <a:rPr kumimoji="1" lang="en-US" altLang="zh-CN" b="0" i="1" smtClean="0">
+                          <a:solidFill>
+                            <a:schemeClr val="tx1"/>
+                          </a:solidFill>
+                          <a:latin typeface="Cambria Math" panose="02040503050406030204" pitchFamily="18" charset="0"/>
+                        </a:rPr>
+                        <m:t>=</m:t>
+                      </m:r>
+                      <m:nary>
+                        <m:naryPr>
+                          <m:ctrlPr>
+                            <a:rPr kumimoji="1" lang="en-US" altLang="zh-CN" i="1">
+                              <a:solidFill>
+                                <a:schemeClr val="tx1"/>
+                              </a:solidFill>
+                              <a:latin typeface="Cambria Math" panose="02040503050406030204" pitchFamily="18" charset="0"/>
+                            </a:rPr>
+                          </m:ctrlPr>
+                        </m:naryPr>
+                        <m:sub>
+                          <m:r>
+                            <m:rPr>
+                              <m:brk m:alnAt="23"/>
+                            </m:rPr>
+                            <a:rPr kumimoji="1" lang="en-US" altLang="zh-CN" i="1">
+                              <a:solidFill>
+                                <a:schemeClr val="tx1"/>
+                              </a:solidFill>
+                              <a:latin typeface="Cambria Math" panose="02040503050406030204" pitchFamily="18" charset="0"/>
+                            </a:rPr>
+                            <m:t>0</m:t>
+                          </m:r>
+                        </m:sub>
+                        <m:sup>
+                          <m:r>
+                            <a:rPr kumimoji="1" lang="en-US" altLang="zh-CN" b="0" i="1" smtClean="0">
+                              <a:solidFill>
+                                <a:schemeClr val="tx1"/>
+                              </a:solidFill>
+                              <a:latin typeface="Cambria Math" panose="02040503050406030204" pitchFamily="18" charset="0"/>
+                            </a:rPr>
+                            <m:t>𝑎</m:t>
+                          </m:r>
+                        </m:sup>
+                        <m:e>
+                          <m:r>
+                            <a:rPr kumimoji="1" lang="en-US" altLang="zh-CN" i="1">
+                              <a:solidFill>
+                                <a:schemeClr val="tx1"/>
+                              </a:solidFill>
+                              <a:latin typeface="Cambria Math" panose="02040503050406030204" pitchFamily="18" charset="0"/>
+                            </a:rPr>
+                            <m:t>𝑝</m:t>
+                          </m:r>
+                          <m:r>
+                            <a:rPr kumimoji="1" lang="en-US" altLang="zh-CN" i="1" baseline="-25000">
+                              <a:solidFill>
+                                <a:schemeClr val="tx1"/>
+                              </a:solidFill>
+                              <a:latin typeface="Cambria Math" panose="02040503050406030204" pitchFamily="18" charset="0"/>
+                            </a:rPr>
+                            <m:t>𝑌</m:t>
+                          </m:r>
+                          <m:d>
+                            <m:dPr>
+                              <m:ctrlPr>
+                                <a:rPr kumimoji="1" lang="en-US" altLang="zh-CN" i="1">
+                                  <a:solidFill>
+                                    <a:schemeClr val="tx1"/>
+                                  </a:solidFill>
+                                  <a:latin typeface="Cambria Math" panose="02040503050406030204" pitchFamily="18" charset="0"/>
+                                </a:rPr>
+                              </m:ctrlPr>
+                            </m:dPr>
+                            <m:e>
+                              <m:r>
+                                <a:rPr kumimoji="1" lang="en-US" altLang="zh-CN" i="1">
+                                  <a:solidFill>
+                                    <a:schemeClr val="tx1"/>
+                                  </a:solidFill>
+                                  <a:latin typeface="Cambria Math" panose="02040503050406030204" pitchFamily="18" charset="0"/>
+                                </a:rPr>
+                                <m:t>𝑦</m:t>
+                              </m:r>
+                            </m:e>
+                          </m:d>
+                          <m:r>
+                            <a:rPr kumimoji="1" lang="en-US" altLang="zh-CN" i="1">
+                              <a:solidFill>
+                                <a:schemeClr val="tx1"/>
+                              </a:solidFill>
+                              <a:latin typeface="Cambria Math" panose="02040503050406030204" pitchFamily="18" charset="0"/>
+                            </a:rPr>
+                            <m:t>𝑑𝑦</m:t>
+                          </m:r>
+                        </m:e>
+                      </m:nary>
+                    </m:oMath>
+                  </m:oMathPara>
+                </a14:m>
+                <a:endParaRPr kumimoji="1" lang="en-US" altLang="zh-CN" dirty="0">
+                  <a:solidFill>
+                    <a:schemeClr val="tx1"/>
+                  </a:solidFill>
+                </a:endParaRPr>
+              </a:p>
+            </p:txBody>
+          </p:sp>
+        </mc:Choice>
+        <mc:Fallback xmlns="">
+          <p:sp>
+            <p:nvSpPr>
+              <p:cNvPr id="13" name="内容占位符 4">
+                <a:extLst>
+                  <a:ext uri="{FF2B5EF4-FFF2-40B4-BE49-F238E27FC236}">
+                    <a16:creationId xmlns:a16="http://schemas.microsoft.com/office/drawing/2014/main" id="{68F09DC1-626B-DF42-9BBE-C8C84CD60782}"/>
+                  </a:ext>
+                </a:extLst>
+              </p:cNvPr>
+              <p:cNvSpPr txBox="1">
+                <a:spLocks noRot="1" noChangeAspect="1" noMove="1" noResize="1" noEditPoints="1" noAdjustHandles="1" noChangeArrowheads="1" noChangeShapeType="1" noTextEdit="1"/>
+              </p:cNvSpPr>
+              <p:nvPr/>
+            </p:nvSpPr>
+            <p:spPr>
+              <a:xfrm>
+                <a:off x="-96161" y="4244329"/>
+                <a:ext cx="8479523" cy="913945"/>
+              </a:xfrm>
+              <a:prstGeom prst="rect">
+                <a:avLst/>
+              </a:prstGeom>
+              <a:blipFill>
+                <a:blip r:embed="rId3"/>
+                <a:stretch>
+                  <a:fillRect/>
+                </a:stretch>
+              </a:blipFill>
+            </p:spPr>
+            <p:txBody>
+              <a:bodyPr/>
+              <a:lstStyle/>
+              <a:p>
+                <a:r>
+                  <a:rPr lang="en-US">
+                    <a:noFill/>
+                  </a:rPr>
+                  <a:t> </a:t>
+                </a:r>
+              </a:p>
+            </p:txBody>
+          </p:sp>
+        </mc:Fallback>
+      </mc:AlternateContent>
+      <mc:AlternateContent xmlns:mc="http://schemas.openxmlformats.org/markup-compatibility/2006" xmlns:a14="http://schemas.microsoft.com/office/drawing/2010/main">
+        <mc:Choice Requires="a14">
+          <p:sp>
+            <p:nvSpPr>
+              <p:cNvPr id="15" name="内容占位符 4">
+                <a:extLst>
+                  <a:ext uri="{FF2B5EF4-FFF2-40B4-BE49-F238E27FC236}">
+                    <a16:creationId xmlns:a16="http://schemas.microsoft.com/office/drawing/2014/main" id="{D546B250-1177-CF41-AED5-8423F53472D5}"/>
+                  </a:ext>
+                </a:extLst>
+              </p:cNvPr>
+              <p:cNvSpPr txBox="1">
+                <a:spLocks/>
+              </p:cNvSpPr>
+              <p:nvPr/>
+            </p:nvSpPr>
+            <p:spPr>
+              <a:xfrm>
+                <a:off x="473363" y="5158274"/>
+                <a:ext cx="6291909" cy="542551"/>
+              </a:xfrm>
+              <a:prstGeom prst="rect">
+                <a:avLst/>
+              </a:prstGeom>
+            </p:spPr>
+            <p:txBody>
+              <a:bodyPr vert="horz" lIns="91440" tIns="45720" rIns="91440" bIns="45720" rtlCol="0">
+                <a:normAutofit/>
+              </a:bodyPr>
+              <a:lstStyle>
+                <a:lvl1pPr marL="457200" indent="-457200" algn="l" defTabSz="914400" rtl="0" eaLnBrk="1" latinLnBrk="0" hangingPunct="1">
+                  <a:spcBef>
+                    <a:spcPts val="2000"/>
+                  </a:spcBef>
+                  <a:buClr>
+                    <a:schemeClr val="tx1">
+                      <a:lumMod val="75000"/>
+                      <a:lumOff val="25000"/>
+                    </a:schemeClr>
+                  </a:buClr>
+                  <a:buSzPct val="75000"/>
+                  <a:buFont typeface="Wingdings 2" pitchFamily="18" charset="2"/>
+                  <a:buChar char=""/>
+                  <a:defRPr sz="2200" kern="1200">
+                    <a:solidFill>
+                      <a:schemeClr val="tx1">
+                        <a:lumMod val="75000"/>
+                        <a:lumOff val="25000"/>
+                      </a:schemeClr>
+                    </a:solidFill>
+                    <a:latin typeface="+mn-lt"/>
+                    <a:ea typeface="+mn-ea"/>
+                    <a:cs typeface="+mn-cs"/>
+                  </a:defRPr>
+                </a:lvl1pPr>
+                <a:lvl2pPr marL="914400" indent="-457200" algn="l" defTabSz="914400" rtl="0" eaLnBrk="1" latinLnBrk="0" hangingPunct="1">
+                  <a:spcBef>
+                    <a:spcPts val="600"/>
+                  </a:spcBef>
+                  <a:buClr>
+                    <a:schemeClr val="tx1">
+                      <a:lumMod val="50000"/>
+                      <a:lumOff val="50000"/>
+                    </a:schemeClr>
+                  </a:buClr>
+                  <a:buSzPct val="75000"/>
+                  <a:buFont typeface="Wingdings 2" pitchFamily="18" charset="2"/>
+                  <a:buChar char=""/>
+                  <a:defRPr sz="2000" kern="1200">
+                    <a:solidFill>
+                      <a:schemeClr val="tx1">
+                        <a:lumMod val="75000"/>
+                        <a:lumOff val="25000"/>
+                      </a:schemeClr>
+                    </a:solidFill>
+                    <a:latin typeface="+mn-lt"/>
+                    <a:ea typeface="+mn-ea"/>
+                    <a:cs typeface="+mn-cs"/>
+                  </a:defRPr>
+                </a:lvl2pPr>
+                <a:lvl3pPr marL="1371600" indent="-457200" algn="l" defTabSz="914400" rtl="0" eaLnBrk="1" latinLnBrk="0" hangingPunct="1">
+                  <a:spcBef>
+                    <a:spcPts val="600"/>
+                  </a:spcBef>
+                  <a:buClr>
+                    <a:schemeClr val="tx1">
+                      <a:lumMod val="75000"/>
+                      <a:lumOff val="25000"/>
+                    </a:schemeClr>
+                  </a:buClr>
+                  <a:buSzPct val="75000"/>
+                  <a:buFont typeface="Wingdings 2" pitchFamily="18" charset="2"/>
+                  <a:buChar char=""/>
+                  <a:defRPr sz="1800" kern="1200">
+                    <a:solidFill>
+                      <a:schemeClr val="tx1">
+                        <a:lumMod val="75000"/>
+                        <a:lumOff val="25000"/>
+                      </a:schemeClr>
+                    </a:solidFill>
+                    <a:latin typeface="+mn-lt"/>
+                    <a:ea typeface="+mn-ea"/>
+                    <a:cs typeface="+mn-cs"/>
+                  </a:defRPr>
+                </a:lvl3pPr>
+                <a:lvl4pPr marL="1828800" indent="-457200" algn="l" defTabSz="914400" rtl="0" eaLnBrk="1" latinLnBrk="0" hangingPunct="1">
+                  <a:spcBef>
+                    <a:spcPts val="600"/>
+                  </a:spcBef>
+                  <a:buClr>
+                    <a:schemeClr val="tx1">
+                      <a:lumMod val="50000"/>
+                      <a:lumOff val="50000"/>
+                    </a:schemeClr>
+                  </a:buClr>
+                  <a:buSzPct val="75000"/>
+                  <a:buFont typeface="Wingdings 2" pitchFamily="18" charset="2"/>
+                  <a:buChar char=""/>
+                  <a:defRPr sz="1800" kern="1200">
+                    <a:solidFill>
+                      <a:schemeClr val="tx1">
+                        <a:lumMod val="75000"/>
+                        <a:lumOff val="25000"/>
+                      </a:schemeClr>
+                    </a:solidFill>
+                    <a:latin typeface="+mn-lt"/>
+                    <a:ea typeface="+mn-ea"/>
+                    <a:cs typeface="+mn-cs"/>
+                  </a:defRPr>
+                </a:lvl4pPr>
+                <a:lvl5pPr marL="2286000" indent="-457200" algn="l" defTabSz="914400" rtl="0" eaLnBrk="1" latinLnBrk="0" hangingPunct="1">
+                  <a:spcBef>
+                    <a:spcPts val="600"/>
+                  </a:spcBef>
+                  <a:buClr>
+                    <a:schemeClr val="tx1">
+                      <a:lumMod val="75000"/>
+                      <a:lumOff val="25000"/>
+                    </a:schemeClr>
+                  </a:buClr>
+                  <a:buSzPct val="75000"/>
+                  <a:buFont typeface="Wingdings 2" pitchFamily="18" charset="2"/>
+                  <a:buChar char=""/>
+                  <a:defRPr sz="1800" kern="1200">
+                    <a:solidFill>
+                      <a:schemeClr val="tx1">
+                        <a:lumMod val="75000"/>
+                        <a:lumOff val="25000"/>
+                      </a:schemeClr>
+                    </a:solidFill>
+                    <a:latin typeface="+mn-lt"/>
+                    <a:ea typeface="+mn-ea"/>
+                    <a:cs typeface="+mn-cs"/>
+                  </a:defRPr>
+                </a:lvl5pPr>
+                <a:lvl6pPr marL="2743200" indent="-461963" algn="l" defTabSz="914400" rtl="0" eaLnBrk="1" latinLnBrk="0" hangingPunct="1">
+                  <a:spcBef>
+                    <a:spcPct val="20000"/>
+                  </a:spcBef>
+                  <a:buClr>
+                    <a:schemeClr val="tx1">
+                      <a:lumMod val="50000"/>
+                      <a:lumOff val="50000"/>
+                    </a:schemeClr>
+                  </a:buClr>
+                  <a:buSzPct val="75000"/>
+                  <a:buFont typeface="Wingdings 2" pitchFamily="18" charset="2"/>
+                  <a:buChar char=""/>
+                  <a:defRPr lang="en-US" sz="1800" kern="1200" dirty="0" smtClean="0">
+                    <a:solidFill>
+                      <a:schemeClr val="tx1">
+                        <a:lumMod val="75000"/>
+                        <a:lumOff val="25000"/>
+                      </a:schemeClr>
+                    </a:solidFill>
+                    <a:latin typeface="+mn-lt"/>
+                    <a:ea typeface="+mn-ea"/>
+                    <a:cs typeface="+mn-cs"/>
+                  </a:defRPr>
+                </a:lvl6pPr>
+                <a:lvl7pPr marL="3205163" indent="-461963" algn="l" defTabSz="914400" rtl="0" eaLnBrk="1" latinLnBrk="0" hangingPunct="1">
+                  <a:spcBef>
+                    <a:spcPct val="20000"/>
+                  </a:spcBef>
+                  <a:buClr>
+                    <a:schemeClr val="tx1">
+                      <a:lumMod val="75000"/>
+                      <a:lumOff val="25000"/>
+                    </a:schemeClr>
+                  </a:buClr>
+                  <a:buSzPct val="75000"/>
+                  <a:buFont typeface="Wingdings 2" pitchFamily="18" charset="2"/>
+                  <a:buChar char=""/>
+                  <a:defRPr lang="en-US" sz="1800" kern="1200" dirty="0" smtClean="0">
+                    <a:solidFill>
+                      <a:schemeClr val="tx1">
+                        <a:lumMod val="75000"/>
+                        <a:lumOff val="25000"/>
+                      </a:schemeClr>
+                    </a:solidFill>
+                    <a:latin typeface="+mn-lt"/>
+                    <a:ea typeface="+mn-ea"/>
+                    <a:cs typeface="+mn-cs"/>
+                  </a:defRPr>
+                </a:lvl7pPr>
+                <a:lvl8pPr marL="3657600" indent="-461963" algn="l" defTabSz="914400" rtl="0" eaLnBrk="1" latinLnBrk="0" hangingPunct="1">
+                  <a:spcBef>
+                    <a:spcPct val="20000"/>
+                  </a:spcBef>
+                  <a:buClr>
+                    <a:schemeClr val="tx1">
+                      <a:lumMod val="50000"/>
+                      <a:lumOff val="50000"/>
+                    </a:schemeClr>
+                  </a:buClr>
+                  <a:buSzPct val="75000"/>
+                  <a:buFont typeface="Wingdings 2" pitchFamily="18" charset="2"/>
+                  <a:buChar char=""/>
+                  <a:defRPr lang="en-US" sz="1800" kern="1200" dirty="0" smtClean="0">
+                    <a:solidFill>
+                      <a:schemeClr val="tx1">
+                        <a:lumMod val="75000"/>
+                        <a:lumOff val="25000"/>
+                      </a:schemeClr>
+                    </a:solidFill>
+                    <a:latin typeface="+mn-lt"/>
+                    <a:ea typeface="+mn-ea"/>
+                    <a:cs typeface="+mn-cs"/>
+                  </a:defRPr>
+                </a:lvl8pPr>
+                <a:lvl9pPr marL="4119563" indent="-461963" algn="l" defTabSz="914400" rtl="0" eaLnBrk="1" latinLnBrk="0" hangingPunct="1">
+                  <a:spcBef>
+                    <a:spcPct val="20000"/>
+                  </a:spcBef>
+                  <a:buClr>
+                    <a:schemeClr val="tx1">
+                      <a:lumMod val="75000"/>
+                      <a:lumOff val="25000"/>
+                    </a:schemeClr>
+                  </a:buClr>
+                  <a:buSzPct val="75000"/>
+                  <a:buFont typeface="Wingdings 2" pitchFamily="18" charset="2"/>
+                  <a:buChar char=""/>
+                  <a:defRPr lang="en-US" sz="1800" kern="1200" dirty="0">
+                    <a:solidFill>
+                      <a:schemeClr val="tx1">
+                        <a:lumMod val="75000"/>
+                        <a:lumOff val="25000"/>
+                      </a:schemeClr>
+                    </a:solidFill>
+                    <a:latin typeface="+mn-lt"/>
+                    <a:ea typeface="+mn-ea"/>
+                    <a:cs typeface="+mn-cs"/>
+                  </a:defRPr>
+                </a:lvl9pPr>
+              </a:lstStyle>
+              <a:p>
+                <a:pPr marL="0" indent="0">
+                  <a:buNone/>
+                </a:pPr>
+                <a14:m>
+                  <m:oMathPara xmlns:m="http://schemas.openxmlformats.org/officeDocument/2006/math">
+                    <m:oMathParaPr>
+                      <m:jc m:val="centerGroup"/>
+                    </m:oMathParaPr>
+                    <m:oMath xmlns:m="http://schemas.openxmlformats.org/officeDocument/2006/math">
+                      <m:r>
+                        <a:rPr kumimoji="1" lang="en-US" altLang="zh-CN" b="0" i="1" smtClean="0">
+                          <a:solidFill>
+                            <a:schemeClr val="tx1"/>
+                          </a:solidFill>
+                          <a:latin typeface="Cambria Math" panose="02040503050406030204" pitchFamily="18" charset="0"/>
+                        </a:rPr>
+                        <m:t>|</m:t>
+                      </m:r>
+                      <m:r>
+                        <a:rPr kumimoji="1" lang="en-US" altLang="zh-CN" b="0" i="1" smtClean="0">
+                          <a:solidFill>
+                            <a:schemeClr val="tx1"/>
+                          </a:solidFill>
+                          <a:latin typeface="Cambria Math" panose="02040503050406030204" pitchFamily="18" charset="0"/>
+                        </a:rPr>
+                        <m:t>𝑝𝑋</m:t>
+                      </m:r>
+                      <m:d>
+                        <m:dPr>
+                          <m:ctrlPr>
+                            <a:rPr kumimoji="1" lang="en-US" altLang="zh-CN" b="0" i="1" smtClean="0">
+                              <a:solidFill>
+                                <a:schemeClr val="tx1"/>
+                              </a:solidFill>
+                              <a:latin typeface="Cambria Math" panose="02040503050406030204" pitchFamily="18" charset="0"/>
+                            </a:rPr>
+                          </m:ctrlPr>
+                        </m:dPr>
+                        <m:e>
+                          <m:r>
+                            <a:rPr kumimoji="1" lang="en-US" altLang="zh-CN" b="0" i="1" smtClean="0">
+                              <a:solidFill>
+                                <a:schemeClr val="tx1"/>
+                              </a:solidFill>
+                              <a:latin typeface="Cambria Math" panose="02040503050406030204" pitchFamily="18" charset="0"/>
+                            </a:rPr>
+                            <m:t>𝑥</m:t>
+                          </m:r>
+                        </m:e>
+                      </m:d>
+                      <m:r>
+                        <a:rPr kumimoji="1" lang="en-US" altLang="zh-CN" b="0" i="1" smtClean="0">
+                          <a:solidFill>
+                            <a:schemeClr val="tx1"/>
+                          </a:solidFill>
+                          <a:latin typeface="Cambria Math" panose="02040503050406030204" pitchFamily="18" charset="0"/>
+                        </a:rPr>
+                        <m:t>𝑑𝑥</m:t>
+                      </m:r>
+                      <m:r>
+                        <a:rPr kumimoji="1" lang="en-US" altLang="zh-CN" b="0" i="1" smtClean="0">
+                          <a:solidFill>
+                            <a:schemeClr val="tx1"/>
+                          </a:solidFill>
+                          <a:latin typeface="Cambria Math" panose="02040503050406030204" pitchFamily="18" charset="0"/>
+                        </a:rPr>
+                        <m:t>|=|</m:t>
+                      </m:r>
+                      <m:r>
+                        <a:rPr kumimoji="1" lang="en-US" altLang="zh-CN" i="1">
+                          <a:solidFill>
+                            <a:schemeClr val="tx1"/>
+                          </a:solidFill>
+                          <a:latin typeface="Cambria Math" panose="02040503050406030204" pitchFamily="18" charset="0"/>
+                        </a:rPr>
+                        <m:t>𝑝</m:t>
+                      </m:r>
+                      <m:r>
+                        <a:rPr kumimoji="1" lang="en-US" altLang="zh-CN" i="1" baseline="-25000">
+                          <a:solidFill>
+                            <a:schemeClr val="tx1"/>
+                          </a:solidFill>
+                          <a:latin typeface="Cambria Math" panose="02040503050406030204" pitchFamily="18" charset="0"/>
+                        </a:rPr>
+                        <m:t>𝑌</m:t>
+                      </m:r>
+                      <m:d>
+                        <m:dPr>
+                          <m:ctrlPr>
+                            <a:rPr kumimoji="1" lang="en-US" altLang="zh-CN" i="1">
+                              <a:solidFill>
+                                <a:schemeClr val="tx1"/>
+                              </a:solidFill>
+                              <a:latin typeface="Cambria Math" panose="02040503050406030204" pitchFamily="18" charset="0"/>
+                            </a:rPr>
+                          </m:ctrlPr>
+                        </m:dPr>
+                        <m:e>
+                          <m:r>
+                            <a:rPr kumimoji="1" lang="en-US" altLang="zh-CN" b="0" i="1" smtClean="0">
+                              <a:solidFill>
+                                <a:schemeClr val="tx1"/>
+                              </a:solidFill>
+                              <a:latin typeface="Cambria Math" panose="02040503050406030204" pitchFamily="18" charset="0"/>
+                            </a:rPr>
+                            <m:t>𝑔</m:t>
+                          </m:r>
+                          <m:r>
+                            <a:rPr kumimoji="1" lang="en-US" altLang="zh-CN" b="0" i="1" smtClean="0">
+                              <a:solidFill>
+                                <a:schemeClr val="tx1"/>
+                              </a:solidFill>
+                              <a:latin typeface="Cambria Math" panose="02040503050406030204" pitchFamily="18" charset="0"/>
+                            </a:rPr>
+                            <m:t>(</m:t>
+                          </m:r>
+                          <m:r>
+                            <a:rPr kumimoji="1" lang="en-US" altLang="zh-CN" b="0" i="1" smtClean="0">
+                              <a:solidFill>
+                                <a:schemeClr val="tx1"/>
+                              </a:solidFill>
+                              <a:latin typeface="Cambria Math" panose="02040503050406030204" pitchFamily="18" charset="0"/>
+                            </a:rPr>
+                            <m:t>𝑥</m:t>
+                          </m:r>
+                          <m:r>
+                            <a:rPr kumimoji="1" lang="en-US" altLang="zh-CN" b="0" i="1" smtClean="0">
+                              <a:solidFill>
+                                <a:schemeClr val="tx1"/>
+                              </a:solidFill>
+                              <a:latin typeface="Cambria Math" panose="02040503050406030204" pitchFamily="18" charset="0"/>
+                            </a:rPr>
+                            <m:t>)</m:t>
+                          </m:r>
+                        </m:e>
+                      </m:d>
+                      <m:r>
+                        <a:rPr kumimoji="1" lang="en-US" altLang="zh-CN" i="1">
+                          <a:solidFill>
+                            <a:schemeClr val="tx1"/>
+                          </a:solidFill>
+                          <a:latin typeface="Cambria Math" panose="02040503050406030204" pitchFamily="18" charset="0"/>
+                        </a:rPr>
+                        <m:t>𝑑𝑦</m:t>
+                      </m:r>
+                      <m:r>
+                        <a:rPr kumimoji="1" lang="en-US" altLang="zh-CN" b="0" i="1" smtClean="0">
+                          <a:solidFill>
+                            <a:schemeClr val="tx1"/>
+                          </a:solidFill>
+                          <a:latin typeface="Cambria Math" panose="02040503050406030204" pitchFamily="18" charset="0"/>
+                        </a:rPr>
+                        <m:t>|</m:t>
+                      </m:r>
+                    </m:oMath>
+                  </m:oMathPara>
+                </a14:m>
+                <a:endParaRPr kumimoji="1" lang="en-US" altLang="zh-CN" dirty="0">
+                  <a:solidFill>
+                    <a:schemeClr val="tx1"/>
+                  </a:solidFill>
+                </a:endParaRPr>
+              </a:p>
+            </p:txBody>
+          </p:sp>
+        </mc:Choice>
+        <mc:Fallback xmlns="">
+          <p:sp>
+            <p:nvSpPr>
+              <p:cNvPr id="15" name="内容占位符 4">
+                <a:extLst>
+                  <a:ext uri="{FF2B5EF4-FFF2-40B4-BE49-F238E27FC236}">
+                    <a16:creationId xmlns:a16="http://schemas.microsoft.com/office/drawing/2014/main" id="{D546B250-1177-CF41-AED5-8423F53472D5}"/>
+                  </a:ext>
+                </a:extLst>
+              </p:cNvPr>
+              <p:cNvSpPr txBox="1">
+                <a:spLocks noRot="1" noChangeAspect="1" noMove="1" noResize="1" noEditPoints="1" noAdjustHandles="1" noChangeArrowheads="1" noChangeShapeType="1" noTextEdit="1"/>
+              </p:cNvSpPr>
+              <p:nvPr/>
+            </p:nvSpPr>
+            <p:spPr>
+              <a:xfrm>
+                <a:off x="473363" y="5158274"/>
+                <a:ext cx="6291909" cy="542551"/>
+              </a:xfrm>
+              <a:prstGeom prst="rect">
+                <a:avLst/>
+              </a:prstGeom>
+              <a:blipFill>
+                <a:blip r:embed="rId4"/>
+                <a:stretch>
+                  <a:fillRect/>
+                </a:stretch>
+              </a:blipFill>
+            </p:spPr>
+            <p:txBody>
+              <a:bodyPr/>
+              <a:lstStyle/>
+              <a:p>
+                <a:r>
+                  <a:rPr lang="en-US">
+                    <a:noFill/>
+                  </a:rPr>
+                  <a:t> </a:t>
+                </a:r>
+              </a:p>
+            </p:txBody>
+          </p:sp>
+        </mc:Fallback>
+      </mc:AlternateContent>
+      <mc:AlternateContent xmlns:mc="http://schemas.openxmlformats.org/markup-compatibility/2006" xmlns:a14="http://schemas.microsoft.com/office/drawing/2010/main">
+        <mc:Choice Requires="a14">
+          <p:sp>
+            <p:nvSpPr>
+              <p:cNvPr id="16" name="内容占位符 4">
+                <a:extLst>
+                  <a:ext uri="{FF2B5EF4-FFF2-40B4-BE49-F238E27FC236}">
+                    <a16:creationId xmlns:a16="http://schemas.microsoft.com/office/drawing/2014/main" id="{DAA9C465-DBF0-0142-A370-D18AC7F15280}"/>
+                  </a:ext>
+                </a:extLst>
+              </p:cNvPr>
+              <p:cNvSpPr txBox="1">
+                <a:spLocks/>
+              </p:cNvSpPr>
+              <p:nvPr/>
+            </p:nvSpPr>
+            <p:spPr>
+              <a:xfrm>
+                <a:off x="589111" y="5537793"/>
+                <a:ext cx="5846414" cy="693097"/>
+              </a:xfrm>
+              <a:prstGeom prst="rect">
+                <a:avLst/>
+              </a:prstGeom>
+            </p:spPr>
+            <p:txBody>
+              <a:bodyPr vert="horz" lIns="91440" tIns="45720" rIns="91440" bIns="45720" rtlCol="0">
+                <a:normAutofit fontScale="85000" lnSpcReduction="10000"/>
+              </a:bodyPr>
+              <a:lstStyle>
+                <a:lvl1pPr marL="457200" indent="-457200" algn="l" defTabSz="914400" rtl="0" eaLnBrk="1" latinLnBrk="0" hangingPunct="1">
+                  <a:spcBef>
+                    <a:spcPts val="2000"/>
+                  </a:spcBef>
+                  <a:buClr>
+                    <a:schemeClr val="tx1">
+                      <a:lumMod val="75000"/>
+                      <a:lumOff val="25000"/>
+                    </a:schemeClr>
+                  </a:buClr>
+                  <a:buSzPct val="75000"/>
+                  <a:buFont typeface="Wingdings 2" pitchFamily="18" charset="2"/>
+                  <a:buChar char=""/>
+                  <a:defRPr sz="2200" kern="1200">
+                    <a:solidFill>
+                      <a:schemeClr val="tx1">
+                        <a:lumMod val="75000"/>
+                        <a:lumOff val="25000"/>
+                      </a:schemeClr>
+                    </a:solidFill>
+                    <a:latin typeface="+mn-lt"/>
+                    <a:ea typeface="+mn-ea"/>
+                    <a:cs typeface="+mn-cs"/>
+                  </a:defRPr>
+                </a:lvl1pPr>
+                <a:lvl2pPr marL="914400" indent="-457200" algn="l" defTabSz="914400" rtl="0" eaLnBrk="1" latinLnBrk="0" hangingPunct="1">
+                  <a:spcBef>
+                    <a:spcPts val="600"/>
+                  </a:spcBef>
+                  <a:buClr>
+                    <a:schemeClr val="tx1">
+                      <a:lumMod val="50000"/>
+                      <a:lumOff val="50000"/>
+                    </a:schemeClr>
+                  </a:buClr>
+                  <a:buSzPct val="75000"/>
+                  <a:buFont typeface="Wingdings 2" pitchFamily="18" charset="2"/>
+                  <a:buChar char=""/>
+                  <a:defRPr sz="2000" kern="1200">
+                    <a:solidFill>
+                      <a:schemeClr val="tx1">
+                        <a:lumMod val="75000"/>
+                        <a:lumOff val="25000"/>
+                      </a:schemeClr>
+                    </a:solidFill>
+                    <a:latin typeface="+mn-lt"/>
+                    <a:ea typeface="+mn-ea"/>
+                    <a:cs typeface="+mn-cs"/>
+                  </a:defRPr>
+                </a:lvl2pPr>
+                <a:lvl3pPr marL="1371600" indent="-457200" algn="l" defTabSz="914400" rtl="0" eaLnBrk="1" latinLnBrk="0" hangingPunct="1">
+                  <a:spcBef>
+                    <a:spcPts val="600"/>
+                  </a:spcBef>
+                  <a:buClr>
+                    <a:schemeClr val="tx1">
+                      <a:lumMod val="75000"/>
+                      <a:lumOff val="25000"/>
+                    </a:schemeClr>
+                  </a:buClr>
+                  <a:buSzPct val="75000"/>
+                  <a:buFont typeface="Wingdings 2" pitchFamily="18" charset="2"/>
+                  <a:buChar char=""/>
+                  <a:defRPr sz="1800" kern="1200">
+                    <a:solidFill>
+                      <a:schemeClr val="tx1">
+                        <a:lumMod val="75000"/>
+                        <a:lumOff val="25000"/>
+                      </a:schemeClr>
+                    </a:solidFill>
+                    <a:latin typeface="+mn-lt"/>
+                    <a:ea typeface="+mn-ea"/>
+                    <a:cs typeface="+mn-cs"/>
+                  </a:defRPr>
+                </a:lvl3pPr>
+                <a:lvl4pPr marL="1828800" indent="-457200" algn="l" defTabSz="914400" rtl="0" eaLnBrk="1" latinLnBrk="0" hangingPunct="1">
+                  <a:spcBef>
+                    <a:spcPts val="600"/>
+                  </a:spcBef>
+                  <a:buClr>
+                    <a:schemeClr val="tx1">
+                      <a:lumMod val="50000"/>
+                      <a:lumOff val="50000"/>
+                    </a:schemeClr>
+                  </a:buClr>
+                  <a:buSzPct val="75000"/>
+                  <a:buFont typeface="Wingdings 2" pitchFamily="18" charset="2"/>
+                  <a:buChar char=""/>
+                  <a:defRPr sz="1800" kern="1200">
+                    <a:solidFill>
+                      <a:schemeClr val="tx1">
+                        <a:lumMod val="75000"/>
+                        <a:lumOff val="25000"/>
+                      </a:schemeClr>
+                    </a:solidFill>
+                    <a:latin typeface="+mn-lt"/>
+                    <a:ea typeface="+mn-ea"/>
+                    <a:cs typeface="+mn-cs"/>
+                  </a:defRPr>
+                </a:lvl4pPr>
+                <a:lvl5pPr marL="2286000" indent="-457200" algn="l" defTabSz="914400" rtl="0" eaLnBrk="1" latinLnBrk="0" hangingPunct="1">
+                  <a:spcBef>
+                    <a:spcPts val="600"/>
+                  </a:spcBef>
+                  <a:buClr>
+                    <a:schemeClr val="tx1">
+                      <a:lumMod val="75000"/>
+                      <a:lumOff val="25000"/>
+                    </a:schemeClr>
+                  </a:buClr>
+                  <a:buSzPct val="75000"/>
+                  <a:buFont typeface="Wingdings 2" pitchFamily="18" charset="2"/>
+                  <a:buChar char=""/>
+                  <a:defRPr sz="1800" kern="1200">
+                    <a:solidFill>
+                      <a:schemeClr val="tx1">
+                        <a:lumMod val="75000"/>
+                        <a:lumOff val="25000"/>
+                      </a:schemeClr>
+                    </a:solidFill>
+                    <a:latin typeface="+mn-lt"/>
+                    <a:ea typeface="+mn-ea"/>
+                    <a:cs typeface="+mn-cs"/>
+                  </a:defRPr>
+                </a:lvl5pPr>
+                <a:lvl6pPr marL="2743200" indent="-461963" algn="l" defTabSz="914400" rtl="0" eaLnBrk="1" latinLnBrk="0" hangingPunct="1">
+                  <a:spcBef>
+                    <a:spcPct val="20000"/>
+                  </a:spcBef>
+                  <a:buClr>
+                    <a:schemeClr val="tx1">
+                      <a:lumMod val="50000"/>
+                      <a:lumOff val="50000"/>
+                    </a:schemeClr>
+                  </a:buClr>
+                  <a:buSzPct val="75000"/>
+                  <a:buFont typeface="Wingdings 2" pitchFamily="18" charset="2"/>
+                  <a:buChar char=""/>
+                  <a:defRPr lang="en-US" sz="1800" kern="1200" dirty="0" smtClean="0">
+                    <a:solidFill>
+                      <a:schemeClr val="tx1">
+                        <a:lumMod val="75000"/>
+                        <a:lumOff val="25000"/>
+                      </a:schemeClr>
+                    </a:solidFill>
+                    <a:latin typeface="+mn-lt"/>
+                    <a:ea typeface="+mn-ea"/>
+                    <a:cs typeface="+mn-cs"/>
+                  </a:defRPr>
+                </a:lvl6pPr>
+                <a:lvl7pPr marL="3205163" indent="-461963" algn="l" defTabSz="914400" rtl="0" eaLnBrk="1" latinLnBrk="0" hangingPunct="1">
+                  <a:spcBef>
+                    <a:spcPct val="20000"/>
+                  </a:spcBef>
+                  <a:buClr>
+                    <a:schemeClr val="tx1">
+                      <a:lumMod val="75000"/>
+                      <a:lumOff val="25000"/>
+                    </a:schemeClr>
+                  </a:buClr>
+                  <a:buSzPct val="75000"/>
+                  <a:buFont typeface="Wingdings 2" pitchFamily="18" charset="2"/>
+                  <a:buChar char=""/>
+                  <a:defRPr lang="en-US" sz="1800" kern="1200" dirty="0" smtClean="0">
+                    <a:solidFill>
+                      <a:schemeClr val="tx1">
+                        <a:lumMod val="75000"/>
+                        <a:lumOff val="25000"/>
+                      </a:schemeClr>
+                    </a:solidFill>
+                    <a:latin typeface="+mn-lt"/>
+                    <a:ea typeface="+mn-ea"/>
+                    <a:cs typeface="+mn-cs"/>
+                  </a:defRPr>
+                </a:lvl7pPr>
+                <a:lvl8pPr marL="3657600" indent="-461963" algn="l" defTabSz="914400" rtl="0" eaLnBrk="1" latinLnBrk="0" hangingPunct="1">
+                  <a:spcBef>
+                    <a:spcPct val="20000"/>
+                  </a:spcBef>
+                  <a:buClr>
+                    <a:schemeClr val="tx1">
+                      <a:lumMod val="50000"/>
+                      <a:lumOff val="50000"/>
+                    </a:schemeClr>
+                  </a:buClr>
+                  <a:buSzPct val="75000"/>
+                  <a:buFont typeface="Wingdings 2" pitchFamily="18" charset="2"/>
+                  <a:buChar char=""/>
+                  <a:defRPr lang="en-US" sz="1800" kern="1200" dirty="0" smtClean="0">
+                    <a:solidFill>
+                      <a:schemeClr val="tx1">
+                        <a:lumMod val="75000"/>
+                        <a:lumOff val="25000"/>
+                      </a:schemeClr>
+                    </a:solidFill>
+                    <a:latin typeface="+mn-lt"/>
+                    <a:ea typeface="+mn-ea"/>
+                    <a:cs typeface="+mn-cs"/>
+                  </a:defRPr>
+                </a:lvl8pPr>
+                <a:lvl9pPr marL="4119563" indent="-461963" algn="l" defTabSz="914400" rtl="0" eaLnBrk="1" latinLnBrk="0" hangingPunct="1">
+                  <a:spcBef>
+                    <a:spcPct val="20000"/>
+                  </a:spcBef>
+                  <a:buClr>
+                    <a:schemeClr val="tx1">
+                      <a:lumMod val="75000"/>
+                      <a:lumOff val="25000"/>
+                    </a:schemeClr>
+                  </a:buClr>
+                  <a:buSzPct val="75000"/>
+                  <a:buFont typeface="Wingdings 2" pitchFamily="18" charset="2"/>
+                  <a:buChar char=""/>
+                  <a:defRPr lang="en-US" sz="1800" kern="1200" dirty="0">
+                    <a:solidFill>
+                      <a:schemeClr val="tx1">
+                        <a:lumMod val="75000"/>
+                        <a:lumOff val="25000"/>
+                      </a:schemeClr>
+                    </a:solidFill>
+                    <a:latin typeface="+mn-lt"/>
+                    <a:ea typeface="+mn-ea"/>
+                    <a:cs typeface="+mn-cs"/>
+                  </a:defRPr>
+                </a:lvl9pPr>
+              </a:lstStyle>
+              <a:p>
+                <a:pPr marL="0" indent="0">
+                  <a:buNone/>
+                </a:pPr>
+                <a14:m>
+                  <m:oMathPara xmlns:m="http://schemas.openxmlformats.org/officeDocument/2006/math">
+                    <m:oMathParaPr>
+                      <m:jc m:val="centerGroup"/>
+                    </m:oMathParaPr>
+                    <m:oMath xmlns:m="http://schemas.openxmlformats.org/officeDocument/2006/math">
+                      <m:r>
+                        <a:rPr kumimoji="1" lang="en-US" altLang="zh-CN" i="1" smtClean="0">
+                          <a:solidFill>
+                            <a:schemeClr val="tx1"/>
+                          </a:solidFill>
+                          <a:latin typeface="Cambria Math" panose="02040503050406030204" pitchFamily="18" charset="0"/>
+                        </a:rPr>
+                        <m:t>𝑝</m:t>
+                      </m:r>
+                      <m:r>
+                        <a:rPr kumimoji="1" lang="en-US" altLang="zh-CN" i="1" baseline="-25000">
+                          <a:solidFill>
+                            <a:schemeClr val="tx1"/>
+                          </a:solidFill>
+                          <a:latin typeface="Cambria Math" panose="02040503050406030204" pitchFamily="18" charset="0"/>
+                        </a:rPr>
+                        <m:t>𝑌</m:t>
+                      </m:r>
+                      <m:d>
+                        <m:dPr>
+                          <m:ctrlPr>
+                            <a:rPr kumimoji="1" lang="en-US" altLang="zh-CN" i="1">
+                              <a:solidFill>
+                                <a:schemeClr val="tx1"/>
+                              </a:solidFill>
+                              <a:latin typeface="Cambria Math" panose="02040503050406030204" pitchFamily="18" charset="0"/>
+                            </a:rPr>
+                          </m:ctrlPr>
+                        </m:dPr>
+                        <m:e>
+                          <m:r>
+                            <a:rPr kumimoji="1" lang="en-US" altLang="zh-CN" b="0" i="1" smtClean="0">
+                              <a:solidFill>
+                                <a:schemeClr val="tx1"/>
+                              </a:solidFill>
+                              <a:latin typeface="Cambria Math" panose="02040503050406030204" pitchFamily="18" charset="0"/>
+                            </a:rPr>
+                            <m:t>𝑦</m:t>
+                          </m:r>
+                        </m:e>
+                      </m:d>
+                      <m:r>
+                        <a:rPr kumimoji="1" lang="en-US" altLang="zh-CN" b="0" i="1" smtClean="0">
+                          <a:solidFill>
+                            <a:schemeClr val="tx1"/>
+                          </a:solidFill>
+                          <a:latin typeface="Cambria Math" panose="02040503050406030204" pitchFamily="18" charset="0"/>
+                        </a:rPr>
+                        <m:t>=</m:t>
+                      </m:r>
+                      <m:r>
+                        <a:rPr kumimoji="1" lang="en-US" altLang="zh-CN" b="0" i="1" smtClean="0">
+                          <a:solidFill>
+                            <a:schemeClr val="tx1"/>
+                          </a:solidFill>
+                          <a:latin typeface="Cambria Math" panose="02040503050406030204" pitchFamily="18" charset="0"/>
+                        </a:rPr>
+                        <m:t>𝑝𝑋</m:t>
+                      </m:r>
+                      <m:d>
+                        <m:dPr>
+                          <m:ctrlPr>
+                            <a:rPr kumimoji="1" lang="en-US" altLang="zh-CN" b="0" i="1" smtClean="0">
+                              <a:solidFill>
+                                <a:schemeClr val="tx1"/>
+                              </a:solidFill>
+                              <a:latin typeface="Cambria Math" panose="02040503050406030204" pitchFamily="18" charset="0"/>
+                            </a:rPr>
+                          </m:ctrlPr>
+                        </m:dPr>
+                        <m:e>
+                          <m:sSup>
+                            <m:sSupPr>
+                              <m:ctrlPr>
+                                <a:rPr kumimoji="1" lang="en-US" altLang="zh-CN" i="1" dirty="0" smtClean="0">
+                                  <a:solidFill>
+                                    <a:schemeClr val="tx1"/>
+                                  </a:solidFill>
+                                  <a:latin typeface="Cambria Math" panose="02040503050406030204" pitchFamily="18" charset="0"/>
+                                </a:rPr>
+                              </m:ctrlPr>
+                            </m:sSupPr>
+                            <m:e>
+                              <m:r>
+                                <a:rPr kumimoji="1" lang="en-US" altLang="zh-CN" b="0" i="1" dirty="0" smtClean="0">
+                                  <a:solidFill>
+                                    <a:schemeClr val="tx1"/>
+                                  </a:solidFill>
+                                  <a:latin typeface="Cambria Math" panose="02040503050406030204" pitchFamily="18" charset="0"/>
+                                </a:rPr>
+                                <m:t>𝑔</m:t>
+                              </m:r>
+                            </m:e>
+                            <m:sup>
+                              <m:r>
+                                <a:rPr kumimoji="1" lang="en-US" altLang="zh-CN" b="0" i="1" dirty="0" smtClean="0">
+                                  <a:solidFill>
+                                    <a:schemeClr val="tx1"/>
+                                  </a:solidFill>
+                                  <a:latin typeface="Cambria Math" panose="02040503050406030204" pitchFamily="18" charset="0"/>
+                                </a:rPr>
+                                <m:t>−1</m:t>
+                              </m:r>
+                            </m:sup>
+                          </m:sSup>
+                          <m:d>
+                            <m:dPr>
+                              <m:ctrlPr>
+                                <a:rPr kumimoji="1" lang="en-US" altLang="zh-CN" b="0" i="1" dirty="0" smtClean="0">
+                                  <a:solidFill>
+                                    <a:schemeClr val="tx1"/>
+                                  </a:solidFill>
+                                  <a:latin typeface="Cambria Math" panose="02040503050406030204" pitchFamily="18" charset="0"/>
+                                </a:rPr>
+                              </m:ctrlPr>
+                            </m:dPr>
+                            <m:e>
+                              <m:r>
+                                <a:rPr kumimoji="1" lang="en-US" altLang="zh-CN" b="0" i="1" dirty="0" smtClean="0">
+                                  <a:solidFill>
+                                    <a:schemeClr val="tx1"/>
+                                  </a:solidFill>
+                                  <a:latin typeface="Cambria Math" panose="02040503050406030204" pitchFamily="18" charset="0"/>
+                                </a:rPr>
+                                <m:t>𝑦</m:t>
+                              </m:r>
+                            </m:e>
+                          </m:d>
+                        </m:e>
+                      </m:d>
+                      <m:r>
+                        <a:rPr kumimoji="1" lang="en-US" altLang="zh-CN" b="0" i="1" smtClean="0">
+                          <a:solidFill>
+                            <a:schemeClr val="tx1"/>
+                          </a:solidFill>
+                          <a:latin typeface="Cambria Math" panose="02040503050406030204" pitchFamily="18" charset="0"/>
+                        </a:rPr>
+                        <m:t>|</m:t>
+                      </m:r>
+                      <m:f>
+                        <m:fPr>
+                          <m:ctrlPr>
+                            <a:rPr kumimoji="1" lang="en-US" altLang="zh-CN" b="0" i="1" dirty="0" smtClean="0">
+                              <a:solidFill>
+                                <a:schemeClr val="tx1"/>
+                              </a:solidFill>
+                              <a:latin typeface="Cambria Math" panose="02040503050406030204" pitchFamily="18" charset="0"/>
+                              <a:ea typeface="Cambria Math" panose="02040503050406030204" pitchFamily="18" charset="0"/>
+                            </a:rPr>
+                          </m:ctrlPr>
+                        </m:fPr>
+                        <m:num>
+                          <m:r>
+                            <a:rPr kumimoji="1" lang="en-US" altLang="zh-CN" b="0" i="1" smtClean="0">
+                              <a:solidFill>
+                                <a:schemeClr val="tx1"/>
+                              </a:solidFill>
+                              <a:latin typeface="Cambria Math" panose="02040503050406030204" pitchFamily="18" charset="0"/>
+                              <a:ea typeface="Cambria Math" panose="02040503050406030204" pitchFamily="18" charset="0"/>
+                            </a:rPr>
+                            <m:t>𝜕</m:t>
+                          </m:r>
+                          <m:r>
+                            <m:rPr>
+                              <m:sty m:val="p"/>
+                            </m:rPr>
+                            <a:rPr kumimoji="1" lang="en-US" altLang="zh-CN" i="1" dirty="0">
+                              <a:solidFill>
+                                <a:schemeClr val="tx1"/>
+                              </a:solidFill>
+                              <a:latin typeface="Cambria Math" panose="02040503050406030204" pitchFamily="18" charset="0"/>
+                              <a:ea typeface="Cambria Math" panose="02040503050406030204" pitchFamily="18" charset="0"/>
+                            </a:rPr>
+                            <m:t>x</m:t>
+                          </m:r>
+                        </m:num>
+                        <m:den>
+                          <m:r>
+                            <a:rPr kumimoji="1" lang="en-US" altLang="zh-CN" i="1">
+                              <a:solidFill>
+                                <a:schemeClr val="tx1"/>
+                              </a:solidFill>
+                              <a:latin typeface="Cambria Math" panose="02040503050406030204" pitchFamily="18" charset="0"/>
+                              <a:ea typeface="Cambria Math" panose="02040503050406030204" pitchFamily="18" charset="0"/>
+                            </a:rPr>
+                            <m:t>𝜕</m:t>
+                          </m:r>
+                          <m:r>
+                            <a:rPr kumimoji="1" lang="en-US" altLang="zh-CN" b="0" i="1" smtClean="0">
+                              <a:solidFill>
+                                <a:schemeClr val="tx1"/>
+                              </a:solidFill>
+                              <a:latin typeface="Cambria Math" panose="02040503050406030204" pitchFamily="18" charset="0"/>
+                              <a:ea typeface="Cambria Math" panose="02040503050406030204" pitchFamily="18" charset="0"/>
+                            </a:rPr>
+                            <m:t>𝑦</m:t>
+                          </m:r>
+                        </m:den>
+                      </m:f>
+                      <m:r>
+                        <a:rPr kumimoji="1" lang="en-US" altLang="zh-CN" b="0" i="1" smtClean="0">
+                          <a:solidFill>
+                            <a:schemeClr val="tx1"/>
+                          </a:solidFill>
+                          <a:latin typeface="Cambria Math" panose="02040503050406030204" pitchFamily="18" charset="0"/>
+                        </a:rPr>
+                        <m:t>|</m:t>
+                      </m:r>
+                    </m:oMath>
+                  </m:oMathPara>
+                </a14:m>
+                <a:endParaRPr kumimoji="1" lang="en-US" altLang="zh-CN" dirty="0">
+                  <a:solidFill>
+                    <a:schemeClr val="tx1"/>
+                  </a:solidFill>
+                </a:endParaRPr>
+              </a:p>
+            </p:txBody>
+          </p:sp>
+        </mc:Choice>
+        <mc:Fallback xmlns="">
+          <p:sp>
+            <p:nvSpPr>
+              <p:cNvPr id="16" name="内容占位符 4">
+                <a:extLst>
+                  <a:ext uri="{FF2B5EF4-FFF2-40B4-BE49-F238E27FC236}">
+                    <a16:creationId xmlns:a16="http://schemas.microsoft.com/office/drawing/2014/main" id="{DAA9C465-DBF0-0142-A370-D18AC7F15280}"/>
+                  </a:ext>
+                </a:extLst>
+              </p:cNvPr>
+              <p:cNvSpPr txBox="1">
+                <a:spLocks noRot="1" noChangeAspect="1" noMove="1" noResize="1" noEditPoints="1" noAdjustHandles="1" noChangeArrowheads="1" noChangeShapeType="1" noTextEdit="1"/>
+              </p:cNvSpPr>
+              <p:nvPr/>
+            </p:nvSpPr>
+            <p:spPr>
+              <a:xfrm>
+                <a:off x="589111" y="5537793"/>
+                <a:ext cx="5846414" cy="693097"/>
+              </a:xfrm>
+              <a:prstGeom prst="rect">
+                <a:avLst/>
+              </a:prstGeom>
+              <a:blipFill>
+                <a:blip r:embed="rId5"/>
+                <a:stretch>
+                  <a:fillRect/>
+                </a:stretch>
+              </a:blipFill>
+            </p:spPr>
+            <p:txBody>
+              <a:bodyPr/>
+              <a:lstStyle/>
+              <a:p>
+                <a:r>
+                  <a:rPr lang="en-US">
+                    <a:noFill/>
+                  </a:rPr>
+                  <a:t> </a:t>
+                </a:r>
+              </a:p>
+            </p:txBody>
+          </p:sp>
+        </mc:Fallback>
+      </mc:AlternateContent>
+      <p:sp>
+        <p:nvSpPr>
+          <p:cNvPr id="17" name="TextBox 16">
+            <a:extLst>
+              <a:ext uri="{FF2B5EF4-FFF2-40B4-BE49-F238E27FC236}">
+                <a16:creationId xmlns:a16="http://schemas.microsoft.com/office/drawing/2014/main" id="{6CBEB65E-C728-2840-AE26-FCA807C14261}"/>
+              </a:ext>
+            </a:extLst>
+          </p:cNvPr>
+          <p:cNvSpPr txBox="1"/>
+          <p:nvPr/>
+        </p:nvSpPr>
+        <p:spPr>
+          <a:xfrm>
+            <a:off x="247789" y="1962831"/>
+            <a:ext cx="8694722" cy="707886"/>
+          </a:xfrm>
+          <a:prstGeom prst="rect">
+            <a:avLst/>
+          </a:prstGeom>
+          <a:noFill/>
+        </p:spPr>
+        <p:txBody>
+          <a:bodyPr wrap="square" rtlCol="0">
+            <a:spAutoFit/>
+          </a:bodyPr>
+          <a:lstStyle/>
+          <a:p>
+            <a:r>
+              <a:rPr lang="zh-CN" altLang="en-US" dirty="0"/>
+              <a:t>因为</a:t>
+            </a:r>
+            <a:r>
+              <a:rPr lang="en-US" altLang="zh-CN" dirty="0"/>
+              <a:t>g</a:t>
+            </a:r>
+            <a:r>
+              <a:rPr lang="zh-CN" altLang="en-US" dirty="0"/>
+              <a:t>可能会扩展或压缩空间，在</a:t>
+            </a:r>
+            <a:r>
+              <a:rPr lang="en-US" altLang="zh-CN" dirty="0"/>
+              <a:t>x</a:t>
+            </a:r>
+            <a:r>
+              <a:rPr lang="zh-CN" altLang="en-US" dirty="0"/>
+              <a:t>空间内的包围着</a:t>
+            </a:r>
+            <a:r>
+              <a:rPr lang="en-US" altLang="zh-CN" dirty="0"/>
+              <a:t>x</a:t>
+            </a:r>
+            <a:r>
+              <a:rPr lang="zh-CN" altLang="en-US" dirty="0"/>
+              <a:t>的无穷小体积在</a:t>
+            </a:r>
+            <a:r>
+              <a:rPr lang="en-US" altLang="zh-CN" dirty="0"/>
+              <a:t>y</a:t>
+            </a:r>
+            <a:r>
+              <a:rPr lang="zh-CN" altLang="en-US" dirty="0"/>
+              <a:t>空间中可能有不同的体积。</a:t>
+            </a:r>
+            <a:endParaRPr lang="en-US" altLang="zh-CN" dirty="0"/>
+          </a:p>
+        </p:txBody>
+      </p:sp>
+    </p:spTree>
+    <p:extLst>
+      <p:ext uri="{BB962C8B-B14F-4D97-AF65-F5344CB8AC3E}">
+        <p14:creationId xmlns:p14="http://schemas.microsoft.com/office/powerpoint/2010/main" val="807269427"/>
+      </p:ext>
+    </p:extLst>
+  </p:cSld>
+  <p:clrMapOvr>
+    <a:masterClrMapping/>
+  </p:clrMapOvr>
+  <p:timing>
+    <p:tnLst>
+      <p:par>
+        <p:cTn id="1" dur="indefinite" restart="never" nodeType="tmRoot">
+          <p:childTnLst>
+            <p:seq concurrent="1" nextAc="seek">
+              <p:cTn id="2" dur="indefinite" nodeType="mainSeq">
+                <p:childTnLst>
+                  <p:par>
+                    <p:cTn id="3" fill="hold">
+                      <p:stCondLst>
+                        <p:cond delay="indefinite"/>
+                      </p:stCondLst>
+                      <p:childTnLst>
+                        <p:par>
+                          <p:cTn id="4" fill="hold">
+                            <p:stCondLst>
+                              <p:cond delay="0"/>
+                            </p:stCondLst>
+                            <p:childTnLst>
+                              <p:par>
+                                <p:cTn id="5" presetID="1" presetClass="entr" presetSubtype="0" fill="hold" grpId="0" nodeType="clickEffect">
+                                  <p:stCondLst>
+                                    <p:cond delay="0"/>
+                                  </p:stCondLst>
+                                  <p:childTnLst>
+                                    <p:set>
+                                      <p:cBhvr>
+                                        <p:cTn id="6" dur="1" fill="hold">
+                                          <p:stCondLst>
+                                            <p:cond delay="0"/>
+                                          </p:stCondLst>
+                                        </p:cTn>
+                                        <p:tgtEl>
+                                          <p:spTgt spid="5">
+                                            <p:txEl>
+                                              <p:pRg st="0" end="0"/>
+                                            </p:txEl>
+                                          </p:spTgt>
+                                        </p:tgtEl>
+                                        <p:attrNameLst>
+                                          <p:attrName>style.visibility</p:attrName>
+                                        </p:attrNameLst>
+                                      </p:cBhvr>
+                                      <p:to>
+                                        <p:strVal val="visible"/>
+                                      </p:to>
+                                    </p:set>
+                                  </p:childTnLst>
+                                </p:cTn>
+                              </p:par>
+                            </p:childTnLst>
+                          </p:cTn>
+                        </p:par>
+                      </p:childTnLst>
+                    </p:cTn>
+                  </p:par>
+                  <p:par>
+                    <p:cTn id="7" fill="hold">
+                      <p:stCondLst>
+                        <p:cond delay="indefinite"/>
+                      </p:stCondLst>
+                      <p:childTnLst>
+                        <p:par>
+                          <p:cTn id="8" fill="hold">
+                            <p:stCondLst>
+                              <p:cond delay="0"/>
+                            </p:stCondLst>
+                            <p:childTnLst>
+                              <p:par>
+                                <p:cTn id="9" presetID="1" presetClass="entr" presetSubtype="0" fill="hold" grpId="0" nodeType="clickEffect">
+                                  <p:stCondLst>
+                                    <p:cond delay="0"/>
+                                  </p:stCondLst>
+                                  <p:childTnLst>
+                                    <p:set>
+                                      <p:cBhvr>
+                                        <p:cTn id="10" dur="1" fill="hold">
+                                          <p:stCondLst>
+                                            <p:cond delay="0"/>
+                                          </p:stCondLst>
+                                        </p:cTn>
+                                        <p:tgtEl>
+                                          <p:spTgt spid="17"/>
+                                        </p:tgtEl>
+                                        <p:attrNameLst>
+                                          <p:attrName>style.visibility</p:attrName>
+                                        </p:attrNameLst>
+                                      </p:cBhvr>
+                                      <p:to>
+                                        <p:strVal val="visible"/>
+                                      </p:to>
+                                    </p:set>
+                                  </p:childTnLst>
+                                </p:cTn>
+                              </p:par>
+                            </p:childTnLst>
+                          </p:cTn>
+                        </p:par>
+                      </p:childTnLst>
+                    </p:cTn>
+                  </p:par>
+                  <p:par>
+                    <p:cTn id="11" fill="hold">
+                      <p:stCondLst>
+                        <p:cond delay="indefinite"/>
+                      </p:stCondLst>
+                      <p:childTnLst>
+                        <p:par>
+                          <p:cTn id="12" fill="hold">
+                            <p:stCondLst>
+                              <p:cond delay="0"/>
+                            </p:stCondLst>
+                            <p:childTnLst>
+                              <p:par>
+                                <p:cTn id="13" presetID="1" presetClass="entr" presetSubtype="0" fill="hold" nodeType="clickEffect">
+                                  <p:stCondLst>
+                                    <p:cond delay="0"/>
+                                  </p:stCondLst>
+                                  <p:childTnLst>
+                                    <p:set>
+                                      <p:cBhvr>
+                                        <p:cTn id="14" dur="1" fill="hold">
+                                          <p:stCondLst>
+                                            <p:cond delay="0"/>
+                                          </p:stCondLst>
+                                        </p:cTn>
+                                        <p:tgtEl>
+                                          <p:spTgt spid="19"/>
+                                        </p:tgtEl>
+                                        <p:attrNameLst>
+                                          <p:attrName>style.visibility</p:attrName>
+                                        </p:attrNameLst>
+                                      </p:cBhvr>
+                                      <p:to>
+                                        <p:strVal val="visible"/>
+                                      </p:to>
+                                    </p:set>
+                                  </p:childTnLst>
+                                </p:cTn>
+                              </p:par>
+                            </p:childTnLst>
+                          </p:cTn>
+                        </p:par>
+                      </p:childTnLst>
+                    </p:cTn>
+                  </p:par>
+                  <p:par>
+                    <p:cTn id="15" fill="hold">
+                      <p:stCondLst>
+                        <p:cond delay="indefinite"/>
+                      </p:stCondLst>
+                      <p:childTnLst>
+                        <p:par>
+                          <p:cTn id="16" fill="hold">
+                            <p:stCondLst>
+                              <p:cond delay="0"/>
+                            </p:stCondLst>
+                            <p:childTnLst>
+                              <p:par>
+                                <p:cTn id="17" presetID="1" presetClass="entr" presetSubtype="0" fill="hold" grpId="0" nodeType="clickEffect">
+                                  <p:stCondLst>
+                                    <p:cond delay="0"/>
+                                  </p:stCondLst>
+                                  <p:childTnLst>
+                                    <p:set>
+                                      <p:cBhvr>
+                                        <p:cTn id="18" dur="1" fill="hold">
+                                          <p:stCondLst>
+                                            <p:cond delay="0"/>
+                                          </p:stCondLst>
+                                        </p:cTn>
+                                        <p:tgtEl>
+                                          <p:spTgt spid="13"/>
+                                        </p:tgtEl>
+                                        <p:attrNameLst>
+                                          <p:attrName>style.visibility</p:attrName>
+                                        </p:attrNameLst>
+                                      </p:cBhvr>
+                                      <p:to>
+                                        <p:strVal val="visible"/>
+                                      </p:to>
+                                    </p:set>
+                                  </p:childTnLst>
+                                </p:cTn>
+                              </p:par>
+                            </p:childTnLst>
+                          </p:cTn>
+                        </p:par>
+                      </p:childTnLst>
+                    </p:cTn>
+                  </p:par>
+                  <p:par>
+                    <p:cTn id="19" fill="hold">
+                      <p:stCondLst>
+                        <p:cond delay="indefinite"/>
+                      </p:stCondLst>
+                      <p:childTnLst>
+                        <p:par>
+                          <p:cTn id="20" fill="hold">
+                            <p:stCondLst>
+                              <p:cond delay="0"/>
+                            </p:stCondLst>
+                            <p:childTnLst>
+                              <p:par>
+                                <p:cTn id="21" presetID="1" presetClass="entr" presetSubtype="0" fill="hold" grpId="0" nodeType="clickEffect">
+                                  <p:stCondLst>
+                                    <p:cond delay="0"/>
+                                  </p:stCondLst>
+                                  <p:childTnLst>
+                                    <p:set>
+                                      <p:cBhvr>
+                                        <p:cTn id="22" dur="1" fill="hold">
+                                          <p:stCondLst>
+                                            <p:cond delay="0"/>
+                                          </p:stCondLst>
+                                        </p:cTn>
+                                        <p:tgtEl>
+                                          <p:spTgt spid="15"/>
+                                        </p:tgtEl>
+                                        <p:attrNameLst>
+                                          <p:attrName>style.visibility</p:attrName>
+                                        </p:attrNameLst>
+                                      </p:cBhvr>
+                                      <p:to>
+                                        <p:strVal val="visible"/>
+                                      </p:to>
+                                    </p:set>
+                                  </p:childTnLst>
+                                </p:cTn>
+                              </p:par>
+                            </p:childTnLst>
+                          </p:cTn>
+                        </p:par>
+                      </p:childTnLst>
+                    </p:cTn>
+                  </p:par>
+                  <p:par>
+                    <p:cTn id="23" fill="hold">
+                      <p:stCondLst>
+                        <p:cond delay="indefinite"/>
+                      </p:stCondLst>
+                      <p:childTnLst>
+                        <p:par>
+                          <p:cTn id="24" fill="hold">
+                            <p:stCondLst>
+                              <p:cond delay="0"/>
+                            </p:stCondLst>
+                            <p:childTnLst>
+                              <p:par>
+                                <p:cTn id="25" presetID="1" presetClass="entr" presetSubtype="0" fill="hold" grpId="0" nodeType="clickEffect">
+                                  <p:stCondLst>
+                                    <p:cond delay="0"/>
+                                  </p:stCondLst>
+                                  <p:childTnLst>
+                                    <p:set>
+                                      <p:cBhvr>
+                                        <p:cTn id="26" dur="1" fill="hold">
+                                          <p:stCondLst>
+                                            <p:cond delay="0"/>
+                                          </p:stCondLst>
+                                        </p:cTn>
+                                        <p:tgtEl>
+                                          <p:spTgt spid="16"/>
+                                        </p:tgtEl>
+                                        <p:attrNameLst>
+                                          <p:attrName>style.visibility</p:attrName>
+                                        </p:attrNameLst>
+                                      </p:cBhvr>
+                                      <p:to>
+                                        <p:strVal val="visible"/>
+                                      </p:to>
+                                    </p:set>
+                                  </p:childTnLst>
+                                </p:cTn>
+                              </p:par>
+                            </p:childTnLst>
+                          </p:cTn>
+                        </p:par>
+                      </p:childTnLst>
+                    </p:cTn>
+                  </p:par>
+                </p:childTnLst>
+              </p:cTn>
+              <p:prevCondLst>
+                <p:cond evt="onPrev" delay="0">
+                  <p:tgtEl>
+                    <p:sldTgt/>
+                  </p:tgtEl>
+                </p:cond>
+              </p:prevCondLst>
+              <p:nextCondLst>
+                <p:cond evt="onNext" delay="0">
+                  <p:tgtEl>
+                    <p:sldTgt/>
+                  </p:tgtEl>
+                </p:cond>
+              </p:nextCondLst>
+            </p:seq>
+          </p:childTnLst>
+        </p:cTn>
+      </p:par>
+    </p:tnLst>
+    <p:bldLst>
+      <p:bldP spid="5" grpId="0" build="p"/>
+      <p:bldP spid="13" grpId="0"/>
+      <p:bldP spid="15" grpId="0"/>
+      <p:bldP spid="16" grpId="0"/>
+      <p:bldP spid="17" grpId="0"/>
+    </p:bldLst>
+  </p:timing>
 </p:sld>
 </file>
 

--- a/Deep Learning-3.12-3.14.pptx
+++ b/Deep Learning-3.12-3.14.pptx
@@ -22502,7 +22502,7 @@
                   <a:schemeClr val="tx1"/>
                 </a:solidFill>
               </a:rPr>
-              <a:t>一个特别重要的例子是欧氏空间上的</a:t>
+              <a:t>一个常用的测度是欧氏空间上的</a:t>
             </a:r>
             <a:r>
               <a:rPr kumimoji="1" lang="en-US" altLang="zh-CN" dirty="0">
